--- a/doc/13_外部設計/famiLink 画面デザイン.pptx
+++ b/doc/13_外部設計/famiLink 画面デザイン.pptx
@@ -106,6 +106,11 @@
       </a:defRPr>
     </a:lvl9pPr>
   </p:defaultTextStyle>
+  <p:extLst>
+    <p:ext uri="{EFAFB233-063F-42B5-8137-9DF3F51BA10A}">
+      <p15:sldGuideLst xmlns:p15="http://schemas.microsoft.com/office/powerpoint/2012/main"/>
+    </p:ext>
+  </p:extLst>
 </p:presentation>
 </file>
 
@@ -4655,7 +4660,7 @@
         </p:nvSpPr>
         <p:spPr>
           <a:xfrm>
-            <a:off x="3850640" y="6505008"/>
+            <a:off x="3861424" y="6505008"/>
             <a:ext cx="4490720" cy="307777"/>
           </a:xfrm>
           <a:prstGeom prst="rect">

--- a/doc/13_外部設計/famiLink 画面デザイン.pptx
+++ b/doc/13_外部設計/famiLink 画面デザイン.pptx
@@ -5,9 +5,11 @@
     <p:sldMasterId id="2147483660" r:id="rId1"/>
   </p:sldMasterIdLst>
   <p:sldIdLst>
-    <p:sldId id="256" r:id="rId2"/>
-    <p:sldId id="259" r:id="rId3"/>
-    <p:sldId id="257" r:id="rId4"/>
+    <p:sldId id="259" r:id="rId2"/>
+    <p:sldId id="261" r:id="rId3"/>
+    <p:sldId id="262" r:id="rId4"/>
+    <p:sldId id="257" r:id="rId5"/>
+    <p:sldId id="260" r:id="rId6"/>
   </p:sldIdLst>
   <p:sldSz cx="12192000" cy="6858000"/>
   <p:notesSz cx="6858000" cy="9144000"/>
@@ -107,6 +109,35 @@
     </a:lvl9pPr>
   </p:defaultTextStyle>
   <p:extLst>
+    <p:ext uri="{521415D9-36F7-43E2-AB2F-B90AF26B5E84}">
+      <p14:sectionLst xmlns:p14="http://schemas.microsoft.com/office/powerpoint/2010/main">
+        <p14:section name="ログイン画面" id="{E5EB74CB-7C85-47D3-AC32-40567FAEF618}">
+          <p14:sldIdLst/>
+        </p14:section>
+        <p14:section name="アカウント画面" id="{BCFD2CCE-A018-4A8B-A82F-A99A4AFB5B02}">
+          <p14:sldIdLst/>
+        </p14:section>
+        <p14:section name="ホーム画面" id="{B3CE27B6-794E-4CB8-B611-2E41F6ADFD2C}">
+          <p14:sldIdLst>
+            <p14:sldId id="259"/>
+            <p14:sldId id="261"/>
+            <p14:sldId id="262"/>
+          </p14:sldIdLst>
+        </p14:section>
+        <p14:section name="マニュアル" id="{E60201F6-9C11-4F1F-94AA-860ECBDFF850}">
+          <p14:sldIdLst/>
+        </p14:section>
+        <p14:section name="タスクマネジメント" id="{12747FD5-C46E-49D4-AC69-2F7FD4C30506}">
+          <p14:sldIdLst/>
+        </p14:section>
+        <p14:section name="共通認識" id="{E2578A6E-5362-477D-9133-684E3CBAD98A}">
+          <p14:sldIdLst>
+            <p14:sldId id="257"/>
+            <p14:sldId id="260"/>
+          </p14:sldIdLst>
+        </p14:section>
+      </p14:sectionLst>
+    </p:ext>
     <p:ext uri="{EFAFB233-063F-42B5-8137-9DF3F51BA10A}">
       <p15:sldGuideLst xmlns:p15="http://schemas.microsoft.com/office/powerpoint/2012/main"/>
     </p:ext>
@@ -3352,638 +3383,6 @@
       </p:pic>
       <p:sp>
         <p:nvSpPr>
-          <p:cNvPr id="6" name="フローチャート: 結合子 5">
-            <a:extLst>
-              <a:ext uri="{FF2B5EF4-FFF2-40B4-BE49-F238E27FC236}">
-                <a16:creationId xmlns:a16="http://schemas.microsoft.com/office/drawing/2014/main" id="{760B2358-0756-5D93-6C4A-D5FC31E04F76}"/>
-              </a:ext>
-            </a:extLst>
-          </p:cNvPr>
-          <p:cNvSpPr/>
-          <p:nvPr/>
-        </p:nvSpPr>
-        <p:spPr>
-          <a:xfrm>
-            <a:off x="10894141" y="231057"/>
-            <a:ext cx="924233" cy="924233"/>
-          </a:xfrm>
-          <a:prstGeom prst="flowChartConnector">
-            <a:avLst/>
-          </a:prstGeom>
-          <a:noFill/>
-          <a:ln w="28575">
-            <a:solidFill>
-              <a:srgbClr val="EA7B6B"/>
-            </a:solidFill>
-          </a:ln>
-        </p:spPr>
-        <p:style>
-          <a:lnRef idx="2">
-            <a:schemeClr val="accent1">
-              <a:shade val="15000"/>
-            </a:schemeClr>
-          </a:lnRef>
-          <a:fillRef idx="1">
-            <a:schemeClr val="accent1"/>
-          </a:fillRef>
-          <a:effectRef idx="0">
-            <a:schemeClr val="accent1"/>
-          </a:effectRef>
-          <a:fontRef idx="minor">
-            <a:schemeClr val="lt1"/>
-          </a:fontRef>
-        </p:style>
-        <p:txBody>
-          <a:bodyPr rtlCol="0" anchor="ctr"/>
-          <a:lstStyle/>
-          <a:p>
-            <a:pPr algn="ctr"/>
-            <a:endParaRPr kumimoji="1" lang="ja-JP" altLang="en-US"/>
-          </a:p>
-        </p:txBody>
-      </p:sp>
-      <p:sp>
-        <p:nvSpPr>
-          <p:cNvPr id="8" name="四角形: 角を丸くする 7">
-            <a:extLst>
-              <a:ext uri="{FF2B5EF4-FFF2-40B4-BE49-F238E27FC236}">
-                <a16:creationId xmlns:a16="http://schemas.microsoft.com/office/drawing/2014/main" id="{6D358811-E617-53FB-2E62-DA9574E5440F}"/>
-              </a:ext>
-            </a:extLst>
-          </p:cNvPr>
-          <p:cNvSpPr/>
-          <p:nvPr/>
-        </p:nvSpPr>
-        <p:spPr>
-          <a:xfrm>
-            <a:off x="1386346" y="1966451"/>
-            <a:ext cx="4050893" cy="3795252"/>
-          </a:xfrm>
-          <a:prstGeom prst="roundRect">
-            <a:avLst>
-              <a:gd name="adj" fmla="val 13080"/>
-            </a:avLst>
-          </a:prstGeom>
-          <a:solidFill>
-            <a:srgbClr val="F3B4AB"/>
-          </a:solidFill>
-          <a:ln>
-            <a:noFill/>
-          </a:ln>
-        </p:spPr>
-        <p:style>
-          <a:lnRef idx="2">
-            <a:schemeClr val="accent1">
-              <a:shade val="15000"/>
-            </a:schemeClr>
-          </a:lnRef>
-          <a:fillRef idx="1">
-            <a:schemeClr val="accent1"/>
-          </a:fillRef>
-          <a:effectRef idx="0">
-            <a:schemeClr val="accent1"/>
-          </a:effectRef>
-          <a:fontRef idx="minor">
-            <a:schemeClr val="lt1"/>
-          </a:fontRef>
-        </p:style>
-        <p:txBody>
-          <a:bodyPr rtlCol="0" anchor="ctr"/>
-          <a:lstStyle/>
-          <a:p>
-            <a:pPr algn="ctr"/>
-            <a:endParaRPr kumimoji="1" lang="ja-JP" altLang="en-US"/>
-          </a:p>
-        </p:txBody>
-      </p:sp>
-      <p:sp>
-        <p:nvSpPr>
-          <p:cNvPr id="11" name="四角形: 角を丸くする 10">
-            <a:extLst>
-              <a:ext uri="{FF2B5EF4-FFF2-40B4-BE49-F238E27FC236}">
-                <a16:creationId xmlns:a16="http://schemas.microsoft.com/office/drawing/2014/main" id="{7ABA2B46-F11C-E0C2-B694-2059ED911428}"/>
-              </a:ext>
-            </a:extLst>
-          </p:cNvPr>
-          <p:cNvSpPr/>
-          <p:nvPr/>
-        </p:nvSpPr>
-        <p:spPr>
-          <a:xfrm>
-            <a:off x="6754760" y="1966451"/>
-            <a:ext cx="4050891" cy="3795252"/>
-          </a:xfrm>
-          <a:prstGeom prst="roundRect">
-            <a:avLst>
-              <a:gd name="adj" fmla="val 13080"/>
-            </a:avLst>
-          </a:prstGeom>
-          <a:solidFill>
-            <a:srgbClr val="C6D7E4"/>
-          </a:solidFill>
-          <a:ln>
-            <a:noFill/>
-          </a:ln>
-        </p:spPr>
-        <p:style>
-          <a:lnRef idx="2">
-            <a:schemeClr val="accent1">
-              <a:shade val="15000"/>
-            </a:schemeClr>
-          </a:lnRef>
-          <a:fillRef idx="1">
-            <a:schemeClr val="accent1"/>
-          </a:fillRef>
-          <a:effectRef idx="0">
-            <a:schemeClr val="accent1"/>
-          </a:effectRef>
-          <a:fontRef idx="minor">
-            <a:schemeClr val="lt1"/>
-          </a:fontRef>
-        </p:style>
-        <p:txBody>
-          <a:bodyPr rtlCol="0" anchor="ctr"/>
-          <a:lstStyle/>
-          <a:p>
-            <a:pPr algn="ctr"/>
-            <a:endParaRPr kumimoji="1" lang="ja-JP" altLang="en-US"/>
-          </a:p>
-        </p:txBody>
-      </p:sp>
-      <p:sp>
-        <p:nvSpPr>
-          <p:cNvPr id="12" name="四角形: 角を丸くする 11">
-            <a:extLst>
-              <a:ext uri="{FF2B5EF4-FFF2-40B4-BE49-F238E27FC236}">
-                <a16:creationId xmlns:a16="http://schemas.microsoft.com/office/drawing/2014/main" id="{CA62EC75-2637-6373-DE10-0730E3DE6110}"/>
-              </a:ext>
-            </a:extLst>
-          </p:cNvPr>
-          <p:cNvSpPr/>
-          <p:nvPr/>
-        </p:nvSpPr>
-        <p:spPr>
-          <a:xfrm>
-            <a:off x="1510480" y="2058628"/>
-            <a:ext cx="3802624" cy="3610897"/>
-          </a:xfrm>
-          <a:prstGeom prst="roundRect">
-            <a:avLst>
-              <a:gd name="adj" fmla="val 13080"/>
-            </a:avLst>
-          </a:prstGeom>
-          <a:noFill/>
-          <a:ln w="38100">
-            <a:solidFill>
-              <a:schemeClr val="bg1"/>
-            </a:solidFill>
-            <a:prstDash val="dash"/>
-          </a:ln>
-        </p:spPr>
-        <p:style>
-          <a:lnRef idx="2">
-            <a:schemeClr val="accent1">
-              <a:shade val="15000"/>
-            </a:schemeClr>
-          </a:lnRef>
-          <a:fillRef idx="1">
-            <a:schemeClr val="accent1"/>
-          </a:fillRef>
-          <a:effectRef idx="0">
-            <a:schemeClr val="accent1"/>
-          </a:effectRef>
-          <a:fontRef idx="minor">
-            <a:schemeClr val="lt1"/>
-          </a:fontRef>
-        </p:style>
-        <p:txBody>
-          <a:bodyPr rtlCol="0" anchor="ctr"/>
-          <a:lstStyle/>
-          <a:p>
-            <a:pPr algn="ctr"/>
-            <a:endParaRPr kumimoji="1" lang="ja-JP" altLang="en-US"/>
-          </a:p>
-        </p:txBody>
-      </p:sp>
-      <p:sp>
-        <p:nvSpPr>
-          <p:cNvPr id="13" name="四角形: 角を丸くする 12">
-            <a:extLst>
-              <a:ext uri="{FF2B5EF4-FFF2-40B4-BE49-F238E27FC236}">
-                <a16:creationId xmlns:a16="http://schemas.microsoft.com/office/drawing/2014/main" id="{5F8281DA-2C88-923E-8BD8-8B17536AF9D9}"/>
-              </a:ext>
-            </a:extLst>
-          </p:cNvPr>
-          <p:cNvSpPr/>
-          <p:nvPr/>
-        </p:nvSpPr>
-        <p:spPr>
-          <a:xfrm>
-            <a:off x="6869063" y="2058628"/>
-            <a:ext cx="3802624" cy="3610897"/>
-          </a:xfrm>
-          <a:prstGeom prst="roundRect">
-            <a:avLst>
-              <a:gd name="adj" fmla="val 13080"/>
-            </a:avLst>
-          </a:prstGeom>
-          <a:noFill/>
-          <a:ln w="38100">
-            <a:solidFill>
-              <a:schemeClr val="bg1"/>
-            </a:solidFill>
-            <a:prstDash val="dash"/>
-          </a:ln>
-        </p:spPr>
-        <p:style>
-          <a:lnRef idx="2">
-            <a:schemeClr val="accent1">
-              <a:shade val="15000"/>
-            </a:schemeClr>
-          </a:lnRef>
-          <a:fillRef idx="1">
-            <a:schemeClr val="accent1"/>
-          </a:fillRef>
-          <a:effectRef idx="0">
-            <a:schemeClr val="accent1"/>
-          </a:effectRef>
-          <a:fontRef idx="minor">
-            <a:schemeClr val="lt1"/>
-          </a:fontRef>
-        </p:style>
-        <p:txBody>
-          <a:bodyPr rtlCol="0" anchor="ctr"/>
-          <a:lstStyle/>
-          <a:p>
-            <a:pPr algn="ctr"/>
-            <a:endParaRPr kumimoji="1" lang="ja-JP" altLang="en-US"/>
-          </a:p>
-        </p:txBody>
-      </p:sp>
-      <p:sp>
-        <p:nvSpPr>
-          <p:cNvPr id="14" name="正方形/長方形 13">
-            <a:extLst>
-              <a:ext uri="{FF2B5EF4-FFF2-40B4-BE49-F238E27FC236}">
-                <a16:creationId xmlns:a16="http://schemas.microsoft.com/office/drawing/2014/main" id="{52192687-6E27-88C8-ED3C-4F58ED7237DC}"/>
-              </a:ext>
-            </a:extLst>
-          </p:cNvPr>
-          <p:cNvSpPr/>
-          <p:nvPr/>
-        </p:nvSpPr>
-        <p:spPr>
-          <a:xfrm>
-            <a:off x="0" y="6459794"/>
-            <a:ext cx="12192000" cy="398206"/>
-          </a:xfrm>
-          <a:prstGeom prst="rect">
-            <a:avLst/>
-          </a:prstGeom>
-          <a:solidFill>
-            <a:srgbClr val="F5F5F5"/>
-          </a:solidFill>
-          <a:ln>
-            <a:noFill/>
-          </a:ln>
-        </p:spPr>
-        <p:style>
-          <a:lnRef idx="2">
-            <a:schemeClr val="accent1">
-              <a:shade val="15000"/>
-            </a:schemeClr>
-          </a:lnRef>
-          <a:fillRef idx="1">
-            <a:schemeClr val="accent1"/>
-          </a:fillRef>
-          <a:effectRef idx="0">
-            <a:schemeClr val="accent1"/>
-          </a:effectRef>
-          <a:fontRef idx="minor">
-            <a:schemeClr val="lt1"/>
-          </a:fontRef>
-        </p:style>
-        <p:txBody>
-          <a:bodyPr rtlCol="0" anchor="ctr"/>
-          <a:lstStyle/>
-          <a:p>
-            <a:pPr algn="ctr"/>
-            <a:endParaRPr kumimoji="1" lang="ja-JP" altLang="en-US"/>
-          </a:p>
-        </p:txBody>
-      </p:sp>
-      <p:sp>
-        <p:nvSpPr>
-          <p:cNvPr id="15" name="フローチャート: 結合子 14">
-            <a:extLst>
-              <a:ext uri="{FF2B5EF4-FFF2-40B4-BE49-F238E27FC236}">
-                <a16:creationId xmlns:a16="http://schemas.microsoft.com/office/drawing/2014/main" id="{D05A29E2-273E-D3FB-A6C2-839C27DA4BB8}"/>
-              </a:ext>
-            </a:extLst>
-          </p:cNvPr>
-          <p:cNvSpPr/>
-          <p:nvPr/>
-        </p:nvSpPr>
-        <p:spPr>
-          <a:xfrm>
-            <a:off x="11173131" y="353961"/>
-            <a:ext cx="366250" cy="349044"/>
-          </a:xfrm>
-          <a:prstGeom prst="flowChartConnector">
-            <a:avLst/>
-          </a:prstGeom>
-          <a:noFill/>
-          <a:ln w="28575">
-            <a:solidFill>
-              <a:srgbClr val="EA7B6B"/>
-            </a:solidFill>
-          </a:ln>
-        </p:spPr>
-        <p:style>
-          <a:lnRef idx="2">
-            <a:schemeClr val="accent1">
-              <a:shade val="15000"/>
-            </a:schemeClr>
-          </a:lnRef>
-          <a:fillRef idx="1">
-            <a:schemeClr val="accent1"/>
-          </a:fillRef>
-          <a:effectRef idx="0">
-            <a:schemeClr val="accent1"/>
-          </a:effectRef>
-          <a:fontRef idx="minor">
-            <a:schemeClr val="lt1"/>
-          </a:fontRef>
-        </p:style>
-        <p:txBody>
-          <a:bodyPr rtlCol="0" anchor="ctr"/>
-          <a:lstStyle/>
-          <a:p>
-            <a:pPr algn="ctr"/>
-            <a:endParaRPr kumimoji="1" lang="ja-JP" altLang="en-US"/>
-          </a:p>
-        </p:txBody>
-      </p:sp>
-      <p:sp>
-        <p:nvSpPr>
-          <p:cNvPr id="16" name="円弧 15">
-            <a:extLst>
-              <a:ext uri="{FF2B5EF4-FFF2-40B4-BE49-F238E27FC236}">
-                <a16:creationId xmlns:a16="http://schemas.microsoft.com/office/drawing/2014/main" id="{24D54118-16BA-E4E7-2C10-DC055B34DBCF}"/>
-              </a:ext>
-            </a:extLst>
-          </p:cNvPr>
-          <p:cNvSpPr/>
-          <p:nvPr/>
-        </p:nvSpPr>
-        <p:spPr>
-          <a:xfrm rot="19079286">
-            <a:off x="11002294" y="767201"/>
-            <a:ext cx="707924" cy="698091"/>
-          </a:xfrm>
-          <a:prstGeom prst="arc">
-            <a:avLst/>
-          </a:prstGeom>
-          <a:ln w="28575">
-            <a:solidFill>
-              <a:srgbClr val="EA7B6B"/>
-            </a:solidFill>
-          </a:ln>
-        </p:spPr>
-        <p:style>
-          <a:lnRef idx="1">
-            <a:schemeClr val="accent1"/>
-          </a:lnRef>
-          <a:fillRef idx="0">
-            <a:schemeClr val="accent1"/>
-          </a:fillRef>
-          <a:effectRef idx="0">
-            <a:schemeClr val="accent1"/>
-          </a:effectRef>
-          <a:fontRef idx="minor">
-            <a:schemeClr val="tx1"/>
-          </a:fontRef>
-        </p:style>
-        <p:txBody>
-          <a:bodyPr rtlCol="0" anchor="ctr"/>
-          <a:lstStyle/>
-          <a:p>
-            <a:pPr algn="ctr"/>
-            <a:endParaRPr kumimoji="1" lang="ja-JP" altLang="en-US"/>
-          </a:p>
-        </p:txBody>
-      </p:sp>
-      <p:sp>
-        <p:nvSpPr>
-          <p:cNvPr id="18" name="テキスト ボックス 17">
-            <a:extLst>
-              <a:ext uri="{FF2B5EF4-FFF2-40B4-BE49-F238E27FC236}">
-                <a16:creationId xmlns:a16="http://schemas.microsoft.com/office/drawing/2014/main" id="{FB2ACA54-02A5-9444-157C-C6C4B251D7FA}"/>
-              </a:ext>
-            </a:extLst>
-          </p:cNvPr>
-          <p:cNvSpPr txBox="1"/>
-          <p:nvPr/>
-        </p:nvSpPr>
-        <p:spPr>
-          <a:xfrm>
-            <a:off x="2231211" y="3482857"/>
-            <a:ext cx="2361161" cy="769441"/>
-          </a:xfrm>
-          <a:prstGeom prst="rect">
-            <a:avLst/>
-          </a:prstGeom>
-          <a:noFill/>
-        </p:spPr>
-        <p:txBody>
-          <a:bodyPr wrap="square" rtlCol="0">
-            <a:spAutoFit/>
-          </a:bodyPr>
-          <a:lstStyle/>
-          <a:p>
-            <a:r>
-              <a:rPr kumimoji="1" lang="en-US" altLang="ja-JP" sz="4400" dirty="0">
-                <a:solidFill>
-                  <a:srgbClr val="001746"/>
-                </a:solidFill>
-                <a:latin typeface="Kristen ITC" panose="03050502040202030202" pitchFamily="66" charset="0"/>
-              </a:rPr>
-              <a:t>Manual</a:t>
-            </a:r>
-            <a:endParaRPr kumimoji="1" lang="ja-JP" altLang="en-US" sz="4400" dirty="0">
-              <a:solidFill>
-                <a:srgbClr val="001746"/>
-              </a:solidFill>
-              <a:latin typeface="Kristen ITC" panose="03050502040202030202" pitchFamily="66" charset="0"/>
-            </a:endParaRPr>
-          </a:p>
-        </p:txBody>
-      </p:sp>
-      <p:sp>
-        <p:nvSpPr>
-          <p:cNvPr id="19" name="テキスト ボックス 18">
-            <a:extLst>
-              <a:ext uri="{FF2B5EF4-FFF2-40B4-BE49-F238E27FC236}">
-                <a16:creationId xmlns:a16="http://schemas.microsoft.com/office/drawing/2014/main" id="{CDEC0DEC-E984-1D2D-A0A6-87A27DFFDD43}"/>
-              </a:ext>
-            </a:extLst>
-          </p:cNvPr>
-          <p:cNvSpPr txBox="1"/>
-          <p:nvPr/>
-        </p:nvSpPr>
-        <p:spPr>
-          <a:xfrm>
-            <a:off x="7939341" y="3448577"/>
-            <a:ext cx="1681727" cy="830997"/>
-          </a:xfrm>
-          <a:prstGeom prst="rect">
-            <a:avLst/>
-          </a:prstGeom>
-          <a:noFill/>
-        </p:spPr>
-        <p:txBody>
-          <a:bodyPr wrap="square" rtlCol="0">
-            <a:spAutoFit/>
-          </a:bodyPr>
-          <a:lstStyle/>
-          <a:p>
-            <a:r>
-              <a:rPr kumimoji="1" lang="en-US" altLang="ja-JP" sz="4800" dirty="0">
-                <a:solidFill>
-                  <a:srgbClr val="001746"/>
-                </a:solidFill>
-                <a:latin typeface="Kristen ITC" panose="03050502040202030202" pitchFamily="66" charset="0"/>
-              </a:rPr>
-              <a:t>Task</a:t>
-            </a:r>
-            <a:endParaRPr kumimoji="1" lang="ja-JP" altLang="en-US" sz="4800" dirty="0">
-              <a:solidFill>
-                <a:srgbClr val="001746"/>
-              </a:solidFill>
-              <a:latin typeface="Kristen ITC" panose="03050502040202030202" pitchFamily="66" charset="0"/>
-            </a:endParaRPr>
-          </a:p>
-        </p:txBody>
-      </p:sp>
-    </p:spTree>
-    <p:extLst>
-      <p:ext uri="{BB962C8B-B14F-4D97-AF65-F5344CB8AC3E}">
-        <p14:creationId xmlns:p14="http://schemas.microsoft.com/office/powerpoint/2010/main" val="2661984965"/>
-      </p:ext>
-    </p:extLst>
-  </p:cSld>
-  <p:clrMapOvr>
-    <a:masterClrMapping/>
-  </p:clrMapOvr>
-</p:sld>
-</file>
-
-<file path=ppt/slides/slide2.xml><?xml version="1.0" encoding="utf-8"?>
-<p:sld xmlns:a="http://schemas.openxmlformats.org/drawingml/2006/main" xmlns:r="http://schemas.openxmlformats.org/officeDocument/2006/relationships" xmlns:p="http://schemas.openxmlformats.org/presentationml/2006/main">
-  <p:cSld>
-    <p:spTree>
-      <p:nvGrpSpPr>
-        <p:cNvPr id="1" name=""/>
-        <p:cNvGrpSpPr/>
-        <p:nvPr/>
-      </p:nvGrpSpPr>
-      <p:grpSpPr>
-        <a:xfrm>
-          <a:off x="0" y="0"/>
-          <a:ext cx="0" cy="0"/>
-          <a:chOff x="0" y="0"/>
-          <a:chExt cx="0" cy="0"/>
-        </a:xfrm>
-      </p:grpSpPr>
-      <p:sp>
-        <p:nvSpPr>
-          <p:cNvPr id="7" name="正方形/長方形 6">
-            <a:extLst>
-              <a:ext uri="{FF2B5EF4-FFF2-40B4-BE49-F238E27FC236}">
-                <a16:creationId xmlns:a16="http://schemas.microsoft.com/office/drawing/2014/main" id="{3830DDF9-5B12-DDDD-082C-AF3BF586F355}"/>
-              </a:ext>
-            </a:extLst>
-          </p:cNvPr>
-          <p:cNvSpPr/>
-          <p:nvPr/>
-        </p:nvSpPr>
-        <p:spPr>
-          <a:xfrm>
-            <a:off x="0" y="0"/>
-            <a:ext cx="12192000" cy="1386348"/>
-          </a:xfrm>
-          <a:prstGeom prst="rect">
-            <a:avLst/>
-          </a:prstGeom>
-          <a:solidFill>
-            <a:srgbClr val="F5F5F5"/>
-          </a:solidFill>
-          <a:ln>
-            <a:noFill/>
-          </a:ln>
-        </p:spPr>
-        <p:style>
-          <a:lnRef idx="2">
-            <a:schemeClr val="accent1">
-              <a:shade val="15000"/>
-            </a:schemeClr>
-          </a:lnRef>
-          <a:fillRef idx="1">
-            <a:schemeClr val="accent1"/>
-          </a:fillRef>
-          <a:effectRef idx="0">
-            <a:schemeClr val="accent1"/>
-          </a:effectRef>
-          <a:fontRef idx="minor">
-            <a:schemeClr val="lt1"/>
-          </a:fontRef>
-        </p:style>
-        <p:txBody>
-          <a:bodyPr rtlCol="0" anchor="ctr"/>
-          <a:lstStyle/>
-          <a:p>
-            <a:pPr algn="ctr"/>
-            <a:endParaRPr kumimoji="1" lang="ja-JP" altLang="en-US"/>
-          </a:p>
-        </p:txBody>
-      </p:sp>
-      <p:pic>
-        <p:nvPicPr>
-          <p:cNvPr id="5" name="図 4" descr="ロゴ&#10;&#10;中程度の精度で自動的に生成された説明">
-            <a:extLst>
-              <a:ext uri="{FF2B5EF4-FFF2-40B4-BE49-F238E27FC236}">
-                <a16:creationId xmlns:a16="http://schemas.microsoft.com/office/drawing/2014/main" id="{B9A39F28-1EBD-1E84-D159-443CA1B611CF}"/>
-              </a:ext>
-            </a:extLst>
-          </p:cNvPr>
-          <p:cNvPicPr>
-            <a:picLocks noChangeAspect="1"/>
-          </p:cNvPicPr>
-          <p:nvPr/>
-        </p:nvPicPr>
-        <p:blipFill rotWithShape="1">
-          <a:blip r:embed="rId2">
-            <a:extLst>
-              <a:ext uri="{28A0092B-C50C-407E-A947-70E740481C1C}">
-                <a14:useLocalDpi xmlns:a14="http://schemas.microsoft.com/office/drawing/2010/main" val="0"/>
-              </a:ext>
-            </a:extLst>
-          </a:blip>
-          <a:srcRect l="14562" t="11298" b="30517"/>
-          <a:stretch/>
-        </p:blipFill>
-        <p:spPr>
-          <a:xfrm>
-            <a:off x="4826940" y="196644"/>
-            <a:ext cx="2538120" cy="1012723"/>
-          </a:xfrm>
-          <a:prstGeom prst="rect">
-            <a:avLst/>
-          </a:prstGeom>
-        </p:spPr>
-      </p:pic>
-      <p:sp>
-        <p:nvSpPr>
           <p:cNvPr id="8" name="四角形: 角を丸くする 7">
             <a:extLst>
               <a:ext uri="{FF2B5EF4-FFF2-40B4-BE49-F238E27FC236}">
@@ -4719,7 +4118,2433 @@
 </p:sld>
 </file>
 
+<file path=ppt/slides/slide2.xml><?xml version="1.0" encoding="utf-8"?>
+<p:sld xmlns:a="http://schemas.openxmlformats.org/drawingml/2006/main" xmlns:r="http://schemas.openxmlformats.org/officeDocument/2006/relationships" xmlns:p="http://schemas.openxmlformats.org/presentationml/2006/main">
+  <p:cSld>
+    <p:spTree>
+      <p:nvGrpSpPr>
+        <p:cNvPr id="1" name=""/>
+        <p:cNvGrpSpPr/>
+        <p:nvPr/>
+      </p:nvGrpSpPr>
+      <p:grpSpPr>
+        <a:xfrm>
+          <a:off x="0" y="0"/>
+          <a:ext cx="0" cy="0"/>
+          <a:chOff x="0" y="0"/>
+          <a:chExt cx="0" cy="0"/>
+        </a:xfrm>
+      </p:grpSpPr>
+      <p:sp>
+        <p:nvSpPr>
+          <p:cNvPr id="7" name="正方形/長方形 6">
+            <a:extLst>
+              <a:ext uri="{FF2B5EF4-FFF2-40B4-BE49-F238E27FC236}">
+                <a16:creationId xmlns:a16="http://schemas.microsoft.com/office/drawing/2014/main" id="{3830DDF9-5B12-DDDD-082C-AF3BF586F355}"/>
+              </a:ext>
+            </a:extLst>
+          </p:cNvPr>
+          <p:cNvSpPr/>
+          <p:nvPr/>
+        </p:nvSpPr>
+        <p:spPr>
+          <a:xfrm>
+            <a:off x="0" y="0"/>
+            <a:ext cx="12192000" cy="1386348"/>
+          </a:xfrm>
+          <a:prstGeom prst="rect">
+            <a:avLst/>
+          </a:prstGeom>
+          <a:solidFill>
+            <a:srgbClr val="F5F5F5"/>
+          </a:solidFill>
+          <a:ln>
+            <a:noFill/>
+          </a:ln>
+        </p:spPr>
+        <p:style>
+          <a:lnRef idx="2">
+            <a:schemeClr val="accent1">
+              <a:shade val="15000"/>
+            </a:schemeClr>
+          </a:lnRef>
+          <a:fillRef idx="1">
+            <a:schemeClr val="accent1"/>
+          </a:fillRef>
+          <a:effectRef idx="0">
+            <a:schemeClr val="accent1"/>
+          </a:effectRef>
+          <a:fontRef idx="minor">
+            <a:schemeClr val="lt1"/>
+          </a:fontRef>
+        </p:style>
+        <p:txBody>
+          <a:bodyPr rtlCol="0" anchor="ctr"/>
+          <a:lstStyle/>
+          <a:p>
+            <a:pPr algn="ctr"/>
+            <a:endParaRPr kumimoji="1" lang="ja-JP" altLang="en-US"/>
+          </a:p>
+        </p:txBody>
+      </p:sp>
+      <p:pic>
+        <p:nvPicPr>
+          <p:cNvPr id="5" name="図 4" descr="ロゴ&#10;&#10;中程度の精度で自動的に生成された説明">
+            <a:extLst>
+              <a:ext uri="{FF2B5EF4-FFF2-40B4-BE49-F238E27FC236}">
+                <a16:creationId xmlns:a16="http://schemas.microsoft.com/office/drawing/2014/main" id="{B9A39F28-1EBD-1E84-D159-443CA1B611CF}"/>
+              </a:ext>
+            </a:extLst>
+          </p:cNvPr>
+          <p:cNvPicPr>
+            <a:picLocks noChangeAspect="1"/>
+          </p:cNvPicPr>
+          <p:nvPr/>
+        </p:nvPicPr>
+        <p:blipFill rotWithShape="1">
+          <a:blip r:embed="rId2">
+            <a:extLst>
+              <a:ext uri="{28A0092B-C50C-407E-A947-70E740481C1C}">
+                <a14:useLocalDpi xmlns:a14="http://schemas.microsoft.com/office/drawing/2010/main" val="0"/>
+              </a:ext>
+            </a:extLst>
+          </a:blip>
+          <a:srcRect l="14562" t="11298" b="30517"/>
+          <a:stretch/>
+        </p:blipFill>
+        <p:spPr>
+          <a:xfrm>
+            <a:off x="4826940" y="196644"/>
+            <a:ext cx="2538120" cy="1012723"/>
+          </a:xfrm>
+          <a:prstGeom prst="rect">
+            <a:avLst/>
+          </a:prstGeom>
+        </p:spPr>
+      </p:pic>
+      <p:sp>
+        <p:nvSpPr>
+          <p:cNvPr id="8" name="四角形: 角を丸くする 7">
+            <a:extLst>
+              <a:ext uri="{FF2B5EF4-FFF2-40B4-BE49-F238E27FC236}">
+                <a16:creationId xmlns:a16="http://schemas.microsoft.com/office/drawing/2014/main" id="{6D358811-E617-53FB-2E62-DA9574E5440F}"/>
+              </a:ext>
+            </a:extLst>
+          </p:cNvPr>
+          <p:cNvSpPr/>
+          <p:nvPr/>
+        </p:nvSpPr>
+        <p:spPr>
+          <a:xfrm>
+            <a:off x="1386346" y="1966451"/>
+            <a:ext cx="4050893" cy="3795252"/>
+          </a:xfrm>
+          <a:prstGeom prst="roundRect">
+            <a:avLst>
+              <a:gd name="adj" fmla="val 13080"/>
+            </a:avLst>
+          </a:prstGeom>
+          <a:solidFill>
+            <a:srgbClr val="F3B4AB"/>
+          </a:solidFill>
+          <a:ln>
+            <a:noFill/>
+          </a:ln>
+        </p:spPr>
+        <p:style>
+          <a:lnRef idx="2">
+            <a:schemeClr val="accent1">
+              <a:shade val="15000"/>
+            </a:schemeClr>
+          </a:lnRef>
+          <a:fillRef idx="1">
+            <a:schemeClr val="accent1"/>
+          </a:fillRef>
+          <a:effectRef idx="0">
+            <a:schemeClr val="accent1"/>
+          </a:effectRef>
+          <a:fontRef idx="minor">
+            <a:schemeClr val="lt1"/>
+          </a:fontRef>
+        </p:style>
+        <p:txBody>
+          <a:bodyPr rtlCol="0" anchor="ctr"/>
+          <a:lstStyle/>
+          <a:p>
+            <a:pPr algn="ctr"/>
+            <a:endParaRPr kumimoji="1" lang="ja-JP" altLang="en-US"/>
+          </a:p>
+        </p:txBody>
+      </p:sp>
+      <p:sp>
+        <p:nvSpPr>
+          <p:cNvPr id="11" name="四角形: 角を丸くする 10">
+            <a:extLst>
+              <a:ext uri="{FF2B5EF4-FFF2-40B4-BE49-F238E27FC236}">
+                <a16:creationId xmlns:a16="http://schemas.microsoft.com/office/drawing/2014/main" id="{7ABA2B46-F11C-E0C2-B694-2059ED911428}"/>
+              </a:ext>
+            </a:extLst>
+          </p:cNvPr>
+          <p:cNvSpPr/>
+          <p:nvPr/>
+        </p:nvSpPr>
+        <p:spPr>
+          <a:xfrm>
+            <a:off x="6754760" y="1966451"/>
+            <a:ext cx="4050891" cy="3795252"/>
+          </a:xfrm>
+          <a:prstGeom prst="roundRect">
+            <a:avLst>
+              <a:gd name="adj" fmla="val 13080"/>
+            </a:avLst>
+          </a:prstGeom>
+          <a:solidFill>
+            <a:srgbClr val="C6D7E4"/>
+          </a:solidFill>
+          <a:ln>
+            <a:noFill/>
+          </a:ln>
+        </p:spPr>
+        <p:style>
+          <a:lnRef idx="2">
+            <a:schemeClr val="accent1">
+              <a:shade val="15000"/>
+            </a:schemeClr>
+          </a:lnRef>
+          <a:fillRef idx="1">
+            <a:schemeClr val="accent1"/>
+          </a:fillRef>
+          <a:effectRef idx="0">
+            <a:schemeClr val="accent1"/>
+          </a:effectRef>
+          <a:fontRef idx="minor">
+            <a:schemeClr val="lt1"/>
+          </a:fontRef>
+        </p:style>
+        <p:txBody>
+          <a:bodyPr rtlCol="0" anchor="ctr"/>
+          <a:lstStyle/>
+          <a:p>
+            <a:pPr algn="ctr"/>
+            <a:endParaRPr kumimoji="1" lang="ja-JP" altLang="en-US"/>
+          </a:p>
+        </p:txBody>
+      </p:sp>
+      <p:sp>
+        <p:nvSpPr>
+          <p:cNvPr id="12" name="四角形: 角を丸くする 11">
+            <a:extLst>
+              <a:ext uri="{FF2B5EF4-FFF2-40B4-BE49-F238E27FC236}">
+                <a16:creationId xmlns:a16="http://schemas.microsoft.com/office/drawing/2014/main" id="{CA62EC75-2637-6373-DE10-0730E3DE6110}"/>
+              </a:ext>
+            </a:extLst>
+          </p:cNvPr>
+          <p:cNvSpPr/>
+          <p:nvPr/>
+        </p:nvSpPr>
+        <p:spPr>
+          <a:xfrm>
+            <a:off x="1510480" y="2058628"/>
+            <a:ext cx="3802624" cy="3610897"/>
+          </a:xfrm>
+          <a:prstGeom prst="roundRect">
+            <a:avLst>
+              <a:gd name="adj" fmla="val 13080"/>
+            </a:avLst>
+          </a:prstGeom>
+          <a:noFill/>
+          <a:ln w="38100">
+            <a:solidFill>
+              <a:schemeClr val="bg1"/>
+            </a:solidFill>
+            <a:prstDash val="dash"/>
+          </a:ln>
+        </p:spPr>
+        <p:style>
+          <a:lnRef idx="2">
+            <a:schemeClr val="accent1">
+              <a:shade val="15000"/>
+            </a:schemeClr>
+          </a:lnRef>
+          <a:fillRef idx="1">
+            <a:schemeClr val="accent1"/>
+          </a:fillRef>
+          <a:effectRef idx="0">
+            <a:schemeClr val="accent1"/>
+          </a:effectRef>
+          <a:fontRef idx="minor">
+            <a:schemeClr val="lt1"/>
+          </a:fontRef>
+        </p:style>
+        <p:txBody>
+          <a:bodyPr rtlCol="0" anchor="ctr"/>
+          <a:lstStyle/>
+          <a:p>
+            <a:pPr algn="ctr"/>
+            <a:endParaRPr kumimoji="1" lang="ja-JP" altLang="en-US"/>
+          </a:p>
+        </p:txBody>
+      </p:sp>
+      <p:sp>
+        <p:nvSpPr>
+          <p:cNvPr id="13" name="四角形: 角を丸くする 12">
+            <a:extLst>
+              <a:ext uri="{FF2B5EF4-FFF2-40B4-BE49-F238E27FC236}">
+                <a16:creationId xmlns:a16="http://schemas.microsoft.com/office/drawing/2014/main" id="{5F8281DA-2C88-923E-8BD8-8B17536AF9D9}"/>
+              </a:ext>
+            </a:extLst>
+          </p:cNvPr>
+          <p:cNvSpPr/>
+          <p:nvPr/>
+        </p:nvSpPr>
+        <p:spPr>
+          <a:xfrm>
+            <a:off x="6869063" y="2058628"/>
+            <a:ext cx="3802624" cy="3610897"/>
+          </a:xfrm>
+          <a:prstGeom prst="roundRect">
+            <a:avLst>
+              <a:gd name="adj" fmla="val 13080"/>
+            </a:avLst>
+          </a:prstGeom>
+          <a:noFill/>
+          <a:ln w="38100">
+            <a:solidFill>
+              <a:schemeClr val="bg1"/>
+            </a:solidFill>
+            <a:prstDash val="dash"/>
+          </a:ln>
+        </p:spPr>
+        <p:style>
+          <a:lnRef idx="2">
+            <a:schemeClr val="accent1">
+              <a:shade val="15000"/>
+            </a:schemeClr>
+          </a:lnRef>
+          <a:fillRef idx="1">
+            <a:schemeClr val="accent1"/>
+          </a:fillRef>
+          <a:effectRef idx="0">
+            <a:schemeClr val="accent1"/>
+          </a:effectRef>
+          <a:fontRef idx="minor">
+            <a:schemeClr val="lt1"/>
+          </a:fontRef>
+        </p:style>
+        <p:txBody>
+          <a:bodyPr rtlCol="0" anchor="ctr"/>
+          <a:lstStyle/>
+          <a:p>
+            <a:pPr algn="ctr"/>
+            <a:endParaRPr kumimoji="1" lang="ja-JP" altLang="en-US"/>
+          </a:p>
+        </p:txBody>
+      </p:sp>
+      <p:sp>
+        <p:nvSpPr>
+          <p:cNvPr id="14" name="正方形/長方形 13">
+            <a:extLst>
+              <a:ext uri="{FF2B5EF4-FFF2-40B4-BE49-F238E27FC236}">
+                <a16:creationId xmlns:a16="http://schemas.microsoft.com/office/drawing/2014/main" id="{52192687-6E27-88C8-ED3C-4F58ED7237DC}"/>
+              </a:ext>
+            </a:extLst>
+          </p:cNvPr>
+          <p:cNvSpPr/>
+          <p:nvPr/>
+        </p:nvSpPr>
+        <p:spPr>
+          <a:xfrm>
+            <a:off x="0" y="6459794"/>
+            <a:ext cx="12192000" cy="398206"/>
+          </a:xfrm>
+          <a:prstGeom prst="rect">
+            <a:avLst/>
+          </a:prstGeom>
+          <a:solidFill>
+            <a:srgbClr val="F5F5F5"/>
+          </a:solidFill>
+          <a:ln>
+            <a:noFill/>
+          </a:ln>
+        </p:spPr>
+        <p:style>
+          <a:lnRef idx="2">
+            <a:schemeClr val="accent1">
+              <a:shade val="15000"/>
+            </a:schemeClr>
+          </a:lnRef>
+          <a:fillRef idx="1">
+            <a:schemeClr val="accent1"/>
+          </a:fillRef>
+          <a:effectRef idx="0">
+            <a:schemeClr val="accent1"/>
+          </a:effectRef>
+          <a:fontRef idx="minor">
+            <a:schemeClr val="lt1"/>
+          </a:fontRef>
+        </p:style>
+        <p:txBody>
+          <a:bodyPr rtlCol="0" anchor="ctr"/>
+          <a:lstStyle/>
+          <a:p>
+            <a:pPr algn="ctr"/>
+            <a:endParaRPr kumimoji="1" lang="ja-JP" altLang="en-US"/>
+          </a:p>
+        </p:txBody>
+      </p:sp>
+      <p:grpSp>
+        <p:nvGrpSpPr>
+          <p:cNvPr id="21" name="グループ化 20">
+            <a:extLst>
+              <a:ext uri="{FF2B5EF4-FFF2-40B4-BE49-F238E27FC236}">
+                <a16:creationId xmlns:a16="http://schemas.microsoft.com/office/drawing/2014/main" id="{16808017-801A-53BE-3340-11699E77DC3C}"/>
+              </a:ext>
+            </a:extLst>
+          </p:cNvPr>
+          <p:cNvGrpSpPr/>
+          <p:nvPr/>
+        </p:nvGrpSpPr>
+        <p:grpSpPr>
+          <a:xfrm>
+            <a:off x="317581" y="277924"/>
+            <a:ext cx="924233" cy="1234235"/>
+            <a:chOff x="266781" y="196644"/>
+            <a:chExt cx="924233" cy="1234235"/>
+          </a:xfrm>
+        </p:grpSpPr>
+        <p:sp>
+          <p:nvSpPr>
+            <p:cNvPr id="6" name="フローチャート: 結合子 5">
+              <a:extLst>
+                <a:ext uri="{FF2B5EF4-FFF2-40B4-BE49-F238E27FC236}">
+                  <a16:creationId xmlns:a16="http://schemas.microsoft.com/office/drawing/2014/main" id="{760B2358-0756-5D93-6C4A-D5FC31E04F76}"/>
+                </a:ext>
+              </a:extLst>
+            </p:cNvPr>
+            <p:cNvSpPr/>
+            <p:nvPr/>
+          </p:nvSpPr>
+          <p:spPr>
+            <a:xfrm>
+              <a:off x="266781" y="196644"/>
+              <a:ext cx="924233" cy="924233"/>
+            </a:xfrm>
+            <a:prstGeom prst="flowChartConnector">
+              <a:avLst/>
+            </a:prstGeom>
+            <a:noFill/>
+            <a:ln w="28575">
+              <a:solidFill>
+                <a:srgbClr val="EA7B6B"/>
+              </a:solidFill>
+            </a:ln>
+          </p:spPr>
+          <p:style>
+            <a:lnRef idx="2">
+              <a:schemeClr val="accent1">
+                <a:shade val="15000"/>
+              </a:schemeClr>
+            </a:lnRef>
+            <a:fillRef idx="1">
+              <a:schemeClr val="accent1"/>
+            </a:fillRef>
+            <a:effectRef idx="0">
+              <a:schemeClr val="accent1"/>
+            </a:effectRef>
+            <a:fontRef idx="minor">
+              <a:schemeClr val="lt1"/>
+            </a:fontRef>
+          </p:style>
+          <p:txBody>
+            <a:bodyPr rtlCol="0" anchor="ctr"/>
+            <a:lstStyle/>
+            <a:p>
+              <a:pPr algn="ctr"/>
+              <a:endParaRPr kumimoji="1" lang="ja-JP" altLang="en-US"/>
+            </a:p>
+          </p:txBody>
+        </p:sp>
+        <p:sp>
+          <p:nvSpPr>
+            <p:cNvPr id="15" name="フローチャート: 結合子 14">
+              <a:extLst>
+                <a:ext uri="{FF2B5EF4-FFF2-40B4-BE49-F238E27FC236}">
+                  <a16:creationId xmlns:a16="http://schemas.microsoft.com/office/drawing/2014/main" id="{D05A29E2-273E-D3FB-A6C2-839C27DA4BB8}"/>
+                </a:ext>
+              </a:extLst>
+            </p:cNvPr>
+            <p:cNvSpPr/>
+            <p:nvPr/>
+          </p:nvSpPr>
+          <p:spPr>
+            <a:xfrm>
+              <a:off x="545771" y="319548"/>
+              <a:ext cx="366250" cy="349044"/>
+            </a:xfrm>
+            <a:prstGeom prst="flowChartConnector">
+              <a:avLst/>
+            </a:prstGeom>
+            <a:noFill/>
+            <a:ln w="28575">
+              <a:solidFill>
+                <a:srgbClr val="EA7B6B"/>
+              </a:solidFill>
+            </a:ln>
+          </p:spPr>
+          <p:style>
+            <a:lnRef idx="2">
+              <a:schemeClr val="accent1">
+                <a:shade val="15000"/>
+              </a:schemeClr>
+            </a:lnRef>
+            <a:fillRef idx="1">
+              <a:schemeClr val="accent1"/>
+            </a:fillRef>
+            <a:effectRef idx="0">
+              <a:schemeClr val="accent1"/>
+            </a:effectRef>
+            <a:fontRef idx="minor">
+              <a:schemeClr val="lt1"/>
+            </a:fontRef>
+          </p:style>
+          <p:txBody>
+            <a:bodyPr rtlCol="0" anchor="ctr"/>
+            <a:lstStyle/>
+            <a:p>
+              <a:pPr algn="ctr"/>
+              <a:endParaRPr kumimoji="1" lang="ja-JP" altLang="en-US"/>
+            </a:p>
+          </p:txBody>
+        </p:sp>
+        <p:sp>
+          <p:nvSpPr>
+            <p:cNvPr id="16" name="円弧 15">
+              <a:extLst>
+                <a:ext uri="{FF2B5EF4-FFF2-40B4-BE49-F238E27FC236}">
+                  <a16:creationId xmlns:a16="http://schemas.microsoft.com/office/drawing/2014/main" id="{24D54118-16BA-E4E7-2C10-DC055B34DBCF}"/>
+                </a:ext>
+              </a:extLst>
+            </p:cNvPr>
+            <p:cNvSpPr/>
+            <p:nvPr/>
+          </p:nvSpPr>
+          <p:spPr>
+            <a:xfrm rot="19079286">
+              <a:off x="374934" y="732788"/>
+              <a:ext cx="707924" cy="698091"/>
+            </a:xfrm>
+            <a:prstGeom prst="arc">
+              <a:avLst/>
+            </a:prstGeom>
+            <a:ln w="28575">
+              <a:solidFill>
+                <a:srgbClr val="EA7B6B"/>
+              </a:solidFill>
+            </a:ln>
+          </p:spPr>
+          <p:style>
+            <a:lnRef idx="1">
+              <a:schemeClr val="accent1"/>
+            </a:lnRef>
+            <a:fillRef idx="0">
+              <a:schemeClr val="accent1"/>
+            </a:fillRef>
+            <a:effectRef idx="0">
+              <a:schemeClr val="accent1"/>
+            </a:effectRef>
+            <a:fontRef idx="minor">
+              <a:schemeClr val="tx1"/>
+            </a:fontRef>
+          </p:style>
+          <p:txBody>
+            <a:bodyPr rtlCol="0" anchor="ctr"/>
+            <a:lstStyle/>
+            <a:p>
+              <a:pPr algn="ctr"/>
+              <a:endParaRPr kumimoji="1" lang="ja-JP" altLang="en-US"/>
+            </a:p>
+          </p:txBody>
+        </p:sp>
+      </p:grpSp>
+      <p:sp>
+        <p:nvSpPr>
+          <p:cNvPr id="18" name="テキスト ボックス 17">
+            <a:extLst>
+              <a:ext uri="{FF2B5EF4-FFF2-40B4-BE49-F238E27FC236}">
+                <a16:creationId xmlns:a16="http://schemas.microsoft.com/office/drawing/2014/main" id="{FB2ACA54-02A5-9444-157C-C6C4B251D7FA}"/>
+              </a:ext>
+            </a:extLst>
+          </p:cNvPr>
+          <p:cNvSpPr txBox="1"/>
+          <p:nvPr/>
+        </p:nvSpPr>
+        <p:spPr>
+          <a:xfrm>
+            <a:off x="2231209" y="3538350"/>
+            <a:ext cx="2361161" cy="769441"/>
+          </a:xfrm>
+          <a:prstGeom prst="rect">
+            <a:avLst/>
+          </a:prstGeom>
+          <a:noFill/>
+        </p:spPr>
+        <p:txBody>
+          <a:bodyPr wrap="square" rtlCol="0">
+            <a:spAutoFit/>
+          </a:bodyPr>
+          <a:lstStyle/>
+          <a:p>
+            <a:r>
+              <a:rPr kumimoji="1" lang="en-US" altLang="ja-JP" sz="4400" dirty="0">
+                <a:solidFill>
+                  <a:srgbClr val="001746"/>
+                </a:solidFill>
+                <a:latin typeface="Kristen ITC" panose="03050502040202030202" pitchFamily="66" charset="0"/>
+              </a:rPr>
+              <a:t>Manual</a:t>
+            </a:r>
+            <a:endParaRPr kumimoji="1" lang="ja-JP" altLang="en-US" sz="4400" dirty="0">
+              <a:solidFill>
+                <a:srgbClr val="001746"/>
+              </a:solidFill>
+              <a:latin typeface="Kristen ITC" panose="03050502040202030202" pitchFamily="66" charset="0"/>
+            </a:endParaRPr>
+          </a:p>
+        </p:txBody>
+      </p:sp>
+      <p:sp>
+        <p:nvSpPr>
+          <p:cNvPr id="19" name="テキスト ボックス 18">
+            <a:extLst>
+              <a:ext uri="{FF2B5EF4-FFF2-40B4-BE49-F238E27FC236}">
+                <a16:creationId xmlns:a16="http://schemas.microsoft.com/office/drawing/2014/main" id="{CDEC0DEC-E984-1D2D-A0A6-87A27DFFDD43}"/>
+              </a:ext>
+            </a:extLst>
+          </p:cNvPr>
+          <p:cNvSpPr txBox="1"/>
+          <p:nvPr/>
+        </p:nvSpPr>
+        <p:spPr>
+          <a:xfrm>
+            <a:off x="7939341" y="3448577"/>
+            <a:ext cx="1681727" cy="830997"/>
+          </a:xfrm>
+          <a:prstGeom prst="rect">
+            <a:avLst/>
+          </a:prstGeom>
+          <a:noFill/>
+        </p:spPr>
+        <p:txBody>
+          <a:bodyPr wrap="square" rtlCol="0">
+            <a:spAutoFit/>
+          </a:bodyPr>
+          <a:lstStyle/>
+          <a:p>
+            <a:r>
+              <a:rPr kumimoji="1" lang="en-US" altLang="ja-JP" sz="4800" dirty="0">
+                <a:solidFill>
+                  <a:srgbClr val="001746"/>
+                </a:solidFill>
+                <a:latin typeface="Kristen ITC" panose="03050502040202030202" pitchFamily="66" charset="0"/>
+              </a:rPr>
+              <a:t>Task</a:t>
+            </a:r>
+            <a:endParaRPr kumimoji="1" lang="ja-JP" altLang="en-US" sz="4800" dirty="0">
+              <a:solidFill>
+                <a:srgbClr val="001746"/>
+              </a:solidFill>
+              <a:latin typeface="Kristen ITC" panose="03050502040202030202" pitchFamily="66" charset="0"/>
+            </a:endParaRPr>
+          </a:p>
+        </p:txBody>
+      </p:sp>
+      <p:sp>
+        <p:nvSpPr>
+          <p:cNvPr id="3" name="テキスト ボックス 2">
+            <a:extLst>
+              <a:ext uri="{FF2B5EF4-FFF2-40B4-BE49-F238E27FC236}">
+                <a16:creationId xmlns:a16="http://schemas.microsoft.com/office/drawing/2014/main" id="{C2104C67-650B-2C5D-3FB7-17690095B437}"/>
+              </a:ext>
+            </a:extLst>
+          </p:cNvPr>
+          <p:cNvSpPr txBox="1"/>
+          <p:nvPr/>
+        </p:nvSpPr>
+        <p:spPr>
+          <a:xfrm>
+            <a:off x="2818768" y="3261506"/>
+            <a:ext cx="1186042" cy="369332"/>
+          </a:xfrm>
+          <a:prstGeom prst="rect">
+            <a:avLst/>
+          </a:prstGeom>
+          <a:noFill/>
+        </p:spPr>
+        <p:txBody>
+          <a:bodyPr wrap="square" rtlCol="0">
+            <a:spAutoFit/>
+          </a:bodyPr>
+          <a:lstStyle/>
+          <a:p>
+            <a:r>
+              <a:rPr kumimoji="1" lang="ja-JP" altLang="en-US" dirty="0">
+                <a:solidFill>
+                  <a:srgbClr val="001746"/>
+                </a:solidFill>
+                <a:latin typeface="HGP創英角ﾎﾟｯﾌﾟ体" panose="040B0A00000000000000" pitchFamily="50" charset="-128"/>
+                <a:ea typeface="HGP創英角ﾎﾟｯﾌﾟ体" panose="040B0A00000000000000" pitchFamily="50" charset="-128"/>
+              </a:rPr>
+              <a:t>マニュアル</a:t>
+            </a:r>
+          </a:p>
+        </p:txBody>
+      </p:sp>
+      <p:sp>
+        <p:nvSpPr>
+          <p:cNvPr id="10" name="テキスト ボックス 9">
+            <a:extLst>
+              <a:ext uri="{FF2B5EF4-FFF2-40B4-BE49-F238E27FC236}">
+                <a16:creationId xmlns:a16="http://schemas.microsoft.com/office/drawing/2014/main" id="{A48C92F5-6D70-5B0D-1EAE-CF8FDE7AE783}"/>
+              </a:ext>
+            </a:extLst>
+          </p:cNvPr>
+          <p:cNvSpPr txBox="1"/>
+          <p:nvPr/>
+        </p:nvSpPr>
+        <p:spPr>
+          <a:xfrm>
+            <a:off x="8352144" y="3169018"/>
+            <a:ext cx="836461" cy="369332"/>
+          </a:xfrm>
+          <a:prstGeom prst="rect">
+            <a:avLst/>
+          </a:prstGeom>
+          <a:noFill/>
+        </p:spPr>
+        <p:txBody>
+          <a:bodyPr wrap="square" rtlCol="0">
+            <a:spAutoFit/>
+          </a:bodyPr>
+          <a:lstStyle/>
+          <a:p>
+            <a:r>
+              <a:rPr kumimoji="1" lang="ja-JP" altLang="en-US" dirty="0">
+                <a:solidFill>
+                  <a:srgbClr val="001746"/>
+                </a:solidFill>
+                <a:latin typeface="HGP創英角ﾎﾟｯﾌﾟ体" panose="040B0A00000000000000" pitchFamily="50" charset="-128"/>
+                <a:ea typeface="HGP創英角ﾎﾟｯﾌﾟ体" panose="040B0A00000000000000" pitchFamily="50" charset="-128"/>
+              </a:rPr>
+              <a:t>タスク</a:t>
+            </a:r>
+          </a:p>
+        </p:txBody>
+      </p:sp>
+      <p:sp>
+        <p:nvSpPr>
+          <p:cNvPr id="20" name="テキスト ボックス 19">
+            <a:extLst>
+              <a:ext uri="{FF2B5EF4-FFF2-40B4-BE49-F238E27FC236}">
+                <a16:creationId xmlns:a16="http://schemas.microsoft.com/office/drawing/2014/main" id="{93D16964-E0C9-2363-48DD-3B661653827D}"/>
+              </a:ext>
+            </a:extLst>
+          </p:cNvPr>
+          <p:cNvSpPr txBox="1"/>
+          <p:nvPr/>
+        </p:nvSpPr>
+        <p:spPr>
+          <a:xfrm>
+            <a:off x="9558094" y="806695"/>
+            <a:ext cx="2401617" cy="461665"/>
+          </a:xfrm>
+          <a:prstGeom prst="rect">
+            <a:avLst/>
+          </a:prstGeom>
+          <a:noFill/>
+        </p:spPr>
+        <p:txBody>
+          <a:bodyPr wrap="square" rtlCol="0">
+            <a:spAutoFit/>
+          </a:bodyPr>
+          <a:lstStyle/>
+          <a:p>
+            <a:r>
+              <a:rPr kumimoji="1" lang="en-US" altLang="ja-JP" sz="2400" dirty="0">
+                <a:solidFill>
+                  <a:srgbClr val="001746"/>
+                </a:solidFill>
+                <a:latin typeface="Kristen ITC" panose="03050502040202030202" pitchFamily="66" charset="0"/>
+              </a:rPr>
+              <a:t>2024/06/07 (Fri)</a:t>
+            </a:r>
+            <a:endParaRPr kumimoji="1" lang="ja-JP" altLang="en-US" sz="2400" dirty="0">
+              <a:solidFill>
+                <a:srgbClr val="001746"/>
+              </a:solidFill>
+              <a:latin typeface="Kristen ITC" panose="03050502040202030202" pitchFamily="66" charset="0"/>
+            </a:endParaRPr>
+          </a:p>
+        </p:txBody>
+      </p:sp>
+      <p:sp>
+        <p:nvSpPr>
+          <p:cNvPr id="22" name="テキスト ボックス 21">
+            <a:extLst>
+              <a:ext uri="{FF2B5EF4-FFF2-40B4-BE49-F238E27FC236}">
+                <a16:creationId xmlns:a16="http://schemas.microsoft.com/office/drawing/2014/main" id="{71CC734F-A1B3-457D-DBDD-64EF65974439}"/>
+              </a:ext>
+            </a:extLst>
+          </p:cNvPr>
+          <p:cNvSpPr txBox="1"/>
+          <p:nvPr/>
+        </p:nvSpPr>
+        <p:spPr>
+          <a:xfrm>
+            <a:off x="3861424" y="6505008"/>
+            <a:ext cx="4490720" cy="307777"/>
+          </a:xfrm>
+          <a:prstGeom prst="rect">
+            <a:avLst/>
+          </a:prstGeom>
+          <a:noFill/>
+        </p:spPr>
+        <p:txBody>
+          <a:bodyPr wrap="square" rtlCol="0">
+            <a:spAutoFit/>
+          </a:bodyPr>
+          <a:lstStyle/>
+          <a:p>
+            <a:r>
+              <a:rPr kumimoji="1" lang="en-US" altLang="ja-JP" sz="1400" dirty="0">
+                <a:solidFill>
+                  <a:srgbClr val="001746"/>
+                </a:solidFill>
+              </a:rPr>
+              <a:t>Copyright </a:t>
+            </a:r>
+            <a:r>
+              <a:rPr kumimoji="1" lang="en-US" altLang="ja-JP" sz="1400" dirty="0" err="1">
+                <a:solidFill>
+                  <a:srgbClr val="001746"/>
+                </a:solidFill>
+              </a:rPr>
+              <a:t>paraparaChahan</a:t>
+            </a:r>
+            <a:r>
+              <a:rPr kumimoji="1" lang="en-US" altLang="ja-JP" sz="1400" dirty="0">
+                <a:solidFill>
+                  <a:srgbClr val="001746"/>
+                </a:solidFill>
+              </a:rPr>
+              <a:t>(PLUS DOJO). All rights reserved.</a:t>
+            </a:r>
+            <a:endParaRPr kumimoji="1" lang="ja-JP" altLang="en-US" sz="1400" dirty="0">
+              <a:solidFill>
+                <a:srgbClr val="001746"/>
+              </a:solidFill>
+            </a:endParaRPr>
+          </a:p>
+        </p:txBody>
+      </p:sp>
+      <p:sp>
+        <p:nvSpPr>
+          <p:cNvPr id="2" name="正方形/長方形 1">
+            <a:extLst>
+              <a:ext uri="{FF2B5EF4-FFF2-40B4-BE49-F238E27FC236}">
+                <a16:creationId xmlns:a16="http://schemas.microsoft.com/office/drawing/2014/main" id="{B2432646-AAE4-75FE-53D4-9E01AD055D08}"/>
+              </a:ext>
+            </a:extLst>
+          </p:cNvPr>
+          <p:cNvSpPr/>
+          <p:nvPr/>
+        </p:nvSpPr>
+        <p:spPr>
+          <a:xfrm>
+            <a:off x="0" y="1406012"/>
+            <a:ext cx="4935794" cy="3972233"/>
+          </a:xfrm>
+          <a:prstGeom prst="rect">
+            <a:avLst/>
+          </a:prstGeom>
+          <a:solidFill>
+            <a:srgbClr val="001746">
+              <a:alpha val="70000"/>
+            </a:srgbClr>
+          </a:solidFill>
+          <a:ln>
+            <a:solidFill>
+              <a:srgbClr val="001746"/>
+            </a:solidFill>
+          </a:ln>
+        </p:spPr>
+        <p:style>
+          <a:lnRef idx="2">
+            <a:schemeClr val="accent1">
+              <a:shade val="15000"/>
+            </a:schemeClr>
+          </a:lnRef>
+          <a:fillRef idx="1">
+            <a:schemeClr val="accent1"/>
+          </a:fillRef>
+          <a:effectRef idx="0">
+            <a:schemeClr val="accent1"/>
+          </a:effectRef>
+          <a:fontRef idx="minor">
+            <a:schemeClr val="lt1"/>
+          </a:fontRef>
+        </p:style>
+        <p:txBody>
+          <a:bodyPr rtlCol="0" anchor="ctr"/>
+          <a:lstStyle/>
+          <a:p>
+            <a:pPr algn="ctr"/>
+            <a:endParaRPr kumimoji="1" lang="ja-JP" altLang="en-US"/>
+          </a:p>
+        </p:txBody>
+      </p:sp>
+      <p:cxnSp>
+        <p:nvCxnSpPr>
+          <p:cNvPr id="17" name="直線コネクタ 16">
+            <a:extLst>
+              <a:ext uri="{FF2B5EF4-FFF2-40B4-BE49-F238E27FC236}">
+                <a16:creationId xmlns:a16="http://schemas.microsoft.com/office/drawing/2014/main" id="{83CB06F7-BDD9-8D9F-31BD-FA5D7834DAD3}"/>
+              </a:ext>
+            </a:extLst>
+          </p:cNvPr>
+          <p:cNvCxnSpPr>
+            <a:cxnSpLocks/>
+          </p:cNvCxnSpPr>
+          <p:nvPr/>
+        </p:nvCxnSpPr>
+        <p:spPr>
+          <a:xfrm>
+            <a:off x="0" y="2389239"/>
+            <a:ext cx="4935794" cy="0"/>
+          </a:xfrm>
+          <a:prstGeom prst="line">
+            <a:avLst/>
+          </a:prstGeom>
+          <a:ln w="38100">
+            <a:solidFill>
+              <a:schemeClr val="bg1"/>
+            </a:solidFill>
+          </a:ln>
+        </p:spPr>
+        <p:style>
+          <a:lnRef idx="1">
+            <a:schemeClr val="accent1"/>
+          </a:lnRef>
+          <a:fillRef idx="0">
+            <a:schemeClr val="accent1"/>
+          </a:fillRef>
+          <a:effectRef idx="0">
+            <a:schemeClr val="accent1"/>
+          </a:effectRef>
+          <a:fontRef idx="minor">
+            <a:schemeClr val="tx1"/>
+          </a:fontRef>
+        </p:style>
+      </p:cxnSp>
+      <p:cxnSp>
+        <p:nvCxnSpPr>
+          <p:cNvPr id="27" name="直線コネクタ 26">
+            <a:extLst>
+              <a:ext uri="{FF2B5EF4-FFF2-40B4-BE49-F238E27FC236}">
+                <a16:creationId xmlns:a16="http://schemas.microsoft.com/office/drawing/2014/main" id="{605A84F8-92CF-3933-3ED7-2603924468DF}"/>
+              </a:ext>
+            </a:extLst>
+          </p:cNvPr>
+          <p:cNvCxnSpPr>
+            <a:cxnSpLocks/>
+          </p:cNvCxnSpPr>
+          <p:nvPr/>
+        </p:nvCxnSpPr>
+        <p:spPr>
+          <a:xfrm>
+            <a:off x="0" y="3353684"/>
+            <a:ext cx="4935794" cy="0"/>
+          </a:xfrm>
+          <a:prstGeom prst="line">
+            <a:avLst/>
+          </a:prstGeom>
+          <a:ln w="38100">
+            <a:solidFill>
+              <a:schemeClr val="bg1"/>
+            </a:solidFill>
+          </a:ln>
+        </p:spPr>
+        <p:style>
+          <a:lnRef idx="1">
+            <a:schemeClr val="accent1"/>
+          </a:lnRef>
+          <a:fillRef idx="0">
+            <a:schemeClr val="accent1"/>
+          </a:fillRef>
+          <a:effectRef idx="0">
+            <a:schemeClr val="accent1"/>
+          </a:effectRef>
+          <a:fontRef idx="minor">
+            <a:schemeClr val="tx1"/>
+          </a:fontRef>
+        </p:style>
+      </p:cxnSp>
+      <p:cxnSp>
+        <p:nvCxnSpPr>
+          <p:cNvPr id="28" name="直線コネクタ 27">
+            <a:extLst>
+              <a:ext uri="{FF2B5EF4-FFF2-40B4-BE49-F238E27FC236}">
+                <a16:creationId xmlns:a16="http://schemas.microsoft.com/office/drawing/2014/main" id="{B2CBF4E4-5B9B-A9F9-870F-0997142B620D}"/>
+              </a:ext>
+            </a:extLst>
+          </p:cNvPr>
+          <p:cNvCxnSpPr>
+            <a:cxnSpLocks/>
+          </p:cNvCxnSpPr>
+          <p:nvPr/>
+        </p:nvCxnSpPr>
+        <p:spPr>
+          <a:xfrm>
+            <a:off x="0" y="4439265"/>
+            <a:ext cx="4935794" cy="0"/>
+          </a:xfrm>
+          <a:prstGeom prst="line">
+            <a:avLst/>
+          </a:prstGeom>
+          <a:ln w="38100">
+            <a:solidFill>
+              <a:schemeClr val="bg1"/>
+            </a:solidFill>
+          </a:ln>
+        </p:spPr>
+        <p:style>
+          <a:lnRef idx="1">
+            <a:schemeClr val="accent1"/>
+          </a:lnRef>
+          <a:fillRef idx="0">
+            <a:schemeClr val="accent1"/>
+          </a:fillRef>
+          <a:effectRef idx="0">
+            <a:schemeClr val="accent1"/>
+          </a:effectRef>
+          <a:fontRef idx="minor">
+            <a:schemeClr val="tx1"/>
+          </a:fontRef>
+        </p:style>
+      </p:cxnSp>
+      <p:sp>
+        <p:nvSpPr>
+          <p:cNvPr id="29" name="テキスト ボックス 28">
+            <a:extLst>
+              <a:ext uri="{FF2B5EF4-FFF2-40B4-BE49-F238E27FC236}">
+                <a16:creationId xmlns:a16="http://schemas.microsoft.com/office/drawing/2014/main" id="{89BAD36A-3E09-D94E-C135-B0E8E29F17D8}"/>
+              </a:ext>
+            </a:extLst>
+          </p:cNvPr>
+          <p:cNvSpPr txBox="1"/>
+          <p:nvPr/>
+        </p:nvSpPr>
+        <p:spPr>
+          <a:xfrm>
+            <a:off x="191664" y="1659358"/>
+            <a:ext cx="3136491" cy="584775"/>
+          </a:xfrm>
+          <a:prstGeom prst="rect">
+            <a:avLst/>
+          </a:prstGeom>
+          <a:noFill/>
+        </p:spPr>
+        <p:txBody>
+          <a:bodyPr wrap="square" rtlCol="0">
+            <a:spAutoFit/>
+          </a:bodyPr>
+          <a:lstStyle/>
+          <a:p>
+            <a:r>
+              <a:rPr kumimoji="1" lang="ja-JP" altLang="en-US" sz="3200" dirty="0">
+                <a:solidFill>
+                  <a:schemeClr val="bg1"/>
+                </a:solidFill>
+                <a:latin typeface="+mn-ea"/>
+              </a:rPr>
+              <a:t>アカウント画面</a:t>
+            </a:r>
+          </a:p>
+        </p:txBody>
+      </p:sp>
+      <p:sp>
+        <p:nvSpPr>
+          <p:cNvPr id="33" name="テキスト ボックス 32">
+            <a:extLst>
+              <a:ext uri="{FF2B5EF4-FFF2-40B4-BE49-F238E27FC236}">
+                <a16:creationId xmlns:a16="http://schemas.microsoft.com/office/drawing/2014/main" id="{3A25114D-BF44-5B31-5E23-D00C9072BC55}"/>
+              </a:ext>
+            </a:extLst>
+          </p:cNvPr>
+          <p:cNvSpPr txBox="1"/>
+          <p:nvPr/>
+        </p:nvSpPr>
+        <p:spPr>
+          <a:xfrm>
+            <a:off x="191663" y="2604529"/>
+            <a:ext cx="3136491" cy="584775"/>
+          </a:xfrm>
+          <a:prstGeom prst="rect">
+            <a:avLst/>
+          </a:prstGeom>
+          <a:noFill/>
+        </p:spPr>
+        <p:txBody>
+          <a:bodyPr wrap="square" rtlCol="0">
+            <a:spAutoFit/>
+          </a:bodyPr>
+          <a:lstStyle/>
+          <a:p>
+            <a:r>
+              <a:rPr kumimoji="1" lang="ja-JP" altLang="en-US" sz="3200" dirty="0">
+                <a:solidFill>
+                  <a:schemeClr val="bg1"/>
+                </a:solidFill>
+                <a:latin typeface="+mn-ea"/>
+              </a:rPr>
+              <a:t>グループ一覧</a:t>
+            </a:r>
+          </a:p>
+        </p:txBody>
+      </p:sp>
+      <p:sp>
+        <p:nvSpPr>
+          <p:cNvPr id="34" name="テキスト ボックス 33">
+            <a:extLst>
+              <a:ext uri="{FF2B5EF4-FFF2-40B4-BE49-F238E27FC236}">
+                <a16:creationId xmlns:a16="http://schemas.microsoft.com/office/drawing/2014/main" id="{3A743F06-D380-E076-03DC-8CDBCDC81925}"/>
+              </a:ext>
+            </a:extLst>
+          </p:cNvPr>
+          <p:cNvSpPr txBox="1"/>
+          <p:nvPr/>
+        </p:nvSpPr>
+        <p:spPr>
+          <a:xfrm>
+            <a:off x="191663" y="3676927"/>
+            <a:ext cx="3136491" cy="584775"/>
+          </a:xfrm>
+          <a:prstGeom prst="rect">
+            <a:avLst/>
+          </a:prstGeom>
+          <a:noFill/>
+        </p:spPr>
+        <p:txBody>
+          <a:bodyPr wrap="square" rtlCol="0">
+            <a:spAutoFit/>
+          </a:bodyPr>
+          <a:lstStyle/>
+          <a:p>
+            <a:r>
+              <a:rPr kumimoji="1" lang="ja-JP" altLang="en-US" sz="3200" dirty="0">
+                <a:solidFill>
+                  <a:schemeClr val="bg1"/>
+                </a:solidFill>
+                <a:latin typeface="+mn-ea"/>
+              </a:rPr>
+              <a:t>グループ詳細</a:t>
+            </a:r>
+          </a:p>
+        </p:txBody>
+      </p:sp>
+      <p:sp>
+        <p:nvSpPr>
+          <p:cNvPr id="35" name="テキスト ボックス 34">
+            <a:extLst>
+              <a:ext uri="{FF2B5EF4-FFF2-40B4-BE49-F238E27FC236}">
+                <a16:creationId xmlns:a16="http://schemas.microsoft.com/office/drawing/2014/main" id="{D4A685F6-92D1-4B4B-0BFC-7A440748E3CA}"/>
+              </a:ext>
+            </a:extLst>
+          </p:cNvPr>
+          <p:cNvSpPr txBox="1"/>
+          <p:nvPr/>
+        </p:nvSpPr>
+        <p:spPr>
+          <a:xfrm>
+            <a:off x="182550" y="4687653"/>
+            <a:ext cx="3136491" cy="584775"/>
+          </a:xfrm>
+          <a:prstGeom prst="rect">
+            <a:avLst/>
+          </a:prstGeom>
+          <a:noFill/>
+        </p:spPr>
+        <p:txBody>
+          <a:bodyPr wrap="square" rtlCol="0">
+            <a:spAutoFit/>
+          </a:bodyPr>
+          <a:lstStyle/>
+          <a:p>
+            <a:r>
+              <a:rPr kumimoji="1" lang="ja-JP" altLang="en-US" sz="3200" dirty="0">
+                <a:solidFill>
+                  <a:schemeClr val="bg1"/>
+                </a:solidFill>
+                <a:latin typeface="+mn-ea"/>
+              </a:rPr>
+              <a:t>ログアウト</a:t>
+            </a:r>
+          </a:p>
+        </p:txBody>
+      </p:sp>
+    </p:spTree>
+    <p:extLst>
+      <p:ext uri="{BB962C8B-B14F-4D97-AF65-F5344CB8AC3E}">
+        <p14:creationId xmlns:p14="http://schemas.microsoft.com/office/powerpoint/2010/main" val="4160837546"/>
+      </p:ext>
+    </p:extLst>
+  </p:cSld>
+  <p:clrMapOvr>
+    <a:masterClrMapping/>
+  </p:clrMapOvr>
+</p:sld>
+</file>
+
 <file path=ppt/slides/slide3.xml><?xml version="1.0" encoding="utf-8"?>
+<p:sld xmlns:a="http://schemas.openxmlformats.org/drawingml/2006/main" xmlns:r="http://schemas.openxmlformats.org/officeDocument/2006/relationships" xmlns:p="http://schemas.openxmlformats.org/presentationml/2006/main">
+  <p:cSld>
+    <p:spTree>
+      <p:nvGrpSpPr>
+        <p:cNvPr id="1" name=""/>
+        <p:cNvGrpSpPr/>
+        <p:nvPr/>
+      </p:nvGrpSpPr>
+      <p:grpSpPr>
+        <a:xfrm>
+          <a:off x="0" y="0"/>
+          <a:ext cx="0" cy="0"/>
+          <a:chOff x="0" y="0"/>
+          <a:chExt cx="0" cy="0"/>
+        </a:xfrm>
+      </p:grpSpPr>
+      <p:sp>
+        <p:nvSpPr>
+          <p:cNvPr id="7" name="正方形/長方形 6">
+            <a:extLst>
+              <a:ext uri="{FF2B5EF4-FFF2-40B4-BE49-F238E27FC236}">
+                <a16:creationId xmlns:a16="http://schemas.microsoft.com/office/drawing/2014/main" id="{3830DDF9-5B12-DDDD-082C-AF3BF586F355}"/>
+              </a:ext>
+            </a:extLst>
+          </p:cNvPr>
+          <p:cNvSpPr/>
+          <p:nvPr/>
+        </p:nvSpPr>
+        <p:spPr>
+          <a:xfrm>
+            <a:off x="0" y="0"/>
+            <a:ext cx="12192000" cy="1386348"/>
+          </a:xfrm>
+          <a:prstGeom prst="rect">
+            <a:avLst/>
+          </a:prstGeom>
+          <a:solidFill>
+            <a:srgbClr val="F5F5F5"/>
+          </a:solidFill>
+          <a:ln>
+            <a:noFill/>
+          </a:ln>
+        </p:spPr>
+        <p:style>
+          <a:lnRef idx="2">
+            <a:schemeClr val="accent1">
+              <a:shade val="15000"/>
+            </a:schemeClr>
+          </a:lnRef>
+          <a:fillRef idx="1">
+            <a:schemeClr val="accent1"/>
+          </a:fillRef>
+          <a:effectRef idx="0">
+            <a:schemeClr val="accent1"/>
+          </a:effectRef>
+          <a:fontRef idx="minor">
+            <a:schemeClr val="lt1"/>
+          </a:fontRef>
+        </p:style>
+        <p:txBody>
+          <a:bodyPr rtlCol="0" anchor="ctr"/>
+          <a:lstStyle/>
+          <a:p>
+            <a:pPr algn="ctr"/>
+            <a:endParaRPr kumimoji="1" lang="ja-JP" altLang="en-US"/>
+          </a:p>
+        </p:txBody>
+      </p:sp>
+      <p:pic>
+        <p:nvPicPr>
+          <p:cNvPr id="5" name="図 4" descr="ロゴ&#10;&#10;中程度の精度で自動的に生成された説明">
+            <a:extLst>
+              <a:ext uri="{FF2B5EF4-FFF2-40B4-BE49-F238E27FC236}">
+                <a16:creationId xmlns:a16="http://schemas.microsoft.com/office/drawing/2014/main" id="{B9A39F28-1EBD-1E84-D159-443CA1B611CF}"/>
+              </a:ext>
+            </a:extLst>
+          </p:cNvPr>
+          <p:cNvPicPr>
+            <a:picLocks noChangeAspect="1"/>
+          </p:cNvPicPr>
+          <p:nvPr/>
+        </p:nvPicPr>
+        <p:blipFill rotWithShape="1">
+          <a:blip r:embed="rId2">
+            <a:extLst>
+              <a:ext uri="{28A0092B-C50C-407E-A947-70E740481C1C}">
+                <a14:useLocalDpi xmlns:a14="http://schemas.microsoft.com/office/drawing/2010/main" val="0"/>
+              </a:ext>
+            </a:extLst>
+          </a:blip>
+          <a:srcRect l="14562" t="11298" b="30517"/>
+          <a:stretch/>
+        </p:blipFill>
+        <p:spPr>
+          <a:xfrm>
+            <a:off x="4826940" y="196644"/>
+            <a:ext cx="2538120" cy="1012723"/>
+          </a:xfrm>
+          <a:prstGeom prst="rect">
+            <a:avLst/>
+          </a:prstGeom>
+        </p:spPr>
+      </p:pic>
+      <p:sp>
+        <p:nvSpPr>
+          <p:cNvPr id="8" name="四角形: 角を丸くする 7">
+            <a:extLst>
+              <a:ext uri="{FF2B5EF4-FFF2-40B4-BE49-F238E27FC236}">
+                <a16:creationId xmlns:a16="http://schemas.microsoft.com/office/drawing/2014/main" id="{6D358811-E617-53FB-2E62-DA9574E5440F}"/>
+              </a:ext>
+            </a:extLst>
+          </p:cNvPr>
+          <p:cNvSpPr/>
+          <p:nvPr/>
+        </p:nvSpPr>
+        <p:spPr>
+          <a:xfrm>
+            <a:off x="1386346" y="1966451"/>
+            <a:ext cx="4050893" cy="3795252"/>
+          </a:xfrm>
+          <a:prstGeom prst="roundRect">
+            <a:avLst>
+              <a:gd name="adj" fmla="val 13080"/>
+            </a:avLst>
+          </a:prstGeom>
+          <a:solidFill>
+            <a:srgbClr val="F3B4AB"/>
+          </a:solidFill>
+          <a:ln>
+            <a:noFill/>
+          </a:ln>
+        </p:spPr>
+        <p:style>
+          <a:lnRef idx="2">
+            <a:schemeClr val="accent1">
+              <a:shade val="15000"/>
+            </a:schemeClr>
+          </a:lnRef>
+          <a:fillRef idx="1">
+            <a:schemeClr val="accent1"/>
+          </a:fillRef>
+          <a:effectRef idx="0">
+            <a:schemeClr val="accent1"/>
+          </a:effectRef>
+          <a:fontRef idx="minor">
+            <a:schemeClr val="lt1"/>
+          </a:fontRef>
+        </p:style>
+        <p:txBody>
+          <a:bodyPr rtlCol="0" anchor="ctr"/>
+          <a:lstStyle/>
+          <a:p>
+            <a:pPr algn="ctr"/>
+            <a:endParaRPr kumimoji="1" lang="ja-JP" altLang="en-US"/>
+          </a:p>
+        </p:txBody>
+      </p:sp>
+      <p:sp>
+        <p:nvSpPr>
+          <p:cNvPr id="11" name="四角形: 角を丸くする 10">
+            <a:extLst>
+              <a:ext uri="{FF2B5EF4-FFF2-40B4-BE49-F238E27FC236}">
+                <a16:creationId xmlns:a16="http://schemas.microsoft.com/office/drawing/2014/main" id="{7ABA2B46-F11C-E0C2-B694-2059ED911428}"/>
+              </a:ext>
+            </a:extLst>
+          </p:cNvPr>
+          <p:cNvSpPr/>
+          <p:nvPr/>
+        </p:nvSpPr>
+        <p:spPr>
+          <a:xfrm>
+            <a:off x="6754760" y="1966451"/>
+            <a:ext cx="4050891" cy="3795252"/>
+          </a:xfrm>
+          <a:prstGeom prst="roundRect">
+            <a:avLst>
+              <a:gd name="adj" fmla="val 13080"/>
+            </a:avLst>
+          </a:prstGeom>
+          <a:solidFill>
+            <a:srgbClr val="C6D7E4"/>
+          </a:solidFill>
+          <a:ln>
+            <a:noFill/>
+          </a:ln>
+        </p:spPr>
+        <p:style>
+          <a:lnRef idx="2">
+            <a:schemeClr val="accent1">
+              <a:shade val="15000"/>
+            </a:schemeClr>
+          </a:lnRef>
+          <a:fillRef idx="1">
+            <a:schemeClr val="accent1"/>
+          </a:fillRef>
+          <a:effectRef idx="0">
+            <a:schemeClr val="accent1"/>
+          </a:effectRef>
+          <a:fontRef idx="minor">
+            <a:schemeClr val="lt1"/>
+          </a:fontRef>
+        </p:style>
+        <p:txBody>
+          <a:bodyPr rtlCol="0" anchor="ctr"/>
+          <a:lstStyle/>
+          <a:p>
+            <a:pPr algn="ctr"/>
+            <a:endParaRPr kumimoji="1" lang="ja-JP" altLang="en-US"/>
+          </a:p>
+        </p:txBody>
+      </p:sp>
+      <p:sp>
+        <p:nvSpPr>
+          <p:cNvPr id="12" name="四角形: 角を丸くする 11">
+            <a:extLst>
+              <a:ext uri="{FF2B5EF4-FFF2-40B4-BE49-F238E27FC236}">
+                <a16:creationId xmlns:a16="http://schemas.microsoft.com/office/drawing/2014/main" id="{CA62EC75-2637-6373-DE10-0730E3DE6110}"/>
+              </a:ext>
+            </a:extLst>
+          </p:cNvPr>
+          <p:cNvSpPr/>
+          <p:nvPr/>
+        </p:nvSpPr>
+        <p:spPr>
+          <a:xfrm>
+            <a:off x="1510480" y="2058628"/>
+            <a:ext cx="3802624" cy="3610897"/>
+          </a:xfrm>
+          <a:prstGeom prst="roundRect">
+            <a:avLst>
+              <a:gd name="adj" fmla="val 13080"/>
+            </a:avLst>
+          </a:prstGeom>
+          <a:noFill/>
+          <a:ln w="38100">
+            <a:solidFill>
+              <a:schemeClr val="bg1"/>
+            </a:solidFill>
+            <a:prstDash val="dash"/>
+          </a:ln>
+        </p:spPr>
+        <p:style>
+          <a:lnRef idx="2">
+            <a:schemeClr val="accent1">
+              <a:shade val="15000"/>
+            </a:schemeClr>
+          </a:lnRef>
+          <a:fillRef idx="1">
+            <a:schemeClr val="accent1"/>
+          </a:fillRef>
+          <a:effectRef idx="0">
+            <a:schemeClr val="accent1"/>
+          </a:effectRef>
+          <a:fontRef idx="minor">
+            <a:schemeClr val="lt1"/>
+          </a:fontRef>
+        </p:style>
+        <p:txBody>
+          <a:bodyPr rtlCol="0" anchor="ctr"/>
+          <a:lstStyle/>
+          <a:p>
+            <a:pPr algn="ctr"/>
+            <a:endParaRPr kumimoji="1" lang="ja-JP" altLang="en-US"/>
+          </a:p>
+        </p:txBody>
+      </p:sp>
+      <p:sp>
+        <p:nvSpPr>
+          <p:cNvPr id="13" name="四角形: 角を丸くする 12">
+            <a:extLst>
+              <a:ext uri="{FF2B5EF4-FFF2-40B4-BE49-F238E27FC236}">
+                <a16:creationId xmlns:a16="http://schemas.microsoft.com/office/drawing/2014/main" id="{5F8281DA-2C88-923E-8BD8-8B17536AF9D9}"/>
+              </a:ext>
+            </a:extLst>
+          </p:cNvPr>
+          <p:cNvSpPr/>
+          <p:nvPr/>
+        </p:nvSpPr>
+        <p:spPr>
+          <a:xfrm>
+            <a:off x="6869063" y="2058628"/>
+            <a:ext cx="3802624" cy="3610897"/>
+          </a:xfrm>
+          <a:prstGeom prst="roundRect">
+            <a:avLst>
+              <a:gd name="adj" fmla="val 13080"/>
+            </a:avLst>
+          </a:prstGeom>
+          <a:noFill/>
+          <a:ln w="38100">
+            <a:solidFill>
+              <a:schemeClr val="bg1"/>
+            </a:solidFill>
+            <a:prstDash val="dash"/>
+          </a:ln>
+        </p:spPr>
+        <p:style>
+          <a:lnRef idx="2">
+            <a:schemeClr val="accent1">
+              <a:shade val="15000"/>
+            </a:schemeClr>
+          </a:lnRef>
+          <a:fillRef idx="1">
+            <a:schemeClr val="accent1"/>
+          </a:fillRef>
+          <a:effectRef idx="0">
+            <a:schemeClr val="accent1"/>
+          </a:effectRef>
+          <a:fontRef idx="minor">
+            <a:schemeClr val="lt1"/>
+          </a:fontRef>
+        </p:style>
+        <p:txBody>
+          <a:bodyPr rtlCol="0" anchor="ctr"/>
+          <a:lstStyle/>
+          <a:p>
+            <a:pPr algn="ctr"/>
+            <a:endParaRPr kumimoji="1" lang="ja-JP" altLang="en-US"/>
+          </a:p>
+        </p:txBody>
+      </p:sp>
+      <p:sp>
+        <p:nvSpPr>
+          <p:cNvPr id="14" name="正方形/長方形 13">
+            <a:extLst>
+              <a:ext uri="{FF2B5EF4-FFF2-40B4-BE49-F238E27FC236}">
+                <a16:creationId xmlns:a16="http://schemas.microsoft.com/office/drawing/2014/main" id="{52192687-6E27-88C8-ED3C-4F58ED7237DC}"/>
+              </a:ext>
+            </a:extLst>
+          </p:cNvPr>
+          <p:cNvSpPr/>
+          <p:nvPr/>
+        </p:nvSpPr>
+        <p:spPr>
+          <a:xfrm>
+            <a:off x="0" y="6459794"/>
+            <a:ext cx="12192000" cy="398206"/>
+          </a:xfrm>
+          <a:prstGeom prst="rect">
+            <a:avLst/>
+          </a:prstGeom>
+          <a:solidFill>
+            <a:srgbClr val="F5F5F5"/>
+          </a:solidFill>
+          <a:ln>
+            <a:noFill/>
+          </a:ln>
+        </p:spPr>
+        <p:style>
+          <a:lnRef idx="2">
+            <a:schemeClr val="accent1">
+              <a:shade val="15000"/>
+            </a:schemeClr>
+          </a:lnRef>
+          <a:fillRef idx="1">
+            <a:schemeClr val="accent1"/>
+          </a:fillRef>
+          <a:effectRef idx="0">
+            <a:schemeClr val="accent1"/>
+          </a:effectRef>
+          <a:fontRef idx="minor">
+            <a:schemeClr val="lt1"/>
+          </a:fontRef>
+        </p:style>
+        <p:txBody>
+          <a:bodyPr rtlCol="0" anchor="ctr"/>
+          <a:lstStyle/>
+          <a:p>
+            <a:pPr algn="ctr"/>
+            <a:endParaRPr kumimoji="1" lang="ja-JP" altLang="en-US"/>
+          </a:p>
+        </p:txBody>
+      </p:sp>
+      <p:grpSp>
+        <p:nvGrpSpPr>
+          <p:cNvPr id="21" name="グループ化 20">
+            <a:extLst>
+              <a:ext uri="{FF2B5EF4-FFF2-40B4-BE49-F238E27FC236}">
+                <a16:creationId xmlns:a16="http://schemas.microsoft.com/office/drawing/2014/main" id="{16808017-801A-53BE-3340-11699E77DC3C}"/>
+              </a:ext>
+            </a:extLst>
+          </p:cNvPr>
+          <p:cNvGrpSpPr/>
+          <p:nvPr/>
+        </p:nvGrpSpPr>
+        <p:grpSpPr>
+          <a:xfrm>
+            <a:off x="317581" y="277924"/>
+            <a:ext cx="924233" cy="1234235"/>
+            <a:chOff x="266781" y="196644"/>
+            <a:chExt cx="924233" cy="1234235"/>
+          </a:xfrm>
+        </p:grpSpPr>
+        <p:sp>
+          <p:nvSpPr>
+            <p:cNvPr id="6" name="フローチャート: 結合子 5">
+              <a:extLst>
+                <a:ext uri="{FF2B5EF4-FFF2-40B4-BE49-F238E27FC236}">
+                  <a16:creationId xmlns:a16="http://schemas.microsoft.com/office/drawing/2014/main" id="{760B2358-0756-5D93-6C4A-D5FC31E04F76}"/>
+                </a:ext>
+              </a:extLst>
+            </p:cNvPr>
+            <p:cNvSpPr/>
+            <p:nvPr/>
+          </p:nvSpPr>
+          <p:spPr>
+            <a:xfrm>
+              <a:off x="266781" y="196644"/>
+              <a:ext cx="924233" cy="924233"/>
+            </a:xfrm>
+            <a:prstGeom prst="flowChartConnector">
+              <a:avLst/>
+            </a:prstGeom>
+            <a:noFill/>
+            <a:ln w="28575">
+              <a:solidFill>
+                <a:srgbClr val="EA7B6B"/>
+              </a:solidFill>
+            </a:ln>
+          </p:spPr>
+          <p:style>
+            <a:lnRef idx="2">
+              <a:schemeClr val="accent1">
+                <a:shade val="15000"/>
+              </a:schemeClr>
+            </a:lnRef>
+            <a:fillRef idx="1">
+              <a:schemeClr val="accent1"/>
+            </a:fillRef>
+            <a:effectRef idx="0">
+              <a:schemeClr val="accent1"/>
+            </a:effectRef>
+            <a:fontRef idx="minor">
+              <a:schemeClr val="lt1"/>
+            </a:fontRef>
+          </p:style>
+          <p:txBody>
+            <a:bodyPr rtlCol="0" anchor="ctr"/>
+            <a:lstStyle/>
+            <a:p>
+              <a:pPr algn="ctr"/>
+              <a:endParaRPr kumimoji="1" lang="ja-JP" altLang="en-US"/>
+            </a:p>
+          </p:txBody>
+        </p:sp>
+        <p:sp>
+          <p:nvSpPr>
+            <p:cNvPr id="15" name="フローチャート: 結合子 14">
+              <a:extLst>
+                <a:ext uri="{FF2B5EF4-FFF2-40B4-BE49-F238E27FC236}">
+                  <a16:creationId xmlns:a16="http://schemas.microsoft.com/office/drawing/2014/main" id="{D05A29E2-273E-D3FB-A6C2-839C27DA4BB8}"/>
+                </a:ext>
+              </a:extLst>
+            </p:cNvPr>
+            <p:cNvSpPr/>
+            <p:nvPr/>
+          </p:nvSpPr>
+          <p:spPr>
+            <a:xfrm>
+              <a:off x="545771" y="319548"/>
+              <a:ext cx="366250" cy="349044"/>
+            </a:xfrm>
+            <a:prstGeom prst="flowChartConnector">
+              <a:avLst/>
+            </a:prstGeom>
+            <a:noFill/>
+            <a:ln w="28575">
+              <a:solidFill>
+                <a:srgbClr val="EA7B6B"/>
+              </a:solidFill>
+            </a:ln>
+          </p:spPr>
+          <p:style>
+            <a:lnRef idx="2">
+              <a:schemeClr val="accent1">
+                <a:shade val="15000"/>
+              </a:schemeClr>
+            </a:lnRef>
+            <a:fillRef idx="1">
+              <a:schemeClr val="accent1"/>
+            </a:fillRef>
+            <a:effectRef idx="0">
+              <a:schemeClr val="accent1"/>
+            </a:effectRef>
+            <a:fontRef idx="minor">
+              <a:schemeClr val="lt1"/>
+            </a:fontRef>
+          </p:style>
+          <p:txBody>
+            <a:bodyPr rtlCol="0" anchor="ctr"/>
+            <a:lstStyle/>
+            <a:p>
+              <a:pPr algn="ctr"/>
+              <a:endParaRPr kumimoji="1" lang="ja-JP" altLang="en-US"/>
+            </a:p>
+          </p:txBody>
+        </p:sp>
+        <p:sp>
+          <p:nvSpPr>
+            <p:cNvPr id="16" name="円弧 15">
+              <a:extLst>
+                <a:ext uri="{FF2B5EF4-FFF2-40B4-BE49-F238E27FC236}">
+                  <a16:creationId xmlns:a16="http://schemas.microsoft.com/office/drawing/2014/main" id="{24D54118-16BA-E4E7-2C10-DC055B34DBCF}"/>
+                </a:ext>
+              </a:extLst>
+            </p:cNvPr>
+            <p:cNvSpPr/>
+            <p:nvPr/>
+          </p:nvSpPr>
+          <p:spPr>
+            <a:xfrm rot="19079286">
+              <a:off x="374934" y="732788"/>
+              <a:ext cx="707924" cy="698091"/>
+            </a:xfrm>
+            <a:prstGeom prst="arc">
+              <a:avLst/>
+            </a:prstGeom>
+            <a:ln w="28575">
+              <a:solidFill>
+                <a:srgbClr val="EA7B6B"/>
+              </a:solidFill>
+            </a:ln>
+          </p:spPr>
+          <p:style>
+            <a:lnRef idx="1">
+              <a:schemeClr val="accent1"/>
+            </a:lnRef>
+            <a:fillRef idx="0">
+              <a:schemeClr val="accent1"/>
+            </a:fillRef>
+            <a:effectRef idx="0">
+              <a:schemeClr val="accent1"/>
+            </a:effectRef>
+            <a:fontRef idx="minor">
+              <a:schemeClr val="tx1"/>
+            </a:fontRef>
+          </p:style>
+          <p:txBody>
+            <a:bodyPr rtlCol="0" anchor="ctr"/>
+            <a:lstStyle/>
+            <a:p>
+              <a:pPr algn="ctr"/>
+              <a:endParaRPr kumimoji="1" lang="ja-JP" altLang="en-US"/>
+            </a:p>
+          </p:txBody>
+        </p:sp>
+      </p:grpSp>
+      <p:sp>
+        <p:nvSpPr>
+          <p:cNvPr id="18" name="テキスト ボックス 17">
+            <a:extLst>
+              <a:ext uri="{FF2B5EF4-FFF2-40B4-BE49-F238E27FC236}">
+                <a16:creationId xmlns:a16="http://schemas.microsoft.com/office/drawing/2014/main" id="{FB2ACA54-02A5-9444-157C-C6C4B251D7FA}"/>
+              </a:ext>
+            </a:extLst>
+          </p:cNvPr>
+          <p:cNvSpPr txBox="1"/>
+          <p:nvPr/>
+        </p:nvSpPr>
+        <p:spPr>
+          <a:xfrm>
+            <a:off x="2231209" y="3538350"/>
+            <a:ext cx="2361161" cy="769441"/>
+          </a:xfrm>
+          <a:prstGeom prst="rect">
+            <a:avLst/>
+          </a:prstGeom>
+          <a:noFill/>
+        </p:spPr>
+        <p:txBody>
+          <a:bodyPr wrap="square" rtlCol="0">
+            <a:spAutoFit/>
+          </a:bodyPr>
+          <a:lstStyle/>
+          <a:p>
+            <a:r>
+              <a:rPr kumimoji="1" lang="en-US" altLang="ja-JP" sz="4400" dirty="0">
+                <a:solidFill>
+                  <a:srgbClr val="001746"/>
+                </a:solidFill>
+                <a:latin typeface="Kristen ITC" panose="03050502040202030202" pitchFamily="66" charset="0"/>
+              </a:rPr>
+              <a:t>Manual</a:t>
+            </a:r>
+            <a:endParaRPr kumimoji="1" lang="ja-JP" altLang="en-US" sz="4400" dirty="0">
+              <a:solidFill>
+                <a:srgbClr val="001746"/>
+              </a:solidFill>
+              <a:latin typeface="Kristen ITC" panose="03050502040202030202" pitchFamily="66" charset="0"/>
+            </a:endParaRPr>
+          </a:p>
+        </p:txBody>
+      </p:sp>
+      <p:sp>
+        <p:nvSpPr>
+          <p:cNvPr id="19" name="テキスト ボックス 18">
+            <a:extLst>
+              <a:ext uri="{FF2B5EF4-FFF2-40B4-BE49-F238E27FC236}">
+                <a16:creationId xmlns:a16="http://schemas.microsoft.com/office/drawing/2014/main" id="{CDEC0DEC-E984-1D2D-A0A6-87A27DFFDD43}"/>
+              </a:ext>
+            </a:extLst>
+          </p:cNvPr>
+          <p:cNvSpPr txBox="1"/>
+          <p:nvPr/>
+        </p:nvSpPr>
+        <p:spPr>
+          <a:xfrm>
+            <a:off x="7939341" y="3448577"/>
+            <a:ext cx="1681727" cy="830997"/>
+          </a:xfrm>
+          <a:prstGeom prst="rect">
+            <a:avLst/>
+          </a:prstGeom>
+          <a:noFill/>
+        </p:spPr>
+        <p:txBody>
+          <a:bodyPr wrap="square" rtlCol="0">
+            <a:spAutoFit/>
+          </a:bodyPr>
+          <a:lstStyle/>
+          <a:p>
+            <a:r>
+              <a:rPr kumimoji="1" lang="en-US" altLang="ja-JP" sz="4800" dirty="0">
+                <a:solidFill>
+                  <a:srgbClr val="001746"/>
+                </a:solidFill>
+                <a:latin typeface="Kristen ITC" panose="03050502040202030202" pitchFamily="66" charset="0"/>
+              </a:rPr>
+              <a:t>Task</a:t>
+            </a:r>
+            <a:endParaRPr kumimoji="1" lang="ja-JP" altLang="en-US" sz="4800" dirty="0">
+              <a:solidFill>
+                <a:srgbClr val="001746"/>
+              </a:solidFill>
+              <a:latin typeface="Kristen ITC" panose="03050502040202030202" pitchFamily="66" charset="0"/>
+            </a:endParaRPr>
+          </a:p>
+        </p:txBody>
+      </p:sp>
+      <p:sp>
+        <p:nvSpPr>
+          <p:cNvPr id="3" name="テキスト ボックス 2">
+            <a:extLst>
+              <a:ext uri="{FF2B5EF4-FFF2-40B4-BE49-F238E27FC236}">
+                <a16:creationId xmlns:a16="http://schemas.microsoft.com/office/drawing/2014/main" id="{C2104C67-650B-2C5D-3FB7-17690095B437}"/>
+              </a:ext>
+            </a:extLst>
+          </p:cNvPr>
+          <p:cNvSpPr txBox="1"/>
+          <p:nvPr/>
+        </p:nvSpPr>
+        <p:spPr>
+          <a:xfrm>
+            <a:off x="2818768" y="3261506"/>
+            <a:ext cx="1186042" cy="369332"/>
+          </a:xfrm>
+          <a:prstGeom prst="rect">
+            <a:avLst/>
+          </a:prstGeom>
+          <a:noFill/>
+        </p:spPr>
+        <p:txBody>
+          <a:bodyPr wrap="square" rtlCol="0">
+            <a:spAutoFit/>
+          </a:bodyPr>
+          <a:lstStyle/>
+          <a:p>
+            <a:r>
+              <a:rPr kumimoji="1" lang="ja-JP" altLang="en-US" dirty="0">
+                <a:solidFill>
+                  <a:srgbClr val="001746"/>
+                </a:solidFill>
+                <a:latin typeface="HGP創英角ﾎﾟｯﾌﾟ体" panose="040B0A00000000000000" pitchFamily="50" charset="-128"/>
+                <a:ea typeface="HGP創英角ﾎﾟｯﾌﾟ体" panose="040B0A00000000000000" pitchFamily="50" charset="-128"/>
+              </a:rPr>
+              <a:t>マニュアル</a:t>
+            </a:r>
+          </a:p>
+        </p:txBody>
+      </p:sp>
+      <p:sp>
+        <p:nvSpPr>
+          <p:cNvPr id="10" name="テキスト ボックス 9">
+            <a:extLst>
+              <a:ext uri="{FF2B5EF4-FFF2-40B4-BE49-F238E27FC236}">
+                <a16:creationId xmlns:a16="http://schemas.microsoft.com/office/drawing/2014/main" id="{A48C92F5-6D70-5B0D-1EAE-CF8FDE7AE783}"/>
+              </a:ext>
+            </a:extLst>
+          </p:cNvPr>
+          <p:cNvSpPr txBox="1"/>
+          <p:nvPr/>
+        </p:nvSpPr>
+        <p:spPr>
+          <a:xfrm>
+            <a:off x="8352144" y="3169018"/>
+            <a:ext cx="836461" cy="369332"/>
+          </a:xfrm>
+          <a:prstGeom prst="rect">
+            <a:avLst/>
+          </a:prstGeom>
+          <a:noFill/>
+        </p:spPr>
+        <p:txBody>
+          <a:bodyPr wrap="square" rtlCol="0">
+            <a:spAutoFit/>
+          </a:bodyPr>
+          <a:lstStyle/>
+          <a:p>
+            <a:r>
+              <a:rPr kumimoji="1" lang="ja-JP" altLang="en-US" dirty="0">
+                <a:solidFill>
+                  <a:srgbClr val="001746"/>
+                </a:solidFill>
+                <a:latin typeface="HGP創英角ﾎﾟｯﾌﾟ体" panose="040B0A00000000000000" pitchFamily="50" charset="-128"/>
+                <a:ea typeface="HGP創英角ﾎﾟｯﾌﾟ体" panose="040B0A00000000000000" pitchFamily="50" charset="-128"/>
+              </a:rPr>
+              <a:t>タスク</a:t>
+            </a:r>
+          </a:p>
+        </p:txBody>
+      </p:sp>
+      <p:sp>
+        <p:nvSpPr>
+          <p:cNvPr id="20" name="テキスト ボックス 19">
+            <a:extLst>
+              <a:ext uri="{FF2B5EF4-FFF2-40B4-BE49-F238E27FC236}">
+                <a16:creationId xmlns:a16="http://schemas.microsoft.com/office/drawing/2014/main" id="{93D16964-E0C9-2363-48DD-3B661653827D}"/>
+              </a:ext>
+            </a:extLst>
+          </p:cNvPr>
+          <p:cNvSpPr txBox="1"/>
+          <p:nvPr/>
+        </p:nvSpPr>
+        <p:spPr>
+          <a:xfrm>
+            <a:off x="9558094" y="806695"/>
+            <a:ext cx="2401617" cy="461665"/>
+          </a:xfrm>
+          <a:prstGeom prst="rect">
+            <a:avLst/>
+          </a:prstGeom>
+          <a:noFill/>
+        </p:spPr>
+        <p:txBody>
+          <a:bodyPr wrap="square" rtlCol="0">
+            <a:spAutoFit/>
+          </a:bodyPr>
+          <a:lstStyle/>
+          <a:p>
+            <a:r>
+              <a:rPr kumimoji="1" lang="en-US" altLang="ja-JP" sz="2400" dirty="0">
+                <a:solidFill>
+                  <a:srgbClr val="001746"/>
+                </a:solidFill>
+                <a:latin typeface="Kristen ITC" panose="03050502040202030202" pitchFamily="66" charset="0"/>
+              </a:rPr>
+              <a:t>2024/06/07 (Fri)</a:t>
+            </a:r>
+            <a:endParaRPr kumimoji="1" lang="ja-JP" altLang="en-US" sz="2400" dirty="0">
+              <a:solidFill>
+                <a:srgbClr val="001746"/>
+              </a:solidFill>
+              <a:latin typeface="Kristen ITC" panose="03050502040202030202" pitchFamily="66" charset="0"/>
+            </a:endParaRPr>
+          </a:p>
+        </p:txBody>
+      </p:sp>
+      <p:sp>
+        <p:nvSpPr>
+          <p:cNvPr id="22" name="テキスト ボックス 21">
+            <a:extLst>
+              <a:ext uri="{FF2B5EF4-FFF2-40B4-BE49-F238E27FC236}">
+                <a16:creationId xmlns:a16="http://schemas.microsoft.com/office/drawing/2014/main" id="{71CC734F-A1B3-457D-DBDD-64EF65974439}"/>
+              </a:ext>
+            </a:extLst>
+          </p:cNvPr>
+          <p:cNvSpPr txBox="1"/>
+          <p:nvPr/>
+        </p:nvSpPr>
+        <p:spPr>
+          <a:xfrm>
+            <a:off x="3861424" y="6505008"/>
+            <a:ext cx="4490720" cy="307777"/>
+          </a:xfrm>
+          <a:prstGeom prst="rect">
+            <a:avLst/>
+          </a:prstGeom>
+          <a:noFill/>
+        </p:spPr>
+        <p:txBody>
+          <a:bodyPr wrap="square" rtlCol="0">
+            <a:spAutoFit/>
+          </a:bodyPr>
+          <a:lstStyle/>
+          <a:p>
+            <a:r>
+              <a:rPr kumimoji="1" lang="en-US" altLang="ja-JP" sz="1400" dirty="0">
+                <a:solidFill>
+                  <a:srgbClr val="001746"/>
+                </a:solidFill>
+              </a:rPr>
+              <a:t>Copyright </a:t>
+            </a:r>
+            <a:r>
+              <a:rPr kumimoji="1" lang="en-US" altLang="ja-JP" sz="1400" dirty="0" err="1">
+                <a:solidFill>
+                  <a:srgbClr val="001746"/>
+                </a:solidFill>
+              </a:rPr>
+              <a:t>paraparaChahan</a:t>
+            </a:r>
+            <a:r>
+              <a:rPr kumimoji="1" lang="en-US" altLang="ja-JP" sz="1400" dirty="0">
+                <a:solidFill>
+                  <a:srgbClr val="001746"/>
+                </a:solidFill>
+              </a:rPr>
+              <a:t>(PLUS DOJO). All rights reserved.</a:t>
+            </a:r>
+            <a:endParaRPr kumimoji="1" lang="ja-JP" altLang="en-US" sz="1400" dirty="0">
+              <a:solidFill>
+                <a:srgbClr val="001746"/>
+              </a:solidFill>
+            </a:endParaRPr>
+          </a:p>
+        </p:txBody>
+      </p:sp>
+      <p:sp>
+        <p:nvSpPr>
+          <p:cNvPr id="2" name="正方形/長方形 1">
+            <a:extLst>
+              <a:ext uri="{FF2B5EF4-FFF2-40B4-BE49-F238E27FC236}">
+                <a16:creationId xmlns:a16="http://schemas.microsoft.com/office/drawing/2014/main" id="{B2432646-AAE4-75FE-53D4-9E01AD055D08}"/>
+              </a:ext>
+            </a:extLst>
+          </p:cNvPr>
+          <p:cNvSpPr/>
+          <p:nvPr/>
+        </p:nvSpPr>
+        <p:spPr>
+          <a:xfrm>
+            <a:off x="0" y="1406012"/>
+            <a:ext cx="4935794" cy="3972233"/>
+          </a:xfrm>
+          <a:prstGeom prst="rect">
+            <a:avLst/>
+          </a:prstGeom>
+          <a:solidFill>
+            <a:srgbClr val="001746">
+              <a:alpha val="70000"/>
+            </a:srgbClr>
+          </a:solidFill>
+          <a:ln>
+            <a:solidFill>
+              <a:srgbClr val="001746"/>
+            </a:solidFill>
+          </a:ln>
+        </p:spPr>
+        <p:style>
+          <a:lnRef idx="2">
+            <a:schemeClr val="accent1">
+              <a:shade val="15000"/>
+            </a:schemeClr>
+          </a:lnRef>
+          <a:fillRef idx="1">
+            <a:schemeClr val="accent1"/>
+          </a:fillRef>
+          <a:effectRef idx="0">
+            <a:schemeClr val="accent1"/>
+          </a:effectRef>
+          <a:fontRef idx="minor">
+            <a:schemeClr val="lt1"/>
+          </a:fontRef>
+        </p:style>
+        <p:txBody>
+          <a:bodyPr rtlCol="0" anchor="ctr"/>
+          <a:lstStyle/>
+          <a:p>
+            <a:pPr algn="ctr"/>
+            <a:endParaRPr kumimoji="1" lang="ja-JP" altLang="en-US"/>
+          </a:p>
+        </p:txBody>
+      </p:sp>
+      <p:cxnSp>
+        <p:nvCxnSpPr>
+          <p:cNvPr id="17" name="直線コネクタ 16">
+            <a:extLst>
+              <a:ext uri="{FF2B5EF4-FFF2-40B4-BE49-F238E27FC236}">
+                <a16:creationId xmlns:a16="http://schemas.microsoft.com/office/drawing/2014/main" id="{83CB06F7-BDD9-8D9F-31BD-FA5D7834DAD3}"/>
+              </a:ext>
+            </a:extLst>
+          </p:cNvPr>
+          <p:cNvCxnSpPr>
+            <a:cxnSpLocks/>
+          </p:cNvCxnSpPr>
+          <p:nvPr/>
+        </p:nvCxnSpPr>
+        <p:spPr>
+          <a:xfrm>
+            <a:off x="0" y="2389239"/>
+            <a:ext cx="4935794" cy="0"/>
+          </a:xfrm>
+          <a:prstGeom prst="line">
+            <a:avLst/>
+          </a:prstGeom>
+          <a:ln w="38100">
+            <a:solidFill>
+              <a:schemeClr val="bg1"/>
+            </a:solidFill>
+          </a:ln>
+        </p:spPr>
+        <p:style>
+          <a:lnRef idx="1">
+            <a:schemeClr val="accent1"/>
+          </a:lnRef>
+          <a:fillRef idx="0">
+            <a:schemeClr val="accent1"/>
+          </a:fillRef>
+          <a:effectRef idx="0">
+            <a:schemeClr val="accent1"/>
+          </a:effectRef>
+          <a:fontRef idx="minor">
+            <a:schemeClr val="tx1"/>
+          </a:fontRef>
+        </p:style>
+      </p:cxnSp>
+      <p:cxnSp>
+        <p:nvCxnSpPr>
+          <p:cNvPr id="27" name="直線コネクタ 26">
+            <a:extLst>
+              <a:ext uri="{FF2B5EF4-FFF2-40B4-BE49-F238E27FC236}">
+                <a16:creationId xmlns:a16="http://schemas.microsoft.com/office/drawing/2014/main" id="{605A84F8-92CF-3933-3ED7-2603924468DF}"/>
+              </a:ext>
+            </a:extLst>
+          </p:cNvPr>
+          <p:cNvCxnSpPr>
+            <a:cxnSpLocks/>
+          </p:cNvCxnSpPr>
+          <p:nvPr/>
+        </p:nvCxnSpPr>
+        <p:spPr>
+          <a:xfrm>
+            <a:off x="0" y="3353684"/>
+            <a:ext cx="4935794" cy="0"/>
+          </a:xfrm>
+          <a:prstGeom prst="line">
+            <a:avLst/>
+          </a:prstGeom>
+          <a:ln w="38100">
+            <a:solidFill>
+              <a:schemeClr val="bg1"/>
+            </a:solidFill>
+          </a:ln>
+        </p:spPr>
+        <p:style>
+          <a:lnRef idx="1">
+            <a:schemeClr val="accent1"/>
+          </a:lnRef>
+          <a:fillRef idx="0">
+            <a:schemeClr val="accent1"/>
+          </a:fillRef>
+          <a:effectRef idx="0">
+            <a:schemeClr val="accent1"/>
+          </a:effectRef>
+          <a:fontRef idx="minor">
+            <a:schemeClr val="tx1"/>
+          </a:fontRef>
+        </p:style>
+      </p:cxnSp>
+      <p:cxnSp>
+        <p:nvCxnSpPr>
+          <p:cNvPr id="28" name="直線コネクタ 27">
+            <a:extLst>
+              <a:ext uri="{FF2B5EF4-FFF2-40B4-BE49-F238E27FC236}">
+                <a16:creationId xmlns:a16="http://schemas.microsoft.com/office/drawing/2014/main" id="{B2CBF4E4-5B9B-A9F9-870F-0997142B620D}"/>
+              </a:ext>
+            </a:extLst>
+          </p:cNvPr>
+          <p:cNvCxnSpPr>
+            <a:cxnSpLocks/>
+          </p:cNvCxnSpPr>
+          <p:nvPr/>
+        </p:nvCxnSpPr>
+        <p:spPr>
+          <a:xfrm>
+            <a:off x="0" y="4439265"/>
+            <a:ext cx="4935794" cy="0"/>
+          </a:xfrm>
+          <a:prstGeom prst="line">
+            <a:avLst/>
+          </a:prstGeom>
+          <a:ln w="38100">
+            <a:solidFill>
+              <a:schemeClr val="bg1"/>
+            </a:solidFill>
+          </a:ln>
+        </p:spPr>
+        <p:style>
+          <a:lnRef idx="1">
+            <a:schemeClr val="accent1"/>
+          </a:lnRef>
+          <a:fillRef idx="0">
+            <a:schemeClr val="accent1"/>
+          </a:fillRef>
+          <a:effectRef idx="0">
+            <a:schemeClr val="accent1"/>
+          </a:effectRef>
+          <a:fontRef idx="minor">
+            <a:schemeClr val="tx1"/>
+          </a:fontRef>
+        </p:style>
+      </p:cxnSp>
+      <p:sp>
+        <p:nvSpPr>
+          <p:cNvPr id="4" name="正方形/長方形 3">
+            <a:extLst>
+              <a:ext uri="{FF2B5EF4-FFF2-40B4-BE49-F238E27FC236}">
+                <a16:creationId xmlns:a16="http://schemas.microsoft.com/office/drawing/2014/main" id="{2C9C47B5-9ACF-5682-F206-1EF51EBE931E}"/>
+              </a:ext>
+            </a:extLst>
+          </p:cNvPr>
+          <p:cNvSpPr/>
+          <p:nvPr/>
+        </p:nvSpPr>
+        <p:spPr>
+          <a:xfrm>
+            <a:off x="0" y="1396180"/>
+            <a:ext cx="4935794" cy="944779"/>
+          </a:xfrm>
+          <a:prstGeom prst="rect">
+            <a:avLst/>
+          </a:prstGeom>
+          <a:solidFill>
+            <a:srgbClr val="7DE3A1">
+              <a:alpha val="70000"/>
+            </a:srgbClr>
+          </a:solidFill>
+          <a:ln>
+            <a:noFill/>
+          </a:ln>
+        </p:spPr>
+        <p:style>
+          <a:lnRef idx="2">
+            <a:schemeClr val="accent1">
+              <a:shade val="15000"/>
+            </a:schemeClr>
+          </a:lnRef>
+          <a:fillRef idx="1">
+            <a:schemeClr val="accent1"/>
+          </a:fillRef>
+          <a:effectRef idx="0">
+            <a:schemeClr val="accent1"/>
+          </a:effectRef>
+          <a:fontRef idx="minor">
+            <a:schemeClr val="lt1"/>
+          </a:fontRef>
+        </p:style>
+        <p:txBody>
+          <a:bodyPr rtlCol="0" anchor="ctr"/>
+          <a:lstStyle/>
+          <a:p>
+            <a:pPr algn="ctr"/>
+            <a:endParaRPr kumimoji="1" lang="ja-JP" altLang="en-US"/>
+          </a:p>
+        </p:txBody>
+      </p:sp>
+      <p:sp>
+        <p:nvSpPr>
+          <p:cNvPr id="9" name="テキスト ボックス 8">
+            <a:extLst>
+              <a:ext uri="{FF2B5EF4-FFF2-40B4-BE49-F238E27FC236}">
+                <a16:creationId xmlns:a16="http://schemas.microsoft.com/office/drawing/2014/main" id="{A976B56D-4DDA-F1A5-0A62-D7EAE772B748}"/>
+              </a:ext>
+            </a:extLst>
+          </p:cNvPr>
+          <p:cNvSpPr txBox="1"/>
+          <p:nvPr/>
+        </p:nvSpPr>
+        <p:spPr>
+          <a:xfrm>
+            <a:off x="191664" y="1659358"/>
+            <a:ext cx="3136491" cy="584775"/>
+          </a:xfrm>
+          <a:prstGeom prst="rect">
+            <a:avLst/>
+          </a:prstGeom>
+          <a:noFill/>
+        </p:spPr>
+        <p:txBody>
+          <a:bodyPr wrap="square" rtlCol="0">
+            <a:spAutoFit/>
+          </a:bodyPr>
+          <a:lstStyle/>
+          <a:p>
+            <a:r>
+              <a:rPr kumimoji="1" lang="ja-JP" altLang="en-US" sz="3200" dirty="0">
+                <a:solidFill>
+                  <a:schemeClr val="bg1"/>
+                </a:solidFill>
+                <a:latin typeface="+mn-ea"/>
+              </a:rPr>
+              <a:t>アカウント画面</a:t>
+            </a:r>
+          </a:p>
+        </p:txBody>
+      </p:sp>
+      <p:sp>
+        <p:nvSpPr>
+          <p:cNvPr id="23" name="テキスト ボックス 22">
+            <a:extLst>
+              <a:ext uri="{FF2B5EF4-FFF2-40B4-BE49-F238E27FC236}">
+                <a16:creationId xmlns:a16="http://schemas.microsoft.com/office/drawing/2014/main" id="{99B096BC-458E-7DF1-A289-A0B3D8EAD362}"/>
+              </a:ext>
+            </a:extLst>
+          </p:cNvPr>
+          <p:cNvSpPr txBox="1"/>
+          <p:nvPr/>
+        </p:nvSpPr>
+        <p:spPr>
+          <a:xfrm>
+            <a:off x="191663" y="2604529"/>
+            <a:ext cx="3136491" cy="584775"/>
+          </a:xfrm>
+          <a:prstGeom prst="rect">
+            <a:avLst/>
+          </a:prstGeom>
+          <a:noFill/>
+        </p:spPr>
+        <p:txBody>
+          <a:bodyPr wrap="square" rtlCol="0">
+            <a:spAutoFit/>
+          </a:bodyPr>
+          <a:lstStyle/>
+          <a:p>
+            <a:r>
+              <a:rPr kumimoji="1" lang="ja-JP" altLang="en-US" sz="3200" dirty="0">
+                <a:solidFill>
+                  <a:schemeClr val="bg1"/>
+                </a:solidFill>
+                <a:latin typeface="+mn-ea"/>
+              </a:rPr>
+              <a:t>グループ一覧</a:t>
+            </a:r>
+          </a:p>
+        </p:txBody>
+      </p:sp>
+      <p:sp>
+        <p:nvSpPr>
+          <p:cNvPr id="24" name="テキスト ボックス 23">
+            <a:extLst>
+              <a:ext uri="{FF2B5EF4-FFF2-40B4-BE49-F238E27FC236}">
+                <a16:creationId xmlns:a16="http://schemas.microsoft.com/office/drawing/2014/main" id="{970E1DD7-9282-E8C4-12C4-35C043361246}"/>
+              </a:ext>
+            </a:extLst>
+          </p:cNvPr>
+          <p:cNvSpPr txBox="1"/>
+          <p:nvPr/>
+        </p:nvSpPr>
+        <p:spPr>
+          <a:xfrm>
+            <a:off x="191663" y="3676927"/>
+            <a:ext cx="3136491" cy="584775"/>
+          </a:xfrm>
+          <a:prstGeom prst="rect">
+            <a:avLst/>
+          </a:prstGeom>
+          <a:noFill/>
+        </p:spPr>
+        <p:txBody>
+          <a:bodyPr wrap="square" rtlCol="0">
+            <a:spAutoFit/>
+          </a:bodyPr>
+          <a:lstStyle/>
+          <a:p>
+            <a:r>
+              <a:rPr kumimoji="1" lang="ja-JP" altLang="en-US" sz="3200" dirty="0">
+                <a:solidFill>
+                  <a:schemeClr val="bg1"/>
+                </a:solidFill>
+                <a:latin typeface="+mn-ea"/>
+              </a:rPr>
+              <a:t>グループ詳細</a:t>
+            </a:r>
+          </a:p>
+        </p:txBody>
+      </p:sp>
+      <p:sp>
+        <p:nvSpPr>
+          <p:cNvPr id="25" name="テキスト ボックス 24">
+            <a:extLst>
+              <a:ext uri="{FF2B5EF4-FFF2-40B4-BE49-F238E27FC236}">
+                <a16:creationId xmlns:a16="http://schemas.microsoft.com/office/drawing/2014/main" id="{C129D1AD-01EA-80EE-2EEE-5109148E4785}"/>
+              </a:ext>
+            </a:extLst>
+          </p:cNvPr>
+          <p:cNvSpPr txBox="1"/>
+          <p:nvPr/>
+        </p:nvSpPr>
+        <p:spPr>
+          <a:xfrm>
+            <a:off x="182550" y="4687653"/>
+            <a:ext cx="3136491" cy="584775"/>
+          </a:xfrm>
+          <a:prstGeom prst="rect">
+            <a:avLst/>
+          </a:prstGeom>
+          <a:noFill/>
+        </p:spPr>
+        <p:txBody>
+          <a:bodyPr wrap="square" rtlCol="0">
+            <a:spAutoFit/>
+          </a:bodyPr>
+          <a:lstStyle/>
+          <a:p>
+            <a:r>
+              <a:rPr kumimoji="1" lang="ja-JP" altLang="en-US" sz="3200" dirty="0">
+                <a:solidFill>
+                  <a:schemeClr val="bg1"/>
+                </a:solidFill>
+                <a:latin typeface="+mn-ea"/>
+              </a:rPr>
+              <a:t>ログアウト</a:t>
+            </a:r>
+          </a:p>
+        </p:txBody>
+      </p:sp>
+    </p:spTree>
+    <p:extLst>
+      <p:ext uri="{BB962C8B-B14F-4D97-AF65-F5344CB8AC3E}">
+        <p14:creationId xmlns:p14="http://schemas.microsoft.com/office/powerpoint/2010/main" val="2682789559"/>
+      </p:ext>
+    </p:extLst>
+  </p:cSld>
+  <p:clrMapOvr>
+    <a:masterClrMapping/>
+  </p:clrMapOvr>
+</p:sld>
+</file>
+
+<file path=ppt/slides/slide4.xml><?xml version="1.0" encoding="utf-8"?>
 <p:sld xmlns:a="http://schemas.openxmlformats.org/drawingml/2006/main" xmlns:r="http://schemas.openxmlformats.org/officeDocument/2006/relationships" xmlns:p="http://schemas.openxmlformats.org/presentationml/2006/main">
   <p:cSld>
     <p:spTree>
@@ -4770,6 +6595,281 @@
     <p:extLst>
       <p:ext uri="{BB962C8B-B14F-4D97-AF65-F5344CB8AC3E}">
         <p14:creationId xmlns:p14="http://schemas.microsoft.com/office/powerpoint/2010/main" val="451360039"/>
+      </p:ext>
+    </p:extLst>
+  </p:cSld>
+  <p:clrMapOvr>
+    <a:masterClrMapping/>
+  </p:clrMapOvr>
+</p:sld>
+</file>
+
+<file path=ppt/slides/slide5.xml><?xml version="1.0" encoding="utf-8"?>
+<p:sld xmlns:a="http://schemas.openxmlformats.org/drawingml/2006/main" xmlns:r="http://schemas.openxmlformats.org/officeDocument/2006/relationships" xmlns:p="http://schemas.openxmlformats.org/presentationml/2006/main">
+  <p:cSld>
+    <p:spTree>
+      <p:nvGrpSpPr>
+        <p:cNvPr id="1" name=""/>
+        <p:cNvGrpSpPr/>
+        <p:nvPr/>
+      </p:nvGrpSpPr>
+      <p:grpSpPr>
+        <a:xfrm>
+          <a:off x="0" y="0"/>
+          <a:ext cx="0" cy="0"/>
+          <a:chOff x="0" y="0"/>
+          <a:chExt cx="0" cy="0"/>
+        </a:xfrm>
+      </p:grpSpPr>
+      <p:sp>
+        <p:nvSpPr>
+          <p:cNvPr id="3" name="テキスト ボックス 2">
+            <a:extLst>
+              <a:ext uri="{FF2B5EF4-FFF2-40B4-BE49-F238E27FC236}">
+                <a16:creationId xmlns:a16="http://schemas.microsoft.com/office/drawing/2014/main" id="{8DF0300A-87CF-646A-A2C0-E69E0F3773D9}"/>
+              </a:ext>
+            </a:extLst>
+          </p:cNvPr>
+          <p:cNvSpPr txBox="1"/>
+          <p:nvPr/>
+        </p:nvSpPr>
+        <p:spPr>
+          <a:xfrm>
+            <a:off x="1391264" y="2413337"/>
+            <a:ext cx="9409471" cy="2031325"/>
+          </a:xfrm>
+          <a:prstGeom prst="rect">
+            <a:avLst/>
+          </a:prstGeom>
+          <a:noFill/>
+        </p:spPr>
+        <p:txBody>
+          <a:bodyPr wrap="square">
+            <a:spAutoFit/>
+          </a:bodyPr>
+          <a:lstStyle/>
+          <a:p>
+            <a:r>
+              <a:rPr lang="ja-JP" altLang="en-US" b="0" i="0" dirty="0">
+                <a:solidFill>
+                  <a:srgbClr val="1D1C1D"/>
+                </a:solidFill>
+                <a:effectLst/>
+                <a:highlight>
+                  <a:srgbClr val="F8F8F8"/>
+                </a:highlight>
+                <a:latin typeface="NotoSansJP"/>
+              </a:rPr>
+              <a:t>共通事項・英文字スタイル→</a:t>
+            </a:r>
+            <a:r>
+              <a:rPr lang="en-US" altLang="ja-JP" b="0" i="0" dirty="0">
+                <a:solidFill>
+                  <a:srgbClr val="1D1C1D"/>
+                </a:solidFill>
+                <a:effectLst/>
+                <a:highlight>
+                  <a:srgbClr val="F8F8F8"/>
+                </a:highlight>
+                <a:latin typeface="NotoSansJP"/>
+              </a:rPr>
+              <a:t>Kristen ITC</a:t>
+            </a:r>
+            <a:br>
+              <a:rPr lang="ja-JP" altLang="en-US" dirty="0"/>
+            </a:br>
+            <a:r>
+              <a:rPr lang="ja-JP" altLang="en-US" b="0" i="0" dirty="0">
+                <a:solidFill>
+                  <a:srgbClr val="1D1C1D"/>
+                </a:solidFill>
+                <a:effectLst/>
+                <a:highlight>
+                  <a:srgbClr val="F8F8F8"/>
+                </a:highlight>
+                <a:latin typeface="NotoSansJP"/>
+              </a:rPr>
+              <a:t>・日本語→</a:t>
+            </a:r>
+            <a:r>
+              <a:rPr lang="en-US" altLang="ja-JP" b="0" i="0" dirty="0">
+                <a:solidFill>
+                  <a:srgbClr val="1D1C1D"/>
+                </a:solidFill>
+                <a:effectLst/>
+                <a:highlight>
+                  <a:srgbClr val="F8F8F8"/>
+                </a:highlight>
+                <a:latin typeface="NotoSansJP"/>
+              </a:rPr>
+              <a:t>HGP</a:t>
+            </a:r>
+            <a:r>
+              <a:rPr lang="ja-JP" altLang="en-US" b="0" i="0" dirty="0">
+                <a:solidFill>
+                  <a:srgbClr val="1D1C1D"/>
+                </a:solidFill>
+                <a:effectLst/>
+                <a:highlight>
+                  <a:srgbClr val="F8F8F8"/>
+                </a:highlight>
+                <a:latin typeface="NotoSansJP"/>
+              </a:rPr>
+              <a:t>創英角ポップ体</a:t>
+            </a:r>
+            <a:br>
+              <a:rPr lang="ja-JP" altLang="en-US" dirty="0"/>
+            </a:br>
+            <a:r>
+              <a:rPr lang="ja-JP" altLang="en-US" b="0" i="0" dirty="0">
+                <a:solidFill>
+                  <a:srgbClr val="1D1C1D"/>
+                </a:solidFill>
+                <a:effectLst/>
+                <a:highlight>
+                  <a:srgbClr val="F8F8F8"/>
+                </a:highlight>
+                <a:latin typeface="NotoSansJP"/>
+              </a:rPr>
+              <a:t>・背景→白・ヘッダー</a:t>
+            </a:r>
+            <a:br>
+              <a:rPr lang="ja-JP" altLang="en-US" dirty="0"/>
+            </a:br>
+            <a:r>
+              <a:rPr lang="ja-JP" altLang="en-US" b="0" i="0" dirty="0">
+                <a:solidFill>
+                  <a:srgbClr val="1D1C1D"/>
+                </a:solidFill>
+                <a:effectLst/>
+                <a:highlight>
+                  <a:srgbClr val="F8F8F8"/>
+                </a:highlight>
+                <a:latin typeface="NotoSansJP"/>
+              </a:rPr>
+              <a:t>　背景色→</a:t>
+            </a:r>
+            <a:r>
+              <a:rPr lang="en-US" altLang="ja-JP" b="0" i="0" dirty="0">
+                <a:solidFill>
+                  <a:srgbClr val="1D1C1D"/>
+                </a:solidFill>
+                <a:effectLst/>
+                <a:highlight>
+                  <a:srgbClr val="F8F8F8"/>
+                </a:highlight>
+                <a:latin typeface="NotoSansJP"/>
+              </a:rPr>
+              <a:t>#f5f5f5</a:t>
+            </a:r>
+            <a:br>
+              <a:rPr lang="ja-JP" altLang="en-US" dirty="0"/>
+            </a:br>
+            <a:r>
+              <a:rPr lang="ja-JP" altLang="en-US" b="0" i="0" dirty="0">
+                <a:solidFill>
+                  <a:srgbClr val="1D1C1D"/>
+                </a:solidFill>
+                <a:effectLst/>
+                <a:highlight>
+                  <a:srgbClr val="F8F8F8"/>
+                </a:highlight>
+                <a:latin typeface="NotoSansJP"/>
+              </a:rPr>
+              <a:t>　右：アカウントマーク　中央：ロゴ　左：日付と曜日・フッター</a:t>
+            </a:r>
+            <a:br>
+              <a:rPr lang="ja-JP" altLang="en-US" dirty="0"/>
+            </a:br>
+            <a:r>
+              <a:rPr lang="ja-JP" altLang="en-US" b="0" i="0" dirty="0">
+                <a:solidFill>
+                  <a:srgbClr val="1D1C1D"/>
+                </a:solidFill>
+                <a:effectLst/>
+                <a:highlight>
+                  <a:srgbClr val="F8F8F8"/>
+                </a:highlight>
+                <a:latin typeface="NotoSansJP"/>
+              </a:rPr>
+              <a:t>　背景色→</a:t>
+            </a:r>
+            <a:r>
+              <a:rPr lang="en-US" altLang="ja-JP" b="0" i="0" dirty="0">
+                <a:solidFill>
+                  <a:srgbClr val="1D1C1D"/>
+                </a:solidFill>
+                <a:effectLst/>
+                <a:highlight>
+                  <a:srgbClr val="F8F8F8"/>
+                </a:highlight>
+                <a:latin typeface="NotoSansJP"/>
+              </a:rPr>
+              <a:t>#f5f5f5</a:t>
+            </a:r>
+            <a:br>
+              <a:rPr lang="ja-JP" altLang="en-US" dirty="0"/>
+            </a:br>
+            <a:r>
+              <a:rPr lang="ja-JP" altLang="en-US" b="0" i="0" dirty="0">
+                <a:solidFill>
+                  <a:srgbClr val="1D1C1D"/>
+                </a:solidFill>
+                <a:effectLst/>
+                <a:highlight>
+                  <a:srgbClr val="F8F8F8"/>
+                </a:highlight>
+                <a:latin typeface="NotoSansJP"/>
+              </a:rPr>
+              <a:t>　中央：</a:t>
+            </a:r>
+            <a:r>
+              <a:rPr lang="en-US" altLang="ja-JP" b="0" i="0" dirty="0">
+                <a:solidFill>
+                  <a:srgbClr val="1D1C1D"/>
+                </a:solidFill>
+                <a:effectLst/>
+                <a:highlight>
+                  <a:srgbClr val="F8F8F8"/>
+                </a:highlight>
+                <a:latin typeface="NotoSansJP"/>
+              </a:rPr>
+              <a:t>Copyright </a:t>
+            </a:r>
+            <a:r>
+              <a:rPr lang="en-US" altLang="ja-JP" b="0" i="0" dirty="0" err="1">
+                <a:solidFill>
+                  <a:srgbClr val="1D1C1D"/>
+                </a:solidFill>
+                <a:effectLst/>
+                <a:highlight>
+                  <a:srgbClr val="F8F8F8"/>
+                </a:highlight>
+                <a:latin typeface="NotoSansJP"/>
+              </a:rPr>
+              <a:t>paraparaChahan</a:t>
+            </a:r>
+            <a:r>
+              <a:rPr lang="en-US" altLang="ja-JP" b="0" i="0" dirty="0">
+                <a:solidFill>
+                  <a:srgbClr val="1D1C1D"/>
+                </a:solidFill>
+                <a:effectLst/>
+                <a:highlight>
+                  <a:srgbClr val="F8F8F8"/>
+                </a:highlight>
+                <a:latin typeface="NotoSansJP"/>
+              </a:rPr>
+              <a:t>(PLUS DOJO). All rights reserved.</a:t>
+            </a:r>
+            <a:endParaRPr lang="ja-JP" altLang="en-US" dirty="0"/>
+          </a:p>
+        </p:txBody>
+      </p:sp>
+    </p:spTree>
+    <p:extLst>
+      <p:ext uri="{BB962C8B-B14F-4D97-AF65-F5344CB8AC3E}">
+        <p14:creationId xmlns:p14="http://schemas.microsoft.com/office/powerpoint/2010/main" val="2657935496"/>
       </p:ext>
     </p:extLst>
   </p:cSld>

--- a/doc/13_外部設計/famiLink 画面デザイン.pptx
+++ b/doc/13_外部設計/famiLink 画面デザイン.pptx
@@ -4,12 +4,17 @@
   <p:sldMasterIdLst>
     <p:sldMasterId id="2147483660" r:id="rId1"/>
   </p:sldMasterIdLst>
+  <p:notesMasterIdLst>
+    <p:notesMasterId r:id="rId9"/>
+  </p:notesMasterIdLst>
   <p:sldIdLst>
-    <p:sldId id="259" r:id="rId2"/>
-    <p:sldId id="261" r:id="rId3"/>
-    <p:sldId id="262" r:id="rId4"/>
-    <p:sldId id="257" r:id="rId5"/>
-    <p:sldId id="260" r:id="rId6"/>
+    <p:sldId id="264" r:id="rId2"/>
+    <p:sldId id="266" r:id="rId3"/>
+    <p:sldId id="259" r:id="rId4"/>
+    <p:sldId id="261" r:id="rId5"/>
+    <p:sldId id="262" r:id="rId6"/>
+    <p:sldId id="257" r:id="rId7"/>
+    <p:sldId id="260" r:id="rId8"/>
   </p:sldIdLst>
   <p:sldSz cx="12192000" cy="6858000"/>
   <p:notesSz cx="6858000" cy="9144000"/>
@@ -112,7 +117,10 @@
     <p:ext uri="{521415D9-36F7-43E2-AB2F-B90AF26B5E84}">
       <p14:sectionLst xmlns:p14="http://schemas.microsoft.com/office/powerpoint/2010/main">
         <p14:section name="ログイン画面" id="{E5EB74CB-7C85-47D3-AC32-40567FAEF618}">
-          <p14:sldIdLst/>
+          <p14:sldIdLst>
+            <p14:sldId id="264"/>
+            <p14:sldId id="266"/>
+          </p14:sldIdLst>
         </p14:section>
         <p14:section name="アカウント画面" id="{BCFD2CCE-A018-4A8B-A82F-A99A4AFB5B02}">
           <p14:sldIdLst/>
@@ -143,6 +151,482 @@
     </p:ext>
   </p:extLst>
 </p:presentation>
+</file>
+
+<file path=ppt/notesMasters/notesMaster1.xml><?xml version="1.0" encoding="utf-8"?>
+<p:notesMaster xmlns:a="http://schemas.openxmlformats.org/drawingml/2006/main" xmlns:r="http://schemas.openxmlformats.org/officeDocument/2006/relationships" xmlns:p="http://schemas.openxmlformats.org/presentationml/2006/main">
+  <p:cSld>
+    <p:bg>
+      <p:bgRef idx="1001">
+        <a:schemeClr val="bg1"/>
+      </p:bgRef>
+    </p:bg>
+    <p:spTree>
+      <p:nvGrpSpPr>
+        <p:cNvPr id="1" name=""/>
+        <p:cNvGrpSpPr/>
+        <p:nvPr/>
+      </p:nvGrpSpPr>
+      <p:grpSpPr>
+        <a:xfrm>
+          <a:off x="0" y="0"/>
+          <a:ext cx="0" cy="0"/>
+          <a:chOff x="0" y="0"/>
+          <a:chExt cx="0" cy="0"/>
+        </a:xfrm>
+      </p:grpSpPr>
+      <p:sp>
+        <p:nvSpPr>
+          <p:cNvPr id="2" name="ヘッダー プレースホルダー 1"/>
+          <p:cNvSpPr>
+            <a:spLocks noGrp="1"/>
+          </p:cNvSpPr>
+          <p:nvPr>
+            <p:ph type="hdr" sz="quarter"/>
+          </p:nvPr>
+        </p:nvSpPr>
+        <p:spPr>
+          <a:xfrm>
+            <a:off x="0" y="0"/>
+            <a:ext cx="2971800" cy="458788"/>
+          </a:xfrm>
+          <a:prstGeom prst="rect">
+            <a:avLst/>
+          </a:prstGeom>
+        </p:spPr>
+        <p:txBody>
+          <a:bodyPr vert="horz" lIns="91440" tIns="45720" rIns="91440" bIns="45720" rtlCol="0"/>
+          <a:lstStyle>
+            <a:lvl1pPr algn="l">
+              <a:defRPr sz="1200"/>
+            </a:lvl1pPr>
+          </a:lstStyle>
+          <a:p>
+            <a:endParaRPr kumimoji="1" lang="ja-JP" altLang="en-US"/>
+          </a:p>
+        </p:txBody>
+      </p:sp>
+      <p:sp>
+        <p:nvSpPr>
+          <p:cNvPr id="3" name="日付プレースホルダー 2"/>
+          <p:cNvSpPr>
+            <a:spLocks noGrp="1"/>
+          </p:cNvSpPr>
+          <p:nvPr>
+            <p:ph type="dt" idx="1"/>
+          </p:nvPr>
+        </p:nvSpPr>
+        <p:spPr>
+          <a:xfrm>
+            <a:off x="3884613" y="0"/>
+            <a:ext cx="2971800" cy="458788"/>
+          </a:xfrm>
+          <a:prstGeom prst="rect">
+            <a:avLst/>
+          </a:prstGeom>
+        </p:spPr>
+        <p:txBody>
+          <a:bodyPr vert="horz" lIns="91440" tIns="45720" rIns="91440" bIns="45720" rtlCol="0"/>
+          <a:lstStyle>
+            <a:lvl1pPr algn="r">
+              <a:defRPr sz="1200"/>
+            </a:lvl1pPr>
+          </a:lstStyle>
+          <a:p>
+            <a:fld id="{4B2430ED-E2F6-4484-A6AC-505E26A42927}" type="datetimeFigureOut">
+              <a:rPr kumimoji="1" lang="ja-JP" altLang="en-US" smtClean="0"/>
+              <a:t>2024/6/7</a:t>
+            </a:fld>
+            <a:endParaRPr kumimoji="1" lang="ja-JP" altLang="en-US"/>
+          </a:p>
+        </p:txBody>
+      </p:sp>
+      <p:sp>
+        <p:nvSpPr>
+          <p:cNvPr id="4" name="スライド イメージ プレースホルダー 3"/>
+          <p:cNvSpPr>
+            <a:spLocks noGrp="1" noRot="1" noChangeAspect="1"/>
+          </p:cNvSpPr>
+          <p:nvPr>
+            <p:ph type="sldImg" idx="2"/>
+          </p:nvPr>
+        </p:nvSpPr>
+        <p:spPr>
+          <a:xfrm>
+            <a:off x="685800" y="1143000"/>
+            <a:ext cx="5486400" cy="3086100"/>
+          </a:xfrm>
+          <a:prstGeom prst="rect">
+            <a:avLst/>
+          </a:prstGeom>
+          <a:noFill/>
+          <a:ln w="12700">
+            <a:solidFill>
+              <a:prstClr val="black"/>
+            </a:solidFill>
+          </a:ln>
+        </p:spPr>
+        <p:txBody>
+          <a:bodyPr vert="horz" lIns="91440" tIns="45720" rIns="91440" bIns="45720" rtlCol="0" anchor="ctr"/>
+          <a:lstStyle/>
+          <a:p>
+            <a:endParaRPr lang="ja-JP" altLang="en-US"/>
+          </a:p>
+        </p:txBody>
+      </p:sp>
+      <p:sp>
+        <p:nvSpPr>
+          <p:cNvPr id="5" name="ノート プレースホルダー 4"/>
+          <p:cNvSpPr>
+            <a:spLocks noGrp="1"/>
+          </p:cNvSpPr>
+          <p:nvPr>
+            <p:ph type="body" sz="quarter" idx="3"/>
+          </p:nvPr>
+        </p:nvSpPr>
+        <p:spPr>
+          <a:xfrm>
+            <a:off x="685800" y="4400550"/>
+            <a:ext cx="5486400" cy="3600450"/>
+          </a:xfrm>
+          <a:prstGeom prst="rect">
+            <a:avLst/>
+          </a:prstGeom>
+        </p:spPr>
+        <p:txBody>
+          <a:bodyPr vert="horz" lIns="91440" tIns="45720" rIns="91440" bIns="45720" rtlCol="0"/>
+          <a:lstStyle/>
+          <a:p>
+            <a:pPr lvl="0"/>
+            <a:r>
+              <a:rPr kumimoji="1" lang="ja-JP" altLang="en-US"/>
+              <a:t>マスター テキストの書式設定</a:t>
+            </a:r>
+          </a:p>
+          <a:p>
+            <a:pPr lvl="1"/>
+            <a:r>
+              <a:rPr kumimoji="1" lang="ja-JP" altLang="en-US"/>
+              <a:t>第 </a:t>
+            </a:r>
+            <a:r>
+              <a:rPr kumimoji="1" lang="en-US" altLang="ja-JP"/>
+              <a:t>2 </a:t>
+            </a:r>
+            <a:r>
+              <a:rPr kumimoji="1" lang="ja-JP" altLang="en-US"/>
+              <a:t>レベル</a:t>
+            </a:r>
+          </a:p>
+          <a:p>
+            <a:pPr lvl="2"/>
+            <a:r>
+              <a:rPr kumimoji="1" lang="ja-JP" altLang="en-US"/>
+              <a:t>第 </a:t>
+            </a:r>
+            <a:r>
+              <a:rPr kumimoji="1" lang="en-US" altLang="ja-JP"/>
+              <a:t>3 </a:t>
+            </a:r>
+            <a:r>
+              <a:rPr kumimoji="1" lang="ja-JP" altLang="en-US"/>
+              <a:t>レベル</a:t>
+            </a:r>
+          </a:p>
+          <a:p>
+            <a:pPr lvl="3"/>
+            <a:r>
+              <a:rPr kumimoji="1" lang="ja-JP" altLang="en-US"/>
+              <a:t>第 </a:t>
+            </a:r>
+            <a:r>
+              <a:rPr kumimoji="1" lang="en-US" altLang="ja-JP"/>
+              <a:t>4 </a:t>
+            </a:r>
+            <a:r>
+              <a:rPr kumimoji="1" lang="ja-JP" altLang="en-US"/>
+              <a:t>レベル</a:t>
+            </a:r>
+          </a:p>
+          <a:p>
+            <a:pPr lvl="4"/>
+            <a:r>
+              <a:rPr kumimoji="1" lang="ja-JP" altLang="en-US"/>
+              <a:t>第 </a:t>
+            </a:r>
+            <a:r>
+              <a:rPr kumimoji="1" lang="en-US" altLang="ja-JP"/>
+              <a:t>5 </a:t>
+            </a:r>
+            <a:r>
+              <a:rPr kumimoji="1" lang="ja-JP" altLang="en-US"/>
+              <a:t>レベル</a:t>
+            </a:r>
+          </a:p>
+        </p:txBody>
+      </p:sp>
+      <p:sp>
+        <p:nvSpPr>
+          <p:cNvPr id="6" name="フッター プレースホルダー 5"/>
+          <p:cNvSpPr>
+            <a:spLocks noGrp="1"/>
+          </p:cNvSpPr>
+          <p:nvPr>
+            <p:ph type="ftr" sz="quarter" idx="4"/>
+          </p:nvPr>
+        </p:nvSpPr>
+        <p:spPr>
+          <a:xfrm>
+            <a:off x="0" y="8685213"/>
+            <a:ext cx="2971800" cy="458787"/>
+          </a:xfrm>
+          <a:prstGeom prst="rect">
+            <a:avLst/>
+          </a:prstGeom>
+        </p:spPr>
+        <p:txBody>
+          <a:bodyPr vert="horz" lIns="91440" tIns="45720" rIns="91440" bIns="45720" rtlCol="0" anchor="b"/>
+          <a:lstStyle>
+            <a:lvl1pPr algn="l">
+              <a:defRPr sz="1200"/>
+            </a:lvl1pPr>
+          </a:lstStyle>
+          <a:p>
+            <a:endParaRPr kumimoji="1" lang="ja-JP" altLang="en-US"/>
+          </a:p>
+        </p:txBody>
+      </p:sp>
+      <p:sp>
+        <p:nvSpPr>
+          <p:cNvPr id="7" name="スライド番号プレースホルダー 6"/>
+          <p:cNvSpPr>
+            <a:spLocks noGrp="1"/>
+          </p:cNvSpPr>
+          <p:nvPr>
+            <p:ph type="sldNum" sz="quarter" idx="5"/>
+          </p:nvPr>
+        </p:nvSpPr>
+        <p:spPr>
+          <a:xfrm>
+            <a:off x="3884613" y="8685213"/>
+            <a:ext cx="2971800" cy="458787"/>
+          </a:xfrm>
+          <a:prstGeom prst="rect">
+            <a:avLst/>
+          </a:prstGeom>
+        </p:spPr>
+        <p:txBody>
+          <a:bodyPr vert="horz" lIns="91440" tIns="45720" rIns="91440" bIns="45720" rtlCol="0" anchor="b"/>
+          <a:lstStyle>
+            <a:lvl1pPr algn="r">
+              <a:defRPr sz="1200"/>
+            </a:lvl1pPr>
+          </a:lstStyle>
+          <a:p>
+            <a:fld id="{6BD2C706-47D6-4569-9577-3661343DEC25}" type="slidenum">
+              <a:rPr kumimoji="1" lang="ja-JP" altLang="en-US" smtClean="0"/>
+              <a:t>‹#›</a:t>
+            </a:fld>
+            <a:endParaRPr kumimoji="1" lang="ja-JP" altLang="en-US"/>
+          </a:p>
+        </p:txBody>
+      </p:sp>
+    </p:spTree>
+    <p:extLst>
+      <p:ext uri="{BB962C8B-B14F-4D97-AF65-F5344CB8AC3E}">
+        <p14:creationId xmlns:p14="http://schemas.microsoft.com/office/powerpoint/2010/main" val="680348611"/>
+      </p:ext>
+    </p:extLst>
+  </p:cSld>
+  <p:clrMap bg1="lt1" tx1="dk1" bg2="lt2" tx2="dk2" accent1="accent1" accent2="accent2" accent3="accent3" accent4="accent4" accent5="accent5" accent6="accent6" hlink="hlink" folHlink="folHlink"/>
+  <p:notesStyle>
+    <a:lvl1pPr marL="0" algn="l" defTabSz="914400" rtl="0" eaLnBrk="1" latinLnBrk="0" hangingPunct="1">
+      <a:defRPr kumimoji="1" sz="1200" kern="1200">
+        <a:solidFill>
+          <a:schemeClr val="tx1"/>
+        </a:solidFill>
+        <a:latin typeface="+mn-lt"/>
+        <a:ea typeface="+mn-ea"/>
+        <a:cs typeface="+mn-cs"/>
+      </a:defRPr>
+    </a:lvl1pPr>
+    <a:lvl2pPr marL="457200" algn="l" defTabSz="914400" rtl="0" eaLnBrk="1" latinLnBrk="0" hangingPunct="1">
+      <a:defRPr kumimoji="1" sz="1200" kern="1200">
+        <a:solidFill>
+          <a:schemeClr val="tx1"/>
+        </a:solidFill>
+        <a:latin typeface="+mn-lt"/>
+        <a:ea typeface="+mn-ea"/>
+        <a:cs typeface="+mn-cs"/>
+      </a:defRPr>
+    </a:lvl2pPr>
+    <a:lvl3pPr marL="914400" algn="l" defTabSz="914400" rtl="0" eaLnBrk="1" latinLnBrk="0" hangingPunct="1">
+      <a:defRPr kumimoji="1" sz="1200" kern="1200">
+        <a:solidFill>
+          <a:schemeClr val="tx1"/>
+        </a:solidFill>
+        <a:latin typeface="+mn-lt"/>
+        <a:ea typeface="+mn-ea"/>
+        <a:cs typeface="+mn-cs"/>
+      </a:defRPr>
+    </a:lvl3pPr>
+    <a:lvl4pPr marL="1371600" algn="l" defTabSz="914400" rtl="0" eaLnBrk="1" latinLnBrk="0" hangingPunct="1">
+      <a:defRPr kumimoji="1" sz="1200" kern="1200">
+        <a:solidFill>
+          <a:schemeClr val="tx1"/>
+        </a:solidFill>
+        <a:latin typeface="+mn-lt"/>
+        <a:ea typeface="+mn-ea"/>
+        <a:cs typeface="+mn-cs"/>
+      </a:defRPr>
+    </a:lvl4pPr>
+    <a:lvl5pPr marL="1828800" algn="l" defTabSz="914400" rtl="0" eaLnBrk="1" latinLnBrk="0" hangingPunct="1">
+      <a:defRPr kumimoji="1" sz="1200" kern="1200">
+        <a:solidFill>
+          <a:schemeClr val="tx1"/>
+        </a:solidFill>
+        <a:latin typeface="+mn-lt"/>
+        <a:ea typeface="+mn-ea"/>
+        <a:cs typeface="+mn-cs"/>
+      </a:defRPr>
+    </a:lvl5pPr>
+    <a:lvl6pPr marL="2286000" algn="l" defTabSz="914400" rtl="0" eaLnBrk="1" latinLnBrk="0" hangingPunct="1">
+      <a:defRPr kumimoji="1" sz="1200" kern="1200">
+        <a:solidFill>
+          <a:schemeClr val="tx1"/>
+        </a:solidFill>
+        <a:latin typeface="+mn-lt"/>
+        <a:ea typeface="+mn-ea"/>
+        <a:cs typeface="+mn-cs"/>
+      </a:defRPr>
+    </a:lvl6pPr>
+    <a:lvl7pPr marL="2743200" algn="l" defTabSz="914400" rtl="0" eaLnBrk="1" latinLnBrk="0" hangingPunct="1">
+      <a:defRPr kumimoji="1" sz="1200" kern="1200">
+        <a:solidFill>
+          <a:schemeClr val="tx1"/>
+        </a:solidFill>
+        <a:latin typeface="+mn-lt"/>
+        <a:ea typeface="+mn-ea"/>
+        <a:cs typeface="+mn-cs"/>
+      </a:defRPr>
+    </a:lvl7pPr>
+    <a:lvl8pPr marL="3200400" algn="l" defTabSz="914400" rtl="0" eaLnBrk="1" latinLnBrk="0" hangingPunct="1">
+      <a:defRPr kumimoji="1" sz="1200" kern="1200">
+        <a:solidFill>
+          <a:schemeClr val="tx1"/>
+        </a:solidFill>
+        <a:latin typeface="+mn-lt"/>
+        <a:ea typeface="+mn-ea"/>
+        <a:cs typeface="+mn-cs"/>
+      </a:defRPr>
+    </a:lvl8pPr>
+    <a:lvl9pPr marL="3657600" algn="l" defTabSz="914400" rtl="0" eaLnBrk="1" latinLnBrk="0" hangingPunct="1">
+      <a:defRPr kumimoji="1" sz="1200" kern="1200">
+        <a:solidFill>
+          <a:schemeClr val="tx1"/>
+        </a:solidFill>
+        <a:latin typeface="+mn-lt"/>
+        <a:ea typeface="+mn-ea"/>
+        <a:cs typeface="+mn-cs"/>
+      </a:defRPr>
+    </a:lvl9pPr>
+  </p:notesStyle>
+</p:notesMaster>
+</file>
+
+<file path=ppt/notesSlides/notesSlide1.xml><?xml version="1.0" encoding="utf-8"?>
+<p:notes xmlns:a="http://schemas.openxmlformats.org/drawingml/2006/main" xmlns:r="http://schemas.openxmlformats.org/officeDocument/2006/relationships" xmlns:p="http://schemas.openxmlformats.org/presentationml/2006/main">
+  <p:cSld>
+    <p:spTree>
+      <p:nvGrpSpPr>
+        <p:cNvPr id="1" name=""/>
+        <p:cNvGrpSpPr/>
+        <p:nvPr/>
+      </p:nvGrpSpPr>
+      <p:grpSpPr>
+        <a:xfrm>
+          <a:off x="0" y="0"/>
+          <a:ext cx="0" cy="0"/>
+          <a:chOff x="0" y="0"/>
+          <a:chExt cx="0" cy="0"/>
+        </a:xfrm>
+      </p:grpSpPr>
+      <p:sp>
+        <p:nvSpPr>
+          <p:cNvPr id="2" name="スライド イメージ プレースホルダー 1"/>
+          <p:cNvSpPr>
+            <a:spLocks noGrp="1" noRot="1" noChangeAspect="1"/>
+          </p:cNvSpPr>
+          <p:nvPr>
+            <p:ph type="sldImg"/>
+          </p:nvPr>
+        </p:nvSpPr>
+        <p:spPr/>
+      </p:sp>
+      <p:sp>
+        <p:nvSpPr>
+          <p:cNvPr id="3" name="ノート プレースホルダー 2"/>
+          <p:cNvSpPr>
+            <a:spLocks noGrp="1"/>
+          </p:cNvSpPr>
+          <p:nvPr>
+            <p:ph type="body" idx="1"/>
+          </p:nvPr>
+        </p:nvSpPr>
+        <p:spPr/>
+        <p:txBody>
+          <a:bodyPr/>
+          <a:lstStyle/>
+          <a:p>
+            <a:r>
+              <a:rPr kumimoji="1" lang="ja-JP" altLang="en-US" dirty="0"/>
+              <a:t>ボタンを押したときにピンク</a:t>
+            </a:r>
+            <a:r>
+              <a:rPr kumimoji="1" lang="en-US" altLang="ja-JP" dirty="0"/>
+              <a:t>(#f7cdc6)</a:t>
+            </a:r>
+            <a:r>
+              <a:rPr kumimoji="1" lang="ja-JP" altLang="en-US" dirty="0"/>
+              <a:t>に変わる</a:t>
+            </a:r>
+          </a:p>
+        </p:txBody>
+      </p:sp>
+      <p:sp>
+        <p:nvSpPr>
+          <p:cNvPr id="4" name="スライド番号プレースホルダー 3"/>
+          <p:cNvSpPr>
+            <a:spLocks noGrp="1"/>
+          </p:cNvSpPr>
+          <p:nvPr>
+            <p:ph type="sldNum" sz="quarter" idx="5"/>
+          </p:nvPr>
+        </p:nvSpPr>
+        <p:spPr/>
+        <p:txBody>
+          <a:bodyPr/>
+          <a:lstStyle/>
+          <a:p>
+            <a:fld id="{2065F3AF-433A-438B-9EB1-8B8EFDF3B785}" type="slidenum">
+              <a:rPr kumimoji="1" lang="ja-JP" altLang="en-US" smtClean="0"/>
+              <a:t>2</a:t>
+            </a:fld>
+            <a:endParaRPr kumimoji="1" lang="ja-JP" altLang="en-US"/>
+          </a:p>
+        </p:txBody>
+      </p:sp>
+    </p:spTree>
+    <p:extLst>
+      <p:ext uri="{BB962C8B-B14F-4D97-AF65-F5344CB8AC3E}">
+        <p14:creationId xmlns:p14="http://schemas.microsoft.com/office/powerpoint/2010/main" val="2720662781"/>
+      </p:ext>
+    </p:extLst>
+  </p:cSld>
+  <p:clrMapOvr>
+    <a:masterClrMapping/>
+  </p:clrMapOvr>
+</p:notes>
 </file>
 
 <file path=ppt/slideLayouts/slideLayout1.xml><?xml version="1.0" encoding="utf-8"?>
@@ -3383,6 +3867,1402 @@
       </p:pic>
       <p:sp>
         <p:nvSpPr>
+          <p:cNvPr id="14" name="正方形/長方形 13">
+            <a:extLst>
+              <a:ext uri="{FF2B5EF4-FFF2-40B4-BE49-F238E27FC236}">
+                <a16:creationId xmlns:a16="http://schemas.microsoft.com/office/drawing/2014/main" id="{52192687-6E27-88C8-ED3C-4F58ED7237DC}"/>
+              </a:ext>
+            </a:extLst>
+          </p:cNvPr>
+          <p:cNvSpPr/>
+          <p:nvPr/>
+        </p:nvSpPr>
+        <p:spPr>
+          <a:xfrm>
+            <a:off x="0" y="6459794"/>
+            <a:ext cx="12192000" cy="398206"/>
+          </a:xfrm>
+          <a:prstGeom prst="rect">
+            <a:avLst/>
+          </a:prstGeom>
+          <a:solidFill>
+            <a:srgbClr val="F5F5F5"/>
+          </a:solidFill>
+          <a:ln>
+            <a:noFill/>
+          </a:ln>
+        </p:spPr>
+        <p:style>
+          <a:lnRef idx="2">
+            <a:schemeClr val="accent1">
+              <a:shade val="15000"/>
+            </a:schemeClr>
+          </a:lnRef>
+          <a:fillRef idx="1">
+            <a:schemeClr val="accent1"/>
+          </a:fillRef>
+          <a:effectRef idx="0">
+            <a:schemeClr val="accent1"/>
+          </a:effectRef>
+          <a:fontRef idx="minor">
+            <a:schemeClr val="lt1"/>
+          </a:fontRef>
+        </p:style>
+        <p:txBody>
+          <a:bodyPr rtlCol="0" anchor="ctr"/>
+          <a:lstStyle/>
+          <a:p>
+            <a:pPr algn="ctr"/>
+            <a:endParaRPr kumimoji="1" lang="ja-JP" altLang="en-US"/>
+          </a:p>
+        </p:txBody>
+      </p:sp>
+      <p:sp>
+        <p:nvSpPr>
+          <p:cNvPr id="20" name="テキスト ボックス 19">
+            <a:extLst>
+              <a:ext uri="{FF2B5EF4-FFF2-40B4-BE49-F238E27FC236}">
+                <a16:creationId xmlns:a16="http://schemas.microsoft.com/office/drawing/2014/main" id="{93D16964-E0C9-2363-48DD-3B661653827D}"/>
+              </a:ext>
+            </a:extLst>
+          </p:cNvPr>
+          <p:cNvSpPr txBox="1"/>
+          <p:nvPr/>
+        </p:nvSpPr>
+        <p:spPr>
+          <a:xfrm>
+            <a:off x="9558094" y="806695"/>
+            <a:ext cx="2401617" cy="461665"/>
+          </a:xfrm>
+          <a:prstGeom prst="rect">
+            <a:avLst/>
+          </a:prstGeom>
+          <a:noFill/>
+        </p:spPr>
+        <p:txBody>
+          <a:bodyPr wrap="square" rtlCol="0">
+            <a:spAutoFit/>
+          </a:bodyPr>
+          <a:lstStyle/>
+          <a:p>
+            <a:r>
+              <a:rPr kumimoji="1" lang="en-US" altLang="ja-JP" sz="2400" dirty="0">
+                <a:solidFill>
+                  <a:srgbClr val="001746"/>
+                </a:solidFill>
+                <a:latin typeface="Kristen ITC" panose="03050502040202030202" pitchFamily="66" charset="0"/>
+              </a:rPr>
+              <a:t>2024/06/07 (Fri)</a:t>
+            </a:r>
+            <a:endParaRPr kumimoji="1" lang="ja-JP" altLang="en-US" sz="2400" dirty="0">
+              <a:solidFill>
+                <a:srgbClr val="001746"/>
+              </a:solidFill>
+              <a:latin typeface="Kristen ITC" panose="03050502040202030202" pitchFamily="66" charset="0"/>
+            </a:endParaRPr>
+          </a:p>
+        </p:txBody>
+      </p:sp>
+      <p:sp>
+        <p:nvSpPr>
+          <p:cNvPr id="22" name="テキスト ボックス 21">
+            <a:extLst>
+              <a:ext uri="{FF2B5EF4-FFF2-40B4-BE49-F238E27FC236}">
+                <a16:creationId xmlns:a16="http://schemas.microsoft.com/office/drawing/2014/main" id="{71CC734F-A1B3-457D-DBDD-64EF65974439}"/>
+              </a:ext>
+            </a:extLst>
+          </p:cNvPr>
+          <p:cNvSpPr txBox="1"/>
+          <p:nvPr/>
+        </p:nvSpPr>
+        <p:spPr>
+          <a:xfrm>
+            <a:off x="3861424" y="6505008"/>
+            <a:ext cx="4490720" cy="307777"/>
+          </a:xfrm>
+          <a:prstGeom prst="rect">
+            <a:avLst/>
+          </a:prstGeom>
+          <a:noFill/>
+        </p:spPr>
+        <p:txBody>
+          <a:bodyPr wrap="square" rtlCol="0">
+            <a:spAutoFit/>
+          </a:bodyPr>
+          <a:lstStyle/>
+          <a:p>
+            <a:r>
+              <a:rPr kumimoji="1" lang="en-US" altLang="ja-JP" sz="1400" dirty="0">
+                <a:solidFill>
+                  <a:srgbClr val="001746"/>
+                </a:solidFill>
+              </a:rPr>
+              <a:t>Copyright </a:t>
+            </a:r>
+            <a:r>
+              <a:rPr kumimoji="1" lang="en-US" altLang="ja-JP" sz="1400" dirty="0" err="1">
+                <a:solidFill>
+                  <a:srgbClr val="001746"/>
+                </a:solidFill>
+              </a:rPr>
+              <a:t>paraparaChahan</a:t>
+            </a:r>
+            <a:r>
+              <a:rPr kumimoji="1" lang="en-US" altLang="ja-JP" sz="1400" dirty="0">
+                <a:solidFill>
+                  <a:srgbClr val="001746"/>
+                </a:solidFill>
+              </a:rPr>
+              <a:t>(PLUS DOJO). All rights reserved.</a:t>
+            </a:r>
+            <a:endParaRPr kumimoji="1" lang="ja-JP" altLang="en-US" sz="1400" dirty="0">
+              <a:solidFill>
+                <a:srgbClr val="001746"/>
+              </a:solidFill>
+            </a:endParaRPr>
+          </a:p>
+        </p:txBody>
+      </p:sp>
+      <p:sp>
+        <p:nvSpPr>
+          <p:cNvPr id="2" name="四角形: 角を丸くする 1">
+            <a:extLst>
+              <a:ext uri="{FF2B5EF4-FFF2-40B4-BE49-F238E27FC236}">
+                <a16:creationId xmlns:a16="http://schemas.microsoft.com/office/drawing/2014/main" id="{AA54FC10-3839-02DD-3D2A-7D44FB82EA66}"/>
+              </a:ext>
+            </a:extLst>
+          </p:cNvPr>
+          <p:cNvSpPr/>
+          <p:nvPr/>
+        </p:nvSpPr>
+        <p:spPr>
+          <a:xfrm>
+            <a:off x="2675467" y="1991360"/>
+            <a:ext cx="7162800" cy="3996813"/>
+          </a:xfrm>
+          <a:prstGeom prst="roundRect">
+            <a:avLst/>
+          </a:prstGeom>
+          <a:solidFill>
+            <a:srgbClr val="EA7B6B"/>
+          </a:solidFill>
+          <a:ln>
+            <a:noFill/>
+          </a:ln>
+        </p:spPr>
+        <p:style>
+          <a:lnRef idx="2">
+            <a:schemeClr val="accent1">
+              <a:shade val="15000"/>
+            </a:schemeClr>
+          </a:lnRef>
+          <a:fillRef idx="1">
+            <a:schemeClr val="accent1"/>
+          </a:fillRef>
+          <a:effectRef idx="0">
+            <a:schemeClr val="accent1"/>
+          </a:effectRef>
+          <a:fontRef idx="minor">
+            <a:schemeClr val="lt1"/>
+          </a:fontRef>
+        </p:style>
+        <p:txBody>
+          <a:bodyPr rtlCol="0" anchor="ctr"/>
+          <a:lstStyle/>
+          <a:p>
+            <a:pPr algn="ctr"/>
+            <a:endParaRPr kumimoji="1" lang="ja-JP" altLang="en-US" dirty="0"/>
+          </a:p>
+        </p:txBody>
+      </p:sp>
+      <p:sp>
+        <p:nvSpPr>
+          <p:cNvPr id="4" name="四角形: 角を丸くする 3">
+            <a:extLst>
+              <a:ext uri="{FF2B5EF4-FFF2-40B4-BE49-F238E27FC236}">
+                <a16:creationId xmlns:a16="http://schemas.microsoft.com/office/drawing/2014/main" id="{F77AFFC5-DFA2-2F57-907B-33312FB9F036}"/>
+              </a:ext>
+            </a:extLst>
+          </p:cNvPr>
+          <p:cNvSpPr/>
+          <p:nvPr/>
+        </p:nvSpPr>
+        <p:spPr>
+          <a:xfrm>
+            <a:off x="4580088" y="2689645"/>
+            <a:ext cx="3353553" cy="523273"/>
+          </a:xfrm>
+          <a:prstGeom prst="roundRect">
+            <a:avLst/>
+          </a:prstGeom>
+          <a:solidFill>
+            <a:schemeClr val="bg1"/>
+          </a:solidFill>
+          <a:ln>
+            <a:noFill/>
+          </a:ln>
+        </p:spPr>
+        <p:style>
+          <a:lnRef idx="2">
+            <a:schemeClr val="accent1">
+              <a:shade val="15000"/>
+            </a:schemeClr>
+          </a:lnRef>
+          <a:fillRef idx="1">
+            <a:schemeClr val="accent1"/>
+          </a:fillRef>
+          <a:effectRef idx="0">
+            <a:schemeClr val="accent1"/>
+          </a:effectRef>
+          <a:fontRef idx="minor">
+            <a:schemeClr val="lt1"/>
+          </a:fontRef>
+        </p:style>
+        <p:txBody>
+          <a:bodyPr rtlCol="0" anchor="ctr"/>
+          <a:lstStyle/>
+          <a:p>
+            <a:pPr algn="ctr"/>
+            <a:endParaRPr kumimoji="1" lang="ja-JP" altLang="en-US" dirty="0"/>
+          </a:p>
+        </p:txBody>
+      </p:sp>
+      <p:sp>
+        <p:nvSpPr>
+          <p:cNvPr id="17" name="テキスト ボックス 16">
+            <a:extLst>
+              <a:ext uri="{FF2B5EF4-FFF2-40B4-BE49-F238E27FC236}">
+                <a16:creationId xmlns:a16="http://schemas.microsoft.com/office/drawing/2014/main" id="{9E614EAD-E51C-8C62-06AF-DD6AB5C4402F}"/>
+              </a:ext>
+            </a:extLst>
+          </p:cNvPr>
+          <p:cNvSpPr txBox="1"/>
+          <p:nvPr/>
+        </p:nvSpPr>
+        <p:spPr>
+          <a:xfrm>
+            <a:off x="4580087" y="2227980"/>
+            <a:ext cx="3353554" cy="461665"/>
+          </a:xfrm>
+          <a:prstGeom prst="rect">
+            <a:avLst/>
+          </a:prstGeom>
+          <a:noFill/>
+        </p:spPr>
+        <p:txBody>
+          <a:bodyPr wrap="square" rtlCol="0">
+            <a:spAutoFit/>
+          </a:bodyPr>
+          <a:lstStyle/>
+          <a:p>
+            <a:pPr algn="ctr"/>
+            <a:r>
+              <a:rPr kumimoji="1" lang="en-US" altLang="ja-JP" sz="2400" dirty="0">
+                <a:solidFill>
+                  <a:schemeClr val="bg1"/>
+                </a:solidFill>
+                <a:latin typeface="Kristen ITC" panose="03050502040202030202" pitchFamily="66" charset="0"/>
+              </a:rPr>
+              <a:t>Username</a:t>
+            </a:r>
+          </a:p>
+        </p:txBody>
+      </p:sp>
+      <p:sp>
+        <p:nvSpPr>
+          <p:cNvPr id="23" name="テキスト ボックス 22">
+            <a:extLst>
+              <a:ext uri="{FF2B5EF4-FFF2-40B4-BE49-F238E27FC236}">
+                <a16:creationId xmlns:a16="http://schemas.microsoft.com/office/drawing/2014/main" id="{AD6D8012-AB19-D586-787F-DDB78F8A4DA0}"/>
+              </a:ext>
+            </a:extLst>
+          </p:cNvPr>
+          <p:cNvSpPr txBox="1"/>
+          <p:nvPr/>
+        </p:nvSpPr>
+        <p:spPr>
+          <a:xfrm>
+            <a:off x="4580087" y="3331687"/>
+            <a:ext cx="3353554" cy="461665"/>
+          </a:xfrm>
+          <a:prstGeom prst="rect">
+            <a:avLst/>
+          </a:prstGeom>
+          <a:noFill/>
+        </p:spPr>
+        <p:txBody>
+          <a:bodyPr wrap="square" rtlCol="0">
+            <a:spAutoFit/>
+          </a:bodyPr>
+          <a:lstStyle/>
+          <a:p>
+            <a:pPr algn="ctr"/>
+            <a:r>
+              <a:rPr lang="en-US" altLang="ja-JP" sz="2400" dirty="0">
+                <a:solidFill>
+                  <a:schemeClr val="bg1"/>
+                </a:solidFill>
+                <a:latin typeface="Kristen ITC" panose="03050502040202030202" pitchFamily="66" charset="0"/>
+              </a:rPr>
+              <a:t>Password</a:t>
+            </a:r>
+            <a:endParaRPr kumimoji="1" lang="en-US" altLang="ja-JP" sz="2400" dirty="0">
+              <a:solidFill>
+                <a:schemeClr val="bg1"/>
+              </a:solidFill>
+              <a:latin typeface="Kristen ITC" panose="03050502040202030202" pitchFamily="66" charset="0"/>
+            </a:endParaRPr>
+          </a:p>
+        </p:txBody>
+      </p:sp>
+      <p:sp>
+        <p:nvSpPr>
+          <p:cNvPr id="24" name="四角形: 角を丸くする 23">
+            <a:extLst>
+              <a:ext uri="{FF2B5EF4-FFF2-40B4-BE49-F238E27FC236}">
+                <a16:creationId xmlns:a16="http://schemas.microsoft.com/office/drawing/2014/main" id="{AA90FB4C-B7BD-7077-606C-EBED33DB231B}"/>
+              </a:ext>
+            </a:extLst>
+          </p:cNvPr>
+          <p:cNvSpPr/>
+          <p:nvPr/>
+        </p:nvSpPr>
+        <p:spPr>
+          <a:xfrm>
+            <a:off x="4580087" y="3785085"/>
+            <a:ext cx="3353553" cy="523273"/>
+          </a:xfrm>
+          <a:prstGeom prst="roundRect">
+            <a:avLst/>
+          </a:prstGeom>
+          <a:solidFill>
+            <a:schemeClr val="bg1"/>
+          </a:solidFill>
+          <a:ln>
+            <a:noFill/>
+          </a:ln>
+        </p:spPr>
+        <p:style>
+          <a:lnRef idx="2">
+            <a:schemeClr val="accent1">
+              <a:shade val="15000"/>
+            </a:schemeClr>
+          </a:lnRef>
+          <a:fillRef idx="1">
+            <a:schemeClr val="accent1"/>
+          </a:fillRef>
+          <a:effectRef idx="0">
+            <a:schemeClr val="accent1"/>
+          </a:effectRef>
+          <a:fontRef idx="minor">
+            <a:schemeClr val="lt1"/>
+          </a:fontRef>
+        </p:style>
+        <p:txBody>
+          <a:bodyPr rtlCol="0" anchor="ctr"/>
+          <a:lstStyle/>
+          <a:p>
+            <a:pPr algn="ctr"/>
+            <a:endParaRPr kumimoji="1" lang="ja-JP" altLang="en-US" dirty="0"/>
+          </a:p>
+        </p:txBody>
+      </p:sp>
+      <p:sp>
+        <p:nvSpPr>
+          <p:cNvPr id="25" name="四角形: 角を丸くする 24">
+            <a:extLst>
+              <a:ext uri="{FF2B5EF4-FFF2-40B4-BE49-F238E27FC236}">
+                <a16:creationId xmlns:a16="http://schemas.microsoft.com/office/drawing/2014/main" id="{18E02C62-8300-FCBB-BCAA-51FA57E75578}"/>
+              </a:ext>
+            </a:extLst>
+          </p:cNvPr>
+          <p:cNvSpPr/>
+          <p:nvPr/>
+        </p:nvSpPr>
+        <p:spPr>
+          <a:xfrm>
+            <a:off x="6657741" y="4544719"/>
+            <a:ext cx="1920240" cy="614383"/>
+          </a:xfrm>
+          <a:prstGeom prst="roundRect">
+            <a:avLst/>
+          </a:prstGeom>
+          <a:solidFill>
+            <a:srgbClr val="001746"/>
+          </a:solidFill>
+          <a:ln>
+            <a:noFill/>
+          </a:ln>
+        </p:spPr>
+        <p:style>
+          <a:lnRef idx="2">
+            <a:schemeClr val="accent1">
+              <a:shade val="15000"/>
+            </a:schemeClr>
+          </a:lnRef>
+          <a:fillRef idx="1">
+            <a:schemeClr val="accent1"/>
+          </a:fillRef>
+          <a:effectRef idx="0">
+            <a:schemeClr val="accent1"/>
+          </a:effectRef>
+          <a:fontRef idx="minor">
+            <a:schemeClr val="lt1"/>
+          </a:fontRef>
+        </p:style>
+        <p:txBody>
+          <a:bodyPr rtlCol="0" anchor="ctr"/>
+          <a:lstStyle/>
+          <a:p>
+            <a:pPr algn="ctr"/>
+            <a:r>
+              <a:rPr lang="en-US" altLang="ja-JP" sz="2400" dirty="0">
+                <a:solidFill>
+                  <a:schemeClr val="bg1"/>
+                </a:solidFill>
+                <a:latin typeface="Kristen ITC" panose="03050502040202030202" pitchFamily="66" charset="0"/>
+              </a:rPr>
+              <a:t>Reset</a:t>
+            </a:r>
+            <a:endParaRPr kumimoji="1" lang="ja-JP" altLang="en-US" sz="2400" dirty="0">
+              <a:solidFill>
+                <a:schemeClr val="bg1"/>
+              </a:solidFill>
+              <a:latin typeface="Kristen ITC" panose="03050502040202030202" pitchFamily="66" charset="0"/>
+            </a:endParaRPr>
+          </a:p>
+        </p:txBody>
+      </p:sp>
+      <p:sp>
+        <p:nvSpPr>
+          <p:cNvPr id="28" name="テキスト ボックス 27">
+            <a:extLst>
+              <a:ext uri="{FF2B5EF4-FFF2-40B4-BE49-F238E27FC236}">
+                <a16:creationId xmlns:a16="http://schemas.microsoft.com/office/drawing/2014/main" id="{FA2CDA5E-0F8D-949A-1E1D-7C45534C085F}"/>
+              </a:ext>
+            </a:extLst>
+          </p:cNvPr>
+          <p:cNvSpPr txBox="1"/>
+          <p:nvPr/>
+        </p:nvSpPr>
+        <p:spPr>
+          <a:xfrm>
+            <a:off x="4826940" y="5422706"/>
+            <a:ext cx="3026740" cy="461665"/>
+          </a:xfrm>
+          <a:prstGeom prst="rect">
+            <a:avLst/>
+          </a:prstGeom>
+          <a:noFill/>
+        </p:spPr>
+        <p:txBody>
+          <a:bodyPr wrap="square" rtlCol="0">
+            <a:spAutoFit/>
+          </a:bodyPr>
+          <a:lstStyle/>
+          <a:p>
+            <a:pPr algn="ctr"/>
+            <a:r>
+              <a:rPr kumimoji="1" lang="en-US" altLang="ja-JP" sz="2400" u="sng" dirty="0">
+                <a:solidFill>
+                  <a:schemeClr val="bg1"/>
+                </a:solidFill>
+                <a:latin typeface="Kristen ITC" panose="03050502040202030202" pitchFamily="66" charset="0"/>
+              </a:rPr>
+              <a:t>Create account</a:t>
+            </a:r>
+            <a:endParaRPr kumimoji="1" lang="ja-JP" altLang="en-US" sz="2400" u="sng" dirty="0">
+              <a:solidFill>
+                <a:schemeClr val="bg1"/>
+              </a:solidFill>
+              <a:latin typeface="Kristen ITC" panose="03050502040202030202" pitchFamily="66" charset="0"/>
+            </a:endParaRPr>
+          </a:p>
+        </p:txBody>
+      </p:sp>
+      <p:sp>
+        <p:nvSpPr>
+          <p:cNvPr id="29" name="四角形: 角を丸くする 28">
+            <a:extLst>
+              <a:ext uri="{FF2B5EF4-FFF2-40B4-BE49-F238E27FC236}">
+                <a16:creationId xmlns:a16="http://schemas.microsoft.com/office/drawing/2014/main" id="{E634BF49-EA8E-1C63-74DE-1477F0882F51}"/>
+              </a:ext>
+            </a:extLst>
+          </p:cNvPr>
+          <p:cNvSpPr/>
+          <p:nvPr/>
+        </p:nvSpPr>
+        <p:spPr>
+          <a:xfrm>
+            <a:off x="4082669" y="4544719"/>
+            <a:ext cx="1920240" cy="614383"/>
+          </a:xfrm>
+          <a:prstGeom prst="roundRect">
+            <a:avLst/>
+          </a:prstGeom>
+          <a:solidFill>
+            <a:srgbClr val="001746"/>
+          </a:solidFill>
+          <a:ln>
+            <a:noFill/>
+          </a:ln>
+        </p:spPr>
+        <p:style>
+          <a:lnRef idx="2">
+            <a:schemeClr val="accent1">
+              <a:shade val="15000"/>
+            </a:schemeClr>
+          </a:lnRef>
+          <a:fillRef idx="1">
+            <a:schemeClr val="accent1"/>
+          </a:fillRef>
+          <a:effectRef idx="0">
+            <a:schemeClr val="accent1"/>
+          </a:effectRef>
+          <a:fontRef idx="minor">
+            <a:schemeClr val="lt1"/>
+          </a:fontRef>
+        </p:style>
+        <p:txBody>
+          <a:bodyPr rtlCol="0" anchor="ctr"/>
+          <a:lstStyle/>
+          <a:p>
+            <a:pPr algn="ctr"/>
+            <a:r>
+              <a:rPr kumimoji="1" lang="en-US" altLang="ja-JP" sz="2400" dirty="0">
+                <a:solidFill>
+                  <a:schemeClr val="bg1"/>
+                </a:solidFill>
+                <a:latin typeface="Kristen ITC" panose="03050502040202030202" pitchFamily="66" charset="0"/>
+              </a:rPr>
+              <a:t>Login</a:t>
+            </a:r>
+            <a:endParaRPr kumimoji="1" lang="ja-JP" altLang="en-US" sz="2400" dirty="0">
+              <a:solidFill>
+                <a:schemeClr val="bg1"/>
+              </a:solidFill>
+              <a:latin typeface="Kristen ITC" panose="03050502040202030202" pitchFamily="66" charset="0"/>
+            </a:endParaRPr>
+          </a:p>
+        </p:txBody>
+      </p:sp>
+    </p:spTree>
+    <p:extLst>
+      <p:ext uri="{BB962C8B-B14F-4D97-AF65-F5344CB8AC3E}">
+        <p14:creationId xmlns:p14="http://schemas.microsoft.com/office/powerpoint/2010/main" val="1141372851"/>
+      </p:ext>
+    </p:extLst>
+  </p:cSld>
+  <p:clrMapOvr>
+    <a:masterClrMapping/>
+  </p:clrMapOvr>
+</p:sld>
+</file>
+
+<file path=ppt/slides/slide2.xml><?xml version="1.0" encoding="utf-8"?>
+<p:sld xmlns:a="http://schemas.openxmlformats.org/drawingml/2006/main" xmlns:r="http://schemas.openxmlformats.org/officeDocument/2006/relationships" xmlns:p="http://schemas.openxmlformats.org/presentationml/2006/main">
+  <p:cSld>
+    <p:spTree>
+      <p:nvGrpSpPr>
+        <p:cNvPr id="1" name=""/>
+        <p:cNvGrpSpPr/>
+        <p:nvPr/>
+      </p:nvGrpSpPr>
+      <p:grpSpPr>
+        <a:xfrm>
+          <a:off x="0" y="0"/>
+          <a:ext cx="0" cy="0"/>
+          <a:chOff x="0" y="0"/>
+          <a:chExt cx="0" cy="0"/>
+        </a:xfrm>
+      </p:grpSpPr>
+      <p:sp>
+        <p:nvSpPr>
+          <p:cNvPr id="7" name="正方形/長方形 6">
+            <a:extLst>
+              <a:ext uri="{FF2B5EF4-FFF2-40B4-BE49-F238E27FC236}">
+                <a16:creationId xmlns:a16="http://schemas.microsoft.com/office/drawing/2014/main" id="{3830DDF9-5B12-DDDD-082C-AF3BF586F355}"/>
+              </a:ext>
+            </a:extLst>
+          </p:cNvPr>
+          <p:cNvSpPr/>
+          <p:nvPr/>
+        </p:nvSpPr>
+        <p:spPr>
+          <a:xfrm>
+            <a:off x="0" y="0"/>
+            <a:ext cx="12192000" cy="1386348"/>
+          </a:xfrm>
+          <a:prstGeom prst="rect">
+            <a:avLst/>
+          </a:prstGeom>
+          <a:solidFill>
+            <a:srgbClr val="F5F5F5"/>
+          </a:solidFill>
+          <a:ln>
+            <a:noFill/>
+          </a:ln>
+        </p:spPr>
+        <p:style>
+          <a:lnRef idx="2">
+            <a:schemeClr val="accent1">
+              <a:shade val="15000"/>
+            </a:schemeClr>
+          </a:lnRef>
+          <a:fillRef idx="1">
+            <a:schemeClr val="accent1"/>
+          </a:fillRef>
+          <a:effectRef idx="0">
+            <a:schemeClr val="accent1"/>
+          </a:effectRef>
+          <a:fontRef idx="minor">
+            <a:schemeClr val="lt1"/>
+          </a:fontRef>
+        </p:style>
+        <p:txBody>
+          <a:bodyPr rtlCol="0" anchor="ctr"/>
+          <a:lstStyle/>
+          <a:p>
+            <a:pPr algn="ctr"/>
+            <a:endParaRPr kumimoji="1" lang="ja-JP" altLang="en-US"/>
+          </a:p>
+        </p:txBody>
+      </p:sp>
+      <p:pic>
+        <p:nvPicPr>
+          <p:cNvPr id="5" name="図 4" descr="ロゴ&#10;&#10;中程度の精度で自動的に生成された説明">
+            <a:extLst>
+              <a:ext uri="{FF2B5EF4-FFF2-40B4-BE49-F238E27FC236}">
+                <a16:creationId xmlns:a16="http://schemas.microsoft.com/office/drawing/2014/main" id="{B9A39F28-1EBD-1E84-D159-443CA1B611CF}"/>
+              </a:ext>
+            </a:extLst>
+          </p:cNvPr>
+          <p:cNvPicPr>
+            <a:picLocks noChangeAspect="1"/>
+          </p:cNvPicPr>
+          <p:nvPr/>
+        </p:nvPicPr>
+        <p:blipFill rotWithShape="1">
+          <a:blip r:embed="rId3">
+            <a:extLst>
+              <a:ext uri="{28A0092B-C50C-407E-A947-70E740481C1C}">
+                <a14:useLocalDpi xmlns:a14="http://schemas.microsoft.com/office/drawing/2010/main" val="0"/>
+              </a:ext>
+            </a:extLst>
+          </a:blip>
+          <a:srcRect l="14562" t="11298" b="30517"/>
+          <a:stretch/>
+        </p:blipFill>
+        <p:spPr>
+          <a:xfrm>
+            <a:off x="4826940" y="196644"/>
+            <a:ext cx="2538120" cy="1012723"/>
+          </a:xfrm>
+          <a:prstGeom prst="rect">
+            <a:avLst/>
+          </a:prstGeom>
+        </p:spPr>
+      </p:pic>
+      <p:sp>
+        <p:nvSpPr>
+          <p:cNvPr id="14" name="正方形/長方形 13">
+            <a:extLst>
+              <a:ext uri="{FF2B5EF4-FFF2-40B4-BE49-F238E27FC236}">
+                <a16:creationId xmlns:a16="http://schemas.microsoft.com/office/drawing/2014/main" id="{52192687-6E27-88C8-ED3C-4F58ED7237DC}"/>
+              </a:ext>
+            </a:extLst>
+          </p:cNvPr>
+          <p:cNvSpPr/>
+          <p:nvPr/>
+        </p:nvSpPr>
+        <p:spPr>
+          <a:xfrm>
+            <a:off x="0" y="6459794"/>
+            <a:ext cx="12192000" cy="398206"/>
+          </a:xfrm>
+          <a:prstGeom prst="rect">
+            <a:avLst/>
+          </a:prstGeom>
+          <a:solidFill>
+            <a:srgbClr val="F5F5F5"/>
+          </a:solidFill>
+          <a:ln>
+            <a:noFill/>
+          </a:ln>
+        </p:spPr>
+        <p:style>
+          <a:lnRef idx="2">
+            <a:schemeClr val="accent1">
+              <a:shade val="15000"/>
+            </a:schemeClr>
+          </a:lnRef>
+          <a:fillRef idx="1">
+            <a:schemeClr val="accent1"/>
+          </a:fillRef>
+          <a:effectRef idx="0">
+            <a:schemeClr val="accent1"/>
+          </a:effectRef>
+          <a:fontRef idx="minor">
+            <a:schemeClr val="lt1"/>
+          </a:fontRef>
+        </p:style>
+        <p:txBody>
+          <a:bodyPr rtlCol="0" anchor="ctr"/>
+          <a:lstStyle/>
+          <a:p>
+            <a:pPr algn="ctr"/>
+            <a:endParaRPr kumimoji="1" lang="ja-JP" altLang="en-US"/>
+          </a:p>
+        </p:txBody>
+      </p:sp>
+      <p:sp>
+        <p:nvSpPr>
+          <p:cNvPr id="20" name="テキスト ボックス 19">
+            <a:extLst>
+              <a:ext uri="{FF2B5EF4-FFF2-40B4-BE49-F238E27FC236}">
+                <a16:creationId xmlns:a16="http://schemas.microsoft.com/office/drawing/2014/main" id="{93D16964-E0C9-2363-48DD-3B661653827D}"/>
+              </a:ext>
+            </a:extLst>
+          </p:cNvPr>
+          <p:cNvSpPr txBox="1"/>
+          <p:nvPr/>
+        </p:nvSpPr>
+        <p:spPr>
+          <a:xfrm>
+            <a:off x="9558094" y="806695"/>
+            <a:ext cx="2401617" cy="461665"/>
+          </a:xfrm>
+          <a:prstGeom prst="rect">
+            <a:avLst/>
+          </a:prstGeom>
+          <a:noFill/>
+        </p:spPr>
+        <p:txBody>
+          <a:bodyPr wrap="square" rtlCol="0">
+            <a:spAutoFit/>
+          </a:bodyPr>
+          <a:lstStyle/>
+          <a:p>
+            <a:r>
+              <a:rPr kumimoji="1" lang="en-US" altLang="ja-JP" sz="2400" dirty="0">
+                <a:solidFill>
+                  <a:srgbClr val="001746"/>
+                </a:solidFill>
+                <a:latin typeface="Kristen ITC" panose="03050502040202030202" pitchFamily="66" charset="0"/>
+              </a:rPr>
+              <a:t>2024/06/07 (Fri)</a:t>
+            </a:r>
+            <a:endParaRPr kumimoji="1" lang="ja-JP" altLang="en-US" sz="2400" dirty="0">
+              <a:solidFill>
+                <a:srgbClr val="001746"/>
+              </a:solidFill>
+              <a:latin typeface="Kristen ITC" panose="03050502040202030202" pitchFamily="66" charset="0"/>
+            </a:endParaRPr>
+          </a:p>
+        </p:txBody>
+      </p:sp>
+      <p:sp>
+        <p:nvSpPr>
+          <p:cNvPr id="22" name="テキスト ボックス 21">
+            <a:extLst>
+              <a:ext uri="{FF2B5EF4-FFF2-40B4-BE49-F238E27FC236}">
+                <a16:creationId xmlns:a16="http://schemas.microsoft.com/office/drawing/2014/main" id="{71CC734F-A1B3-457D-DBDD-64EF65974439}"/>
+              </a:ext>
+            </a:extLst>
+          </p:cNvPr>
+          <p:cNvSpPr txBox="1"/>
+          <p:nvPr/>
+        </p:nvSpPr>
+        <p:spPr>
+          <a:xfrm>
+            <a:off x="3861424" y="6505008"/>
+            <a:ext cx="4490720" cy="307777"/>
+          </a:xfrm>
+          <a:prstGeom prst="rect">
+            <a:avLst/>
+          </a:prstGeom>
+          <a:noFill/>
+        </p:spPr>
+        <p:txBody>
+          <a:bodyPr wrap="square" rtlCol="0">
+            <a:spAutoFit/>
+          </a:bodyPr>
+          <a:lstStyle/>
+          <a:p>
+            <a:r>
+              <a:rPr kumimoji="1" lang="en-US" altLang="ja-JP" sz="1400" dirty="0">
+                <a:solidFill>
+                  <a:srgbClr val="001746"/>
+                </a:solidFill>
+              </a:rPr>
+              <a:t>Copyright </a:t>
+            </a:r>
+            <a:r>
+              <a:rPr kumimoji="1" lang="en-US" altLang="ja-JP" sz="1400" dirty="0" err="1">
+                <a:solidFill>
+                  <a:srgbClr val="001746"/>
+                </a:solidFill>
+              </a:rPr>
+              <a:t>paraparaChahan</a:t>
+            </a:r>
+            <a:r>
+              <a:rPr kumimoji="1" lang="en-US" altLang="ja-JP" sz="1400" dirty="0">
+                <a:solidFill>
+                  <a:srgbClr val="001746"/>
+                </a:solidFill>
+              </a:rPr>
+              <a:t>(PLUS DOJO). All rights reserved.</a:t>
+            </a:r>
+            <a:endParaRPr kumimoji="1" lang="ja-JP" altLang="en-US" sz="1400" dirty="0">
+              <a:solidFill>
+                <a:srgbClr val="001746"/>
+              </a:solidFill>
+            </a:endParaRPr>
+          </a:p>
+        </p:txBody>
+      </p:sp>
+      <p:sp>
+        <p:nvSpPr>
+          <p:cNvPr id="2" name="四角形: 角を丸くする 1">
+            <a:extLst>
+              <a:ext uri="{FF2B5EF4-FFF2-40B4-BE49-F238E27FC236}">
+                <a16:creationId xmlns:a16="http://schemas.microsoft.com/office/drawing/2014/main" id="{AA54FC10-3839-02DD-3D2A-7D44FB82EA66}"/>
+              </a:ext>
+            </a:extLst>
+          </p:cNvPr>
+          <p:cNvSpPr/>
+          <p:nvPr/>
+        </p:nvSpPr>
+        <p:spPr>
+          <a:xfrm>
+            <a:off x="2675467" y="1991360"/>
+            <a:ext cx="7162800" cy="3996813"/>
+          </a:xfrm>
+          <a:prstGeom prst="roundRect">
+            <a:avLst/>
+          </a:prstGeom>
+          <a:solidFill>
+            <a:srgbClr val="EA7B6B"/>
+          </a:solidFill>
+          <a:ln>
+            <a:noFill/>
+          </a:ln>
+        </p:spPr>
+        <p:style>
+          <a:lnRef idx="2">
+            <a:schemeClr val="accent1">
+              <a:shade val="15000"/>
+            </a:schemeClr>
+          </a:lnRef>
+          <a:fillRef idx="1">
+            <a:schemeClr val="accent1"/>
+          </a:fillRef>
+          <a:effectRef idx="0">
+            <a:schemeClr val="accent1"/>
+          </a:effectRef>
+          <a:fontRef idx="minor">
+            <a:schemeClr val="lt1"/>
+          </a:fontRef>
+        </p:style>
+        <p:txBody>
+          <a:bodyPr rtlCol="0" anchor="ctr"/>
+          <a:lstStyle/>
+          <a:p>
+            <a:pPr algn="ctr"/>
+            <a:endParaRPr kumimoji="1" lang="ja-JP" altLang="en-US" dirty="0"/>
+          </a:p>
+        </p:txBody>
+      </p:sp>
+      <p:sp>
+        <p:nvSpPr>
+          <p:cNvPr id="4" name="四角形: 角を丸くする 3">
+            <a:extLst>
+              <a:ext uri="{FF2B5EF4-FFF2-40B4-BE49-F238E27FC236}">
+                <a16:creationId xmlns:a16="http://schemas.microsoft.com/office/drawing/2014/main" id="{F77AFFC5-DFA2-2F57-907B-33312FB9F036}"/>
+              </a:ext>
+            </a:extLst>
+          </p:cNvPr>
+          <p:cNvSpPr/>
+          <p:nvPr/>
+        </p:nvSpPr>
+        <p:spPr>
+          <a:xfrm>
+            <a:off x="4580088" y="2689645"/>
+            <a:ext cx="3353553" cy="523273"/>
+          </a:xfrm>
+          <a:prstGeom prst="roundRect">
+            <a:avLst/>
+          </a:prstGeom>
+          <a:solidFill>
+            <a:schemeClr val="bg1"/>
+          </a:solidFill>
+          <a:ln>
+            <a:noFill/>
+          </a:ln>
+        </p:spPr>
+        <p:style>
+          <a:lnRef idx="2">
+            <a:schemeClr val="accent1">
+              <a:shade val="15000"/>
+            </a:schemeClr>
+          </a:lnRef>
+          <a:fillRef idx="1">
+            <a:schemeClr val="accent1"/>
+          </a:fillRef>
+          <a:effectRef idx="0">
+            <a:schemeClr val="accent1"/>
+          </a:effectRef>
+          <a:fontRef idx="minor">
+            <a:schemeClr val="lt1"/>
+          </a:fontRef>
+        </p:style>
+        <p:txBody>
+          <a:bodyPr rtlCol="0" anchor="ctr"/>
+          <a:lstStyle/>
+          <a:p>
+            <a:pPr algn="ctr"/>
+            <a:endParaRPr kumimoji="1" lang="ja-JP" altLang="en-US" dirty="0"/>
+          </a:p>
+        </p:txBody>
+      </p:sp>
+      <p:sp>
+        <p:nvSpPr>
+          <p:cNvPr id="17" name="テキスト ボックス 16">
+            <a:extLst>
+              <a:ext uri="{FF2B5EF4-FFF2-40B4-BE49-F238E27FC236}">
+                <a16:creationId xmlns:a16="http://schemas.microsoft.com/office/drawing/2014/main" id="{9E614EAD-E51C-8C62-06AF-DD6AB5C4402F}"/>
+              </a:ext>
+            </a:extLst>
+          </p:cNvPr>
+          <p:cNvSpPr txBox="1"/>
+          <p:nvPr/>
+        </p:nvSpPr>
+        <p:spPr>
+          <a:xfrm>
+            <a:off x="4580087" y="2227980"/>
+            <a:ext cx="3353554" cy="461665"/>
+          </a:xfrm>
+          <a:prstGeom prst="rect">
+            <a:avLst/>
+          </a:prstGeom>
+          <a:noFill/>
+        </p:spPr>
+        <p:txBody>
+          <a:bodyPr wrap="square" rtlCol="0">
+            <a:spAutoFit/>
+          </a:bodyPr>
+          <a:lstStyle/>
+          <a:p>
+            <a:pPr algn="ctr"/>
+            <a:r>
+              <a:rPr kumimoji="1" lang="en-US" altLang="ja-JP" sz="2400" dirty="0">
+                <a:solidFill>
+                  <a:schemeClr val="bg1"/>
+                </a:solidFill>
+                <a:latin typeface="Kristen ITC" panose="03050502040202030202" pitchFamily="66" charset="0"/>
+              </a:rPr>
+              <a:t>Username</a:t>
+            </a:r>
+          </a:p>
+        </p:txBody>
+      </p:sp>
+      <p:sp>
+        <p:nvSpPr>
+          <p:cNvPr id="23" name="テキスト ボックス 22">
+            <a:extLst>
+              <a:ext uri="{FF2B5EF4-FFF2-40B4-BE49-F238E27FC236}">
+                <a16:creationId xmlns:a16="http://schemas.microsoft.com/office/drawing/2014/main" id="{AD6D8012-AB19-D586-787F-DDB78F8A4DA0}"/>
+              </a:ext>
+            </a:extLst>
+          </p:cNvPr>
+          <p:cNvSpPr txBox="1"/>
+          <p:nvPr/>
+        </p:nvSpPr>
+        <p:spPr>
+          <a:xfrm>
+            <a:off x="4580087" y="3331687"/>
+            <a:ext cx="3353554" cy="461665"/>
+          </a:xfrm>
+          <a:prstGeom prst="rect">
+            <a:avLst/>
+          </a:prstGeom>
+          <a:noFill/>
+        </p:spPr>
+        <p:txBody>
+          <a:bodyPr wrap="square" rtlCol="0">
+            <a:spAutoFit/>
+          </a:bodyPr>
+          <a:lstStyle/>
+          <a:p>
+            <a:pPr algn="ctr"/>
+            <a:r>
+              <a:rPr lang="en-US" altLang="ja-JP" sz="2400" dirty="0">
+                <a:solidFill>
+                  <a:schemeClr val="bg1"/>
+                </a:solidFill>
+                <a:latin typeface="Kristen ITC" panose="03050502040202030202" pitchFamily="66" charset="0"/>
+              </a:rPr>
+              <a:t>Password</a:t>
+            </a:r>
+            <a:endParaRPr kumimoji="1" lang="en-US" altLang="ja-JP" sz="2400" dirty="0">
+              <a:solidFill>
+                <a:schemeClr val="bg1"/>
+              </a:solidFill>
+              <a:latin typeface="Kristen ITC" panose="03050502040202030202" pitchFamily="66" charset="0"/>
+            </a:endParaRPr>
+          </a:p>
+        </p:txBody>
+      </p:sp>
+      <p:sp>
+        <p:nvSpPr>
+          <p:cNvPr id="24" name="四角形: 角を丸くする 23">
+            <a:extLst>
+              <a:ext uri="{FF2B5EF4-FFF2-40B4-BE49-F238E27FC236}">
+                <a16:creationId xmlns:a16="http://schemas.microsoft.com/office/drawing/2014/main" id="{AA90FB4C-B7BD-7077-606C-EBED33DB231B}"/>
+              </a:ext>
+            </a:extLst>
+          </p:cNvPr>
+          <p:cNvSpPr/>
+          <p:nvPr/>
+        </p:nvSpPr>
+        <p:spPr>
+          <a:xfrm>
+            <a:off x="4580087" y="3785085"/>
+            <a:ext cx="3353553" cy="523273"/>
+          </a:xfrm>
+          <a:prstGeom prst="roundRect">
+            <a:avLst/>
+          </a:prstGeom>
+          <a:solidFill>
+            <a:schemeClr val="bg1"/>
+          </a:solidFill>
+          <a:ln>
+            <a:noFill/>
+          </a:ln>
+        </p:spPr>
+        <p:style>
+          <a:lnRef idx="2">
+            <a:schemeClr val="accent1">
+              <a:shade val="15000"/>
+            </a:schemeClr>
+          </a:lnRef>
+          <a:fillRef idx="1">
+            <a:schemeClr val="accent1"/>
+          </a:fillRef>
+          <a:effectRef idx="0">
+            <a:schemeClr val="accent1"/>
+          </a:effectRef>
+          <a:fontRef idx="minor">
+            <a:schemeClr val="lt1"/>
+          </a:fontRef>
+        </p:style>
+        <p:txBody>
+          <a:bodyPr rtlCol="0" anchor="ctr"/>
+          <a:lstStyle/>
+          <a:p>
+            <a:pPr algn="ctr"/>
+            <a:endParaRPr kumimoji="1" lang="ja-JP" altLang="en-US" dirty="0"/>
+          </a:p>
+        </p:txBody>
+      </p:sp>
+      <p:sp>
+        <p:nvSpPr>
+          <p:cNvPr id="25" name="四角形: 角を丸くする 24">
+            <a:extLst>
+              <a:ext uri="{FF2B5EF4-FFF2-40B4-BE49-F238E27FC236}">
+                <a16:creationId xmlns:a16="http://schemas.microsoft.com/office/drawing/2014/main" id="{18E02C62-8300-FCBB-BCAA-51FA57E75578}"/>
+              </a:ext>
+            </a:extLst>
+          </p:cNvPr>
+          <p:cNvSpPr/>
+          <p:nvPr/>
+        </p:nvSpPr>
+        <p:spPr>
+          <a:xfrm>
+            <a:off x="6657741" y="4544719"/>
+            <a:ext cx="1920240" cy="614383"/>
+          </a:xfrm>
+          <a:prstGeom prst="roundRect">
+            <a:avLst/>
+          </a:prstGeom>
+          <a:solidFill>
+            <a:srgbClr val="001746"/>
+          </a:solidFill>
+          <a:ln>
+            <a:noFill/>
+          </a:ln>
+        </p:spPr>
+        <p:style>
+          <a:lnRef idx="2">
+            <a:schemeClr val="accent1">
+              <a:shade val="15000"/>
+            </a:schemeClr>
+          </a:lnRef>
+          <a:fillRef idx="1">
+            <a:schemeClr val="accent1"/>
+          </a:fillRef>
+          <a:effectRef idx="0">
+            <a:schemeClr val="accent1"/>
+          </a:effectRef>
+          <a:fontRef idx="minor">
+            <a:schemeClr val="lt1"/>
+          </a:fontRef>
+        </p:style>
+        <p:txBody>
+          <a:bodyPr rtlCol="0" anchor="ctr"/>
+          <a:lstStyle/>
+          <a:p>
+            <a:pPr algn="ctr"/>
+            <a:r>
+              <a:rPr lang="en-US" altLang="ja-JP" sz="2400" dirty="0">
+                <a:solidFill>
+                  <a:schemeClr val="bg1"/>
+                </a:solidFill>
+                <a:latin typeface="Kristen ITC" panose="03050502040202030202" pitchFamily="66" charset="0"/>
+              </a:rPr>
+              <a:t>Reset</a:t>
+            </a:r>
+            <a:endParaRPr kumimoji="1" lang="ja-JP" altLang="en-US" sz="2400" dirty="0">
+              <a:solidFill>
+                <a:schemeClr val="bg1"/>
+              </a:solidFill>
+              <a:latin typeface="Kristen ITC" panose="03050502040202030202" pitchFamily="66" charset="0"/>
+            </a:endParaRPr>
+          </a:p>
+        </p:txBody>
+      </p:sp>
+      <p:sp>
+        <p:nvSpPr>
+          <p:cNvPr id="28" name="テキスト ボックス 27">
+            <a:extLst>
+              <a:ext uri="{FF2B5EF4-FFF2-40B4-BE49-F238E27FC236}">
+                <a16:creationId xmlns:a16="http://schemas.microsoft.com/office/drawing/2014/main" id="{FA2CDA5E-0F8D-949A-1E1D-7C45534C085F}"/>
+              </a:ext>
+            </a:extLst>
+          </p:cNvPr>
+          <p:cNvSpPr txBox="1"/>
+          <p:nvPr/>
+        </p:nvSpPr>
+        <p:spPr>
+          <a:xfrm>
+            <a:off x="4826940" y="5422706"/>
+            <a:ext cx="3026740" cy="461665"/>
+          </a:xfrm>
+          <a:prstGeom prst="rect">
+            <a:avLst/>
+          </a:prstGeom>
+          <a:noFill/>
+        </p:spPr>
+        <p:txBody>
+          <a:bodyPr wrap="square" rtlCol="0">
+            <a:spAutoFit/>
+          </a:bodyPr>
+          <a:lstStyle/>
+          <a:p>
+            <a:pPr algn="ctr"/>
+            <a:r>
+              <a:rPr kumimoji="1" lang="en-US" altLang="ja-JP" sz="2400" u="sng" dirty="0">
+                <a:solidFill>
+                  <a:schemeClr val="bg1"/>
+                </a:solidFill>
+                <a:latin typeface="Kristen ITC" panose="03050502040202030202" pitchFamily="66" charset="0"/>
+              </a:rPr>
+              <a:t>Create account</a:t>
+            </a:r>
+            <a:endParaRPr kumimoji="1" lang="ja-JP" altLang="en-US" sz="2400" u="sng" dirty="0">
+              <a:solidFill>
+                <a:schemeClr val="bg1"/>
+              </a:solidFill>
+              <a:latin typeface="Kristen ITC" panose="03050502040202030202" pitchFamily="66" charset="0"/>
+            </a:endParaRPr>
+          </a:p>
+        </p:txBody>
+      </p:sp>
+      <p:sp>
+        <p:nvSpPr>
+          <p:cNvPr id="29" name="四角形: 角を丸くする 28">
+            <a:extLst>
+              <a:ext uri="{FF2B5EF4-FFF2-40B4-BE49-F238E27FC236}">
+                <a16:creationId xmlns:a16="http://schemas.microsoft.com/office/drawing/2014/main" id="{E634BF49-EA8E-1C63-74DE-1477F0882F51}"/>
+              </a:ext>
+            </a:extLst>
+          </p:cNvPr>
+          <p:cNvSpPr/>
+          <p:nvPr/>
+        </p:nvSpPr>
+        <p:spPr>
+          <a:xfrm>
+            <a:off x="4082669" y="4544719"/>
+            <a:ext cx="1920240" cy="614383"/>
+          </a:xfrm>
+          <a:prstGeom prst="roundRect">
+            <a:avLst/>
+          </a:prstGeom>
+          <a:solidFill>
+            <a:srgbClr val="F7CDC6"/>
+          </a:solidFill>
+          <a:ln>
+            <a:noFill/>
+          </a:ln>
+        </p:spPr>
+        <p:style>
+          <a:lnRef idx="2">
+            <a:schemeClr val="accent1">
+              <a:shade val="15000"/>
+            </a:schemeClr>
+          </a:lnRef>
+          <a:fillRef idx="1">
+            <a:schemeClr val="accent1"/>
+          </a:fillRef>
+          <a:effectRef idx="0">
+            <a:schemeClr val="accent1"/>
+          </a:effectRef>
+          <a:fontRef idx="minor">
+            <a:schemeClr val="lt1"/>
+          </a:fontRef>
+        </p:style>
+        <p:txBody>
+          <a:bodyPr rtlCol="0" anchor="ctr"/>
+          <a:lstStyle/>
+          <a:p>
+            <a:pPr algn="ctr"/>
+            <a:r>
+              <a:rPr kumimoji="1" lang="en-US" altLang="ja-JP" sz="2400" dirty="0">
+                <a:solidFill>
+                  <a:schemeClr val="bg1"/>
+                </a:solidFill>
+                <a:latin typeface="Kristen ITC" panose="03050502040202030202" pitchFamily="66" charset="0"/>
+              </a:rPr>
+              <a:t>Login</a:t>
+            </a:r>
+            <a:endParaRPr kumimoji="1" lang="ja-JP" altLang="en-US" sz="2400" dirty="0">
+              <a:solidFill>
+                <a:schemeClr val="bg1"/>
+              </a:solidFill>
+              <a:latin typeface="Kristen ITC" panose="03050502040202030202" pitchFamily="66" charset="0"/>
+            </a:endParaRPr>
+          </a:p>
+        </p:txBody>
+      </p:sp>
+    </p:spTree>
+    <p:extLst>
+      <p:ext uri="{BB962C8B-B14F-4D97-AF65-F5344CB8AC3E}">
+        <p14:creationId xmlns:p14="http://schemas.microsoft.com/office/powerpoint/2010/main" val="3619999251"/>
+      </p:ext>
+    </p:extLst>
+  </p:cSld>
+  <p:clrMapOvr>
+    <a:masterClrMapping/>
+  </p:clrMapOvr>
+</p:sld>
+</file>
+
+<file path=ppt/slides/slide3.xml><?xml version="1.0" encoding="utf-8"?>
+<p:sld xmlns:a="http://schemas.openxmlformats.org/drawingml/2006/main" xmlns:r="http://schemas.openxmlformats.org/officeDocument/2006/relationships" xmlns:p="http://schemas.openxmlformats.org/presentationml/2006/main">
+  <p:cSld>
+    <p:spTree>
+      <p:nvGrpSpPr>
+        <p:cNvPr id="1" name=""/>
+        <p:cNvGrpSpPr/>
+        <p:nvPr/>
+      </p:nvGrpSpPr>
+      <p:grpSpPr>
+        <a:xfrm>
+          <a:off x="0" y="0"/>
+          <a:ext cx="0" cy="0"/>
+          <a:chOff x="0" y="0"/>
+          <a:chExt cx="0" cy="0"/>
+        </a:xfrm>
+      </p:grpSpPr>
+      <p:sp>
+        <p:nvSpPr>
+          <p:cNvPr id="7" name="正方形/長方形 6">
+            <a:extLst>
+              <a:ext uri="{FF2B5EF4-FFF2-40B4-BE49-F238E27FC236}">
+                <a16:creationId xmlns:a16="http://schemas.microsoft.com/office/drawing/2014/main" id="{3830DDF9-5B12-DDDD-082C-AF3BF586F355}"/>
+              </a:ext>
+            </a:extLst>
+          </p:cNvPr>
+          <p:cNvSpPr/>
+          <p:nvPr/>
+        </p:nvSpPr>
+        <p:spPr>
+          <a:xfrm>
+            <a:off x="0" y="0"/>
+            <a:ext cx="12192000" cy="1386348"/>
+          </a:xfrm>
+          <a:prstGeom prst="rect">
+            <a:avLst/>
+          </a:prstGeom>
+          <a:solidFill>
+            <a:srgbClr val="F5F5F5"/>
+          </a:solidFill>
+          <a:ln>
+            <a:noFill/>
+          </a:ln>
+        </p:spPr>
+        <p:style>
+          <a:lnRef idx="2">
+            <a:schemeClr val="accent1">
+              <a:shade val="15000"/>
+            </a:schemeClr>
+          </a:lnRef>
+          <a:fillRef idx="1">
+            <a:schemeClr val="accent1"/>
+          </a:fillRef>
+          <a:effectRef idx="0">
+            <a:schemeClr val="accent1"/>
+          </a:effectRef>
+          <a:fontRef idx="minor">
+            <a:schemeClr val="lt1"/>
+          </a:fontRef>
+        </p:style>
+        <p:txBody>
+          <a:bodyPr rtlCol="0" anchor="ctr"/>
+          <a:lstStyle/>
+          <a:p>
+            <a:pPr algn="ctr"/>
+            <a:endParaRPr kumimoji="1" lang="ja-JP" altLang="en-US"/>
+          </a:p>
+        </p:txBody>
+      </p:sp>
+      <p:pic>
+        <p:nvPicPr>
+          <p:cNvPr id="5" name="図 4" descr="ロゴ&#10;&#10;中程度の精度で自動的に生成された説明">
+            <a:extLst>
+              <a:ext uri="{FF2B5EF4-FFF2-40B4-BE49-F238E27FC236}">
+                <a16:creationId xmlns:a16="http://schemas.microsoft.com/office/drawing/2014/main" id="{B9A39F28-1EBD-1E84-D159-443CA1B611CF}"/>
+              </a:ext>
+            </a:extLst>
+          </p:cNvPr>
+          <p:cNvPicPr>
+            <a:picLocks noChangeAspect="1"/>
+          </p:cNvPicPr>
+          <p:nvPr/>
+        </p:nvPicPr>
+        <p:blipFill rotWithShape="1">
+          <a:blip r:embed="rId2">
+            <a:extLst>
+              <a:ext uri="{28A0092B-C50C-407E-A947-70E740481C1C}">
+                <a14:useLocalDpi xmlns:a14="http://schemas.microsoft.com/office/drawing/2010/main" val="0"/>
+              </a:ext>
+            </a:extLst>
+          </a:blip>
+          <a:srcRect l="14562" t="11298" b="30517"/>
+          <a:stretch/>
+        </p:blipFill>
+        <p:spPr>
+          <a:xfrm>
+            <a:off x="4826940" y="196644"/>
+            <a:ext cx="2538120" cy="1012723"/>
+          </a:xfrm>
+          <a:prstGeom prst="rect">
+            <a:avLst/>
+          </a:prstGeom>
+        </p:spPr>
+      </p:pic>
+      <p:sp>
+        <p:nvSpPr>
           <p:cNvPr id="8" name="四角形: 角を丸くする 7">
             <a:extLst>
               <a:ext uri="{FF2B5EF4-FFF2-40B4-BE49-F238E27FC236}">
@@ -4118,7 +5998,7 @@
 </p:sld>
 </file>
 
-<file path=ppt/slides/slide2.xml><?xml version="1.0" encoding="utf-8"?>
+<file path=ppt/slides/slide4.xml><?xml version="1.0" encoding="utf-8"?>
 <p:sld xmlns:a="http://schemas.openxmlformats.org/drawingml/2006/main" xmlns:r="http://schemas.openxmlformats.org/officeDocument/2006/relationships" xmlns:p="http://schemas.openxmlformats.org/presentationml/2006/main">
   <p:cSld>
     <p:spTree>
@@ -5304,7 +7184,7 @@
 </p:sld>
 </file>
 
-<file path=ppt/slides/slide3.xml><?xml version="1.0" encoding="utf-8"?>
+<file path=ppt/slides/slide5.xml><?xml version="1.0" encoding="utf-8"?>
 <p:sld xmlns:a="http://schemas.openxmlformats.org/drawingml/2006/main" xmlns:r="http://schemas.openxmlformats.org/officeDocument/2006/relationships" xmlns:p="http://schemas.openxmlformats.org/presentationml/2006/main">
   <p:cSld>
     <p:spTree>
@@ -6544,7 +8424,7 @@
 </p:sld>
 </file>
 
-<file path=ppt/slides/slide4.xml><?xml version="1.0" encoding="utf-8"?>
+<file path=ppt/slides/slide6.xml><?xml version="1.0" encoding="utf-8"?>
 <p:sld xmlns:a="http://schemas.openxmlformats.org/drawingml/2006/main" xmlns:r="http://schemas.openxmlformats.org/officeDocument/2006/relationships" xmlns:p="http://schemas.openxmlformats.org/presentationml/2006/main">
   <p:cSld>
     <p:spTree>
@@ -6604,7 +8484,7 @@
 </p:sld>
 </file>
 
-<file path=ppt/slides/slide5.xml><?xml version="1.0" encoding="utf-8"?>
+<file path=ppt/slides/slide7.xml><?xml version="1.0" encoding="utf-8"?>
 <p:sld xmlns:a="http://schemas.openxmlformats.org/drawingml/2006/main" xmlns:r="http://schemas.openxmlformats.org/officeDocument/2006/relationships" xmlns:p="http://schemas.openxmlformats.org/presentationml/2006/main">
   <p:cSld>
     <p:spTree>
@@ -7138,4 +9018,319 @@
     </a:ext>
   </a:extLst>
 </a:theme>
+</file>
+
+<file path=ppt/theme/theme2.xml><?xml version="1.0" encoding="utf-8"?>
+<a:theme xmlns:a="http://schemas.openxmlformats.org/drawingml/2006/main" name="Office テーマ">
+  <a:themeElements>
+    <a:clrScheme name="Office">
+      <a:dk1>
+        <a:sysClr val="windowText" lastClr="000000"/>
+      </a:dk1>
+      <a:lt1>
+        <a:sysClr val="window" lastClr="FFFFFF"/>
+      </a:lt1>
+      <a:dk2>
+        <a:srgbClr val="0E2841"/>
+      </a:dk2>
+      <a:lt2>
+        <a:srgbClr val="E8E8E8"/>
+      </a:lt2>
+      <a:accent1>
+        <a:srgbClr val="156082"/>
+      </a:accent1>
+      <a:accent2>
+        <a:srgbClr val="E97132"/>
+      </a:accent2>
+      <a:accent3>
+        <a:srgbClr val="196B24"/>
+      </a:accent3>
+      <a:accent4>
+        <a:srgbClr val="0F9ED5"/>
+      </a:accent4>
+      <a:accent5>
+        <a:srgbClr val="A02B93"/>
+      </a:accent5>
+      <a:accent6>
+        <a:srgbClr val="4EA72E"/>
+      </a:accent6>
+      <a:hlink>
+        <a:srgbClr val="467886"/>
+      </a:hlink>
+      <a:folHlink>
+        <a:srgbClr val="96607D"/>
+      </a:folHlink>
+    </a:clrScheme>
+    <a:fontScheme name="Office">
+      <a:majorFont>
+        <a:latin typeface="游ゴシック Light" panose="02110004020202020204"/>
+        <a:ea typeface=""/>
+        <a:cs typeface=""/>
+        <a:font script="Jpan" typeface="游ゴシック Light"/>
+        <a:font script="Hang" typeface="맑은 고딕"/>
+        <a:font script="Hans" typeface="等线 Light"/>
+        <a:font script="Hant" typeface="新細明體"/>
+        <a:font script="Arab" typeface="Times New Roman"/>
+        <a:font script="Hebr" typeface="Times New Roman"/>
+        <a:font script="Thai" typeface="Angsana New"/>
+        <a:font script="Ethi" typeface="Nyala"/>
+        <a:font script="Beng" typeface="Vrinda"/>
+        <a:font script="Gujr" typeface="Shruti"/>
+        <a:font script="Khmr" typeface="MoolBoran"/>
+        <a:font script="Knda" typeface="Tunga"/>
+        <a:font script="Guru" typeface="Raavi"/>
+        <a:font script="Cans" typeface="Euphemia"/>
+        <a:font script="Cher" typeface="Plantagenet Cherokee"/>
+        <a:font script="Yiii" typeface="Microsoft Yi Baiti"/>
+        <a:font script="Tibt" typeface="Microsoft Himalaya"/>
+        <a:font script="Thaa" typeface="MV Boli"/>
+        <a:font script="Deva" typeface="Mangal"/>
+        <a:font script="Telu" typeface="Gautami"/>
+        <a:font script="Taml" typeface="Latha"/>
+        <a:font script="Syrc" typeface="Estrangelo Edessa"/>
+        <a:font script="Orya" typeface="Kalinga"/>
+        <a:font script="Mlym" typeface="Kartika"/>
+        <a:font script="Laoo" typeface="DokChampa"/>
+        <a:font script="Sinh" typeface="Iskoola Pota"/>
+        <a:font script="Mong" typeface="Mongolian Baiti"/>
+        <a:font script="Viet" typeface="Times New Roman"/>
+        <a:font script="Uigh" typeface="Microsoft Uighur"/>
+        <a:font script="Geor" typeface="Sylfaen"/>
+        <a:font script="Armn" typeface="Arial"/>
+        <a:font script="Bugi" typeface="Leelawadee UI"/>
+        <a:font script="Bopo" typeface="Microsoft JhengHei"/>
+        <a:font script="Java" typeface="Javanese Text"/>
+        <a:font script="Lisu" typeface="Segoe UI"/>
+        <a:font script="Mymr" typeface="Myanmar Text"/>
+        <a:font script="Nkoo" typeface="Ebrima"/>
+        <a:font script="Olck" typeface="Nirmala UI"/>
+        <a:font script="Osma" typeface="Ebrima"/>
+        <a:font script="Phag" typeface="Phagspa"/>
+        <a:font script="Syrn" typeface="Estrangelo Edessa"/>
+        <a:font script="Syrj" typeface="Estrangelo Edessa"/>
+        <a:font script="Syre" typeface="Estrangelo Edessa"/>
+        <a:font script="Sora" typeface="Nirmala UI"/>
+        <a:font script="Tale" typeface="Microsoft Tai Le"/>
+        <a:font script="Talu" typeface="Microsoft New Tai Lue"/>
+        <a:font script="Tfng" typeface="Ebrima"/>
+      </a:majorFont>
+      <a:minorFont>
+        <a:latin typeface="游ゴシック" panose="02110004020202020204"/>
+        <a:ea typeface=""/>
+        <a:cs typeface=""/>
+        <a:font script="Jpan" typeface="游ゴシック"/>
+        <a:font script="Hang" typeface="맑은 고딕"/>
+        <a:font script="Hans" typeface="等线"/>
+        <a:font script="Hant" typeface="新細明體"/>
+        <a:font script="Arab" typeface="Arial"/>
+        <a:font script="Hebr" typeface="Arial"/>
+        <a:font script="Thai" typeface="Cordia New"/>
+        <a:font script="Ethi" typeface="Nyala"/>
+        <a:font script="Beng" typeface="Vrinda"/>
+        <a:font script="Gujr" typeface="Shruti"/>
+        <a:font script="Khmr" typeface="DaunPenh"/>
+        <a:font script="Knda" typeface="Tunga"/>
+        <a:font script="Guru" typeface="Raavi"/>
+        <a:font script="Cans" typeface="Euphemia"/>
+        <a:font script="Cher" typeface="Plantagenet Cherokee"/>
+        <a:font script="Yiii" typeface="Microsoft Yi Baiti"/>
+        <a:font script="Tibt" typeface="Microsoft Himalaya"/>
+        <a:font script="Thaa" typeface="MV Boli"/>
+        <a:font script="Deva" typeface="Mangal"/>
+        <a:font script="Telu" typeface="Gautami"/>
+        <a:font script="Taml" typeface="Latha"/>
+        <a:font script="Syrc" typeface="Estrangelo Edessa"/>
+        <a:font script="Orya" typeface="Kalinga"/>
+        <a:font script="Mlym" typeface="Kartika"/>
+        <a:font script="Laoo" typeface="DokChampa"/>
+        <a:font script="Sinh" typeface="Iskoola Pota"/>
+        <a:font script="Mong" typeface="Mongolian Baiti"/>
+        <a:font script="Viet" typeface="Arial"/>
+        <a:font script="Uigh" typeface="Microsoft Uighur"/>
+        <a:font script="Geor" typeface="Sylfaen"/>
+        <a:font script="Armn" typeface="Arial"/>
+        <a:font script="Bugi" typeface="Leelawadee UI"/>
+        <a:font script="Bopo" typeface="Microsoft JhengHei"/>
+        <a:font script="Java" typeface="Javanese Text"/>
+        <a:font script="Lisu" typeface="Segoe UI"/>
+        <a:font script="Mymr" typeface="Myanmar Text"/>
+        <a:font script="Nkoo" typeface="Ebrima"/>
+        <a:font script="Olck" typeface="Nirmala UI"/>
+        <a:font script="Osma" typeface="Ebrima"/>
+        <a:font script="Phag" typeface="Phagspa"/>
+        <a:font script="Syrn" typeface="Estrangelo Edessa"/>
+        <a:font script="Syrj" typeface="Estrangelo Edessa"/>
+        <a:font script="Syre" typeface="Estrangelo Edessa"/>
+        <a:font script="Sora" typeface="Nirmala UI"/>
+        <a:font script="Tale" typeface="Microsoft Tai Le"/>
+        <a:font script="Talu" typeface="Microsoft New Tai Lue"/>
+        <a:font script="Tfng" typeface="Ebrima"/>
+      </a:minorFont>
+    </a:fontScheme>
+    <a:fmtScheme name="Office">
+      <a:fillStyleLst>
+        <a:solidFill>
+          <a:schemeClr val="phClr"/>
+        </a:solidFill>
+        <a:gradFill rotWithShape="1">
+          <a:gsLst>
+            <a:gs pos="0">
+              <a:schemeClr val="phClr">
+                <a:lumMod val="110000"/>
+                <a:satMod val="105000"/>
+                <a:tint val="67000"/>
+              </a:schemeClr>
+            </a:gs>
+            <a:gs pos="50000">
+              <a:schemeClr val="phClr">
+                <a:lumMod val="105000"/>
+                <a:satMod val="103000"/>
+                <a:tint val="73000"/>
+              </a:schemeClr>
+            </a:gs>
+            <a:gs pos="100000">
+              <a:schemeClr val="phClr">
+                <a:lumMod val="105000"/>
+                <a:satMod val="109000"/>
+                <a:tint val="81000"/>
+              </a:schemeClr>
+            </a:gs>
+          </a:gsLst>
+          <a:lin ang="5400000" scaled="0"/>
+        </a:gradFill>
+        <a:gradFill rotWithShape="1">
+          <a:gsLst>
+            <a:gs pos="0">
+              <a:schemeClr val="phClr">
+                <a:satMod val="103000"/>
+                <a:lumMod val="102000"/>
+                <a:tint val="94000"/>
+              </a:schemeClr>
+            </a:gs>
+            <a:gs pos="50000">
+              <a:schemeClr val="phClr">
+                <a:satMod val="110000"/>
+                <a:lumMod val="100000"/>
+                <a:shade val="100000"/>
+              </a:schemeClr>
+            </a:gs>
+            <a:gs pos="100000">
+              <a:schemeClr val="phClr">
+                <a:lumMod val="99000"/>
+                <a:satMod val="120000"/>
+                <a:shade val="78000"/>
+              </a:schemeClr>
+            </a:gs>
+          </a:gsLst>
+          <a:lin ang="5400000" scaled="0"/>
+        </a:gradFill>
+      </a:fillStyleLst>
+      <a:lnStyleLst>
+        <a:ln w="12700" cap="flat" cmpd="sng" algn="ctr">
+          <a:solidFill>
+            <a:schemeClr val="phClr"/>
+          </a:solidFill>
+          <a:prstDash val="solid"/>
+          <a:miter lim="800000"/>
+        </a:ln>
+        <a:ln w="19050" cap="flat" cmpd="sng" algn="ctr">
+          <a:solidFill>
+            <a:schemeClr val="phClr"/>
+          </a:solidFill>
+          <a:prstDash val="solid"/>
+          <a:miter lim="800000"/>
+        </a:ln>
+        <a:ln w="25400" cap="flat" cmpd="sng" algn="ctr">
+          <a:solidFill>
+            <a:schemeClr val="phClr"/>
+          </a:solidFill>
+          <a:prstDash val="solid"/>
+          <a:miter lim="800000"/>
+        </a:ln>
+      </a:lnStyleLst>
+      <a:effectStyleLst>
+        <a:effectStyle>
+          <a:effectLst/>
+        </a:effectStyle>
+        <a:effectStyle>
+          <a:effectLst/>
+        </a:effectStyle>
+        <a:effectStyle>
+          <a:effectLst>
+            <a:outerShdw blurRad="57150" dist="19050" dir="5400000" algn="ctr" rotWithShape="0">
+              <a:srgbClr val="000000">
+                <a:alpha val="63000"/>
+              </a:srgbClr>
+            </a:outerShdw>
+          </a:effectLst>
+        </a:effectStyle>
+      </a:effectStyleLst>
+      <a:bgFillStyleLst>
+        <a:solidFill>
+          <a:schemeClr val="phClr"/>
+        </a:solidFill>
+        <a:solidFill>
+          <a:schemeClr val="phClr">
+            <a:tint val="95000"/>
+            <a:satMod val="170000"/>
+          </a:schemeClr>
+        </a:solidFill>
+        <a:gradFill rotWithShape="1">
+          <a:gsLst>
+            <a:gs pos="0">
+              <a:schemeClr val="phClr">
+                <a:tint val="93000"/>
+                <a:satMod val="150000"/>
+                <a:shade val="98000"/>
+                <a:lumMod val="102000"/>
+              </a:schemeClr>
+            </a:gs>
+            <a:gs pos="50000">
+              <a:schemeClr val="phClr">
+                <a:tint val="98000"/>
+                <a:satMod val="130000"/>
+                <a:shade val="90000"/>
+                <a:lumMod val="103000"/>
+              </a:schemeClr>
+            </a:gs>
+            <a:gs pos="100000">
+              <a:schemeClr val="phClr">
+                <a:shade val="63000"/>
+                <a:satMod val="120000"/>
+              </a:schemeClr>
+            </a:gs>
+          </a:gsLst>
+          <a:lin ang="5400000" scaled="0"/>
+        </a:gradFill>
+      </a:bgFillStyleLst>
+    </a:fmtScheme>
+  </a:themeElements>
+  <a:objectDefaults>
+    <a:lnDef>
+      <a:spPr/>
+      <a:bodyPr/>
+      <a:lstStyle/>
+      <a:style>
+        <a:lnRef idx="2">
+          <a:schemeClr val="accent1"/>
+        </a:lnRef>
+        <a:fillRef idx="0">
+          <a:schemeClr val="accent1"/>
+        </a:fillRef>
+        <a:effectRef idx="1">
+          <a:schemeClr val="accent1"/>
+        </a:effectRef>
+        <a:fontRef idx="minor">
+          <a:schemeClr val="tx1"/>
+        </a:fontRef>
+      </a:style>
+    </a:lnDef>
+  </a:objectDefaults>
+  <a:extraClrSchemeLst/>
+  <a:extLst>
+    <a:ext uri="{05A4C25C-085E-4340-85A3-A5531E510DB2}">
+      <thm15:themeFamily xmlns:thm15="http://schemas.microsoft.com/office/thememl/2012/main" name="Office Theme" id="{2E142A2C-CD16-42D6-873A-C26D2A0506FA}" vid="{1BDDFF52-6CD6-40A5-AB3C-68EB2F1E4D0A}"/>
+    </a:ext>
+  </a:extLst>
+</a:theme>
 </file>
--- a/doc/13_外部設計/famiLink 画面デザイン.pptx
+++ b/doc/13_外部設計/famiLink 画面デザイン.pptx
@@ -8516,7 +8516,7 @@
         <p:spPr>
           <a:xfrm>
             <a:off x="1391264" y="2413337"/>
-            <a:ext cx="9409471" cy="2031325"/>
+            <a:ext cx="9409471" cy="2862322"/>
           </a:xfrm>
           <a:prstGeom prst="rect">
             <a:avLst/>
@@ -8742,7 +8742,79 @@
               </a:rPr>
               <a:t>(PLUS DOJO). All rights reserved.</a:t>
             </a:r>
-            <a:endParaRPr lang="ja-JP" altLang="en-US" dirty="0"/>
+          </a:p>
+          <a:p>
+            <a:endParaRPr lang="en-US" altLang="ja-JP" b="0" i="0" dirty="0">
+              <a:solidFill>
+                <a:srgbClr val="1D1C1D"/>
+              </a:solidFill>
+              <a:effectLst/>
+              <a:highlight>
+                <a:srgbClr val="F8F8F8"/>
+              </a:highlight>
+              <a:latin typeface="NotoSansJP"/>
+            </a:endParaRPr>
+          </a:p>
+          <a:p>
+            <a:r>
+              <a:rPr lang="ja-JP" altLang="en-US" dirty="0">
+                <a:solidFill>
+                  <a:srgbClr val="1D1C1D"/>
+                </a:solidFill>
+                <a:highlight>
+                  <a:srgbClr val="F8F8F8"/>
+                </a:highlight>
+                <a:latin typeface="NotoSansJP"/>
+              </a:rPr>
+              <a:t>・薄いピンク→</a:t>
+            </a:r>
+            <a:r>
+              <a:rPr lang="en-US" altLang="ja-JP" dirty="0">
+                <a:solidFill>
+                  <a:srgbClr val="1D1C1D"/>
+                </a:solidFill>
+                <a:highlight>
+                  <a:srgbClr val="F8F8F8"/>
+                </a:highlight>
+                <a:latin typeface="NotoSansJP"/>
+              </a:rPr>
+              <a:t>#f3b4ab</a:t>
+            </a:r>
+          </a:p>
+          <a:p>
+            <a:r>
+              <a:rPr lang="ja-JP" altLang="en-US" dirty="0">
+                <a:solidFill>
+                  <a:srgbClr val="1D1C1D"/>
+                </a:solidFill>
+                <a:highlight>
+                  <a:srgbClr val="F8F8F8"/>
+                </a:highlight>
+                <a:latin typeface="NotoSansJP"/>
+              </a:rPr>
+              <a:t>・薄い青→</a:t>
+            </a:r>
+            <a:r>
+              <a:rPr lang="en-US" altLang="ja-JP">
+                <a:solidFill>
+                  <a:srgbClr val="1D1C1D"/>
+                </a:solidFill>
+                <a:highlight>
+                  <a:srgbClr val="F8F8F8"/>
+                </a:highlight>
+                <a:latin typeface="NotoSansJP"/>
+              </a:rPr>
+              <a:t>#c6d7e4</a:t>
+            </a:r>
+            <a:endParaRPr lang="en-US" altLang="ja-JP" dirty="0">
+              <a:solidFill>
+                <a:srgbClr val="1D1C1D"/>
+              </a:solidFill>
+              <a:highlight>
+                <a:srgbClr val="F8F8F8"/>
+              </a:highlight>
+              <a:latin typeface="NotoSansJP"/>
+            </a:endParaRPr>
           </a:p>
         </p:txBody>
       </p:sp>

--- a/doc/13_外部設計/famiLink 画面デザイン.pptx
+++ b/doc/13_外部設計/famiLink 画面デザイン.pptx
@@ -5,7 +5,7 @@
     <p:sldMasterId id="2147483660" r:id="rId1"/>
   </p:sldMasterIdLst>
   <p:notesMasterIdLst>
-    <p:notesMasterId r:id="rId9"/>
+    <p:notesMasterId r:id="rId10"/>
   </p:notesMasterIdLst>
   <p:sldIdLst>
     <p:sldId id="264" r:id="rId2"/>
@@ -13,8 +13,9 @@
     <p:sldId id="259" r:id="rId4"/>
     <p:sldId id="261" r:id="rId5"/>
     <p:sldId id="262" r:id="rId6"/>
-    <p:sldId id="257" r:id="rId7"/>
-    <p:sldId id="260" r:id="rId8"/>
+    <p:sldId id="268" r:id="rId7"/>
+    <p:sldId id="257" r:id="rId8"/>
+    <p:sldId id="260" r:id="rId9"/>
   </p:sldIdLst>
   <p:sldSz cx="12192000" cy="6858000"/>
   <p:notesSz cx="6858000" cy="9144000"/>
@@ -133,7 +134,9 @@
           </p14:sldIdLst>
         </p14:section>
         <p14:section name="マニュアル" id="{E60201F6-9C11-4F1F-94AA-860ECBDFF850}">
-          <p14:sldIdLst/>
+          <p14:sldIdLst>
+            <p14:sldId id="268"/>
+          </p14:sldIdLst>
         </p14:section>
         <p14:section name="タスクマネジメント" id="{12747FD5-C46E-49D4-AC69-2F7FD4C30506}">
           <p14:sldIdLst/>
@@ -620,6 +623,93 @@
     <p:extLst>
       <p:ext uri="{BB962C8B-B14F-4D97-AF65-F5344CB8AC3E}">
         <p14:creationId xmlns:p14="http://schemas.microsoft.com/office/powerpoint/2010/main" val="2720662781"/>
+      </p:ext>
+    </p:extLst>
+  </p:cSld>
+  <p:clrMapOvr>
+    <a:masterClrMapping/>
+  </p:clrMapOvr>
+</p:notes>
+</file>
+
+<file path=ppt/notesSlides/notesSlide2.xml><?xml version="1.0" encoding="utf-8"?>
+<p:notes xmlns:a="http://schemas.openxmlformats.org/drawingml/2006/main" xmlns:r="http://schemas.openxmlformats.org/officeDocument/2006/relationships" xmlns:p="http://schemas.openxmlformats.org/presentationml/2006/main">
+  <p:cSld>
+    <p:spTree>
+      <p:nvGrpSpPr>
+        <p:cNvPr id="1" name=""/>
+        <p:cNvGrpSpPr/>
+        <p:nvPr/>
+      </p:nvGrpSpPr>
+      <p:grpSpPr>
+        <a:xfrm>
+          <a:off x="0" y="0"/>
+          <a:ext cx="0" cy="0"/>
+          <a:chOff x="0" y="0"/>
+          <a:chExt cx="0" cy="0"/>
+        </a:xfrm>
+      </p:grpSpPr>
+      <p:sp>
+        <p:nvSpPr>
+          <p:cNvPr id="2" name="スライド イメージ プレースホルダー 1"/>
+          <p:cNvSpPr>
+            <a:spLocks noGrp="1" noRot="1" noChangeAspect="1"/>
+          </p:cNvSpPr>
+          <p:nvPr>
+            <p:ph type="sldImg"/>
+          </p:nvPr>
+        </p:nvSpPr>
+        <p:spPr/>
+      </p:sp>
+      <p:sp>
+        <p:nvSpPr>
+          <p:cNvPr id="3" name="ノート プレースホルダー 2"/>
+          <p:cNvSpPr>
+            <a:spLocks noGrp="1"/>
+          </p:cNvSpPr>
+          <p:nvPr>
+            <p:ph type="body" idx="1"/>
+          </p:nvPr>
+        </p:nvSpPr>
+        <p:spPr/>
+        <p:txBody>
+          <a:bodyPr/>
+          <a:lstStyle/>
+          <a:p>
+            <a:r>
+              <a:rPr kumimoji="1" lang="ja-JP" altLang="en-US" dirty="0"/>
+              <a:t>マニュアル一覧</a:t>
+            </a:r>
+          </a:p>
+        </p:txBody>
+      </p:sp>
+      <p:sp>
+        <p:nvSpPr>
+          <p:cNvPr id="4" name="スライド番号プレースホルダー 3"/>
+          <p:cNvSpPr>
+            <a:spLocks noGrp="1"/>
+          </p:cNvSpPr>
+          <p:nvPr>
+            <p:ph type="sldNum" sz="quarter" idx="5"/>
+          </p:nvPr>
+        </p:nvSpPr>
+        <p:spPr/>
+        <p:txBody>
+          <a:bodyPr/>
+          <a:lstStyle/>
+          <a:p>
+            <a:fld id="{2065F3AF-433A-438B-9EB1-8B8EFDF3B785}" type="slidenum">
+              <a:rPr kumimoji="1" lang="ja-JP" altLang="en-US" smtClean="0"/>
+              <a:t>6</a:t>
+            </a:fld>
+            <a:endParaRPr kumimoji="1" lang="ja-JP" altLang="en-US"/>
+          </a:p>
+        </p:txBody>
+      </p:sp>
+    </p:spTree>
+    <p:extLst>
+      <p:ext uri="{BB962C8B-B14F-4D97-AF65-F5344CB8AC3E}">
+        <p14:creationId xmlns:p14="http://schemas.microsoft.com/office/powerpoint/2010/main" val="11527168"/>
       </p:ext>
     </p:extLst>
   </p:cSld>
@@ -8441,12 +8531,64 @@
           <a:chExt cx="0" cy="0"/>
         </a:xfrm>
       </p:grpSpPr>
+      <p:sp>
+        <p:nvSpPr>
+          <p:cNvPr id="7" name="正方形/長方形 6">
+            <a:extLst>
+              <a:ext uri="{FF2B5EF4-FFF2-40B4-BE49-F238E27FC236}">
+                <a16:creationId xmlns:a16="http://schemas.microsoft.com/office/drawing/2014/main" id="{3830DDF9-5B12-DDDD-082C-AF3BF586F355}"/>
+              </a:ext>
+            </a:extLst>
+          </p:cNvPr>
+          <p:cNvSpPr/>
+          <p:nvPr/>
+        </p:nvSpPr>
+        <p:spPr>
+          <a:xfrm>
+            <a:off x="0" y="0"/>
+            <a:ext cx="12192000" cy="1386348"/>
+          </a:xfrm>
+          <a:prstGeom prst="rect">
+            <a:avLst/>
+          </a:prstGeom>
+          <a:solidFill>
+            <a:srgbClr val="F5F5F5"/>
+          </a:solidFill>
+          <a:ln>
+            <a:noFill/>
+          </a:ln>
+        </p:spPr>
+        <p:style>
+          <a:lnRef idx="2">
+            <a:schemeClr val="accent1">
+              <a:shade val="15000"/>
+            </a:schemeClr>
+          </a:lnRef>
+          <a:fillRef idx="1">
+            <a:schemeClr val="accent1"/>
+          </a:fillRef>
+          <a:effectRef idx="0">
+            <a:schemeClr val="accent1"/>
+          </a:effectRef>
+          <a:fontRef idx="minor">
+            <a:schemeClr val="lt1"/>
+          </a:fontRef>
+        </p:style>
+        <p:txBody>
+          <a:bodyPr rtlCol="0" anchor="ctr"/>
+          <a:lstStyle/>
+          <a:p>
+            <a:pPr algn="ctr"/>
+            <a:endParaRPr kumimoji="1" lang="ja-JP" altLang="en-US"/>
+          </a:p>
+        </p:txBody>
+      </p:sp>
       <p:pic>
         <p:nvPicPr>
-          <p:cNvPr id="2" name="図 1">
+          <p:cNvPr id="5" name="図 4" descr="ロゴ&#10;&#10;中程度の精度で自動的に生成された説明">
             <a:extLst>
               <a:ext uri="{FF2B5EF4-FFF2-40B4-BE49-F238E27FC236}">
-                <a16:creationId xmlns:a16="http://schemas.microsoft.com/office/drawing/2014/main" id="{FD9850D3-BDA5-6308-F9E1-61D295DF3FB2}"/>
+                <a16:creationId xmlns:a16="http://schemas.microsoft.com/office/drawing/2014/main" id="{B9A39F28-1EBD-1E84-D159-443CA1B611CF}"/>
               </a:ext>
             </a:extLst>
           </p:cNvPr>
@@ -8455,26 +8597,662 @@
           </p:cNvPicPr>
           <p:nvPr/>
         </p:nvPicPr>
-        <p:blipFill>
-          <a:blip r:embed="rId2"/>
-          <a:stretch>
-            <a:fillRect/>
-          </a:stretch>
+        <p:blipFill rotWithShape="1">
+          <a:blip r:embed="rId3">
+            <a:extLst>
+              <a:ext uri="{28A0092B-C50C-407E-A947-70E740481C1C}">
+                <a14:useLocalDpi xmlns:a14="http://schemas.microsoft.com/office/drawing/2010/main" val="0"/>
+              </a:ext>
+            </a:extLst>
+          </a:blip>
+          <a:srcRect l="14562" t="11298" b="30517"/>
+          <a:stretch/>
         </p:blipFill>
         <p:spPr>
           <a:xfrm>
-            <a:off x="412955" y="156700"/>
-            <a:ext cx="11071123" cy="6227507"/>
+            <a:off x="4826940" y="196644"/>
+            <a:ext cx="2538120" cy="1012723"/>
           </a:xfrm>
           <a:prstGeom prst="rect">
             <a:avLst/>
           </a:prstGeom>
         </p:spPr>
       </p:pic>
+      <p:sp>
+        <p:nvSpPr>
+          <p:cNvPr id="14" name="正方形/長方形 13">
+            <a:extLst>
+              <a:ext uri="{FF2B5EF4-FFF2-40B4-BE49-F238E27FC236}">
+                <a16:creationId xmlns:a16="http://schemas.microsoft.com/office/drawing/2014/main" id="{52192687-6E27-88C8-ED3C-4F58ED7237DC}"/>
+              </a:ext>
+            </a:extLst>
+          </p:cNvPr>
+          <p:cNvSpPr/>
+          <p:nvPr/>
+        </p:nvSpPr>
+        <p:spPr>
+          <a:xfrm>
+            <a:off x="0" y="6459794"/>
+            <a:ext cx="12192000" cy="398206"/>
+          </a:xfrm>
+          <a:prstGeom prst="rect">
+            <a:avLst/>
+          </a:prstGeom>
+          <a:solidFill>
+            <a:srgbClr val="F5F5F5"/>
+          </a:solidFill>
+          <a:ln>
+            <a:noFill/>
+          </a:ln>
+        </p:spPr>
+        <p:style>
+          <a:lnRef idx="2">
+            <a:schemeClr val="accent1">
+              <a:shade val="15000"/>
+            </a:schemeClr>
+          </a:lnRef>
+          <a:fillRef idx="1">
+            <a:schemeClr val="accent1"/>
+          </a:fillRef>
+          <a:effectRef idx="0">
+            <a:schemeClr val="accent1"/>
+          </a:effectRef>
+          <a:fontRef idx="minor">
+            <a:schemeClr val="lt1"/>
+          </a:fontRef>
+        </p:style>
+        <p:txBody>
+          <a:bodyPr rtlCol="0" anchor="ctr"/>
+          <a:lstStyle/>
+          <a:p>
+            <a:pPr algn="ctr"/>
+            <a:endParaRPr kumimoji="1" lang="ja-JP" altLang="en-US"/>
+          </a:p>
+        </p:txBody>
+      </p:sp>
+      <p:grpSp>
+        <p:nvGrpSpPr>
+          <p:cNvPr id="21" name="グループ化 20">
+            <a:extLst>
+              <a:ext uri="{FF2B5EF4-FFF2-40B4-BE49-F238E27FC236}">
+                <a16:creationId xmlns:a16="http://schemas.microsoft.com/office/drawing/2014/main" id="{16808017-801A-53BE-3340-11699E77DC3C}"/>
+              </a:ext>
+            </a:extLst>
+          </p:cNvPr>
+          <p:cNvGrpSpPr/>
+          <p:nvPr/>
+        </p:nvGrpSpPr>
+        <p:grpSpPr>
+          <a:xfrm>
+            <a:off x="317581" y="277924"/>
+            <a:ext cx="924233" cy="1234235"/>
+            <a:chOff x="266781" y="196644"/>
+            <a:chExt cx="924233" cy="1234235"/>
+          </a:xfrm>
+        </p:grpSpPr>
+        <p:sp>
+          <p:nvSpPr>
+            <p:cNvPr id="6" name="フローチャート: 結合子 5">
+              <a:extLst>
+                <a:ext uri="{FF2B5EF4-FFF2-40B4-BE49-F238E27FC236}">
+                  <a16:creationId xmlns:a16="http://schemas.microsoft.com/office/drawing/2014/main" id="{760B2358-0756-5D93-6C4A-D5FC31E04F76}"/>
+                </a:ext>
+              </a:extLst>
+            </p:cNvPr>
+            <p:cNvSpPr/>
+            <p:nvPr/>
+          </p:nvSpPr>
+          <p:spPr>
+            <a:xfrm>
+              <a:off x="266781" y="196644"/>
+              <a:ext cx="924233" cy="924233"/>
+            </a:xfrm>
+            <a:prstGeom prst="flowChartConnector">
+              <a:avLst/>
+            </a:prstGeom>
+            <a:noFill/>
+            <a:ln w="28575">
+              <a:solidFill>
+                <a:srgbClr val="EA7B6B"/>
+              </a:solidFill>
+            </a:ln>
+          </p:spPr>
+          <p:style>
+            <a:lnRef idx="2">
+              <a:schemeClr val="accent1">
+                <a:shade val="15000"/>
+              </a:schemeClr>
+            </a:lnRef>
+            <a:fillRef idx="1">
+              <a:schemeClr val="accent1"/>
+            </a:fillRef>
+            <a:effectRef idx="0">
+              <a:schemeClr val="accent1"/>
+            </a:effectRef>
+            <a:fontRef idx="minor">
+              <a:schemeClr val="lt1"/>
+            </a:fontRef>
+          </p:style>
+          <p:txBody>
+            <a:bodyPr rtlCol="0" anchor="ctr"/>
+            <a:lstStyle/>
+            <a:p>
+              <a:pPr algn="ctr"/>
+              <a:endParaRPr kumimoji="1" lang="ja-JP" altLang="en-US"/>
+            </a:p>
+          </p:txBody>
+        </p:sp>
+        <p:sp>
+          <p:nvSpPr>
+            <p:cNvPr id="15" name="フローチャート: 結合子 14">
+              <a:extLst>
+                <a:ext uri="{FF2B5EF4-FFF2-40B4-BE49-F238E27FC236}">
+                  <a16:creationId xmlns:a16="http://schemas.microsoft.com/office/drawing/2014/main" id="{D05A29E2-273E-D3FB-A6C2-839C27DA4BB8}"/>
+                </a:ext>
+              </a:extLst>
+            </p:cNvPr>
+            <p:cNvSpPr/>
+            <p:nvPr/>
+          </p:nvSpPr>
+          <p:spPr>
+            <a:xfrm>
+              <a:off x="545771" y="319548"/>
+              <a:ext cx="366250" cy="349044"/>
+            </a:xfrm>
+            <a:prstGeom prst="flowChartConnector">
+              <a:avLst/>
+            </a:prstGeom>
+            <a:noFill/>
+            <a:ln w="28575">
+              <a:solidFill>
+                <a:srgbClr val="EA7B6B"/>
+              </a:solidFill>
+            </a:ln>
+          </p:spPr>
+          <p:style>
+            <a:lnRef idx="2">
+              <a:schemeClr val="accent1">
+                <a:shade val="15000"/>
+              </a:schemeClr>
+            </a:lnRef>
+            <a:fillRef idx="1">
+              <a:schemeClr val="accent1"/>
+            </a:fillRef>
+            <a:effectRef idx="0">
+              <a:schemeClr val="accent1"/>
+            </a:effectRef>
+            <a:fontRef idx="minor">
+              <a:schemeClr val="lt1"/>
+            </a:fontRef>
+          </p:style>
+          <p:txBody>
+            <a:bodyPr rtlCol="0" anchor="ctr"/>
+            <a:lstStyle/>
+            <a:p>
+              <a:pPr algn="ctr"/>
+              <a:endParaRPr kumimoji="1" lang="ja-JP" altLang="en-US"/>
+            </a:p>
+          </p:txBody>
+        </p:sp>
+        <p:sp>
+          <p:nvSpPr>
+            <p:cNvPr id="16" name="円弧 15">
+              <a:extLst>
+                <a:ext uri="{FF2B5EF4-FFF2-40B4-BE49-F238E27FC236}">
+                  <a16:creationId xmlns:a16="http://schemas.microsoft.com/office/drawing/2014/main" id="{24D54118-16BA-E4E7-2C10-DC055B34DBCF}"/>
+                </a:ext>
+              </a:extLst>
+            </p:cNvPr>
+            <p:cNvSpPr/>
+            <p:nvPr/>
+          </p:nvSpPr>
+          <p:spPr>
+            <a:xfrm rot="19079286">
+              <a:off x="374934" y="732788"/>
+              <a:ext cx="707924" cy="698091"/>
+            </a:xfrm>
+            <a:prstGeom prst="arc">
+              <a:avLst/>
+            </a:prstGeom>
+            <a:ln w="28575">
+              <a:solidFill>
+                <a:srgbClr val="EA7B6B"/>
+              </a:solidFill>
+            </a:ln>
+          </p:spPr>
+          <p:style>
+            <a:lnRef idx="1">
+              <a:schemeClr val="accent1"/>
+            </a:lnRef>
+            <a:fillRef idx="0">
+              <a:schemeClr val="accent1"/>
+            </a:fillRef>
+            <a:effectRef idx="0">
+              <a:schemeClr val="accent1"/>
+            </a:effectRef>
+            <a:fontRef idx="minor">
+              <a:schemeClr val="tx1"/>
+            </a:fontRef>
+          </p:style>
+          <p:txBody>
+            <a:bodyPr rtlCol="0" anchor="ctr"/>
+            <a:lstStyle/>
+            <a:p>
+              <a:pPr algn="ctr"/>
+              <a:endParaRPr kumimoji="1" lang="ja-JP" altLang="en-US"/>
+            </a:p>
+          </p:txBody>
+        </p:sp>
+      </p:grpSp>
+      <p:sp>
+        <p:nvSpPr>
+          <p:cNvPr id="20" name="テキスト ボックス 19">
+            <a:extLst>
+              <a:ext uri="{FF2B5EF4-FFF2-40B4-BE49-F238E27FC236}">
+                <a16:creationId xmlns:a16="http://schemas.microsoft.com/office/drawing/2014/main" id="{93D16964-E0C9-2363-48DD-3B661653827D}"/>
+              </a:ext>
+            </a:extLst>
+          </p:cNvPr>
+          <p:cNvSpPr txBox="1"/>
+          <p:nvPr/>
+        </p:nvSpPr>
+        <p:spPr>
+          <a:xfrm>
+            <a:off x="9558094" y="806695"/>
+            <a:ext cx="2401617" cy="461665"/>
+          </a:xfrm>
+          <a:prstGeom prst="rect">
+            <a:avLst/>
+          </a:prstGeom>
+          <a:noFill/>
+        </p:spPr>
+        <p:txBody>
+          <a:bodyPr wrap="square" rtlCol="0">
+            <a:spAutoFit/>
+          </a:bodyPr>
+          <a:lstStyle/>
+          <a:p>
+            <a:r>
+              <a:rPr kumimoji="1" lang="en-US" altLang="ja-JP" sz="2400" dirty="0">
+                <a:solidFill>
+                  <a:srgbClr val="001746"/>
+                </a:solidFill>
+                <a:latin typeface="Kristen ITC" panose="03050502040202030202" pitchFamily="66" charset="0"/>
+              </a:rPr>
+              <a:t>2024/06/07 (Fri)</a:t>
+            </a:r>
+            <a:endParaRPr kumimoji="1" lang="ja-JP" altLang="en-US" sz="2400" dirty="0">
+              <a:solidFill>
+                <a:srgbClr val="001746"/>
+              </a:solidFill>
+              <a:latin typeface="Kristen ITC" panose="03050502040202030202" pitchFamily="66" charset="0"/>
+            </a:endParaRPr>
+          </a:p>
+        </p:txBody>
+      </p:sp>
+      <p:sp>
+        <p:nvSpPr>
+          <p:cNvPr id="22" name="テキスト ボックス 21">
+            <a:extLst>
+              <a:ext uri="{FF2B5EF4-FFF2-40B4-BE49-F238E27FC236}">
+                <a16:creationId xmlns:a16="http://schemas.microsoft.com/office/drawing/2014/main" id="{71CC734F-A1B3-457D-DBDD-64EF65974439}"/>
+              </a:ext>
+            </a:extLst>
+          </p:cNvPr>
+          <p:cNvSpPr txBox="1"/>
+          <p:nvPr/>
+        </p:nvSpPr>
+        <p:spPr>
+          <a:xfrm>
+            <a:off x="3541852" y="6505008"/>
+            <a:ext cx="5965484" cy="307777"/>
+          </a:xfrm>
+          <a:prstGeom prst="rect">
+            <a:avLst/>
+          </a:prstGeom>
+          <a:noFill/>
+        </p:spPr>
+        <p:txBody>
+          <a:bodyPr wrap="square" rtlCol="0">
+            <a:spAutoFit/>
+          </a:bodyPr>
+          <a:lstStyle/>
+          <a:p>
+            <a:r>
+              <a:rPr kumimoji="1" lang="en-US" altLang="ja-JP" sz="1400" dirty="0">
+                <a:solidFill>
+                  <a:srgbClr val="001746"/>
+                </a:solidFill>
+              </a:rPr>
+              <a:t>Copyright </a:t>
+            </a:r>
+            <a:r>
+              <a:rPr kumimoji="1" lang="en-US" altLang="ja-JP" sz="1400" dirty="0" err="1">
+                <a:solidFill>
+                  <a:srgbClr val="001746"/>
+                </a:solidFill>
+              </a:rPr>
+              <a:t>paraparaChahan</a:t>
+            </a:r>
+            <a:r>
+              <a:rPr kumimoji="1" lang="en-US" altLang="ja-JP" sz="1400" dirty="0">
+                <a:solidFill>
+                  <a:srgbClr val="001746"/>
+                </a:solidFill>
+              </a:rPr>
+              <a:t>(PLUS DOJO). All rights reserved.</a:t>
+            </a:r>
+            <a:endParaRPr kumimoji="1" lang="ja-JP" altLang="en-US" sz="1400" dirty="0">
+              <a:solidFill>
+                <a:srgbClr val="001746"/>
+              </a:solidFill>
+            </a:endParaRPr>
+          </a:p>
+        </p:txBody>
+      </p:sp>
+      <p:sp>
+        <p:nvSpPr>
+          <p:cNvPr id="2" name="四角形: 角を丸くする 1">
+            <a:extLst>
+              <a:ext uri="{FF2B5EF4-FFF2-40B4-BE49-F238E27FC236}">
+                <a16:creationId xmlns:a16="http://schemas.microsoft.com/office/drawing/2014/main" id="{C34B1011-4B1D-9558-1F21-18B89CC61072}"/>
+              </a:ext>
+            </a:extLst>
+          </p:cNvPr>
+          <p:cNvSpPr/>
+          <p:nvPr/>
+        </p:nvSpPr>
+        <p:spPr>
+          <a:xfrm>
+            <a:off x="3541852" y="2207293"/>
+            <a:ext cx="5351065" cy="1064900"/>
+          </a:xfrm>
+          <a:prstGeom prst="roundRect">
+            <a:avLst/>
+          </a:prstGeom>
+          <a:solidFill>
+            <a:srgbClr val="F3B4AB"/>
+          </a:solidFill>
+          <a:ln w="57150">
+            <a:noFill/>
+          </a:ln>
+        </p:spPr>
+        <p:style>
+          <a:lnRef idx="2">
+            <a:schemeClr val="accent1">
+              <a:shade val="15000"/>
+            </a:schemeClr>
+          </a:lnRef>
+          <a:fillRef idx="1">
+            <a:schemeClr val="accent1"/>
+          </a:fillRef>
+          <a:effectRef idx="0">
+            <a:schemeClr val="accent1"/>
+          </a:effectRef>
+          <a:fontRef idx="minor">
+            <a:schemeClr val="lt1"/>
+          </a:fontRef>
+        </p:style>
+        <p:txBody>
+          <a:bodyPr rtlCol="0" anchor="ctr"/>
+          <a:lstStyle/>
+          <a:p>
+            <a:pPr algn="ctr"/>
+            <a:r>
+              <a:rPr lang="ja-JP" altLang="en-US" sz="3200" dirty="0">
+                <a:solidFill>
+                  <a:schemeClr val="bg1"/>
+                </a:solidFill>
+                <a:latin typeface="UD デジタル 教科書体 NP-B" panose="02020700000000000000" pitchFamily="18" charset="-128"/>
+                <a:ea typeface="UD デジタル 教科書体 NP-B" panose="02020700000000000000" pitchFamily="18" charset="-128"/>
+              </a:rPr>
+              <a:t>お風呂掃除</a:t>
+            </a:r>
+            <a:endParaRPr kumimoji="1" lang="ja-JP" altLang="en-US" sz="3200" dirty="0">
+              <a:solidFill>
+                <a:schemeClr val="bg1"/>
+              </a:solidFill>
+              <a:latin typeface="UD デジタル 教科書体 NP-B" panose="02020700000000000000" pitchFamily="18" charset="-128"/>
+              <a:ea typeface="UD デジタル 教科書体 NP-B" panose="02020700000000000000" pitchFamily="18" charset="-128"/>
+            </a:endParaRPr>
+          </a:p>
+        </p:txBody>
+      </p:sp>
+      <p:sp>
+        <p:nvSpPr>
+          <p:cNvPr id="4" name="四角形: 角を丸くする 3">
+            <a:extLst>
+              <a:ext uri="{FF2B5EF4-FFF2-40B4-BE49-F238E27FC236}">
+                <a16:creationId xmlns:a16="http://schemas.microsoft.com/office/drawing/2014/main" id="{FB78DCA7-D19B-809C-27D2-E91F1C9D4D13}"/>
+              </a:ext>
+            </a:extLst>
+          </p:cNvPr>
+          <p:cNvSpPr/>
+          <p:nvPr/>
+        </p:nvSpPr>
+        <p:spPr>
+          <a:xfrm>
+            <a:off x="3541852" y="3708934"/>
+            <a:ext cx="5351065" cy="1064900"/>
+          </a:xfrm>
+          <a:prstGeom prst="roundRect">
+            <a:avLst/>
+          </a:prstGeom>
+          <a:solidFill>
+            <a:srgbClr val="F3B4AB"/>
+          </a:solidFill>
+          <a:ln w="57150">
+            <a:noFill/>
+          </a:ln>
+        </p:spPr>
+        <p:style>
+          <a:lnRef idx="2">
+            <a:schemeClr val="accent1">
+              <a:shade val="15000"/>
+            </a:schemeClr>
+          </a:lnRef>
+          <a:fillRef idx="1">
+            <a:schemeClr val="accent1"/>
+          </a:fillRef>
+          <a:effectRef idx="0">
+            <a:schemeClr val="accent1"/>
+          </a:effectRef>
+          <a:fontRef idx="minor">
+            <a:schemeClr val="lt1"/>
+          </a:fontRef>
+        </p:style>
+        <p:txBody>
+          <a:bodyPr rtlCol="0" anchor="ctr"/>
+          <a:lstStyle/>
+          <a:p>
+            <a:pPr algn="ctr"/>
+            <a:r>
+              <a:rPr lang="ja-JP" altLang="en-US" sz="3200" dirty="0">
+                <a:solidFill>
+                  <a:schemeClr val="bg1"/>
+                </a:solidFill>
+                <a:latin typeface="UD デジタル 教科書体 NP-B" panose="02020700000000000000" pitchFamily="18" charset="-128"/>
+                <a:ea typeface="UD デジタル 教科書体 NP-B" panose="02020700000000000000" pitchFamily="18" charset="-128"/>
+              </a:rPr>
+              <a:t>洗濯</a:t>
+            </a:r>
+            <a:endParaRPr kumimoji="1" lang="ja-JP" altLang="en-US" sz="3200" dirty="0">
+              <a:solidFill>
+                <a:schemeClr val="bg1"/>
+              </a:solidFill>
+              <a:latin typeface="UD デジタル 教科書体 NP-B" panose="02020700000000000000" pitchFamily="18" charset="-128"/>
+              <a:ea typeface="UD デジタル 教科書体 NP-B" panose="02020700000000000000" pitchFamily="18" charset="-128"/>
+            </a:endParaRPr>
+          </a:p>
+        </p:txBody>
+      </p:sp>
+      <p:sp>
+        <p:nvSpPr>
+          <p:cNvPr id="9" name="四角形: 角を丸くする 8">
+            <a:extLst>
+              <a:ext uri="{FF2B5EF4-FFF2-40B4-BE49-F238E27FC236}">
+                <a16:creationId xmlns:a16="http://schemas.microsoft.com/office/drawing/2014/main" id="{8005F220-F29F-B211-03FA-E988F51D986E}"/>
+              </a:ext>
+            </a:extLst>
+          </p:cNvPr>
+          <p:cNvSpPr/>
+          <p:nvPr/>
+        </p:nvSpPr>
+        <p:spPr>
+          <a:xfrm>
+            <a:off x="3541852" y="5217913"/>
+            <a:ext cx="5351065" cy="1064900"/>
+          </a:xfrm>
+          <a:prstGeom prst="roundRect">
+            <a:avLst/>
+          </a:prstGeom>
+          <a:solidFill>
+            <a:srgbClr val="F3B4AB"/>
+          </a:solidFill>
+          <a:ln w="57150">
+            <a:noFill/>
+          </a:ln>
+        </p:spPr>
+        <p:style>
+          <a:lnRef idx="2">
+            <a:schemeClr val="accent1">
+              <a:shade val="15000"/>
+            </a:schemeClr>
+          </a:lnRef>
+          <a:fillRef idx="1">
+            <a:schemeClr val="accent1"/>
+          </a:fillRef>
+          <a:effectRef idx="0">
+            <a:schemeClr val="accent1"/>
+          </a:effectRef>
+          <a:fontRef idx="minor">
+            <a:schemeClr val="lt1"/>
+          </a:fontRef>
+        </p:style>
+        <p:txBody>
+          <a:bodyPr rtlCol="0" anchor="ctr"/>
+          <a:lstStyle/>
+          <a:p>
+            <a:pPr algn="ctr"/>
+            <a:r>
+              <a:rPr lang="ja-JP" altLang="en-US" sz="3200" dirty="0">
+                <a:solidFill>
+                  <a:schemeClr val="bg1"/>
+                </a:solidFill>
+                <a:latin typeface="UD デジタル 教科書体 NP-B" panose="02020700000000000000" pitchFamily="18" charset="-128"/>
+                <a:ea typeface="UD デジタル 教科書体 NP-B" panose="02020700000000000000" pitchFamily="18" charset="-128"/>
+              </a:rPr>
+              <a:t>棚の整理</a:t>
+            </a:r>
+            <a:endParaRPr kumimoji="1" lang="ja-JP" altLang="en-US" sz="3200" dirty="0">
+              <a:solidFill>
+                <a:schemeClr val="bg1"/>
+              </a:solidFill>
+              <a:latin typeface="UD デジタル 教科書体 NP-B" panose="02020700000000000000" pitchFamily="18" charset="-128"/>
+              <a:ea typeface="UD デジタル 教科書体 NP-B" panose="02020700000000000000" pitchFamily="18" charset="-128"/>
+            </a:endParaRPr>
+          </a:p>
+        </p:txBody>
+      </p:sp>
+      <p:sp>
+        <p:nvSpPr>
+          <p:cNvPr id="23" name="テキスト ボックス 22">
+            <a:extLst>
+              <a:ext uri="{FF2B5EF4-FFF2-40B4-BE49-F238E27FC236}">
+                <a16:creationId xmlns:a16="http://schemas.microsoft.com/office/drawing/2014/main" id="{8F4BB073-5E0F-FE16-24FD-A82E5F7200E6}"/>
+              </a:ext>
+            </a:extLst>
+          </p:cNvPr>
+          <p:cNvSpPr txBox="1"/>
+          <p:nvPr/>
+        </p:nvSpPr>
+        <p:spPr>
+          <a:xfrm>
+            <a:off x="4313903" y="1554670"/>
+            <a:ext cx="3564193" cy="461665"/>
+          </a:xfrm>
+          <a:prstGeom prst="rect">
+            <a:avLst/>
+          </a:prstGeom>
+          <a:noFill/>
+        </p:spPr>
+        <p:txBody>
+          <a:bodyPr wrap="square" rtlCol="0">
+            <a:spAutoFit/>
+          </a:bodyPr>
+          <a:lstStyle/>
+          <a:p>
+            <a:pPr algn="ctr"/>
+            <a:r>
+              <a:rPr kumimoji="1" lang="ja-JP" altLang="en-US" sz="2400" dirty="0">
+                <a:latin typeface="UD デジタル 教科書体 NP-B" panose="02020700000000000000" pitchFamily="18" charset="-128"/>
+                <a:ea typeface="UD デジタル 教科書体 NP-B" panose="02020700000000000000" pitchFamily="18" charset="-128"/>
+              </a:rPr>
+              <a:t>マニュアルリスト</a:t>
+            </a:r>
+          </a:p>
+        </p:txBody>
+      </p:sp>
+      <p:sp>
+        <p:nvSpPr>
+          <p:cNvPr id="25" name="楕円 24">
+            <a:extLst>
+              <a:ext uri="{FF2B5EF4-FFF2-40B4-BE49-F238E27FC236}">
+                <a16:creationId xmlns:a16="http://schemas.microsoft.com/office/drawing/2014/main" id="{8055A589-20E5-ACB7-2C69-A8BCC507CBEC}"/>
+              </a:ext>
+            </a:extLst>
+          </p:cNvPr>
+          <p:cNvSpPr/>
+          <p:nvPr/>
+        </p:nvSpPr>
+        <p:spPr>
+          <a:xfrm>
+            <a:off x="9157202" y="1462636"/>
+            <a:ext cx="700268" cy="668369"/>
+          </a:xfrm>
+          <a:prstGeom prst="ellipse">
+            <a:avLst/>
+          </a:prstGeom>
+          <a:solidFill>
+            <a:srgbClr val="F3B4AB"/>
+          </a:solidFill>
+          <a:ln>
+            <a:noFill/>
+          </a:ln>
+        </p:spPr>
+        <p:style>
+          <a:lnRef idx="2">
+            <a:schemeClr val="accent1">
+              <a:shade val="15000"/>
+            </a:schemeClr>
+          </a:lnRef>
+          <a:fillRef idx="1">
+            <a:schemeClr val="accent1"/>
+          </a:fillRef>
+          <a:effectRef idx="0">
+            <a:schemeClr val="accent1"/>
+          </a:effectRef>
+          <a:fontRef idx="minor">
+            <a:schemeClr val="lt1"/>
+          </a:fontRef>
+        </p:style>
+        <p:txBody>
+          <a:bodyPr rtlCol="0" anchor="ctr"/>
+          <a:lstStyle/>
+          <a:p>
+            <a:pPr algn="ctr"/>
+            <a:r>
+              <a:rPr lang="ja-JP" altLang="en-US" sz="4400" dirty="0"/>
+              <a:t>＋</a:t>
+            </a:r>
+            <a:endParaRPr kumimoji="1" lang="ja-JP" altLang="en-US" sz="4400" dirty="0"/>
+          </a:p>
+        </p:txBody>
+      </p:sp>
     </p:spTree>
     <p:extLst>
       <p:ext uri="{BB962C8B-B14F-4D97-AF65-F5344CB8AC3E}">
-        <p14:creationId xmlns:p14="http://schemas.microsoft.com/office/powerpoint/2010/main" val="451360039"/>
+        <p14:creationId xmlns:p14="http://schemas.microsoft.com/office/powerpoint/2010/main" val="1568324521"/>
       </p:ext>
     </p:extLst>
   </p:cSld>
@@ -8501,6 +9279,66 @@
           <a:chExt cx="0" cy="0"/>
         </a:xfrm>
       </p:grpSpPr>
+      <p:pic>
+        <p:nvPicPr>
+          <p:cNvPr id="2" name="図 1">
+            <a:extLst>
+              <a:ext uri="{FF2B5EF4-FFF2-40B4-BE49-F238E27FC236}">
+                <a16:creationId xmlns:a16="http://schemas.microsoft.com/office/drawing/2014/main" id="{FD9850D3-BDA5-6308-F9E1-61D295DF3FB2}"/>
+              </a:ext>
+            </a:extLst>
+          </p:cNvPr>
+          <p:cNvPicPr>
+            <a:picLocks noChangeAspect="1"/>
+          </p:cNvPicPr>
+          <p:nvPr/>
+        </p:nvPicPr>
+        <p:blipFill>
+          <a:blip r:embed="rId2"/>
+          <a:stretch>
+            <a:fillRect/>
+          </a:stretch>
+        </p:blipFill>
+        <p:spPr>
+          <a:xfrm>
+            <a:off x="412955" y="156700"/>
+            <a:ext cx="11071123" cy="6227507"/>
+          </a:xfrm>
+          <a:prstGeom prst="rect">
+            <a:avLst/>
+          </a:prstGeom>
+        </p:spPr>
+      </p:pic>
+    </p:spTree>
+    <p:extLst>
+      <p:ext uri="{BB962C8B-B14F-4D97-AF65-F5344CB8AC3E}">
+        <p14:creationId xmlns:p14="http://schemas.microsoft.com/office/powerpoint/2010/main" val="451360039"/>
+      </p:ext>
+    </p:extLst>
+  </p:cSld>
+  <p:clrMapOvr>
+    <a:masterClrMapping/>
+  </p:clrMapOvr>
+</p:sld>
+</file>
+
+<file path=ppt/slides/slide8.xml><?xml version="1.0" encoding="utf-8"?>
+<p:sld xmlns:a="http://schemas.openxmlformats.org/drawingml/2006/main" xmlns:r="http://schemas.openxmlformats.org/officeDocument/2006/relationships" xmlns:p="http://schemas.openxmlformats.org/presentationml/2006/main">
+  <p:cSld>
+    <p:spTree>
+      <p:nvGrpSpPr>
+        <p:cNvPr id="1" name=""/>
+        <p:cNvGrpSpPr/>
+        <p:nvPr/>
+      </p:nvGrpSpPr>
+      <p:grpSpPr>
+        <a:xfrm>
+          <a:off x="0" y="0"/>
+          <a:ext cx="0" cy="0"/>
+          <a:chOff x="0" y="0"/>
+          <a:chExt cx="0" cy="0"/>
+        </a:xfrm>
+      </p:grpSpPr>
       <p:sp>
         <p:nvSpPr>
           <p:cNvPr id="3" name="テキスト ボックス 2">
@@ -8795,7 +9633,7 @@
               <a:t>・薄い青→</a:t>
             </a:r>
             <a:r>
-              <a:rPr lang="en-US" altLang="ja-JP">
+              <a:rPr lang="en-US" altLang="ja-JP" dirty="0">
                 <a:solidFill>
                   <a:srgbClr val="1D1C1D"/>
                 </a:solidFill>
@@ -8806,15 +9644,6 @@
               </a:rPr>
               <a:t>#c6d7e4</a:t>
             </a:r>
-            <a:endParaRPr lang="en-US" altLang="ja-JP" dirty="0">
-              <a:solidFill>
-                <a:srgbClr val="1D1C1D"/>
-              </a:solidFill>
-              <a:highlight>
-                <a:srgbClr val="F8F8F8"/>
-              </a:highlight>
-              <a:latin typeface="NotoSansJP"/>
-            </a:endParaRPr>
           </a:p>
         </p:txBody>
       </p:sp>

--- a/doc/13_外部設計/famiLink 画面デザイン.pptx
+++ b/doc/13_外部設計/famiLink 画面デザイン.pptx
@@ -5,7 +5,7 @@
     <p:sldMasterId id="2147483660" r:id="rId1"/>
   </p:sldMasterIdLst>
   <p:notesMasterIdLst>
-    <p:notesMasterId r:id="rId10"/>
+    <p:notesMasterId r:id="rId11"/>
   </p:notesMasterIdLst>
   <p:sldIdLst>
     <p:sldId id="264" r:id="rId2"/>
@@ -14,8 +14,9 @@
     <p:sldId id="261" r:id="rId5"/>
     <p:sldId id="262" r:id="rId6"/>
     <p:sldId id="268" r:id="rId7"/>
-    <p:sldId id="257" r:id="rId8"/>
-    <p:sldId id="260" r:id="rId9"/>
+    <p:sldId id="269" r:id="rId8"/>
+    <p:sldId id="257" r:id="rId9"/>
+    <p:sldId id="260" r:id="rId10"/>
   </p:sldIdLst>
   <p:sldSz cx="12192000" cy="6858000"/>
   <p:notesSz cx="6858000" cy="9144000"/>
@@ -136,6 +137,7 @@
         <p14:section name="マニュアル" id="{E60201F6-9C11-4F1F-94AA-860ECBDFF850}">
           <p14:sldIdLst>
             <p14:sldId id="268"/>
+            <p14:sldId id="269"/>
           </p14:sldIdLst>
         </p14:section>
         <p14:section name="タスクマネジメント" id="{12747FD5-C46E-49D4-AC69-2F7FD4C30506}">
@@ -710,6 +712,93 @@
     <p:extLst>
       <p:ext uri="{BB962C8B-B14F-4D97-AF65-F5344CB8AC3E}">
         <p14:creationId xmlns:p14="http://schemas.microsoft.com/office/powerpoint/2010/main" val="11527168"/>
+      </p:ext>
+    </p:extLst>
+  </p:cSld>
+  <p:clrMapOvr>
+    <a:masterClrMapping/>
+  </p:clrMapOvr>
+</p:notes>
+</file>
+
+<file path=ppt/notesSlides/notesSlide3.xml><?xml version="1.0" encoding="utf-8"?>
+<p:notes xmlns:a="http://schemas.openxmlformats.org/drawingml/2006/main" xmlns:r="http://schemas.openxmlformats.org/officeDocument/2006/relationships" xmlns:p="http://schemas.openxmlformats.org/presentationml/2006/main">
+  <p:cSld>
+    <p:spTree>
+      <p:nvGrpSpPr>
+        <p:cNvPr id="1" name=""/>
+        <p:cNvGrpSpPr/>
+        <p:nvPr/>
+      </p:nvGrpSpPr>
+      <p:grpSpPr>
+        <a:xfrm>
+          <a:off x="0" y="0"/>
+          <a:ext cx="0" cy="0"/>
+          <a:chOff x="0" y="0"/>
+          <a:chExt cx="0" cy="0"/>
+        </a:xfrm>
+      </p:grpSpPr>
+      <p:sp>
+        <p:nvSpPr>
+          <p:cNvPr id="2" name="スライド イメージ プレースホルダー 1"/>
+          <p:cNvSpPr>
+            <a:spLocks noGrp="1" noRot="1" noChangeAspect="1"/>
+          </p:cNvSpPr>
+          <p:nvPr>
+            <p:ph type="sldImg"/>
+          </p:nvPr>
+        </p:nvSpPr>
+        <p:spPr/>
+      </p:sp>
+      <p:sp>
+        <p:nvSpPr>
+          <p:cNvPr id="3" name="ノート プレースホルダー 2"/>
+          <p:cNvSpPr>
+            <a:spLocks noGrp="1"/>
+          </p:cNvSpPr>
+          <p:nvPr>
+            <p:ph type="body" idx="1"/>
+          </p:nvPr>
+        </p:nvSpPr>
+        <p:spPr/>
+        <p:txBody>
+          <a:bodyPr/>
+          <a:lstStyle/>
+          <a:p>
+            <a:r>
+              <a:rPr kumimoji="1" lang="ja-JP" altLang="en-US" dirty="0"/>
+              <a:t>マニュアル検索結果一覧</a:t>
+            </a:r>
+          </a:p>
+        </p:txBody>
+      </p:sp>
+      <p:sp>
+        <p:nvSpPr>
+          <p:cNvPr id="4" name="スライド番号プレースホルダー 3"/>
+          <p:cNvSpPr>
+            <a:spLocks noGrp="1"/>
+          </p:cNvSpPr>
+          <p:nvPr>
+            <p:ph type="sldNum" sz="quarter" idx="5"/>
+          </p:nvPr>
+        </p:nvSpPr>
+        <p:spPr/>
+        <p:txBody>
+          <a:bodyPr/>
+          <a:lstStyle/>
+          <a:p>
+            <a:fld id="{2065F3AF-433A-438B-9EB1-8B8EFDF3B785}" type="slidenum">
+              <a:rPr kumimoji="1" lang="ja-JP" altLang="en-US" smtClean="0"/>
+              <a:t>7</a:t>
+            </a:fld>
+            <a:endParaRPr kumimoji="1" lang="ja-JP" altLang="en-US"/>
+          </a:p>
+        </p:txBody>
+      </p:sp>
+    </p:spTree>
+    <p:extLst>
+      <p:ext uri="{BB962C8B-B14F-4D97-AF65-F5344CB8AC3E}">
+        <p14:creationId xmlns:p14="http://schemas.microsoft.com/office/powerpoint/2010/main" val="3943844029"/>
       </p:ext>
     </p:extLst>
   </p:cSld>
@@ -9279,6 +9368,747 @@
           <a:chExt cx="0" cy="0"/>
         </a:xfrm>
       </p:grpSpPr>
+      <p:sp>
+        <p:nvSpPr>
+          <p:cNvPr id="7" name="正方形/長方形 6">
+            <a:extLst>
+              <a:ext uri="{FF2B5EF4-FFF2-40B4-BE49-F238E27FC236}">
+                <a16:creationId xmlns:a16="http://schemas.microsoft.com/office/drawing/2014/main" id="{3830DDF9-5B12-DDDD-082C-AF3BF586F355}"/>
+              </a:ext>
+            </a:extLst>
+          </p:cNvPr>
+          <p:cNvSpPr/>
+          <p:nvPr/>
+        </p:nvSpPr>
+        <p:spPr>
+          <a:xfrm>
+            <a:off x="0" y="0"/>
+            <a:ext cx="12192000" cy="1386348"/>
+          </a:xfrm>
+          <a:prstGeom prst="rect">
+            <a:avLst/>
+          </a:prstGeom>
+          <a:solidFill>
+            <a:srgbClr val="F5F5F5"/>
+          </a:solidFill>
+          <a:ln>
+            <a:noFill/>
+          </a:ln>
+        </p:spPr>
+        <p:style>
+          <a:lnRef idx="2">
+            <a:schemeClr val="accent1">
+              <a:shade val="15000"/>
+            </a:schemeClr>
+          </a:lnRef>
+          <a:fillRef idx="1">
+            <a:schemeClr val="accent1"/>
+          </a:fillRef>
+          <a:effectRef idx="0">
+            <a:schemeClr val="accent1"/>
+          </a:effectRef>
+          <a:fontRef idx="minor">
+            <a:schemeClr val="lt1"/>
+          </a:fontRef>
+        </p:style>
+        <p:txBody>
+          <a:bodyPr rtlCol="0" anchor="ctr"/>
+          <a:lstStyle/>
+          <a:p>
+            <a:pPr algn="ctr"/>
+            <a:endParaRPr kumimoji="1" lang="ja-JP" altLang="en-US" dirty="0"/>
+          </a:p>
+        </p:txBody>
+      </p:sp>
+      <p:pic>
+        <p:nvPicPr>
+          <p:cNvPr id="5" name="図 4" descr="ロゴ&#10;&#10;中程度の精度で自動的に生成された説明">
+            <a:extLst>
+              <a:ext uri="{FF2B5EF4-FFF2-40B4-BE49-F238E27FC236}">
+                <a16:creationId xmlns:a16="http://schemas.microsoft.com/office/drawing/2014/main" id="{B9A39F28-1EBD-1E84-D159-443CA1B611CF}"/>
+              </a:ext>
+            </a:extLst>
+          </p:cNvPr>
+          <p:cNvPicPr>
+            <a:picLocks noChangeAspect="1"/>
+          </p:cNvPicPr>
+          <p:nvPr/>
+        </p:nvPicPr>
+        <p:blipFill rotWithShape="1">
+          <a:blip r:embed="rId3">
+            <a:extLst>
+              <a:ext uri="{28A0092B-C50C-407E-A947-70E740481C1C}">
+                <a14:useLocalDpi xmlns:a14="http://schemas.microsoft.com/office/drawing/2010/main" val="0"/>
+              </a:ext>
+            </a:extLst>
+          </a:blip>
+          <a:srcRect l="14562" t="11298" b="30517"/>
+          <a:stretch/>
+        </p:blipFill>
+        <p:spPr>
+          <a:xfrm>
+            <a:off x="4826940" y="196644"/>
+            <a:ext cx="2538120" cy="1012723"/>
+          </a:xfrm>
+          <a:prstGeom prst="rect">
+            <a:avLst/>
+          </a:prstGeom>
+        </p:spPr>
+      </p:pic>
+      <p:sp>
+        <p:nvSpPr>
+          <p:cNvPr id="14" name="正方形/長方形 13">
+            <a:extLst>
+              <a:ext uri="{FF2B5EF4-FFF2-40B4-BE49-F238E27FC236}">
+                <a16:creationId xmlns:a16="http://schemas.microsoft.com/office/drawing/2014/main" id="{52192687-6E27-88C8-ED3C-4F58ED7237DC}"/>
+              </a:ext>
+            </a:extLst>
+          </p:cNvPr>
+          <p:cNvSpPr/>
+          <p:nvPr/>
+        </p:nvSpPr>
+        <p:spPr>
+          <a:xfrm>
+            <a:off x="0" y="6459794"/>
+            <a:ext cx="12192000" cy="398206"/>
+          </a:xfrm>
+          <a:prstGeom prst="rect">
+            <a:avLst/>
+          </a:prstGeom>
+          <a:solidFill>
+            <a:srgbClr val="F5F5F5"/>
+          </a:solidFill>
+          <a:ln>
+            <a:noFill/>
+          </a:ln>
+        </p:spPr>
+        <p:style>
+          <a:lnRef idx="2">
+            <a:schemeClr val="accent1">
+              <a:shade val="15000"/>
+            </a:schemeClr>
+          </a:lnRef>
+          <a:fillRef idx="1">
+            <a:schemeClr val="accent1"/>
+          </a:fillRef>
+          <a:effectRef idx="0">
+            <a:schemeClr val="accent1"/>
+          </a:effectRef>
+          <a:fontRef idx="minor">
+            <a:schemeClr val="lt1"/>
+          </a:fontRef>
+        </p:style>
+        <p:txBody>
+          <a:bodyPr rtlCol="0" anchor="ctr"/>
+          <a:lstStyle/>
+          <a:p>
+            <a:pPr algn="ctr"/>
+            <a:endParaRPr kumimoji="1" lang="ja-JP" altLang="en-US"/>
+          </a:p>
+        </p:txBody>
+      </p:sp>
+      <p:grpSp>
+        <p:nvGrpSpPr>
+          <p:cNvPr id="21" name="グループ化 20">
+            <a:extLst>
+              <a:ext uri="{FF2B5EF4-FFF2-40B4-BE49-F238E27FC236}">
+                <a16:creationId xmlns:a16="http://schemas.microsoft.com/office/drawing/2014/main" id="{16808017-801A-53BE-3340-11699E77DC3C}"/>
+              </a:ext>
+            </a:extLst>
+          </p:cNvPr>
+          <p:cNvGrpSpPr/>
+          <p:nvPr/>
+        </p:nvGrpSpPr>
+        <p:grpSpPr>
+          <a:xfrm>
+            <a:off x="317581" y="277924"/>
+            <a:ext cx="924233" cy="1234235"/>
+            <a:chOff x="266781" y="196644"/>
+            <a:chExt cx="924233" cy="1234235"/>
+          </a:xfrm>
+        </p:grpSpPr>
+        <p:sp>
+          <p:nvSpPr>
+            <p:cNvPr id="6" name="フローチャート: 結合子 5">
+              <a:extLst>
+                <a:ext uri="{FF2B5EF4-FFF2-40B4-BE49-F238E27FC236}">
+                  <a16:creationId xmlns:a16="http://schemas.microsoft.com/office/drawing/2014/main" id="{760B2358-0756-5D93-6C4A-D5FC31E04F76}"/>
+                </a:ext>
+              </a:extLst>
+            </p:cNvPr>
+            <p:cNvSpPr/>
+            <p:nvPr/>
+          </p:nvSpPr>
+          <p:spPr>
+            <a:xfrm>
+              <a:off x="266781" y="196644"/>
+              <a:ext cx="924233" cy="924233"/>
+            </a:xfrm>
+            <a:prstGeom prst="flowChartConnector">
+              <a:avLst/>
+            </a:prstGeom>
+            <a:noFill/>
+            <a:ln w="28575">
+              <a:solidFill>
+                <a:srgbClr val="EA7B6B"/>
+              </a:solidFill>
+            </a:ln>
+          </p:spPr>
+          <p:style>
+            <a:lnRef idx="2">
+              <a:schemeClr val="accent1">
+                <a:shade val="15000"/>
+              </a:schemeClr>
+            </a:lnRef>
+            <a:fillRef idx="1">
+              <a:schemeClr val="accent1"/>
+            </a:fillRef>
+            <a:effectRef idx="0">
+              <a:schemeClr val="accent1"/>
+            </a:effectRef>
+            <a:fontRef idx="minor">
+              <a:schemeClr val="lt1"/>
+            </a:fontRef>
+          </p:style>
+          <p:txBody>
+            <a:bodyPr rtlCol="0" anchor="ctr"/>
+            <a:lstStyle/>
+            <a:p>
+              <a:pPr algn="ctr"/>
+              <a:endParaRPr kumimoji="1" lang="ja-JP" altLang="en-US"/>
+            </a:p>
+          </p:txBody>
+        </p:sp>
+        <p:sp>
+          <p:nvSpPr>
+            <p:cNvPr id="15" name="フローチャート: 結合子 14">
+              <a:extLst>
+                <a:ext uri="{FF2B5EF4-FFF2-40B4-BE49-F238E27FC236}">
+                  <a16:creationId xmlns:a16="http://schemas.microsoft.com/office/drawing/2014/main" id="{D05A29E2-273E-D3FB-A6C2-839C27DA4BB8}"/>
+                </a:ext>
+              </a:extLst>
+            </p:cNvPr>
+            <p:cNvSpPr/>
+            <p:nvPr/>
+          </p:nvSpPr>
+          <p:spPr>
+            <a:xfrm>
+              <a:off x="545771" y="319548"/>
+              <a:ext cx="366250" cy="349044"/>
+            </a:xfrm>
+            <a:prstGeom prst="flowChartConnector">
+              <a:avLst/>
+            </a:prstGeom>
+            <a:noFill/>
+            <a:ln w="28575">
+              <a:solidFill>
+                <a:srgbClr val="EA7B6B"/>
+              </a:solidFill>
+            </a:ln>
+          </p:spPr>
+          <p:style>
+            <a:lnRef idx="2">
+              <a:schemeClr val="accent1">
+                <a:shade val="15000"/>
+              </a:schemeClr>
+            </a:lnRef>
+            <a:fillRef idx="1">
+              <a:schemeClr val="accent1"/>
+            </a:fillRef>
+            <a:effectRef idx="0">
+              <a:schemeClr val="accent1"/>
+            </a:effectRef>
+            <a:fontRef idx="minor">
+              <a:schemeClr val="lt1"/>
+            </a:fontRef>
+          </p:style>
+          <p:txBody>
+            <a:bodyPr rtlCol="0" anchor="ctr"/>
+            <a:lstStyle/>
+            <a:p>
+              <a:pPr algn="ctr"/>
+              <a:endParaRPr kumimoji="1" lang="ja-JP" altLang="en-US"/>
+            </a:p>
+          </p:txBody>
+        </p:sp>
+        <p:sp>
+          <p:nvSpPr>
+            <p:cNvPr id="16" name="円弧 15">
+              <a:extLst>
+                <a:ext uri="{FF2B5EF4-FFF2-40B4-BE49-F238E27FC236}">
+                  <a16:creationId xmlns:a16="http://schemas.microsoft.com/office/drawing/2014/main" id="{24D54118-16BA-E4E7-2C10-DC055B34DBCF}"/>
+                </a:ext>
+              </a:extLst>
+            </p:cNvPr>
+            <p:cNvSpPr/>
+            <p:nvPr/>
+          </p:nvSpPr>
+          <p:spPr>
+            <a:xfrm rot="19079286">
+              <a:off x="374934" y="732788"/>
+              <a:ext cx="707924" cy="698091"/>
+            </a:xfrm>
+            <a:prstGeom prst="arc">
+              <a:avLst/>
+            </a:prstGeom>
+            <a:ln w="28575">
+              <a:solidFill>
+                <a:srgbClr val="EA7B6B"/>
+              </a:solidFill>
+            </a:ln>
+          </p:spPr>
+          <p:style>
+            <a:lnRef idx="1">
+              <a:schemeClr val="accent1"/>
+            </a:lnRef>
+            <a:fillRef idx="0">
+              <a:schemeClr val="accent1"/>
+            </a:fillRef>
+            <a:effectRef idx="0">
+              <a:schemeClr val="accent1"/>
+            </a:effectRef>
+            <a:fontRef idx="minor">
+              <a:schemeClr val="tx1"/>
+            </a:fontRef>
+          </p:style>
+          <p:txBody>
+            <a:bodyPr rtlCol="0" anchor="ctr"/>
+            <a:lstStyle/>
+            <a:p>
+              <a:pPr algn="ctr"/>
+              <a:endParaRPr kumimoji="1" lang="ja-JP" altLang="en-US"/>
+            </a:p>
+          </p:txBody>
+        </p:sp>
+      </p:grpSp>
+      <p:sp>
+        <p:nvSpPr>
+          <p:cNvPr id="20" name="テキスト ボックス 19">
+            <a:extLst>
+              <a:ext uri="{FF2B5EF4-FFF2-40B4-BE49-F238E27FC236}">
+                <a16:creationId xmlns:a16="http://schemas.microsoft.com/office/drawing/2014/main" id="{93D16964-E0C9-2363-48DD-3B661653827D}"/>
+              </a:ext>
+            </a:extLst>
+          </p:cNvPr>
+          <p:cNvSpPr txBox="1"/>
+          <p:nvPr/>
+        </p:nvSpPr>
+        <p:spPr>
+          <a:xfrm>
+            <a:off x="9558094" y="806695"/>
+            <a:ext cx="2401617" cy="461665"/>
+          </a:xfrm>
+          <a:prstGeom prst="rect">
+            <a:avLst/>
+          </a:prstGeom>
+          <a:noFill/>
+        </p:spPr>
+        <p:txBody>
+          <a:bodyPr wrap="square" rtlCol="0">
+            <a:spAutoFit/>
+          </a:bodyPr>
+          <a:lstStyle/>
+          <a:p>
+            <a:r>
+              <a:rPr kumimoji="1" lang="en-US" altLang="ja-JP" sz="2400" dirty="0">
+                <a:solidFill>
+                  <a:srgbClr val="001746"/>
+                </a:solidFill>
+                <a:latin typeface="Kristen ITC" panose="03050502040202030202" pitchFamily="66" charset="0"/>
+              </a:rPr>
+              <a:t>2024/06/07 (Fri)</a:t>
+            </a:r>
+            <a:endParaRPr kumimoji="1" lang="ja-JP" altLang="en-US" sz="2400" dirty="0">
+              <a:solidFill>
+                <a:srgbClr val="001746"/>
+              </a:solidFill>
+              <a:latin typeface="Kristen ITC" panose="03050502040202030202" pitchFamily="66" charset="0"/>
+            </a:endParaRPr>
+          </a:p>
+        </p:txBody>
+      </p:sp>
+      <p:sp>
+        <p:nvSpPr>
+          <p:cNvPr id="22" name="テキスト ボックス 21">
+            <a:extLst>
+              <a:ext uri="{FF2B5EF4-FFF2-40B4-BE49-F238E27FC236}">
+                <a16:creationId xmlns:a16="http://schemas.microsoft.com/office/drawing/2014/main" id="{71CC734F-A1B3-457D-DBDD-64EF65974439}"/>
+              </a:ext>
+            </a:extLst>
+          </p:cNvPr>
+          <p:cNvSpPr txBox="1"/>
+          <p:nvPr/>
+        </p:nvSpPr>
+        <p:spPr>
+          <a:xfrm>
+            <a:off x="3541852" y="6505008"/>
+            <a:ext cx="5965484" cy="307777"/>
+          </a:xfrm>
+          <a:prstGeom prst="rect">
+            <a:avLst/>
+          </a:prstGeom>
+          <a:noFill/>
+        </p:spPr>
+        <p:txBody>
+          <a:bodyPr wrap="square" rtlCol="0">
+            <a:spAutoFit/>
+          </a:bodyPr>
+          <a:lstStyle/>
+          <a:p>
+            <a:r>
+              <a:rPr kumimoji="1" lang="en-US" altLang="ja-JP" sz="1400" dirty="0">
+                <a:solidFill>
+                  <a:srgbClr val="001746"/>
+                </a:solidFill>
+              </a:rPr>
+              <a:t>Copyright </a:t>
+            </a:r>
+            <a:r>
+              <a:rPr kumimoji="1" lang="en-US" altLang="ja-JP" sz="1400" dirty="0" err="1">
+                <a:solidFill>
+                  <a:srgbClr val="001746"/>
+                </a:solidFill>
+              </a:rPr>
+              <a:t>paraparaChahan</a:t>
+            </a:r>
+            <a:r>
+              <a:rPr kumimoji="1" lang="en-US" altLang="ja-JP" sz="1400" dirty="0">
+                <a:solidFill>
+                  <a:srgbClr val="001746"/>
+                </a:solidFill>
+              </a:rPr>
+              <a:t>(PLUS DOJO). All rights reserved.</a:t>
+            </a:r>
+            <a:endParaRPr kumimoji="1" lang="ja-JP" altLang="en-US" sz="1400" dirty="0">
+              <a:solidFill>
+                <a:srgbClr val="001746"/>
+              </a:solidFill>
+            </a:endParaRPr>
+          </a:p>
+        </p:txBody>
+      </p:sp>
+      <p:sp>
+        <p:nvSpPr>
+          <p:cNvPr id="2" name="四角形: 角を丸くする 1">
+            <a:extLst>
+              <a:ext uri="{FF2B5EF4-FFF2-40B4-BE49-F238E27FC236}">
+                <a16:creationId xmlns:a16="http://schemas.microsoft.com/office/drawing/2014/main" id="{C34B1011-4B1D-9558-1F21-18B89CC61072}"/>
+              </a:ext>
+            </a:extLst>
+          </p:cNvPr>
+          <p:cNvSpPr/>
+          <p:nvPr/>
+        </p:nvSpPr>
+        <p:spPr>
+          <a:xfrm>
+            <a:off x="3541852" y="2207293"/>
+            <a:ext cx="5351065" cy="1064900"/>
+          </a:xfrm>
+          <a:prstGeom prst="roundRect">
+            <a:avLst/>
+          </a:prstGeom>
+          <a:solidFill>
+            <a:srgbClr val="F3B4AB"/>
+          </a:solidFill>
+          <a:ln w="57150">
+            <a:noFill/>
+          </a:ln>
+        </p:spPr>
+        <p:style>
+          <a:lnRef idx="2">
+            <a:schemeClr val="accent1">
+              <a:shade val="15000"/>
+            </a:schemeClr>
+          </a:lnRef>
+          <a:fillRef idx="1">
+            <a:schemeClr val="accent1"/>
+          </a:fillRef>
+          <a:effectRef idx="0">
+            <a:schemeClr val="accent1"/>
+          </a:effectRef>
+          <a:fontRef idx="minor">
+            <a:schemeClr val="lt1"/>
+          </a:fontRef>
+        </p:style>
+        <p:txBody>
+          <a:bodyPr rtlCol="0" anchor="ctr"/>
+          <a:lstStyle/>
+          <a:p>
+            <a:pPr algn="ctr"/>
+            <a:r>
+              <a:rPr kumimoji="1" lang="ja-JP" altLang="en-US" sz="3200" dirty="0">
+                <a:solidFill>
+                  <a:schemeClr val="bg1"/>
+                </a:solidFill>
+                <a:latin typeface="UD デジタル 教科書体 NP-B" panose="02020700000000000000" pitchFamily="18" charset="-128"/>
+                <a:ea typeface="UD デジタル 教科書体 NP-B" panose="02020700000000000000" pitchFamily="18" charset="-128"/>
+              </a:rPr>
+              <a:t>棚の掃除</a:t>
+            </a:r>
+          </a:p>
+        </p:txBody>
+      </p:sp>
+      <p:sp>
+        <p:nvSpPr>
+          <p:cNvPr id="4" name="四角形: 角を丸くする 3">
+            <a:extLst>
+              <a:ext uri="{FF2B5EF4-FFF2-40B4-BE49-F238E27FC236}">
+                <a16:creationId xmlns:a16="http://schemas.microsoft.com/office/drawing/2014/main" id="{FB78DCA7-D19B-809C-27D2-E91F1C9D4D13}"/>
+              </a:ext>
+            </a:extLst>
+          </p:cNvPr>
+          <p:cNvSpPr/>
+          <p:nvPr/>
+        </p:nvSpPr>
+        <p:spPr>
+          <a:xfrm>
+            <a:off x="3541852" y="3708934"/>
+            <a:ext cx="5351065" cy="1064900"/>
+          </a:xfrm>
+          <a:prstGeom prst="roundRect">
+            <a:avLst/>
+          </a:prstGeom>
+          <a:solidFill>
+            <a:srgbClr val="F3B4AB"/>
+          </a:solidFill>
+          <a:ln w="57150">
+            <a:noFill/>
+          </a:ln>
+        </p:spPr>
+        <p:style>
+          <a:lnRef idx="2">
+            <a:schemeClr val="accent1">
+              <a:shade val="15000"/>
+            </a:schemeClr>
+          </a:lnRef>
+          <a:fillRef idx="1">
+            <a:schemeClr val="accent1"/>
+          </a:fillRef>
+          <a:effectRef idx="0">
+            <a:schemeClr val="accent1"/>
+          </a:effectRef>
+          <a:fontRef idx="minor">
+            <a:schemeClr val="lt1"/>
+          </a:fontRef>
+        </p:style>
+        <p:txBody>
+          <a:bodyPr rtlCol="0" anchor="ctr"/>
+          <a:lstStyle/>
+          <a:p>
+            <a:pPr algn="ctr"/>
+            <a:r>
+              <a:rPr kumimoji="1" lang="ja-JP" altLang="en-US" sz="3200" dirty="0">
+                <a:solidFill>
+                  <a:schemeClr val="bg1"/>
+                </a:solidFill>
+                <a:latin typeface="UD デジタル 教科書体 NP-B" panose="02020700000000000000" pitchFamily="18" charset="-128"/>
+                <a:ea typeface="UD デジタル 教科書体 NP-B" panose="02020700000000000000" pitchFamily="18" charset="-128"/>
+              </a:rPr>
+              <a:t>犬の小屋の掃除</a:t>
+            </a:r>
+          </a:p>
+        </p:txBody>
+      </p:sp>
+      <p:sp>
+        <p:nvSpPr>
+          <p:cNvPr id="9" name="四角形: 角を丸くする 8">
+            <a:extLst>
+              <a:ext uri="{FF2B5EF4-FFF2-40B4-BE49-F238E27FC236}">
+                <a16:creationId xmlns:a16="http://schemas.microsoft.com/office/drawing/2014/main" id="{8005F220-F29F-B211-03FA-E988F51D986E}"/>
+              </a:ext>
+            </a:extLst>
+          </p:cNvPr>
+          <p:cNvSpPr/>
+          <p:nvPr/>
+        </p:nvSpPr>
+        <p:spPr>
+          <a:xfrm>
+            <a:off x="3541852" y="5217913"/>
+            <a:ext cx="5351065" cy="1064900"/>
+          </a:xfrm>
+          <a:prstGeom prst="roundRect">
+            <a:avLst/>
+          </a:prstGeom>
+          <a:solidFill>
+            <a:srgbClr val="F3B4AB"/>
+          </a:solidFill>
+          <a:ln w="57150">
+            <a:noFill/>
+          </a:ln>
+        </p:spPr>
+        <p:style>
+          <a:lnRef idx="2">
+            <a:schemeClr val="accent1">
+              <a:shade val="15000"/>
+            </a:schemeClr>
+          </a:lnRef>
+          <a:fillRef idx="1">
+            <a:schemeClr val="accent1"/>
+          </a:fillRef>
+          <a:effectRef idx="0">
+            <a:schemeClr val="accent1"/>
+          </a:effectRef>
+          <a:fontRef idx="minor">
+            <a:schemeClr val="lt1"/>
+          </a:fontRef>
+        </p:style>
+        <p:txBody>
+          <a:bodyPr rtlCol="0" anchor="ctr"/>
+          <a:lstStyle/>
+          <a:p>
+            <a:pPr algn="ctr"/>
+            <a:r>
+              <a:rPr kumimoji="1" lang="ja-JP" altLang="en-US" sz="3200" dirty="0">
+                <a:solidFill>
+                  <a:schemeClr val="bg1"/>
+                </a:solidFill>
+                <a:latin typeface="UD デジタル 教科書体 NP-B" panose="02020700000000000000" pitchFamily="18" charset="-128"/>
+                <a:ea typeface="UD デジタル 教科書体 NP-B" panose="02020700000000000000" pitchFamily="18" charset="-128"/>
+              </a:rPr>
+              <a:t>ベランダの掃除</a:t>
+            </a:r>
+          </a:p>
+        </p:txBody>
+      </p:sp>
+      <p:sp>
+        <p:nvSpPr>
+          <p:cNvPr id="23" name="テキスト ボックス 22">
+            <a:extLst>
+              <a:ext uri="{FF2B5EF4-FFF2-40B4-BE49-F238E27FC236}">
+                <a16:creationId xmlns:a16="http://schemas.microsoft.com/office/drawing/2014/main" id="{8F4BB073-5E0F-FE16-24FD-A82E5F7200E6}"/>
+              </a:ext>
+            </a:extLst>
+          </p:cNvPr>
+          <p:cNvSpPr txBox="1"/>
+          <p:nvPr/>
+        </p:nvSpPr>
+        <p:spPr>
+          <a:xfrm>
+            <a:off x="3677264" y="1563329"/>
+            <a:ext cx="4837471" cy="461665"/>
+          </a:xfrm>
+          <a:prstGeom prst="rect">
+            <a:avLst/>
+          </a:prstGeom>
+          <a:noFill/>
+        </p:spPr>
+        <p:txBody>
+          <a:bodyPr wrap="square" rtlCol="0">
+            <a:spAutoFit/>
+          </a:bodyPr>
+          <a:lstStyle/>
+          <a:p>
+            <a:pPr algn="ctr"/>
+            <a:r>
+              <a:rPr kumimoji="1" lang="ja-JP" altLang="en-US" sz="2400" dirty="0">
+                <a:latin typeface="UD デジタル 教科書体 NP-B" panose="02020700000000000000" pitchFamily="18" charset="-128"/>
+                <a:ea typeface="UD デジタル 教科書体 NP-B" panose="02020700000000000000" pitchFamily="18" charset="-128"/>
+              </a:rPr>
+              <a:t>検索ワード</a:t>
+            </a:r>
+            <a:r>
+              <a:rPr kumimoji="1" lang="en-US" altLang="ja-JP" sz="2400" dirty="0">
+                <a:latin typeface="UD デジタル 教科書体 NP-B" panose="02020700000000000000" pitchFamily="18" charset="-128"/>
+                <a:ea typeface="UD デジタル 教科書体 NP-B" panose="02020700000000000000" pitchFamily="18" charset="-128"/>
+              </a:rPr>
+              <a:t>:</a:t>
+            </a:r>
+            <a:r>
+              <a:rPr kumimoji="1" lang="ja-JP" altLang="en-US" sz="2400" dirty="0">
+                <a:latin typeface="UD デジタル 教科書体 NP-B" panose="02020700000000000000" pitchFamily="18" charset="-128"/>
+                <a:ea typeface="UD デジタル 教科書体 NP-B" panose="02020700000000000000" pitchFamily="18" charset="-128"/>
+              </a:rPr>
+              <a:t>掃除</a:t>
+            </a:r>
+          </a:p>
+        </p:txBody>
+      </p:sp>
+      <p:sp>
+        <p:nvSpPr>
+          <p:cNvPr id="3" name="楕円 2">
+            <a:extLst>
+              <a:ext uri="{FF2B5EF4-FFF2-40B4-BE49-F238E27FC236}">
+                <a16:creationId xmlns:a16="http://schemas.microsoft.com/office/drawing/2014/main" id="{42DACC22-65B6-29A7-EEB8-E8DBB62C327F}"/>
+              </a:ext>
+            </a:extLst>
+          </p:cNvPr>
+          <p:cNvSpPr/>
+          <p:nvPr/>
+        </p:nvSpPr>
+        <p:spPr>
+          <a:xfrm>
+            <a:off x="9157202" y="1462636"/>
+            <a:ext cx="700268" cy="668369"/>
+          </a:xfrm>
+          <a:prstGeom prst="ellipse">
+            <a:avLst/>
+          </a:prstGeom>
+          <a:solidFill>
+            <a:srgbClr val="F3B4AB"/>
+          </a:solidFill>
+          <a:ln>
+            <a:noFill/>
+          </a:ln>
+        </p:spPr>
+        <p:style>
+          <a:lnRef idx="2">
+            <a:schemeClr val="accent1">
+              <a:shade val="15000"/>
+            </a:schemeClr>
+          </a:lnRef>
+          <a:fillRef idx="1">
+            <a:schemeClr val="accent1"/>
+          </a:fillRef>
+          <a:effectRef idx="0">
+            <a:schemeClr val="accent1"/>
+          </a:effectRef>
+          <a:fontRef idx="minor">
+            <a:schemeClr val="lt1"/>
+          </a:fontRef>
+        </p:style>
+        <p:txBody>
+          <a:bodyPr rtlCol="0" anchor="ctr"/>
+          <a:lstStyle/>
+          <a:p>
+            <a:pPr algn="ctr"/>
+            <a:r>
+              <a:rPr lang="ja-JP" altLang="en-US" sz="4400" dirty="0"/>
+              <a:t>＋</a:t>
+            </a:r>
+            <a:endParaRPr kumimoji="1" lang="ja-JP" altLang="en-US" sz="4400" dirty="0"/>
+          </a:p>
+        </p:txBody>
+      </p:sp>
+    </p:spTree>
+    <p:extLst>
+      <p:ext uri="{BB962C8B-B14F-4D97-AF65-F5344CB8AC3E}">
+        <p14:creationId xmlns:p14="http://schemas.microsoft.com/office/powerpoint/2010/main" val="3602448233"/>
+      </p:ext>
+    </p:extLst>
+  </p:cSld>
+  <p:clrMapOvr>
+    <a:masterClrMapping/>
+  </p:clrMapOvr>
+</p:sld>
+</file>
+
+<file path=ppt/slides/slide8.xml><?xml version="1.0" encoding="utf-8"?>
+<p:sld xmlns:a="http://schemas.openxmlformats.org/drawingml/2006/main" xmlns:r="http://schemas.openxmlformats.org/officeDocument/2006/relationships" xmlns:p="http://schemas.openxmlformats.org/presentationml/2006/main">
+  <p:cSld>
+    <p:spTree>
+      <p:nvGrpSpPr>
+        <p:cNvPr id="1" name=""/>
+        <p:cNvGrpSpPr/>
+        <p:nvPr/>
+      </p:nvGrpSpPr>
+      <p:grpSpPr>
+        <a:xfrm>
+          <a:off x="0" y="0"/>
+          <a:ext cx="0" cy="0"/>
+          <a:chOff x="0" y="0"/>
+          <a:chExt cx="0" cy="0"/>
+        </a:xfrm>
+      </p:grpSpPr>
       <p:pic>
         <p:nvPicPr>
           <p:cNvPr id="2" name="図 1">
@@ -9322,7 +10152,7 @@
 </p:sld>
 </file>
 
-<file path=ppt/slides/slide8.xml><?xml version="1.0" encoding="utf-8"?>
+<file path=ppt/slides/slide9.xml><?xml version="1.0" encoding="utf-8"?>
 <p:sld xmlns:a="http://schemas.openxmlformats.org/drawingml/2006/main" xmlns:r="http://schemas.openxmlformats.org/officeDocument/2006/relationships" xmlns:p="http://schemas.openxmlformats.org/presentationml/2006/main">
   <p:cSld>
     <p:spTree>

--- a/doc/13_外部設計/famiLink 画面デザイン.pptx
+++ b/doc/13_外部設計/famiLink 画面デザイン.pptx
@@ -5,7 +5,7 @@
     <p:sldMasterId id="2147483660" r:id="rId1"/>
   </p:sldMasterIdLst>
   <p:notesMasterIdLst>
-    <p:notesMasterId r:id="rId25"/>
+    <p:notesMasterId r:id="rId29"/>
   </p:notesMasterIdLst>
   <p:sldIdLst>
     <p:sldId id="274" r:id="rId2"/>
@@ -29,8 +29,12 @@
     <p:sldId id="282" r:id="rId20"/>
     <p:sldId id="267" r:id="rId21"/>
     <p:sldId id="273" r:id="rId22"/>
-    <p:sldId id="257" r:id="rId23"/>
-    <p:sldId id="260" r:id="rId24"/>
+    <p:sldId id="283" r:id="rId23"/>
+    <p:sldId id="284" r:id="rId24"/>
+    <p:sldId id="285" r:id="rId25"/>
+    <p:sldId id="286" r:id="rId26"/>
+    <p:sldId id="257" r:id="rId27"/>
+    <p:sldId id="260" r:id="rId28"/>
   </p:sldIdLst>
   <p:sldSz cx="12192000" cy="6858000"/>
   <p:notesSz cx="6858000" cy="9144000"/>
@@ -174,6 +178,10 @@
             <p14:sldId id="282"/>
             <p14:sldId id="267"/>
             <p14:sldId id="273"/>
+            <p14:sldId id="283"/>
+            <p14:sldId id="284"/>
+            <p14:sldId id="285"/>
+            <p14:sldId id="286"/>
           </p14:sldIdLst>
         </p14:section>
         <p14:section name="共通認識" id="{E2578A6E-5362-477D-9133-684E3CBAD98A}">
@@ -860,6 +868,412 @@
     <p:extLst>
       <p:ext uri="{BB962C8B-B14F-4D97-AF65-F5344CB8AC3E}">
         <p14:creationId xmlns:p14="http://schemas.microsoft.com/office/powerpoint/2010/main" val="2334261270"/>
+      </p:ext>
+    </p:extLst>
+  </p:cSld>
+  <p:clrMapOvr>
+    <a:masterClrMapping/>
+  </p:clrMapOvr>
+</p:notes>
+</file>
+
+<file path=ppt/notesSlides/notesSlide12.xml><?xml version="1.0" encoding="utf-8"?>
+<p:notes xmlns:a="http://schemas.openxmlformats.org/drawingml/2006/main" xmlns:r="http://schemas.openxmlformats.org/officeDocument/2006/relationships" xmlns:p="http://schemas.openxmlformats.org/presentationml/2006/main">
+  <p:cSld>
+    <p:spTree>
+      <p:nvGrpSpPr>
+        <p:cNvPr id="1" name=""/>
+        <p:cNvGrpSpPr/>
+        <p:nvPr/>
+      </p:nvGrpSpPr>
+      <p:grpSpPr>
+        <a:xfrm>
+          <a:off x="0" y="0"/>
+          <a:ext cx="0" cy="0"/>
+          <a:chOff x="0" y="0"/>
+          <a:chExt cx="0" cy="0"/>
+        </a:xfrm>
+      </p:grpSpPr>
+      <p:sp>
+        <p:nvSpPr>
+          <p:cNvPr id="2" name="スライド イメージ プレースホルダー 1"/>
+          <p:cNvSpPr>
+            <a:spLocks noGrp="1" noRot="1" noChangeAspect="1"/>
+          </p:cNvSpPr>
+          <p:nvPr>
+            <p:ph type="sldImg"/>
+          </p:nvPr>
+        </p:nvSpPr>
+        <p:spPr/>
+      </p:sp>
+      <p:sp>
+        <p:nvSpPr>
+          <p:cNvPr id="3" name="ノート プレースホルダー 2"/>
+          <p:cNvSpPr>
+            <a:spLocks noGrp="1"/>
+          </p:cNvSpPr>
+          <p:nvPr>
+            <p:ph type="body" idx="1"/>
+          </p:nvPr>
+        </p:nvSpPr>
+        <p:spPr/>
+        <p:txBody>
+          <a:bodyPr/>
+          <a:lstStyle/>
+          <a:p>
+            <a:r>
+              <a:rPr kumimoji="1" lang="ja-JP" altLang="en-US" dirty="0"/>
+              <a:t>マニュアルを設定していないときの画面。</a:t>
+            </a:r>
+            <a:endParaRPr kumimoji="1" lang="en-US" altLang="ja-JP" dirty="0"/>
+          </a:p>
+          <a:p>
+            <a:r>
+              <a:rPr kumimoji="1" lang="ja-JP" altLang="en-US" dirty="0"/>
+              <a:t>マニュアルボタンはただマニュアルと表示される</a:t>
+            </a:r>
+          </a:p>
+        </p:txBody>
+      </p:sp>
+      <p:sp>
+        <p:nvSpPr>
+          <p:cNvPr id="4" name="スライド番号プレースホルダー 3"/>
+          <p:cNvSpPr>
+            <a:spLocks noGrp="1"/>
+          </p:cNvSpPr>
+          <p:nvPr>
+            <p:ph type="sldNum" sz="quarter" idx="5"/>
+          </p:nvPr>
+        </p:nvSpPr>
+        <p:spPr/>
+        <p:txBody>
+          <a:bodyPr/>
+          <a:lstStyle/>
+          <a:p>
+            <a:fld id="{C3A6A18F-9FD0-49ED-95E1-7FCA88DBA657}" type="slidenum">
+              <a:rPr kumimoji="1" lang="ja-JP" altLang="en-US" smtClean="0"/>
+              <a:t>22</a:t>
+            </a:fld>
+            <a:endParaRPr kumimoji="1" lang="ja-JP" altLang="en-US"/>
+          </a:p>
+        </p:txBody>
+      </p:sp>
+    </p:spTree>
+    <p:extLst>
+      <p:ext uri="{BB962C8B-B14F-4D97-AF65-F5344CB8AC3E}">
+        <p14:creationId xmlns:p14="http://schemas.microsoft.com/office/powerpoint/2010/main" val="3692278656"/>
+      </p:ext>
+    </p:extLst>
+  </p:cSld>
+  <p:clrMapOvr>
+    <a:masterClrMapping/>
+  </p:clrMapOvr>
+</p:notes>
+</file>
+
+<file path=ppt/notesSlides/notesSlide13.xml><?xml version="1.0" encoding="utf-8"?>
+<p:notes xmlns:a="http://schemas.openxmlformats.org/drawingml/2006/main" xmlns:r="http://schemas.openxmlformats.org/officeDocument/2006/relationships" xmlns:p="http://schemas.openxmlformats.org/presentationml/2006/main">
+  <p:cSld>
+    <p:spTree>
+      <p:nvGrpSpPr>
+        <p:cNvPr id="1" name=""/>
+        <p:cNvGrpSpPr/>
+        <p:nvPr/>
+      </p:nvGrpSpPr>
+      <p:grpSpPr>
+        <a:xfrm>
+          <a:off x="0" y="0"/>
+          <a:ext cx="0" cy="0"/>
+          <a:chOff x="0" y="0"/>
+          <a:chExt cx="0" cy="0"/>
+        </a:xfrm>
+      </p:grpSpPr>
+      <p:sp>
+        <p:nvSpPr>
+          <p:cNvPr id="2" name="スライド イメージ プレースホルダー 1"/>
+          <p:cNvSpPr>
+            <a:spLocks noGrp="1" noRot="1" noChangeAspect="1"/>
+          </p:cNvSpPr>
+          <p:nvPr>
+            <p:ph type="sldImg"/>
+          </p:nvPr>
+        </p:nvSpPr>
+        <p:spPr/>
+      </p:sp>
+      <p:sp>
+        <p:nvSpPr>
+          <p:cNvPr id="3" name="ノート プレースホルダー 2"/>
+          <p:cNvSpPr>
+            <a:spLocks noGrp="1"/>
+          </p:cNvSpPr>
+          <p:nvPr>
+            <p:ph type="body" idx="1"/>
+          </p:nvPr>
+        </p:nvSpPr>
+        <p:spPr/>
+        <p:txBody>
+          <a:bodyPr/>
+          <a:lstStyle/>
+          <a:p>
+            <a:r>
+              <a:rPr kumimoji="1" lang="ja-JP" altLang="en-US" dirty="0"/>
+              <a:t>マニュアルを設定しているときはそのマニュアル名が表示される。そのままボタンを押すとリンクしてあるマニュアルにとぶ。</a:t>
+            </a:r>
+            <a:endParaRPr kumimoji="1" lang="en-US" altLang="ja-JP" dirty="0"/>
+          </a:p>
+          <a:p>
+            <a:pPr marL="0" marR="0" lvl="0" indent="0" algn="l" defTabSz="914400" rtl="0" eaLnBrk="1" fontAlgn="auto" latinLnBrk="0" hangingPunct="1">
+              <a:lnSpc>
+                <a:spcPct val="100000"/>
+              </a:lnSpc>
+              <a:spcBef>
+                <a:spcPts val="0"/>
+              </a:spcBef>
+              <a:spcAft>
+                <a:spcPts val="0"/>
+              </a:spcAft>
+              <a:buClrTx/>
+              <a:buSzTx/>
+              <a:buFontTx/>
+              <a:buNone/>
+              <a:tabLst/>
+              <a:defRPr/>
+            </a:pPr>
+            <a:r>
+              <a:rPr kumimoji="1" lang="ja-JP" altLang="en-US" dirty="0"/>
+              <a:t>更新ボタンを押すと色が反転。</a:t>
+            </a:r>
+            <a:endParaRPr kumimoji="1" lang="en-US" altLang="ja-JP" dirty="0"/>
+          </a:p>
+          <a:p>
+            <a:pPr marL="0" marR="0" lvl="0" indent="0" algn="l" defTabSz="914400" rtl="0" eaLnBrk="1" fontAlgn="auto" latinLnBrk="0" hangingPunct="1">
+              <a:lnSpc>
+                <a:spcPct val="100000"/>
+              </a:lnSpc>
+              <a:spcBef>
+                <a:spcPts val="0"/>
+              </a:spcBef>
+              <a:spcAft>
+                <a:spcPts val="0"/>
+              </a:spcAft>
+              <a:buClrTx/>
+              <a:buSzTx/>
+              <a:buFontTx/>
+              <a:buNone/>
+              <a:tabLst/>
+              <a:defRPr/>
+            </a:pPr>
+            <a:r>
+              <a:rPr kumimoji="1" lang="ja-JP" altLang="en-US" dirty="0"/>
+              <a:t>既成のマニュアルをリンクさせたいときはプルダウンボタンから変更したいマニュアルを選択して設定する。</a:t>
+            </a:r>
+          </a:p>
+          <a:p>
+            <a:endParaRPr kumimoji="1" lang="en-US" altLang="ja-JP" dirty="0"/>
+          </a:p>
+        </p:txBody>
+      </p:sp>
+      <p:sp>
+        <p:nvSpPr>
+          <p:cNvPr id="4" name="スライド番号プレースホルダー 3"/>
+          <p:cNvSpPr>
+            <a:spLocks noGrp="1"/>
+          </p:cNvSpPr>
+          <p:nvPr>
+            <p:ph type="sldNum" sz="quarter" idx="5"/>
+          </p:nvPr>
+        </p:nvSpPr>
+        <p:spPr/>
+        <p:txBody>
+          <a:bodyPr/>
+          <a:lstStyle/>
+          <a:p>
+            <a:fld id="{C3A6A18F-9FD0-49ED-95E1-7FCA88DBA657}" type="slidenum">
+              <a:rPr kumimoji="1" lang="ja-JP" altLang="en-US" smtClean="0"/>
+              <a:t>23</a:t>
+            </a:fld>
+            <a:endParaRPr kumimoji="1" lang="ja-JP" altLang="en-US"/>
+          </a:p>
+        </p:txBody>
+      </p:sp>
+    </p:spTree>
+    <p:extLst>
+      <p:ext uri="{BB962C8B-B14F-4D97-AF65-F5344CB8AC3E}">
+        <p14:creationId xmlns:p14="http://schemas.microsoft.com/office/powerpoint/2010/main" val="1592540939"/>
+      </p:ext>
+    </p:extLst>
+  </p:cSld>
+  <p:clrMapOvr>
+    <a:masterClrMapping/>
+  </p:clrMapOvr>
+</p:notes>
+</file>
+
+<file path=ppt/notesSlides/notesSlide14.xml><?xml version="1.0" encoding="utf-8"?>
+<p:notes xmlns:a="http://schemas.openxmlformats.org/drawingml/2006/main" xmlns:r="http://schemas.openxmlformats.org/officeDocument/2006/relationships" xmlns:p="http://schemas.openxmlformats.org/presentationml/2006/main">
+  <p:cSld>
+    <p:spTree>
+      <p:nvGrpSpPr>
+        <p:cNvPr id="1" name=""/>
+        <p:cNvGrpSpPr/>
+        <p:nvPr/>
+      </p:nvGrpSpPr>
+      <p:grpSpPr>
+        <a:xfrm>
+          <a:off x="0" y="0"/>
+          <a:ext cx="0" cy="0"/>
+          <a:chOff x="0" y="0"/>
+          <a:chExt cx="0" cy="0"/>
+        </a:xfrm>
+      </p:grpSpPr>
+      <p:sp>
+        <p:nvSpPr>
+          <p:cNvPr id="2" name="スライド イメージ プレースホルダー 1"/>
+          <p:cNvSpPr>
+            <a:spLocks noGrp="1" noRot="1" noChangeAspect="1"/>
+          </p:cNvSpPr>
+          <p:nvPr>
+            <p:ph type="sldImg"/>
+          </p:nvPr>
+        </p:nvSpPr>
+        <p:spPr/>
+      </p:sp>
+      <p:sp>
+        <p:nvSpPr>
+          <p:cNvPr id="3" name="ノート プレースホルダー 2"/>
+          <p:cNvSpPr>
+            <a:spLocks noGrp="1"/>
+          </p:cNvSpPr>
+          <p:nvPr>
+            <p:ph type="body" idx="1"/>
+          </p:nvPr>
+        </p:nvSpPr>
+        <p:spPr/>
+        <p:txBody>
+          <a:bodyPr/>
+          <a:lstStyle/>
+          <a:p>
+            <a:r>
+              <a:rPr kumimoji="1" lang="ja-JP" altLang="en-US" dirty="0"/>
+              <a:t>予定の設定者は自動入力</a:t>
+            </a:r>
+          </a:p>
+        </p:txBody>
+      </p:sp>
+      <p:sp>
+        <p:nvSpPr>
+          <p:cNvPr id="4" name="スライド番号プレースホルダー 3"/>
+          <p:cNvSpPr>
+            <a:spLocks noGrp="1"/>
+          </p:cNvSpPr>
+          <p:nvPr>
+            <p:ph type="sldNum" sz="quarter" idx="5"/>
+          </p:nvPr>
+        </p:nvSpPr>
+        <p:spPr/>
+        <p:txBody>
+          <a:bodyPr/>
+          <a:lstStyle/>
+          <a:p>
+            <a:fld id="{C3A6A18F-9FD0-49ED-95E1-7FCA88DBA657}" type="slidenum">
+              <a:rPr kumimoji="1" lang="ja-JP" altLang="en-US" smtClean="0"/>
+              <a:t>24</a:t>
+            </a:fld>
+            <a:endParaRPr kumimoji="1" lang="ja-JP" altLang="en-US"/>
+          </a:p>
+        </p:txBody>
+      </p:sp>
+    </p:spTree>
+    <p:extLst>
+      <p:ext uri="{BB962C8B-B14F-4D97-AF65-F5344CB8AC3E}">
+        <p14:creationId xmlns:p14="http://schemas.microsoft.com/office/powerpoint/2010/main" val="2819197116"/>
+      </p:ext>
+    </p:extLst>
+  </p:cSld>
+  <p:clrMapOvr>
+    <a:masterClrMapping/>
+  </p:clrMapOvr>
+</p:notes>
+</file>
+
+<file path=ppt/notesSlides/notesSlide15.xml><?xml version="1.0" encoding="utf-8"?>
+<p:notes xmlns:a="http://schemas.openxmlformats.org/drawingml/2006/main" xmlns:r="http://schemas.openxmlformats.org/officeDocument/2006/relationships" xmlns:p="http://schemas.openxmlformats.org/presentationml/2006/main">
+  <p:cSld>
+    <p:spTree>
+      <p:nvGrpSpPr>
+        <p:cNvPr id="1" name=""/>
+        <p:cNvGrpSpPr/>
+        <p:nvPr/>
+      </p:nvGrpSpPr>
+      <p:grpSpPr>
+        <a:xfrm>
+          <a:off x="0" y="0"/>
+          <a:ext cx="0" cy="0"/>
+          <a:chOff x="0" y="0"/>
+          <a:chExt cx="0" cy="0"/>
+        </a:xfrm>
+      </p:grpSpPr>
+      <p:sp>
+        <p:nvSpPr>
+          <p:cNvPr id="2" name="スライド イメージ プレースホルダー 1"/>
+          <p:cNvSpPr>
+            <a:spLocks noGrp="1" noRot="1" noChangeAspect="1"/>
+          </p:cNvSpPr>
+          <p:nvPr>
+            <p:ph type="sldImg"/>
+          </p:nvPr>
+        </p:nvSpPr>
+        <p:spPr/>
+      </p:sp>
+      <p:sp>
+        <p:nvSpPr>
+          <p:cNvPr id="3" name="ノート プレースホルダー 2"/>
+          <p:cNvSpPr>
+            <a:spLocks noGrp="1"/>
+          </p:cNvSpPr>
+          <p:nvPr>
+            <p:ph type="body" idx="1"/>
+          </p:nvPr>
+        </p:nvSpPr>
+        <p:spPr/>
+        <p:txBody>
+          <a:bodyPr/>
+          <a:lstStyle/>
+          <a:p>
+            <a:r>
+              <a:rPr kumimoji="1" lang="ja-JP" altLang="en-US" dirty="0"/>
+              <a:t>予定の設定者は自動入力</a:t>
+            </a:r>
+          </a:p>
+        </p:txBody>
+      </p:sp>
+      <p:sp>
+        <p:nvSpPr>
+          <p:cNvPr id="4" name="スライド番号プレースホルダー 3"/>
+          <p:cNvSpPr>
+            <a:spLocks noGrp="1"/>
+          </p:cNvSpPr>
+          <p:nvPr>
+            <p:ph type="sldNum" sz="quarter" idx="5"/>
+          </p:nvPr>
+        </p:nvSpPr>
+        <p:spPr/>
+        <p:txBody>
+          <a:bodyPr/>
+          <a:lstStyle/>
+          <a:p>
+            <a:fld id="{C3A6A18F-9FD0-49ED-95E1-7FCA88DBA657}" type="slidenum">
+              <a:rPr kumimoji="1" lang="ja-JP" altLang="en-US" smtClean="0"/>
+              <a:t>25</a:t>
+            </a:fld>
+            <a:endParaRPr kumimoji="1" lang="ja-JP" altLang="en-US"/>
+          </a:p>
+        </p:txBody>
+      </p:sp>
+    </p:spTree>
+    <p:extLst>
+      <p:ext uri="{BB962C8B-B14F-4D97-AF65-F5344CB8AC3E}">
+        <p14:creationId xmlns:p14="http://schemas.microsoft.com/office/powerpoint/2010/main" val="3328412430"/>
       </p:ext>
     </p:extLst>
   </p:cSld>
@@ -23146,6 +23560,4858 @@
           <a:chExt cx="0" cy="0"/>
         </a:xfrm>
       </p:grpSpPr>
+      <p:sp>
+        <p:nvSpPr>
+          <p:cNvPr id="7" name="正方形/長方形 6">
+            <a:extLst>
+              <a:ext uri="{FF2B5EF4-FFF2-40B4-BE49-F238E27FC236}">
+                <a16:creationId xmlns:a16="http://schemas.microsoft.com/office/drawing/2014/main" id="{3830DDF9-5B12-DDDD-082C-AF3BF586F355}"/>
+              </a:ext>
+            </a:extLst>
+          </p:cNvPr>
+          <p:cNvSpPr/>
+          <p:nvPr/>
+        </p:nvSpPr>
+        <p:spPr>
+          <a:xfrm>
+            <a:off x="0" y="0"/>
+            <a:ext cx="12192000" cy="1386348"/>
+          </a:xfrm>
+          <a:prstGeom prst="rect">
+            <a:avLst/>
+          </a:prstGeom>
+          <a:solidFill>
+            <a:srgbClr val="F5F5F5"/>
+          </a:solidFill>
+          <a:ln>
+            <a:noFill/>
+          </a:ln>
+        </p:spPr>
+        <p:style>
+          <a:lnRef idx="2">
+            <a:schemeClr val="accent1">
+              <a:shade val="15000"/>
+            </a:schemeClr>
+          </a:lnRef>
+          <a:fillRef idx="1">
+            <a:schemeClr val="accent1"/>
+          </a:fillRef>
+          <a:effectRef idx="0">
+            <a:schemeClr val="accent1"/>
+          </a:effectRef>
+          <a:fontRef idx="minor">
+            <a:schemeClr val="lt1"/>
+          </a:fontRef>
+        </p:style>
+        <p:txBody>
+          <a:bodyPr rtlCol="0" anchor="ctr"/>
+          <a:lstStyle/>
+          <a:p>
+            <a:pPr algn="ctr"/>
+            <a:endParaRPr kumimoji="1" lang="ja-JP" altLang="en-US"/>
+          </a:p>
+        </p:txBody>
+      </p:sp>
+      <p:pic>
+        <p:nvPicPr>
+          <p:cNvPr id="5" name="図 4" descr="ロゴ&#10;&#10;中程度の精度で自動的に生成された説明">
+            <a:extLst>
+              <a:ext uri="{FF2B5EF4-FFF2-40B4-BE49-F238E27FC236}">
+                <a16:creationId xmlns:a16="http://schemas.microsoft.com/office/drawing/2014/main" id="{B9A39F28-1EBD-1E84-D159-443CA1B611CF}"/>
+              </a:ext>
+            </a:extLst>
+          </p:cNvPr>
+          <p:cNvPicPr>
+            <a:picLocks noChangeAspect="1"/>
+          </p:cNvPicPr>
+          <p:nvPr/>
+        </p:nvPicPr>
+        <p:blipFill rotWithShape="1">
+          <a:blip r:embed="rId3">
+            <a:extLst>
+              <a:ext uri="{28A0092B-C50C-407E-A947-70E740481C1C}">
+                <a14:useLocalDpi xmlns:a14="http://schemas.microsoft.com/office/drawing/2010/main" val="0"/>
+              </a:ext>
+            </a:extLst>
+          </a:blip>
+          <a:srcRect l="14562" t="11298" b="30517"/>
+          <a:stretch/>
+        </p:blipFill>
+        <p:spPr>
+          <a:xfrm>
+            <a:off x="4826940" y="196644"/>
+            <a:ext cx="2538120" cy="1012723"/>
+          </a:xfrm>
+          <a:prstGeom prst="rect">
+            <a:avLst/>
+          </a:prstGeom>
+        </p:spPr>
+      </p:pic>
+      <p:sp>
+        <p:nvSpPr>
+          <p:cNvPr id="14" name="正方形/長方形 13">
+            <a:extLst>
+              <a:ext uri="{FF2B5EF4-FFF2-40B4-BE49-F238E27FC236}">
+                <a16:creationId xmlns:a16="http://schemas.microsoft.com/office/drawing/2014/main" id="{52192687-6E27-88C8-ED3C-4F58ED7237DC}"/>
+              </a:ext>
+            </a:extLst>
+          </p:cNvPr>
+          <p:cNvSpPr/>
+          <p:nvPr/>
+        </p:nvSpPr>
+        <p:spPr>
+          <a:xfrm>
+            <a:off x="0" y="6459794"/>
+            <a:ext cx="12192000" cy="398206"/>
+          </a:xfrm>
+          <a:prstGeom prst="rect">
+            <a:avLst/>
+          </a:prstGeom>
+          <a:solidFill>
+            <a:srgbClr val="F5F5F5"/>
+          </a:solidFill>
+          <a:ln>
+            <a:noFill/>
+          </a:ln>
+        </p:spPr>
+        <p:style>
+          <a:lnRef idx="2">
+            <a:schemeClr val="accent1">
+              <a:shade val="15000"/>
+            </a:schemeClr>
+          </a:lnRef>
+          <a:fillRef idx="1">
+            <a:schemeClr val="accent1"/>
+          </a:fillRef>
+          <a:effectRef idx="0">
+            <a:schemeClr val="accent1"/>
+          </a:effectRef>
+          <a:fontRef idx="minor">
+            <a:schemeClr val="lt1"/>
+          </a:fontRef>
+        </p:style>
+        <p:txBody>
+          <a:bodyPr rtlCol="0" anchor="ctr"/>
+          <a:lstStyle/>
+          <a:p>
+            <a:pPr algn="ctr"/>
+            <a:endParaRPr kumimoji="1" lang="ja-JP" altLang="en-US"/>
+          </a:p>
+        </p:txBody>
+      </p:sp>
+      <p:grpSp>
+        <p:nvGrpSpPr>
+          <p:cNvPr id="21" name="グループ化 20">
+            <a:extLst>
+              <a:ext uri="{FF2B5EF4-FFF2-40B4-BE49-F238E27FC236}">
+                <a16:creationId xmlns:a16="http://schemas.microsoft.com/office/drawing/2014/main" id="{16808017-801A-53BE-3340-11699E77DC3C}"/>
+              </a:ext>
+            </a:extLst>
+          </p:cNvPr>
+          <p:cNvGrpSpPr/>
+          <p:nvPr/>
+        </p:nvGrpSpPr>
+        <p:grpSpPr>
+          <a:xfrm>
+            <a:off x="317581" y="277924"/>
+            <a:ext cx="924233" cy="1234235"/>
+            <a:chOff x="266781" y="196644"/>
+            <a:chExt cx="924233" cy="1234235"/>
+          </a:xfrm>
+        </p:grpSpPr>
+        <p:sp>
+          <p:nvSpPr>
+            <p:cNvPr id="6" name="フローチャート: 結合子 5">
+              <a:extLst>
+                <a:ext uri="{FF2B5EF4-FFF2-40B4-BE49-F238E27FC236}">
+                  <a16:creationId xmlns:a16="http://schemas.microsoft.com/office/drawing/2014/main" id="{760B2358-0756-5D93-6C4A-D5FC31E04F76}"/>
+                </a:ext>
+              </a:extLst>
+            </p:cNvPr>
+            <p:cNvSpPr/>
+            <p:nvPr/>
+          </p:nvSpPr>
+          <p:spPr>
+            <a:xfrm>
+              <a:off x="266781" y="196644"/>
+              <a:ext cx="924233" cy="924233"/>
+            </a:xfrm>
+            <a:prstGeom prst="flowChartConnector">
+              <a:avLst/>
+            </a:prstGeom>
+            <a:noFill/>
+            <a:ln w="28575">
+              <a:solidFill>
+                <a:srgbClr val="EA7B6B"/>
+              </a:solidFill>
+            </a:ln>
+          </p:spPr>
+          <p:style>
+            <a:lnRef idx="2">
+              <a:schemeClr val="accent1">
+                <a:shade val="15000"/>
+              </a:schemeClr>
+            </a:lnRef>
+            <a:fillRef idx="1">
+              <a:schemeClr val="accent1"/>
+            </a:fillRef>
+            <a:effectRef idx="0">
+              <a:schemeClr val="accent1"/>
+            </a:effectRef>
+            <a:fontRef idx="minor">
+              <a:schemeClr val="lt1"/>
+            </a:fontRef>
+          </p:style>
+          <p:txBody>
+            <a:bodyPr rtlCol="0" anchor="ctr"/>
+            <a:lstStyle/>
+            <a:p>
+              <a:pPr algn="ctr"/>
+              <a:endParaRPr kumimoji="1" lang="ja-JP" altLang="en-US"/>
+            </a:p>
+          </p:txBody>
+        </p:sp>
+        <p:sp>
+          <p:nvSpPr>
+            <p:cNvPr id="15" name="フローチャート: 結合子 14">
+              <a:extLst>
+                <a:ext uri="{FF2B5EF4-FFF2-40B4-BE49-F238E27FC236}">
+                  <a16:creationId xmlns:a16="http://schemas.microsoft.com/office/drawing/2014/main" id="{D05A29E2-273E-D3FB-A6C2-839C27DA4BB8}"/>
+                </a:ext>
+              </a:extLst>
+            </p:cNvPr>
+            <p:cNvSpPr/>
+            <p:nvPr/>
+          </p:nvSpPr>
+          <p:spPr>
+            <a:xfrm>
+              <a:off x="545771" y="319548"/>
+              <a:ext cx="366250" cy="349044"/>
+            </a:xfrm>
+            <a:prstGeom prst="flowChartConnector">
+              <a:avLst/>
+            </a:prstGeom>
+            <a:noFill/>
+            <a:ln w="28575">
+              <a:solidFill>
+                <a:srgbClr val="EA7B6B"/>
+              </a:solidFill>
+            </a:ln>
+          </p:spPr>
+          <p:style>
+            <a:lnRef idx="2">
+              <a:schemeClr val="accent1">
+                <a:shade val="15000"/>
+              </a:schemeClr>
+            </a:lnRef>
+            <a:fillRef idx="1">
+              <a:schemeClr val="accent1"/>
+            </a:fillRef>
+            <a:effectRef idx="0">
+              <a:schemeClr val="accent1"/>
+            </a:effectRef>
+            <a:fontRef idx="minor">
+              <a:schemeClr val="lt1"/>
+            </a:fontRef>
+          </p:style>
+          <p:txBody>
+            <a:bodyPr rtlCol="0" anchor="ctr"/>
+            <a:lstStyle/>
+            <a:p>
+              <a:pPr algn="ctr"/>
+              <a:endParaRPr kumimoji="1" lang="ja-JP" altLang="en-US"/>
+            </a:p>
+          </p:txBody>
+        </p:sp>
+        <p:sp>
+          <p:nvSpPr>
+            <p:cNvPr id="16" name="円弧 15">
+              <a:extLst>
+                <a:ext uri="{FF2B5EF4-FFF2-40B4-BE49-F238E27FC236}">
+                  <a16:creationId xmlns:a16="http://schemas.microsoft.com/office/drawing/2014/main" id="{24D54118-16BA-E4E7-2C10-DC055B34DBCF}"/>
+                </a:ext>
+              </a:extLst>
+            </p:cNvPr>
+            <p:cNvSpPr/>
+            <p:nvPr/>
+          </p:nvSpPr>
+          <p:spPr>
+            <a:xfrm rot="19079286">
+              <a:off x="374934" y="732788"/>
+              <a:ext cx="707924" cy="698091"/>
+            </a:xfrm>
+            <a:prstGeom prst="arc">
+              <a:avLst/>
+            </a:prstGeom>
+            <a:ln w="28575">
+              <a:solidFill>
+                <a:srgbClr val="EA7B6B"/>
+              </a:solidFill>
+            </a:ln>
+          </p:spPr>
+          <p:style>
+            <a:lnRef idx="1">
+              <a:schemeClr val="accent1"/>
+            </a:lnRef>
+            <a:fillRef idx="0">
+              <a:schemeClr val="accent1"/>
+            </a:fillRef>
+            <a:effectRef idx="0">
+              <a:schemeClr val="accent1"/>
+            </a:effectRef>
+            <a:fontRef idx="minor">
+              <a:schemeClr val="tx1"/>
+            </a:fontRef>
+          </p:style>
+          <p:txBody>
+            <a:bodyPr rtlCol="0" anchor="ctr"/>
+            <a:lstStyle/>
+            <a:p>
+              <a:pPr algn="ctr"/>
+              <a:endParaRPr kumimoji="1" lang="ja-JP" altLang="en-US"/>
+            </a:p>
+          </p:txBody>
+        </p:sp>
+      </p:grpSp>
+      <p:sp>
+        <p:nvSpPr>
+          <p:cNvPr id="20" name="テキスト ボックス 19">
+            <a:extLst>
+              <a:ext uri="{FF2B5EF4-FFF2-40B4-BE49-F238E27FC236}">
+                <a16:creationId xmlns:a16="http://schemas.microsoft.com/office/drawing/2014/main" id="{93D16964-E0C9-2363-48DD-3B661653827D}"/>
+              </a:ext>
+            </a:extLst>
+          </p:cNvPr>
+          <p:cNvSpPr txBox="1"/>
+          <p:nvPr/>
+        </p:nvSpPr>
+        <p:spPr>
+          <a:xfrm>
+            <a:off x="9558094" y="806695"/>
+            <a:ext cx="2401617" cy="461665"/>
+          </a:xfrm>
+          <a:prstGeom prst="rect">
+            <a:avLst/>
+          </a:prstGeom>
+          <a:noFill/>
+        </p:spPr>
+        <p:txBody>
+          <a:bodyPr wrap="square" rtlCol="0">
+            <a:spAutoFit/>
+          </a:bodyPr>
+          <a:lstStyle/>
+          <a:p>
+            <a:r>
+              <a:rPr kumimoji="1" lang="en-US" altLang="ja-JP" sz="2400" dirty="0">
+                <a:solidFill>
+                  <a:srgbClr val="001746"/>
+                </a:solidFill>
+                <a:latin typeface="Kristen ITC" panose="03050502040202030202" pitchFamily="66" charset="0"/>
+              </a:rPr>
+              <a:t>2024/06/07 (Fri)</a:t>
+            </a:r>
+            <a:endParaRPr kumimoji="1" lang="ja-JP" altLang="en-US" sz="2400" dirty="0">
+              <a:solidFill>
+                <a:srgbClr val="001746"/>
+              </a:solidFill>
+              <a:latin typeface="Kristen ITC" panose="03050502040202030202" pitchFamily="66" charset="0"/>
+            </a:endParaRPr>
+          </a:p>
+        </p:txBody>
+      </p:sp>
+      <p:sp>
+        <p:nvSpPr>
+          <p:cNvPr id="22" name="テキスト ボックス 21">
+            <a:extLst>
+              <a:ext uri="{FF2B5EF4-FFF2-40B4-BE49-F238E27FC236}">
+                <a16:creationId xmlns:a16="http://schemas.microsoft.com/office/drawing/2014/main" id="{71CC734F-A1B3-457D-DBDD-64EF65974439}"/>
+              </a:ext>
+            </a:extLst>
+          </p:cNvPr>
+          <p:cNvSpPr txBox="1"/>
+          <p:nvPr/>
+        </p:nvSpPr>
+        <p:spPr>
+          <a:xfrm>
+            <a:off x="3861424" y="6505008"/>
+            <a:ext cx="4490720" cy="307777"/>
+          </a:xfrm>
+          <a:prstGeom prst="rect">
+            <a:avLst/>
+          </a:prstGeom>
+          <a:noFill/>
+        </p:spPr>
+        <p:txBody>
+          <a:bodyPr wrap="square" rtlCol="0">
+            <a:spAutoFit/>
+          </a:bodyPr>
+          <a:lstStyle/>
+          <a:p>
+            <a:r>
+              <a:rPr kumimoji="1" lang="en-US" altLang="ja-JP" sz="1400" dirty="0">
+                <a:solidFill>
+                  <a:srgbClr val="001746"/>
+                </a:solidFill>
+              </a:rPr>
+              <a:t>Copyright </a:t>
+            </a:r>
+            <a:r>
+              <a:rPr kumimoji="1" lang="en-US" altLang="ja-JP" sz="1400" dirty="0" err="1">
+                <a:solidFill>
+                  <a:srgbClr val="001746"/>
+                </a:solidFill>
+              </a:rPr>
+              <a:t>paraparaChahan</a:t>
+            </a:r>
+            <a:r>
+              <a:rPr kumimoji="1" lang="en-US" altLang="ja-JP" sz="1400" dirty="0">
+                <a:solidFill>
+                  <a:srgbClr val="001746"/>
+                </a:solidFill>
+              </a:rPr>
+              <a:t>(PLUS DOJO). All rights reserved.</a:t>
+            </a:r>
+            <a:endParaRPr kumimoji="1" lang="ja-JP" altLang="en-US" sz="1400" dirty="0">
+              <a:solidFill>
+                <a:srgbClr val="001746"/>
+              </a:solidFill>
+            </a:endParaRPr>
+          </a:p>
+        </p:txBody>
+      </p:sp>
+      <p:sp>
+        <p:nvSpPr>
+          <p:cNvPr id="3" name="四角形: 角を丸くする 2">
+            <a:extLst>
+              <a:ext uri="{FF2B5EF4-FFF2-40B4-BE49-F238E27FC236}">
+                <a16:creationId xmlns:a16="http://schemas.microsoft.com/office/drawing/2014/main" id="{146B3927-1730-318D-63D3-A0AC238B0E05}"/>
+              </a:ext>
+            </a:extLst>
+          </p:cNvPr>
+          <p:cNvSpPr/>
+          <p:nvPr/>
+        </p:nvSpPr>
+        <p:spPr>
+          <a:xfrm>
+            <a:off x="667832" y="2278294"/>
+            <a:ext cx="10856335" cy="3906885"/>
+          </a:xfrm>
+          <a:prstGeom prst="roundRect">
+            <a:avLst>
+              <a:gd name="adj" fmla="val 12233"/>
+            </a:avLst>
+          </a:prstGeom>
+          <a:noFill/>
+          <a:ln w="76200" cmpd="dbl">
+            <a:solidFill>
+              <a:srgbClr val="8AAEC9"/>
+            </a:solidFill>
+          </a:ln>
+        </p:spPr>
+        <p:style>
+          <a:lnRef idx="2">
+            <a:schemeClr val="accent1">
+              <a:shade val="15000"/>
+            </a:schemeClr>
+          </a:lnRef>
+          <a:fillRef idx="1">
+            <a:schemeClr val="accent1"/>
+          </a:fillRef>
+          <a:effectRef idx="0">
+            <a:schemeClr val="accent1"/>
+          </a:effectRef>
+          <a:fontRef idx="minor">
+            <a:schemeClr val="lt1"/>
+          </a:fontRef>
+        </p:style>
+        <p:txBody>
+          <a:bodyPr rtlCol="0" anchor="ctr"/>
+          <a:lstStyle/>
+          <a:p>
+            <a:pPr algn="ctr"/>
+            <a:endParaRPr kumimoji="1" lang="ja-JP" altLang="en-US"/>
+          </a:p>
+        </p:txBody>
+      </p:sp>
+      <p:sp>
+        <p:nvSpPr>
+          <p:cNvPr id="10" name="四角形: 角を丸くする 9">
+            <a:extLst>
+              <a:ext uri="{FF2B5EF4-FFF2-40B4-BE49-F238E27FC236}">
+                <a16:creationId xmlns:a16="http://schemas.microsoft.com/office/drawing/2014/main" id="{33B89CC0-DD46-E6C4-797E-8822731F5AA5}"/>
+              </a:ext>
+            </a:extLst>
+          </p:cNvPr>
+          <p:cNvSpPr/>
+          <p:nvPr/>
+        </p:nvSpPr>
+        <p:spPr>
+          <a:xfrm>
+            <a:off x="1229710" y="5279569"/>
+            <a:ext cx="5886592" cy="613898"/>
+          </a:xfrm>
+          <a:prstGeom prst="roundRect">
+            <a:avLst>
+              <a:gd name="adj" fmla="val 32778"/>
+            </a:avLst>
+          </a:prstGeom>
+          <a:solidFill>
+            <a:srgbClr val="8AAEC9"/>
+          </a:solidFill>
+          <a:ln w="57150">
+            <a:solidFill>
+              <a:srgbClr val="8AAEC9"/>
+            </a:solidFill>
+          </a:ln>
+        </p:spPr>
+        <p:style>
+          <a:lnRef idx="2">
+            <a:schemeClr val="accent1">
+              <a:shade val="15000"/>
+            </a:schemeClr>
+          </a:lnRef>
+          <a:fillRef idx="1">
+            <a:schemeClr val="accent1"/>
+          </a:fillRef>
+          <a:effectRef idx="0">
+            <a:schemeClr val="accent1"/>
+          </a:effectRef>
+          <a:fontRef idx="minor">
+            <a:schemeClr val="lt1"/>
+          </a:fontRef>
+        </p:style>
+        <p:txBody>
+          <a:bodyPr rtlCol="0" anchor="ctr"/>
+          <a:lstStyle/>
+          <a:p>
+            <a:pPr algn="ctr"/>
+            <a:endParaRPr kumimoji="1" lang="ja-JP" altLang="en-US"/>
+          </a:p>
+        </p:txBody>
+      </p:sp>
+      <p:cxnSp>
+        <p:nvCxnSpPr>
+          <p:cNvPr id="11" name="直線コネクタ 10">
+            <a:extLst>
+              <a:ext uri="{FF2B5EF4-FFF2-40B4-BE49-F238E27FC236}">
+                <a16:creationId xmlns:a16="http://schemas.microsoft.com/office/drawing/2014/main" id="{EDF4094D-DA1E-705A-04C5-1F826752D2CB}"/>
+              </a:ext>
+            </a:extLst>
+          </p:cNvPr>
+          <p:cNvCxnSpPr>
+            <a:cxnSpLocks/>
+          </p:cNvCxnSpPr>
+          <p:nvPr/>
+        </p:nvCxnSpPr>
+        <p:spPr>
+          <a:xfrm>
+            <a:off x="1241814" y="3300535"/>
+            <a:ext cx="9720476" cy="0"/>
+          </a:xfrm>
+          <a:prstGeom prst="line">
+            <a:avLst/>
+          </a:prstGeom>
+          <a:ln w="28575">
+            <a:solidFill>
+              <a:srgbClr val="7DE3A1"/>
+            </a:solidFill>
+          </a:ln>
+        </p:spPr>
+        <p:style>
+          <a:lnRef idx="1">
+            <a:schemeClr val="accent1"/>
+          </a:lnRef>
+          <a:fillRef idx="0">
+            <a:schemeClr val="accent1"/>
+          </a:fillRef>
+          <a:effectRef idx="0">
+            <a:schemeClr val="accent1"/>
+          </a:effectRef>
+          <a:fontRef idx="minor">
+            <a:schemeClr val="tx1"/>
+          </a:fontRef>
+        </p:style>
+      </p:cxnSp>
+      <p:sp>
+        <p:nvSpPr>
+          <p:cNvPr id="12" name="四角形: 上の 2 つの角を丸める 11">
+            <a:extLst>
+              <a:ext uri="{FF2B5EF4-FFF2-40B4-BE49-F238E27FC236}">
+                <a16:creationId xmlns:a16="http://schemas.microsoft.com/office/drawing/2014/main" id="{A8C2D4BD-9778-F9C5-A90A-11B80A488263}"/>
+              </a:ext>
+            </a:extLst>
+          </p:cNvPr>
+          <p:cNvSpPr/>
+          <p:nvPr/>
+        </p:nvSpPr>
+        <p:spPr>
+          <a:xfrm>
+            <a:off x="4452694" y="1688039"/>
+            <a:ext cx="3266983" cy="581396"/>
+          </a:xfrm>
+          <a:prstGeom prst="round2SameRect">
+            <a:avLst>
+              <a:gd name="adj1" fmla="val 50000"/>
+              <a:gd name="adj2" fmla="val 0"/>
+            </a:avLst>
+          </a:prstGeom>
+          <a:solidFill>
+            <a:srgbClr val="8AAEC9"/>
+          </a:solidFill>
+          <a:ln>
+            <a:solidFill>
+              <a:srgbClr val="8AAEC9"/>
+            </a:solidFill>
+          </a:ln>
+        </p:spPr>
+        <p:style>
+          <a:lnRef idx="2">
+            <a:schemeClr val="accent1">
+              <a:shade val="15000"/>
+            </a:schemeClr>
+          </a:lnRef>
+          <a:fillRef idx="1">
+            <a:schemeClr val="accent1"/>
+          </a:fillRef>
+          <a:effectRef idx="0">
+            <a:schemeClr val="accent1"/>
+          </a:effectRef>
+          <a:fontRef idx="minor">
+            <a:schemeClr val="lt1"/>
+          </a:fontRef>
+        </p:style>
+        <p:txBody>
+          <a:bodyPr rtlCol="0" anchor="ctr"/>
+          <a:lstStyle/>
+          <a:p>
+            <a:pPr algn="ctr"/>
+            <a:endParaRPr kumimoji="1" lang="ja-JP" altLang="en-US"/>
+          </a:p>
+        </p:txBody>
+      </p:sp>
+      <p:sp>
+        <p:nvSpPr>
+          <p:cNvPr id="4" name="テキスト ボックス 3">
+            <a:extLst>
+              <a:ext uri="{FF2B5EF4-FFF2-40B4-BE49-F238E27FC236}">
+                <a16:creationId xmlns:a16="http://schemas.microsoft.com/office/drawing/2014/main" id="{AC8BFD5E-6382-E006-C058-C097C4B62BE4}"/>
+              </a:ext>
+            </a:extLst>
+          </p:cNvPr>
+          <p:cNvSpPr txBox="1"/>
+          <p:nvPr/>
+        </p:nvSpPr>
+        <p:spPr>
+          <a:xfrm>
+            <a:off x="4971451" y="1729874"/>
+            <a:ext cx="2210046" cy="584775"/>
+          </a:xfrm>
+          <a:prstGeom prst="rect">
+            <a:avLst/>
+          </a:prstGeom>
+          <a:noFill/>
+        </p:spPr>
+        <p:txBody>
+          <a:bodyPr wrap="square" rtlCol="0">
+            <a:spAutoFit/>
+          </a:bodyPr>
+          <a:lstStyle/>
+          <a:p>
+            <a:r>
+              <a:rPr kumimoji="1" lang="en-US" altLang="ja-JP" sz="3200" dirty="0">
+                <a:solidFill>
+                  <a:schemeClr val="bg1"/>
+                </a:solidFill>
+                <a:latin typeface="Kristen ITC" panose="03050502040202030202" pitchFamily="66" charset="0"/>
+              </a:rPr>
+              <a:t>New Task</a:t>
+            </a:r>
+            <a:endParaRPr kumimoji="1" lang="ja-JP" altLang="en-US" sz="3200" dirty="0">
+              <a:solidFill>
+                <a:schemeClr val="bg1"/>
+              </a:solidFill>
+              <a:latin typeface="Kristen ITC" panose="03050502040202030202" pitchFamily="66" charset="0"/>
+            </a:endParaRPr>
+          </a:p>
+        </p:txBody>
+      </p:sp>
+      <p:sp>
+        <p:nvSpPr>
+          <p:cNvPr id="23" name="テキスト ボックス 22">
+            <a:extLst>
+              <a:ext uri="{FF2B5EF4-FFF2-40B4-BE49-F238E27FC236}">
+                <a16:creationId xmlns:a16="http://schemas.microsoft.com/office/drawing/2014/main" id="{D0BB7FAF-E70C-F360-48D8-A6620B89447F}"/>
+              </a:ext>
+            </a:extLst>
+          </p:cNvPr>
+          <p:cNvSpPr txBox="1"/>
+          <p:nvPr/>
+        </p:nvSpPr>
+        <p:spPr>
+          <a:xfrm>
+            <a:off x="1355511" y="5324909"/>
+            <a:ext cx="692412" cy="523220"/>
+          </a:xfrm>
+          <a:prstGeom prst="rect">
+            <a:avLst/>
+          </a:prstGeom>
+          <a:noFill/>
+        </p:spPr>
+        <p:txBody>
+          <a:bodyPr wrap="square" rtlCol="0">
+            <a:spAutoFit/>
+          </a:bodyPr>
+          <a:lstStyle/>
+          <a:p>
+            <a:r>
+              <a:rPr kumimoji="1" lang="en-US" altLang="ja-JP" sz="2800" dirty="0">
+                <a:solidFill>
+                  <a:schemeClr val="bg1"/>
+                </a:solidFill>
+                <a:latin typeface="Kristen ITC" panose="03050502040202030202" pitchFamily="66" charset="0"/>
+              </a:rPr>
+              <a:t>To</a:t>
+            </a:r>
+            <a:endParaRPr kumimoji="1" lang="ja-JP" altLang="en-US" sz="2800" dirty="0">
+              <a:solidFill>
+                <a:schemeClr val="bg1"/>
+              </a:solidFill>
+              <a:latin typeface="Kristen ITC" panose="03050502040202030202" pitchFamily="66" charset="0"/>
+            </a:endParaRPr>
+          </a:p>
+        </p:txBody>
+      </p:sp>
+      <p:sp>
+        <p:nvSpPr>
+          <p:cNvPr id="24" name="テキスト ボックス 23">
+            <a:extLst>
+              <a:ext uri="{FF2B5EF4-FFF2-40B4-BE49-F238E27FC236}">
+                <a16:creationId xmlns:a16="http://schemas.microsoft.com/office/drawing/2014/main" id="{1E0042C7-F701-0CA2-C8CC-41F58B9DD983}"/>
+              </a:ext>
+            </a:extLst>
+          </p:cNvPr>
+          <p:cNvSpPr txBox="1"/>
+          <p:nvPr/>
+        </p:nvSpPr>
+        <p:spPr>
+          <a:xfrm>
+            <a:off x="4116018" y="5327882"/>
+            <a:ext cx="1060748" cy="523220"/>
+          </a:xfrm>
+          <a:prstGeom prst="rect">
+            <a:avLst/>
+          </a:prstGeom>
+          <a:noFill/>
+        </p:spPr>
+        <p:txBody>
+          <a:bodyPr wrap="square" rtlCol="0">
+            <a:spAutoFit/>
+          </a:bodyPr>
+          <a:lstStyle/>
+          <a:p>
+            <a:r>
+              <a:rPr kumimoji="1" lang="en-US" altLang="ja-JP" sz="2800" dirty="0">
+                <a:solidFill>
+                  <a:schemeClr val="bg1"/>
+                </a:solidFill>
+                <a:latin typeface="Kristen ITC" panose="03050502040202030202" pitchFamily="66" charset="0"/>
+              </a:rPr>
+              <a:t>From</a:t>
+            </a:r>
+            <a:endParaRPr kumimoji="1" lang="ja-JP" altLang="en-US" sz="2800" dirty="0">
+              <a:solidFill>
+                <a:schemeClr val="bg1"/>
+              </a:solidFill>
+              <a:latin typeface="Kristen ITC" panose="03050502040202030202" pitchFamily="66" charset="0"/>
+            </a:endParaRPr>
+          </a:p>
+        </p:txBody>
+      </p:sp>
+      <p:sp>
+        <p:nvSpPr>
+          <p:cNvPr id="25" name="四角形: 角を丸くする 24">
+            <a:extLst>
+              <a:ext uri="{FF2B5EF4-FFF2-40B4-BE49-F238E27FC236}">
+                <a16:creationId xmlns:a16="http://schemas.microsoft.com/office/drawing/2014/main" id="{EE8FC3DE-D167-6E1D-0F14-340A1D2DE484}"/>
+              </a:ext>
+            </a:extLst>
+          </p:cNvPr>
+          <p:cNvSpPr/>
+          <p:nvPr/>
+        </p:nvSpPr>
+        <p:spPr>
+          <a:xfrm>
+            <a:off x="7829969" y="3621260"/>
+            <a:ext cx="2980530" cy="1352392"/>
+          </a:xfrm>
+          <a:prstGeom prst="roundRect">
+            <a:avLst/>
+          </a:prstGeom>
+          <a:solidFill>
+            <a:srgbClr val="F3B4AB"/>
+          </a:solidFill>
+          <a:ln>
+            <a:noFill/>
+          </a:ln>
+        </p:spPr>
+        <p:style>
+          <a:lnRef idx="2">
+            <a:schemeClr val="accent1">
+              <a:shade val="15000"/>
+            </a:schemeClr>
+          </a:lnRef>
+          <a:fillRef idx="1">
+            <a:schemeClr val="accent1"/>
+          </a:fillRef>
+          <a:effectRef idx="0">
+            <a:schemeClr val="accent1"/>
+          </a:effectRef>
+          <a:fontRef idx="minor">
+            <a:schemeClr val="lt1"/>
+          </a:fontRef>
+        </p:style>
+        <p:txBody>
+          <a:bodyPr rtlCol="0" anchor="ctr"/>
+          <a:lstStyle/>
+          <a:p>
+            <a:pPr algn="ctr"/>
+            <a:endParaRPr kumimoji="1" lang="ja-JP" altLang="en-US"/>
+          </a:p>
+        </p:txBody>
+      </p:sp>
+      <p:sp>
+        <p:nvSpPr>
+          <p:cNvPr id="26" name="四角形: 角を丸くする 25">
+            <a:extLst>
+              <a:ext uri="{FF2B5EF4-FFF2-40B4-BE49-F238E27FC236}">
+                <a16:creationId xmlns:a16="http://schemas.microsoft.com/office/drawing/2014/main" id="{447160E7-4295-8FF5-EEC4-97D5174A121F}"/>
+              </a:ext>
+            </a:extLst>
+          </p:cNvPr>
+          <p:cNvSpPr/>
+          <p:nvPr/>
+        </p:nvSpPr>
+        <p:spPr>
+          <a:xfrm>
+            <a:off x="7923388" y="3698459"/>
+            <a:ext cx="2789014" cy="1212895"/>
+          </a:xfrm>
+          <a:prstGeom prst="roundRect">
+            <a:avLst/>
+          </a:prstGeom>
+          <a:noFill/>
+          <a:ln w="19050">
+            <a:solidFill>
+              <a:schemeClr val="bg1"/>
+            </a:solidFill>
+            <a:prstDash val="dash"/>
+          </a:ln>
+        </p:spPr>
+        <p:style>
+          <a:lnRef idx="2">
+            <a:schemeClr val="accent1">
+              <a:shade val="15000"/>
+            </a:schemeClr>
+          </a:lnRef>
+          <a:fillRef idx="1">
+            <a:schemeClr val="accent1"/>
+          </a:fillRef>
+          <a:effectRef idx="0">
+            <a:schemeClr val="accent1"/>
+          </a:effectRef>
+          <a:fontRef idx="minor">
+            <a:schemeClr val="lt1"/>
+          </a:fontRef>
+        </p:style>
+        <p:txBody>
+          <a:bodyPr rtlCol="0" anchor="ctr"/>
+          <a:lstStyle/>
+          <a:p>
+            <a:pPr algn="ctr"/>
+            <a:endParaRPr kumimoji="1" lang="ja-JP" altLang="en-US"/>
+          </a:p>
+        </p:txBody>
+      </p:sp>
+      <p:sp>
+        <p:nvSpPr>
+          <p:cNvPr id="27" name="テキスト ボックス 26">
+            <a:extLst>
+              <a:ext uri="{FF2B5EF4-FFF2-40B4-BE49-F238E27FC236}">
+                <a16:creationId xmlns:a16="http://schemas.microsoft.com/office/drawing/2014/main" id="{0B0AC96A-6B11-6AB3-CC37-AF9DF5B81A4F}"/>
+              </a:ext>
+            </a:extLst>
+          </p:cNvPr>
+          <p:cNvSpPr txBox="1"/>
+          <p:nvPr/>
+        </p:nvSpPr>
+        <p:spPr>
+          <a:xfrm>
+            <a:off x="8475327" y="4122453"/>
+            <a:ext cx="1685135" cy="584775"/>
+          </a:xfrm>
+          <a:prstGeom prst="rect">
+            <a:avLst/>
+          </a:prstGeom>
+          <a:noFill/>
+        </p:spPr>
+        <p:txBody>
+          <a:bodyPr wrap="square" rtlCol="0">
+            <a:spAutoFit/>
+          </a:bodyPr>
+          <a:lstStyle/>
+          <a:p>
+            <a:r>
+              <a:rPr kumimoji="1" lang="en-US" altLang="ja-JP" sz="3200" dirty="0">
+                <a:solidFill>
+                  <a:srgbClr val="001746"/>
+                </a:solidFill>
+                <a:latin typeface="Kristen ITC" panose="03050502040202030202" pitchFamily="66" charset="0"/>
+              </a:rPr>
+              <a:t>Manual</a:t>
+            </a:r>
+            <a:endParaRPr kumimoji="1" lang="ja-JP" altLang="en-US" sz="3200" dirty="0">
+              <a:solidFill>
+                <a:srgbClr val="001746"/>
+              </a:solidFill>
+              <a:latin typeface="Kristen ITC" panose="03050502040202030202" pitchFamily="66" charset="0"/>
+            </a:endParaRPr>
+          </a:p>
+        </p:txBody>
+      </p:sp>
+      <p:sp>
+        <p:nvSpPr>
+          <p:cNvPr id="30" name="テキスト ボックス 29">
+            <a:extLst>
+              <a:ext uri="{FF2B5EF4-FFF2-40B4-BE49-F238E27FC236}">
+                <a16:creationId xmlns:a16="http://schemas.microsoft.com/office/drawing/2014/main" id="{EFFCA850-546C-3197-DD36-4D950F325477}"/>
+              </a:ext>
+            </a:extLst>
+          </p:cNvPr>
+          <p:cNvSpPr txBox="1"/>
+          <p:nvPr/>
+        </p:nvSpPr>
+        <p:spPr>
+          <a:xfrm>
+            <a:off x="8710638" y="3890878"/>
+            <a:ext cx="1218362" cy="338554"/>
+          </a:xfrm>
+          <a:prstGeom prst="rect">
+            <a:avLst/>
+          </a:prstGeom>
+          <a:noFill/>
+        </p:spPr>
+        <p:txBody>
+          <a:bodyPr wrap="square" rtlCol="0">
+            <a:spAutoFit/>
+          </a:bodyPr>
+          <a:lstStyle/>
+          <a:p>
+            <a:r>
+              <a:rPr kumimoji="1" lang="ja-JP" altLang="en-US" sz="1600" dirty="0">
+                <a:solidFill>
+                  <a:srgbClr val="001746"/>
+                </a:solidFill>
+                <a:latin typeface="HGS創英角ﾎﾟｯﾌﾟ体" panose="040B0A00000000000000" pitchFamily="50" charset="-128"/>
+                <a:ea typeface="HGS創英角ﾎﾟｯﾌﾟ体" panose="040B0A00000000000000" pitchFamily="50" charset="-128"/>
+              </a:rPr>
+              <a:t>マニュアル</a:t>
+            </a:r>
+          </a:p>
+        </p:txBody>
+      </p:sp>
+      <p:sp>
+        <p:nvSpPr>
+          <p:cNvPr id="31" name="四角形: 角を丸くする 30">
+            <a:extLst>
+              <a:ext uri="{FF2B5EF4-FFF2-40B4-BE49-F238E27FC236}">
+                <a16:creationId xmlns:a16="http://schemas.microsoft.com/office/drawing/2014/main" id="{2FF2E046-0970-0D29-80B9-3AD20C42C595}"/>
+              </a:ext>
+            </a:extLst>
+          </p:cNvPr>
+          <p:cNvSpPr/>
+          <p:nvPr/>
+        </p:nvSpPr>
+        <p:spPr>
+          <a:xfrm>
+            <a:off x="1229710" y="3621261"/>
+            <a:ext cx="5886592" cy="1352392"/>
+          </a:xfrm>
+          <a:prstGeom prst="roundRect">
+            <a:avLst>
+              <a:gd name="adj" fmla="val 23987"/>
+            </a:avLst>
+          </a:prstGeom>
+          <a:noFill/>
+          <a:ln w="28575">
+            <a:solidFill>
+              <a:srgbClr val="7DE3A1"/>
+            </a:solidFill>
+          </a:ln>
+        </p:spPr>
+        <p:style>
+          <a:lnRef idx="2">
+            <a:schemeClr val="accent1">
+              <a:shade val="15000"/>
+            </a:schemeClr>
+          </a:lnRef>
+          <a:fillRef idx="1">
+            <a:schemeClr val="accent1"/>
+          </a:fillRef>
+          <a:effectRef idx="0">
+            <a:schemeClr val="accent1"/>
+          </a:effectRef>
+          <a:fontRef idx="minor">
+            <a:schemeClr val="lt1"/>
+          </a:fontRef>
+        </p:style>
+        <p:txBody>
+          <a:bodyPr rtlCol="0" anchor="ctr"/>
+          <a:lstStyle/>
+          <a:p>
+            <a:pPr algn="ctr"/>
+            <a:endParaRPr kumimoji="1" lang="ja-JP" altLang="en-US"/>
+          </a:p>
+        </p:txBody>
+      </p:sp>
+      <p:sp>
+        <p:nvSpPr>
+          <p:cNvPr id="32" name="四角形: 角を丸くする 31">
+            <a:extLst>
+              <a:ext uri="{FF2B5EF4-FFF2-40B4-BE49-F238E27FC236}">
+                <a16:creationId xmlns:a16="http://schemas.microsoft.com/office/drawing/2014/main" id="{8EC83A55-290D-DC96-39BE-1D8CA04717E6}"/>
+              </a:ext>
+            </a:extLst>
+          </p:cNvPr>
+          <p:cNvSpPr/>
+          <p:nvPr/>
+        </p:nvSpPr>
+        <p:spPr>
+          <a:xfrm>
+            <a:off x="8640487" y="5276753"/>
+            <a:ext cx="1359494" cy="613898"/>
+          </a:xfrm>
+          <a:prstGeom prst="roundRect">
+            <a:avLst>
+              <a:gd name="adj" fmla="val 32778"/>
+            </a:avLst>
+          </a:prstGeom>
+          <a:solidFill>
+            <a:srgbClr val="001746"/>
+          </a:solidFill>
+          <a:ln w="57150">
+            <a:solidFill>
+              <a:srgbClr val="001746"/>
+            </a:solidFill>
+          </a:ln>
+        </p:spPr>
+        <p:style>
+          <a:lnRef idx="2">
+            <a:schemeClr val="accent1">
+              <a:shade val="15000"/>
+            </a:schemeClr>
+          </a:lnRef>
+          <a:fillRef idx="1">
+            <a:schemeClr val="accent1"/>
+          </a:fillRef>
+          <a:effectRef idx="0">
+            <a:schemeClr val="accent1"/>
+          </a:effectRef>
+          <a:fontRef idx="minor">
+            <a:schemeClr val="lt1"/>
+          </a:fontRef>
+        </p:style>
+        <p:txBody>
+          <a:bodyPr rtlCol="0" anchor="ctr"/>
+          <a:lstStyle/>
+          <a:p>
+            <a:pPr algn="ctr"/>
+            <a:endParaRPr kumimoji="1" lang="ja-JP" altLang="en-US"/>
+          </a:p>
+        </p:txBody>
+      </p:sp>
+      <p:sp>
+        <p:nvSpPr>
+          <p:cNvPr id="34" name="テキスト ボックス 33">
+            <a:extLst>
+              <a:ext uri="{FF2B5EF4-FFF2-40B4-BE49-F238E27FC236}">
+                <a16:creationId xmlns:a16="http://schemas.microsoft.com/office/drawing/2014/main" id="{FD5F7076-2F4C-E1D2-AA8D-20C80D2F4421}"/>
+              </a:ext>
+            </a:extLst>
+          </p:cNvPr>
+          <p:cNvSpPr txBox="1"/>
+          <p:nvPr/>
+        </p:nvSpPr>
+        <p:spPr>
+          <a:xfrm>
+            <a:off x="8855533" y="5323772"/>
+            <a:ext cx="929402" cy="523220"/>
+          </a:xfrm>
+          <a:prstGeom prst="rect">
+            <a:avLst/>
+          </a:prstGeom>
+          <a:noFill/>
+        </p:spPr>
+        <p:txBody>
+          <a:bodyPr wrap="square" rtlCol="0">
+            <a:spAutoFit/>
+          </a:bodyPr>
+          <a:lstStyle/>
+          <a:p>
+            <a:r>
+              <a:rPr kumimoji="1" lang="ja-JP" altLang="en-US" sz="2800" dirty="0">
+                <a:solidFill>
+                  <a:schemeClr val="bg1"/>
+                </a:solidFill>
+                <a:latin typeface="UD デジタル 教科書体 NP-B" panose="02020700000000000000" pitchFamily="18" charset="-128"/>
+                <a:ea typeface="UD デジタル 教科書体 NP-B" panose="02020700000000000000" pitchFamily="18" charset="-128"/>
+              </a:rPr>
+              <a:t>登録</a:t>
+            </a:r>
+          </a:p>
+        </p:txBody>
+      </p:sp>
+      <p:sp>
+        <p:nvSpPr>
+          <p:cNvPr id="36" name="四角形: 角を丸くする 35">
+            <a:extLst>
+              <a:ext uri="{FF2B5EF4-FFF2-40B4-BE49-F238E27FC236}">
+                <a16:creationId xmlns:a16="http://schemas.microsoft.com/office/drawing/2014/main" id="{AFCBA7D3-F771-B3CE-23C6-D4F4BB4E0975}"/>
+              </a:ext>
+            </a:extLst>
+          </p:cNvPr>
+          <p:cNvSpPr/>
+          <p:nvPr/>
+        </p:nvSpPr>
+        <p:spPr>
+          <a:xfrm>
+            <a:off x="1229710" y="2532647"/>
+            <a:ext cx="1905423" cy="613898"/>
+          </a:xfrm>
+          <a:prstGeom prst="roundRect">
+            <a:avLst>
+              <a:gd name="adj" fmla="val 32778"/>
+            </a:avLst>
+          </a:prstGeom>
+          <a:solidFill>
+            <a:srgbClr val="C0F2D2"/>
+          </a:solidFill>
+          <a:ln w="57150">
+            <a:noFill/>
+          </a:ln>
+        </p:spPr>
+        <p:style>
+          <a:lnRef idx="2">
+            <a:schemeClr val="accent1">
+              <a:shade val="15000"/>
+            </a:schemeClr>
+          </a:lnRef>
+          <a:fillRef idx="1">
+            <a:schemeClr val="accent1"/>
+          </a:fillRef>
+          <a:effectRef idx="0">
+            <a:schemeClr val="accent1"/>
+          </a:effectRef>
+          <a:fontRef idx="minor">
+            <a:schemeClr val="lt1"/>
+          </a:fontRef>
+        </p:style>
+        <p:txBody>
+          <a:bodyPr rtlCol="0" anchor="ctr"/>
+          <a:lstStyle/>
+          <a:p>
+            <a:pPr algn="ctr"/>
+            <a:endParaRPr kumimoji="1" lang="ja-JP" altLang="en-US"/>
+          </a:p>
+        </p:txBody>
+      </p:sp>
+      <p:sp>
+        <p:nvSpPr>
+          <p:cNvPr id="38" name="テキスト ボックス 37">
+            <a:extLst>
+              <a:ext uri="{FF2B5EF4-FFF2-40B4-BE49-F238E27FC236}">
+                <a16:creationId xmlns:a16="http://schemas.microsoft.com/office/drawing/2014/main" id="{46386EAD-F801-9462-A596-B6E78D9C35AB}"/>
+              </a:ext>
+            </a:extLst>
+          </p:cNvPr>
+          <p:cNvSpPr txBox="1"/>
+          <p:nvPr/>
+        </p:nvSpPr>
+        <p:spPr>
+          <a:xfrm>
+            <a:off x="1717946" y="2588558"/>
+            <a:ext cx="928950" cy="523220"/>
+          </a:xfrm>
+          <a:prstGeom prst="rect">
+            <a:avLst/>
+          </a:prstGeom>
+          <a:noFill/>
+        </p:spPr>
+        <p:txBody>
+          <a:bodyPr wrap="square" rtlCol="0">
+            <a:spAutoFit/>
+          </a:bodyPr>
+          <a:lstStyle/>
+          <a:p>
+            <a:r>
+              <a:rPr kumimoji="1" lang="ja-JP" altLang="en-US" sz="2800" dirty="0">
+                <a:solidFill>
+                  <a:srgbClr val="001746"/>
+                </a:solidFill>
+                <a:latin typeface="UD デジタル 教科書体 NP-B" panose="02020700000000000000" pitchFamily="18" charset="-128"/>
+                <a:ea typeface="UD デジタル 教科書体 NP-B" panose="02020700000000000000" pitchFamily="18" charset="-128"/>
+              </a:rPr>
+              <a:t>当日</a:t>
+            </a:r>
+          </a:p>
+        </p:txBody>
+      </p:sp>
+      <p:sp>
+        <p:nvSpPr>
+          <p:cNvPr id="39" name="テキスト ボックス 38">
+            <a:extLst>
+              <a:ext uri="{FF2B5EF4-FFF2-40B4-BE49-F238E27FC236}">
+                <a16:creationId xmlns:a16="http://schemas.microsoft.com/office/drawing/2014/main" id="{9E5F94DF-00B7-F5B9-064C-ECCC79DCE787}"/>
+              </a:ext>
+            </a:extLst>
+          </p:cNvPr>
+          <p:cNvSpPr txBox="1"/>
+          <p:nvPr/>
+        </p:nvSpPr>
+        <p:spPr>
+          <a:xfrm>
+            <a:off x="1355511" y="3747351"/>
+            <a:ext cx="3625652" cy="400110"/>
+          </a:xfrm>
+          <a:prstGeom prst="rect">
+            <a:avLst/>
+          </a:prstGeom>
+          <a:noFill/>
+        </p:spPr>
+        <p:txBody>
+          <a:bodyPr wrap="square" rtlCol="0">
+            <a:spAutoFit/>
+          </a:bodyPr>
+          <a:lstStyle/>
+          <a:p>
+            <a:r>
+              <a:rPr kumimoji="1" lang="ja-JP" altLang="en-US" sz="2000" dirty="0">
+                <a:solidFill>
+                  <a:srgbClr val="001746"/>
+                </a:solidFill>
+                <a:latin typeface="UD デジタル 教科書体 NP-B" panose="02020700000000000000" pitchFamily="18" charset="-128"/>
+                <a:ea typeface="UD デジタル 教科書体 NP-B" panose="02020700000000000000" pitchFamily="18" charset="-128"/>
+              </a:rPr>
+              <a:t>卵、牛乳</a:t>
+            </a:r>
+            <a:endParaRPr kumimoji="1" lang="en-US" altLang="ja-JP" sz="2000" dirty="0">
+              <a:solidFill>
+                <a:srgbClr val="001746"/>
+              </a:solidFill>
+              <a:latin typeface="UD デジタル 教科書体 NP-B" panose="02020700000000000000" pitchFamily="18" charset="-128"/>
+              <a:ea typeface="UD デジタル 教科書体 NP-B" panose="02020700000000000000" pitchFamily="18" charset="-128"/>
+            </a:endParaRPr>
+          </a:p>
+        </p:txBody>
+      </p:sp>
+      <p:sp>
+        <p:nvSpPr>
+          <p:cNvPr id="40" name="テキスト ボックス 39">
+            <a:extLst>
+              <a:ext uri="{FF2B5EF4-FFF2-40B4-BE49-F238E27FC236}">
+                <a16:creationId xmlns:a16="http://schemas.microsoft.com/office/drawing/2014/main" id="{72D32AB8-1A08-6F02-ECAA-9D863288C073}"/>
+              </a:ext>
+            </a:extLst>
+          </p:cNvPr>
+          <p:cNvSpPr txBox="1"/>
+          <p:nvPr/>
+        </p:nvSpPr>
+        <p:spPr>
+          <a:xfrm>
+            <a:off x="2182421" y="5332740"/>
+            <a:ext cx="972041" cy="523220"/>
+          </a:xfrm>
+          <a:prstGeom prst="rect">
+            <a:avLst/>
+          </a:prstGeom>
+          <a:noFill/>
+        </p:spPr>
+        <p:txBody>
+          <a:bodyPr wrap="square" rtlCol="0">
+            <a:spAutoFit/>
+          </a:bodyPr>
+          <a:lstStyle/>
+          <a:p>
+            <a:r>
+              <a:rPr kumimoji="1" lang="ja-JP" altLang="en-US" sz="2800" dirty="0">
+                <a:solidFill>
+                  <a:srgbClr val="001746"/>
+                </a:solidFill>
+                <a:latin typeface="UD デジタル 教科書体 NP-B" panose="02020700000000000000" pitchFamily="18" charset="-128"/>
+                <a:ea typeface="UD デジタル 教科書体 NP-B" panose="02020700000000000000" pitchFamily="18" charset="-128"/>
+              </a:rPr>
+              <a:t>パパ</a:t>
+            </a:r>
+          </a:p>
+        </p:txBody>
+      </p:sp>
+      <p:sp>
+        <p:nvSpPr>
+          <p:cNvPr id="41" name="テキスト ボックス 40">
+            <a:extLst>
+              <a:ext uri="{FF2B5EF4-FFF2-40B4-BE49-F238E27FC236}">
+                <a16:creationId xmlns:a16="http://schemas.microsoft.com/office/drawing/2014/main" id="{92FEB2DA-238B-0757-0E82-F0A70F9DAC2A}"/>
+              </a:ext>
+            </a:extLst>
+          </p:cNvPr>
+          <p:cNvSpPr txBox="1"/>
+          <p:nvPr/>
+        </p:nvSpPr>
+        <p:spPr>
+          <a:xfrm>
+            <a:off x="5252623" y="5324909"/>
+            <a:ext cx="972041" cy="523220"/>
+          </a:xfrm>
+          <a:prstGeom prst="rect">
+            <a:avLst/>
+          </a:prstGeom>
+          <a:noFill/>
+        </p:spPr>
+        <p:txBody>
+          <a:bodyPr wrap="square" rtlCol="0">
+            <a:spAutoFit/>
+          </a:bodyPr>
+          <a:lstStyle/>
+          <a:p>
+            <a:r>
+              <a:rPr kumimoji="1" lang="ja-JP" altLang="en-US" sz="2800" dirty="0">
+                <a:solidFill>
+                  <a:srgbClr val="001746"/>
+                </a:solidFill>
+                <a:latin typeface="UD デジタル 教科書体 NP-B" panose="02020700000000000000" pitchFamily="18" charset="-128"/>
+                <a:ea typeface="UD デジタル 教科書体 NP-B" panose="02020700000000000000" pitchFamily="18" charset="-128"/>
+              </a:rPr>
+              <a:t>ママ</a:t>
+            </a:r>
+          </a:p>
+        </p:txBody>
+      </p:sp>
+      <p:sp>
+        <p:nvSpPr>
+          <p:cNvPr id="42" name="テキスト ボックス 41">
+            <a:extLst>
+              <a:ext uri="{FF2B5EF4-FFF2-40B4-BE49-F238E27FC236}">
+                <a16:creationId xmlns:a16="http://schemas.microsoft.com/office/drawing/2014/main" id="{82A4F8A3-D791-71C6-8851-0352BC8D8036}"/>
+              </a:ext>
+            </a:extLst>
+          </p:cNvPr>
+          <p:cNvSpPr txBox="1"/>
+          <p:nvPr/>
+        </p:nvSpPr>
+        <p:spPr>
+          <a:xfrm>
+            <a:off x="5176766" y="2595459"/>
+            <a:ext cx="3625652" cy="523220"/>
+          </a:xfrm>
+          <a:prstGeom prst="rect">
+            <a:avLst/>
+          </a:prstGeom>
+          <a:noFill/>
+        </p:spPr>
+        <p:txBody>
+          <a:bodyPr wrap="square" rtlCol="0">
+            <a:spAutoFit/>
+          </a:bodyPr>
+          <a:lstStyle/>
+          <a:p>
+            <a:r>
+              <a:rPr kumimoji="1" lang="ja-JP" altLang="en-US" sz="2800" dirty="0">
+                <a:solidFill>
+                  <a:srgbClr val="001746"/>
+                </a:solidFill>
+                <a:latin typeface="UD デジタル 教科書体 NP-B" panose="02020700000000000000" pitchFamily="18" charset="-128"/>
+                <a:ea typeface="UD デジタル 教科書体 NP-B" panose="02020700000000000000" pitchFamily="18" charset="-128"/>
+              </a:rPr>
+              <a:t>夕飯の買い物</a:t>
+            </a:r>
+          </a:p>
+        </p:txBody>
+      </p:sp>
+    </p:spTree>
+    <p:extLst>
+      <p:ext uri="{BB962C8B-B14F-4D97-AF65-F5344CB8AC3E}">
+        <p14:creationId xmlns:p14="http://schemas.microsoft.com/office/powerpoint/2010/main" val="1262398865"/>
+      </p:ext>
+    </p:extLst>
+  </p:cSld>
+  <p:clrMapOvr>
+    <a:masterClrMapping/>
+  </p:clrMapOvr>
+</p:sld>
+</file>
+
+<file path=ppt/slides/slide23.xml><?xml version="1.0" encoding="utf-8"?>
+<p:sld xmlns:a="http://schemas.openxmlformats.org/drawingml/2006/main" xmlns:r="http://schemas.openxmlformats.org/officeDocument/2006/relationships" xmlns:p="http://schemas.openxmlformats.org/presentationml/2006/main">
+  <p:cSld>
+    <p:spTree>
+      <p:nvGrpSpPr>
+        <p:cNvPr id="1" name=""/>
+        <p:cNvGrpSpPr/>
+        <p:nvPr/>
+      </p:nvGrpSpPr>
+      <p:grpSpPr>
+        <a:xfrm>
+          <a:off x="0" y="0"/>
+          <a:ext cx="0" cy="0"/>
+          <a:chOff x="0" y="0"/>
+          <a:chExt cx="0" cy="0"/>
+        </a:xfrm>
+      </p:grpSpPr>
+      <p:sp>
+        <p:nvSpPr>
+          <p:cNvPr id="7" name="正方形/長方形 6">
+            <a:extLst>
+              <a:ext uri="{FF2B5EF4-FFF2-40B4-BE49-F238E27FC236}">
+                <a16:creationId xmlns:a16="http://schemas.microsoft.com/office/drawing/2014/main" id="{3830DDF9-5B12-DDDD-082C-AF3BF586F355}"/>
+              </a:ext>
+            </a:extLst>
+          </p:cNvPr>
+          <p:cNvSpPr/>
+          <p:nvPr/>
+        </p:nvSpPr>
+        <p:spPr>
+          <a:xfrm>
+            <a:off x="0" y="0"/>
+            <a:ext cx="12192000" cy="1386348"/>
+          </a:xfrm>
+          <a:prstGeom prst="rect">
+            <a:avLst/>
+          </a:prstGeom>
+          <a:solidFill>
+            <a:srgbClr val="F5F5F5"/>
+          </a:solidFill>
+          <a:ln>
+            <a:noFill/>
+          </a:ln>
+        </p:spPr>
+        <p:style>
+          <a:lnRef idx="2">
+            <a:schemeClr val="accent1">
+              <a:shade val="15000"/>
+            </a:schemeClr>
+          </a:lnRef>
+          <a:fillRef idx="1">
+            <a:schemeClr val="accent1"/>
+          </a:fillRef>
+          <a:effectRef idx="0">
+            <a:schemeClr val="accent1"/>
+          </a:effectRef>
+          <a:fontRef idx="minor">
+            <a:schemeClr val="lt1"/>
+          </a:fontRef>
+        </p:style>
+        <p:txBody>
+          <a:bodyPr rtlCol="0" anchor="ctr"/>
+          <a:lstStyle/>
+          <a:p>
+            <a:pPr algn="ctr"/>
+            <a:endParaRPr kumimoji="1" lang="ja-JP" altLang="en-US"/>
+          </a:p>
+        </p:txBody>
+      </p:sp>
+      <p:pic>
+        <p:nvPicPr>
+          <p:cNvPr id="5" name="図 4" descr="ロゴ&#10;&#10;中程度の精度で自動的に生成された説明">
+            <a:extLst>
+              <a:ext uri="{FF2B5EF4-FFF2-40B4-BE49-F238E27FC236}">
+                <a16:creationId xmlns:a16="http://schemas.microsoft.com/office/drawing/2014/main" id="{B9A39F28-1EBD-1E84-D159-443CA1B611CF}"/>
+              </a:ext>
+            </a:extLst>
+          </p:cNvPr>
+          <p:cNvPicPr>
+            <a:picLocks noChangeAspect="1"/>
+          </p:cNvPicPr>
+          <p:nvPr/>
+        </p:nvPicPr>
+        <p:blipFill rotWithShape="1">
+          <a:blip r:embed="rId3">
+            <a:extLst>
+              <a:ext uri="{28A0092B-C50C-407E-A947-70E740481C1C}">
+                <a14:useLocalDpi xmlns:a14="http://schemas.microsoft.com/office/drawing/2010/main" val="0"/>
+              </a:ext>
+            </a:extLst>
+          </a:blip>
+          <a:srcRect l="14562" t="11298" b="30517"/>
+          <a:stretch/>
+        </p:blipFill>
+        <p:spPr>
+          <a:xfrm>
+            <a:off x="4826940" y="196644"/>
+            <a:ext cx="2538120" cy="1012723"/>
+          </a:xfrm>
+          <a:prstGeom prst="rect">
+            <a:avLst/>
+          </a:prstGeom>
+        </p:spPr>
+      </p:pic>
+      <p:sp>
+        <p:nvSpPr>
+          <p:cNvPr id="14" name="正方形/長方形 13">
+            <a:extLst>
+              <a:ext uri="{FF2B5EF4-FFF2-40B4-BE49-F238E27FC236}">
+                <a16:creationId xmlns:a16="http://schemas.microsoft.com/office/drawing/2014/main" id="{52192687-6E27-88C8-ED3C-4F58ED7237DC}"/>
+              </a:ext>
+            </a:extLst>
+          </p:cNvPr>
+          <p:cNvSpPr/>
+          <p:nvPr/>
+        </p:nvSpPr>
+        <p:spPr>
+          <a:xfrm>
+            <a:off x="0" y="6459794"/>
+            <a:ext cx="12192000" cy="398206"/>
+          </a:xfrm>
+          <a:prstGeom prst="rect">
+            <a:avLst/>
+          </a:prstGeom>
+          <a:solidFill>
+            <a:srgbClr val="F5F5F5"/>
+          </a:solidFill>
+          <a:ln>
+            <a:noFill/>
+          </a:ln>
+        </p:spPr>
+        <p:style>
+          <a:lnRef idx="2">
+            <a:schemeClr val="accent1">
+              <a:shade val="15000"/>
+            </a:schemeClr>
+          </a:lnRef>
+          <a:fillRef idx="1">
+            <a:schemeClr val="accent1"/>
+          </a:fillRef>
+          <a:effectRef idx="0">
+            <a:schemeClr val="accent1"/>
+          </a:effectRef>
+          <a:fontRef idx="minor">
+            <a:schemeClr val="lt1"/>
+          </a:fontRef>
+        </p:style>
+        <p:txBody>
+          <a:bodyPr rtlCol="0" anchor="ctr"/>
+          <a:lstStyle/>
+          <a:p>
+            <a:pPr algn="ctr"/>
+            <a:endParaRPr kumimoji="1" lang="ja-JP" altLang="en-US"/>
+          </a:p>
+        </p:txBody>
+      </p:sp>
+      <p:grpSp>
+        <p:nvGrpSpPr>
+          <p:cNvPr id="21" name="グループ化 20">
+            <a:extLst>
+              <a:ext uri="{FF2B5EF4-FFF2-40B4-BE49-F238E27FC236}">
+                <a16:creationId xmlns:a16="http://schemas.microsoft.com/office/drawing/2014/main" id="{16808017-801A-53BE-3340-11699E77DC3C}"/>
+              </a:ext>
+            </a:extLst>
+          </p:cNvPr>
+          <p:cNvGrpSpPr/>
+          <p:nvPr/>
+        </p:nvGrpSpPr>
+        <p:grpSpPr>
+          <a:xfrm>
+            <a:off x="317581" y="277924"/>
+            <a:ext cx="924233" cy="1234235"/>
+            <a:chOff x="266781" y="196644"/>
+            <a:chExt cx="924233" cy="1234235"/>
+          </a:xfrm>
+        </p:grpSpPr>
+        <p:sp>
+          <p:nvSpPr>
+            <p:cNvPr id="6" name="フローチャート: 結合子 5">
+              <a:extLst>
+                <a:ext uri="{FF2B5EF4-FFF2-40B4-BE49-F238E27FC236}">
+                  <a16:creationId xmlns:a16="http://schemas.microsoft.com/office/drawing/2014/main" id="{760B2358-0756-5D93-6C4A-D5FC31E04F76}"/>
+                </a:ext>
+              </a:extLst>
+            </p:cNvPr>
+            <p:cNvSpPr/>
+            <p:nvPr/>
+          </p:nvSpPr>
+          <p:spPr>
+            <a:xfrm>
+              <a:off x="266781" y="196644"/>
+              <a:ext cx="924233" cy="924233"/>
+            </a:xfrm>
+            <a:prstGeom prst="flowChartConnector">
+              <a:avLst/>
+            </a:prstGeom>
+            <a:noFill/>
+            <a:ln w="28575">
+              <a:solidFill>
+                <a:srgbClr val="EA7B6B"/>
+              </a:solidFill>
+            </a:ln>
+          </p:spPr>
+          <p:style>
+            <a:lnRef idx="2">
+              <a:schemeClr val="accent1">
+                <a:shade val="15000"/>
+              </a:schemeClr>
+            </a:lnRef>
+            <a:fillRef idx="1">
+              <a:schemeClr val="accent1"/>
+            </a:fillRef>
+            <a:effectRef idx="0">
+              <a:schemeClr val="accent1"/>
+            </a:effectRef>
+            <a:fontRef idx="minor">
+              <a:schemeClr val="lt1"/>
+            </a:fontRef>
+          </p:style>
+          <p:txBody>
+            <a:bodyPr rtlCol="0" anchor="ctr"/>
+            <a:lstStyle/>
+            <a:p>
+              <a:pPr algn="ctr"/>
+              <a:endParaRPr kumimoji="1" lang="ja-JP" altLang="en-US"/>
+            </a:p>
+          </p:txBody>
+        </p:sp>
+        <p:sp>
+          <p:nvSpPr>
+            <p:cNvPr id="15" name="フローチャート: 結合子 14">
+              <a:extLst>
+                <a:ext uri="{FF2B5EF4-FFF2-40B4-BE49-F238E27FC236}">
+                  <a16:creationId xmlns:a16="http://schemas.microsoft.com/office/drawing/2014/main" id="{D05A29E2-273E-D3FB-A6C2-839C27DA4BB8}"/>
+                </a:ext>
+              </a:extLst>
+            </p:cNvPr>
+            <p:cNvSpPr/>
+            <p:nvPr/>
+          </p:nvSpPr>
+          <p:spPr>
+            <a:xfrm>
+              <a:off x="545771" y="319548"/>
+              <a:ext cx="366250" cy="349044"/>
+            </a:xfrm>
+            <a:prstGeom prst="flowChartConnector">
+              <a:avLst/>
+            </a:prstGeom>
+            <a:noFill/>
+            <a:ln w="28575">
+              <a:solidFill>
+                <a:srgbClr val="EA7B6B"/>
+              </a:solidFill>
+            </a:ln>
+          </p:spPr>
+          <p:style>
+            <a:lnRef idx="2">
+              <a:schemeClr val="accent1">
+                <a:shade val="15000"/>
+              </a:schemeClr>
+            </a:lnRef>
+            <a:fillRef idx="1">
+              <a:schemeClr val="accent1"/>
+            </a:fillRef>
+            <a:effectRef idx="0">
+              <a:schemeClr val="accent1"/>
+            </a:effectRef>
+            <a:fontRef idx="minor">
+              <a:schemeClr val="lt1"/>
+            </a:fontRef>
+          </p:style>
+          <p:txBody>
+            <a:bodyPr rtlCol="0" anchor="ctr"/>
+            <a:lstStyle/>
+            <a:p>
+              <a:pPr algn="ctr"/>
+              <a:endParaRPr kumimoji="1" lang="ja-JP" altLang="en-US"/>
+            </a:p>
+          </p:txBody>
+        </p:sp>
+        <p:sp>
+          <p:nvSpPr>
+            <p:cNvPr id="16" name="円弧 15">
+              <a:extLst>
+                <a:ext uri="{FF2B5EF4-FFF2-40B4-BE49-F238E27FC236}">
+                  <a16:creationId xmlns:a16="http://schemas.microsoft.com/office/drawing/2014/main" id="{24D54118-16BA-E4E7-2C10-DC055B34DBCF}"/>
+                </a:ext>
+              </a:extLst>
+            </p:cNvPr>
+            <p:cNvSpPr/>
+            <p:nvPr/>
+          </p:nvSpPr>
+          <p:spPr>
+            <a:xfrm rot="19079286">
+              <a:off x="374934" y="732788"/>
+              <a:ext cx="707924" cy="698091"/>
+            </a:xfrm>
+            <a:prstGeom prst="arc">
+              <a:avLst/>
+            </a:prstGeom>
+            <a:ln w="28575">
+              <a:solidFill>
+                <a:srgbClr val="EA7B6B"/>
+              </a:solidFill>
+            </a:ln>
+          </p:spPr>
+          <p:style>
+            <a:lnRef idx="1">
+              <a:schemeClr val="accent1"/>
+            </a:lnRef>
+            <a:fillRef idx="0">
+              <a:schemeClr val="accent1"/>
+            </a:fillRef>
+            <a:effectRef idx="0">
+              <a:schemeClr val="accent1"/>
+            </a:effectRef>
+            <a:fontRef idx="minor">
+              <a:schemeClr val="tx1"/>
+            </a:fontRef>
+          </p:style>
+          <p:txBody>
+            <a:bodyPr rtlCol="0" anchor="ctr"/>
+            <a:lstStyle/>
+            <a:p>
+              <a:pPr algn="ctr"/>
+              <a:endParaRPr kumimoji="1" lang="ja-JP" altLang="en-US"/>
+            </a:p>
+          </p:txBody>
+        </p:sp>
+      </p:grpSp>
+      <p:sp>
+        <p:nvSpPr>
+          <p:cNvPr id="20" name="テキスト ボックス 19">
+            <a:extLst>
+              <a:ext uri="{FF2B5EF4-FFF2-40B4-BE49-F238E27FC236}">
+                <a16:creationId xmlns:a16="http://schemas.microsoft.com/office/drawing/2014/main" id="{93D16964-E0C9-2363-48DD-3B661653827D}"/>
+              </a:ext>
+            </a:extLst>
+          </p:cNvPr>
+          <p:cNvSpPr txBox="1"/>
+          <p:nvPr/>
+        </p:nvSpPr>
+        <p:spPr>
+          <a:xfrm>
+            <a:off x="9558094" y="806695"/>
+            <a:ext cx="2401617" cy="461665"/>
+          </a:xfrm>
+          <a:prstGeom prst="rect">
+            <a:avLst/>
+          </a:prstGeom>
+          <a:noFill/>
+        </p:spPr>
+        <p:txBody>
+          <a:bodyPr wrap="square" rtlCol="0">
+            <a:spAutoFit/>
+          </a:bodyPr>
+          <a:lstStyle/>
+          <a:p>
+            <a:r>
+              <a:rPr kumimoji="1" lang="en-US" altLang="ja-JP" sz="2400" dirty="0">
+                <a:solidFill>
+                  <a:srgbClr val="001746"/>
+                </a:solidFill>
+                <a:latin typeface="Kristen ITC" panose="03050502040202030202" pitchFamily="66" charset="0"/>
+              </a:rPr>
+              <a:t>2024/06/07 (Fri)</a:t>
+            </a:r>
+            <a:endParaRPr kumimoji="1" lang="ja-JP" altLang="en-US" sz="2400" dirty="0">
+              <a:solidFill>
+                <a:srgbClr val="001746"/>
+              </a:solidFill>
+              <a:latin typeface="Kristen ITC" panose="03050502040202030202" pitchFamily="66" charset="0"/>
+            </a:endParaRPr>
+          </a:p>
+        </p:txBody>
+      </p:sp>
+      <p:sp>
+        <p:nvSpPr>
+          <p:cNvPr id="22" name="テキスト ボックス 21">
+            <a:extLst>
+              <a:ext uri="{FF2B5EF4-FFF2-40B4-BE49-F238E27FC236}">
+                <a16:creationId xmlns:a16="http://schemas.microsoft.com/office/drawing/2014/main" id="{71CC734F-A1B3-457D-DBDD-64EF65974439}"/>
+              </a:ext>
+            </a:extLst>
+          </p:cNvPr>
+          <p:cNvSpPr txBox="1"/>
+          <p:nvPr/>
+        </p:nvSpPr>
+        <p:spPr>
+          <a:xfrm>
+            <a:off x="3861424" y="6505008"/>
+            <a:ext cx="4490720" cy="307777"/>
+          </a:xfrm>
+          <a:prstGeom prst="rect">
+            <a:avLst/>
+          </a:prstGeom>
+          <a:noFill/>
+        </p:spPr>
+        <p:txBody>
+          <a:bodyPr wrap="square" rtlCol="0">
+            <a:spAutoFit/>
+          </a:bodyPr>
+          <a:lstStyle/>
+          <a:p>
+            <a:r>
+              <a:rPr kumimoji="1" lang="en-US" altLang="ja-JP" sz="1400" dirty="0">
+                <a:solidFill>
+                  <a:srgbClr val="001746"/>
+                </a:solidFill>
+              </a:rPr>
+              <a:t>Copyright </a:t>
+            </a:r>
+            <a:r>
+              <a:rPr kumimoji="1" lang="en-US" altLang="ja-JP" sz="1400" dirty="0" err="1">
+                <a:solidFill>
+                  <a:srgbClr val="001746"/>
+                </a:solidFill>
+              </a:rPr>
+              <a:t>paraparaChahan</a:t>
+            </a:r>
+            <a:r>
+              <a:rPr kumimoji="1" lang="en-US" altLang="ja-JP" sz="1400" dirty="0">
+                <a:solidFill>
+                  <a:srgbClr val="001746"/>
+                </a:solidFill>
+              </a:rPr>
+              <a:t>(PLUS DOJO). All rights reserved.</a:t>
+            </a:r>
+            <a:endParaRPr kumimoji="1" lang="ja-JP" altLang="en-US" sz="1400" dirty="0">
+              <a:solidFill>
+                <a:srgbClr val="001746"/>
+              </a:solidFill>
+            </a:endParaRPr>
+          </a:p>
+        </p:txBody>
+      </p:sp>
+      <p:sp>
+        <p:nvSpPr>
+          <p:cNvPr id="3" name="四角形: 角を丸くする 2">
+            <a:extLst>
+              <a:ext uri="{FF2B5EF4-FFF2-40B4-BE49-F238E27FC236}">
+                <a16:creationId xmlns:a16="http://schemas.microsoft.com/office/drawing/2014/main" id="{146B3927-1730-318D-63D3-A0AC238B0E05}"/>
+              </a:ext>
+            </a:extLst>
+          </p:cNvPr>
+          <p:cNvSpPr/>
+          <p:nvPr/>
+        </p:nvSpPr>
+        <p:spPr>
+          <a:xfrm>
+            <a:off x="667832" y="2269408"/>
+            <a:ext cx="10856335" cy="3906885"/>
+          </a:xfrm>
+          <a:prstGeom prst="roundRect">
+            <a:avLst>
+              <a:gd name="adj" fmla="val 12233"/>
+            </a:avLst>
+          </a:prstGeom>
+          <a:noFill/>
+          <a:ln w="76200" cmpd="dbl">
+            <a:solidFill>
+              <a:srgbClr val="8AAEC9"/>
+            </a:solidFill>
+          </a:ln>
+        </p:spPr>
+        <p:style>
+          <a:lnRef idx="2">
+            <a:schemeClr val="accent1">
+              <a:shade val="15000"/>
+            </a:schemeClr>
+          </a:lnRef>
+          <a:fillRef idx="1">
+            <a:schemeClr val="accent1"/>
+          </a:fillRef>
+          <a:effectRef idx="0">
+            <a:schemeClr val="accent1"/>
+          </a:effectRef>
+          <a:fontRef idx="minor">
+            <a:schemeClr val="lt1"/>
+          </a:fontRef>
+        </p:style>
+        <p:txBody>
+          <a:bodyPr rtlCol="0" anchor="ctr"/>
+          <a:lstStyle/>
+          <a:p>
+            <a:pPr algn="ctr"/>
+            <a:endParaRPr kumimoji="1" lang="ja-JP" altLang="en-US"/>
+          </a:p>
+        </p:txBody>
+      </p:sp>
+      <p:sp>
+        <p:nvSpPr>
+          <p:cNvPr id="10" name="四角形: 角を丸くする 9">
+            <a:extLst>
+              <a:ext uri="{FF2B5EF4-FFF2-40B4-BE49-F238E27FC236}">
+                <a16:creationId xmlns:a16="http://schemas.microsoft.com/office/drawing/2014/main" id="{33B89CC0-DD46-E6C4-797E-8822731F5AA5}"/>
+              </a:ext>
+            </a:extLst>
+          </p:cNvPr>
+          <p:cNvSpPr/>
+          <p:nvPr/>
+        </p:nvSpPr>
+        <p:spPr>
+          <a:xfrm>
+            <a:off x="1229710" y="5279569"/>
+            <a:ext cx="5886592" cy="613898"/>
+          </a:xfrm>
+          <a:prstGeom prst="roundRect">
+            <a:avLst>
+              <a:gd name="adj" fmla="val 32778"/>
+            </a:avLst>
+          </a:prstGeom>
+          <a:solidFill>
+            <a:srgbClr val="8AAEC9"/>
+          </a:solidFill>
+          <a:ln w="57150">
+            <a:solidFill>
+              <a:srgbClr val="8AAEC9"/>
+            </a:solidFill>
+          </a:ln>
+        </p:spPr>
+        <p:style>
+          <a:lnRef idx="2">
+            <a:schemeClr val="accent1">
+              <a:shade val="15000"/>
+            </a:schemeClr>
+          </a:lnRef>
+          <a:fillRef idx="1">
+            <a:schemeClr val="accent1"/>
+          </a:fillRef>
+          <a:effectRef idx="0">
+            <a:schemeClr val="accent1"/>
+          </a:effectRef>
+          <a:fontRef idx="minor">
+            <a:schemeClr val="lt1"/>
+          </a:fontRef>
+        </p:style>
+        <p:txBody>
+          <a:bodyPr rtlCol="0" anchor="ctr"/>
+          <a:lstStyle/>
+          <a:p>
+            <a:pPr algn="ctr"/>
+            <a:endParaRPr kumimoji="1" lang="ja-JP" altLang="en-US"/>
+          </a:p>
+        </p:txBody>
+      </p:sp>
+      <p:cxnSp>
+        <p:nvCxnSpPr>
+          <p:cNvPr id="11" name="直線コネクタ 10">
+            <a:extLst>
+              <a:ext uri="{FF2B5EF4-FFF2-40B4-BE49-F238E27FC236}">
+                <a16:creationId xmlns:a16="http://schemas.microsoft.com/office/drawing/2014/main" id="{EDF4094D-DA1E-705A-04C5-1F826752D2CB}"/>
+              </a:ext>
+            </a:extLst>
+          </p:cNvPr>
+          <p:cNvCxnSpPr>
+            <a:cxnSpLocks/>
+          </p:cNvCxnSpPr>
+          <p:nvPr/>
+        </p:nvCxnSpPr>
+        <p:spPr>
+          <a:xfrm>
+            <a:off x="1241814" y="3300535"/>
+            <a:ext cx="9720476" cy="0"/>
+          </a:xfrm>
+          <a:prstGeom prst="line">
+            <a:avLst/>
+          </a:prstGeom>
+          <a:ln w="28575">
+            <a:solidFill>
+              <a:srgbClr val="7DE3A1"/>
+            </a:solidFill>
+          </a:ln>
+        </p:spPr>
+        <p:style>
+          <a:lnRef idx="1">
+            <a:schemeClr val="accent1"/>
+          </a:lnRef>
+          <a:fillRef idx="0">
+            <a:schemeClr val="accent1"/>
+          </a:fillRef>
+          <a:effectRef idx="0">
+            <a:schemeClr val="accent1"/>
+          </a:effectRef>
+          <a:fontRef idx="minor">
+            <a:schemeClr val="tx1"/>
+          </a:fontRef>
+        </p:style>
+      </p:cxnSp>
+      <p:sp>
+        <p:nvSpPr>
+          <p:cNvPr id="12" name="四角形: 上の 2 つの角を丸める 11">
+            <a:extLst>
+              <a:ext uri="{FF2B5EF4-FFF2-40B4-BE49-F238E27FC236}">
+                <a16:creationId xmlns:a16="http://schemas.microsoft.com/office/drawing/2014/main" id="{A8C2D4BD-9778-F9C5-A90A-11B80A488263}"/>
+              </a:ext>
+            </a:extLst>
+          </p:cNvPr>
+          <p:cNvSpPr/>
+          <p:nvPr/>
+        </p:nvSpPr>
+        <p:spPr>
+          <a:xfrm>
+            <a:off x="4456457" y="1648014"/>
+            <a:ext cx="3266983" cy="581396"/>
+          </a:xfrm>
+          <a:prstGeom prst="round2SameRect">
+            <a:avLst>
+              <a:gd name="adj1" fmla="val 50000"/>
+              <a:gd name="adj2" fmla="val 0"/>
+            </a:avLst>
+          </a:prstGeom>
+          <a:solidFill>
+            <a:srgbClr val="8AAEC9"/>
+          </a:solidFill>
+          <a:ln>
+            <a:solidFill>
+              <a:srgbClr val="8AAEC9"/>
+            </a:solidFill>
+          </a:ln>
+        </p:spPr>
+        <p:style>
+          <a:lnRef idx="2">
+            <a:schemeClr val="accent1">
+              <a:shade val="15000"/>
+            </a:schemeClr>
+          </a:lnRef>
+          <a:fillRef idx="1">
+            <a:schemeClr val="accent1"/>
+          </a:fillRef>
+          <a:effectRef idx="0">
+            <a:schemeClr val="accent1"/>
+          </a:effectRef>
+          <a:fontRef idx="minor">
+            <a:schemeClr val="lt1"/>
+          </a:fontRef>
+        </p:style>
+        <p:txBody>
+          <a:bodyPr rtlCol="0" anchor="ctr"/>
+          <a:lstStyle/>
+          <a:p>
+            <a:pPr algn="ctr"/>
+            <a:endParaRPr kumimoji="1" lang="ja-JP" altLang="en-US"/>
+          </a:p>
+        </p:txBody>
+      </p:sp>
+      <p:sp>
+        <p:nvSpPr>
+          <p:cNvPr id="23" name="テキスト ボックス 22">
+            <a:extLst>
+              <a:ext uri="{FF2B5EF4-FFF2-40B4-BE49-F238E27FC236}">
+                <a16:creationId xmlns:a16="http://schemas.microsoft.com/office/drawing/2014/main" id="{D0BB7FAF-E70C-F360-48D8-A6620B89447F}"/>
+              </a:ext>
+            </a:extLst>
+          </p:cNvPr>
+          <p:cNvSpPr txBox="1"/>
+          <p:nvPr/>
+        </p:nvSpPr>
+        <p:spPr>
+          <a:xfrm>
+            <a:off x="1355511" y="5324909"/>
+            <a:ext cx="692412" cy="523220"/>
+          </a:xfrm>
+          <a:prstGeom prst="rect">
+            <a:avLst/>
+          </a:prstGeom>
+          <a:noFill/>
+        </p:spPr>
+        <p:txBody>
+          <a:bodyPr wrap="square" rtlCol="0">
+            <a:spAutoFit/>
+          </a:bodyPr>
+          <a:lstStyle/>
+          <a:p>
+            <a:r>
+              <a:rPr kumimoji="1" lang="en-US" altLang="ja-JP" sz="2800" dirty="0">
+                <a:solidFill>
+                  <a:schemeClr val="bg1"/>
+                </a:solidFill>
+                <a:latin typeface="Kristen ITC" panose="03050502040202030202" pitchFamily="66" charset="0"/>
+              </a:rPr>
+              <a:t>To</a:t>
+            </a:r>
+            <a:endParaRPr kumimoji="1" lang="ja-JP" altLang="en-US" sz="2800" dirty="0">
+              <a:solidFill>
+                <a:schemeClr val="bg1"/>
+              </a:solidFill>
+              <a:latin typeface="Kristen ITC" panose="03050502040202030202" pitchFamily="66" charset="0"/>
+            </a:endParaRPr>
+          </a:p>
+        </p:txBody>
+      </p:sp>
+      <p:sp>
+        <p:nvSpPr>
+          <p:cNvPr id="24" name="テキスト ボックス 23">
+            <a:extLst>
+              <a:ext uri="{FF2B5EF4-FFF2-40B4-BE49-F238E27FC236}">
+                <a16:creationId xmlns:a16="http://schemas.microsoft.com/office/drawing/2014/main" id="{1E0042C7-F701-0CA2-C8CC-41F58B9DD983}"/>
+              </a:ext>
+            </a:extLst>
+          </p:cNvPr>
+          <p:cNvSpPr txBox="1"/>
+          <p:nvPr/>
+        </p:nvSpPr>
+        <p:spPr>
+          <a:xfrm>
+            <a:off x="4116018" y="5327882"/>
+            <a:ext cx="1060748" cy="523220"/>
+          </a:xfrm>
+          <a:prstGeom prst="rect">
+            <a:avLst/>
+          </a:prstGeom>
+          <a:noFill/>
+        </p:spPr>
+        <p:txBody>
+          <a:bodyPr wrap="square" rtlCol="0">
+            <a:spAutoFit/>
+          </a:bodyPr>
+          <a:lstStyle/>
+          <a:p>
+            <a:r>
+              <a:rPr kumimoji="1" lang="en-US" altLang="ja-JP" sz="2800" dirty="0">
+                <a:solidFill>
+                  <a:schemeClr val="bg1"/>
+                </a:solidFill>
+                <a:latin typeface="Kristen ITC" panose="03050502040202030202" pitchFamily="66" charset="0"/>
+              </a:rPr>
+              <a:t>From</a:t>
+            </a:r>
+            <a:endParaRPr kumimoji="1" lang="ja-JP" altLang="en-US" sz="2800" dirty="0">
+              <a:solidFill>
+                <a:schemeClr val="bg1"/>
+              </a:solidFill>
+              <a:latin typeface="Kristen ITC" panose="03050502040202030202" pitchFamily="66" charset="0"/>
+            </a:endParaRPr>
+          </a:p>
+        </p:txBody>
+      </p:sp>
+      <p:sp>
+        <p:nvSpPr>
+          <p:cNvPr id="25" name="四角形: 角を丸くする 24">
+            <a:extLst>
+              <a:ext uri="{FF2B5EF4-FFF2-40B4-BE49-F238E27FC236}">
+                <a16:creationId xmlns:a16="http://schemas.microsoft.com/office/drawing/2014/main" id="{EE8FC3DE-D167-6E1D-0F14-340A1D2DE484}"/>
+              </a:ext>
+            </a:extLst>
+          </p:cNvPr>
+          <p:cNvSpPr/>
+          <p:nvPr/>
+        </p:nvSpPr>
+        <p:spPr>
+          <a:xfrm>
+            <a:off x="7829969" y="3621260"/>
+            <a:ext cx="2980530" cy="1352392"/>
+          </a:xfrm>
+          <a:prstGeom prst="roundRect">
+            <a:avLst/>
+          </a:prstGeom>
+          <a:solidFill>
+            <a:srgbClr val="F8D5D0"/>
+          </a:solidFill>
+          <a:ln>
+            <a:noFill/>
+          </a:ln>
+        </p:spPr>
+        <p:style>
+          <a:lnRef idx="2">
+            <a:schemeClr val="accent1">
+              <a:shade val="15000"/>
+            </a:schemeClr>
+          </a:lnRef>
+          <a:fillRef idx="1">
+            <a:schemeClr val="accent1"/>
+          </a:fillRef>
+          <a:effectRef idx="0">
+            <a:schemeClr val="accent1"/>
+          </a:effectRef>
+          <a:fontRef idx="minor">
+            <a:schemeClr val="lt1"/>
+          </a:fontRef>
+        </p:style>
+        <p:txBody>
+          <a:bodyPr rtlCol="0" anchor="ctr"/>
+          <a:lstStyle/>
+          <a:p>
+            <a:pPr algn="ctr"/>
+            <a:endParaRPr kumimoji="1" lang="ja-JP" altLang="en-US"/>
+          </a:p>
+        </p:txBody>
+      </p:sp>
+      <p:sp>
+        <p:nvSpPr>
+          <p:cNvPr id="26" name="四角形: 角を丸くする 25">
+            <a:extLst>
+              <a:ext uri="{FF2B5EF4-FFF2-40B4-BE49-F238E27FC236}">
+                <a16:creationId xmlns:a16="http://schemas.microsoft.com/office/drawing/2014/main" id="{447160E7-4295-8FF5-EEC4-97D5174A121F}"/>
+              </a:ext>
+            </a:extLst>
+          </p:cNvPr>
+          <p:cNvSpPr/>
+          <p:nvPr/>
+        </p:nvSpPr>
+        <p:spPr>
+          <a:xfrm>
+            <a:off x="7923388" y="3698459"/>
+            <a:ext cx="2789014" cy="1212895"/>
+          </a:xfrm>
+          <a:prstGeom prst="roundRect">
+            <a:avLst/>
+          </a:prstGeom>
+          <a:noFill/>
+          <a:ln w="19050">
+            <a:solidFill>
+              <a:srgbClr val="F3B4AB"/>
+            </a:solidFill>
+            <a:prstDash val="dash"/>
+          </a:ln>
+        </p:spPr>
+        <p:style>
+          <a:lnRef idx="2">
+            <a:schemeClr val="accent1">
+              <a:shade val="15000"/>
+            </a:schemeClr>
+          </a:lnRef>
+          <a:fillRef idx="1">
+            <a:schemeClr val="accent1"/>
+          </a:fillRef>
+          <a:effectRef idx="0">
+            <a:schemeClr val="accent1"/>
+          </a:effectRef>
+          <a:fontRef idx="minor">
+            <a:schemeClr val="lt1"/>
+          </a:fontRef>
+        </p:style>
+        <p:txBody>
+          <a:bodyPr rtlCol="0" anchor="ctr"/>
+          <a:lstStyle/>
+          <a:p>
+            <a:pPr algn="ctr"/>
+            <a:endParaRPr kumimoji="1" lang="ja-JP" altLang="en-US"/>
+          </a:p>
+        </p:txBody>
+      </p:sp>
+      <p:sp>
+        <p:nvSpPr>
+          <p:cNvPr id="27" name="テキスト ボックス 26">
+            <a:extLst>
+              <a:ext uri="{FF2B5EF4-FFF2-40B4-BE49-F238E27FC236}">
+                <a16:creationId xmlns:a16="http://schemas.microsoft.com/office/drawing/2014/main" id="{0B0AC96A-6B11-6AB3-CC37-AF9DF5B81A4F}"/>
+              </a:ext>
+            </a:extLst>
+          </p:cNvPr>
+          <p:cNvSpPr txBox="1"/>
+          <p:nvPr/>
+        </p:nvSpPr>
+        <p:spPr>
+          <a:xfrm>
+            <a:off x="8117674" y="4019140"/>
+            <a:ext cx="1967708" cy="584775"/>
+          </a:xfrm>
+          <a:prstGeom prst="rect">
+            <a:avLst/>
+          </a:prstGeom>
+          <a:noFill/>
+        </p:spPr>
+        <p:txBody>
+          <a:bodyPr wrap="square" rtlCol="0">
+            <a:spAutoFit/>
+          </a:bodyPr>
+          <a:lstStyle/>
+          <a:p>
+            <a:r>
+              <a:rPr kumimoji="1" lang="ja-JP" altLang="en-US" sz="3200" dirty="0">
+                <a:solidFill>
+                  <a:srgbClr val="EA7B6B"/>
+                </a:solidFill>
+                <a:latin typeface="UD デジタル 教科書体 NK-B" panose="02020700000000000000" pitchFamily="18" charset="-128"/>
+                <a:ea typeface="UD デジタル 教科書体 NK-B" panose="02020700000000000000" pitchFamily="18" charset="-128"/>
+              </a:rPr>
+              <a:t>買い物</a:t>
+            </a:r>
+          </a:p>
+        </p:txBody>
+      </p:sp>
+      <p:sp>
+        <p:nvSpPr>
+          <p:cNvPr id="31" name="四角形: 角を丸くする 30">
+            <a:extLst>
+              <a:ext uri="{FF2B5EF4-FFF2-40B4-BE49-F238E27FC236}">
+                <a16:creationId xmlns:a16="http://schemas.microsoft.com/office/drawing/2014/main" id="{2FF2E046-0970-0D29-80B9-3AD20C42C595}"/>
+              </a:ext>
+            </a:extLst>
+          </p:cNvPr>
+          <p:cNvSpPr/>
+          <p:nvPr/>
+        </p:nvSpPr>
+        <p:spPr>
+          <a:xfrm>
+            <a:off x="1229710" y="3621261"/>
+            <a:ext cx="5886592" cy="1352392"/>
+          </a:xfrm>
+          <a:prstGeom prst="roundRect">
+            <a:avLst>
+              <a:gd name="adj" fmla="val 23987"/>
+            </a:avLst>
+          </a:prstGeom>
+          <a:noFill/>
+          <a:ln w="28575">
+            <a:solidFill>
+              <a:srgbClr val="7DE3A1"/>
+            </a:solidFill>
+          </a:ln>
+        </p:spPr>
+        <p:style>
+          <a:lnRef idx="2">
+            <a:schemeClr val="accent1">
+              <a:shade val="15000"/>
+            </a:schemeClr>
+          </a:lnRef>
+          <a:fillRef idx="1">
+            <a:schemeClr val="accent1"/>
+          </a:fillRef>
+          <a:effectRef idx="0">
+            <a:schemeClr val="accent1"/>
+          </a:effectRef>
+          <a:fontRef idx="minor">
+            <a:schemeClr val="lt1"/>
+          </a:fontRef>
+        </p:style>
+        <p:txBody>
+          <a:bodyPr rtlCol="0" anchor="ctr"/>
+          <a:lstStyle/>
+          <a:p>
+            <a:pPr algn="ctr"/>
+            <a:endParaRPr kumimoji="1" lang="ja-JP" altLang="en-US"/>
+          </a:p>
+        </p:txBody>
+      </p:sp>
+      <p:sp>
+        <p:nvSpPr>
+          <p:cNvPr id="36" name="四角形: 角を丸くする 35">
+            <a:extLst>
+              <a:ext uri="{FF2B5EF4-FFF2-40B4-BE49-F238E27FC236}">
+                <a16:creationId xmlns:a16="http://schemas.microsoft.com/office/drawing/2014/main" id="{AFCBA7D3-F771-B3CE-23C6-D4F4BB4E0975}"/>
+              </a:ext>
+            </a:extLst>
+          </p:cNvPr>
+          <p:cNvSpPr/>
+          <p:nvPr/>
+        </p:nvSpPr>
+        <p:spPr>
+          <a:xfrm>
+            <a:off x="1229710" y="2532647"/>
+            <a:ext cx="1905423" cy="613898"/>
+          </a:xfrm>
+          <a:prstGeom prst="roundRect">
+            <a:avLst>
+              <a:gd name="adj" fmla="val 32778"/>
+            </a:avLst>
+          </a:prstGeom>
+          <a:solidFill>
+            <a:srgbClr val="C0F2D2"/>
+          </a:solidFill>
+          <a:ln w="57150">
+            <a:noFill/>
+          </a:ln>
+        </p:spPr>
+        <p:style>
+          <a:lnRef idx="2">
+            <a:schemeClr val="accent1">
+              <a:shade val="15000"/>
+            </a:schemeClr>
+          </a:lnRef>
+          <a:fillRef idx="1">
+            <a:schemeClr val="accent1"/>
+          </a:fillRef>
+          <a:effectRef idx="0">
+            <a:schemeClr val="accent1"/>
+          </a:effectRef>
+          <a:fontRef idx="minor">
+            <a:schemeClr val="lt1"/>
+          </a:fontRef>
+        </p:style>
+        <p:txBody>
+          <a:bodyPr rtlCol="0" anchor="ctr"/>
+          <a:lstStyle/>
+          <a:p>
+            <a:pPr algn="ctr"/>
+            <a:endParaRPr kumimoji="1" lang="ja-JP" altLang="en-US"/>
+          </a:p>
+        </p:txBody>
+      </p:sp>
+      <p:sp>
+        <p:nvSpPr>
+          <p:cNvPr id="37" name="テキスト ボックス 36">
+            <a:extLst>
+              <a:ext uri="{FF2B5EF4-FFF2-40B4-BE49-F238E27FC236}">
+                <a16:creationId xmlns:a16="http://schemas.microsoft.com/office/drawing/2014/main" id="{C492C249-74A5-89C5-E7AC-FAB81E3CBDFE}"/>
+              </a:ext>
+            </a:extLst>
+          </p:cNvPr>
+          <p:cNvSpPr txBox="1"/>
+          <p:nvPr/>
+        </p:nvSpPr>
+        <p:spPr>
+          <a:xfrm>
+            <a:off x="5176766" y="2595459"/>
+            <a:ext cx="3625652" cy="523220"/>
+          </a:xfrm>
+          <a:prstGeom prst="rect">
+            <a:avLst/>
+          </a:prstGeom>
+          <a:noFill/>
+        </p:spPr>
+        <p:txBody>
+          <a:bodyPr wrap="square" rtlCol="0">
+            <a:spAutoFit/>
+          </a:bodyPr>
+          <a:lstStyle/>
+          <a:p>
+            <a:r>
+              <a:rPr kumimoji="1" lang="ja-JP" altLang="en-US" sz="2800" dirty="0">
+                <a:solidFill>
+                  <a:srgbClr val="001746"/>
+                </a:solidFill>
+                <a:latin typeface="UD デジタル 教科書体 NP-B" panose="02020700000000000000" pitchFamily="18" charset="-128"/>
+                <a:ea typeface="UD デジタル 教科書体 NP-B" panose="02020700000000000000" pitchFamily="18" charset="-128"/>
+              </a:rPr>
+              <a:t>夕飯の買い物</a:t>
+            </a:r>
+          </a:p>
+        </p:txBody>
+      </p:sp>
+      <p:sp>
+        <p:nvSpPr>
+          <p:cNvPr id="38" name="テキスト ボックス 37">
+            <a:extLst>
+              <a:ext uri="{FF2B5EF4-FFF2-40B4-BE49-F238E27FC236}">
+                <a16:creationId xmlns:a16="http://schemas.microsoft.com/office/drawing/2014/main" id="{46386EAD-F801-9462-A596-B6E78D9C35AB}"/>
+              </a:ext>
+            </a:extLst>
+          </p:cNvPr>
+          <p:cNvSpPr txBox="1"/>
+          <p:nvPr/>
+        </p:nvSpPr>
+        <p:spPr>
+          <a:xfrm>
+            <a:off x="1717946" y="2588558"/>
+            <a:ext cx="928950" cy="523220"/>
+          </a:xfrm>
+          <a:prstGeom prst="rect">
+            <a:avLst/>
+          </a:prstGeom>
+          <a:noFill/>
+        </p:spPr>
+        <p:txBody>
+          <a:bodyPr wrap="square" rtlCol="0">
+            <a:spAutoFit/>
+          </a:bodyPr>
+          <a:lstStyle/>
+          <a:p>
+            <a:r>
+              <a:rPr kumimoji="1" lang="ja-JP" altLang="en-US" sz="2800" dirty="0">
+                <a:solidFill>
+                  <a:srgbClr val="001746"/>
+                </a:solidFill>
+                <a:latin typeface="UD デジタル 教科書体 NP-B" panose="02020700000000000000" pitchFamily="18" charset="-128"/>
+                <a:ea typeface="UD デジタル 教科書体 NP-B" panose="02020700000000000000" pitchFamily="18" charset="-128"/>
+              </a:rPr>
+              <a:t>当日</a:t>
+            </a:r>
+          </a:p>
+        </p:txBody>
+      </p:sp>
+      <p:sp>
+        <p:nvSpPr>
+          <p:cNvPr id="40" name="テキスト ボックス 39">
+            <a:extLst>
+              <a:ext uri="{FF2B5EF4-FFF2-40B4-BE49-F238E27FC236}">
+                <a16:creationId xmlns:a16="http://schemas.microsoft.com/office/drawing/2014/main" id="{72D32AB8-1A08-6F02-ECAA-9D863288C073}"/>
+              </a:ext>
+            </a:extLst>
+          </p:cNvPr>
+          <p:cNvSpPr txBox="1"/>
+          <p:nvPr/>
+        </p:nvSpPr>
+        <p:spPr>
+          <a:xfrm>
+            <a:off x="2182421" y="5332740"/>
+            <a:ext cx="972041" cy="523220"/>
+          </a:xfrm>
+          <a:prstGeom prst="rect">
+            <a:avLst/>
+          </a:prstGeom>
+          <a:noFill/>
+        </p:spPr>
+        <p:txBody>
+          <a:bodyPr wrap="square" rtlCol="0">
+            <a:spAutoFit/>
+          </a:bodyPr>
+          <a:lstStyle/>
+          <a:p>
+            <a:r>
+              <a:rPr kumimoji="1" lang="ja-JP" altLang="en-US" sz="2800" dirty="0">
+                <a:solidFill>
+                  <a:srgbClr val="001746"/>
+                </a:solidFill>
+                <a:latin typeface="UD デジタル 教科書体 NP-B" panose="02020700000000000000" pitchFamily="18" charset="-128"/>
+                <a:ea typeface="UD デジタル 教科書体 NP-B" panose="02020700000000000000" pitchFamily="18" charset="-128"/>
+              </a:rPr>
+              <a:t>パパ</a:t>
+            </a:r>
+          </a:p>
+        </p:txBody>
+      </p:sp>
+      <p:sp>
+        <p:nvSpPr>
+          <p:cNvPr id="41" name="テキスト ボックス 40">
+            <a:extLst>
+              <a:ext uri="{FF2B5EF4-FFF2-40B4-BE49-F238E27FC236}">
+                <a16:creationId xmlns:a16="http://schemas.microsoft.com/office/drawing/2014/main" id="{92FEB2DA-238B-0757-0E82-F0A70F9DAC2A}"/>
+              </a:ext>
+            </a:extLst>
+          </p:cNvPr>
+          <p:cNvSpPr txBox="1"/>
+          <p:nvPr/>
+        </p:nvSpPr>
+        <p:spPr>
+          <a:xfrm>
+            <a:off x="5252623" y="5324909"/>
+            <a:ext cx="972041" cy="523220"/>
+          </a:xfrm>
+          <a:prstGeom prst="rect">
+            <a:avLst/>
+          </a:prstGeom>
+          <a:noFill/>
+        </p:spPr>
+        <p:txBody>
+          <a:bodyPr wrap="square" rtlCol="0">
+            <a:spAutoFit/>
+          </a:bodyPr>
+          <a:lstStyle/>
+          <a:p>
+            <a:r>
+              <a:rPr kumimoji="1" lang="ja-JP" altLang="en-US" sz="2800" dirty="0">
+                <a:solidFill>
+                  <a:srgbClr val="001746"/>
+                </a:solidFill>
+                <a:latin typeface="UD デジタル 教科書体 NP-B" panose="02020700000000000000" pitchFamily="18" charset="-128"/>
+                <a:ea typeface="UD デジタル 教科書体 NP-B" panose="02020700000000000000" pitchFamily="18" charset="-128"/>
+              </a:rPr>
+              <a:t>ママ</a:t>
+            </a:r>
+          </a:p>
+        </p:txBody>
+      </p:sp>
+      <p:sp>
+        <p:nvSpPr>
+          <p:cNvPr id="19" name="四角形: 角を丸くする 18">
+            <a:extLst>
+              <a:ext uri="{FF2B5EF4-FFF2-40B4-BE49-F238E27FC236}">
+                <a16:creationId xmlns:a16="http://schemas.microsoft.com/office/drawing/2014/main" id="{4A7480D7-50FB-9938-8B7F-D220695AEE36}"/>
+              </a:ext>
+            </a:extLst>
+          </p:cNvPr>
+          <p:cNvSpPr/>
+          <p:nvPr/>
+        </p:nvSpPr>
+        <p:spPr>
+          <a:xfrm>
+            <a:off x="10085382" y="4091424"/>
+            <a:ext cx="430925" cy="363813"/>
+          </a:xfrm>
+          <a:prstGeom prst="roundRect">
+            <a:avLst/>
+          </a:prstGeom>
+          <a:solidFill>
+            <a:srgbClr val="F5F5F5"/>
+          </a:solidFill>
+          <a:ln>
+            <a:noFill/>
+          </a:ln>
+        </p:spPr>
+        <p:style>
+          <a:lnRef idx="2">
+            <a:schemeClr val="accent1">
+              <a:shade val="15000"/>
+            </a:schemeClr>
+          </a:lnRef>
+          <a:fillRef idx="1">
+            <a:schemeClr val="accent1"/>
+          </a:fillRef>
+          <a:effectRef idx="0">
+            <a:schemeClr val="accent1"/>
+          </a:effectRef>
+          <a:fontRef idx="minor">
+            <a:schemeClr val="lt1"/>
+          </a:fontRef>
+        </p:style>
+        <p:txBody>
+          <a:bodyPr rtlCol="0" anchor="ctr"/>
+          <a:lstStyle/>
+          <a:p>
+            <a:pPr algn="ctr"/>
+            <a:endParaRPr kumimoji="1" lang="ja-JP" altLang="en-US"/>
+          </a:p>
+        </p:txBody>
+      </p:sp>
+      <p:sp>
+        <p:nvSpPr>
+          <p:cNvPr id="28" name="二等辺三角形 27">
+            <a:extLst>
+              <a:ext uri="{FF2B5EF4-FFF2-40B4-BE49-F238E27FC236}">
+                <a16:creationId xmlns:a16="http://schemas.microsoft.com/office/drawing/2014/main" id="{4D7DCB7F-5E8D-073D-F5C3-8ACE99131BC3}"/>
+              </a:ext>
+            </a:extLst>
+          </p:cNvPr>
+          <p:cNvSpPr/>
+          <p:nvPr/>
+        </p:nvSpPr>
+        <p:spPr>
+          <a:xfrm rot="10800000">
+            <a:off x="10112427" y="4216876"/>
+            <a:ext cx="376834" cy="176060"/>
+          </a:xfrm>
+          <a:prstGeom prst="triangle">
+            <a:avLst/>
+          </a:prstGeom>
+          <a:solidFill>
+            <a:schemeClr val="tx1">
+              <a:lumMod val="50000"/>
+              <a:lumOff val="50000"/>
+            </a:schemeClr>
+          </a:solidFill>
+          <a:ln>
+            <a:solidFill>
+              <a:schemeClr val="tx1">
+                <a:lumMod val="50000"/>
+                <a:lumOff val="50000"/>
+              </a:schemeClr>
+            </a:solidFill>
+          </a:ln>
+        </p:spPr>
+        <p:style>
+          <a:lnRef idx="2">
+            <a:schemeClr val="accent1">
+              <a:shade val="15000"/>
+            </a:schemeClr>
+          </a:lnRef>
+          <a:fillRef idx="1">
+            <a:schemeClr val="accent1"/>
+          </a:fillRef>
+          <a:effectRef idx="0">
+            <a:schemeClr val="accent1"/>
+          </a:effectRef>
+          <a:fontRef idx="minor">
+            <a:schemeClr val="lt1"/>
+          </a:fontRef>
+        </p:style>
+        <p:txBody>
+          <a:bodyPr rtlCol="0" anchor="ctr"/>
+          <a:lstStyle/>
+          <a:p>
+            <a:pPr algn="ctr"/>
+            <a:endParaRPr kumimoji="1" lang="ja-JP" altLang="en-US"/>
+          </a:p>
+        </p:txBody>
+      </p:sp>
+      <p:sp>
+        <p:nvSpPr>
+          <p:cNvPr id="9" name="テキスト ボックス 8">
+            <a:extLst>
+              <a:ext uri="{FF2B5EF4-FFF2-40B4-BE49-F238E27FC236}">
+                <a16:creationId xmlns:a16="http://schemas.microsoft.com/office/drawing/2014/main" id="{1569D493-D7EB-74DD-055E-986FF2FFBF26}"/>
+              </a:ext>
+            </a:extLst>
+          </p:cNvPr>
+          <p:cNvSpPr txBox="1"/>
+          <p:nvPr/>
+        </p:nvSpPr>
+        <p:spPr>
+          <a:xfrm>
+            <a:off x="1355511" y="3747351"/>
+            <a:ext cx="3625652" cy="400110"/>
+          </a:xfrm>
+          <a:prstGeom prst="rect">
+            <a:avLst/>
+          </a:prstGeom>
+          <a:noFill/>
+        </p:spPr>
+        <p:txBody>
+          <a:bodyPr wrap="square" rtlCol="0">
+            <a:spAutoFit/>
+          </a:bodyPr>
+          <a:lstStyle/>
+          <a:p>
+            <a:r>
+              <a:rPr kumimoji="1" lang="ja-JP" altLang="en-US" sz="2000" dirty="0">
+                <a:solidFill>
+                  <a:srgbClr val="001746"/>
+                </a:solidFill>
+                <a:latin typeface="UD デジタル 教科書体 NP-B" panose="02020700000000000000" pitchFamily="18" charset="-128"/>
+                <a:ea typeface="UD デジタル 教科書体 NP-B" panose="02020700000000000000" pitchFamily="18" charset="-128"/>
+              </a:rPr>
+              <a:t>卵、牛乳</a:t>
+            </a:r>
+            <a:endParaRPr kumimoji="1" lang="en-US" altLang="ja-JP" sz="2000" dirty="0">
+              <a:solidFill>
+                <a:srgbClr val="001746"/>
+              </a:solidFill>
+              <a:latin typeface="UD デジタル 教科書体 NP-B" panose="02020700000000000000" pitchFamily="18" charset="-128"/>
+              <a:ea typeface="UD デジタル 教科書体 NP-B" panose="02020700000000000000" pitchFamily="18" charset="-128"/>
+            </a:endParaRPr>
+          </a:p>
+        </p:txBody>
+      </p:sp>
+      <p:sp>
+        <p:nvSpPr>
+          <p:cNvPr id="13" name="四角形: 角を丸くする 12">
+            <a:extLst>
+              <a:ext uri="{FF2B5EF4-FFF2-40B4-BE49-F238E27FC236}">
+                <a16:creationId xmlns:a16="http://schemas.microsoft.com/office/drawing/2014/main" id="{2671ECAF-4071-F648-E0BA-7EEC3CB5CD1B}"/>
+              </a:ext>
+            </a:extLst>
+          </p:cNvPr>
+          <p:cNvSpPr/>
+          <p:nvPr/>
+        </p:nvSpPr>
+        <p:spPr>
+          <a:xfrm>
+            <a:off x="8640487" y="5276753"/>
+            <a:ext cx="1359494" cy="613898"/>
+          </a:xfrm>
+          <a:prstGeom prst="roundRect">
+            <a:avLst>
+              <a:gd name="adj" fmla="val 32778"/>
+            </a:avLst>
+          </a:prstGeom>
+          <a:noFill/>
+          <a:ln w="57150">
+            <a:solidFill>
+              <a:srgbClr val="001746"/>
+            </a:solidFill>
+          </a:ln>
+        </p:spPr>
+        <p:style>
+          <a:lnRef idx="2">
+            <a:schemeClr val="accent1">
+              <a:shade val="15000"/>
+            </a:schemeClr>
+          </a:lnRef>
+          <a:fillRef idx="1">
+            <a:schemeClr val="accent1"/>
+          </a:fillRef>
+          <a:effectRef idx="0">
+            <a:schemeClr val="accent1"/>
+          </a:effectRef>
+          <a:fontRef idx="minor">
+            <a:schemeClr val="lt1"/>
+          </a:fontRef>
+        </p:style>
+        <p:txBody>
+          <a:bodyPr rtlCol="0" anchor="ctr"/>
+          <a:lstStyle/>
+          <a:p>
+            <a:pPr algn="ctr"/>
+            <a:endParaRPr kumimoji="1" lang="ja-JP" altLang="en-US"/>
+          </a:p>
+        </p:txBody>
+      </p:sp>
+      <p:sp>
+        <p:nvSpPr>
+          <p:cNvPr id="17" name="テキスト ボックス 16">
+            <a:extLst>
+              <a:ext uri="{FF2B5EF4-FFF2-40B4-BE49-F238E27FC236}">
+                <a16:creationId xmlns:a16="http://schemas.microsoft.com/office/drawing/2014/main" id="{11374CCB-3F23-E779-1846-4422F2D9812E}"/>
+              </a:ext>
+            </a:extLst>
+          </p:cNvPr>
+          <p:cNvSpPr txBox="1"/>
+          <p:nvPr/>
+        </p:nvSpPr>
+        <p:spPr>
+          <a:xfrm>
+            <a:off x="8855533" y="5323772"/>
+            <a:ext cx="929402" cy="523220"/>
+          </a:xfrm>
+          <a:prstGeom prst="rect">
+            <a:avLst/>
+          </a:prstGeom>
+          <a:noFill/>
+        </p:spPr>
+        <p:txBody>
+          <a:bodyPr wrap="square" rtlCol="0">
+            <a:spAutoFit/>
+          </a:bodyPr>
+          <a:lstStyle/>
+          <a:p>
+            <a:r>
+              <a:rPr kumimoji="1" lang="ja-JP" altLang="en-US" sz="2800" dirty="0">
+                <a:solidFill>
+                  <a:srgbClr val="001746"/>
+                </a:solidFill>
+                <a:latin typeface="UD デジタル 教科書体 NP-B" panose="02020700000000000000" pitchFamily="18" charset="-128"/>
+                <a:ea typeface="UD デジタル 教科書体 NP-B" panose="02020700000000000000" pitchFamily="18" charset="-128"/>
+              </a:rPr>
+              <a:t>登録</a:t>
+            </a:r>
+          </a:p>
+        </p:txBody>
+      </p:sp>
+      <p:sp>
+        <p:nvSpPr>
+          <p:cNvPr id="18" name="テキスト ボックス 17">
+            <a:extLst>
+              <a:ext uri="{FF2B5EF4-FFF2-40B4-BE49-F238E27FC236}">
+                <a16:creationId xmlns:a16="http://schemas.microsoft.com/office/drawing/2014/main" id="{32CCC53A-D040-C4C3-F2EC-2C069B282223}"/>
+              </a:ext>
+            </a:extLst>
+          </p:cNvPr>
+          <p:cNvSpPr txBox="1"/>
+          <p:nvPr/>
+        </p:nvSpPr>
+        <p:spPr>
+          <a:xfrm>
+            <a:off x="4981163" y="1693519"/>
+            <a:ext cx="2210046" cy="584775"/>
+          </a:xfrm>
+          <a:prstGeom prst="rect">
+            <a:avLst/>
+          </a:prstGeom>
+          <a:noFill/>
+        </p:spPr>
+        <p:txBody>
+          <a:bodyPr wrap="square" rtlCol="0">
+            <a:spAutoFit/>
+          </a:bodyPr>
+          <a:lstStyle/>
+          <a:p>
+            <a:r>
+              <a:rPr kumimoji="1" lang="en-US" altLang="ja-JP" sz="3200" dirty="0">
+                <a:solidFill>
+                  <a:schemeClr val="bg1"/>
+                </a:solidFill>
+                <a:latin typeface="Kristen ITC" panose="03050502040202030202" pitchFamily="66" charset="0"/>
+              </a:rPr>
+              <a:t>New Task</a:t>
+            </a:r>
+            <a:endParaRPr kumimoji="1" lang="ja-JP" altLang="en-US" sz="3200" dirty="0">
+              <a:solidFill>
+                <a:schemeClr val="bg1"/>
+              </a:solidFill>
+              <a:latin typeface="Kristen ITC" panose="03050502040202030202" pitchFamily="66" charset="0"/>
+            </a:endParaRPr>
+          </a:p>
+        </p:txBody>
+      </p:sp>
+    </p:spTree>
+    <p:extLst>
+      <p:ext uri="{BB962C8B-B14F-4D97-AF65-F5344CB8AC3E}">
+        <p14:creationId xmlns:p14="http://schemas.microsoft.com/office/powerpoint/2010/main" val="1125841186"/>
+      </p:ext>
+    </p:extLst>
+  </p:cSld>
+  <p:clrMapOvr>
+    <a:masterClrMapping/>
+  </p:clrMapOvr>
+</p:sld>
+</file>
+
+<file path=ppt/slides/slide24.xml><?xml version="1.0" encoding="utf-8"?>
+<p:sld xmlns:a="http://schemas.openxmlformats.org/drawingml/2006/main" xmlns:r="http://schemas.openxmlformats.org/officeDocument/2006/relationships" xmlns:p="http://schemas.openxmlformats.org/presentationml/2006/main">
+  <p:cSld>
+    <p:spTree>
+      <p:nvGrpSpPr>
+        <p:cNvPr id="1" name=""/>
+        <p:cNvGrpSpPr/>
+        <p:nvPr/>
+      </p:nvGrpSpPr>
+      <p:grpSpPr>
+        <a:xfrm>
+          <a:off x="0" y="0"/>
+          <a:ext cx="0" cy="0"/>
+          <a:chOff x="0" y="0"/>
+          <a:chExt cx="0" cy="0"/>
+        </a:xfrm>
+      </p:grpSpPr>
+      <p:sp>
+        <p:nvSpPr>
+          <p:cNvPr id="7" name="正方形/長方形 6">
+            <a:extLst>
+              <a:ext uri="{FF2B5EF4-FFF2-40B4-BE49-F238E27FC236}">
+                <a16:creationId xmlns:a16="http://schemas.microsoft.com/office/drawing/2014/main" id="{3830DDF9-5B12-DDDD-082C-AF3BF586F355}"/>
+              </a:ext>
+            </a:extLst>
+          </p:cNvPr>
+          <p:cNvSpPr/>
+          <p:nvPr/>
+        </p:nvSpPr>
+        <p:spPr>
+          <a:xfrm>
+            <a:off x="0" y="0"/>
+            <a:ext cx="12192000" cy="1386348"/>
+          </a:xfrm>
+          <a:prstGeom prst="rect">
+            <a:avLst/>
+          </a:prstGeom>
+          <a:solidFill>
+            <a:srgbClr val="F5F5F5"/>
+          </a:solidFill>
+          <a:ln>
+            <a:noFill/>
+          </a:ln>
+        </p:spPr>
+        <p:style>
+          <a:lnRef idx="2">
+            <a:schemeClr val="accent1">
+              <a:shade val="15000"/>
+            </a:schemeClr>
+          </a:lnRef>
+          <a:fillRef idx="1">
+            <a:schemeClr val="accent1"/>
+          </a:fillRef>
+          <a:effectRef idx="0">
+            <a:schemeClr val="accent1"/>
+          </a:effectRef>
+          <a:fontRef idx="minor">
+            <a:schemeClr val="lt1"/>
+          </a:fontRef>
+        </p:style>
+        <p:txBody>
+          <a:bodyPr rtlCol="0" anchor="ctr"/>
+          <a:lstStyle/>
+          <a:p>
+            <a:pPr algn="ctr"/>
+            <a:endParaRPr kumimoji="1" lang="ja-JP" altLang="en-US"/>
+          </a:p>
+        </p:txBody>
+      </p:sp>
+      <p:pic>
+        <p:nvPicPr>
+          <p:cNvPr id="5" name="図 4" descr="ロゴ&#10;&#10;中程度の精度で自動的に生成された説明">
+            <a:extLst>
+              <a:ext uri="{FF2B5EF4-FFF2-40B4-BE49-F238E27FC236}">
+                <a16:creationId xmlns:a16="http://schemas.microsoft.com/office/drawing/2014/main" id="{B9A39F28-1EBD-1E84-D159-443CA1B611CF}"/>
+              </a:ext>
+            </a:extLst>
+          </p:cNvPr>
+          <p:cNvPicPr>
+            <a:picLocks noChangeAspect="1"/>
+          </p:cNvPicPr>
+          <p:nvPr/>
+        </p:nvPicPr>
+        <p:blipFill rotWithShape="1">
+          <a:blip r:embed="rId3">
+            <a:extLst>
+              <a:ext uri="{28A0092B-C50C-407E-A947-70E740481C1C}">
+                <a14:useLocalDpi xmlns:a14="http://schemas.microsoft.com/office/drawing/2010/main" val="0"/>
+              </a:ext>
+            </a:extLst>
+          </a:blip>
+          <a:srcRect l="14562" t="11298" b="30517"/>
+          <a:stretch/>
+        </p:blipFill>
+        <p:spPr>
+          <a:xfrm>
+            <a:off x="4826940" y="196644"/>
+            <a:ext cx="2538120" cy="1012723"/>
+          </a:xfrm>
+          <a:prstGeom prst="rect">
+            <a:avLst/>
+          </a:prstGeom>
+        </p:spPr>
+      </p:pic>
+      <p:sp>
+        <p:nvSpPr>
+          <p:cNvPr id="14" name="正方形/長方形 13">
+            <a:extLst>
+              <a:ext uri="{FF2B5EF4-FFF2-40B4-BE49-F238E27FC236}">
+                <a16:creationId xmlns:a16="http://schemas.microsoft.com/office/drawing/2014/main" id="{52192687-6E27-88C8-ED3C-4F58ED7237DC}"/>
+              </a:ext>
+            </a:extLst>
+          </p:cNvPr>
+          <p:cNvSpPr/>
+          <p:nvPr/>
+        </p:nvSpPr>
+        <p:spPr>
+          <a:xfrm>
+            <a:off x="0" y="6459794"/>
+            <a:ext cx="12192000" cy="398206"/>
+          </a:xfrm>
+          <a:prstGeom prst="rect">
+            <a:avLst/>
+          </a:prstGeom>
+          <a:solidFill>
+            <a:srgbClr val="F5F5F5"/>
+          </a:solidFill>
+          <a:ln>
+            <a:noFill/>
+          </a:ln>
+        </p:spPr>
+        <p:style>
+          <a:lnRef idx="2">
+            <a:schemeClr val="accent1">
+              <a:shade val="15000"/>
+            </a:schemeClr>
+          </a:lnRef>
+          <a:fillRef idx="1">
+            <a:schemeClr val="accent1"/>
+          </a:fillRef>
+          <a:effectRef idx="0">
+            <a:schemeClr val="accent1"/>
+          </a:effectRef>
+          <a:fontRef idx="minor">
+            <a:schemeClr val="lt1"/>
+          </a:fontRef>
+        </p:style>
+        <p:txBody>
+          <a:bodyPr rtlCol="0" anchor="ctr"/>
+          <a:lstStyle/>
+          <a:p>
+            <a:pPr algn="ctr"/>
+            <a:endParaRPr kumimoji="1" lang="ja-JP" altLang="en-US"/>
+          </a:p>
+        </p:txBody>
+      </p:sp>
+      <p:grpSp>
+        <p:nvGrpSpPr>
+          <p:cNvPr id="21" name="グループ化 20">
+            <a:extLst>
+              <a:ext uri="{FF2B5EF4-FFF2-40B4-BE49-F238E27FC236}">
+                <a16:creationId xmlns:a16="http://schemas.microsoft.com/office/drawing/2014/main" id="{16808017-801A-53BE-3340-11699E77DC3C}"/>
+              </a:ext>
+            </a:extLst>
+          </p:cNvPr>
+          <p:cNvGrpSpPr/>
+          <p:nvPr/>
+        </p:nvGrpSpPr>
+        <p:grpSpPr>
+          <a:xfrm>
+            <a:off x="317581" y="277924"/>
+            <a:ext cx="924233" cy="1234235"/>
+            <a:chOff x="266781" y="196644"/>
+            <a:chExt cx="924233" cy="1234235"/>
+          </a:xfrm>
+        </p:grpSpPr>
+        <p:sp>
+          <p:nvSpPr>
+            <p:cNvPr id="6" name="フローチャート: 結合子 5">
+              <a:extLst>
+                <a:ext uri="{FF2B5EF4-FFF2-40B4-BE49-F238E27FC236}">
+                  <a16:creationId xmlns:a16="http://schemas.microsoft.com/office/drawing/2014/main" id="{760B2358-0756-5D93-6C4A-D5FC31E04F76}"/>
+                </a:ext>
+              </a:extLst>
+            </p:cNvPr>
+            <p:cNvSpPr/>
+            <p:nvPr/>
+          </p:nvSpPr>
+          <p:spPr>
+            <a:xfrm>
+              <a:off x="266781" y="196644"/>
+              <a:ext cx="924233" cy="924233"/>
+            </a:xfrm>
+            <a:prstGeom prst="flowChartConnector">
+              <a:avLst/>
+            </a:prstGeom>
+            <a:noFill/>
+            <a:ln w="28575">
+              <a:solidFill>
+                <a:srgbClr val="EA7B6B"/>
+              </a:solidFill>
+            </a:ln>
+          </p:spPr>
+          <p:style>
+            <a:lnRef idx="2">
+              <a:schemeClr val="accent1">
+                <a:shade val="15000"/>
+              </a:schemeClr>
+            </a:lnRef>
+            <a:fillRef idx="1">
+              <a:schemeClr val="accent1"/>
+            </a:fillRef>
+            <a:effectRef idx="0">
+              <a:schemeClr val="accent1"/>
+            </a:effectRef>
+            <a:fontRef idx="minor">
+              <a:schemeClr val="lt1"/>
+            </a:fontRef>
+          </p:style>
+          <p:txBody>
+            <a:bodyPr rtlCol="0" anchor="ctr"/>
+            <a:lstStyle/>
+            <a:p>
+              <a:pPr algn="ctr"/>
+              <a:endParaRPr kumimoji="1" lang="ja-JP" altLang="en-US"/>
+            </a:p>
+          </p:txBody>
+        </p:sp>
+        <p:sp>
+          <p:nvSpPr>
+            <p:cNvPr id="15" name="フローチャート: 結合子 14">
+              <a:extLst>
+                <a:ext uri="{FF2B5EF4-FFF2-40B4-BE49-F238E27FC236}">
+                  <a16:creationId xmlns:a16="http://schemas.microsoft.com/office/drawing/2014/main" id="{D05A29E2-273E-D3FB-A6C2-839C27DA4BB8}"/>
+                </a:ext>
+              </a:extLst>
+            </p:cNvPr>
+            <p:cNvSpPr/>
+            <p:nvPr/>
+          </p:nvSpPr>
+          <p:spPr>
+            <a:xfrm>
+              <a:off x="545771" y="319548"/>
+              <a:ext cx="366250" cy="349044"/>
+            </a:xfrm>
+            <a:prstGeom prst="flowChartConnector">
+              <a:avLst/>
+            </a:prstGeom>
+            <a:noFill/>
+            <a:ln w="28575">
+              <a:solidFill>
+                <a:srgbClr val="EA7B6B"/>
+              </a:solidFill>
+            </a:ln>
+          </p:spPr>
+          <p:style>
+            <a:lnRef idx="2">
+              <a:schemeClr val="accent1">
+                <a:shade val="15000"/>
+              </a:schemeClr>
+            </a:lnRef>
+            <a:fillRef idx="1">
+              <a:schemeClr val="accent1"/>
+            </a:fillRef>
+            <a:effectRef idx="0">
+              <a:schemeClr val="accent1"/>
+            </a:effectRef>
+            <a:fontRef idx="minor">
+              <a:schemeClr val="lt1"/>
+            </a:fontRef>
+          </p:style>
+          <p:txBody>
+            <a:bodyPr rtlCol="0" anchor="ctr"/>
+            <a:lstStyle/>
+            <a:p>
+              <a:pPr algn="ctr"/>
+              <a:endParaRPr kumimoji="1" lang="ja-JP" altLang="en-US"/>
+            </a:p>
+          </p:txBody>
+        </p:sp>
+        <p:sp>
+          <p:nvSpPr>
+            <p:cNvPr id="16" name="円弧 15">
+              <a:extLst>
+                <a:ext uri="{FF2B5EF4-FFF2-40B4-BE49-F238E27FC236}">
+                  <a16:creationId xmlns:a16="http://schemas.microsoft.com/office/drawing/2014/main" id="{24D54118-16BA-E4E7-2C10-DC055B34DBCF}"/>
+                </a:ext>
+              </a:extLst>
+            </p:cNvPr>
+            <p:cNvSpPr/>
+            <p:nvPr/>
+          </p:nvSpPr>
+          <p:spPr>
+            <a:xfrm rot="19079286">
+              <a:off x="374934" y="732788"/>
+              <a:ext cx="707924" cy="698091"/>
+            </a:xfrm>
+            <a:prstGeom prst="arc">
+              <a:avLst/>
+            </a:prstGeom>
+            <a:ln w="28575">
+              <a:solidFill>
+                <a:srgbClr val="EA7B6B"/>
+              </a:solidFill>
+            </a:ln>
+          </p:spPr>
+          <p:style>
+            <a:lnRef idx="1">
+              <a:schemeClr val="accent1"/>
+            </a:lnRef>
+            <a:fillRef idx="0">
+              <a:schemeClr val="accent1"/>
+            </a:fillRef>
+            <a:effectRef idx="0">
+              <a:schemeClr val="accent1"/>
+            </a:effectRef>
+            <a:fontRef idx="minor">
+              <a:schemeClr val="tx1"/>
+            </a:fontRef>
+          </p:style>
+          <p:txBody>
+            <a:bodyPr rtlCol="0" anchor="ctr"/>
+            <a:lstStyle/>
+            <a:p>
+              <a:pPr algn="ctr"/>
+              <a:endParaRPr kumimoji="1" lang="ja-JP" altLang="en-US"/>
+            </a:p>
+          </p:txBody>
+        </p:sp>
+      </p:grpSp>
+      <p:sp>
+        <p:nvSpPr>
+          <p:cNvPr id="20" name="テキスト ボックス 19">
+            <a:extLst>
+              <a:ext uri="{FF2B5EF4-FFF2-40B4-BE49-F238E27FC236}">
+                <a16:creationId xmlns:a16="http://schemas.microsoft.com/office/drawing/2014/main" id="{93D16964-E0C9-2363-48DD-3B661653827D}"/>
+              </a:ext>
+            </a:extLst>
+          </p:cNvPr>
+          <p:cNvSpPr txBox="1"/>
+          <p:nvPr/>
+        </p:nvSpPr>
+        <p:spPr>
+          <a:xfrm>
+            <a:off x="9558094" y="806695"/>
+            <a:ext cx="2401617" cy="461665"/>
+          </a:xfrm>
+          <a:prstGeom prst="rect">
+            <a:avLst/>
+          </a:prstGeom>
+          <a:noFill/>
+        </p:spPr>
+        <p:txBody>
+          <a:bodyPr wrap="square" rtlCol="0">
+            <a:spAutoFit/>
+          </a:bodyPr>
+          <a:lstStyle/>
+          <a:p>
+            <a:r>
+              <a:rPr kumimoji="1" lang="en-US" altLang="ja-JP" sz="2400" dirty="0">
+                <a:solidFill>
+                  <a:srgbClr val="001746"/>
+                </a:solidFill>
+                <a:latin typeface="Kristen ITC" panose="03050502040202030202" pitchFamily="66" charset="0"/>
+              </a:rPr>
+              <a:t>2024/06/07 (Fri)</a:t>
+            </a:r>
+            <a:endParaRPr kumimoji="1" lang="ja-JP" altLang="en-US" sz="2400" dirty="0">
+              <a:solidFill>
+                <a:srgbClr val="001746"/>
+              </a:solidFill>
+              <a:latin typeface="Kristen ITC" panose="03050502040202030202" pitchFamily="66" charset="0"/>
+            </a:endParaRPr>
+          </a:p>
+        </p:txBody>
+      </p:sp>
+      <p:sp>
+        <p:nvSpPr>
+          <p:cNvPr id="22" name="テキスト ボックス 21">
+            <a:extLst>
+              <a:ext uri="{FF2B5EF4-FFF2-40B4-BE49-F238E27FC236}">
+                <a16:creationId xmlns:a16="http://schemas.microsoft.com/office/drawing/2014/main" id="{71CC734F-A1B3-457D-DBDD-64EF65974439}"/>
+              </a:ext>
+            </a:extLst>
+          </p:cNvPr>
+          <p:cNvSpPr txBox="1"/>
+          <p:nvPr/>
+        </p:nvSpPr>
+        <p:spPr>
+          <a:xfrm>
+            <a:off x="3861424" y="6505008"/>
+            <a:ext cx="4490720" cy="307777"/>
+          </a:xfrm>
+          <a:prstGeom prst="rect">
+            <a:avLst/>
+          </a:prstGeom>
+          <a:noFill/>
+        </p:spPr>
+        <p:txBody>
+          <a:bodyPr wrap="square" rtlCol="0">
+            <a:spAutoFit/>
+          </a:bodyPr>
+          <a:lstStyle/>
+          <a:p>
+            <a:r>
+              <a:rPr kumimoji="1" lang="en-US" altLang="ja-JP" sz="1400" dirty="0">
+                <a:solidFill>
+                  <a:srgbClr val="001746"/>
+                </a:solidFill>
+              </a:rPr>
+              <a:t>Copyright </a:t>
+            </a:r>
+            <a:r>
+              <a:rPr kumimoji="1" lang="en-US" altLang="ja-JP" sz="1400" dirty="0" err="1">
+                <a:solidFill>
+                  <a:srgbClr val="001746"/>
+                </a:solidFill>
+              </a:rPr>
+              <a:t>paraparaChahan</a:t>
+            </a:r>
+            <a:r>
+              <a:rPr kumimoji="1" lang="en-US" altLang="ja-JP" sz="1400" dirty="0">
+                <a:solidFill>
+                  <a:srgbClr val="001746"/>
+                </a:solidFill>
+              </a:rPr>
+              <a:t>(PLUS DOJO). All rights reserved.</a:t>
+            </a:r>
+            <a:endParaRPr kumimoji="1" lang="ja-JP" altLang="en-US" sz="1400" dirty="0">
+              <a:solidFill>
+                <a:srgbClr val="001746"/>
+              </a:solidFill>
+            </a:endParaRPr>
+          </a:p>
+        </p:txBody>
+      </p:sp>
+      <p:sp>
+        <p:nvSpPr>
+          <p:cNvPr id="3" name="四角形: 角を丸くする 2">
+            <a:extLst>
+              <a:ext uri="{FF2B5EF4-FFF2-40B4-BE49-F238E27FC236}">
+                <a16:creationId xmlns:a16="http://schemas.microsoft.com/office/drawing/2014/main" id="{146B3927-1730-318D-63D3-A0AC238B0E05}"/>
+              </a:ext>
+            </a:extLst>
+          </p:cNvPr>
+          <p:cNvSpPr/>
+          <p:nvPr/>
+        </p:nvSpPr>
+        <p:spPr>
+          <a:xfrm>
+            <a:off x="667832" y="2269408"/>
+            <a:ext cx="10856335" cy="3906885"/>
+          </a:xfrm>
+          <a:prstGeom prst="roundRect">
+            <a:avLst>
+              <a:gd name="adj" fmla="val 12233"/>
+            </a:avLst>
+          </a:prstGeom>
+          <a:noFill/>
+          <a:ln w="76200" cmpd="dbl">
+            <a:solidFill>
+              <a:srgbClr val="8AAEC9"/>
+            </a:solidFill>
+          </a:ln>
+        </p:spPr>
+        <p:style>
+          <a:lnRef idx="2">
+            <a:schemeClr val="accent1">
+              <a:shade val="15000"/>
+            </a:schemeClr>
+          </a:lnRef>
+          <a:fillRef idx="1">
+            <a:schemeClr val="accent1"/>
+          </a:fillRef>
+          <a:effectRef idx="0">
+            <a:schemeClr val="accent1"/>
+          </a:effectRef>
+          <a:fontRef idx="minor">
+            <a:schemeClr val="lt1"/>
+          </a:fontRef>
+        </p:style>
+        <p:txBody>
+          <a:bodyPr rtlCol="0" anchor="ctr"/>
+          <a:lstStyle/>
+          <a:p>
+            <a:pPr algn="ctr"/>
+            <a:endParaRPr kumimoji="1" lang="ja-JP" altLang="en-US"/>
+          </a:p>
+        </p:txBody>
+      </p:sp>
+      <p:sp>
+        <p:nvSpPr>
+          <p:cNvPr id="10" name="四角形: 角を丸くする 9">
+            <a:extLst>
+              <a:ext uri="{FF2B5EF4-FFF2-40B4-BE49-F238E27FC236}">
+                <a16:creationId xmlns:a16="http://schemas.microsoft.com/office/drawing/2014/main" id="{33B89CC0-DD46-E6C4-797E-8822731F5AA5}"/>
+              </a:ext>
+            </a:extLst>
+          </p:cNvPr>
+          <p:cNvSpPr/>
+          <p:nvPr/>
+        </p:nvSpPr>
+        <p:spPr>
+          <a:xfrm>
+            <a:off x="1676277" y="5310049"/>
+            <a:ext cx="4873379" cy="613898"/>
+          </a:xfrm>
+          <a:prstGeom prst="roundRect">
+            <a:avLst>
+              <a:gd name="adj" fmla="val 32778"/>
+            </a:avLst>
+          </a:prstGeom>
+          <a:solidFill>
+            <a:srgbClr val="8AAEC9"/>
+          </a:solidFill>
+          <a:ln w="57150">
+            <a:solidFill>
+              <a:srgbClr val="8AAEC9"/>
+            </a:solidFill>
+          </a:ln>
+        </p:spPr>
+        <p:style>
+          <a:lnRef idx="2">
+            <a:schemeClr val="accent1">
+              <a:shade val="15000"/>
+            </a:schemeClr>
+          </a:lnRef>
+          <a:fillRef idx="1">
+            <a:schemeClr val="accent1"/>
+          </a:fillRef>
+          <a:effectRef idx="0">
+            <a:schemeClr val="accent1"/>
+          </a:effectRef>
+          <a:fontRef idx="minor">
+            <a:schemeClr val="lt1"/>
+          </a:fontRef>
+        </p:style>
+        <p:txBody>
+          <a:bodyPr rtlCol="0" anchor="ctr"/>
+          <a:lstStyle/>
+          <a:p>
+            <a:pPr algn="ctr"/>
+            <a:endParaRPr kumimoji="1" lang="ja-JP" altLang="en-US"/>
+          </a:p>
+        </p:txBody>
+      </p:sp>
+      <p:cxnSp>
+        <p:nvCxnSpPr>
+          <p:cNvPr id="11" name="直線コネクタ 10">
+            <a:extLst>
+              <a:ext uri="{FF2B5EF4-FFF2-40B4-BE49-F238E27FC236}">
+                <a16:creationId xmlns:a16="http://schemas.microsoft.com/office/drawing/2014/main" id="{EDF4094D-DA1E-705A-04C5-1F826752D2CB}"/>
+              </a:ext>
+            </a:extLst>
+          </p:cNvPr>
+          <p:cNvCxnSpPr>
+            <a:cxnSpLocks/>
+          </p:cNvCxnSpPr>
+          <p:nvPr/>
+        </p:nvCxnSpPr>
+        <p:spPr>
+          <a:xfrm>
+            <a:off x="1276303" y="3289903"/>
+            <a:ext cx="9720476" cy="0"/>
+          </a:xfrm>
+          <a:prstGeom prst="line">
+            <a:avLst/>
+          </a:prstGeom>
+          <a:ln w="28575">
+            <a:solidFill>
+              <a:srgbClr val="7DE3A1"/>
+            </a:solidFill>
+          </a:ln>
+        </p:spPr>
+        <p:style>
+          <a:lnRef idx="1">
+            <a:schemeClr val="accent1"/>
+          </a:lnRef>
+          <a:fillRef idx="0">
+            <a:schemeClr val="accent1"/>
+          </a:fillRef>
+          <a:effectRef idx="0">
+            <a:schemeClr val="accent1"/>
+          </a:effectRef>
+          <a:fontRef idx="minor">
+            <a:schemeClr val="tx1"/>
+          </a:fontRef>
+        </p:style>
+      </p:cxnSp>
+      <p:sp>
+        <p:nvSpPr>
+          <p:cNvPr id="12" name="四角形: 上の 2 つの角を丸める 11">
+            <a:extLst>
+              <a:ext uri="{FF2B5EF4-FFF2-40B4-BE49-F238E27FC236}">
+                <a16:creationId xmlns:a16="http://schemas.microsoft.com/office/drawing/2014/main" id="{A8C2D4BD-9778-F9C5-A90A-11B80A488263}"/>
+              </a:ext>
+            </a:extLst>
+          </p:cNvPr>
+          <p:cNvSpPr/>
+          <p:nvPr/>
+        </p:nvSpPr>
+        <p:spPr>
+          <a:xfrm>
+            <a:off x="4031935" y="1659358"/>
+            <a:ext cx="4128127" cy="581396"/>
+          </a:xfrm>
+          <a:prstGeom prst="round2SameRect">
+            <a:avLst>
+              <a:gd name="adj1" fmla="val 50000"/>
+              <a:gd name="adj2" fmla="val 0"/>
+            </a:avLst>
+          </a:prstGeom>
+          <a:solidFill>
+            <a:srgbClr val="8AAEC9"/>
+          </a:solidFill>
+          <a:ln>
+            <a:solidFill>
+              <a:srgbClr val="8AAEC9"/>
+            </a:solidFill>
+          </a:ln>
+        </p:spPr>
+        <p:style>
+          <a:lnRef idx="2">
+            <a:schemeClr val="accent1">
+              <a:shade val="15000"/>
+            </a:schemeClr>
+          </a:lnRef>
+          <a:fillRef idx="1">
+            <a:schemeClr val="accent1"/>
+          </a:fillRef>
+          <a:effectRef idx="0">
+            <a:schemeClr val="accent1"/>
+          </a:effectRef>
+          <a:fontRef idx="minor">
+            <a:schemeClr val="lt1"/>
+          </a:fontRef>
+        </p:style>
+        <p:txBody>
+          <a:bodyPr rtlCol="0" anchor="ctr"/>
+          <a:lstStyle/>
+          <a:p>
+            <a:pPr algn="ctr"/>
+            <a:endParaRPr kumimoji="1" lang="ja-JP" altLang="en-US"/>
+          </a:p>
+        </p:txBody>
+      </p:sp>
+      <p:sp>
+        <p:nvSpPr>
+          <p:cNvPr id="4" name="テキスト ボックス 3">
+            <a:extLst>
+              <a:ext uri="{FF2B5EF4-FFF2-40B4-BE49-F238E27FC236}">
+                <a16:creationId xmlns:a16="http://schemas.microsoft.com/office/drawing/2014/main" id="{AC8BFD5E-6382-E006-C058-C097C4B62BE4}"/>
+              </a:ext>
+            </a:extLst>
+          </p:cNvPr>
+          <p:cNvSpPr txBox="1"/>
+          <p:nvPr/>
+        </p:nvSpPr>
+        <p:spPr>
+          <a:xfrm>
+            <a:off x="4610133" y="1684633"/>
+            <a:ext cx="3052815" cy="584775"/>
+          </a:xfrm>
+          <a:prstGeom prst="rect">
+            <a:avLst/>
+          </a:prstGeom>
+          <a:noFill/>
+        </p:spPr>
+        <p:txBody>
+          <a:bodyPr wrap="square" rtlCol="0">
+            <a:spAutoFit/>
+          </a:bodyPr>
+          <a:lstStyle/>
+          <a:p>
+            <a:r>
+              <a:rPr kumimoji="1" lang="en-US" altLang="ja-JP" sz="3200" dirty="0">
+                <a:solidFill>
+                  <a:schemeClr val="bg1"/>
+                </a:solidFill>
+                <a:latin typeface="Kristen ITC" panose="03050502040202030202" pitchFamily="66" charset="0"/>
+              </a:rPr>
+              <a:t>New Schedule</a:t>
+            </a:r>
+            <a:endParaRPr kumimoji="1" lang="ja-JP" altLang="en-US" sz="3200" dirty="0">
+              <a:solidFill>
+                <a:schemeClr val="bg1"/>
+              </a:solidFill>
+              <a:latin typeface="Kristen ITC" panose="03050502040202030202" pitchFamily="66" charset="0"/>
+            </a:endParaRPr>
+          </a:p>
+        </p:txBody>
+      </p:sp>
+      <p:sp>
+        <p:nvSpPr>
+          <p:cNvPr id="23" name="テキスト ボックス 22">
+            <a:extLst>
+              <a:ext uri="{FF2B5EF4-FFF2-40B4-BE49-F238E27FC236}">
+                <a16:creationId xmlns:a16="http://schemas.microsoft.com/office/drawing/2014/main" id="{D0BB7FAF-E70C-F360-48D8-A6620B89447F}"/>
+              </a:ext>
+            </a:extLst>
+          </p:cNvPr>
+          <p:cNvSpPr txBox="1"/>
+          <p:nvPr/>
+        </p:nvSpPr>
+        <p:spPr>
+          <a:xfrm>
+            <a:off x="3567137" y="5360740"/>
+            <a:ext cx="929595" cy="523220"/>
+          </a:xfrm>
+          <a:prstGeom prst="rect">
+            <a:avLst/>
+          </a:prstGeom>
+          <a:noFill/>
+        </p:spPr>
+        <p:txBody>
+          <a:bodyPr wrap="square" rtlCol="0">
+            <a:spAutoFit/>
+          </a:bodyPr>
+          <a:lstStyle/>
+          <a:p>
+            <a:r>
+              <a:rPr kumimoji="1" lang="ja-JP" altLang="en-US" sz="2800" dirty="0">
+                <a:solidFill>
+                  <a:srgbClr val="001746"/>
+                </a:solidFill>
+                <a:latin typeface="UD デジタル 教科書体 NP-B" panose="02020700000000000000" pitchFamily="18" charset="-128"/>
+                <a:ea typeface="UD デジタル 教科書体 NP-B" panose="02020700000000000000" pitchFamily="18" charset="-128"/>
+              </a:rPr>
+              <a:t>パパ</a:t>
+            </a:r>
+          </a:p>
+        </p:txBody>
+      </p:sp>
+      <p:sp>
+        <p:nvSpPr>
+          <p:cNvPr id="31" name="四角形: 角を丸くする 30">
+            <a:extLst>
+              <a:ext uri="{FF2B5EF4-FFF2-40B4-BE49-F238E27FC236}">
+                <a16:creationId xmlns:a16="http://schemas.microsoft.com/office/drawing/2014/main" id="{2FF2E046-0970-0D29-80B9-3AD20C42C595}"/>
+              </a:ext>
+            </a:extLst>
+          </p:cNvPr>
+          <p:cNvSpPr/>
+          <p:nvPr/>
+        </p:nvSpPr>
+        <p:spPr>
+          <a:xfrm>
+            <a:off x="1229710" y="3621260"/>
+            <a:ext cx="9720476" cy="1447147"/>
+          </a:xfrm>
+          <a:prstGeom prst="roundRect">
+            <a:avLst>
+              <a:gd name="adj" fmla="val 23987"/>
+            </a:avLst>
+          </a:prstGeom>
+          <a:noFill/>
+          <a:ln w="28575">
+            <a:solidFill>
+              <a:srgbClr val="7DE3A1"/>
+            </a:solidFill>
+          </a:ln>
+        </p:spPr>
+        <p:style>
+          <a:lnRef idx="2">
+            <a:schemeClr val="accent1">
+              <a:shade val="15000"/>
+            </a:schemeClr>
+          </a:lnRef>
+          <a:fillRef idx="1">
+            <a:schemeClr val="accent1"/>
+          </a:fillRef>
+          <a:effectRef idx="0">
+            <a:schemeClr val="accent1"/>
+          </a:effectRef>
+          <a:fontRef idx="minor">
+            <a:schemeClr val="lt1"/>
+          </a:fontRef>
+        </p:style>
+        <p:txBody>
+          <a:bodyPr rtlCol="0" anchor="ctr"/>
+          <a:lstStyle/>
+          <a:p>
+            <a:pPr algn="ctr"/>
+            <a:endParaRPr kumimoji="1" lang="ja-JP" altLang="en-US"/>
+          </a:p>
+        </p:txBody>
+      </p:sp>
+      <p:sp>
+        <p:nvSpPr>
+          <p:cNvPr id="17" name="テキスト ボックス 16">
+            <a:extLst>
+              <a:ext uri="{FF2B5EF4-FFF2-40B4-BE49-F238E27FC236}">
+                <a16:creationId xmlns:a16="http://schemas.microsoft.com/office/drawing/2014/main" id="{F67C2F52-6A39-33E0-8662-10BC8DCCADE7}"/>
+              </a:ext>
+            </a:extLst>
+          </p:cNvPr>
+          <p:cNvSpPr txBox="1"/>
+          <p:nvPr/>
+        </p:nvSpPr>
+        <p:spPr>
+          <a:xfrm>
+            <a:off x="5267510" y="2624933"/>
+            <a:ext cx="2097550" cy="523220"/>
+          </a:xfrm>
+          <a:prstGeom prst="rect">
+            <a:avLst/>
+          </a:prstGeom>
+          <a:noFill/>
+        </p:spPr>
+        <p:txBody>
+          <a:bodyPr wrap="square" rtlCol="0">
+            <a:spAutoFit/>
+          </a:bodyPr>
+          <a:lstStyle/>
+          <a:p>
+            <a:r>
+              <a:rPr kumimoji="1" lang="en-US" altLang="ja-JP" sz="2800" dirty="0">
+                <a:solidFill>
+                  <a:srgbClr val="001746"/>
+                </a:solidFill>
+                <a:latin typeface="UD デジタル 教科書体 NP-B" panose="02020700000000000000" pitchFamily="18" charset="-128"/>
+                <a:ea typeface="UD デジタル 教科書体 NP-B" panose="02020700000000000000" pitchFamily="18" charset="-128"/>
+              </a:rPr>
+              <a:t>Zoom</a:t>
+            </a:r>
+            <a:r>
+              <a:rPr kumimoji="1" lang="ja-JP" altLang="en-US" sz="2800" dirty="0">
+                <a:solidFill>
+                  <a:srgbClr val="001746"/>
+                </a:solidFill>
+                <a:latin typeface="UD デジタル 教科書体 NP-B" panose="02020700000000000000" pitchFamily="18" charset="-128"/>
+                <a:ea typeface="UD デジタル 教科書体 NP-B" panose="02020700000000000000" pitchFamily="18" charset="-128"/>
+              </a:rPr>
+              <a:t>会議</a:t>
+            </a:r>
+          </a:p>
+        </p:txBody>
+      </p:sp>
+      <p:sp>
+        <p:nvSpPr>
+          <p:cNvPr id="18" name="テキスト ボックス 17">
+            <a:extLst>
+              <a:ext uri="{FF2B5EF4-FFF2-40B4-BE49-F238E27FC236}">
+                <a16:creationId xmlns:a16="http://schemas.microsoft.com/office/drawing/2014/main" id="{8712FB2E-AEDB-5BAA-F2D2-57BE36EC5F1E}"/>
+              </a:ext>
+            </a:extLst>
+          </p:cNvPr>
+          <p:cNvSpPr txBox="1"/>
+          <p:nvPr/>
+        </p:nvSpPr>
+        <p:spPr>
+          <a:xfrm>
+            <a:off x="1355511" y="3747351"/>
+            <a:ext cx="3625652" cy="400110"/>
+          </a:xfrm>
+          <a:prstGeom prst="rect">
+            <a:avLst/>
+          </a:prstGeom>
+          <a:noFill/>
+        </p:spPr>
+        <p:txBody>
+          <a:bodyPr wrap="square" rtlCol="0">
+            <a:spAutoFit/>
+          </a:bodyPr>
+          <a:lstStyle/>
+          <a:p>
+            <a:r>
+              <a:rPr kumimoji="1" lang="en-US" altLang="ja-JP" sz="2000" dirty="0">
+                <a:solidFill>
+                  <a:srgbClr val="001746"/>
+                </a:solidFill>
+                <a:latin typeface="UD デジタル 教科書体 NP-B" panose="02020700000000000000" pitchFamily="18" charset="-128"/>
+                <a:ea typeface="UD デジタル 教科書体 NP-B" panose="02020700000000000000" pitchFamily="18" charset="-128"/>
+              </a:rPr>
+              <a:t>14:00~</a:t>
+            </a:r>
+          </a:p>
+        </p:txBody>
+      </p:sp>
+      <p:sp>
+        <p:nvSpPr>
+          <p:cNvPr id="19" name="四角形: 角を丸くする 18">
+            <a:extLst>
+              <a:ext uri="{FF2B5EF4-FFF2-40B4-BE49-F238E27FC236}">
+                <a16:creationId xmlns:a16="http://schemas.microsoft.com/office/drawing/2014/main" id="{5E738E5F-B405-CE89-CC8B-2D684C2C8C3E}"/>
+              </a:ext>
+            </a:extLst>
+          </p:cNvPr>
+          <p:cNvSpPr/>
+          <p:nvPr/>
+        </p:nvSpPr>
+        <p:spPr>
+          <a:xfrm>
+            <a:off x="8640487" y="5276753"/>
+            <a:ext cx="1359494" cy="613898"/>
+          </a:xfrm>
+          <a:prstGeom prst="roundRect">
+            <a:avLst>
+              <a:gd name="adj" fmla="val 32778"/>
+            </a:avLst>
+          </a:prstGeom>
+          <a:solidFill>
+            <a:srgbClr val="001746"/>
+          </a:solidFill>
+          <a:ln w="57150">
+            <a:solidFill>
+              <a:srgbClr val="001746"/>
+            </a:solidFill>
+          </a:ln>
+        </p:spPr>
+        <p:style>
+          <a:lnRef idx="2">
+            <a:schemeClr val="accent1">
+              <a:shade val="15000"/>
+            </a:schemeClr>
+          </a:lnRef>
+          <a:fillRef idx="1">
+            <a:schemeClr val="accent1"/>
+          </a:fillRef>
+          <a:effectRef idx="0">
+            <a:schemeClr val="accent1"/>
+          </a:effectRef>
+          <a:fontRef idx="minor">
+            <a:schemeClr val="lt1"/>
+          </a:fontRef>
+        </p:style>
+        <p:txBody>
+          <a:bodyPr rtlCol="0" anchor="ctr"/>
+          <a:lstStyle/>
+          <a:p>
+            <a:pPr algn="ctr"/>
+            <a:endParaRPr kumimoji="1" lang="ja-JP" altLang="en-US"/>
+          </a:p>
+        </p:txBody>
+      </p:sp>
+      <p:sp>
+        <p:nvSpPr>
+          <p:cNvPr id="24" name="テキスト ボックス 23">
+            <a:extLst>
+              <a:ext uri="{FF2B5EF4-FFF2-40B4-BE49-F238E27FC236}">
+                <a16:creationId xmlns:a16="http://schemas.microsoft.com/office/drawing/2014/main" id="{0DC2A5AB-B483-3557-B633-5376A7C562CA}"/>
+              </a:ext>
+            </a:extLst>
+          </p:cNvPr>
+          <p:cNvSpPr txBox="1"/>
+          <p:nvPr/>
+        </p:nvSpPr>
+        <p:spPr>
+          <a:xfrm>
+            <a:off x="8855533" y="5323772"/>
+            <a:ext cx="929402" cy="523220"/>
+          </a:xfrm>
+          <a:prstGeom prst="rect">
+            <a:avLst/>
+          </a:prstGeom>
+          <a:noFill/>
+        </p:spPr>
+        <p:txBody>
+          <a:bodyPr wrap="square" rtlCol="0">
+            <a:spAutoFit/>
+          </a:bodyPr>
+          <a:lstStyle/>
+          <a:p>
+            <a:r>
+              <a:rPr kumimoji="1" lang="ja-JP" altLang="en-US" sz="2800" dirty="0">
+                <a:solidFill>
+                  <a:schemeClr val="bg1"/>
+                </a:solidFill>
+                <a:latin typeface="UD デジタル 教科書体 NP-B" panose="02020700000000000000" pitchFamily="18" charset="-128"/>
+                <a:ea typeface="UD デジタル 教科書体 NP-B" panose="02020700000000000000" pitchFamily="18" charset="-128"/>
+              </a:rPr>
+              <a:t>登録</a:t>
+            </a:r>
+          </a:p>
+        </p:txBody>
+      </p:sp>
+    </p:spTree>
+    <p:extLst>
+      <p:ext uri="{BB962C8B-B14F-4D97-AF65-F5344CB8AC3E}">
+        <p14:creationId xmlns:p14="http://schemas.microsoft.com/office/powerpoint/2010/main" val="532872937"/>
+      </p:ext>
+    </p:extLst>
+  </p:cSld>
+  <p:clrMapOvr>
+    <a:masterClrMapping/>
+  </p:clrMapOvr>
+</p:sld>
+</file>
+
+<file path=ppt/slides/slide25.xml><?xml version="1.0" encoding="utf-8"?>
+<p:sld xmlns:a="http://schemas.openxmlformats.org/drawingml/2006/main" xmlns:r="http://schemas.openxmlformats.org/officeDocument/2006/relationships" xmlns:p="http://schemas.openxmlformats.org/presentationml/2006/main">
+  <p:cSld>
+    <p:spTree>
+      <p:nvGrpSpPr>
+        <p:cNvPr id="1" name=""/>
+        <p:cNvGrpSpPr/>
+        <p:nvPr/>
+      </p:nvGrpSpPr>
+      <p:grpSpPr>
+        <a:xfrm>
+          <a:off x="0" y="0"/>
+          <a:ext cx="0" cy="0"/>
+          <a:chOff x="0" y="0"/>
+          <a:chExt cx="0" cy="0"/>
+        </a:xfrm>
+      </p:grpSpPr>
+      <p:sp>
+        <p:nvSpPr>
+          <p:cNvPr id="7" name="正方形/長方形 6">
+            <a:extLst>
+              <a:ext uri="{FF2B5EF4-FFF2-40B4-BE49-F238E27FC236}">
+                <a16:creationId xmlns:a16="http://schemas.microsoft.com/office/drawing/2014/main" id="{3830DDF9-5B12-DDDD-082C-AF3BF586F355}"/>
+              </a:ext>
+            </a:extLst>
+          </p:cNvPr>
+          <p:cNvSpPr/>
+          <p:nvPr/>
+        </p:nvSpPr>
+        <p:spPr>
+          <a:xfrm>
+            <a:off x="0" y="0"/>
+            <a:ext cx="12192000" cy="1386348"/>
+          </a:xfrm>
+          <a:prstGeom prst="rect">
+            <a:avLst/>
+          </a:prstGeom>
+          <a:solidFill>
+            <a:srgbClr val="F5F5F5"/>
+          </a:solidFill>
+          <a:ln>
+            <a:noFill/>
+          </a:ln>
+        </p:spPr>
+        <p:style>
+          <a:lnRef idx="2">
+            <a:schemeClr val="accent1">
+              <a:shade val="15000"/>
+            </a:schemeClr>
+          </a:lnRef>
+          <a:fillRef idx="1">
+            <a:schemeClr val="accent1"/>
+          </a:fillRef>
+          <a:effectRef idx="0">
+            <a:schemeClr val="accent1"/>
+          </a:effectRef>
+          <a:fontRef idx="minor">
+            <a:schemeClr val="lt1"/>
+          </a:fontRef>
+        </p:style>
+        <p:txBody>
+          <a:bodyPr rtlCol="0" anchor="ctr"/>
+          <a:lstStyle/>
+          <a:p>
+            <a:pPr algn="ctr"/>
+            <a:endParaRPr kumimoji="1" lang="ja-JP" altLang="en-US"/>
+          </a:p>
+        </p:txBody>
+      </p:sp>
+      <p:pic>
+        <p:nvPicPr>
+          <p:cNvPr id="5" name="図 4" descr="ロゴ&#10;&#10;中程度の精度で自動的に生成された説明">
+            <a:extLst>
+              <a:ext uri="{FF2B5EF4-FFF2-40B4-BE49-F238E27FC236}">
+                <a16:creationId xmlns:a16="http://schemas.microsoft.com/office/drawing/2014/main" id="{B9A39F28-1EBD-1E84-D159-443CA1B611CF}"/>
+              </a:ext>
+            </a:extLst>
+          </p:cNvPr>
+          <p:cNvPicPr>
+            <a:picLocks noChangeAspect="1"/>
+          </p:cNvPicPr>
+          <p:nvPr/>
+        </p:nvPicPr>
+        <p:blipFill rotWithShape="1">
+          <a:blip r:embed="rId3">
+            <a:extLst>
+              <a:ext uri="{28A0092B-C50C-407E-A947-70E740481C1C}">
+                <a14:useLocalDpi xmlns:a14="http://schemas.microsoft.com/office/drawing/2010/main" val="0"/>
+              </a:ext>
+            </a:extLst>
+          </a:blip>
+          <a:srcRect l="14562" t="11298" b="30517"/>
+          <a:stretch/>
+        </p:blipFill>
+        <p:spPr>
+          <a:xfrm>
+            <a:off x="4826940" y="196644"/>
+            <a:ext cx="2538120" cy="1012723"/>
+          </a:xfrm>
+          <a:prstGeom prst="rect">
+            <a:avLst/>
+          </a:prstGeom>
+        </p:spPr>
+      </p:pic>
+      <p:sp>
+        <p:nvSpPr>
+          <p:cNvPr id="14" name="正方形/長方形 13">
+            <a:extLst>
+              <a:ext uri="{FF2B5EF4-FFF2-40B4-BE49-F238E27FC236}">
+                <a16:creationId xmlns:a16="http://schemas.microsoft.com/office/drawing/2014/main" id="{52192687-6E27-88C8-ED3C-4F58ED7237DC}"/>
+              </a:ext>
+            </a:extLst>
+          </p:cNvPr>
+          <p:cNvSpPr/>
+          <p:nvPr/>
+        </p:nvSpPr>
+        <p:spPr>
+          <a:xfrm>
+            <a:off x="0" y="6459794"/>
+            <a:ext cx="12192000" cy="398206"/>
+          </a:xfrm>
+          <a:prstGeom prst="rect">
+            <a:avLst/>
+          </a:prstGeom>
+          <a:solidFill>
+            <a:srgbClr val="F5F5F5"/>
+          </a:solidFill>
+          <a:ln>
+            <a:noFill/>
+          </a:ln>
+        </p:spPr>
+        <p:style>
+          <a:lnRef idx="2">
+            <a:schemeClr val="accent1">
+              <a:shade val="15000"/>
+            </a:schemeClr>
+          </a:lnRef>
+          <a:fillRef idx="1">
+            <a:schemeClr val="accent1"/>
+          </a:fillRef>
+          <a:effectRef idx="0">
+            <a:schemeClr val="accent1"/>
+          </a:effectRef>
+          <a:fontRef idx="minor">
+            <a:schemeClr val="lt1"/>
+          </a:fontRef>
+        </p:style>
+        <p:txBody>
+          <a:bodyPr rtlCol="0" anchor="ctr"/>
+          <a:lstStyle/>
+          <a:p>
+            <a:pPr algn="ctr"/>
+            <a:endParaRPr kumimoji="1" lang="ja-JP" altLang="en-US"/>
+          </a:p>
+        </p:txBody>
+      </p:sp>
+      <p:grpSp>
+        <p:nvGrpSpPr>
+          <p:cNvPr id="21" name="グループ化 20">
+            <a:extLst>
+              <a:ext uri="{FF2B5EF4-FFF2-40B4-BE49-F238E27FC236}">
+                <a16:creationId xmlns:a16="http://schemas.microsoft.com/office/drawing/2014/main" id="{16808017-801A-53BE-3340-11699E77DC3C}"/>
+              </a:ext>
+            </a:extLst>
+          </p:cNvPr>
+          <p:cNvGrpSpPr/>
+          <p:nvPr/>
+        </p:nvGrpSpPr>
+        <p:grpSpPr>
+          <a:xfrm>
+            <a:off x="317581" y="277924"/>
+            <a:ext cx="924233" cy="1234235"/>
+            <a:chOff x="266781" y="196644"/>
+            <a:chExt cx="924233" cy="1234235"/>
+          </a:xfrm>
+        </p:grpSpPr>
+        <p:sp>
+          <p:nvSpPr>
+            <p:cNvPr id="6" name="フローチャート: 結合子 5">
+              <a:extLst>
+                <a:ext uri="{FF2B5EF4-FFF2-40B4-BE49-F238E27FC236}">
+                  <a16:creationId xmlns:a16="http://schemas.microsoft.com/office/drawing/2014/main" id="{760B2358-0756-5D93-6C4A-D5FC31E04F76}"/>
+                </a:ext>
+              </a:extLst>
+            </p:cNvPr>
+            <p:cNvSpPr/>
+            <p:nvPr/>
+          </p:nvSpPr>
+          <p:spPr>
+            <a:xfrm>
+              <a:off x="266781" y="196644"/>
+              <a:ext cx="924233" cy="924233"/>
+            </a:xfrm>
+            <a:prstGeom prst="flowChartConnector">
+              <a:avLst/>
+            </a:prstGeom>
+            <a:noFill/>
+            <a:ln w="28575">
+              <a:solidFill>
+                <a:srgbClr val="EA7B6B"/>
+              </a:solidFill>
+            </a:ln>
+          </p:spPr>
+          <p:style>
+            <a:lnRef idx="2">
+              <a:schemeClr val="accent1">
+                <a:shade val="15000"/>
+              </a:schemeClr>
+            </a:lnRef>
+            <a:fillRef idx="1">
+              <a:schemeClr val="accent1"/>
+            </a:fillRef>
+            <a:effectRef idx="0">
+              <a:schemeClr val="accent1"/>
+            </a:effectRef>
+            <a:fontRef idx="minor">
+              <a:schemeClr val="lt1"/>
+            </a:fontRef>
+          </p:style>
+          <p:txBody>
+            <a:bodyPr rtlCol="0" anchor="ctr"/>
+            <a:lstStyle/>
+            <a:p>
+              <a:pPr algn="ctr"/>
+              <a:endParaRPr kumimoji="1" lang="ja-JP" altLang="en-US"/>
+            </a:p>
+          </p:txBody>
+        </p:sp>
+        <p:sp>
+          <p:nvSpPr>
+            <p:cNvPr id="15" name="フローチャート: 結合子 14">
+              <a:extLst>
+                <a:ext uri="{FF2B5EF4-FFF2-40B4-BE49-F238E27FC236}">
+                  <a16:creationId xmlns:a16="http://schemas.microsoft.com/office/drawing/2014/main" id="{D05A29E2-273E-D3FB-A6C2-839C27DA4BB8}"/>
+                </a:ext>
+              </a:extLst>
+            </p:cNvPr>
+            <p:cNvSpPr/>
+            <p:nvPr/>
+          </p:nvSpPr>
+          <p:spPr>
+            <a:xfrm>
+              <a:off x="545771" y="319548"/>
+              <a:ext cx="366250" cy="349044"/>
+            </a:xfrm>
+            <a:prstGeom prst="flowChartConnector">
+              <a:avLst/>
+            </a:prstGeom>
+            <a:noFill/>
+            <a:ln w="28575">
+              <a:solidFill>
+                <a:srgbClr val="EA7B6B"/>
+              </a:solidFill>
+            </a:ln>
+          </p:spPr>
+          <p:style>
+            <a:lnRef idx="2">
+              <a:schemeClr val="accent1">
+                <a:shade val="15000"/>
+              </a:schemeClr>
+            </a:lnRef>
+            <a:fillRef idx="1">
+              <a:schemeClr val="accent1"/>
+            </a:fillRef>
+            <a:effectRef idx="0">
+              <a:schemeClr val="accent1"/>
+            </a:effectRef>
+            <a:fontRef idx="minor">
+              <a:schemeClr val="lt1"/>
+            </a:fontRef>
+          </p:style>
+          <p:txBody>
+            <a:bodyPr rtlCol="0" anchor="ctr"/>
+            <a:lstStyle/>
+            <a:p>
+              <a:pPr algn="ctr"/>
+              <a:endParaRPr kumimoji="1" lang="ja-JP" altLang="en-US"/>
+            </a:p>
+          </p:txBody>
+        </p:sp>
+        <p:sp>
+          <p:nvSpPr>
+            <p:cNvPr id="16" name="円弧 15">
+              <a:extLst>
+                <a:ext uri="{FF2B5EF4-FFF2-40B4-BE49-F238E27FC236}">
+                  <a16:creationId xmlns:a16="http://schemas.microsoft.com/office/drawing/2014/main" id="{24D54118-16BA-E4E7-2C10-DC055B34DBCF}"/>
+                </a:ext>
+              </a:extLst>
+            </p:cNvPr>
+            <p:cNvSpPr/>
+            <p:nvPr/>
+          </p:nvSpPr>
+          <p:spPr>
+            <a:xfrm rot="19079286">
+              <a:off x="374934" y="732788"/>
+              <a:ext cx="707924" cy="698091"/>
+            </a:xfrm>
+            <a:prstGeom prst="arc">
+              <a:avLst/>
+            </a:prstGeom>
+            <a:ln w="28575">
+              <a:solidFill>
+                <a:srgbClr val="EA7B6B"/>
+              </a:solidFill>
+            </a:ln>
+          </p:spPr>
+          <p:style>
+            <a:lnRef idx="1">
+              <a:schemeClr val="accent1"/>
+            </a:lnRef>
+            <a:fillRef idx="0">
+              <a:schemeClr val="accent1"/>
+            </a:fillRef>
+            <a:effectRef idx="0">
+              <a:schemeClr val="accent1"/>
+            </a:effectRef>
+            <a:fontRef idx="minor">
+              <a:schemeClr val="tx1"/>
+            </a:fontRef>
+          </p:style>
+          <p:txBody>
+            <a:bodyPr rtlCol="0" anchor="ctr"/>
+            <a:lstStyle/>
+            <a:p>
+              <a:pPr algn="ctr"/>
+              <a:endParaRPr kumimoji="1" lang="ja-JP" altLang="en-US"/>
+            </a:p>
+          </p:txBody>
+        </p:sp>
+      </p:grpSp>
+      <p:sp>
+        <p:nvSpPr>
+          <p:cNvPr id="20" name="テキスト ボックス 19">
+            <a:extLst>
+              <a:ext uri="{FF2B5EF4-FFF2-40B4-BE49-F238E27FC236}">
+                <a16:creationId xmlns:a16="http://schemas.microsoft.com/office/drawing/2014/main" id="{93D16964-E0C9-2363-48DD-3B661653827D}"/>
+              </a:ext>
+            </a:extLst>
+          </p:cNvPr>
+          <p:cNvSpPr txBox="1"/>
+          <p:nvPr/>
+        </p:nvSpPr>
+        <p:spPr>
+          <a:xfrm>
+            <a:off x="9558094" y="806695"/>
+            <a:ext cx="2401617" cy="461665"/>
+          </a:xfrm>
+          <a:prstGeom prst="rect">
+            <a:avLst/>
+          </a:prstGeom>
+          <a:noFill/>
+        </p:spPr>
+        <p:txBody>
+          <a:bodyPr wrap="square" rtlCol="0">
+            <a:spAutoFit/>
+          </a:bodyPr>
+          <a:lstStyle/>
+          <a:p>
+            <a:r>
+              <a:rPr kumimoji="1" lang="en-US" altLang="ja-JP" sz="2400" dirty="0">
+                <a:solidFill>
+                  <a:srgbClr val="001746"/>
+                </a:solidFill>
+                <a:latin typeface="Kristen ITC" panose="03050502040202030202" pitchFamily="66" charset="0"/>
+              </a:rPr>
+              <a:t>2024/06/07 (Fri)</a:t>
+            </a:r>
+            <a:endParaRPr kumimoji="1" lang="ja-JP" altLang="en-US" sz="2400" dirty="0">
+              <a:solidFill>
+                <a:srgbClr val="001746"/>
+              </a:solidFill>
+              <a:latin typeface="Kristen ITC" panose="03050502040202030202" pitchFamily="66" charset="0"/>
+            </a:endParaRPr>
+          </a:p>
+        </p:txBody>
+      </p:sp>
+      <p:sp>
+        <p:nvSpPr>
+          <p:cNvPr id="22" name="テキスト ボックス 21">
+            <a:extLst>
+              <a:ext uri="{FF2B5EF4-FFF2-40B4-BE49-F238E27FC236}">
+                <a16:creationId xmlns:a16="http://schemas.microsoft.com/office/drawing/2014/main" id="{71CC734F-A1B3-457D-DBDD-64EF65974439}"/>
+              </a:ext>
+            </a:extLst>
+          </p:cNvPr>
+          <p:cNvSpPr txBox="1"/>
+          <p:nvPr/>
+        </p:nvSpPr>
+        <p:spPr>
+          <a:xfrm>
+            <a:off x="3861424" y="6505008"/>
+            <a:ext cx="4490720" cy="307777"/>
+          </a:xfrm>
+          <a:prstGeom prst="rect">
+            <a:avLst/>
+          </a:prstGeom>
+          <a:noFill/>
+        </p:spPr>
+        <p:txBody>
+          <a:bodyPr wrap="square" rtlCol="0">
+            <a:spAutoFit/>
+          </a:bodyPr>
+          <a:lstStyle/>
+          <a:p>
+            <a:r>
+              <a:rPr kumimoji="1" lang="en-US" altLang="ja-JP" sz="1400" dirty="0">
+                <a:solidFill>
+                  <a:srgbClr val="001746"/>
+                </a:solidFill>
+              </a:rPr>
+              <a:t>Copyright </a:t>
+            </a:r>
+            <a:r>
+              <a:rPr kumimoji="1" lang="en-US" altLang="ja-JP" sz="1400" dirty="0" err="1">
+                <a:solidFill>
+                  <a:srgbClr val="001746"/>
+                </a:solidFill>
+              </a:rPr>
+              <a:t>paraparaChahan</a:t>
+            </a:r>
+            <a:r>
+              <a:rPr kumimoji="1" lang="en-US" altLang="ja-JP" sz="1400" dirty="0">
+                <a:solidFill>
+                  <a:srgbClr val="001746"/>
+                </a:solidFill>
+              </a:rPr>
+              <a:t>(PLUS DOJO). All rights reserved.</a:t>
+            </a:r>
+            <a:endParaRPr kumimoji="1" lang="ja-JP" altLang="en-US" sz="1400" dirty="0">
+              <a:solidFill>
+                <a:srgbClr val="001746"/>
+              </a:solidFill>
+            </a:endParaRPr>
+          </a:p>
+        </p:txBody>
+      </p:sp>
+      <p:sp>
+        <p:nvSpPr>
+          <p:cNvPr id="3" name="四角形: 角を丸くする 2">
+            <a:extLst>
+              <a:ext uri="{FF2B5EF4-FFF2-40B4-BE49-F238E27FC236}">
+                <a16:creationId xmlns:a16="http://schemas.microsoft.com/office/drawing/2014/main" id="{146B3927-1730-318D-63D3-A0AC238B0E05}"/>
+              </a:ext>
+            </a:extLst>
+          </p:cNvPr>
+          <p:cNvSpPr/>
+          <p:nvPr/>
+        </p:nvSpPr>
+        <p:spPr>
+          <a:xfrm>
+            <a:off x="667832" y="2269408"/>
+            <a:ext cx="10856335" cy="3906885"/>
+          </a:xfrm>
+          <a:prstGeom prst="roundRect">
+            <a:avLst>
+              <a:gd name="adj" fmla="val 12233"/>
+            </a:avLst>
+          </a:prstGeom>
+          <a:noFill/>
+          <a:ln w="76200" cmpd="dbl">
+            <a:solidFill>
+              <a:srgbClr val="8AAEC9"/>
+            </a:solidFill>
+          </a:ln>
+        </p:spPr>
+        <p:style>
+          <a:lnRef idx="2">
+            <a:schemeClr val="accent1">
+              <a:shade val="15000"/>
+            </a:schemeClr>
+          </a:lnRef>
+          <a:fillRef idx="1">
+            <a:schemeClr val="accent1"/>
+          </a:fillRef>
+          <a:effectRef idx="0">
+            <a:schemeClr val="accent1"/>
+          </a:effectRef>
+          <a:fontRef idx="minor">
+            <a:schemeClr val="lt1"/>
+          </a:fontRef>
+        </p:style>
+        <p:txBody>
+          <a:bodyPr rtlCol="0" anchor="ctr"/>
+          <a:lstStyle/>
+          <a:p>
+            <a:pPr algn="ctr"/>
+            <a:endParaRPr kumimoji="1" lang="ja-JP" altLang="en-US"/>
+          </a:p>
+        </p:txBody>
+      </p:sp>
+      <p:sp>
+        <p:nvSpPr>
+          <p:cNvPr id="10" name="四角形: 角を丸くする 9">
+            <a:extLst>
+              <a:ext uri="{FF2B5EF4-FFF2-40B4-BE49-F238E27FC236}">
+                <a16:creationId xmlns:a16="http://schemas.microsoft.com/office/drawing/2014/main" id="{33B89CC0-DD46-E6C4-797E-8822731F5AA5}"/>
+              </a:ext>
+            </a:extLst>
+          </p:cNvPr>
+          <p:cNvSpPr/>
+          <p:nvPr/>
+        </p:nvSpPr>
+        <p:spPr>
+          <a:xfrm>
+            <a:off x="1676277" y="5310049"/>
+            <a:ext cx="4873379" cy="613898"/>
+          </a:xfrm>
+          <a:prstGeom prst="roundRect">
+            <a:avLst>
+              <a:gd name="adj" fmla="val 32778"/>
+            </a:avLst>
+          </a:prstGeom>
+          <a:solidFill>
+            <a:srgbClr val="8AAEC9"/>
+          </a:solidFill>
+          <a:ln w="57150">
+            <a:solidFill>
+              <a:srgbClr val="8AAEC9"/>
+            </a:solidFill>
+          </a:ln>
+        </p:spPr>
+        <p:style>
+          <a:lnRef idx="2">
+            <a:schemeClr val="accent1">
+              <a:shade val="15000"/>
+            </a:schemeClr>
+          </a:lnRef>
+          <a:fillRef idx="1">
+            <a:schemeClr val="accent1"/>
+          </a:fillRef>
+          <a:effectRef idx="0">
+            <a:schemeClr val="accent1"/>
+          </a:effectRef>
+          <a:fontRef idx="minor">
+            <a:schemeClr val="lt1"/>
+          </a:fontRef>
+        </p:style>
+        <p:txBody>
+          <a:bodyPr rtlCol="0" anchor="ctr"/>
+          <a:lstStyle/>
+          <a:p>
+            <a:pPr algn="ctr"/>
+            <a:endParaRPr kumimoji="1" lang="ja-JP" altLang="en-US"/>
+          </a:p>
+        </p:txBody>
+      </p:sp>
+      <p:cxnSp>
+        <p:nvCxnSpPr>
+          <p:cNvPr id="11" name="直線コネクタ 10">
+            <a:extLst>
+              <a:ext uri="{FF2B5EF4-FFF2-40B4-BE49-F238E27FC236}">
+                <a16:creationId xmlns:a16="http://schemas.microsoft.com/office/drawing/2014/main" id="{EDF4094D-DA1E-705A-04C5-1F826752D2CB}"/>
+              </a:ext>
+            </a:extLst>
+          </p:cNvPr>
+          <p:cNvCxnSpPr>
+            <a:cxnSpLocks/>
+          </p:cNvCxnSpPr>
+          <p:nvPr/>
+        </p:nvCxnSpPr>
+        <p:spPr>
+          <a:xfrm>
+            <a:off x="1276303" y="3289903"/>
+            <a:ext cx="9720476" cy="0"/>
+          </a:xfrm>
+          <a:prstGeom prst="line">
+            <a:avLst/>
+          </a:prstGeom>
+          <a:ln w="28575">
+            <a:solidFill>
+              <a:srgbClr val="7DE3A1"/>
+            </a:solidFill>
+          </a:ln>
+        </p:spPr>
+        <p:style>
+          <a:lnRef idx="1">
+            <a:schemeClr val="accent1"/>
+          </a:lnRef>
+          <a:fillRef idx="0">
+            <a:schemeClr val="accent1"/>
+          </a:fillRef>
+          <a:effectRef idx="0">
+            <a:schemeClr val="accent1"/>
+          </a:effectRef>
+          <a:fontRef idx="minor">
+            <a:schemeClr val="tx1"/>
+          </a:fontRef>
+        </p:style>
+      </p:cxnSp>
+      <p:sp>
+        <p:nvSpPr>
+          <p:cNvPr id="12" name="四角形: 上の 2 つの角を丸める 11">
+            <a:extLst>
+              <a:ext uri="{FF2B5EF4-FFF2-40B4-BE49-F238E27FC236}">
+                <a16:creationId xmlns:a16="http://schemas.microsoft.com/office/drawing/2014/main" id="{A8C2D4BD-9778-F9C5-A90A-11B80A488263}"/>
+              </a:ext>
+            </a:extLst>
+          </p:cNvPr>
+          <p:cNvSpPr/>
+          <p:nvPr/>
+        </p:nvSpPr>
+        <p:spPr>
+          <a:xfrm>
+            <a:off x="4031935" y="1659358"/>
+            <a:ext cx="4128127" cy="581396"/>
+          </a:xfrm>
+          <a:prstGeom prst="round2SameRect">
+            <a:avLst>
+              <a:gd name="adj1" fmla="val 50000"/>
+              <a:gd name="adj2" fmla="val 0"/>
+            </a:avLst>
+          </a:prstGeom>
+          <a:solidFill>
+            <a:srgbClr val="8AAEC9"/>
+          </a:solidFill>
+          <a:ln>
+            <a:solidFill>
+              <a:srgbClr val="8AAEC9"/>
+            </a:solidFill>
+          </a:ln>
+        </p:spPr>
+        <p:style>
+          <a:lnRef idx="2">
+            <a:schemeClr val="accent1">
+              <a:shade val="15000"/>
+            </a:schemeClr>
+          </a:lnRef>
+          <a:fillRef idx="1">
+            <a:schemeClr val="accent1"/>
+          </a:fillRef>
+          <a:effectRef idx="0">
+            <a:schemeClr val="accent1"/>
+          </a:effectRef>
+          <a:fontRef idx="minor">
+            <a:schemeClr val="lt1"/>
+          </a:fontRef>
+        </p:style>
+        <p:txBody>
+          <a:bodyPr rtlCol="0" anchor="ctr"/>
+          <a:lstStyle/>
+          <a:p>
+            <a:pPr algn="ctr"/>
+            <a:endParaRPr kumimoji="1" lang="ja-JP" altLang="en-US"/>
+          </a:p>
+        </p:txBody>
+      </p:sp>
+      <p:sp>
+        <p:nvSpPr>
+          <p:cNvPr id="4" name="テキスト ボックス 3">
+            <a:extLst>
+              <a:ext uri="{FF2B5EF4-FFF2-40B4-BE49-F238E27FC236}">
+                <a16:creationId xmlns:a16="http://schemas.microsoft.com/office/drawing/2014/main" id="{AC8BFD5E-6382-E006-C058-C097C4B62BE4}"/>
+              </a:ext>
+            </a:extLst>
+          </p:cNvPr>
+          <p:cNvSpPr txBox="1"/>
+          <p:nvPr/>
+        </p:nvSpPr>
+        <p:spPr>
+          <a:xfrm>
+            <a:off x="4610133" y="1684633"/>
+            <a:ext cx="3052815" cy="584775"/>
+          </a:xfrm>
+          <a:prstGeom prst="rect">
+            <a:avLst/>
+          </a:prstGeom>
+          <a:noFill/>
+        </p:spPr>
+        <p:txBody>
+          <a:bodyPr wrap="square" rtlCol="0">
+            <a:spAutoFit/>
+          </a:bodyPr>
+          <a:lstStyle/>
+          <a:p>
+            <a:r>
+              <a:rPr kumimoji="1" lang="en-US" altLang="ja-JP" sz="3200" dirty="0">
+                <a:solidFill>
+                  <a:schemeClr val="bg1"/>
+                </a:solidFill>
+                <a:latin typeface="Kristen ITC" panose="03050502040202030202" pitchFamily="66" charset="0"/>
+              </a:rPr>
+              <a:t>New Schedule</a:t>
+            </a:r>
+            <a:endParaRPr kumimoji="1" lang="ja-JP" altLang="en-US" sz="3200" dirty="0">
+              <a:solidFill>
+                <a:schemeClr val="bg1"/>
+              </a:solidFill>
+              <a:latin typeface="Kristen ITC" panose="03050502040202030202" pitchFamily="66" charset="0"/>
+            </a:endParaRPr>
+          </a:p>
+        </p:txBody>
+      </p:sp>
+      <p:sp>
+        <p:nvSpPr>
+          <p:cNvPr id="23" name="テキスト ボックス 22">
+            <a:extLst>
+              <a:ext uri="{FF2B5EF4-FFF2-40B4-BE49-F238E27FC236}">
+                <a16:creationId xmlns:a16="http://schemas.microsoft.com/office/drawing/2014/main" id="{D0BB7FAF-E70C-F360-48D8-A6620B89447F}"/>
+              </a:ext>
+            </a:extLst>
+          </p:cNvPr>
+          <p:cNvSpPr txBox="1"/>
+          <p:nvPr/>
+        </p:nvSpPr>
+        <p:spPr>
+          <a:xfrm>
+            <a:off x="3567137" y="5360740"/>
+            <a:ext cx="929595" cy="523220"/>
+          </a:xfrm>
+          <a:prstGeom prst="rect">
+            <a:avLst/>
+          </a:prstGeom>
+          <a:noFill/>
+        </p:spPr>
+        <p:txBody>
+          <a:bodyPr wrap="square" rtlCol="0">
+            <a:spAutoFit/>
+          </a:bodyPr>
+          <a:lstStyle/>
+          <a:p>
+            <a:r>
+              <a:rPr kumimoji="1" lang="ja-JP" altLang="en-US" sz="2800" dirty="0">
+                <a:solidFill>
+                  <a:srgbClr val="001746"/>
+                </a:solidFill>
+                <a:latin typeface="UD デジタル 教科書体 NP-B" panose="02020700000000000000" pitchFamily="18" charset="-128"/>
+                <a:ea typeface="UD デジタル 教科書体 NP-B" panose="02020700000000000000" pitchFamily="18" charset="-128"/>
+              </a:rPr>
+              <a:t>パパ</a:t>
+            </a:r>
+          </a:p>
+        </p:txBody>
+      </p:sp>
+      <p:sp>
+        <p:nvSpPr>
+          <p:cNvPr id="31" name="四角形: 角を丸くする 30">
+            <a:extLst>
+              <a:ext uri="{FF2B5EF4-FFF2-40B4-BE49-F238E27FC236}">
+                <a16:creationId xmlns:a16="http://schemas.microsoft.com/office/drawing/2014/main" id="{2FF2E046-0970-0D29-80B9-3AD20C42C595}"/>
+              </a:ext>
+            </a:extLst>
+          </p:cNvPr>
+          <p:cNvSpPr/>
+          <p:nvPr/>
+        </p:nvSpPr>
+        <p:spPr>
+          <a:xfrm>
+            <a:off x="1229710" y="3621260"/>
+            <a:ext cx="9720476" cy="1447147"/>
+          </a:xfrm>
+          <a:prstGeom prst="roundRect">
+            <a:avLst>
+              <a:gd name="adj" fmla="val 23987"/>
+            </a:avLst>
+          </a:prstGeom>
+          <a:noFill/>
+          <a:ln w="28575">
+            <a:solidFill>
+              <a:srgbClr val="7DE3A1"/>
+            </a:solidFill>
+          </a:ln>
+        </p:spPr>
+        <p:style>
+          <a:lnRef idx="2">
+            <a:schemeClr val="accent1">
+              <a:shade val="15000"/>
+            </a:schemeClr>
+          </a:lnRef>
+          <a:fillRef idx="1">
+            <a:schemeClr val="accent1"/>
+          </a:fillRef>
+          <a:effectRef idx="0">
+            <a:schemeClr val="accent1"/>
+          </a:effectRef>
+          <a:fontRef idx="minor">
+            <a:schemeClr val="lt1"/>
+          </a:fontRef>
+        </p:style>
+        <p:txBody>
+          <a:bodyPr rtlCol="0" anchor="ctr"/>
+          <a:lstStyle/>
+          <a:p>
+            <a:pPr algn="ctr"/>
+            <a:endParaRPr kumimoji="1" lang="ja-JP" altLang="en-US"/>
+          </a:p>
+        </p:txBody>
+      </p:sp>
+      <p:sp>
+        <p:nvSpPr>
+          <p:cNvPr id="17" name="テキスト ボックス 16">
+            <a:extLst>
+              <a:ext uri="{FF2B5EF4-FFF2-40B4-BE49-F238E27FC236}">
+                <a16:creationId xmlns:a16="http://schemas.microsoft.com/office/drawing/2014/main" id="{F67C2F52-6A39-33E0-8662-10BC8DCCADE7}"/>
+              </a:ext>
+            </a:extLst>
+          </p:cNvPr>
+          <p:cNvSpPr txBox="1"/>
+          <p:nvPr/>
+        </p:nvSpPr>
+        <p:spPr>
+          <a:xfrm>
+            <a:off x="5267510" y="2624933"/>
+            <a:ext cx="2097550" cy="523220"/>
+          </a:xfrm>
+          <a:prstGeom prst="rect">
+            <a:avLst/>
+          </a:prstGeom>
+          <a:noFill/>
+        </p:spPr>
+        <p:txBody>
+          <a:bodyPr wrap="square" rtlCol="0">
+            <a:spAutoFit/>
+          </a:bodyPr>
+          <a:lstStyle/>
+          <a:p>
+            <a:r>
+              <a:rPr kumimoji="1" lang="en-US" altLang="ja-JP" sz="2800" dirty="0">
+                <a:solidFill>
+                  <a:srgbClr val="001746"/>
+                </a:solidFill>
+                <a:latin typeface="UD デジタル 教科書体 NP-B" panose="02020700000000000000" pitchFamily="18" charset="-128"/>
+                <a:ea typeface="UD デジタル 教科書体 NP-B" panose="02020700000000000000" pitchFamily="18" charset="-128"/>
+              </a:rPr>
+              <a:t>Zoom</a:t>
+            </a:r>
+            <a:r>
+              <a:rPr kumimoji="1" lang="ja-JP" altLang="en-US" sz="2800" dirty="0">
+                <a:solidFill>
+                  <a:srgbClr val="001746"/>
+                </a:solidFill>
+                <a:latin typeface="UD デジタル 教科書体 NP-B" panose="02020700000000000000" pitchFamily="18" charset="-128"/>
+                <a:ea typeface="UD デジタル 教科書体 NP-B" panose="02020700000000000000" pitchFamily="18" charset="-128"/>
+              </a:rPr>
+              <a:t>会議</a:t>
+            </a:r>
+          </a:p>
+        </p:txBody>
+      </p:sp>
+      <p:sp>
+        <p:nvSpPr>
+          <p:cNvPr id="18" name="テキスト ボックス 17">
+            <a:extLst>
+              <a:ext uri="{FF2B5EF4-FFF2-40B4-BE49-F238E27FC236}">
+                <a16:creationId xmlns:a16="http://schemas.microsoft.com/office/drawing/2014/main" id="{8712FB2E-AEDB-5BAA-F2D2-57BE36EC5F1E}"/>
+              </a:ext>
+            </a:extLst>
+          </p:cNvPr>
+          <p:cNvSpPr txBox="1"/>
+          <p:nvPr/>
+        </p:nvSpPr>
+        <p:spPr>
+          <a:xfrm>
+            <a:off x="1355511" y="3747351"/>
+            <a:ext cx="3625652" cy="400110"/>
+          </a:xfrm>
+          <a:prstGeom prst="rect">
+            <a:avLst/>
+          </a:prstGeom>
+          <a:noFill/>
+        </p:spPr>
+        <p:txBody>
+          <a:bodyPr wrap="square" rtlCol="0">
+            <a:spAutoFit/>
+          </a:bodyPr>
+          <a:lstStyle/>
+          <a:p>
+            <a:r>
+              <a:rPr kumimoji="1" lang="en-US" altLang="ja-JP" sz="2000" dirty="0">
+                <a:solidFill>
+                  <a:srgbClr val="001746"/>
+                </a:solidFill>
+                <a:latin typeface="UD デジタル 教科書体 NP-B" panose="02020700000000000000" pitchFamily="18" charset="-128"/>
+                <a:ea typeface="UD デジタル 教科書体 NP-B" panose="02020700000000000000" pitchFamily="18" charset="-128"/>
+              </a:rPr>
+              <a:t>14:00~</a:t>
+            </a:r>
+          </a:p>
+        </p:txBody>
+      </p:sp>
+      <p:sp>
+        <p:nvSpPr>
+          <p:cNvPr id="2" name="四角形: 角を丸くする 1">
+            <a:extLst>
+              <a:ext uri="{FF2B5EF4-FFF2-40B4-BE49-F238E27FC236}">
+                <a16:creationId xmlns:a16="http://schemas.microsoft.com/office/drawing/2014/main" id="{14E619EC-2A12-05E6-9A01-E6E9C95E3382}"/>
+              </a:ext>
+            </a:extLst>
+          </p:cNvPr>
+          <p:cNvSpPr/>
+          <p:nvPr/>
+        </p:nvSpPr>
+        <p:spPr>
+          <a:xfrm>
+            <a:off x="8640487" y="5276753"/>
+            <a:ext cx="1359494" cy="613898"/>
+          </a:xfrm>
+          <a:prstGeom prst="roundRect">
+            <a:avLst>
+              <a:gd name="adj" fmla="val 32778"/>
+            </a:avLst>
+          </a:prstGeom>
+          <a:noFill/>
+          <a:ln w="57150">
+            <a:solidFill>
+              <a:srgbClr val="001746"/>
+            </a:solidFill>
+          </a:ln>
+        </p:spPr>
+        <p:style>
+          <a:lnRef idx="2">
+            <a:schemeClr val="accent1">
+              <a:shade val="15000"/>
+            </a:schemeClr>
+          </a:lnRef>
+          <a:fillRef idx="1">
+            <a:schemeClr val="accent1"/>
+          </a:fillRef>
+          <a:effectRef idx="0">
+            <a:schemeClr val="accent1"/>
+          </a:effectRef>
+          <a:fontRef idx="minor">
+            <a:schemeClr val="lt1"/>
+          </a:fontRef>
+        </p:style>
+        <p:txBody>
+          <a:bodyPr rtlCol="0" anchor="ctr"/>
+          <a:lstStyle/>
+          <a:p>
+            <a:pPr algn="ctr"/>
+            <a:endParaRPr kumimoji="1" lang="ja-JP" altLang="en-US"/>
+          </a:p>
+        </p:txBody>
+      </p:sp>
+      <p:sp>
+        <p:nvSpPr>
+          <p:cNvPr id="8" name="テキスト ボックス 7">
+            <a:extLst>
+              <a:ext uri="{FF2B5EF4-FFF2-40B4-BE49-F238E27FC236}">
+                <a16:creationId xmlns:a16="http://schemas.microsoft.com/office/drawing/2014/main" id="{625DBDD1-0EF5-7AA1-E998-B70FAB3FCC8C}"/>
+              </a:ext>
+            </a:extLst>
+          </p:cNvPr>
+          <p:cNvSpPr txBox="1"/>
+          <p:nvPr/>
+        </p:nvSpPr>
+        <p:spPr>
+          <a:xfrm>
+            <a:off x="8855533" y="5323772"/>
+            <a:ext cx="929402" cy="523220"/>
+          </a:xfrm>
+          <a:prstGeom prst="rect">
+            <a:avLst/>
+          </a:prstGeom>
+          <a:noFill/>
+        </p:spPr>
+        <p:txBody>
+          <a:bodyPr wrap="square" rtlCol="0">
+            <a:spAutoFit/>
+          </a:bodyPr>
+          <a:lstStyle/>
+          <a:p>
+            <a:r>
+              <a:rPr kumimoji="1" lang="ja-JP" altLang="en-US" sz="2800" dirty="0">
+                <a:solidFill>
+                  <a:srgbClr val="001746"/>
+                </a:solidFill>
+                <a:latin typeface="UD デジタル 教科書体 NP-B" panose="02020700000000000000" pitchFamily="18" charset="-128"/>
+                <a:ea typeface="UD デジタル 教科書体 NP-B" panose="02020700000000000000" pitchFamily="18" charset="-128"/>
+              </a:rPr>
+              <a:t>登録</a:t>
+            </a:r>
+          </a:p>
+        </p:txBody>
+      </p:sp>
+    </p:spTree>
+    <p:extLst>
+      <p:ext uri="{BB962C8B-B14F-4D97-AF65-F5344CB8AC3E}">
+        <p14:creationId xmlns:p14="http://schemas.microsoft.com/office/powerpoint/2010/main" val="544130171"/>
+      </p:ext>
+    </p:extLst>
+  </p:cSld>
+  <p:clrMapOvr>
+    <a:masterClrMapping/>
+  </p:clrMapOvr>
+</p:sld>
+</file>
+
+<file path=ppt/slides/slide26.xml><?xml version="1.0" encoding="utf-8"?>
+<p:sld xmlns:a="http://schemas.openxmlformats.org/drawingml/2006/main" xmlns:r="http://schemas.openxmlformats.org/officeDocument/2006/relationships" xmlns:p="http://schemas.openxmlformats.org/presentationml/2006/main">
+  <p:cSld>
+    <p:spTree>
+      <p:nvGrpSpPr>
+        <p:cNvPr id="1" name=""/>
+        <p:cNvGrpSpPr/>
+        <p:nvPr/>
+      </p:nvGrpSpPr>
+      <p:grpSpPr>
+        <a:xfrm>
+          <a:off x="0" y="0"/>
+          <a:ext cx="0" cy="0"/>
+          <a:chOff x="0" y="0"/>
+          <a:chExt cx="0" cy="0"/>
+        </a:xfrm>
+      </p:grpSpPr>
       <p:pic>
         <p:nvPicPr>
           <p:cNvPr id="2" name="図 1">
@@ -23189,7 +28455,7 @@
 </p:sld>
 </file>
 
-<file path=ppt/slides/slide23.xml><?xml version="1.0" encoding="utf-8"?>
+<file path=ppt/slides/slide27.xml><?xml version="1.0" encoding="utf-8"?>
 <p:sld xmlns:a="http://schemas.openxmlformats.org/drawingml/2006/main" xmlns:r="http://schemas.openxmlformats.org/officeDocument/2006/relationships" xmlns:p="http://schemas.openxmlformats.org/presentationml/2006/main">
   <p:cSld>
     <p:spTree>

--- a/doc/13_外部設計/famiLink 画面デザイン.pptx
+++ b/doc/13_外部設計/famiLink 画面デザイン.pptx
@@ -16,8 +16,8 @@
     <p:sldId id="293" r:id="rId7"/>
     <p:sldId id="289" r:id="rId8"/>
     <p:sldId id="294" r:id="rId9"/>
-    <p:sldId id="291" r:id="rId10"/>
-    <p:sldId id="292" r:id="rId11"/>
+    <p:sldId id="295" r:id="rId10"/>
+    <p:sldId id="296" r:id="rId11"/>
     <p:sldId id="259" r:id="rId12"/>
     <p:sldId id="261" r:id="rId13"/>
     <p:sldId id="262" r:id="rId14"/>
@@ -168,8 +168,8 @@
         </p14:section>
         <p14:section name="完了画面" id="{680B505C-613E-4EE5-A37D-CDB4F16ED553}">
           <p14:sldIdLst>
-            <p14:sldId id="291"/>
-            <p14:sldId id="292"/>
+            <p14:sldId id="295"/>
+            <p14:sldId id="296"/>
           </p14:sldIdLst>
         </p14:section>
         <p14:section name="ホーム画面" id="{B3CE27B6-794E-4CB8-B611-2E41F6ADFD2C}">
@@ -6826,7 +6826,7 @@
         </p:nvGrpSpPr>
         <p:grpSpPr>
           <a:xfrm>
-            <a:off x="4700190" y="2390658"/>
+            <a:off x="4707175" y="1878956"/>
             <a:ext cx="2791620" cy="2237486"/>
             <a:chOff x="4534679" y="1979001"/>
             <a:chExt cx="2791620" cy="2237486"/>
@@ -7532,7 +7532,7 @@
         </p:nvSpPr>
         <p:spPr>
           <a:xfrm>
-            <a:off x="4283391" y="2216949"/>
+            <a:off x="4290376" y="1705247"/>
             <a:ext cx="632336" cy="776763"/>
           </a:xfrm>
           <a:prstGeom prst="star4">
@@ -7584,7 +7584,7 @@
         </p:nvSpPr>
         <p:spPr>
           <a:xfrm>
-            <a:off x="4105055" y="2840308"/>
+            <a:off x="4112040" y="2328606"/>
             <a:ext cx="392673" cy="577995"/>
           </a:xfrm>
           <a:prstGeom prst="star4">
@@ -7636,7 +7636,7 @@
         </p:nvSpPr>
         <p:spPr>
           <a:xfrm>
-            <a:off x="7423932" y="3612090"/>
+            <a:off x="7430917" y="3100388"/>
             <a:ext cx="632336" cy="776763"/>
           </a:xfrm>
           <a:prstGeom prst="star4">
@@ -7688,7 +7688,7 @@
         </p:nvSpPr>
         <p:spPr>
           <a:xfrm>
-            <a:off x="5448050" y="4806493"/>
+            <a:off x="5455034" y="4350252"/>
             <a:ext cx="1295899" cy="400110"/>
           </a:xfrm>
           <a:prstGeom prst="rect">
@@ -7746,7 +7746,7 @@
         </p:nvSpPr>
         <p:spPr>
           <a:xfrm>
-            <a:off x="3707481" y="5247830"/>
+            <a:off x="3721450" y="4836616"/>
             <a:ext cx="4763068" cy="461665"/>
           </a:xfrm>
           <a:prstGeom prst="rect">
@@ -7773,10 +7773,70 @@
           </a:p>
         </p:txBody>
       </p:sp>
+      <p:sp>
+        <p:nvSpPr>
+          <p:cNvPr id="11" name="四角形: 角を丸くする 10">
+            <a:extLst>
+              <a:ext uri="{FF2B5EF4-FFF2-40B4-BE49-F238E27FC236}">
+                <a16:creationId xmlns:a16="http://schemas.microsoft.com/office/drawing/2014/main" id="{E55BEDDF-AAA3-B924-7A03-F7BC47D1B709}"/>
+              </a:ext>
+            </a:extLst>
+          </p:cNvPr>
+          <p:cNvSpPr/>
+          <p:nvPr/>
+        </p:nvSpPr>
+        <p:spPr>
+          <a:xfrm>
+            <a:off x="5143045" y="5516077"/>
+            <a:ext cx="1905910" cy="535259"/>
+          </a:xfrm>
+          <a:prstGeom prst="roundRect">
+            <a:avLst>
+              <a:gd name="adj" fmla="val 21536"/>
+            </a:avLst>
+          </a:prstGeom>
+          <a:solidFill>
+            <a:srgbClr val="001746"/>
+          </a:solidFill>
+          <a:ln>
+            <a:noFill/>
+          </a:ln>
+        </p:spPr>
+        <p:style>
+          <a:lnRef idx="2">
+            <a:schemeClr val="accent1">
+              <a:shade val="15000"/>
+            </a:schemeClr>
+          </a:lnRef>
+          <a:fillRef idx="1">
+            <a:schemeClr val="accent1"/>
+          </a:fillRef>
+          <a:effectRef idx="0">
+            <a:schemeClr val="accent1"/>
+          </a:effectRef>
+          <a:fontRef idx="minor">
+            <a:schemeClr val="lt1"/>
+          </a:fontRef>
+        </p:style>
+        <p:txBody>
+          <a:bodyPr rtlCol="0" anchor="ctr"/>
+          <a:lstStyle/>
+          <a:p>
+            <a:pPr algn="ctr"/>
+            <a:r>
+              <a:rPr kumimoji="1" lang="ja-JP" altLang="en-US" dirty="0">
+                <a:latin typeface="UD デジタル 教科書体 NK-B" panose="02020700000000000000" pitchFamily="18" charset="-128"/>
+                <a:ea typeface="UD デジタル 教科書体 NK-B" panose="02020700000000000000" pitchFamily="18" charset="-128"/>
+              </a:rPr>
+              <a:t>ログイン画面へ</a:t>
+            </a:r>
+          </a:p>
+        </p:txBody>
+      </p:sp>
     </p:spTree>
     <p:extLst>
       <p:ext uri="{BB962C8B-B14F-4D97-AF65-F5344CB8AC3E}">
-        <p14:creationId xmlns:p14="http://schemas.microsoft.com/office/powerpoint/2010/main" val="3481612738"/>
+        <p14:creationId xmlns:p14="http://schemas.microsoft.com/office/powerpoint/2010/main" val="2522886488"/>
       </p:ext>
     </p:extLst>
   </p:cSld>
@@ -41614,7 +41674,7 @@
         </p:nvGrpSpPr>
         <p:grpSpPr>
           <a:xfrm>
-            <a:off x="4700190" y="2390658"/>
+            <a:off x="4678156" y="1837885"/>
             <a:ext cx="2791620" cy="2237486"/>
             <a:chOff x="4534679" y="1979001"/>
             <a:chExt cx="2791620" cy="2237486"/>
@@ -42320,7 +42380,7 @@
         </p:nvSpPr>
         <p:spPr>
           <a:xfrm>
-            <a:off x="2629822" y="4979583"/>
+            <a:off x="2607788" y="4426810"/>
             <a:ext cx="6918385" cy="461665"/>
           </a:xfrm>
           <a:prstGeom prst="rect">
@@ -42361,7 +42421,7 @@
         </p:nvSpPr>
         <p:spPr>
           <a:xfrm>
-            <a:off x="3839389" y="5485733"/>
+            <a:off x="3817355" y="4932960"/>
             <a:ext cx="4534789" cy="400110"/>
           </a:xfrm>
           <a:prstGeom prst="rect">
@@ -42388,10 +42448,70 @@
           </a:p>
         </p:txBody>
       </p:sp>
+      <p:sp>
+        <p:nvSpPr>
+          <p:cNvPr id="32" name="四角形: 角を丸くする 31">
+            <a:extLst>
+              <a:ext uri="{FF2B5EF4-FFF2-40B4-BE49-F238E27FC236}">
+                <a16:creationId xmlns:a16="http://schemas.microsoft.com/office/drawing/2014/main" id="{90328458-B70A-8CFF-E832-BD51A5EA731F}"/>
+              </a:ext>
+            </a:extLst>
+          </p:cNvPr>
+          <p:cNvSpPr/>
+          <p:nvPr/>
+        </p:nvSpPr>
+        <p:spPr>
+          <a:xfrm>
+            <a:off x="5143045" y="5516077"/>
+            <a:ext cx="1905910" cy="535259"/>
+          </a:xfrm>
+          <a:prstGeom prst="roundRect">
+            <a:avLst>
+              <a:gd name="adj" fmla="val 21536"/>
+            </a:avLst>
+          </a:prstGeom>
+          <a:solidFill>
+            <a:srgbClr val="001746"/>
+          </a:solidFill>
+          <a:ln>
+            <a:noFill/>
+          </a:ln>
+        </p:spPr>
+        <p:style>
+          <a:lnRef idx="2">
+            <a:schemeClr val="accent1">
+              <a:shade val="15000"/>
+            </a:schemeClr>
+          </a:lnRef>
+          <a:fillRef idx="1">
+            <a:schemeClr val="accent1"/>
+          </a:fillRef>
+          <a:effectRef idx="0">
+            <a:schemeClr val="accent1"/>
+          </a:effectRef>
+          <a:fontRef idx="minor">
+            <a:schemeClr val="lt1"/>
+          </a:fontRef>
+        </p:style>
+        <p:txBody>
+          <a:bodyPr rtlCol="0" anchor="ctr"/>
+          <a:lstStyle/>
+          <a:p>
+            <a:pPr algn="ctr"/>
+            <a:r>
+              <a:rPr kumimoji="1" lang="ja-JP" altLang="en-US" dirty="0">
+                <a:latin typeface="UD デジタル 教科書体 NK-B" panose="02020700000000000000" pitchFamily="18" charset="-128"/>
+                <a:ea typeface="UD デジタル 教科書体 NK-B" panose="02020700000000000000" pitchFamily="18" charset="-128"/>
+              </a:rPr>
+              <a:t>ログイン画面へ</a:t>
+            </a:r>
+          </a:p>
+        </p:txBody>
+      </p:sp>
     </p:spTree>
     <p:extLst>
       <p:ext uri="{BB962C8B-B14F-4D97-AF65-F5344CB8AC3E}">
-        <p14:creationId xmlns:p14="http://schemas.microsoft.com/office/powerpoint/2010/main" val="988966974"/>
+        <p14:creationId xmlns:p14="http://schemas.microsoft.com/office/powerpoint/2010/main" val="112376783"/>
       </p:ext>
     </p:extLst>
   </p:cSld>

--- a/doc/13_外部設計/famiLink 画面デザイン.pptx
+++ b/doc/13_外部設計/famiLink 画面デザイン.pptx
@@ -2585,6 +2585,13 @@
             <a:r>
               <a:rPr kumimoji="1" lang="ja-JP" altLang="en-US" dirty="0"/>
               <a:t>編集者マークは一度押したら消せない</a:t>
+            </a:r>
+            <a:endParaRPr kumimoji="1" lang="en-US" altLang="ja-JP" dirty="0"/>
+          </a:p>
+          <a:p>
+            <a:r>
+              <a:rPr kumimoji="1" lang="ja-JP" altLang="en-US" dirty="0"/>
+              <a:t>招待を送ったら新しい枠が表示される</a:t>
             </a:r>
             <a:endParaRPr kumimoji="1" lang="en-US" altLang="ja-JP" dirty="0"/>
           </a:p>
@@ -46895,7 +46902,7 @@
         </p:nvSpPr>
         <p:spPr>
           <a:xfrm>
-            <a:off x="2631619" y="2170470"/>
+            <a:off x="2204899" y="2170470"/>
             <a:ext cx="1325207" cy="1258530"/>
           </a:xfrm>
           <a:prstGeom prst="roundRect">
@@ -46964,7 +46971,7 @@
         </p:blipFill>
         <p:spPr>
           <a:xfrm>
-            <a:off x="2837022" y="2342535"/>
+            <a:off x="2410302" y="2342535"/>
             <a:ext cx="914400" cy="914400"/>
           </a:xfrm>
           <a:prstGeom prst="rect">
@@ -46986,8 +46993,8 @@
         </p:nvSpPr>
         <p:spPr>
           <a:xfrm>
-            <a:off x="2264776" y="1476777"/>
-            <a:ext cx="7662442" cy="4983016"/>
+            <a:off x="2410302" y="1497677"/>
+            <a:ext cx="7420152" cy="4939509"/>
           </a:xfrm>
           <a:prstGeom prst="roundRect">
             <a:avLst/>
@@ -47038,7 +47045,7 @@
         </p:nvGrpSpPr>
         <p:grpSpPr>
           <a:xfrm>
-            <a:off x="2957763" y="1692424"/>
+            <a:off x="2901235" y="1910857"/>
             <a:ext cx="1168177" cy="1125287"/>
             <a:chOff x="2354695" y="2184840"/>
             <a:chExt cx="1325207" cy="1258530"/>
@@ -47150,13 +47157,11 @@
         </p:nvSpPr>
         <p:spPr>
           <a:xfrm>
-            <a:off x="4881537" y="3070273"/>
+            <a:off x="4454817" y="3367453"/>
             <a:ext cx="3608701" cy="579476"/>
           </a:xfrm>
           <a:prstGeom prst="roundRect">
-            <a:avLst>
-              <a:gd name="adj" fmla="val 16667"/>
-            </a:avLst>
+            <a:avLst/>
           </a:prstGeom>
           <a:solidFill>
             <a:srgbClr val="FCF1C4"/>
@@ -47213,7 +47218,7 @@
         </p:nvSpPr>
         <p:spPr>
           <a:xfrm>
-            <a:off x="4903653" y="3755379"/>
+            <a:off x="4454816" y="4061315"/>
             <a:ext cx="3586585" cy="559876"/>
           </a:xfrm>
           <a:prstGeom prst="roundRect">
@@ -47311,7 +47316,7 @@
         </p:nvSpPr>
         <p:spPr>
           <a:xfrm>
-            <a:off x="4903653" y="4490327"/>
+            <a:off x="4454816" y="4773034"/>
             <a:ext cx="3608701" cy="559876"/>
           </a:xfrm>
           <a:prstGeom prst="roundRect">
@@ -47344,7 +47349,26 @@
           <a:bodyPr rtlCol="0" anchor="ctr"/>
           <a:lstStyle/>
           <a:p>
-            <a:pPr algn="ctr"/>
+            <a:r>
+              <a:rPr kumimoji="1" lang="ja-JP" altLang="en-US" dirty="0">
+                <a:solidFill>
+                  <a:srgbClr val="001746"/>
+                </a:solidFill>
+                <a:latin typeface="UD デジタル 教科書体 NP-B" panose="02020700000000000000" pitchFamily="18" charset="-128"/>
+                <a:ea typeface="UD デジタル 教科書体 NP-B" panose="02020700000000000000" pitchFamily="18" charset="-128"/>
+              </a:rPr>
+              <a:t>例：</a:t>
+            </a:r>
+            <a:r>
+              <a:rPr kumimoji="1" lang="en-US" altLang="ja-JP" dirty="0" err="1">
+                <a:solidFill>
+                  <a:srgbClr val="001746"/>
+                </a:solidFill>
+                <a:latin typeface="UD デジタル 教科書体 NP-B" panose="02020700000000000000" pitchFamily="18" charset="-128"/>
+                <a:ea typeface="UD デジタル 教科書体 NP-B" panose="02020700000000000000" pitchFamily="18" charset="-128"/>
+              </a:rPr>
+              <a:t>para_mam</a:t>
+            </a:r>
             <a:endParaRPr kumimoji="1" lang="ja-JP" altLang="en-US" dirty="0">
               <a:solidFill>
                 <a:srgbClr val="001746"/>
@@ -47369,7 +47393,7 @@
         </p:nvSpPr>
         <p:spPr>
           <a:xfrm>
-            <a:off x="4663502" y="1830455"/>
+            <a:off x="4608718" y="2037829"/>
             <a:ext cx="4501085" cy="871345"/>
           </a:xfrm>
           <a:prstGeom prst="roundRect">
@@ -47435,7 +47459,7 @@
         </p:nvSpPr>
         <p:spPr>
           <a:xfrm>
-            <a:off x="8908683" y="3126105"/>
+            <a:off x="8481963" y="3423285"/>
             <a:ext cx="418538" cy="398206"/>
           </a:xfrm>
           <a:prstGeom prst="ellipse">
@@ -47501,7 +47525,7 @@
         </p:nvSpPr>
         <p:spPr>
           <a:xfrm>
-            <a:off x="8908683" y="3860473"/>
+            <a:off x="8481963" y="4157653"/>
             <a:ext cx="418538" cy="398206"/>
           </a:xfrm>
           <a:prstGeom prst="ellipse">
@@ -47567,7 +47591,7 @@
         </p:nvSpPr>
         <p:spPr>
           <a:xfrm>
-            <a:off x="8905784" y="4571162"/>
+            <a:off x="8481963" y="4853869"/>
             <a:ext cx="418538" cy="398206"/>
           </a:xfrm>
           <a:prstGeom prst="ellipse">
@@ -47633,13 +47657,11 @@
         </p:nvSpPr>
         <p:spPr>
           <a:xfrm>
-            <a:off x="5488327" y="5830652"/>
+            <a:off x="5643920" y="5899292"/>
             <a:ext cx="1215341" cy="449172"/>
           </a:xfrm>
           <a:prstGeom prst="roundRect">
-            <a:avLst>
-              <a:gd name="adj" fmla="val 23447"/>
-            </a:avLst>
+            <a:avLst/>
           </a:prstGeom>
           <a:solidFill>
             <a:srgbClr val="001746"/>
@@ -47670,14 +47692,14 @@
           <a:p>
             <a:pPr algn="ctr"/>
             <a:r>
-              <a:rPr kumimoji="1" lang="en-US" altLang="ja-JP" dirty="0">
+              <a:rPr lang="ja-JP" altLang="en-US" dirty="0">
                 <a:solidFill>
                   <a:schemeClr val="bg1"/>
                 </a:solidFill>
                 <a:latin typeface="UD デジタル 教科書体 NP-B" panose="02020700000000000000" pitchFamily="18" charset="-128"/>
                 <a:ea typeface="UD デジタル 教科書体 NP-B" panose="02020700000000000000" pitchFamily="18" charset="-128"/>
               </a:rPr>
-              <a:t>OK</a:t>
+              <a:t>登録</a:t>
             </a:r>
             <a:endParaRPr kumimoji="1" lang="ja-JP" altLang="en-US" dirty="0">
               <a:solidFill>
@@ -47691,10 +47713,10 @@
       </p:sp>
       <p:sp>
         <p:nvSpPr>
-          <p:cNvPr id="35" name="フローチャート: 結合子 34">
-            <a:extLst>
-              <a:ext uri="{FF2B5EF4-FFF2-40B4-BE49-F238E27FC236}">
-                <a16:creationId xmlns:a16="http://schemas.microsoft.com/office/drawing/2014/main" id="{2A9B925B-FBE4-FD58-3AF2-B75514B6440F}"/>
+          <p:cNvPr id="40" name="四角形: 角を丸くする 39">
+            <a:extLst>
+              <a:ext uri="{FF2B5EF4-FFF2-40B4-BE49-F238E27FC236}">
+                <a16:creationId xmlns:a16="http://schemas.microsoft.com/office/drawing/2014/main" id="{C38083B4-DEC7-4462-BB87-07E084B49B5D}"/>
               </a:ext>
             </a:extLst>
           </p:cNvPr>
@@ -47703,19 +47725,17 @@
         </p:nvSpPr>
         <p:spPr>
           <a:xfrm>
-            <a:off x="5826102" y="5182658"/>
-            <a:ext cx="539792" cy="542364"/>
-          </a:xfrm>
-          <a:prstGeom prst="flowChartConnector">
+            <a:off x="2786906" y="4117731"/>
+            <a:ext cx="1325207" cy="485405"/>
+          </a:xfrm>
+          <a:prstGeom prst="roundRect">
             <a:avLst/>
           </a:prstGeom>
           <a:solidFill>
-            <a:schemeClr val="bg1"/>
+            <a:srgbClr val="8AAEC9"/>
           </a:solidFill>
           <a:ln>
-            <a:solidFill>
-              <a:srgbClr val="001746"/>
-            </a:solidFill>
+            <a:noFill/>
           </a:ln>
         </p:spPr>
         <p:style>
@@ -47740,22 +47760,29 @@
           <a:p>
             <a:pPr algn="ctr"/>
             <a:r>
-              <a:rPr kumimoji="1" lang="ja-JP" altLang="en-US" sz="4400" dirty="0">
+              <a:rPr kumimoji="1" lang="en-US" altLang="ja-JP" dirty="0">
                 <a:solidFill>
-                  <a:srgbClr val="001746"/>
+                  <a:schemeClr val="bg1"/>
                 </a:solidFill>
+                <a:latin typeface="Kristen ITC" panose="03050502040202030202" pitchFamily="66" charset="0"/>
               </a:rPr>
-              <a:t>＋</a:t>
-            </a:r>
-          </a:p>
-        </p:txBody>
-      </p:sp>
-      <p:sp>
-        <p:nvSpPr>
-          <p:cNvPr id="40" name="四角形: 角を丸くする 39">
-            <a:extLst>
-              <a:ext uri="{FF2B5EF4-FFF2-40B4-BE49-F238E27FC236}">
-                <a16:creationId xmlns:a16="http://schemas.microsoft.com/office/drawing/2014/main" id="{C38083B4-DEC7-4462-BB87-07E084B49B5D}"/>
+              <a:t>Member</a:t>
+            </a:r>
+            <a:endParaRPr kumimoji="1" lang="ja-JP" altLang="en-US" dirty="0">
+              <a:solidFill>
+                <a:schemeClr val="bg1"/>
+              </a:solidFill>
+              <a:latin typeface="Kristen ITC" panose="03050502040202030202" pitchFamily="66" charset="0"/>
+            </a:endParaRPr>
+          </a:p>
+        </p:txBody>
+      </p:sp>
+      <p:sp>
+        <p:nvSpPr>
+          <p:cNvPr id="41" name="四角形: 角を丸くする 40">
+            <a:extLst>
+              <a:ext uri="{FF2B5EF4-FFF2-40B4-BE49-F238E27FC236}">
+                <a16:creationId xmlns:a16="http://schemas.microsoft.com/office/drawing/2014/main" id="{51181426-C656-D1CC-4FD6-2C6AD2282C70}"/>
               </a:ext>
             </a:extLst>
           </p:cNvPr>
@@ -47764,7 +47791,7 @@
         </p:nvSpPr>
         <p:spPr>
           <a:xfrm>
-            <a:off x="3213626" y="3820551"/>
+            <a:off x="2786907" y="4820814"/>
             <a:ext cx="1325207" cy="485405"/>
           </a:xfrm>
           <a:prstGeom prst="roundRect">
@@ -47816,12 +47843,51 @@
           </a:p>
         </p:txBody>
       </p:sp>
-      <p:sp>
-        <p:nvSpPr>
-          <p:cNvPr id="41" name="四角形: 角を丸くする 40">
-            <a:extLst>
-              <a:ext uri="{FF2B5EF4-FFF2-40B4-BE49-F238E27FC236}">
-                <a16:creationId xmlns:a16="http://schemas.microsoft.com/office/drawing/2014/main" id="{51181426-C656-D1CC-4FD6-2C6AD2282C70}"/>
+      <p:pic>
+        <p:nvPicPr>
+          <p:cNvPr id="49" name="グラフィックス 48" descr="クリップボード 単色塗りつぶし">
+            <a:extLst>
+              <a:ext uri="{FF2B5EF4-FFF2-40B4-BE49-F238E27FC236}">
+                <a16:creationId xmlns:a16="http://schemas.microsoft.com/office/drawing/2014/main" id="{B28C3103-D730-DDB6-27D4-2E72D84F102F}"/>
+              </a:ext>
+            </a:extLst>
+          </p:cNvPr>
+          <p:cNvPicPr>
+            <a:picLocks noChangeAspect="1"/>
+          </p:cNvPicPr>
+          <p:nvPr/>
+        </p:nvPicPr>
+        <p:blipFill>
+          <a:blip r:embed="rId6">
+            <a:extLst>
+              <a:ext uri="{28A0092B-C50C-407E-A947-70E740481C1C}">
+                <a14:useLocalDpi xmlns:a14="http://schemas.microsoft.com/office/drawing/2010/main" val="0"/>
+              </a:ext>
+              <a:ext uri="{96DAC541-7B7A-43D3-8B79-37D633B846F1}">
+                <asvg:svgBlip xmlns:asvg="http://schemas.microsoft.com/office/drawing/2016/SVG/main" r:embed="rId7"/>
+              </a:ext>
+            </a:extLst>
+          </a:blip>
+          <a:stretch>
+            <a:fillRect/>
+          </a:stretch>
+        </p:blipFill>
+        <p:spPr>
+          <a:xfrm>
+            <a:off x="7497152" y="3421796"/>
+            <a:ext cx="487676" cy="487676"/>
+          </a:xfrm>
+          <a:prstGeom prst="rect">
+            <a:avLst/>
+          </a:prstGeom>
+        </p:spPr>
+      </p:pic>
+      <p:sp>
+        <p:nvSpPr>
+          <p:cNvPr id="50" name="四角形: 角を丸くする 49">
+            <a:extLst>
+              <a:ext uri="{FF2B5EF4-FFF2-40B4-BE49-F238E27FC236}">
+                <a16:creationId xmlns:a16="http://schemas.microsoft.com/office/drawing/2014/main" id="{226CDFEA-0136-F45D-AA86-1A687D3E6845}"/>
               </a:ext>
             </a:extLst>
           </p:cNvPr>
@@ -47830,7 +47896,7 @@
         </p:nvSpPr>
         <p:spPr>
           <a:xfrm>
-            <a:off x="3213627" y="4523634"/>
+            <a:off x="2778583" y="3436550"/>
             <a:ext cx="1325207" cy="485405"/>
           </a:xfrm>
           <a:prstGeom prst="roundRect">
@@ -47884,10 +47950,10 @@
       </p:sp>
       <p:pic>
         <p:nvPicPr>
-          <p:cNvPr id="49" name="グラフィックス 48" descr="クリップボード 単色塗りつぶし">
-            <a:extLst>
-              <a:ext uri="{FF2B5EF4-FFF2-40B4-BE49-F238E27FC236}">
-                <a16:creationId xmlns:a16="http://schemas.microsoft.com/office/drawing/2014/main" id="{B28C3103-D730-DDB6-27D4-2E72D84F102F}"/>
+          <p:cNvPr id="51" name="グラフィックス 50" descr="クリップボード 単色塗りつぶし">
+            <a:extLst>
+              <a:ext uri="{FF2B5EF4-FFF2-40B4-BE49-F238E27FC236}">
+                <a16:creationId xmlns:a16="http://schemas.microsoft.com/office/drawing/2014/main" id="{51A21315-5D7B-D9F7-6C6A-0257EDDFEF4C}"/>
               </a:ext>
             </a:extLst>
           </p:cNvPr>
@@ -47897,13 +47963,13 @@
           <p:nvPr/>
         </p:nvPicPr>
         <p:blipFill>
-          <a:blip r:embed="rId6">
+          <a:blip r:embed="rId8">
             <a:extLst>
               <a:ext uri="{28A0092B-C50C-407E-A947-70E740481C1C}">
                 <a14:useLocalDpi xmlns:a14="http://schemas.microsoft.com/office/drawing/2010/main" val="0"/>
               </a:ext>
               <a:ext uri="{96DAC541-7B7A-43D3-8B79-37D633B846F1}">
-                <asvg:svgBlip xmlns:asvg="http://schemas.microsoft.com/office/drawing/2016/SVG/main" r:embed="rId7"/>
+                <asvg:svgBlip xmlns:asvg="http://schemas.microsoft.com/office/drawing/2016/SVG/main" r:embed="rId9"/>
               </a:ext>
             </a:extLst>
           </a:blip>
@@ -47913,7 +47979,7 @@
         </p:blipFill>
         <p:spPr>
           <a:xfrm>
-            <a:off x="7923872" y="3116173"/>
+            <a:off x="7497152" y="4085365"/>
             <a:ext cx="487676" cy="487676"/>
           </a:xfrm>
           <a:prstGeom prst="rect">
@@ -47923,10 +47989,10 @@
       </p:pic>
       <p:sp>
         <p:nvSpPr>
-          <p:cNvPr id="50" name="四角形: 角を丸くする 49">
-            <a:extLst>
-              <a:ext uri="{FF2B5EF4-FFF2-40B4-BE49-F238E27FC236}">
-                <a16:creationId xmlns:a16="http://schemas.microsoft.com/office/drawing/2014/main" id="{226CDFEA-0136-F45D-AA86-1A687D3E6845}"/>
+          <p:cNvPr id="52" name="四角形: 角を丸くする 51">
+            <a:extLst>
+              <a:ext uri="{FF2B5EF4-FFF2-40B4-BE49-F238E27FC236}">
+                <a16:creationId xmlns:a16="http://schemas.microsoft.com/office/drawing/2014/main" id="{5245D68E-2185-FBF4-2351-B7C6DF2856C9}"/>
               </a:ext>
             </a:extLst>
           </p:cNvPr>
@@ -47935,17 +48001,19 @@
         </p:nvSpPr>
         <p:spPr>
           <a:xfrm>
-            <a:off x="3205303" y="3139370"/>
-            <a:ext cx="1325207" cy="485405"/>
+            <a:off x="7079346" y="4842221"/>
+            <a:ext cx="795596" cy="421502"/>
           </a:xfrm>
           <a:prstGeom prst="roundRect">
             <a:avLst/>
           </a:prstGeom>
           <a:solidFill>
-            <a:srgbClr val="8AAEC9"/>
+            <a:srgbClr val="F9E799"/>
           </a:solidFill>
           <a:ln>
-            <a:noFill/>
+            <a:solidFill>
+              <a:srgbClr val="001746"/>
+            </a:solidFill>
           </a:ln>
         </p:spPr>
         <p:style>
@@ -47970,62 +48038,25 @@
           <a:p>
             <a:pPr algn="ctr"/>
             <a:r>
-              <a:rPr kumimoji="1" lang="en-US" altLang="ja-JP" dirty="0">
+              <a:rPr lang="ja-JP" altLang="en-US" dirty="0">
                 <a:solidFill>
-                  <a:schemeClr val="bg1"/>
+                  <a:srgbClr val="001746"/>
                 </a:solidFill>
-                <a:latin typeface="Kristen ITC" panose="03050502040202030202" pitchFamily="66" charset="0"/>
+                <a:latin typeface="UD デジタル 教科書体 NP-B" panose="02020700000000000000" pitchFamily="18" charset="-128"/>
+                <a:ea typeface="UD デジタル 教科書体 NP-B" panose="02020700000000000000" pitchFamily="18" charset="-128"/>
               </a:rPr>
-              <a:t>Member</a:t>
+              <a:t>招待</a:t>
             </a:r>
             <a:endParaRPr kumimoji="1" lang="ja-JP" altLang="en-US" dirty="0">
               <a:solidFill>
-                <a:schemeClr val="bg1"/>
+                <a:srgbClr val="001746"/>
               </a:solidFill>
-              <a:latin typeface="Kristen ITC" panose="03050502040202030202" pitchFamily="66" charset="0"/>
+              <a:latin typeface="UD デジタル 教科書体 NP-B" panose="02020700000000000000" pitchFamily="18" charset="-128"/>
+              <a:ea typeface="UD デジタル 教科書体 NP-B" panose="02020700000000000000" pitchFamily="18" charset="-128"/>
             </a:endParaRPr>
           </a:p>
         </p:txBody>
       </p:sp>
-      <p:pic>
-        <p:nvPicPr>
-          <p:cNvPr id="51" name="グラフィックス 50" descr="クリップボード 単色塗りつぶし">
-            <a:extLst>
-              <a:ext uri="{FF2B5EF4-FFF2-40B4-BE49-F238E27FC236}">
-                <a16:creationId xmlns:a16="http://schemas.microsoft.com/office/drawing/2014/main" id="{51A21315-5D7B-D9F7-6C6A-0257EDDFEF4C}"/>
-              </a:ext>
-            </a:extLst>
-          </p:cNvPr>
-          <p:cNvPicPr>
-            <a:picLocks noChangeAspect="1"/>
-          </p:cNvPicPr>
-          <p:nvPr/>
-        </p:nvPicPr>
-        <p:blipFill>
-          <a:blip r:embed="rId8">
-            <a:extLst>
-              <a:ext uri="{28A0092B-C50C-407E-A947-70E740481C1C}">
-                <a14:useLocalDpi xmlns:a14="http://schemas.microsoft.com/office/drawing/2010/main" val="0"/>
-              </a:ext>
-              <a:ext uri="{96DAC541-7B7A-43D3-8B79-37D633B846F1}">
-                <asvg:svgBlip xmlns:asvg="http://schemas.microsoft.com/office/drawing/2016/SVG/main" r:embed="rId9"/>
-              </a:ext>
-            </a:extLst>
-          </a:blip>
-          <a:stretch>
-            <a:fillRect/>
-          </a:stretch>
-        </p:blipFill>
-        <p:spPr>
-          <a:xfrm>
-            <a:off x="7923872" y="4521363"/>
-            <a:ext cx="487676" cy="487676"/>
-          </a:xfrm>
-          <a:prstGeom prst="rect">
-            <a:avLst/>
-          </a:prstGeom>
-        </p:spPr>
-      </p:pic>
     </p:spTree>
     <p:extLst>
       <p:ext uri="{BB962C8B-B14F-4D97-AF65-F5344CB8AC3E}">

--- a/doc/13_外部設計/famiLink 画面デザイン.pptx
+++ b/doc/13_外部設計/famiLink 画面デザイン.pptx
@@ -9973,7 +9973,7 @@
 </file>
 
 <file path=ppt/slides/slide12.xml><?xml version="1.0" encoding="utf-8"?>
-<p:sld xmlns:a="http://schemas.openxmlformats.org/drawingml/2006/main" xmlns:r="http://schemas.openxmlformats.org/officeDocument/2006/relationships" xmlns:p="http://schemas.openxmlformats.org/presentationml/2006/main">
+<p:sld xmlns:a="http://schemas.openxmlformats.org/drawingml/2006/main" xmlns:r="http://schemas.openxmlformats.org/officeDocument/2006/relationships" xmlns:p="http://schemas.openxmlformats.org/presentationml/2006/main" show="0">
   <p:cSld>
     <p:spTree>
       <p:nvGrpSpPr>
@@ -10814,7 +10814,7 @@
 </file>
 
 <file path=ppt/slides/slide13.xml><?xml version="1.0" encoding="utf-8"?>
-<p:sld xmlns:a="http://schemas.openxmlformats.org/drawingml/2006/main" xmlns:r="http://schemas.openxmlformats.org/officeDocument/2006/relationships" xmlns:p="http://schemas.openxmlformats.org/presentationml/2006/main">
+<p:sld xmlns:a="http://schemas.openxmlformats.org/drawingml/2006/main" xmlns:r="http://schemas.openxmlformats.org/officeDocument/2006/relationships" xmlns:p="http://schemas.openxmlformats.org/presentationml/2006/main" show="0">
   <p:cSld>
     <p:spTree>
       <p:nvGrpSpPr>
@@ -12004,7 +12004,7 @@
 </file>
 
 <file path=ppt/slides/slide14.xml><?xml version="1.0" encoding="utf-8"?>
-<p:sld xmlns:a="http://schemas.openxmlformats.org/drawingml/2006/main" xmlns:r="http://schemas.openxmlformats.org/officeDocument/2006/relationships" xmlns:p="http://schemas.openxmlformats.org/presentationml/2006/main">
+<p:sld xmlns:a="http://schemas.openxmlformats.org/drawingml/2006/main" xmlns:r="http://schemas.openxmlformats.org/officeDocument/2006/relationships" xmlns:p="http://schemas.openxmlformats.org/presentationml/2006/main" show="0">
   <p:cSld>
     <p:spTree>
       <p:nvGrpSpPr>
@@ -15301,6 +15301,270 @@
           </a:p>
         </p:txBody>
       </p:sp>
+      <p:sp>
+        <p:nvSpPr>
+          <p:cNvPr id="4" name="四角形: 角を丸くする 3">
+            <a:extLst>
+              <a:ext uri="{FF2B5EF4-FFF2-40B4-BE49-F238E27FC236}">
+                <a16:creationId xmlns:a16="http://schemas.microsoft.com/office/drawing/2014/main" id="{A02247CB-FCDB-B68B-60D4-EC0E7E1FBC64}"/>
+              </a:ext>
+            </a:extLst>
+          </p:cNvPr>
+          <p:cNvSpPr/>
+          <p:nvPr/>
+        </p:nvSpPr>
+        <p:spPr>
+          <a:xfrm>
+            <a:off x="5432654" y="5185538"/>
+            <a:ext cx="880521" cy="498462"/>
+          </a:xfrm>
+          <a:prstGeom prst="roundRect">
+            <a:avLst>
+              <a:gd name="adj" fmla="val 50000"/>
+            </a:avLst>
+          </a:prstGeom>
+          <a:solidFill>
+            <a:srgbClr val="EA7B6B"/>
+          </a:solidFill>
+          <a:ln>
+            <a:noFill/>
+          </a:ln>
+        </p:spPr>
+        <p:style>
+          <a:lnRef idx="2">
+            <a:schemeClr val="accent1">
+              <a:shade val="15000"/>
+            </a:schemeClr>
+          </a:lnRef>
+          <a:fillRef idx="1">
+            <a:schemeClr val="accent1"/>
+          </a:fillRef>
+          <a:effectRef idx="0">
+            <a:schemeClr val="accent1"/>
+          </a:effectRef>
+          <a:fontRef idx="minor">
+            <a:schemeClr val="lt1"/>
+          </a:fontRef>
+        </p:style>
+        <p:txBody>
+          <a:bodyPr rtlCol="0" anchor="ctr"/>
+          <a:lstStyle/>
+          <a:p>
+            <a:pPr algn="ctr"/>
+            <a:r>
+              <a:rPr lang="en-US" altLang="ja-JP" dirty="0">
+                <a:solidFill>
+                  <a:schemeClr val="bg1"/>
+                </a:solidFill>
+                <a:latin typeface="Kristen ITC" panose="03050502040202030202" pitchFamily="66" charset="0"/>
+              </a:rPr>
+              <a:t>New</a:t>
+            </a:r>
+            <a:endParaRPr kumimoji="1" lang="ja-JP" altLang="en-US" dirty="0">
+              <a:solidFill>
+                <a:schemeClr val="bg1"/>
+              </a:solidFill>
+              <a:latin typeface="Kristen ITC" panose="03050502040202030202" pitchFamily="66" charset="0"/>
+            </a:endParaRPr>
+          </a:p>
+        </p:txBody>
+      </p:sp>
+      <p:sp>
+        <p:nvSpPr>
+          <p:cNvPr id="8" name="四角形: 角を丸くする 7">
+            <a:extLst>
+              <a:ext uri="{FF2B5EF4-FFF2-40B4-BE49-F238E27FC236}">
+                <a16:creationId xmlns:a16="http://schemas.microsoft.com/office/drawing/2014/main" id="{9B204022-97BB-C141-7FF1-DFCBC192D235}"/>
+              </a:ext>
+            </a:extLst>
+          </p:cNvPr>
+          <p:cNvSpPr/>
+          <p:nvPr/>
+        </p:nvSpPr>
+        <p:spPr>
+          <a:xfrm>
+            <a:off x="1517728" y="249259"/>
+            <a:ext cx="1116177" cy="991374"/>
+          </a:xfrm>
+          <a:prstGeom prst="roundRect">
+            <a:avLst>
+              <a:gd name="adj" fmla="val 13080"/>
+            </a:avLst>
+          </a:prstGeom>
+          <a:solidFill>
+            <a:srgbClr val="F3B4AB"/>
+          </a:solidFill>
+          <a:ln>
+            <a:noFill/>
+          </a:ln>
+        </p:spPr>
+        <p:style>
+          <a:lnRef idx="2">
+            <a:schemeClr val="accent1">
+              <a:shade val="15000"/>
+            </a:schemeClr>
+          </a:lnRef>
+          <a:fillRef idx="1">
+            <a:schemeClr val="accent1"/>
+          </a:fillRef>
+          <a:effectRef idx="0">
+            <a:schemeClr val="accent1"/>
+          </a:effectRef>
+          <a:fontRef idx="minor">
+            <a:schemeClr val="lt1"/>
+          </a:fontRef>
+        </p:style>
+        <p:txBody>
+          <a:bodyPr rtlCol="0" anchor="ctr"/>
+          <a:lstStyle/>
+          <a:p>
+            <a:pPr algn="ctr"/>
+            <a:endParaRPr kumimoji="1" lang="ja-JP" altLang="en-US"/>
+          </a:p>
+        </p:txBody>
+      </p:sp>
+      <p:sp>
+        <p:nvSpPr>
+          <p:cNvPr id="26" name="四角形: 角を丸くする 25">
+            <a:extLst>
+              <a:ext uri="{FF2B5EF4-FFF2-40B4-BE49-F238E27FC236}">
+                <a16:creationId xmlns:a16="http://schemas.microsoft.com/office/drawing/2014/main" id="{0A4FC6CF-C26C-C89F-BA8B-0C2B862B6D00}"/>
+              </a:ext>
+            </a:extLst>
+          </p:cNvPr>
+          <p:cNvSpPr/>
+          <p:nvPr/>
+        </p:nvSpPr>
+        <p:spPr>
+          <a:xfrm>
+            <a:off x="1585080" y="328769"/>
+            <a:ext cx="975240" cy="834344"/>
+          </a:xfrm>
+          <a:prstGeom prst="roundRect">
+            <a:avLst>
+              <a:gd name="adj" fmla="val 13080"/>
+            </a:avLst>
+          </a:prstGeom>
+          <a:noFill/>
+          <a:ln w="38100">
+            <a:solidFill>
+              <a:schemeClr val="bg1"/>
+            </a:solidFill>
+            <a:prstDash val="sysDot"/>
+          </a:ln>
+        </p:spPr>
+        <p:style>
+          <a:lnRef idx="2">
+            <a:schemeClr val="accent1">
+              <a:shade val="15000"/>
+            </a:schemeClr>
+          </a:lnRef>
+          <a:fillRef idx="1">
+            <a:schemeClr val="accent1"/>
+          </a:fillRef>
+          <a:effectRef idx="0">
+            <a:schemeClr val="accent1"/>
+          </a:effectRef>
+          <a:fontRef idx="minor">
+            <a:schemeClr val="lt1"/>
+          </a:fontRef>
+        </p:style>
+        <p:txBody>
+          <a:bodyPr rtlCol="0" anchor="ctr"/>
+          <a:lstStyle/>
+          <a:p>
+            <a:pPr algn="ctr"/>
+            <a:endParaRPr kumimoji="1" lang="ja-JP" altLang="en-US"/>
+          </a:p>
+        </p:txBody>
+      </p:sp>
+      <p:sp>
+        <p:nvSpPr>
+          <p:cNvPr id="29" name="テキスト ボックス 28">
+            <a:extLst>
+              <a:ext uri="{FF2B5EF4-FFF2-40B4-BE49-F238E27FC236}">
+                <a16:creationId xmlns:a16="http://schemas.microsoft.com/office/drawing/2014/main" id="{07947DC9-7C23-5204-4F71-805394F932EC}"/>
+              </a:ext>
+            </a:extLst>
+          </p:cNvPr>
+          <p:cNvSpPr txBox="1"/>
+          <p:nvPr/>
+        </p:nvSpPr>
+        <p:spPr>
+          <a:xfrm>
+            <a:off x="1559392" y="628589"/>
+            <a:ext cx="1109587" cy="369332"/>
+          </a:xfrm>
+          <a:prstGeom prst="rect">
+            <a:avLst/>
+          </a:prstGeom>
+          <a:noFill/>
+        </p:spPr>
+        <p:txBody>
+          <a:bodyPr wrap="square" rtlCol="0">
+            <a:spAutoFit/>
+          </a:bodyPr>
+          <a:lstStyle/>
+          <a:p>
+            <a:r>
+              <a:rPr kumimoji="1" lang="en-US" altLang="ja-JP" dirty="0">
+                <a:solidFill>
+                  <a:srgbClr val="001746"/>
+                </a:solidFill>
+                <a:latin typeface="Kristen ITC" panose="03050502040202030202" pitchFamily="66" charset="0"/>
+              </a:rPr>
+              <a:t>Manual</a:t>
+            </a:r>
+            <a:endParaRPr kumimoji="1" lang="ja-JP" altLang="en-US" dirty="0">
+              <a:solidFill>
+                <a:srgbClr val="001746"/>
+              </a:solidFill>
+              <a:latin typeface="Kristen ITC" panose="03050502040202030202" pitchFamily="66" charset="0"/>
+            </a:endParaRPr>
+          </a:p>
+        </p:txBody>
+      </p:sp>
+      <p:sp>
+        <p:nvSpPr>
+          <p:cNvPr id="30" name="テキスト ボックス 29">
+            <a:extLst>
+              <a:ext uri="{FF2B5EF4-FFF2-40B4-BE49-F238E27FC236}">
+                <a16:creationId xmlns:a16="http://schemas.microsoft.com/office/drawing/2014/main" id="{67671E88-F876-6F8E-BAD1-4E8562E58461}"/>
+              </a:ext>
+            </a:extLst>
+          </p:cNvPr>
+          <p:cNvSpPr txBox="1"/>
+          <p:nvPr/>
+        </p:nvSpPr>
+        <p:spPr>
+          <a:xfrm>
+            <a:off x="1726640" y="470744"/>
+            <a:ext cx="775089" cy="246221"/>
+          </a:xfrm>
+          <a:prstGeom prst="rect">
+            <a:avLst/>
+          </a:prstGeom>
+          <a:noFill/>
+        </p:spPr>
+        <p:txBody>
+          <a:bodyPr wrap="square" rtlCol="0">
+            <a:spAutoFit/>
+          </a:bodyPr>
+          <a:lstStyle/>
+          <a:p>
+            <a:r>
+              <a:rPr kumimoji="1" lang="ja-JP" altLang="en-US" sz="1000" dirty="0">
+                <a:solidFill>
+                  <a:srgbClr val="001746"/>
+                </a:solidFill>
+                <a:latin typeface="HGP創英角ﾎﾟｯﾌﾟ体" panose="040B0A00000000000000" pitchFamily="50" charset="-128"/>
+                <a:ea typeface="HGP創英角ﾎﾟｯﾌﾟ体" panose="040B0A00000000000000" pitchFamily="50" charset="-128"/>
+              </a:rPr>
+              <a:t>マニュアル</a:t>
+            </a:r>
+          </a:p>
+        </p:txBody>
+      </p:sp>
     </p:spTree>
     <p:extLst>
       <p:ext uri="{BB962C8B-B14F-4D97-AF65-F5344CB8AC3E}">
@@ -17422,6 +17686,270 @@
           </a:p>
         </p:txBody>
       </p:sp>
+      <p:sp>
+        <p:nvSpPr>
+          <p:cNvPr id="24" name="四角形: 角を丸くする 23">
+            <a:extLst>
+              <a:ext uri="{FF2B5EF4-FFF2-40B4-BE49-F238E27FC236}">
+                <a16:creationId xmlns:a16="http://schemas.microsoft.com/office/drawing/2014/main" id="{01571941-9795-6FC3-D5E7-C9ABA757749F}"/>
+              </a:ext>
+            </a:extLst>
+          </p:cNvPr>
+          <p:cNvSpPr/>
+          <p:nvPr/>
+        </p:nvSpPr>
+        <p:spPr>
+          <a:xfrm>
+            <a:off x="5432654" y="5185538"/>
+            <a:ext cx="880521" cy="498462"/>
+          </a:xfrm>
+          <a:prstGeom prst="roundRect">
+            <a:avLst>
+              <a:gd name="adj" fmla="val 50000"/>
+            </a:avLst>
+          </a:prstGeom>
+          <a:solidFill>
+            <a:srgbClr val="EA7B6B"/>
+          </a:solidFill>
+          <a:ln>
+            <a:noFill/>
+          </a:ln>
+        </p:spPr>
+        <p:style>
+          <a:lnRef idx="2">
+            <a:schemeClr val="accent1">
+              <a:shade val="15000"/>
+            </a:schemeClr>
+          </a:lnRef>
+          <a:fillRef idx="1">
+            <a:schemeClr val="accent1"/>
+          </a:fillRef>
+          <a:effectRef idx="0">
+            <a:schemeClr val="accent1"/>
+          </a:effectRef>
+          <a:fontRef idx="minor">
+            <a:schemeClr val="lt1"/>
+          </a:fontRef>
+        </p:style>
+        <p:txBody>
+          <a:bodyPr rtlCol="0" anchor="ctr"/>
+          <a:lstStyle/>
+          <a:p>
+            <a:pPr algn="ctr"/>
+            <a:r>
+              <a:rPr lang="en-US" altLang="ja-JP" dirty="0">
+                <a:solidFill>
+                  <a:schemeClr val="bg1"/>
+                </a:solidFill>
+                <a:latin typeface="Kristen ITC" panose="03050502040202030202" pitchFamily="66" charset="0"/>
+              </a:rPr>
+              <a:t>New</a:t>
+            </a:r>
+            <a:endParaRPr kumimoji="1" lang="ja-JP" altLang="en-US" dirty="0">
+              <a:solidFill>
+                <a:schemeClr val="bg1"/>
+              </a:solidFill>
+              <a:latin typeface="Kristen ITC" panose="03050502040202030202" pitchFamily="66" charset="0"/>
+            </a:endParaRPr>
+          </a:p>
+        </p:txBody>
+      </p:sp>
+      <p:sp>
+        <p:nvSpPr>
+          <p:cNvPr id="26" name="四角形: 角を丸くする 25">
+            <a:extLst>
+              <a:ext uri="{FF2B5EF4-FFF2-40B4-BE49-F238E27FC236}">
+                <a16:creationId xmlns:a16="http://schemas.microsoft.com/office/drawing/2014/main" id="{12116144-1EB4-280D-E89D-D6E8936C456C}"/>
+              </a:ext>
+            </a:extLst>
+          </p:cNvPr>
+          <p:cNvSpPr/>
+          <p:nvPr/>
+        </p:nvSpPr>
+        <p:spPr>
+          <a:xfrm>
+            <a:off x="1517728" y="249259"/>
+            <a:ext cx="1116177" cy="991374"/>
+          </a:xfrm>
+          <a:prstGeom prst="roundRect">
+            <a:avLst>
+              <a:gd name="adj" fmla="val 13080"/>
+            </a:avLst>
+          </a:prstGeom>
+          <a:solidFill>
+            <a:srgbClr val="F3B4AB"/>
+          </a:solidFill>
+          <a:ln>
+            <a:noFill/>
+          </a:ln>
+        </p:spPr>
+        <p:style>
+          <a:lnRef idx="2">
+            <a:schemeClr val="accent1">
+              <a:shade val="15000"/>
+            </a:schemeClr>
+          </a:lnRef>
+          <a:fillRef idx="1">
+            <a:schemeClr val="accent1"/>
+          </a:fillRef>
+          <a:effectRef idx="0">
+            <a:schemeClr val="accent1"/>
+          </a:effectRef>
+          <a:fontRef idx="minor">
+            <a:schemeClr val="lt1"/>
+          </a:fontRef>
+        </p:style>
+        <p:txBody>
+          <a:bodyPr rtlCol="0" anchor="ctr"/>
+          <a:lstStyle/>
+          <a:p>
+            <a:pPr algn="ctr"/>
+            <a:endParaRPr kumimoji="1" lang="ja-JP" altLang="en-US"/>
+          </a:p>
+        </p:txBody>
+      </p:sp>
+      <p:sp>
+        <p:nvSpPr>
+          <p:cNvPr id="29" name="四角形: 角を丸くする 28">
+            <a:extLst>
+              <a:ext uri="{FF2B5EF4-FFF2-40B4-BE49-F238E27FC236}">
+                <a16:creationId xmlns:a16="http://schemas.microsoft.com/office/drawing/2014/main" id="{00BC4C49-AE88-16D3-E5D5-14E596FDE684}"/>
+              </a:ext>
+            </a:extLst>
+          </p:cNvPr>
+          <p:cNvSpPr/>
+          <p:nvPr/>
+        </p:nvSpPr>
+        <p:spPr>
+          <a:xfrm>
+            <a:off x="1585080" y="328769"/>
+            <a:ext cx="975240" cy="834344"/>
+          </a:xfrm>
+          <a:prstGeom prst="roundRect">
+            <a:avLst>
+              <a:gd name="adj" fmla="val 13080"/>
+            </a:avLst>
+          </a:prstGeom>
+          <a:noFill/>
+          <a:ln w="38100">
+            <a:solidFill>
+              <a:schemeClr val="bg1"/>
+            </a:solidFill>
+            <a:prstDash val="sysDot"/>
+          </a:ln>
+        </p:spPr>
+        <p:style>
+          <a:lnRef idx="2">
+            <a:schemeClr val="accent1">
+              <a:shade val="15000"/>
+            </a:schemeClr>
+          </a:lnRef>
+          <a:fillRef idx="1">
+            <a:schemeClr val="accent1"/>
+          </a:fillRef>
+          <a:effectRef idx="0">
+            <a:schemeClr val="accent1"/>
+          </a:effectRef>
+          <a:fontRef idx="minor">
+            <a:schemeClr val="lt1"/>
+          </a:fontRef>
+        </p:style>
+        <p:txBody>
+          <a:bodyPr rtlCol="0" anchor="ctr"/>
+          <a:lstStyle/>
+          <a:p>
+            <a:pPr algn="ctr"/>
+            <a:endParaRPr kumimoji="1" lang="ja-JP" altLang="en-US"/>
+          </a:p>
+        </p:txBody>
+      </p:sp>
+      <p:sp>
+        <p:nvSpPr>
+          <p:cNvPr id="30" name="テキスト ボックス 29">
+            <a:extLst>
+              <a:ext uri="{FF2B5EF4-FFF2-40B4-BE49-F238E27FC236}">
+                <a16:creationId xmlns:a16="http://schemas.microsoft.com/office/drawing/2014/main" id="{591D2261-9D9F-D4D9-9401-A0A873E39059}"/>
+              </a:ext>
+            </a:extLst>
+          </p:cNvPr>
+          <p:cNvSpPr txBox="1"/>
+          <p:nvPr/>
+        </p:nvSpPr>
+        <p:spPr>
+          <a:xfrm>
+            <a:off x="1559392" y="628589"/>
+            <a:ext cx="1109587" cy="369332"/>
+          </a:xfrm>
+          <a:prstGeom prst="rect">
+            <a:avLst/>
+          </a:prstGeom>
+          <a:noFill/>
+        </p:spPr>
+        <p:txBody>
+          <a:bodyPr wrap="square" rtlCol="0">
+            <a:spAutoFit/>
+          </a:bodyPr>
+          <a:lstStyle/>
+          <a:p>
+            <a:r>
+              <a:rPr kumimoji="1" lang="en-US" altLang="ja-JP" dirty="0">
+                <a:solidFill>
+                  <a:srgbClr val="001746"/>
+                </a:solidFill>
+                <a:latin typeface="Kristen ITC" panose="03050502040202030202" pitchFamily="66" charset="0"/>
+              </a:rPr>
+              <a:t>Manual</a:t>
+            </a:r>
+            <a:endParaRPr kumimoji="1" lang="ja-JP" altLang="en-US" dirty="0">
+              <a:solidFill>
+                <a:srgbClr val="001746"/>
+              </a:solidFill>
+              <a:latin typeface="Kristen ITC" panose="03050502040202030202" pitchFamily="66" charset="0"/>
+            </a:endParaRPr>
+          </a:p>
+        </p:txBody>
+      </p:sp>
+      <p:sp>
+        <p:nvSpPr>
+          <p:cNvPr id="31" name="テキスト ボックス 30">
+            <a:extLst>
+              <a:ext uri="{FF2B5EF4-FFF2-40B4-BE49-F238E27FC236}">
+                <a16:creationId xmlns:a16="http://schemas.microsoft.com/office/drawing/2014/main" id="{7BDD1DD8-F0F8-B4D0-CFE1-DC743DD5D4B1}"/>
+              </a:ext>
+            </a:extLst>
+          </p:cNvPr>
+          <p:cNvSpPr txBox="1"/>
+          <p:nvPr/>
+        </p:nvSpPr>
+        <p:spPr>
+          <a:xfrm>
+            <a:off x="1726640" y="470744"/>
+            <a:ext cx="775089" cy="246221"/>
+          </a:xfrm>
+          <a:prstGeom prst="rect">
+            <a:avLst/>
+          </a:prstGeom>
+          <a:noFill/>
+        </p:spPr>
+        <p:txBody>
+          <a:bodyPr wrap="square" rtlCol="0">
+            <a:spAutoFit/>
+          </a:bodyPr>
+          <a:lstStyle/>
+          <a:p>
+            <a:r>
+              <a:rPr kumimoji="1" lang="ja-JP" altLang="en-US" sz="1000" dirty="0">
+                <a:solidFill>
+                  <a:srgbClr val="001746"/>
+                </a:solidFill>
+                <a:latin typeface="HGP創英角ﾎﾟｯﾌﾟ体" panose="040B0A00000000000000" pitchFamily="50" charset="-128"/>
+                <a:ea typeface="HGP創英角ﾎﾟｯﾌﾟ体" panose="040B0A00000000000000" pitchFamily="50" charset="-128"/>
+              </a:rPr>
+              <a:t>マニュアル</a:t>
+            </a:r>
+          </a:p>
+        </p:txBody>
+      </p:sp>
     </p:spTree>
     <p:extLst>
       <p:ext uri="{BB962C8B-B14F-4D97-AF65-F5344CB8AC3E}">
@@ -19154,8 +19682,8 @@
         </p:nvSpPr>
         <p:spPr>
           <a:xfrm>
-            <a:off x="5507328" y="5204485"/>
-            <a:ext cx="1177344" cy="498462"/>
+            <a:off x="5432654" y="5185538"/>
+            <a:ext cx="880521" cy="498462"/>
           </a:xfrm>
           <a:prstGeom prst="roundRect">
             <a:avLst>
@@ -19163,7 +19691,7 @@
             </a:avLst>
           </a:prstGeom>
           <a:solidFill>
-            <a:srgbClr val="F9E799"/>
+            <a:srgbClr val="EA7B6B"/>
           </a:solidFill>
           <a:ln>
             <a:noFill/>
@@ -19193,16 +19721,214 @@
             <a:r>
               <a:rPr lang="en-US" altLang="ja-JP" dirty="0">
                 <a:solidFill>
-                  <a:srgbClr val="FCF1C4"/>
+                  <a:schemeClr val="bg1"/>
                 </a:solidFill>
+                <a:latin typeface="Kristen ITC" panose="03050502040202030202" pitchFamily="66" charset="0"/>
               </a:rPr>
-              <a:t>NEW</a:t>
+              <a:t>New</a:t>
             </a:r>
             <a:endParaRPr kumimoji="1" lang="ja-JP" altLang="en-US" dirty="0">
               <a:solidFill>
-                <a:srgbClr val="FCF1C4"/>
+                <a:schemeClr val="bg1"/>
               </a:solidFill>
+              <a:latin typeface="Kristen ITC" panose="03050502040202030202" pitchFamily="66" charset="0"/>
             </a:endParaRPr>
+          </a:p>
+        </p:txBody>
+      </p:sp>
+      <p:sp>
+        <p:nvSpPr>
+          <p:cNvPr id="12" name="四角形: 角を丸くする 11">
+            <a:extLst>
+              <a:ext uri="{FF2B5EF4-FFF2-40B4-BE49-F238E27FC236}">
+                <a16:creationId xmlns:a16="http://schemas.microsoft.com/office/drawing/2014/main" id="{BB6D089D-3CD5-F7C5-A483-E438D7E700CB}"/>
+              </a:ext>
+            </a:extLst>
+          </p:cNvPr>
+          <p:cNvSpPr/>
+          <p:nvPr/>
+        </p:nvSpPr>
+        <p:spPr>
+          <a:xfrm>
+            <a:off x="1517728" y="249259"/>
+            <a:ext cx="1116177" cy="991374"/>
+          </a:xfrm>
+          <a:prstGeom prst="roundRect">
+            <a:avLst>
+              <a:gd name="adj" fmla="val 13080"/>
+            </a:avLst>
+          </a:prstGeom>
+          <a:solidFill>
+            <a:srgbClr val="F3B4AB"/>
+          </a:solidFill>
+          <a:ln>
+            <a:noFill/>
+          </a:ln>
+        </p:spPr>
+        <p:style>
+          <a:lnRef idx="2">
+            <a:schemeClr val="accent1">
+              <a:shade val="15000"/>
+            </a:schemeClr>
+          </a:lnRef>
+          <a:fillRef idx="1">
+            <a:schemeClr val="accent1"/>
+          </a:fillRef>
+          <a:effectRef idx="0">
+            <a:schemeClr val="accent1"/>
+          </a:effectRef>
+          <a:fontRef idx="minor">
+            <a:schemeClr val="lt1"/>
+          </a:fontRef>
+        </p:style>
+        <p:txBody>
+          <a:bodyPr rtlCol="0" anchor="ctr"/>
+          <a:lstStyle/>
+          <a:p>
+            <a:pPr algn="ctr"/>
+            <a:endParaRPr kumimoji="1" lang="ja-JP" altLang="en-US"/>
+          </a:p>
+        </p:txBody>
+      </p:sp>
+      <p:sp>
+        <p:nvSpPr>
+          <p:cNvPr id="13" name="四角形: 角を丸くする 12">
+            <a:extLst>
+              <a:ext uri="{FF2B5EF4-FFF2-40B4-BE49-F238E27FC236}">
+                <a16:creationId xmlns:a16="http://schemas.microsoft.com/office/drawing/2014/main" id="{A698D37B-6015-B2B9-9EE1-610DA1E0DCF5}"/>
+              </a:ext>
+            </a:extLst>
+          </p:cNvPr>
+          <p:cNvSpPr/>
+          <p:nvPr/>
+        </p:nvSpPr>
+        <p:spPr>
+          <a:xfrm>
+            <a:off x="1585080" y="328769"/>
+            <a:ext cx="975240" cy="834344"/>
+          </a:xfrm>
+          <a:prstGeom prst="roundRect">
+            <a:avLst>
+              <a:gd name="adj" fmla="val 13080"/>
+            </a:avLst>
+          </a:prstGeom>
+          <a:noFill/>
+          <a:ln w="38100">
+            <a:solidFill>
+              <a:schemeClr val="bg1"/>
+            </a:solidFill>
+            <a:prstDash val="sysDot"/>
+          </a:ln>
+        </p:spPr>
+        <p:style>
+          <a:lnRef idx="2">
+            <a:schemeClr val="accent1">
+              <a:shade val="15000"/>
+            </a:schemeClr>
+          </a:lnRef>
+          <a:fillRef idx="1">
+            <a:schemeClr val="accent1"/>
+          </a:fillRef>
+          <a:effectRef idx="0">
+            <a:schemeClr val="accent1"/>
+          </a:effectRef>
+          <a:fontRef idx="minor">
+            <a:schemeClr val="lt1"/>
+          </a:fontRef>
+        </p:style>
+        <p:txBody>
+          <a:bodyPr rtlCol="0" anchor="ctr"/>
+          <a:lstStyle/>
+          <a:p>
+            <a:pPr algn="ctr"/>
+            <a:endParaRPr kumimoji="1" lang="ja-JP" altLang="en-US"/>
+          </a:p>
+        </p:txBody>
+      </p:sp>
+      <p:sp>
+        <p:nvSpPr>
+          <p:cNvPr id="18" name="テキスト ボックス 17">
+            <a:extLst>
+              <a:ext uri="{FF2B5EF4-FFF2-40B4-BE49-F238E27FC236}">
+                <a16:creationId xmlns:a16="http://schemas.microsoft.com/office/drawing/2014/main" id="{1302D8AB-447E-C9DC-4C7A-B3E68B587A39}"/>
+              </a:ext>
+            </a:extLst>
+          </p:cNvPr>
+          <p:cNvSpPr txBox="1"/>
+          <p:nvPr/>
+        </p:nvSpPr>
+        <p:spPr>
+          <a:xfrm>
+            <a:off x="1559392" y="628589"/>
+            <a:ext cx="1109587" cy="369332"/>
+          </a:xfrm>
+          <a:prstGeom prst="rect">
+            <a:avLst/>
+          </a:prstGeom>
+          <a:noFill/>
+        </p:spPr>
+        <p:txBody>
+          <a:bodyPr wrap="square" rtlCol="0">
+            <a:spAutoFit/>
+          </a:bodyPr>
+          <a:lstStyle/>
+          <a:p>
+            <a:r>
+              <a:rPr kumimoji="1" lang="en-US" altLang="ja-JP" dirty="0">
+                <a:solidFill>
+                  <a:srgbClr val="001746"/>
+                </a:solidFill>
+                <a:latin typeface="Kristen ITC" panose="03050502040202030202" pitchFamily="66" charset="0"/>
+              </a:rPr>
+              <a:t>Manual</a:t>
+            </a:r>
+            <a:endParaRPr kumimoji="1" lang="ja-JP" altLang="en-US" dirty="0">
+              <a:solidFill>
+                <a:srgbClr val="001746"/>
+              </a:solidFill>
+              <a:latin typeface="Kristen ITC" panose="03050502040202030202" pitchFamily="66" charset="0"/>
+            </a:endParaRPr>
+          </a:p>
+        </p:txBody>
+      </p:sp>
+      <p:sp>
+        <p:nvSpPr>
+          <p:cNvPr id="19" name="テキスト ボックス 18">
+            <a:extLst>
+              <a:ext uri="{FF2B5EF4-FFF2-40B4-BE49-F238E27FC236}">
+                <a16:creationId xmlns:a16="http://schemas.microsoft.com/office/drawing/2014/main" id="{0B8DE68C-18EE-A1CD-2ADD-A3A51531160E}"/>
+              </a:ext>
+            </a:extLst>
+          </p:cNvPr>
+          <p:cNvSpPr txBox="1"/>
+          <p:nvPr/>
+        </p:nvSpPr>
+        <p:spPr>
+          <a:xfrm>
+            <a:off x="1726640" y="470744"/>
+            <a:ext cx="775089" cy="246221"/>
+          </a:xfrm>
+          <a:prstGeom prst="rect">
+            <a:avLst/>
+          </a:prstGeom>
+          <a:noFill/>
+        </p:spPr>
+        <p:txBody>
+          <a:bodyPr wrap="square" rtlCol="0">
+            <a:spAutoFit/>
+          </a:bodyPr>
+          <a:lstStyle/>
+          <a:p>
+            <a:r>
+              <a:rPr kumimoji="1" lang="ja-JP" altLang="en-US" sz="1000" dirty="0">
+                <a:solidFill>
+                  <a:srgbClr val="001746"/>
+                </a:solidFill>
+                <a:latin typeface="HGP創英角ﾎﾟｯﾌﾟ体" panose="040B0A00000000000000" pitchFamily="50" charset="-128"/>
+                <a:ea typeface="HGP創英角ﾎﾟｯﾌﾟ体" panose="040B0A00000000000000" pitchFamily="50" charset="-128"/>
+              </a:rPr>
+              <a:t>マニュアル</a:t>
+            </a:r>
           </a:p>
         </p:txBody>
       </p:sp>

--- a/doc/13_外部設計/famiLink 画面デザイン.pptx
+++ b/doc/13_外部設計/famiLink 画面デザイン.pptx
@@ -11,12 +11,12 @@
     <p:sldId id="274" r:id="rId2"/>
     <p:sldId id="275" r:id="rId3"/>
     <p:sldId id="299" r:id="rId4"/>
-    <p:sldId id="290" r:id="rId5"/>
-    <p:sldId id="293" r:id="rId6"/>
-    <p:sldId id="289" r:id="rId7"/>
-    <p:sldId id="294" r:id="rId8"/>
-    <p:sldId id="297" r:id="rId9"/>
-    <p:sldId id="291" r:id="rId10"/>
+    <p:sldId id="313" r:id="rId5"/>
+    <p:sldId id="312" r:id="rId6"/>
+    <p:sldId id="294" r:id="rId7"/>
+    <p:sldId id="297" r:id="rId8"/>
+    <p:sldId id="291" r:id="rId9"/>
+    <p:sldId id="311" r:id="rId10"/>
     <p:sldId id="295" r:id="rId11"/>
     <p:sldId id="296" r:id="rId12"/>
     <p:sldId id="306" r:id="rId13"/>
@@ -156,13 +156,12 @@
         <p14:section name="ログイン画面" id="{E5EB74CB-7C85-47D3-AC32-40567FAEF618}">
           <p14:sldIdLst>
             <p14:sldId id="299"/>
-            <p14:sldId id="290"/>
-            <p14:sldId id="293"/>
+            <p14:sldId id="313"/>
           </p14:sldIdLst>
         </p14:section>
         <p14:section name="アカウント画面" id="{BCFD2CCE-A018-4A8B-A82F-A99A4AFB5B02}">
           <p14:sldIdLst>
-            <p14:sldId id="289"/>
+            <p14:sldId id="312"/>
           </p14:sldIdLst>
         </p14:section>
         <p14:section name="グループ画面" id="{67AC0456-16C1-49E5-A367-6273AA406CB2}">
@@ -170,6 +169,7 @@
             <p14:sldId id="294"/>
             <p14:sldId id="297"/>
             <p14:sldId id="291"/>
+            <p14:sldId id="311"/>
           </p14:sldIdLst>
         </p14:section>
         <p14:section name="完了画面" id="{680B505C-613E-4EE5-A37D-CDB4F16ED553}">
@@ -685,7 +685,7 @@
     </p:spTree>
     <p:extLst>
       <p:ext uri="{BB962C8B-B14F-4D97-AF65-F5344CB8AC3E}">
-        <p14:creationId xmlns:p14="http://schemas.microsoft.com/office/powerpoint/2010/main" val="1683744640"/>
+        <p14:creationId xmlns:p14="http://schemas.microsoft.com/office/powerpoint/2010/main" val="767333029"/>
       </p:ext>
     </p:extLst>
   </p:cSld>
@@ -1876,8 +1876,21 @@
           <a:p>
             <a:r>
               <a:rPr kumimoji="1" lang="ja-JP" altLang="en-US" dirty="0"/>
-              <a:t>新規登録画面</a:t>
-            </a:r>
+              <a:t>アカウント画面</a:t>
+            </a:r>
+            <a:endParaRPr kumimoji="1" lang="en-US" altLang="ja-JP" dirty="0"/>
+          </a:p>
+          <a:p>
+            <a:r>
+              <a:rPr kumimoji="1" lang="ja-JP" altLang="en-US" dirty="0"/>
+              <a:t>アカウント情報が表示され、変更、登録ができる。</a:t>
+            </a:r>
+            <a:endParaRPr kumimoji="1" lang="en-US" altLang="ja-JP" dirty="0"/>
+          </a:p>
+          <a:p>
+            <a:endParaRPr kumimoji="1" lang="en-US" altLang="ja-JP" dirty="0"/>
+          </a:p>
+          <a:p>
             <a:endParaRPr kumimoji="1" lang="en-US" altLang="ja-JP" dirty="0"/>
           </a:p>
         </p:txBody>
@@ -1908,7 +1921,7 @@
     </p:spTree>
     <p:extLst>
       <p:ext uri="{BB962C8B-B14F-4D97-AF65-F5344CB8AC3E}">
-        <p14:creationId xmlns:p14="http://schemas.microsoft.com/office/powerpoint/2010/main" val="1683744640"/>
+        <p14:creationId xmlns:p14="http://schemas.microsoft.com/office/powerpoint/2010/main" val="105353868"/>
       </p:ext>
     </p:extLst>
   </p:cSld>
@@ -2760,22 +2773,8 @@
           <a:p>
             <a:r>
               <a:rPr kumimoji="1" lang="ja-JP" altLang="en-US" dirty="0"/>
-              <a:t>アカウント画面</a:t>
-            </a:r>
-            <a:endParaRPr kumimoji="1" lang="en-US" altLang="ja-JP" dirty="0"/>
-          </a:p>
-          <a:p>
-            <a:r>
-              <a:rPr kumimoji="1" lang="ja-JP" altLang="en-US" dirty="0"/>
-              <a:t>アカウント情報が表示され、変更、登録ができる。</a:t>
-            </a:r>
-            <a:endParaRPr kumimoji="1" lang="en-US" altLang="ja-JP" dirty="0"/>
-          </a:p>
-          <a:p>
-            <a:endParaRPr kumimoji="1" lang="en-US" altLang="ja-JP" dirty="0"/>
-          </a:p>
-          <a:p>
-            <a:endParaRPr kumimoji="1" lang="en-US" altLang="ja-JP" dirty="0"/>
+              <a:t>書くグループのアイコンは写真を挿入できる</a:t>
+            </a:r>
           </a:p>
         </p:txBody>
       </p:sp>
@@ -2794,7 +2793,7 @@
           <a:bodyPr/>
           <a:lstStyle/>
           <a:p>
-            <a:fld id="{2065F3AF-433A-438B-9EB1-8B8EFDF3B785}" type="slidenum">
+            <a:fld id="{C3A6A18F-9FD0-49ED-95E1-7FCA88DBA657}" type="slidenum">
               <a:rPr kumimoji="1" lang="ja-JP" altLang="en-US" smtClean="0"/>
               <a:t>6</a:t>
             </a:fld>
@@ -2805,7 +2804,7 @@
     </p:spTree>
     <p:extLst>
       <p:ext uri="{BB962C8B-B14F-4D97-AF65-F5344CB8AC3E}">
-        <p14:creationId xmlns:p14="http://schemas.microsoft.com/office/powerpoint/2010/main" val="42163832"/>
+        <p14:creationId xmlns:p14="http://schemas.microsoft.com/office/powerpoint/2010/main" val="348200842"/>
       </p:ext>
     </p:extLst>
   </p:cSld>
@@ -2861,7 +2860,7 @@
           <a:p>
             <a:r>
               <a:rPr kumimoji="1" lang="ja-JP" altLang="en-US" dirty="0"/>
-              <a:t>書くグループのアイコンは写真を挿入できる</a:t>
+              <a:t>アカウントにイメージ画像を挿入できる。</a:t>
             </a:r>
           </a:p>
         </p:txBody>
@@ -2892,7 +2891,7 @@
     </p:spTree>
     <p:extLst>
       <p:ext uri="{BB962C8B-B14F-4D97-AF65-F5344CB8AC3E}">
-        <p14:creationId xmlns:p14="http://schemas.microsoft.com/office/powerpoint/2010/main" val="348200842"/>
+        <p14:creationId xmlns:p14="http://schemas.microsoft.com/office/powerpoint/2010/main" val="622883853"/>
       </p:ext>
     </p:extLst>
   </p:cSld>
@@ -2948,8 +2947,33 @@
           <a:p>
             <a:r>
               <a:rPr kumimoji="1" lang="ja-JP" altLang="en-US" dirty="0"/>
-              <a:t>アカウントにイメージ画像を挿入できる。</a:t>
-            </a:r>
+              <a:t>グループ詳細画面</a:t>
+            </a:r>
+            <a:br>
+              <a:rPr kumimoji="1" lang="en-US" altLang="ja-JP" dirty="0"/>
+            </a:br>
+            <a:r>
+              <a:rPr kumimoji="1" lang="ja-JP" altLang="en-US" dirty="0"/>
+              <a:t>メンバの設定</a:t>
+            </a:r>
+            <a:endParaRPr kumimoji="1" lang="en-US" altLang="ja-JP" dirty="0"/>
+          </a:p>
+          <a:p>
+            <a:endParaRPr kumimoji="1" lang="en-US" altLang="ja-JP" dirty="0"/>
+          </a:p>
+          <a:p>
+            <a:r>
+              <a:rPr kumimoji="1" lang="ja-JP" altLang="en-US" dirty="0"/>
+              <a:t>編集者マークは一度押したら消せない</a:t>
+            </a:r>
+            <a:endParaRPr kumimoji="1" lang="en-US" altLang="ja-JP" dirty="0"/>
+          </a:p>
+          <a:p>
+            <a:r>
+              <a:rPr kumimoji="1" lang="ja-JP" altLang="en-US" dirty="0"/>
+              <a:t>招待を送ったら新しい枠が表示される</a:t>
+            </a:r>
+            <a:endParaRPr kumimoji="1" lang="en-US" altLang="ja-JP" dirty="0"/>
           </a:p>
         </p:txBody>
       </p:sp>
@@ -2968,7 +2992,7 @@
           <a:bodyPr/>
           <a:lstStyle/>
           <a:p>
-            <a:fld id="{C3A6A18F-9FD0-49ED-95E1-7FCA88DBA657}" type="slidenum">
+            <a:fld id="{2065F3AF-433A-438B-9EB1-8B8EFDF3B785}" type="slidenum">
               <a:rPr kumimoji="1" lang="ja-JP" altLang="en-US" smtClean="0"/>
               <a:t>8</a:t>
             </a:fld>
@@ -2979,7 +3003,7 @@
     </p:spTree>
     <p:extLst>
       <p:ext uri="{BB962C8B-B14F-4D97-AF65-F5344CB8AC3E}">
-        <p14:creationId xmlns:p14="http://schemas.microsoft.com/office/powerpoint/2010/main" val="622883853"/>
+        <p14:creationId xmlns:p14="http://schemas.microsoft.com/office/powerpoint/2010/main" val="1310777300"/>
       </p:ext>
     </p:extLst>
   </p:cSld>
@@ -3091,7 +3115,7 @@
     </p:spTree>
     <p:extLst>
       <p:ext uri="{BB962C8B-B14F-4D97-AF65-F5344CB8AC3E}">
-        <p14:creationId xmlns:p14="http://schemas.microsoft.com/office/powerpoint/2010/main" val="1310777300"/>
+        <p14:creationId xmlns:p14="http://schemas.microsoft.com/office/powerpoint/2010/main" val="1515033814"/>
       </p:ext>
     </p:extLst>
   </p:cSld>
@@ -7252,7 +7276,7 @@
 </file>
 
 <file path=ppt/slides/slide10.xml><?xml version="1.0" encoding="utf-8"?>
-<p:sld xmlns:a="http://schemas.openxmlformats.org/drawingml/2006/main" xmlns:r="http://schemas.openxmlformats.org/officeDocument/2006/relationships" xmlns:p="http://schemas.openxmlformats.org/presentationml/2006/main">
+<p:sld xmlns:a="http://schemas.openxmlformats.org/drawingml/2006/main" xmlns:r="http://schemas.openxmlformats.org/officeDocument/2006/relationships" xmlns:p="http://schemas.openxmlformats.org/presentationml/2006/main" show="0">
   <p:cSld>
     <p:spTree>
       <p:nvGrpSpPr>
@@ -9861,7 +9885,7 @@
         <p:spPr>
           <a:xfrm>
             <a:off x="5455034" y="4350252"/>
-            <a:ext cx="1295899" cy="400110"/>
+            <a:ext cx="1506486" cy="400110"/>
           </a:xfrm>
           <a:prstGeom prst="rect">
             <a:avLst/>
@@ -9879,8 +9903,8 @@
                 <a:solidFill>
                   <a:srgbClr val="001746"/>
                 </a:solidFill>
-                <a:latin typeface="Kristen ITC" panose="03050502040202030202" pitchFamily="66" charset="0"/>
-                <a:ea typeface="UD デジタル 教科書体 NP-B" panose="02020700000000000000" pitchFamily="18" charset="-128"/>
+                <a:latin typeface="UD デジタル 教科書体 NK-B" panose="02020700000000000000" pitchFamily="18" charset="-128"/>
+                <a:ea typeface="UD デジタル 教科書体 NK-B" panose="02020700000000000000" pitchFamily="18" charset="-128"/>
               </a:rPr>
               <a:t>Welcom</a:t>
             </a:r>
@@ -9889,8 +9913,8 @@
                 <a:solidFill>
                   <a:srgbClr val="001746"/>
                 </a:solidFill>
-                <a:latin typeface="Kristen ITC" panose="03050502040202030202" pitchFamily="66" charset="0"/>
-                <a:ea typeface="UD デジタル 教科書体 NP-B" panose="02020700000000000000" pitchFamily="18" charset="-128"/>
+                <a:latin typeface="UD デジタル 教科書体 NK-B" panose="02020700000000000000" pitchFamily="18" charset="-128"/>
+                <a:ea typeface="UD デジタル 教科書体 NK-B" panose="02020700000000000000" pitchFamily="18" charset="-128"/>
               </a:rPr>
               <a:t>!!</a:t>
             </a:r>
@@ -9898,8 +9922,8 @@
               <a:solidFill>
                 <a:srgbClr val="001746"/>
               </a:solidFill>
-              <a:latin typeface="Kristen ITC" panose="03050502040202030202" pitchFamily="66" charset="0"/>
-              <a:ea typeface="UD デジタル 教科書体 NP-B" panose="02020700000000000000" pitchFamily="18" charset="-128"/>
+              <a:latin typeface="UD デジタル 教科書体 NK-B" panose="02020700000000000000" pitchFamily="18" charset="-128"/>
+              <a:ea typeface="UD デジタル 教科書体 NK-B" panose="02020700000000000000" pitchFamily="18" charset="-128"/>
             </a:endParaRPr>
           </a:p>
         </p:txBody>
@@ -46451,11 +46475,13 @@
         </p:nvSpPr>
         <p:spPr>
           <a:xfrm>
-            <a:off x="2298289" y="1772561"/>
-            <a:ext cx="7960833" cy="4201163"/>
+            <a:off x="2298289" y="1582992"/>
+            <a:ext cx="7960833" cy="4699821"/>
           </a:xfrm>
           <a:prstGeom prst="roundRect">
-            <a:avLst/>
+            <a:avLst>
+              <a:gd name="adj" fmla="val 11680"/>
+            </a:avLst>
           </a:prstGeom>
           <a:solidFill>
             <a:srgbClr val="EA7B6B"/>
@@ -46503,7 +46529,7 @@
         </p:nvSpPr>
         <p:spPr>
           <a:xfrm>
-            <a:off x="3764771" y="1893375"/>
+            <a:off x="3774739" y="1695063"/>
             <a:ext cx="4651914" cy="369332"/>
           </a:xfrm>
           <a:prstGeom prst="rect">
@@ -46564,7 +46590,7 @@
         </p:nvSpPr>
         <p:spPr>
           <a:xfrm>
-            <a:off x="3764771" y="2830444"/>
+            <a:off x="3770043" y="2597273"/>
             <a:ext cx="4651914" cy="369332"/>
           </a:xfrm>
           <a:prstGeom prst="rect">
@@ -46615,7 +46641,7 @@
         </p:nvSpPr>
         <p:spPr>
           <a:xfrm>
-            <a:off x="4053787" y="2262707"/>
+            <a:off x="4063755" y="2064395"/>
             <a:ext cx="4084425" cy="464540"/>
           </a:xfrm>
           <a:prstGeom prst="roundRect">
@@ -46624,7 +46650,7 @@
             </a:avLst>
           </a:prstGeom>
           <a:solidFill>
-            <a:srgbClr val="F5F5F5"/>
+            <a:schemeClr val="bg1"/>
           </a:solidFill>
           <a:ln>
             <a:noFill/>
@@ -46681,7 +46707,7 @@
         </p:nvSpPr>
         <p:spPr>
           <a:xfrm>
-            <a:off x="4053788" y="3261534"/>
+            <a:off x="4063756" y="2980248"/>
             <a:ext cx="4084424" cy="464540"/>
           </a:xfrm>
           <a:prstGeom prst="roundRect">
@@ -46690,7 +46716,7 @@
             </a:avLst>
           </a:prstGeom>
           <a:solidFill>
-            <a:srgbClr val="F5F5F5"/>
+            <a:schemeClr val="bg1"/>
           </a:solidFill>
           <a:ln>
             <a:noFill/>
@@ -46747,7 +46773,7 @@
         </p:nvSpPr>
         <p:spPr>
           <a:xfrm>
-            <a:off x="4088136" y="4389347"/>
+            <a:off x="4093408" y="4952158"/>
             <a:ext cx="4054772" cy="464540"/>
           </a:xfrm>
           <a:prstGeom prst="roundRect">
@@ -46756,7 +46782,7 @@
             </a:avLst>
           </a:prstGeom>
           <a:solidFill>
-            <a:srgbClr val="F5F5F5"/>
+            <a:schemeClr val="bg1"/>
           </a:solidFill>
           <a:ln>
             <a:noFill/>
@@ -46813,7 +46839,7 @@
         </p:nvSpPr>
         <p:spPr>
           <a:xfrm>
-            <a:off x="3764771" y="3899108"/>
+            <a:off x="3770043" y="4558240"/>
             <a:ext cx="4651914" cy="369332"/>
           </a:xfrm>
           <a:prstGeom prst="rect">
@@ -46864,7 +46890,7 @@
         </p:nvSpPr>
         <p:spPr>
           <a:xfrm>
-            <a:off x="5128639" y="5242422"/>
+            <a:off x="5119084" y="5586719"/>
             <a:ext cx="1973765" cy="486842"/>
           </a:xfrm>
           <a:prstGeom prst="roundRect">
@@ -46914,10 +46940,125 @@
           </a:p>
         </p:txBody>
       </p:sp>
+      <p:sp>
+        <p:nvSpPr>
+          <p:cNvPr id="2" name="テキスト ボックス 1">
+            <a:extLst>
+              <a:ext uri="{FF2B5EF4-FFF2-40B4-BE49-F238E27FC236}">
+                <a16:creationId xmlns:a16="http://schemas.microsoft.com/office/drawing/2014/main" id="{1E803AB4-F852-AB40-41DF-63552B0DED17}"/>
+              </a:ext>
+            </a:extLst>
+          </p:cNvPr>
+          <p:cNvSpPr txBox="1"/>
+          <p:nvPr/>
+        </p:nvSpPr>
+        <p:spPr>
+          <a:xfrm>
+            <a:off x="5227188" y="3543216"/>
+            <a:ext cx="1737622" cy="369332"/>
+          </a:xfrm>
+          <a:prstGeom prst="rect">
+            <a:avLst/>
+          </a:prstGeom>
+          <a:noFill/>
+        </p:spPr>
+        <p:txBody>
+          <a:bodyPr wrap="square" rtlCol="0">
+            <a:spAutoFit/>
+          </a:bodyPr>
+          <a:lstStyle/>
+          <a:p>
+            <a:pPr algn="ctr"/>
+            <a:r>
+              <a:rPr lang="en-US" altLang="ja-JP" dirty="0">
+                <a:solidFill>
+                  <a:schemeClr val="bg1"/>
+                </a:solidFill>
+                <a:latin typeface="Kristen ITC" panose="03050502040202030202" pitchFamily="66" charset="0"/>
+                <a:ea typeface="UD デジタル 教科書体 NP-B" panose="02020700000000000000" pitchFamily="18" charset="-128"/>
+              </a:rPr>
+              <a:t>Password</a:t>
+            </a:r>
+            <a:endParaRPr kumimoji="1" lang="ja-JP" altLang="en-US" dirty="0">
+              <a:solidFill>
+                <a:schemeClr val="bg1"/>
+              </a:solidFill>
+              <a:latin typeface="Kristen ITC" panose="03050502040202030202" pitchFamily="66" charset="0"/>
+              <a:ea typeface="UD デジタル 教科書体 NP-B" panose="02020700000000000000" pitchFamily="18" charset="-128"/>
+            </a:endParaRPr>
+          </a:p>
+        </p:txBody>
+      </p:sp>
+      <p:sp>
+        <p:nvSpPr>
+          <p:cNvPr id="3" name="四角形: 角を丸くする 2">
+            <a:extLst>
+              <a:ext uri="{FF2B5EF4-FFF2-40B4-BE49-F238E27FC236}">
+                <a16:creationId xmlns:a16="http://schemas.microsoft.com/office/drawing/2014/main" id="{0AFA98A8-F945-556E-DE87-B61CF64310B3}"/>
+              </a:ext>
+            </a:extLst>
+          </p:cNvPr>
+          <p:cNvSpPr/>
+          <p:nvPr/>
+        </p:nvSpPr>
+        <p:spPr>
+          <a:xfrm>
+            <a:off x="4093408" y="3957763"/>
+            <a:ext cx="4054772" cy="464540"/>
+          </a:xfrm>
+          <a:prstGeom prst="roundRect">
+            <a:avLst>
+              <a:gd name="adj" fmla="val 50000"/>
+            </a:avLst>
+          </a:prstGeom>
+          <a:solidFill>
+            <a:schemeClr val="bg1"/>
+          </a:solidFill>
+          <a:ln>
+            <a:noFill/>
+          </a:ln>
+        </p:spPr>
+        <p:style>
+          <a:lnRef idx="2">
+            <a:schemeClr val="accent1">
+              <a:shade val="15000"/>
+            </a:schemeClr>
+          </a:lnRef>
+          <a:fillRef idx="1">
+            <a:schemeClr val="accent1"/>
+          </a:fillRef>
+          <a:effectRef idx="0">
+            <a:schemeClr val="accent1"/>
+          </a:effectRef>
+          <a:fontRef idx="minor">
+            <a:schemeClr val="lt1"/>
+          </a:fontRef>
+        </p:style>
+        <p:txBody>
+          <a:bodyPr rtlCol="0" anchor="ctr"/>
+          <a:lstStyle/>
+          <a:p>
+            <a:pPr algn="ctr"/>
+            <a:r>
+              <a:rPr lang="en-US" altLang="ja-JP" dirty="0" err="1">
+                <a:solidFill>
+                  <a:srgbClr val="001746"/>
+                </a:solidFill>
+              </a:rPr>
+              <a:t>paraparachahan</a:t>
+            </a:r>
+            <a:endParaRPr kumimoji="1" lang="ja-JP" altLang="en-US" dirty="0">
+              <a:solidFill>
+                <a:srgbClr val="001746"/>
+              </a:solidFill>
+            </a:endParaRPr>
+          </a:p>
+        </p:txBody>
+      </p:sp>
     </p:spTree>
     <p:extLst>
       <p:ext uri="{BB962C8B-B14F-4D97-AF65-F5344CB8AC3E}">
-        <p14:creationId xmlns:p14="http://schemas.microsoft.com/office/powerpoint/2010/main" val="622758403"/>
+        <p14:creationId xmlns:p14="http://schemas.microsoft.com/office/powerpoint/2010/main" val="3287542588"/>
       </p:ext>
     </p:extLst>
   </p:cSld>
@@ -47377,14 +47518,14 @@
         </p:nvSpPr>
         <p:spPr>
           <a:xfrm>
-            <a:off x="2110310" y="2803569"/>
-            <a:ext cx="7960833" cy="2239004"/>
+            <a:off x="2298289" y="1538450"/>
+            <a:ext cx="7960833" cy="4803355"/>
           </a:xfrm>
           <a:prstGeom prst="roundRect">
             <a:avLst/>
           </a:prstGeom>
           <a:solidFill>
-            <a:srgbClr val="EA7B6B"/>
+            <a:srgbClr val="F9E799"/>
           </a:solidFill>
           <a:ln>
             <a:noFill/>
@@ -47429,14 +47570,14 @@
         </p:nvSpPr>
         <p:spPr>
           <a:xfrm>
-            <a:off x="3764771" y="2940505"/>
-            <a:ext cx="4651914" cy="461665"/>
+            <a:off x="3764771" y="1535338"/>
+            <a:ext cx="4651914" cy="338554"/>
           </a:xfrm>
           <a:prstGeom prst="rect">
             <a:avLst/>
           </a:prstGeom>
           <a:solidFill>
-            <a:srgbClr val="EA7B6B"/>
+            <a:srgbClr val="F9E799"/>
           </a:solidFill>
         </p:spPr>
         <p:txBody>
@@ -47447,18 +47588,130 @@
           <a:p>
             <a:pPr algn="ctr"/>
             <a:r>
-              <a:rPr lang="en-US" altLang="ja-JP" sz="2400" dirty="0">
+              <a:rPr lang="en-US" altLang="ja-JP" sz="1600" dirty="0">
                 <a:solidFill>
-                  <a:schemeClr val="bg1"/>
+                  <a:srgbClr val="001746"/>
+                </a:solidFill>
+                <a:latin typeface="Kristen ITC" panose="03050502040202030202" pitchFamily="66" charset="0"/>
+                <a:ea typeface="UD デジタル 教科書体 NP-B" panose="02020700000000000000" pitchFamily="18" charset="-128"/>
+              </a:rPr>
+              <a:t>U</a:t>
+            </a:r>
+            <a:r>
+              <a:rPr kumimoji="1" lang="en-US" altLang="ja-JP" sz="1600" dirty="0">
+                <a:solidFill>
+                  <a:srgbClr val="001746"/>
+                </a:solidFill>
+                <a:latin typeface="Kristen ITC" panose="03050502040202030202" pitchFamily="66" charset="0"/>
+                <a:ea typeface="UD デジタル 教科書体 NP-B" panose="02020700000000000000" pitchFamily="18" charset="-128"/>
+              </a:rPr>
+              <a:t>ser ID</a:t>
+            </a:r>
+            <a:endParaRPr kumimoji="1" lang="ja-JP" altLang="en-US" sz="1600" dirty="0">
+              <a:solidFill>
+                <a:srgbClr val="001746"/>
+              </a:solidFill>
+              <a:latin typeface="Kristen ITC" panose="03050502040202030202" pitchFamily="66" charset="0"/>
+              <a:ea typeface="UD デジタル 教科書体 NP-B" panose="02020700000000000000" pitchFamily="18" charset="-128"/>
+            </a:endParaRPr>
+          </a:p>
+        </p:txBody>
+      </p:sp>
+      <p:sp>
+        <p:nvSpPr>
+          <p:cNvPr id="19" name="テキスト ボックス 18">
+            <a:extLst>
+              <a:ext uri="{FF2B5EF4-FFF2-40B4-BE49-F238E27FC236}">
+                <a16:creationId xmlns:a16="http://schemas.microsoft.com/office/drawing/2014/main" id="{ADE8B062-11AF-3F71-5A5F-79E5D06AD258}"/>
+              </a:ext>
+            </a:extLst>
+          </p:cNvPr>
+          <p:cNvSpPr txBox="1"/>
+          <p:nvPr/>
+        </p:nvSpPr>
+        <p:spPr>
+          <a:xfrm>
+            <a:off x="3764771" y="2334755"/>
+            <a:ext cx="4651914" cy="338554"/>
+          </a:xfrm>
+          <a:prstGeom prst="rect">
+            <a:avLst/>
+          </a:prstGeom>
+          <a:solidFill>
+            <a:srgbClr val="F9E799"/>
+          </a:solidFill>
+        </p:spPr>
+        <p:txBody>
+          <a:bodyPr wrap="square" rtlCol="0">
+            <a:spAutoFit/>
+          </a:bodyPr>
+          <a:lstStyle/>
+          <a:p>
+            <a:pPr algn="ctr"/>
+            <a:r>
+              <a:rPr kumimoji="1" lang="en-US" altLang="ja-JP" sz="1600" dirty="0">
+                <a:solidFill>
+                  <a:srgbClr val="001746"/>
+                </a:solidFill>
+                <a:latin typeface="Kristen ITC" panose="03050502040202030202" pitchFamily="66" charset="0"/>
+                <a:ea typeface="UD デジタル 教科書体 NP-B" panose="02020700000000000000" pitchFamily="18" charset="-128"/>
+              </a:rPr>
+              <a:t>Mail</a:t>
+            </a:r>
+            <a:endParaRPr kumimoji="1" lang="ja-JP" altLang="en-US" sz="1600" dirty="0">
+              <a:solidFill>
+                <a:srgbClr val="001746"/>
+              </a:solidFill>
+              <a:latin typeface="Kristen ITC" panose="03050502040202030202" pitchFamily="66" charset="0"/>
+              <a:ea typeface="UD デジタル 教科書体 NP-B" panose="02020700000000000000" pitchFamily="18" charset="-128"/>
+            </a:endParaRPr>
+          </a:p>
+        </p:txBody>
+      </p:sp>
+      <p:sp>
+        <p:nvSpPr>
+          <p:cNvPr id="24" name="テキスト ボックス 23">
+            <a:extLst>
+              <a:ext uri="{FF2B5EF4-FFF2-40B4-BE49-F238E27FC236}">
+                <a16:creationId xmlns:a16="http://schemas.microsoft.com/office/drawing/2014/main" id="{44013065-A6B2-1804-0697-9FCDDA6ECCCF}"/>
+              </a:ext>
+            </a:extLst>
+          </p:cNvPr>
+          <p:cNvSpPr txBox="1"/>
+          <p:nvPr/>
+        </p:nvSpPr>
+        <p:spPr>
+          <a:xfrm>
+            <a:off x="3764771" y="3151553"/>
+            <a:ext cx="4651914" cy="338554"/>
+          </a:xfrm>
+          <a:prstGeom prst="rect">
+            <a:avLst/>
+          </a:prstGeom>
+          <a:solidFill>
+            <a:srgbClr val="F9E799"/>
+          </a:solidFill>
+        </p:spPr>
+        <p:txBody>
+          <a:bodyPr wrap="square" rtlCol="0">
+            <a:spAutoFit/>
+          </a:bodyPr>
+          <a:lstStyle/>
+          <a:p>
+            <a:pPr algn="ctr"/>
+            <a:r>
+              <a:rPr lang="en-US" altLang="ja-JP" sz="1600" dirty="0">
+                <a:solidFill>
+                  <a:srgbClr val="001746"/>
                 </a:solidFill>
                 <a:latin typeface="Kristen ITC" panose="03050502040202030202" pitchFamily="66" charset="0"/>
                 <a:ea typeface="UD デジタル 教科書体 NP-B" panose="02020700000000000000" pitchFamily="18" charset="-128"/>
               </a:rPr>
               <a:t>Password</a:t>
             </a:r>
-            <a:endParaRPr kumimoji="1" lang="ja-JP" altLang="en-US" sz="2400" dirty="0">
+            <a:endParaRPr kumimoji="1" lang="ja-JP" altLang="en-US" sz="1600" dirty="0">
               <a:solidFill>
-                <a:schemeClr val="bg1"/>
+                <a:srgbClr val="001746"/>
               </a:solidFill>
               <a:latin typeface="Kristen ITC" panose="03050502040202030202" pitchFamily="66" charset="0"/>
               <a:ea typeface="UD デジタル 教科書体 NP-B" panose="02020700000000000000" pitchFamily="18" charset="-128"/>
@@ -47480,8 +47733,8 @@
         </p:nvSpPr>
         <p:spPr>
           <a:xfrm>
-            <a:off x="4297788" y="3524551"/>
-            <a:ext cx="3585878" cy="535025"/>
+            <a:off x="4440363" y="1910838"/>
+            <a:ext cx="3311273" cy="385956"/>
           </a:xfrm>
           <a:prstGeom prst="roundRect">
             <a:avLst>
@@ -47489,7 +47742,7 @@
             </a:avLst>
           </a:prstGeom>
           <a:solidFill>
-            <a:srgbClr val="F5F5F5"/>
+            <a:schemeClr val="bg1"/>
           </a:solidFill>
           <a:ln>
             <a:noFill/>
@@ -47534,10 +47787,10 @@
       </p:sp>
       <p:sp>
         <p:nvSpPr>
-          <p:cNvPr id="36" name="四角形: 角を丸くする 35">
-            <a:extLst>
-              <a:ext uri="{FF2B5EF4-FFF2-40B4-BE49-F238E27FC236}">
-                <a16:creationId xmlns:a16="http://schemas.microsoft.com/office/drawing/2014/main" id="{14C5C34A-F129-4578-EB0C-8F357383BFA0}"/>
+          <p:cNvPr id="32" name="四角形: 角を丸くする 31">
+            <a:extLst>
+              <a:ext uri="{FF2B5EF4-FFF2-40B4-BE49-F238E27FC236}">
+                <a16:creationId xmlns:a16="http://schemas.microsoft.com/office/drawing/2014/main" id="{ABF9D0DD-63D6-3555-DAC0-C38C9276558C}"/>
               </a:ext>
             </a:extLst>
           </p:cNvPr>
@@ -47546,8 +47799,8 @@
         </p:nvSpPr>
         <p:spPr>
           <a:xfrm>
-            <a:off x="5103845" y="4246161"/>
-            <a:ext cx="1973765" cy="560711"/>
+            <a:off x="4440364" y="2693357"/>
+            <a:ext cx="3311272" cy="385956"/>
           </a:xfrm>
           <a:prstGeom prst="roundRect">
             <a:avLst>
@@ -47555,7 +47808,7 @@
             </a:avLst>
           </a:prstGeom>
           <a:solidFill>
-            <a:srgbClr val="001746"/>
+            <a:schemeClr val="bg1"/>
           </a:solidFill>
           <a:ln>
             <a:noFill/>
@@ -47584,6 +47837,255 @@
             <a:pPr algn="ctr"/>
             <a:r>
               <a:rPr kumimoji="1" lang="en-US" altLang="ja-JP" dirty="0">
+                <a:solidFill>
+                  <a:srgbClr val="001746"/>
+                </a:solidFill>
+              </a:rPr>
+              <a:t>parapara@chahan.jp</a:t>
+            </a:r>
+            <a:endParaRPr kumimoji="1" lang="ja-JP" altLang="en-US" dirty="0">
+              <a:solidFill>
+                <a:srgbClr val="001746"/>
+              </a:solidFill>
+            </a:endParaRPr>
+          </a:p>
+        </p:txBody>
+      </p:sp>
+      <p:sp>
+        <p:nvSpPr>
+          <p:cNvPr id="33" name="四角形: 角を丸くする 32">
+            <a:extLst>
+              <a:ext uri="{FF2B5EF4-FFF2-40B4-BE49-F238E27FC236}">
+                <a16:creationId xmlns:a16="http://schemas.microsoft.com/office/drawing/2014/main" id="{EE3DD710-E014-5098-B71E-45198EE0964A}"/>
+              </a:ext>
+            </a:extLst>
+          </p:cNvPr>
+          <p:cNvSpPr/>
+          <p:nvPr/>
+        </p:nvSpPr>
+        <p:spPr>
+          <a:xfrm>
+            <a:off x="4474712" y="3502112"/>
+            <a:ext cx="3287233" cy="385956"/>
+          </a:xfrm>
+          <a:prstGeom prst="roundRect">
+            <a:avLst>
+              <a:gd name="adj" fmla="val 50000"/>
+            </a:avLst>
+          </a:prstGeom>
+          <a:solidFill>
+            <a:schemeClr val="bg1"/>
+          </a:solidFill>
+          <a:ln>
+            <a:noFill/>
+          </a:ln>
+        </p:spPr>
+        <p:style>
+          <a:lnRef idx="2">
+            <a:schemeClr val="accent1">
+              <a:shade val="15000"/>
+            </a:schemeClr>
+          </a:lnRef>
+          <a:fillRef idx="1">
+            <a:schemeClr val="accent1"/>
+          </a:fillRef>
+          <a:effectRef idx="0">
+            <a:schemeClr val="accent1"/>
+          </a:effectRef>
+          <a:fontRef idx="minor">
+            <a:schemeClr val="lt1"/>
+          </a:fontRef>
+        </p:style>
+        <p:txBody>
+          <a:bodyPr rtlCol="0" anchor="ctr"/>
+          <a:lstStyle/>
+          <a:p>
+            <a:pPr algn="ctr"/>
+            <a:r>
+              <a:rPr lang="ja-JP" altLang="en-US" dirty="0">
+                <a:solidFill>
+                  <a:srgbClr val="001746"/>
+                </a:solidFill>
+              </a:rPr>
+              <a:t>●●●●</a:t>
+            </a:r>
+            <a:endParaRPr kumimoji="1" lang="ja-JP" altLang="en-US" dirty="0">
+              <a:solidFill>
+                <a:srgbClr val="001746"/>
+              </a:solidFill>
+            </a:endParaRPr>
+          </a:p>
+        </p:txBody>
+      </p:sp>
+      <p:sp>
+        <p:nvSpPr>
+          <p:cNvPr id="34" name="四角形: 角を丸くする 33">
+            <a:extLst>
+              <a:ext uri="{FF2B5EF4-FFF2-40B4-BE49-F238E27FC236}">
+                <a16:creationId xmlns:a16="http://schemas.microsoft.com/office/drawing/2014/main" id="{79C24ABA-E5C9-0018-034F-F8574C74B416}"/>
+              </a:ext>
+            </a:extLst>
+          </p:cNvPr>
+          <p:cNvSpPr/>
+          <p:nvPr/>
+        </p:nvSpPr>
+        <p:spPr>
+          <a:xfrm>
+            <a:off x="4474712" y="5084254"/>
+            <a:ext cx="3287233" cy="385956"/>
+          </a:xfrm>
+          <a:prstGeom prst="roundRect">
+            <a:avLst>
+              <a:gd name="adj" fmla="val 50000"/>
+            </a:avLst>
+          </a:prstGeom>
+          <a:solidFill>
+            <a:schemeClr val="bg1"/>
+          </a:solidFill>
+          <a:ln>
+            <a:noFill/>
+          </a:ln>
+        </p:spPr>
+        <p:style>
+          <a:lnRef idx="2">
+            <a:schemeClr val="accent1">
+              <a:shade val="15000"/>
+            </a:schemeClr>
+          </a:lnRef>
+          <a:fillRef idx="1">
+            <a:schemeClr val="accent1"/>
+          </a:fillRef>
+          <a:effectRef idx="0">
+            <a:schemeClr val="accent1"/>
+          </a:effectRef>
+          <a:fontRef idx="minor">
+            <a:schemeClr val="lt1"/>
+          </a:fontRef>
+        </p:style>
+        <p:txBody>
+          <a:bodyPr rtlCol="0" anchor="ctr"/>
+          <a:lstStyle/>
+          <a:p>
+            <a:pPr algn="ctr"/>
+            <a:r>
+              <a:rPr kumimoji="1" lang="en-US" altLang="ja-JP" dirty="0" err="1">
+                <a:solidFill>
+                  <a:srgbClr val="001746"/>
+                </a:solidFill>
+              </a:rPr>
+              <a:t>Parachan</a:t>
+            </a:r>
+            <a:endParaRPr kumimoji="1" lang="ja-JP" altLang="en-US" dirty="0">
+              <a:solidFill>
+                <a:srgbClr val="001746"/>
+              </a:solidFill>
+            </a:endParaRPr>
+          </a:p>
+        </p:txBody>
+      </p:sp>
+      <p:sp>
+        <p:nvSpPr>
+          <p:cNvPr id="35" name="テキスト ボックス 34">
+            <a:extLst>
+              <a:ext uri="{FF2B5EF4-FFF2-40B4-BE49-F238E27FC236}">
+                <a16:creationId xmlns:a16="http://schemas.microsoft.com/office/drawing/2014/main" id="{9AE8BEFB-A94E-C9E3-91D8-E7224B60661F}"/>
+              </a:ext>
+            </a:extLst>
+          </p:cNvPr>
+          <p:cNvSpPr txBox="1"/>
+          <p:nvPr/>
+        </p:nvSpPr>
+        <p:spPr>
+          <a:xfrm>
+            <a:off x="3764771" y="4696000"/>
+            <a:ext cx="4651914" cy="338554"/>
+          </a:xfrm>
+          <a:prstGeom prst="rect">
+            <a:avLst/>
+          </a:prstGeom>
+          <a:solidFill>
+            <a:srgbClr val="F9E799"/>
+          </a:solidFill>
+        </p:spPr>
+        <p:txBody>
+          <a:bodyPr wrap="square" rtlCol="0">
+            <a:spAutoFit/>
+          </a:bodyPr>
+          <a:lstStyle/>
+          <a:p>
+            <a:pPr algn="ctr"/>
+            <a:r>
+              <a:rPr kumimoji="1" lang="en-US" altLang="ja-JP" sz="1600" dirty="0">
+                <a:solidFill>
+                  <a:srgbClr val="001746"/>
+                </a:solidFill>
+                <a:latin typeface="Kristen ITC" panose="03050502040202030202" pitchFamily="66" charset="0"/>
+                <a:ea typeface="UD デジタル 教科書体 NP-B" panose="02020700000000000000" pitchFamily="18" charset="-128"/>
+              </a:rPr>
+              <a:t>Nickname</a:t>
+            </a:r>
+            <a:endParaRPr kumimoji="1" lang="ja-JP" altLang="en-US" sz="1600" dirty="0">
+              <a:solidFill>
+                <a:srgbClr val="001746"/>
+              </a:solidFill>
+              <a:latin typeface="Kristen ITC" panose="03050502040202030202" pitchFamily="66" charset="0"/>
+              <a:ea typeface="UD デジタル 教科書体 NP-B" panose="02020700000000000000" pitchFamily="18" charset="-128"/>
+            </a:endParaRPr>
+          </a:p>
+        </p:txBody>
+      </p:sp>
+      <p:sp>
+        <p:nvSpPr>
+          <p:cNvPr id="36" name="四角形: 角を丸くする 35">
+            <a:extLst>
+              <a:ext uri="{FF2B5EF4-FFF2-40B4-BE49-F238E27FC236}">
+                <a16:creationId xmlns:a16="http://schemas.microsoft.com/office/drawing/2014/main" id="{14C5C34A-F129-4578-EB0C-8F357383BFA0}"/>
+              </a:ext>
+            </a:extLst>
+          </p:cNvPr>
+          <p:cNvSpPr/>
+          <p:nvPr/>
+        </p:nvSpPr>
+        <p:spPr>
+          <a:xfrm>
+            <a:off x="5103845" y="5699942"/>
+            <a:ext cx="1973765" cy="486842"/>
+          </a:xfrm>
+          <a:prstGeom prst="roundRect">
+            <a:avLst>
+              <a:gd name="adj" fmla="val 50000"/>
+            </a:avLst>
+          </a:prstGeom>
+          <a:solidFill>
+            <a:srgbClr val="001746"/>
+          </a:solidFill>
+          <a:ln>
+            <a:noFill/>
+          </a:ln>
+        </p:spPr>
+        <p:style>
+          <a:lnRef idx="2">
+            <a:schemeClr val="accent1">
+              <a:shade val="15000"/>
+            </a:schemeClr>
+          </a:lnRef>
+          <a:fillRef idx="1">
+            <a:schemeClr val="accent1"/>
+          </a:fillRef>
+          <a:effectRef idx="0">
+            <a:schemeClr val="accent1"/>
+          </a:effectRef>
+          <a:fontRef idx="minor">
+            <a:schemeClr val="lt1"/>
+          </a:fontRef>
+        </p:style>
+        <p:txBody>
+          <a:bodyPr rtlCol="0" anchor="ctr"/>
+          <a:lstStyle/>
+          <a:p>
+            <a:pPr algn="ctr"/>
+            <a:r>
+              <a:rPr kumimoji="1" lang="en-US" altLang="ja-JP" dirty="0">
                 <a:latin typeface="UD デジタル 教科書体 NP-B" panose="02020700000000000000" pitchFamily="18" charset="-128"/>
                 <a:ea typeface="UD デジタル 教科書体 NP-B" panose="02020700000000000000" pitchFamily="18" charset="-128"/>
               </a:rPr>
@@ -47596,10 +48098,127 @@
           </a:p>
         </p:txBody>
       </p:sp>
+      <p:sp>
+        <p:nvSpPr>
+          <p:cNvPr id="2" name="テキスト ボックス 1">
+            <a:extLst>
+              <a:ext uri="{FF2B5EF4-FFF2-40B4-BE49-F238E27FC236}">
+                <a16:creationId xmlns:a16="http://schemas.microsoft.com/office/drawing/2014/main" id="{EE6BA040-91C8-1DDF-6982-96A4977CDCCF}"/>
+              </a:ext>
+            </a:extLst>
+          </p:cNvPr>
+          <p:cNvSpPr txBox="1"/>
+          <p:nvPr/>
+        </p:nvSpPr>
+        <p:spPr>
+          <a:xfrm>
+            <a:off x="3789564" y="3914902"/>
+            <a:ext cx="4651914" cy="338554"/>
+          </a:xfrm>
+          <a:prstGeom prst="rect">
+            <a:avLst/>
+          </a:prstGeom>
+          <a:solidFill>
+            <a:srgbClr val="F9E799"/>
+          </a:solidFill>
+        </p:spPr>
+        <p:txBody>
+          <a:bodyPr wrap="square" rtlCol="0">
+            <a:spAutoFit/>
+          </a:bodyPr>
+          <a:lstStyle/>
+          <a:p>
+            <a:pPr algn="ctr"/>
+            <a:r>
+              <a:rPr lang="en-US" altLang="ja-JP" sz="1600" dirty="0">
+                <a:solidFill>
+                  <a:srgbClr val="001746"/>
+                </a:solidFill>
+                <a:latin typeface="Kristen ITC" panose="03050502040202030202" pitchFamily="66" charset="0"/>
+                <a:ea typeface="UD デジタル 教科書体 NP-B" panose="02020700000000000000" pitchFamily="18" charset="-128"/>
+              </a:rPr>
+              <a:t>New Password</a:t>
+            </a:r>
+            <a:endParaRPr kumimoji="1" lang="ja-JP" altLang="en-US" sz="1600" dirty="0">
+              <a:solidFill>
+                <a:srgbClr val="001746"/>
+              </a:solidFill>
+              <a:latin typeface="Kristen ITC" panose="03050502040202030202" pitchFamily="66" charset="0"/>
+              <a:ea typeface="UD デジタル 教科書体 NP-B" panose="02020700000000000000" pitchFamily="18" charset="-128"/>
+            </a:endParaRPr>
+          </a:p>
+        </p:txBody>
+      </p:sp>
+      <p:sp>
+        <p:nvSpPr>
+          <p:cNvPr id="3" name="四角形: 角を丸くする 2">
+            <a:extLst>
+              <a:ext uri="{FF2B5EF4-FFF2-40B4-BE49-F238E27FC236}">
+                <a16:creationId xmlns:a16="http://schemas.microsoft.com/office/drawing/2014/main" id="{D58494F0-5D55-F985-4FB0-30DB4697EE74}"/>
+              </a:ext>
+            </a:extLst>
+          </p:cNvPr>
+          <p:cNvSpPr/>
+          <p:nvPr/>
+        </p:nvSpPr>
+        <p:spPr>
+          <a:xfrm>
+            <a:off x="4474712" y="4282329"/>
+            <a:ext cx="3287233" cy="385956"/>
+          </a:xfrm>
+          <a:prstGeom prst="roundRect">
+            <a:avLst>
+              <a:gd name="adj" fmla="val 50000"/>
+            </a:avLst>
+          </a:prstGeom>
+          <a:solidFill>
+            <a:schemeClr val="bg1"/>
+          </a:solidFill>
+          <a:ln>
+            <a:noFill/>
+          </a:ln>
+        </p:spPr>
+        <p:style>
+          <a:lnRef idx="2">
+            <a:schemeClr val="accent1">
+              <a:shade val="15000"/>
+            </a:schemeClr>
+          </a:lnRef>
+          <a:fillRef idx="1">
+            <a:schemeClr val="accent1"/>
+          </a:fillRef>
+          <a:effectRef idx="0">
+            <a:schemeClr val="accent1"/>
+          </a:effectRef>
+          <a:fontRef idx="minor">
+            <a:schemeClr val="lt1"/>
+          </a:fontRef>
+        </p:style>
+        <p:txBody>
+          <a:bodyPr rtlCol="0" anchor="ctr"/>
+          <a:lstStyle/>
+          <a:p>
+            <a:pPr algn="ctr"/>
+            <a:r>
+              <a:rPr lang="ja-JP" altLang="en-US" dirty="0">
+                <a:solidFill>
+                  <a:srgbClr val="001746"/>
+                </a:solidFill>
+              </a:rPr>
+              <a:t>●●●●</a:t>
+            </a:r>
+            <a:endParaRPr kumimoji="1" lang="ja-JP" altLang="en-US" dirty="0">
+              <a:solidFill>
+                <a:srgbClr val="001746"/>
+              </a:solidFill>
+            </a:endParaRPr>
+          </a:p>
+        </p:txBody>
+      </p:sp>
     </p:spTree>
     <p:extLst>
       <p:ext uri="{BB962C8B-B14F-4D97-AF65-F5344CB8AC3E}">
-        <p14:creationId xmlns:p14="http://schemas.microsoft.com/office/powerpoint/2010/main" val="625421945"/>
+        <p14:creationId xmlns:p14="http://schemas.microsoft.com/office/powerpoint/2010/main" val="2231663231"/>
       </p:ext>
     </p:extLst>
   </p:cSld>
@@ -47610,6 +48229,2183 @@
 </file>
 
 <file path=ppt/slides/slide6.xml><?xml version="1.0" encoding="utf-8"?>
+<p:sld xmlns:a="http://schemas.openxmlformats.org/drawingml/2006/main" xmlns:r="http://schemas.openxmlformats.org/officeDocument/2006/relationships" xmlns:p="http://schemas.openxmlformats.org/presentationml/2006/main">
+  <p:cSld>
+    <p:spTree>
+      <p:nvGrpSpPr>
+        <p:cNvPr id="1" name=""/>
+        <p:cNvGrpSpPr/>
+        <p:nvPr/>
+      </p:nvGrpSpPr>
+      <p:grpSpPr>
+        <a:xfrm>
+          <a:off x="0" y="0"/>
+          <a:ext cx="0" cy="0"/>
+          <a:chOff x="0" y="0"/>
+          <a:chExt cx="0" cy="0"/>
+        </a:xfrm>
+      </p:grpSpPr>
+      <p:sp>
+        <p:nvSpPr>
+          <p:cNvPr id="2" name="正方形/長方形 1">
+            <a:extLst>
+              <a:ext uri="{FF2B5EF4-FFF2-40B4-BE49-F238E27FC236}">
+                <a16:creationId xmlns:a16="http://schemas.microsoft.com/office/drawing/2014/main" id="{4EACDB33-D278-4E96-4B83-CB0DA0017812}"/>
+              </a:ext>
+            </a:extLst>
+          </p:cNvPr>
+          <p:cNvSpPr/>
+          <p:nvPr/>
+        </p:nvSpPr>
+        <p:spPr>
+          <a:xfrm>
+            <a:off x="0" y="0"/>
+            <a:ext cx="12192000" cy="1386348"/>
+          </a:xfrm>
+          <a:prstGeom prst="rect">
+            <a:avLst/>
+          </a:prstGeom>
+          <a:solidFill>
+            <a:srgbClr val="F5F5F5"/>
+          </a:solidFill>
+          <a:ln>
+            <a:noFill/>
+          </a:ln>
+        </p:spPr>
+        <p:style>
+          <a:lnRef idx="2">
+            <a:schemeClr val="accent1">
+              <a:shade val="15000"/>
+            </a:schemeClr>
+          </a:lnRef>
+          <a:fillRef idx="1">
+            <a:schemeClr val="accent1"/>
+          </a:fillRef>
+          <a:effectRef idx="0">
+            <a:schemeClr val="accent1"/>
+          </a:effectRef>
+          <a:fontRef idx="minor">
+            <a:schemeClr val="lt1"/>
+          </a:fontRef>
+        </p:style>
+        <p:txBody>
+          <a:bodyPr rtlCol="0" anchor="ctr"/>
+          <a:lstStyle/>
+          <a:p>
+            <a:pPr algn="ctr"/>
+            <a:endParaRPr kumimoji="1" lang="ja-JP" altLang="en-US"/>
+          </a:p>
+        </p:txBody>
+      </p:sp>
+      <p:pic>
+        <p:nvPicPr>
+          <p:cNvPr id="3" name="図 2" descr="ロゴ&#10;&#10;中程度の精度で自動的に生成された説明">
+            <a:extLst>
+              <a:ext uri="{FF2B5EF4-FFF2-40B4-BE49-F238E27FC236}">
+                <a16:creationId xmlns:a16="http://schemas.microsoft.com/office/drawing/2014/main" id="{90677610-C373-EFD4-017B-EAF5C0AA7686}"/>
+              </a:ext>
+            </a:extLst>
+          </p:cNvPr>
+          <p:cNvPicPr>
+            <a:picLocks noChangeAspect="1"/>
+          </p:cNvPicPr>
+          <p:nvPr/>
+        </p:nvPicPr>
+        <p:blipFill rotWithShape="1">
+          <a:blip r:embed="rId3">
+            <a:extLst>
+              <a:ext uri="{28A0092B-C50C-407E-A947-70E740481C1C}">
+                <a14:useLocalDpi xmlns:a14="http://schemas.microsoft.com/office/drawing/2010/main" val="0"/>
+              </a:ext>
+            </a:extLst>
+          </a:blip>
+          <a:srcRect l="14562" t="11298" b="30517"/>
+          <a:stretch/>
+        </p:blipFill>
+        <p:spPr>
+          <a:xfrm>
+            <a:off x="4826940" y="196644"/>
+            <a:ext cx="2538120" cy="1012723"/>
+          </a:xfrm>
+          <a:prstGeom prst="rect">
+            <a:avLst/>
+          </a:prstGeom>
+        </p:spPr>
+      </p:pic>
+      <p:grpSp>
+        <p:nvGrpSpPr>
+          <p:cNvPr id="4" name="グループ化 3">
+            <a:extLst>
+              <a:ext uri="{FF2B5EF4-FFF2-40B4-BE49-F238E27FC236}">
+                <a16:creationId xmlns:a16="http://schemas.microsoft.com/office/drawing/2014/main" id="{329BA7C7-A952-CC36-20BF-41CF8CC2B67C}"/>
+              </a:ext>
+            </a:extLst>
+          </p:cNvPr>
+          <p:cNvGrpSpPr/>
+          <p:nvPr/>
+        </p:nvGrpSpPr>
+        <p:grpSpPr>
+          <a:xfrm>
+            <a:off x="317581" y="277924"/>
+            <a:ext cx="924233" cy="1234235"/>
+            <a:chOff x="266781" y="196644"/>
+            <a:chExt cx="924233" cy="1234235"/>
+          </a:xfrm>
+        </p:grpSpPr>
+        <p:sp>
+          <p:nvSpPr>
+            <p:cNvPr id="5" name="フローチャート: 結合子 4">
+              <a:extLst>
+                <a:ext uri="{FF2B5EF4-FFF2-40B4-BE49-F238E27FC236}">
+                  <a16:creationId xmlns:a16="http://schemas.microsoft.com/office/drawing/2014/main" id="{47EE03C1-417B-88F6-FDC6-9C47B48C9432}"/>
+                </a:ext>
+              </a:extLst>
+            </p:cNvPr>
+            <p:cNvSpPr/>
+            <p:nvPr/>
+          </p:nvSpPr>
+          <p:spPr>
+            <a:xfrm>
+              <a:off x="266781" y="196644"/>
+              <a:ext cx="924233" cy="924233"/>
+            </a:xfrm>
+            <a:prstGeom prst="flowChartConnector">
+              <a:avLst/>
+            </a:prstGeom>
+            <a:noFill/>
+            <a:ln w="28575">
+              <a:solidFill>
+                <a:srgbClr val="EA7B6B"/>
+              </a:solidFill>
+            </a:ln>
+          </p:spPr>
+          <p:style>
+            <a:lnRef idx="2">
+              <a:schemeClr val="accent1">
+                <a:shade val="15000"/>
+              </a:schemeClr>
+            </a:lnRef>
+            <a:fillRef idx="1">
+              <a:schemeClr val="accent1"/>
+            </a:fillRef>
+            <a:effectRef idx="0">
+              <a:schemeClr val="accent1"/>
+            </a:effectRef>
+            <a:fontRef idx="minor">
+              <a:schemeClr val="lt1"/>
+            </a:fontRef>
+          </p:style>
+          <p:txBody>
+            <a:bodyPr rtlCol="0" anchor="ctr"/>
+            <a:lstStyle/>
+            <a:p>
+              <a:pPr algn="ctr"/>
+              <a:endParaRPr kumimoji="1" lang="ja-JP" altLang="en-US"/>
+            </a:p>
+          </p:txBody>
+        </p:sp>
+        <p:sp>
+          <p:nvSpPr>
+            <p:cNvPr id="6" name="フローチャート: 結合子 5">
+              <a:extLst>
+                <a:ext uri="{FF2B5EF4-FFF2-40B4-BE49-F238E27FC236}">
+                  <a16:creationId xmlns:a16="http://schemas.microsoft.com/office/drawing/2014/main" id="{2B1C132E-FFE0-8F97-83E9-F824738228FA}"/>
+                </a:ext>
+              </a:extLst>
+            </p:cNvPr>
+            <p:cNvSpPr/>
+            <p:nvPr/>
+          </p:nvSpPr>
+          <p:spPr>
+            <a:xfrm>
+              <a:off x="545771" y="319548"/>
+              <a:ext cx="366250" cy="349044"/>
+            </a:xfrm>
+            <a:prstGeom prst="flowChartConnector">
+              <a:avLst/>
+            </a:prstGeom>
+            <a:noFill/>
+            <a:ln w="28575">
+              <a:solidFill>
+                <a:srgbClr val="EA7B6B"/>
+              </a:solidFill>
+            </a:ln>
+          </p:spPr>
+          <p:style>
+            <a:lnRef idx="2">
+              <a:schemeClr val="accent1">
+                <a:shade val="15000"/>
+              </a:schemeClr>
+            </a:lnRef>
+            <a:fillRef idx="1">
+              <a:schemeClr val="accent1"/>
+            </a:fillRef>
+            <a:effectRef idx="0">
+              <a:schemeClr val="accent1"/>
+            </a:effectRef>
+            <a:fontRef idx="minor">
+              <a:schemeClr val="lt1"/>
+            </a:fontRef>
+          </p:style>
+          <p:txBody>
+            <a:bodyPr rtlCol="0" anchor="ctr"/>
+            <a:lstStyle/>
+            <a:p>
+              <a:pPr algn="ctr"/>
+              <a:endParaRPr kumimoji="1" lang="ja-JP" altLang="en-US"/>
+            </a:p>
+          </p:txBody>
+        </p:sp>
+        <p:sp>
+          <p:nvSpPr>
+            <p:cNvPr id="7" name="円弧 6">
+              <a:extLst>
+                <a:ext uri="{FF2B5EF4-FFF2-40B4-BE49-F238E27FC236}">
+                  <a16:creationId xmlns:a16="http://schemas.microsoft.com/office/drawing/2014/main" id="{ADD0E8F1-ED4C-92D8-5152-3BEBF7347DF4}"/>
+                </a:ext>
+              </a:extLst>
+            </p:cNvPr>
+            <p:cNvSpPr/>
+            <p:nvPr/>
+          </p:nvSpPr>
+          <p:spPr>
+            <a:xfrm rot="19079286">
+              <a:off x="374934" y="732788"/>
+              <a:ext cx="707924" cy="698091"/>
+            </a:xfrm>
+            <a:prstGeom prst="arc">
+              <a:avLst/>
+            </a:prstGeom>
+            <a:ln w="28575">
+              <a:solidFill>
+                <a:srgbClr val="EA7B6B"/>
+              </a:solidFill>
+            </a:ln>
+          </p:spPr>
+          <p:style>
+            <a:lnRef idx="1">
+              <a:schemeClr val="accent1"/>
+            </a:lnRef>
+            <a:fillRef idx="0">
+              <a:schemeClr val="accent1"/>
+            </a:fillRef>
+            <a:effectRef idx="0">
+              <a:schemeClr val="accent1"/>
+            </a:effectRef>
+            <a:fontRef idx="minor">
+              <a:schemeClr val="tx1"/>
+            </a:fontRef>
+          </p:style>
+          <p:txBody>
+            <a:bodyPr rtlCol="0" anchor="ctr"/>
+            <a:lstStyle/>
+            <a:p>
+              <a:pPr algn="ctr"/>
+              <a:endParaRPr kumimoji="1" lang="ja-JP" altLang="en-US"/>
+            </a:p>
+          </p:txBody>
+        </p:sp>
+      </p:grpSp>
+      <p:sp>
+        <p:nvSpPr>
+          <p:cNvPr id="8" name="テキスト ボックス 7">
+            <a:extLst>
+              <a:ext uri="{FF2B5EF4-FFF2-40B4-BE49-F238E27FC236}">
+                <a16:creationId xmlns:a16="http://schemas.microsoft.com/office/drawing/2014/main" id="{EB500DF1-82BB-4D47-5EF1-B2F6CFEC1B8A}"/>
+              </a:ext>
+            </a:extLst>
+          </p:cNvPr>
+          <p:cNvSpPr txBox="1"/>
+          <p:nvPr/>
+        </p:nvSpPr>
+        <p:spPr>
+          <a:xfrm>
+            <a:off x="9558094" y="806695"/>
+            <a:ext cx="2401617" cy="461665"/>
+          </a:xfrm>
+          <a:prstGeom prst="rect">
+            <a:avLst/>
+          </a:prstGeom>
+          <a:noFill/>
+        </p:spPr>
+        <p:txBody>
+          <a:bodyPr wrap="square" rtlCol="0">
+            <a:spAutoFit/>
+          </a:bodyPr>
+          <a:lstStyle/>
+          <a:p>
+            <a:r>
+              <a:rPr kumimoji="1" lang="en-US" altLang="ja-JP" sz="2400" dirty="0">
+                <a:solidFill>
+                  <a:srgbClr val="001746"/>
+                </a:solidFill>
+                <a:latin typeface="Kristen ITC" panose="03050502040202030202" pitchFamily="66" charset="0"/>
+              </a:rPr>
+              <a:t>2024/06/07 (Fri)</a:t>
+            </a:r>
+            <a:endParaRPr kumimoji="1" lang="ja-JP" altLang="en-US" sz="2400" dirty="0">
+              <a:solidFill>
+                <a:srgbClr val="001746"/>
+              </a:solidFill>
+              <a:latin typeface="Kristen ITC" panose="03050502040202030202" pitchFamily="66" charset="0"/>
+            </a:endParaRPr>
+          </a:p>
+        </p:txBody>
+      </p:sp>
+      <p:sp>
+        <p:nvSpPr>
+          <p:cNvPr id="9" name="正方形/長方形 8">
+            <a:extLst>
+              <a:ext uri="{FF2B5EF4-FFF2-40B4-BE49-F238E27FC236}">
+                <a16:creationId xmlns:a16="http://schemas.microsoft.com/office/drawing/2014/main" id="{D53C526D-B094-8918-A557-24C3499CAA14}"/>
+              </a:ext>
+            </a:extLst>
+          </p:cNvPr>
+          <p:cNvSpPr/>
+          <p:nvPr/>
+        </p:nvSpPr>
+        <p:spPr>
+          <a:xfrm>
+            <a:off x="0" y="6459794"/>
+            <a:ext cx="12192000" cy="398206"/>
+          </a:xfrm>
+          <a:prstGeom prst="rect">
+            <a:avLst/>
+          </a:prstGeom>
+          <a:solidFill>
+            <a:srgbClr val="F5F5F5"/>
+          </a:solidFill>
+          <a:ln>
+            <a:noFill/>
+          </a:ln>
+        </p:spPr>
+        <p:style>
+          <a:lnRef idx="2">
+            <a:schemeClr val="accent1">
+              <a:shade val="15000"/>
+            </a:schemeClr>
+          </a:lnRef>
+          <a:fillRef idx="1">
+            <a:schemeClr val="accent1"/>
+          </a:fillRef>
+          <a:effectRef idx="0">
+            <a:schemeClr val="accent1"/>
+          </a:effectRef>
+          <a:fontRef idx="minor">
+            <a:schemeClr val="lt1"/>
+          </a:fontRef>
+        </p:style>
+        <p:txBody>
+          <a:bodyPr rtlCol="0" anchor="ctr"/>
+          <a:lstStyle/>
+          <a:p>
+            <a:pPr algn="ctr"/>
+            <a:endParaRPr kumimoji="1" lang="ja-JP" altLang="en-US"/>
+          </a:p>
+        </p:txBody>
+      </p:sp>
+      <p:sp>
+        <p:nvSpPr>
+          <p:cNvPr id="10" name="テキスト ボックス 9">
+            <a:extLst>
+              <a:ext uri="{FF2B5EF4-FFF2-40B4-BE49-F238E27FC236}">
+                <a16:creationId xmlns:a16="http://schemas.microsoft.com/office/drawing/2014/main" id="{D2E0BB24-9F6B-FCE0-B878-91A73ADBBABD}"/>
+              </a:ext>
+            </a:extLst>
+          </p:cNvPr>
+          <p:cNvSpPr txBox="1"/>
+          <p:nvPr/>
+        </p:nvSpPr>
+        <p:spPr>
+          <a:xfrm>
+            <a:off x="3861424" y="6505008"/>
+            <a:ext cx="4490720" cy="307777"/>
+          </a:xfrm>
+          <a:prstGeom prst="rect">
+            <a:avLst/>
+          </a:prstGeom>
+          <a:noFill/>
+        </p:spPr>
+        <p:txBody>
+          <a:bodyPr wrap="square" rtlCol="0">
+            <a:spAutoFit/>
+          </a:bodyPr>
+          <a:lstStyle/>
+          <a:p>
+            <a:r>
+              <a:rPr kumimoji="1" lang="en-US" altLang="ja-JP" sz="1400" dirty="0">
+                <a:solidFill>
+                  <a:srgbClr val="001746"/>
+                </a:solidFill>
+              </a:rPr>
+              <a:t>Copyright </a:t>
+            </a:r>
+            <a:r>
+              <a:rPr kumimoji="1" lang="en-US" altLang="ja-JP" sz="1400" dirty="0" err="1">
+                <a:solidFill>
+                  <a:srgbClr val="001746"/>
+                </a:solidFill>
+              </a:rPr>
+              <a:t>paraparaChahan</a:t>
+            </a:r>
+            <a:r>
+              <a:rPr kumimoji="1" lang="en-US" altLang="ja-JP" sz="1400" dirty="0">
+                <a:solidFill>
+                  <a:srgbClr val="001746"/>
+                </a:solidFill>
+              </a:rPr>
+              <a:t>(PLUS DOJO). All rights reserved.</a:t>
+            </a:r>
+            <a:endParaRPr kumimoji="1" lang="ja-JP" altLang="en-US" sz="1400" dirty="0">
+              <a:solidFill>
+                <a:srgbClr val="001746"/>
+              </a:solidFill>
+            </a:endParaRPr>
+          </a:p>
+        </p:txBody>
+      </p:sp>
+      <p:sp>
+        <p:nvSpPr>
+          <p:cNvPr id="11" name="四角形: 角を丸くする 10">
+            <a:extLst>
+              <a:ext uri="{FF2B5EF4-FFF2-40B4-BE49-F238E27FC236}">
+                <a16:creationId xmlns:a16="http://schemas.microsoft.com/office/drawing/2014/main" id="{C8CB9416-11D2-A1EC-7D44-949F6B1EB429}"/>
+              </a:ext>
+            </a:extLst>
+          </p:cNvPr>
+          <p:cNvSpPr/>
+          <p:nvPr/>
+        </p:nvSpPr>
+        <p:spPr>
+          <a:xfrm>
+            <a:off x="1854680" y="1725283"/>
+            <a:ext cx="2360481" cy="2177644"/>
+          </a:xfrm>
+          <a:prstGeom prst="roundRect">
+            <a:avLst>
+              <a:gd name="adj" fmla="val 11781"/>
+            </a:avLst>
+          </a:prstGeom>
+          <a:solidFill>
+            <a:srgbClr val="F9E799"/>
+          </a:solidFill>
+          <a:ln>
+            <a:noFill/>
+          </a:ln>
+        </p:spPr>
+        <p:style>
+          <a:lnRef idx="2">
+            <a:schemeClr val="accent1">
+              <a:shade val="15000"/>
+            </a:schemeClr>
+          </a:lnRef>
+          <a:fillRef idx="1">
+            <a:schemeClr val="accent1"/>
+          </a:fillRef>
+          <a:effectRef idx="0">
+            <a:schemeClr val="accent1"/>
+          </a:effectRef>
+          <a:fontRef idx="minor">
+            <a:schemeClr val="lt1"/>
+          </a:fontRef>
+        </p:style>
+        <p:txBody>
+          <a:bodyPr rtlCol="0" anchor="ctr"/>
+          <a:lstStyle/>
+          <a:p>
+            <a:pPr algn="ctr"/>
+            <a:endParaRPr kumimoji="1" lang="ja-JP" altLang="en-US" dirty="0"/>
+          </a:p>
+        </p:txBody>
+      </p:sp>
+      <p:sp>
+        <p:nvSpPr>
+          <p:cNvPr id="12" name="四角形: 角を丸くする 11">
+            <a:extLst>
+              <a:ext uri="{FF2B5EF4-FFF2-40B4-BE49-F238E27FC236}">
+                <a16:creationId xmlns:a16="http://schemas.microsoft.com/office/drawing/2014/main" id="{93B1C024-3636-1A66-6187-D7B3EE299044}"/>
+              </a:ext>
+            </a:extLst>
+          </p:cNvPr>
+          <p:cNvSpPr/>
+          <p:nvPr/>
+        </p:nvSpPr>
+        <p:spPr>
+          <a:xfrm>
+            <a:off x="4915759" y="1745427"/>
+            <a:ext cx="2360481" cy="2177644"/>
+          </a:xfrm>
+          <a:prstGeom prst="roundRect">
+            <a:avLst>
+              <a:gd name="adj" fmla="val 11781"/>
+            </a:avLst>
+          </a:prstGeom>
+          <a:solidFill>
+            <a:srgbClr val="F9E799"/>
+          </a:solidFill>
+          <a:ln>
+            <a:noFill/>
+          </a:ln>
+        </p:spPr>
+        <p:style>
+          <a:lnRef idx="2">
+            <a:schemeClr val="accent1">
+              <a:shade val="15000"/>
+            </a:schemeClr>
+          </a:lnRef>
+          <a:fillRef idx="1">
+            <a:schemeClr val="accent1"/>
+          </a:fillRef>
+          <a:effectRef idx="0">
+            <a:schemeClr val="accent1"/>
+          </a:effectRef>
+          <a:fontRef idx="minor">
+            <a:schemeClr val="lt1"/>
+          </a:fontRef>
+        </p:style>
+        <p:txBody>
+          <a:bodyPr rtlCol="0" anchor="ctr"/>
+          <a:lstStyle/>
+          <a:p>
+            <a:pPr algn="ctr"/>
+            <a:endParaRPr kumimoji="1" lang="ja-JP" altLang="en-US" dirty="0"/>
+          </a:p>
+        </p:txBody>
+      </p:sp>
+      <p:sp>
+        <p:nvSpPr>
+          <p:cNvPr id="13" name="四角形: 角を丸くする 12">
+            <a:extLst>
+              <a:ext uri="{FF2B5EF4-FFF2-40B4-BE49-F238E27FC236}">
+                <a16:creationId xmlns:a16="http://schemas.microsoft.com/office/drawing/2014/main" id="{D50C44EF-F437-C530-EC1D-C34492AF1C8F}"/>
+              </a:ext>
+            </a:extLst>
+          </p:cNvPr>
+          <p:cNvSpPr/>
+          <p:nvPr/>
+        </p:nvSpPr>
+        <p:spPr>
+          <a:xfrm>
+            <a:off x="7976838" y="1725283"/>
+            <a:ext cx="2360481" cy="2177644"/>
+          </a:xfrm>
+          <a:prstGeom prst="roundRect">
+            <a:avLst>
+              <a:gd name="adj" fmla="val 11781"/>
+            </a:avLst>
+          </a:prstGeom>
+          <a:solidFill>
+            <a:srgbClr val="F9E799"/>
+          </a:solidFill>
+          <a:ln>
+            <a:noFill/>
+          </a:ln>
+        </p:spPr>
+        <p:style>
+          <a:lnRef idx="2">
+            <a:schemeClr val="accent1">
+              <a:shade val="15000"/>
+            </a:schemeClr>
+          </a:lnRef>
+          <a:fillRef idx="1">
+            <a:schemeClr val="accent1"/>
+          </a:fillRef>
+          <a:effectRef idx="0">
+            <a:schemeClr val="accent1"/>
+          </a:effectRef>
+          <a:fontRef idx="minor">
+            <a:schemeClr val="lt1"/>
+          </a:fontRef>
+        </p:style>
+        <p:txBody>
+          <a:bodyPr rtlCol="0" anchor="ctr"/>
+          <a:lstStyle/>
+          <a:p>
+            <a:pPr algn="ctr"/>
+            <a:endParaRPr kumimoji="1" lang="ja-JP" altLang="en-US" dirty="0"/>
+          </a:p>
+        </p:txBody>
+      </p:sp>
+      <p:sp>
+        <p:nvSpPr>
+          <p:cNvPr id="14" name="四角形: 角を丸くする 13">
+            <a:extLst>
+              <a:ext uri="{FF2B5EF4-FFF2-40B4-BE49-F238E27FC236}">
+                <a16:creationId xmlns:a16="http://schemas.microsoft.com/office/drawing/2014/main" id="{70FB40BF-E2D8-365B-F902-77AA6196C020}"/>
+              </a:ext>
+            </a:extLst>
+          </p:cNvPr>
+          <p:cNvSpPr/>
+          <p:nvPr/>
+        </p:nvSpPr>
+        <p:spPr>
+          <a:xfrm>
+            <a:off x="1854680" y="4241862"/>
+            <a:ext cx="2360481" cy="2177644"/>
+          </a:xfrm>
+          <a:prstGeom prst="roundRect">
+            <a:avLst>
+              <a:gd name="adj" fmla="val 11781"/>
+            </a:avLst>
+          </a:prstGeom>
+          <a:solidFill>
+            <a:srgbClr val="F9E799"/>
+          </a:solidFill>
+          <a:ln>
+            <a:noFill/>
+          </a:ln>
+        </p:spPr>
+        <p:style>
+          <a:lnRef idx="2">
+            <a:schemeClr val="accent1">
+              <a:shade val="15000"/>
+            </a:schemeClr>
+          </a:lnRef>
+          <a:fillRef idx="1">
+            <a:schemeClr val="accent1"/>
+          </a:fillRef>
+          <a:effectRef idx="0">
+            <a:schemeClr val="accent1"/>
+          </a:effectRef>
+          <a:fontRef idx="minor">
+            <a:schemeClr val="lt1"/>
+          </a:fontRef>
+        </p:style>
+        <p:txBody>
+          <a:bodyPr rtlCol="0" anchor="ctr"/>
+          <a:lstStyle/>
+          <a:p>
+            <a:pPr algn="ctr"/>
+            <a:endParaRPr kumimoji="1" lang="ja-JP" altLang="en-US" dirty="0"/>
+          </a:p>
+        </p:txBody>
+      </p:sp>
+      <p:sp>
+        <p:nvSpPr>
+          <p:cNvPr id="15" name="四角形: 角を丸くする 14">
+            <a:extLst>
+              <a:ext uri="{FF2B5EF4-FFF2-40B4-BE49-F238E27FC236}">
+                <a16:creationId xmlns:a16="http://schemas.microsoft.com/office/drawing/2014/main" id="{97D47777-951E-BE1D-C13F-BFEE903E566E}"/>
+              </a:ext>
+            </a:extLst>
+          </p:cNvPr>
+          <p:cNvSpPr/>
+          <p:nvPr/>
+        </p:nvSpPr>
+        <p:spPr>
+          <a:xfrm>
+            <a:off x="4915758" y="4236935"/>
+            <a:ext cx="2360481" cy="2177644"/>
+          </a:xfrm>
+          <a:prstGeom prst="roundRect">
+            <a:avLst>
+              <a:gd name="adj" fmla="val 11781"/>
+            </a:avLst>
+          </a:prstGeom>
+          <a:solidFill>
+            <a:srgbClr val="F9E799"/>
+          </a:solidFill>
+          <a:ln>
+            <a:noFill/>
+          </a:ln>
+        </p:spPr>
+        <p:style>
+          <a:lnRef idx="2">
+            <a:schemeClr val="accent1">
+              <a:shade val="15000"/>
+            </a:schemeClr>
+          </a:lnRef>
+          <a:fillRef idx="1">
+            <a:schemeClr val="accent1"/>
+          </a:fillRef>
+          <a:effectRef idx="0">
+            <a:schemeClr val="accent1"/>
+          </a:effectRef>
+          <a:fontRef idx="minor">
+            <a:schemeClr val="lt1"/>
+          </a:fontRef>
+        </p:style>
+        <p:txBody>
+          <a:bodyPr rtlCol="0" anchor="ctr"/>
+          <a:lstStyle/>
+          <a:p>
+            <a:pPr algn="ctr"/>
+            <a:endParaRPr kumimoji="1" lang="ja-JP" altLang="en-US" dirty="0"/>
+          </a:p>
+        </p:txBody>
+      </p:sp>
+      <p:sp>
+        <p:nvSpPr>
+          <p:cNvPr id="16" name="四角形: 角を丸くする 15">
+            <a:extLst>
+              <a:ext uri="{FF2B5EF4-FFF2-40B4-BE49-F238E27FC236}">
+                <a16:creationId xmlns:a16="http://schemas.microsoft.com/office/drawing/2014/main" id="{246BAD66-53A2-310E-BF61-B943A5211592}"/>
+              </a:ext>
+            </a:extLst>
+          </p:cNvPr>
+          <p:cNvSpPr/>
+          <p:nvPr/>
+        </p:nvSpPr>
+        <p:spPr>
+          <a:xfrm>
+            <a:off x="7976836" y="4236935"/>
+            <a:ext cx="2360481" cy="2177644"/>
+          </a:xfrm>
+          <a:prstGeom prst="roundRect">
+            <a:avLst>
+              <a:gd name="adj" fmla="val 11781"/>
+            </a:avLst>
+          </a:prstGeom>
+          <a:noFill/>
+          <a:ln w="57150">
+            <a:solidFill>
+              <a:srgbClr val="F9E799"/>
+            </a:solidFill>
+            <a:prstDash val="dash"/>
+          </a:ln>
+        </p:spPr>
+        <p:style>
+          <a:lnRef idx="2">
+            <a:schemeClr val="accent1">
+              <a:shade val="15000"/>
+            </a:schemeClr>
+          </a:lnRef>
+          <a:fillRef idx="1">
+            <a:schemeClr val="accent1"/>
+          </a:fillRef>
+          <a:effectRef idx="0">
+            <a:schemeClr val="accent1"/>
+          </a:effectRef>
+          <a:fontRef idx="minor">
+            <a:schemeClr val="lt1"/>
+          </a:fontRef>
+        </p:style>
+        <p:txBody>
+          <a:bodyPr rtlCol="0" anchor="ctr"/>
+          <a:lstStyle/>
+          <a:p>
+            <a:pPr algn="ctr"/>
+            <a:endParaRPr kumimoji="1" lang="ja-JP" altLang="en-US" dirty="0"/>
+          </a:p>
+        </p:txBody>
+      </p:sp>
+      <p:sp>
+        <p:nvSpPr>
+          <p:cNvPr id="17" name="十字形 16">
+            <a:extLst>
+              <a:ext uri="{FF2B5EF4-FFF2-40B4-BE49-F238E27FC236}">
+                <a16:creationId xmlns:a16="http://schemas.microsoft.com/office/drawing/2014/main" id="{9A1E17CC-5FFB-20E6-264A-E78F1B77C85F}"/>
+              </a:ext>
+            </a:extLst>
+          </p:cNvPr>
+          <p:cNvSpPr/>
+          <p:nvPr/>
+        </p:nvSpPr>
+        <p:spPr>
+          <a:xfrm>
+            <a:off x="8616242" y="4779347"/>
+            <a:ext cx="1081668" cy="1092819"/>
+          </a:xfrm>
+          <a:prstGeom prst="plus">
+            <a:avLst>
+              <a:gd name="adj" fmla="val 45306"/>
+            </a:avLst>
+          </a:prstGeom>
+          <a:solidFill>
+            <a:srgbClr val="F9E799"/>
+          </a:solidFill>
+          <a:ln>
+            <a:solidFill>
+              <a:srgbClr val="F9E799"/>
+            </a:solidFill>
+          </a:ln>
+        </p:spPr>
+        <p:style>
+          <a:lnRef idx="2">
+            <a:schemeClr val="accent1">
+              <a:shade val="15000"/>
+            </a:schemeClr>
+          </a:lnRef>
+          <a:fillRef idx="1">
+            <a:schemeClr val="accent1"/>
+          </a:fillRef>
+          <a:effectRef idx="0">
+            <a:schemeClr val="accent1"/>
+          </a:effectRef>
+          <a:fontRef idx="minor">
+            <a:schemeClr val="lt1"/>
+          </a:fontRef>
+        </p:style>
+        <p:txBody>
+          <a:bodyPr rtlCol="0" anchor="ctr"/>
+          <a:lstStyle/>
+          <a:p>
+            <a:pPr algn="ctr"/>
+            <a:endParaRPr kumimoji="1" lang="ja-JP" altLang="en-US"/>
+          </a:p>
+        </p:txBody>
+      </p:sp>
+      <p:sp>
+        <p:nvSpPr>
+          <p:cNvPr id="21" name="四角形: 角を丸くする 20">
+            <a:extLst>
+              <a:ext uri="{FF2B5EF4-FFF2-40B4-BE49-F238E27FC236}">
+                <a16:creationId xmlns:a16="http://schemas.microsoft.com/office/drawing/2014/main" id="{B29C8612-9C4D-8CFF-CD60-EB2D61583539}"/>
+              </a:ext>
+            </a:extLst>
+          </p:cNvPr>
+          <p:cNvSpPr/>
+          <p:nvPr/>
+        </p:nvSpPr>
+        <p:spPr>
+          <a:xfrm>
+            <a:off x="2354695" y="2184840"/>
+            <a:ext cx="1325207" cy="1258530"/>
+          </a:xfrm>
+          <a:prstGeom prst="roundRect">
+            <a:avLst/>
+          </a:prstGeom>
+          <a:solidFill>
+            <a:schemeClr val="bg1"/>
+          </a:solidFill>
+          <a:ln>
+            <a:noFill/>
+          </a:ln>
+        </p:spPr>
+        <p:style>
+          <a:lnRef idx="2">
+            <a:schemeClr val="accent1">
+              <a:shade val="15000"/>
+            </a:schemeClr>
+          </a:lnRef>
+          <a:fillRef idx="1">
+            <a:schemeClr val="accent1"/>
+          </a:fillRef>
+          <a:effectRef idx="0">
+            <a:schemeClr val="accent1"/>
+          </a:effectRef>
+          <a:fontRef idx="minor">
+            <a:schemeClr val="lt1"/>
+          </a:fontRef>
+        </p:style>
+        <p:txBody>
+          <a:bodyPr rtlCol="0" anchor="ctr"/>
+          <a:lstStyle/>
+          <a:p>
+            <a:pPr algn="ctr"/>
+            <a:endParaRPr kumimoji="1" lang="ja-JP" altLang="en-US"/>
+          </a:p>
+        </p:txBody>
+      </p:sp>
+      <p:sp>
+        <p:nvSpPr>
+          <p:cNvPr id="22" name="四角形: 角を丸くする 21">
+            <a:extLst>
+              <a:ext uri="{FF2B5EF4-FFF2-40B4-BE49-F238E27FC236}">
+                <a16:creationId xmlns:a16="http://schemas.microsoft.com/office/drawing/2014/main" id="{DFECB23E-D027-DBB5-1F02-80188E6A0870}"/>
+              </a:ext>
+            </a:extLst>
+          </p:cNvPr>
+          <p:cNvSpPr/>
+          <p:nvPr/>
+        </p:nvSpPr>
+        <p:spPr>
+          <a:xfrm>
+            <a:off x="5433396" y="2192208"/>
+            <a:ext cx="1325207" cy="1258530"/>
+          </a:xfrm>
+          <a:prstGeom prst="roundRect">
+            <a:avLst/>
+          </a:prstGeom>
+          <a:solidFill>
+            <a:schemeClr val="bg1"/>
+          </a:solidFill>
+          <a:ln>
+            <a:noFill/>
+          </a:ln>
+        </p:spPr>
+        <p:style>
+          <a:lnRef idx="2">
+            <a:schemeClr val="accent1">
+              <a:shade val="15000"/>
+            </a:schemeClr>
+          </a:lnRef>
+          <a:fillRef idx="1">
+            <a:schemeClr val="accent1"/>
+          </a:fillRef>
+          <a:effectRef idx="0">
+            <a:schemeClr val="accent1"/>
+          </a:effectRef>
+          <a:fontRef idx="minor">
+            <a:schemeClr val="lt1"/>
+          </a:fontRef>
+        </p:style>
+        <p:txBody>
+          <a:bodyPr rtlCol="0" anchor="ctr"/>
+          <a:lstStyle/>
+          <a:p>
+            <a:pPr algn="ctr"/>
+            <a:endParaRPr kumimoji="1" lang="ja-JP" altLang="en-US"/>
+          </a:p>
+        </p:txBody>
+      </p:sp>
+      <p:sp>
+        <p:nvSpPr>
+          <p:cNvPr id="24" name="四角形: 角を丸くする 23">
+            <a:extLst>
+              <a:ext uri="{FF2B5EF4-FFF2-40B4-BE49-F238E27FC236}">
+                <a16:creationId xmlns:a16="http://schemas.microsoft.com/office/drawing/2014/main" id="{2DFF1C16-C2C1-E23C-DF60-B0DA2E517587}"/>
+              </a:ext>
+            </a:extLst>
+          </p:cNvPr>
+          <p:cNvSpPr/>
+          <p:nvPr/>
+        </p:nvSpPr>
+        <p:spPr>
+          <a:xfrm>
+            <a:off x="8506228" y="2192208"/>
+            <a:ext cx="1325207" cy="1258530"/>
+          </a:xfrm>
+          <a:prstGeom prst="roundRect">
+            <a:avLst/>
+          </a:prstGeom>
+          <a:solidFill>
+            <a:schemeClr val="bg1"/>
+          </a:solidFill>
+          <a:ln>
+            <a:noFill/>
+          </a:ln>
+        </p:spPr>
+        <p:style>
+          <a:lnRef idx="2">
+            <a:schemeClr val="accent1">
+              <a:shade val="15000"/>
+            </a:schemeClr>
+          </a:lnRef>
+          <a:fillRef idx="1">
+            <a:schemeClr val="accent1"/>
+          </a:fillRef>
+          <a:effectRef idx="0">
+            <a:schemeClr val="accent1"/>
+          </a:effectRef>
+          <a:fontRef idx="minor">
+            <a:schemeClr val="lt1"/>
+          </a:fontRef>
+        </p:style>
+        <p:txBody>
+          <a:bodyPr rtlCol="0" anchor="ctr"/>
+          <a:lstStyle/>
+          <a:p>
+            <a:pPr algn="ctr"/>
+            <a:endParaRPr kumimoji="1" lang="ja-JP" altLang="en-US"/>
+          </a:p>
+        </p:txBody>
+      </p:sp>
+      <p:sp>
+        <p:nvSpPr>
+          <p:cNvPr id="26" name="四角形: 角を丸くする 25">
+            <a:extLst>
+              <a:ext uri="{FF2B5EF4-FFF2-40B4-BE49-F238E27FC236}">
+                <a16:creationId xmlns:a16="http://schemas.microsoft.com/office/drawing/2014/main" id="{F94691F5-EDC4-6915-74FD-67B69E327AA3}"/>
+              </a:ext>
+            </a:extLst>
+          </p:cNvPr>
+          <p:cNvSpPr/>
+          <p:nvPr/>
+        </p:nvSpPr>
+        <p:spPr>
+          <a:xfrm>
+            <a:off x="2354695" y="4704789"/>
+            <a:ext cx="1325207" cy="1258530"/>
+          </a:xfrm>
+          <a:prstGeom prst="roundRect">
+            <a:avLst/>
+          </a:prstGeom>
+          <a:solidFill>
+            <a:schemeClr val="bg1"/>
+          </a:solidFill>
+          <a:ln>
+            <a:noFill/>
+          </a:ln>
+        </p:spPr>
+        <p:style>
+          <a:lnRef idx="2">
+            <a:schemeClr val="accent1">
+              <a:shade val="15000"/>
+            </a:schemeClr>
+          </a:lnRef>
+          <a:fillRef idx="1">
+            <a:schemeClr val="accent1"/>
+          </a:fillRef>
+          <a:effectRef idx="0">
+            <a:schemeClr val="accent1"/>
+          </a:effectRef>
+          <a:fontRef idx="minor">
+            <a:schemeClr val="lt1"/>
+          </a:fontRef>
+        </p:style>
+        <p:txBody>
+          <a:bodyPr rtlCol="0" anchor="ctr"/>
+          <a:lstStyle/>
+          <a:p>
+            <a:pPr algn="ctr"/>
+            <a:endParaRPr kumimoji="1" lang="ja-JP" altLang="en-US"/>
+          </a:p>
+        </p:txBody>
+      </p:sp>
+      <p:sp>
+        <p:nvSpPr>
+          <p:cNvPr id="28" name="四角形: 角を丸くする 27">
+            <a:extLst>
+              <a:ext uri="{FF2B5EF4-FFF2-40B4-BE49-F238E27FC236}">
+                <a16:creationId xmlns:a16="http://schemas.microsoft.com/office/drawing/2014/main" id="{33015562-F7DC-D8DB-F95C-2F31D95A3473}"/>
+              </a:ext>
+            </a:extLst>
+          </p:cNvPr>
+          <p:cNvSpPr/>
+          <p:nvPr/>
+        </p:nvSpPr>
+        <p:spPr>
+          <a:xfrm>
+            <a:off x="5433396" y="4702705"/>
+            <a:ext cx="1325207" cy="1258530"/>
+          </a:xfrm>
+          <a:prstGeom prst="roundRect">
+            <a:avLst/>
+          </a:prstGeom>
+          <a:solidFill>
+            <a:schemeClr val="bg1"/>
+          </a:solidFill>
+          <a:ln>
+            <a:noFill/>
+          </a:ln>
+        </p:spPr>
+        <p:style>
+          <a:lnRef idx="2">
+            <a:schemeClr val="accent1">
+              <a:shade val="15000"/>
+            </a:schemeClr>
+          </a:lnRef>
+          <a:fillRef idx="1">
+            <a:schemeClr val="accent1"/>
+          </a:fillRef>
+          <a:effectRef idx="0">
+            <a:schemeClr val="accent1"/>
+          </a:effectRef>
+          <a:fontRef idx="minor">
+            <a:schemeClr val="lt1"/>
+          </a:fontRef>
+        </p:style>
+        <p:txBody>
+          <a:bodyPr rtlCol="0" anchor="ctr"/>
+          <a:lstStyle/>
+          <a:p>
+            <a:pPr algn="ctr"/>
+            <a:endParaRPr kumimoji="1" lang="ja-JP" altLang="en-US"/>
+          </a:p>
+        </p:txBody>
+      </p:sp>
+      <p:pic>
+        <p:nvPicPr>
+          <p:cNvPr id="33" name="グラフィックス 32" descr="さくらんぼ 枠線">
+            <a:extLst>
+              <a:ext uri="{FF2B5EF4-FFF2-40B4-BE49-F238E27FC236}">
+                <a16:creationId xmlns:a16="http://schemas.microsoft.com/office/drawing/2014/main" id="{78F53EFD-2A12-864E-E1F2-E2E7245BD12F}"/>
+              </a:ext>
+            </a:extLst>
+          </p:cNvPr>
+          <p:cNvPicPr>
+            <a:picLocks noChangeAspect="1"/>
+          </p:cNvPicPr>
+          <p:nvPr/>
+        </p:nvPicPr>
+        <p:blipFill>
+          <a:blip r:embed="rId4">
+            <a:extLst>
+              <a:ext uri="{28A0092B-C50C-407E-A947-70E740481C1C}">
+                <a14:useLocalDpi xmlns:a14="http://schemas.microsoft.com/office/drawing/2010/main" val="0"/>
+              </a:ext>
+              <a:ext uri="{96DAC541-7B7A-43D3-8B79-37D633B846F1}">
+                <asvg:svgBlip xmlns:asvg="http://schemas.microsoft.com/office/drawing/2016/SVG/main" r:embed="rId5"/>
+              </a:ext>
+            </a:extLst>
+          </a:blip>
+          <a:stretch>
+            <a:fillRect/>
+          </a:stretch>
+        </p:blipFill>
+        <p:spPr>
+          <a:xfrm>
+            <a:off x="5638798" y="2377049"/>
+            <a:ext cx="914400" cy="914400"/>
+          </a:xfrm>
+          <a:prstGeom prst="rect">
+            <a:avLst/>
+          </a:prstGeom>
+        </p:spPr>
+      </p:pic>
+      <p:pic>
+        <p:nvPicPr>
+          <p:cNvPr id="35" name="グラフィックス 34" descr="ドングリ 単色塗りつぶし">
+            <a:extLst>
+              <a:ext uri="{FF2B5EF4-FFF2-40B4-BE49-F238E27FC236}">
+                <a16:creationId xmlns:a16="http://schemas.microsoft.com/office/drawing/2014/main" id="{E0A5422F-B975-AC0B-FC9F-6443AC0C40D4}"/>
+              </a:ext>
+            </a:extLst>
+          </p:cNvPr>
+          <p:cNvPicPr>
+            <a:picLocks noChangeAspect="1"/>
+          </p:cNvPicPr>
+          <p:nvPr/>
+        </p:nvPicPr>
+        <p:blipFill>
+          <a:blip r:embed="rId6">
+            <a:extLst>
+              <a:ext uri="{28A0092B-C50C-407E-A947-70E740481C1C}">
+                <a14:useLocalDpi xmlns:a14="http://schemas.microsoft.com/office/drawing/2010/main" val="0"/>
+              </a:ext>
+              <a:ext uri="{96DAC541-7B7A-43D3-8B79-37D633B846F1}">
+                <asvg:svgBlip xmlns:asvg="http://schemas.microsoft.com/office/drawing/2016/SVG/main" r:embed="rId7"/>
+              </a:ext>
+            </a:extLst>
+          </a:blip>
+          <a:stretch>
+            <a:fillRect/>
+          </a:stretch>
+        </p:blipFill>
+        <p:spPr>
+          <a:xfrm>
+            <a:off x="8712777" y="2364273"/>
+            <a:ext cx="914400" cy="914400"/>
+          </a:xfrm>
+          <a:prstGeom prst="rect">
+            <a:avLst/>
+          </a:prstGeom>
+        </p:spPr>
+      </p:pic>
+      <p:pic>
+        <p:nvPicPr>
+          <p:cNvPr id="37" name="グラフィックス 36" descr="ピエロ 単色塗りつぶし">
+            <a:extLst>
+              <a:ext uri="{FF2B5EF4-FFF2-40B4-BE49-F238E27FC236}">
+                <a16:creationId xmlns:a16="http://schemas.microsoft.com/office/drawing/2014/main" id="{1A7FEB07-913B-9D41-2774-9BBACDF0A7C1}"/>
+              </a:ext>
+            </a:extLst>
+          </p:cNvPr>
+          <p:cNvPicPr>
+            <a:picLocks noChangeAspect="1"/>
+          </p:cNvPicPr>
+          <p:nvPr/>
+        </p:nvPicPr>
+        <p:blipFill>
+          <a:blip r:embed="rId8">
+            <a:extLst>
+              <a:ext uri="{28A0092B-C50C-407E-A947-70E740481C1C}">
+                <a14:useLocalDpi xmlns:a14="http://schemas.microsoft.com/office/drawing/2010/main" val="0"/>
+              </a:ext>
+              <a:ext uri="{96DAC541-7B7A-43D3-8B79-37D633B846F1}">
+                <asvg:svgBlip xmlns:asvg="http://schemas.microsoft.com/office/drawing/2016/SVG/main" r:embed="rId9"/>
+              </a:ext>
+            </a:extLst>
+          </a:blip>
+          <a:stretch>
+            <a:fillRect/>
+          </a:stretch>
+        </p:blipFill>
+        <p:spPr>
+          <a:xfrm>
+            <a:off x="2560098" y="2356905"/>
+            <a:ext cx="914400" cy="914400"/>
+          </a:xfrm>
+          <a:prstGeom prst="rect">
+            <a:avLst/>
+          </a:prstGeom>
+        </p:spPr>
+      </p:pic>
+      <p:pic>
+        <p:nvPicPr>
+          <p:cNvPr id="39" name="グラフィックス 38" descr="カップケーキ 単色塗りつぶし">
+            <a:extLst>
+              <a:ext uri="{FF2B5EF4-FFF2-40B4-BE49-F238E27FC236}">
+                <a16:creationId xmlns:a16="http://schemas.microsoft.com/office/drawing/2014/main" id="{832B4AC8-6AB4-D20A-F45B-F90AFAD4D177}"/>
+              </a:ext>
+            </a:extLst>
+          </p:cNvPr>
+          <p:cNvPicPr>
+            <a:picLocks noChangeAspect="1"/>
+          </p:cNvPicPr>
+          <p:nvPr/>
+        </p:nvPicPr>
+        <p:blipFill>
+          <a:blip r:embed="rId10">
+            <a:extLst>
+              <a:ext uri="{28A0092B-C50C-407E-A947-70E740481C1C}">
+                <a14:useLocalDpi xmlns:a14="http://schemas.microsoft.com/office/drawing/2010/main" val="0"/>
+              </a:ext>
+              <a:ext uri="{96DAC541-7B7A-43D3-8B79-37D633B846F1}">
+                <asvg:svgBlip xmlns:asvg="http://schemas.microsoft.com/office/drawing/2016/SVG/main" r:embed="rId11"/>
+              </a:ext>
+            </a:extLst>
+          </a:blip>
+          <a:stretch>
+            <a:fillRect/>
+          </a:stretch>
+        </p:blipFill>
+        <p:spPr>
+          <a:xfrm>
+            <a:off x="5638798" y="4868556"/>
+            <a:ext cx="914400" cy="914400"/>
+          </a:xfrm>
+          <a:prstGeom prst="rect">
+            <a:avLst/>
+          </a:prstGeom>
+        </p:spPr>
+      </p:pic>
+      <p:pic>
+        <p:nvPicPr>
+          <p:cNvPr id="41" name="グラフィックス 40" descr="花 枠線">
+            <a:extLst>
+              <a:ext uri="{FF2B5EF4-FFF2-40B4-BE49-F238E27FC236}">
+                <a16:creationId xmlns:a16="http://schemas.microsoft.com/office/drawing/2014/main" id="{3D078AFC-BAAB-9458-3221-6F42DD428B12}"/>
+              </a:ext>
+            </a:extLst>
+          </p:cNvPr>
+          <p:cNvPicPr>
+            <a:picLocks noChangeAspect="1"/>
+          </p:cNvPicPr>
+          <p:nvPr/>
+        </p:nvPicPr>
+        <p:blipFill>
+          <a:blip r:embed="rId12">
+            <a:extLst>
+              <a:ext uri="{28A0092B-C50C-407E-A947-70E740481C1C}">
+                <a14:useLocalDpi xmlns:a14="http://schemas.microsoft.com/office/drawing/2010/main" val="0"/>
+              </a:ext>
+              <a:ext uri="{96DAC541-7B7A-43D3-8B79-37D633B846F1}">
+                <asvg:svgBlip xmlns:asvg="http://schemas.microsoft.com/office/drawing/2016/SVG/main" r:embed="rId13"/>
+              </a:ext>
+            </a:extLst>
+          </a:blip>
+          <a:stretch>
+            <a:fillRect/>
+          </a:stretch>
+        </p:blipFill>
+        <p:spPr>
+          <a:xfrm>
+            <a:off x="2560098" y="4862980"/>
+            <a:ext cx="914400" cy="914400"/>
+          </a:xfrm>
+          <a:prstGeom prst="rect">
+            <a:avLst/>
+          </a:prstGeom>
+        </p:spPr>
+      </p:pic>
+    </p:spTree>
+    <p:extLst>
+      <p:ext uri="{BB962C8B-B14F-4D97-AF65-F5344CB8AC3E}">
+        <p14:creationId xmlns:p14="http://schemas.microsoft.com/office/powerpoint/2010/main" val="1308151473"/>
+      </p:ext>
+    </p:extLst>
+  </p:cSld>
+  <p:clrMapOvr>
+    <a:masterClrMapping/>
+  </p:clrMapOvr>
+</p:sld>
+</file>
+
+<file path=ppt/slides/slide7.xml><?xml version="1.0" encoding="utf-8"?>
+<p:sld xmlns:a="http://schemas.openxmlformats.org/drawingml/2006/main" xmlns:r="http://schemas.openxmlformats.org/officeDocument/2006/relationships" xmlns:p="http://schemas.openxmlformats.org/presentationml/2006/main">
+  <p:cSld>
+    <p:spTree>
+      <p:nvGrpSpPr>
+        <p:cNvPr id="1" name=""/>
+        <p:cNvGrpSpPr/>
+        <p:nvPr/>
+      </p:nvGrpSpPr>
+      <p:grpSpPr>
+        <a:xfrm>
+          <a:off x="0" y="0"/>
+          <a:ext cx="0" cy="0"/>
+          <a:chOff x="0" y="0"/>
+          <a:chExt cx="0" cy="0"/>
+        </a:xfrm>
+      </p:grpSpPr>
+      <p:sp>
+        <p:nvSpPr>
+          <p:cNvPr id="2" name="正方形/長方形 1">
+            <a:extLst>
+              <a:ext uri="{FF2B5EF4-FFF2-40B4-BE49-F238E27FC236}">
+                <a16:creationId xmlns:a16="http://schemas.microsoft.com/office/drawing/2014/main" id="{4EACDB33-D278-4E96-4B83-CB0DA0017812}"/>
+              </a:ext>
+            </a:extLst>
+          </p:cNvPr>
+          <p:cNvSpPr/>
+          <p:nvPr/>
+        </p:nvSpPr>
+        <p:spPr>
+          <a:xfrm>
+            <a:off x="0" y="0"/>
+            <a:ext cx="12192000" cy="1386348"/>
+          </a:xfrm>
+          <a:prstGeom prst="rect">
+            <a:avLst/>
+          </a:prstGeom>
+          <a:solidFill>
+            <a:srgbClr val="F5F5F5"/>
+          </a:solidFill>
+          <a:ln>
+            <a:noFill/>
+          </a:ln>
+        </p:spPr>
+        <p:style>
+          <a:lnRef idx="2">
+            <a:schemeClr val="accent1">
+              <a:shade val="15000"/>
+            </a:schemeClr>
+          </a:lnRef>
+          <a:fillRef idx="1">
+            <a:schemeClr val="accent1"/>
+          </a:fillRef>
+          <a:effectRef idx="0">
+            <a:schemeClr val="accent1"/>
+          </a:effectRef>
+          <a:fontRef idx="minor">
+            <a:schemeClr val="lt1"/>
+          </a:fontRef>
+        </p:style>
+        <p:txBody>
+          <a:bodyPr rtlCol="0" anchor="ctr"/>
+          <a:lstStyle/>
+          <a:p>
+            <a:pPr algn="ctr"/>
+            <a:endParaRPr kumimoji="1" lang="ja-JP" altLang="en-US"/>
+          </a:p>
+        </p:txBody>
+      </p:sp>
+      <p:pic>
+        <p:nvPicPr>
+          <p:cNvPr id="3" name="図 2" descr="ロゴ&#10;&#10;中程度の精度で自動的に生成された説明">
+            <a:extLst>
+              <a:ext uri="{FF2B5EF4-FFF2-40B4-BE49-F238E27FC236}">
+                <a16:creationId xmlns:a16="http://schemas.microsoft.com/office/drawing/2014/main" id="{90677610-C373-EFD4-017B-EAF5C0AA7686}"/>
+              </a:ext>
+            </a:extLst>
+          </p:cNvPr>
+          <p:cNvPicPr>
+            <a:picLocks noChangeAspect="1"/>
+          </p:cNvPicPr>
+          <p:nvPr/>
+        </p:nvPicPr>
+        <p:blipFill rotWithShape="1">
+          <a:blip r:embed="rId3">
+            <a:extLst>
+              <a:ext uri="{28A0092B-C50C-407E-A947-70E740481C1C}">
+                <a14:useLocalDpi xmlns:a14="http://schemas.microsoft.com/office/drawing/2010/main" val="0"/>
+              </a:ext>
+            </a:extLst>
+          </a:blip>
+          <a:srcRect l="14562" t="11298" b="30517"/>
+          <a:stretch/>
+        </p:blipFill>
+        <p:spPr>
+          <a:xfrm>
+            <a:off x="4826940" y="196644"/>
+            <a:ext cx="2538120" cy="1012723"/>
+          </a:xfrm>
+          <a:prstGeom prst="rect">
+            <a:avLst/>
+          </a:prstGeom>
+        </p:spPr>
+      </p:pic>
+      <p:grpSp>
+        <p:nvGrpSpPr>
+          <p:cNvPr id="4" name="グループ化 3">
+            <a:extLst>
+              <a:ext uri="{FF2B5EF4-FFF2-40B4-BE49-F238E27FC236}">
+                <a16:creationId xmlns:a16="http://schemas.microsoft.com/office/drawing/2014/main" id="{329BA7C7-A952-CC36-20BF-41CF8CC2B67C}"/>
+              </a:ext>
+            </a:extLst>
+          </p:cNvPr>
+          <p:cNvGrpSpPr/>
+          <p:nvPr/>
+        </p:nvGrpSpPr>
+        <p:grpSpPr>
+          <a:xfrm>
+            <a:off x="317581" y="277924"/>
+            <a:ext cx="924233" cy="1234235"/>
+            <a:chOff x="266781" y="196644"/>
+            <a:chExt cx="924233" cy="1234235"/>
+          </a:xfrm>
+        </p:grpSpPr>
+        <p:sp>
+          <p:nvSpPr>
+            <p:cNvPr id="5" name="フローチャート: 結合子 4">
+              <a:extLst>
+                <a:ext uri="{FF2B5EF4-FFF2-40B4-BE49-F238E27FC236}">
+                  <a16:creationId xmlns:a16="http://schemas.microsoft.com/office/drawing/2014/main" id="{47EE03C1-417B-88F6-FDC6-9C47B48C9432}"/>
+                </a:ext>
+              </a:extLst>
+            </p:cNvPr>
+            <p:cNvSpPr/>
+            <p:nvPr/>
+          </p:nvSpPr>
+          <p:spPr>
+            <a:xfrm>
+              <a:off x="266781" y="196644"/>
+              <a:ext cx="924233" cy="924233"/>
+            </a:xfrm>
+            <a:prstGeom prst="flowChartConnector">
+              <a:avLst/>
+            </a:prstGeom>
+            <a:noFill/>
+            <a:ln w="28575">
+              <a:solidFill>
+                <a:srgbClr val="EA7B6B"/>
+              </a:solidFill>
+            </a:ln>
+          </p:spPr>
+          <p:style>
+            <a:lnRef idx="2">
+              <a:schemeClr val="accent1">
+                <a:shade val="15000"/>
+              </a:schemeClr>
+            </a:lnRef>
+            <a:fillRef idx="1">
+              <a:schemeClr val="accent1"/>
+            </a:fillRef>
+            <a:effectRef idx="0">
+              <a:schemeClr val="accent1"/>
+            </a:effectRef>
+            <a:fontRef idx="minor">
+              <a:schemeClr val="lt1"/>
+            </a:fontRef>
+          </p:style>
+          <p:txBody>
+            <a:bodyPr rtlCol="0" anchor="ctr"/>
+            <a:lstStyle/>
+            <a:p>
+              <a:pPr algn="ctr"/>
+              <a:endParaRPr kumimoji="1" lang="ja-JP" altLang="en-US"/>
+            </a:p>
+          </p:txBody>
+        </p:sp>
+        <p:sp>
+          <p:nvSpPr>
+            <p:cNvPr id="6" name="フローチャート: 結合子 5">
+              <a:extLst>
+                <a:ext uri="{FF2B5EF4-FFF2-40B4-BE49-F238E27FC236}">
+                  <a16:creationId xmlns:a16="http://schemas.microsoft.com/office/drawing/2014/main" id="{2B1C132E-FFE0-8F97-83E9-F824738228FA}"/>
+                </a:ext>
+              </a:extLst>
+            </p:cNvPr>
+            <p:cNvSpPr/>
+            <p:nvPr/>
+          </p:nvSpPr>
+          <p:spPr>
+            <a:xfrm>
+              <a:off x="545771" y="319548"/>
+              <a:ext cx="366250" cy="349044"/>
+            </a:xfrm>
+            <a:prstGeom prst="flowChartConnector">
+              <a:avLst/>
+            </a:prstGeom>
+            <a:noFill/>
+            <a:ln w="28575">
+              <a:solidFill>
+                <a:srgbClr val="EA7B6B"/>
+              </a:solidFill>
+            </a:ln>
+          </p:spPr>
+          <p:style>
+            <a:lnRef idx="2">
+              <a:schemeClr val="accent1">
+                <a:shade val="15000"/>
+              </a:schemeClr>
+            </a:lnRef>
+            <a:fillRef idx="1">
+              <a:schemeClr val="accent1"/>
+            </a:fillRef>
+            <a:effectRef idx="0">
+              <a:schemeClr val="accent1"/>
+            </a:effectRef>
+            <a:fontRef idx="minor">
+              <a:schemeClr val="lt1"/>
+            </a:fontRef>
+          </p:style>
+          <p:txBody>
+            <a:bodyPr rtlCol="0" anchor="ctr"/>
+            <a:lstStyle/>
+            <a:p>
+              <a:pPr algn="ctr"/>
+              <a:endParaRPr kumimoji="1" lang="ja-JP" altLang="en-US"/>
+            </a:p>
+          </p:txBody>
+        </p:sp>
+        <p:sp>
+          <p:nvSpPr>
+            <p:cNvPr id="7" name="円弧 6">
+              <a:extLst>
+                <a:ext uri="{FF2B5EF4-FFF2-40B4-BE49-F238E27FC236}">
+                  <a16:creationId xmlns:a16="http://schemas.microsoft.com/office/drawing/2014/main" id="{ADD0E8F1-ED4C-92D8-5152-3BEBF7347DF4}"/>
+                </a:ext>
+              </a:extLst>
+            </p:cNvPr>
+            <p:cNvSpPr/>
+            <p:nvPr/>
+          </p:nvSpPr>
+          <p:spPr>
+            <a:xfrm rot="19079286">
+              <a:off x="374934" y="732788"/>
+              <a:ext cx="707924" cy="698091"/>
+            </a:xfrm>
+            <a:prstGeom prst="arc">
+              <a:avLst/>
+            </a:prstGeom>
+            <a:ln w="28575">
+              <a:solidFill>
+                <a:srgbClr val="EA7B6B"/>
+              </a:solidFill>
+            </a:ln>
+          </p:spPr>
+          <p:style>
+            <a:lnRef idx="1">
+              <a:schemeClr val="accent1"/>
+            </a:lnRef>
+            <a:fillRef idx="0">
+              <a:schemeClr val="accent1"/>
+            </a:fillRef>
+            <a:effectRef idx="0">
+              <a:schemeClr val="accent1"/>
+            </a:effectRef>
+            <a:fontRef idx="minor">
+              <a:schemeClr val="tx1"/>
+            </a:fontRef>
+          </p:style>
+          <p:txBody>
+            <a:bodyPr rtlCol="0" anchor="ctr"/>
+            <a:lstStyle/>
+            <a:p>
+              <a:pPr algn="ctr"/>
+              <a:endParaRPr kumimoji="1" lang="ja-JP" altLang="en-US"/>
+            </a:p>
+          </p:txBody>
+        </p:sp>
+      </p:grpSp>
+      <p:sp>
+        <p:nvSpPr>
+          <p:cNvPr id="8" name="テキスト ボックス 7">
+            <a:extLst>
+              <a:ext uri="{FF2B5EF4-FFF2-40B4-BE49-F238E27FC236}">
+                <a16:creationId xmlns:a16="http://schemas.microsoft.com/office/drawing/2014/main" id="{EB500DF1-82BB-4D47-5EF1-B2F6CFEC1B8A}"/>
+              </a:ext>
+            </a:extLst>
+          </p:cNvPr>
+          <p:cNvSpPr txBox="1"/>
+          <p:nvPr/>
+        </p:nvSpPr>
+        <p:spPr>
+          <a:xfrm>
+            <a:off x="9558094" y="806695"/>
+            <a:ext cx="2401617" cy="461665"/>
+          </a:xfrm>
+          <a:prstGeom prst="rect">
+            <a:avLst/>
+          </a:prstGeom>
+          <a:noFill/>
+        </p:spPr>
+        <p:txBody>
+          <a:bodyPr wrap="square" rtlCol="0">
+            <a:spAutoFit/>
+          </a:bodyPr>
+          <a:lstStyle/>
+          <a:p>
+            <a:r>
+              <a:rPr kumimoji="1" lang="en-US" altLang="ja-JP" sz="2400" dirty="0">
+                <a:solidFill>
+                  <a:srgbClr val="001746"/>
+                </a:solidFill>
+                <a:latin typeface="Kristen ITC" panose="03050502040202030202" pitchFamily="66" charset="0"/>
+              </a:rPr>
+              <a:t>2024/06/07 (Fri)</a:t>
+            </a:r>
+            <a:endParaRPr kumimoji="1" lang="ja-JP" altLang="en-US" sz="2400" dirty="0">
+              <a:solidFill>
+                <a:srgbClr val="001746"/>
+              </a:solidFill>
+              <a:latin typeface="Kristen ITC" panose="03050502040202030202" pitchFamily="66" charset="0"/>
+            </a:endParaRPr>
+          </a:p>
+        </p:txBody>
+      </p:sp>
+      <p:sp>
+        <p:nvSpPr>
+          <p:cNvPr id="9" name="正方形/長方形 8">
+            <a:extLst>
+              <a:ext uri="{FF2B5EF4-FFF2-40B4-BE49-F238E27FC236}">
+                <a16:creationId xmlns:a16="http://schemas.microsoft.com/office/drawing/2014/main" id="{D53C526D-B094-8918-A557-24C3499CAA14}"/>
+              </a:ext>
+            </a:extLst>
+          </p:cNvPr>
+          <p:cNvSpPr/>
+          <p:nvPr/>
+        </p:nvSpPr>
+        <p:spPr>
+          <a:xfrm>
+            <a:off x="0" y="6459794"/>
+            <a:ext cx="12192000" cy="398206"/>
+          </a:xfrm>
+          <a:prstGeom prst="rect">
+            <a:avLst/>
+          </a:prstGeom>
+          <a:solidFill>
+            <a:srgbClr val="F5F5F5"/>
+          </a:solidFill>
+          <a:ln>
+            <a:noFill/>
+          </a:ln>
+        </p:spPr>
+        <p:style>
+          <a:lnRef idx="2">
+            <a:schemeClr val="accent1">
+              <a:shade val="15000"/>
+            </a:schemeClr>
+          </a:lnRef>
+          <a:fillRef idx="1">
+            <a:schemeClr val="accent1"/>
+          </a:fillRef>
+          <a:effectRef idx="0">
+            <a:schemeClr val="accent1"/>
+          </a:effectRef>
+          <a:fontRef idx="minor">
+            <a:schemeClr val="lt1"/>
+          </a:fontRef>
+        </p:style>
+        <p:txBody>
+          <a:bodyPr rtlCol="0" anchor="ctr"/>
+          <a:lstStyle/>
+          <a:p>
+            <a:pPr algn="ctr"/>
+            <a:endParaRPr kumimoji="1" lang="ja-JP" altLang="en-US"/>
+          </a:p>
+        </p:txBody>
+      </p:sp>
+      <p:sp>
+        <p:nvSpPr>
+          <p:cNvPr id="10" name="テキスト ボックス 9">
+            <a:extLst>
+              <a:ext uri="{FF2B5EF4-FFF2-40B4-BE49-F238E27FC236}">
+                <a16:creationId xmlns:a16="http://schemas.microsoft.com/office/drawing/2014/main" id="{D2E0BB24-9F6B-FCE0-B878-91A73ADBBABD}"/>
+              </a:ext>
+            </a:extLst>
+          </p:cNvPr>
+          <p:cNvSpPr txBox="1"/>
+          <p:nvPr/>
+        </p:nvSpPr>
+        <p:spPr>
+          <a:xfrm>
+            <a:off x="3861424" y="6505008"/>
+            <a:ext cx="4490720" cy="307777"/>
+          </a:xfrm>
+          <a:prstGeom prst="rect">
+            <a:avLst/>
+          </a:prstGeom>
+          <a:noFill/>
+        </p:spPr>
+        <p:txBody>
+          <a:bodyPr wrap="square" rtlCol="0">
+            <a:spAutoFit/>
+          </a:bodyPr>
+          <a:lstStyle/>
+          <a:p>
+            <a:r>
+              <a:rPr kumimoji="1" lang="en-US" altLang="ja-JP" sz="1400" dirty="0">
+                <a:solidFill>
+                  <a:srgbClr val="001746"/>
+                </a:solidFill>
+              </a:rPr>
+              <a:t>Copyright </a:t>
+            </a:r>
+            <a:r>
+              <a:rPr kumimoji="1" lang="en-US" altLang="ja-JP" sz="1400" dirty="0" err="1">
+                <a:solidFill>
+                  <a:srgbClr val="001746"/>
+                </a:solidFill>
+              </a:rPr>
+              <a:t>paraparaChahan</a:t>
+            </a:r>
+            <a:r>
+              <a:rPr kumimoji="1" lang="en-US" altLang="ja-JP" sz="1400" dirty="0">
+                <a:solidFill>
+                  <a:srgbClr val="001746"/>
+                </a:solidFill>
+              </a:rPr>
+              <a:t>(PLUS DOJO). All rights reserved.</a:t>
+            </a:r>
+            <a:endParaRPr kumimoji="1" lang="ja-JP" altLang="en-US" sz="1400" dirty="0">
+              <a:solidFill>
+                <a:srgbClr val="001746"/>
+              </a:solidFill>
+            </a:endParaRPr>
+          </a:p>
+        </p:txBody>
+      </p:sp>
+      <p:sp>
+        <p:nvSpPr>
+          <p:cNvPr id="11" name="四角形: 角を丸くする 10">
+            <a:extLst>
+              <a:ext uri="{FF2B5EF4-FFF2-40B4-BE49-F238E27FC236}">
+                <a16:creationId xmlns:a16="http://schemas.microsoft.com/office/drawing/2014/main" id="{0925A5A4-9FD1-E099-4F8C-F9F3FEFEE6B6}"/>
+              </a:ext>
+            </a:extLst>
+          </p:cNvPr>
+          <p:cNvSpPr/>
+          <p:nvPr/>
+        </p:nvSpPr>
+        <p:spPr>
+          <a:xfrm>
+            <a:off x="1776766" y="2275073"/>
+            <a:ext cx="8638468" cy="3734730"/>
+          </a:xfrm>
+          <a:prstGeom prst="roundRect">
+            <a:avLst>
+              <a:gd name="adj" fmla="val 8782"/>
+            </a:avLst>
+          </a:prstGeom>
+          <a:noFill/>
+          <a:ln w="76200" cmpd="dbl">
+            <a:solidFill>
+              <a:srgbClr val="F4D13E"/>
+            </a:solidFill>
+          </a:ln>
+        </p:spPr>
+        <p:style>
+          <a:lnRef idx="2">
+            <a:schemeClr val="accent1">
+              <a:shade val="15000"/>
+            </a:schemeClr>
+          </a:lnRef>
+          <a:fillRef idx="1">
+            <a:schemeClr val="accent1"/>
+          </a:fillRef>
+          <a:effectRef idx="0">
+            <a:schemeClr val="accent1"/>
+          </a:effectRef>
+          <a:fontRef idx="minor">
+            <a:schemeClr val="lt1"/>
+          </a:fontRef>
+        </p:style>
+        <p:txBody>
+          <a:bodyPr rtlCol="0" anchor="ctr"/>
+          <a:lstStyle/>
+          <a:p>
+            <a:pPr algn="ctr"/>
+            <a:endParaRPr kumimoji="1" lang="ja-JP" altLang="en-US" dirty="0"/>
+          </a:p>
+        </p:txBody>
+      </p:sp>
+      <p:sp>
+        <p:nvSpPr>
+          <p:cNvPr id="12" name="四角形: 角を丸くする 11">
+            <a:extLst>
+              <a:ext uri="{FF2B5EF4-FFF2-40B4-BE49-F238E27FC236}">
+                <a16:creationId xmlns:a16="http://schemas.microsoft.com/office/drawing/2014/main" id="{F1A1FCD3-7398-3301-09BE-047BBEAC09B6}"/>
+              </a:ext>
+            </a:extLst>
+          </p:cNvPr>
+          <p:cNvSpPr/>
+          <p:nvPr/>
+        </p:nvSpPr>
+        <p:spPr>
+          <a:xfrm>
+            <a:off x="2124401" y="2723445"/>
+            <a:ext cx="2988527" cy="2837985"/>
+          </a:xfrm>
+          <a:prstGeom prst="roundRect">
+            <a:avLst/>
+          </a:prstGeom>
+          <a:noFill/>
+          <a:ln w="57150">
+            <a:solidFill>
+              <a:srgbClr val="F4D13E"/>
+            </a:solidFill>
+          </a:ln>
+        </p:spPr>
+        <p:style>
+          <a:lnRef idx="2">
+            <a:schemeClr val="accent1">
+              <a:shade val="15000"/>
+            </a:schemeClr>
+          </a:lnRef>
+          <a:fillRef idx="1">
+            <a:schemeClr val="accent1"/>
+          </a:fillRef>
+          <a:effectRef idx="0">
+            <a:schemeClr val="accent1"/>
+          </a:effectRef>
+          <a:fontRef idx="minor">
+            <a:schemeClr val="lt1"/>
+          </a:fontRef>
+        </p:style>
+        <p:txBody>
+          <a:bodyPr rtlCol="0" anchor="ctr"/>
+          <a:lstStyle/>
+          <a:p>
+            <a:pPr algn="ctr"/>
+            <a:endParaRPr kumimoji="1" lang="ja-JP" altLang="en-US"/>
+          </a:p>
+        </p:txBody>
+      </p:sp>
+      <p:sp>
+        <p:nvSpPr>
+          <p:cNvPr id="14" name="四角形: 角を丸くする 13">
+            <a:extLst>
+              <a:ext uri="{FF2B5EF4-FFF2-40B4-BE49-F238E27FC236}">
+                <a16:creationId xmlns:a16="http://schemas.microsoft.com/office/drawing/2014/main" id="{9A787AF9-B709-EDFB-47D2-86102DFA6FCE}"/>
+              </a:ext>
+            </a:extLst>
+          </p:cNvPr>
+          <p:cNvSpPr/>
+          <p:nvPr/>
+        </p:nvSpPr>
+        <p:spPr>
+          <a:xfrm>
+            <a:off x="5460562" y="2704096"/>
+            <a:ext cx="4650058" cy="1569649"/>
+          </a:xfrm>
+          <a:prstGeom prst="roundRect">
+            <a:avLst>
+              <a:gd name="adj" fmla="val 26360"/>
+            </a:avLst>
+          </a:prstGeom>
+          <a:solidFill>
+            <a:srgbClr val="FCF1C4"/>
+          </a:solidFill>
+          <a:ln>
+            <a:noFill/>
+          </a:ln>
+        </p:spPr>
+        <p:style>
+          <a:lnRef idx="2">
+            <a:schemeClr val="accent1">
+              <a:shade val="15000"/>
+            </a:schemeClr>
+          </a:lnRef>
+          <a:fillRef idx="1">
+            <a:schemeClr val="accent1"/>
+          </a:fillRef>
+          <a:effectRef idx="0">
+            <a:schemeClr val="accent1"/>
+          </a:effectRef>
+          <a:fontRef idx="minor">
+            <a:schemeClr val="lt1"/>
+          </a:fontRef>
+        </p:style>
+        <p:txBody>
+          <a:bodyPr rtlCol="0" anchor="ctr"/>
+          <a:lstStyle/>
+          <a:p>
+            <a:pPr algn="ctr"/>
+            <a:endParaRPr kumimoji="1" lang="ja-JP" altLang="en-US"/>
+          </a:p>
+        </p:txBody>
+      </p:sp>
+      <p:sp>
+        <p:nvSpPr>
+          <p:cNvPr id="15" name="四角形: 角を丸くする 14">
+            <a:extLst>
+              <a:ext uri="{FF2B5EF4-FFF2-40B4-BE49-F238E27FC236}">
+                <a16:creationId xmlns:a16="http://schemas.microsoft.com/office/drawing/2014/main" id="{8AB698E6-D247-C602-B79A-81597FD493D9}"/>
+              </a:ext>
+            </a:extLst>
+          </p:cNvPr>
+          <p:cNvSpPr/>
+          <p:nvPr/>
+        </p:nvSpPr>
+        <p:spPr>
+          <a:xfrm>
+            <a:off x="6367390" y="4702768"/>
+            <a:ext cx="2836402" cy="858662"/>
+          </a:xfrm>
+          <a:prstGeom prst="roundRect">
+            <a:avLst>
+              <a:gd name="adj" fmla="val 23763"/>
+            </a:avLst>
+          </a:prstGeom>
+          <a:solidFill>
+            <a:srgbClr val="F4D13E"/>
+          </a:solidFill>
+          <a:ln>
+            <a:noFill/>
+          </a:ln>
+        </p:spPr>
+        <p:style>
+          <a:lnRef idx="2">
+            <a:schemeClr val="accent1">
+              <a:shade val="15000"/>
+            </a:schemeClr>
+          </a:lnRef>
+          <a:fillRef idx="1">
+            <a:schemeClr val="accent1"/>
+          </a:fillRef>
+          <a:effectRef idx="0">
+            <a:schemeClr val="accent1"/>
+          </a:effectRef>
+          <a:fontRef idx="minor">
+            <a:schemeClr val="lt1"/>
+          </a:fontRef>
+        </p:style>
+        <p:txBody>
+          <a:bodyPr rtlCol="0" anchor="ctr"/>
+          <a:lstStyle/>
+          <a:p>
+            <a:pPr algn="ctr"/>
+            <a:endParaRPr kumimoji="1" lang="ja-JP" altLang="en-US"/>
+          </a:p>
+        </p:txBody>
+      </p:sp>
+      <p:sp>
+        <p:nvSpPr>
+          <p:cNvPr id="16" name="テキスト ボックス 15">
+            <a:extLst>
+              <a:ext uri="{FF2B5EF4-FFF2-40B4-BE49-F238E27FC236}">
+                <a16:creationId xmlns:a16="http://schemas.microsoft.com/office/drawing/2014/main" id="{04759C4B-EA56-95E5-EE6A-E20C7F9EAD67}"/>
+              </a:ext>
+            </a:extLst>
+          </p:cNvPr>
+          <p:cNvSpPr txBox="1"/>
+          <p:nvPr/>
+        </p:nvSpPr>
+        <p:spPr>
+          <a:xfrm>
+            <a:off x="7324122" y="4839711"/>
+            <a:ext cx="922938" cy="584775"/>
+          </a:xfrm>
+          <a:prstGeom prst="rect">
+            <a:avLst/>
+          </a:prstGeom>
+          <a:noFill/>
+        </p:spPr>
+        <p:txBody>
+          <a:bodyPr wrap="square" rtlCol="0">
+            <a:spAutoFit/>
+          </a:bodyPr>
+          <a:lstStyle/>
+          <a:p>
+            <a:r>
+              <a:rPr kumimoji="1" lang="en-US" altLang="ja-JP" sz="3200" dirty="0">
+                <a:solidFill>
+                  <a:schemeClr val="bg1"/>
+                </a:solidFill>
+                <a:latin typeface="UD デジタル 教科書体 NP-B" panose="02020700000000000000" pitchFamily="18" charset="-128"/>
+                <a:ea typeface="UD デジタル 教科書体 NP-B" panose="02020700000000000000" pitchFamily="18" charset="-128"/>
+              </a:rPr>
+              <a:t>OK</a:t>
+            </a:r>
+            <a:endParaRPr kumimoji="1" lang="ja-JP" altLang="en-US" sz="3200" dirty="0">
+              <a:solidFill>
+                <a:schemeClr val="bg1"/>
+              </a:solidFill>
+              <a:latin typeface="UD デジタル 教科書体 NP-B" panose="02020700000000000000" pitchFamily="18" charset="-128"/>
+              <a:ea typeface="UD デジタル 教科書体 NP-B" panose="02020700000000000000" pitchFamily="18" charset="-128"/>
+            </a:endParaRPr>
+          </a:p>
+        </p:txBody>
+      </p:sp>
+      <p:sp>
+        <p:nvSpPr>
+          <p:cNvPr id="17" name="テキスト ボックス 16">
+            <a:extLst>
+              <a:ext uri="{FF2B5EF4-FFF2-40B4-BE49-F238E27FC236}">
+                <a16:creationId xmlns:a16="http://schemas.microsoft.com/office/drawing/2014/main" id="{E275C74F-8FF5-6FB3-6B50-E9B8A4EF6FFA}"/>
+              </a:ext>
+            </a:extLst>
+          </p:cNvPr>
+          <p:cNvSpPr txBox="1"/>
+          <p:nvPr/>
+        </p:nvSpPr>
+        <p:spPr>
+          <a:xfrm>
+            <a:off x="6054301" y="3227310"/>
+            <a:ext cx="3410127" cy="523220"/>
+          </a:xfrm>
+          <a:prstGeom prst="rect">
+            <a:avLst/>
+          </a:prstGeom>
+          <a:noFill/>
+        </p:spPr>
+        <p:txBody>
+          <a:bodyPr wrap="square" rtlCol="0">
+            <a:spAutoFit/>
+          </a:bodyPr>
+          <a:lstStyle/>
+          <a:p>
+            <a:r>
+              <a:rPr kumimoji="1" lang="ja-JP" altLang="en-US" sz="2800" dirty="0">
+                <a:solidFill>
+                  <a:srgbClr val="001746"/>
+                </a:solidFill>
+                <a:latin typeface="UD デジタル 教科書体 NP-B" panose="02020700000000000000" pitchFamily="18" charset="-128"/>
+                <a:ea typeface="UD デジタル 教科書体 NP-B" panose="02020700000000000000" pitchFamily="18" charset="-128"/>
+              </a:rPr>
+              <a:t>パラパラチャーハン</a:t>
+            </a:r>
+          </a:p>
+        </p:txBody>
+      </p:sp>
+      <p:pic>
+        <p:nvPicPr>
+          <p:cNvPr id="19" name="グラフィックス 18" descr="りんご 単色塗りつぶし">
+            <a:extLst>
+              <a:ext uri="{FF2B5EF4-FFF2-40B4-BE49-F238E27FC236}">
+                <a16:creationId xmlns:a16="http://schemas.microsoft.com/office/drawing/2014/main" id="{8DDB967A-F4D4-5C7A-6253-45857B35CD49}"/>
+              </a:ext>
+            </a:extLst>
+          </p:cNvPr>
+          <p:cNvPicPr>
+            <a:picLocks noChangeAspect="1"/>
+          </p:cNvPicPr>
+          <p:nvPr/>
+        </p:nvPicPr>
+        <p:blipFill>
+          <a:blip r:embed="rId4">
+            <a:extLst>
+              <a:ext uri="{28A0092B-C50C-407E-A947-70E740481C1C}">
+                <a14:useLocalDpi xmlns:a14="http://schemas.microsoft.com/office/drawing/2010/main" val="0"/>
+              </a:ext>
+              <a:ext uri="{96DAC541-7B7A-43D3-8B79-37D633B846F1}">
+                <asvg:svgBlip xmlns:asvg="http://schemas.microsoft.com/office/drawing/2016/SVG/main" r:embed="rId5"/>
+              </a:ext>
+            </a:extLst>
+          </a:blip>
+          <a:stretch>
+            <a:fillRect/>
+          </a:stretch>
+        </p:blipFill>
+        <p:spPr>
+          <a:xfrm>
+            <a:off x="2531449" y="3046439"/>
+            <a:ext cx="2102963" cy="2102963"/>
+          </a:xfrm>
+          <a:prstGeom prst="rect">
+            <a:avLst/>
+          </a:prstGeom>
+        </p:spPr>
+      </p:pic>
+      <p:sp>
+        <p:nvSpPr>
+          <p:cNvPr id="20" name="四角形: 上の 2 つの角を丸める 19">
+            <a:extLst>
+              <a:ext uri="{FF2B5EF4-FFF2-40B4-BE49-F238E27FC236}">
+                <a16:creationId xmlns:a16="http://schemas.microsoft.com/office/drawing/2014/main" id="{1ABB374C-554B-C4BD-FB72-CAFD9EA76A5D}"/>
+              </a:ext>
+            </a:extLst>
+          </p:cNvPr>
+          <p:cNvSpPr/>
+          <p:nvPr/>
+        </p:nvSpPr>
+        <p:spPr>
+          <a:xfrm>
+            <a:off x="4452694" y="1688039"/>
+            <a:ext cx="3266983" cy="581396"/>
+          </a:xfrm>
+          <a:prstGeom prst="round2SameRect">
+            <a:avLst>
+              <a:gd name="adj1" fmla="val 50000"/>
+              <a:gd name="adj2" fmla="val 0"/>
+            </a:avLst>
+          </a:prstGeom>
+          <a:solidFill>
+            <a:srgbClr val="F4D13E"/>
+          </a:solidFill>
+          <a:ln>
+            <a:noFill/>
+          </a:ln>
+        </p:spPr>
+        <p:style>
+          <a:lnRef idx="2">
+            <a:schemeClr val="accent1">
+              <a:shade val="15000"/>
+            </a:schemeClr>
+          </a:lnRef>
+          <a:fillRef idx="1">
+            <a:schemeClr val="accent1"/>
+          </a:fillRef>
+          <a:effectRef idx="0">
+            <a:schemeClr val="accent1"/>
+          </a:effectRef>
+          <a:fontRef idx="minor">
+            <a:schemeClr val="lt1"/>
+          </a:fontRef>
+        </p:style>
+        <p:txBody>
+          <a:bodyPr rtlCol="0" anchor="ctr"/>
+          <a:lstStyle/>
+          <a:p>
+            <a:pPr algn="ctr"/>
+            <a:endParaRPr kumimoji="1" lang="ja-JP" altLang="en-US"/>
+          </a:p>
+        </p:txBody>
+      </p:sp>
+      <p:sp>
+        <p:nvSpPr>
+          <p:cNvPr id="21" name="テキスト ボックス 20">
+            <a:extLst>
+              <a:ext uri="{FF2B5EF4-FFF2-40B4-BE49-F238E27FC236}">
+                <a16:creationId xmlns:a16="http://schemas.microsoft.com/office/drawing/2014/main" id="{3F2B6FF1-152F-BD9A-3032-6DFB760ADA38}"/>
+              </a:ext>
+            </a:extLst>
+          </p:cNvPr>
+          <p:cNvSpPr txBox="1"/>
+          <p:nvPr/>
+        </p:nvSpPr>
+        <p:spPr>
+          <a:xfrm>
+            <a:off x="4813593" y="1732581"/>
+            <a:ext cx="2564813" cy="584775"/>
+          </a:xfrm>
+          <a:prstGeom prst="rect">
+            <a:avLst/>
+          </a:prstGeom>
+          <a:noFill/>
+        </p:spPr>
+        <p:txBody>
+          <a:bodyPr wrap="square" rtlCol="0">
+            <a:spAutoFit/>
+          </a:bodyPr>
+          <a:lstStyle/>
+          <a:p>
+            <a:r>
+              <a:rPr kumimoji="1" lang="en-US" altLang="ja-JP" sz="3200" dirty="0">
+                <a:solidFill>
+                  <a:schemeClr val="bg1"/>
+                </a:solidFill>
+                <a:latin typeface="Kristen ITC" panose="03050502040202030202" pitchFamily="66" charset="0"/>
+              </a:rPr>
+              <a:t>New Group</a:t>
+            </a:r>
+            <a:endParaRPr kumimoji="1" lang="ja-JP" altLang="en-US" sz="3200" dirty="0">
+              <a:solidFill>
+                <a:schemeClr val="bg1"/>
+              </a:solidFill>
+              <a:latin typeface="Kristen ITC" panose="03050502040202030202" pitchFamily="66" charset="0"/>
+            </a:endParaRPr>
+          </a:p>
+        </p:txBody>
+      </p:sp>
+    </p:spTree>
+    <p:extLst>
+      <p:ext uri="{BB962C8B-B14F-4D97-AF65-F5344CB8AC3E}">
+        <p14:creationId xmlns:p14="http://schemas.microsoft.com/office/powerpoint/2010/main" val="3326991222"/>
+      </p:ext>
+    </p:extLst>
+  </p:cSld>
+  <p:clrMapOvr>
+    <a:masterClrMapping/>
+  </p:clrMapOvr>
+</p:sld>
+</file>
+
+<file path=ppt/slides/slide8.xml><?xml version="1.0" encoding="utf-8"?>
 <p:sld xmlns:a="http://schemas.openxmlformats.org/drawingml/2006/main" xmlns:r="http://schemas.openxmlformats.org/officeDocument/2006/relationships" xmlns:p="http://schemas.openxmlformats.org/presentationml/2006/main">
   <p:cSld>
     <p:spTree>
@@ -48047,10 +50843,10 @@
       </p:sp>
       <p:sp>
         <p:nvSpPr>
-          <p:cNvPr id="11" name="四角形: 角を丸くする 10">
-            <a:extLst>
-              <a:ext uri="{FF2B5EF4-FFF2-40B4-BE49-F238E27FC236}">
-                <a16:creationId xmlns:a16="http://schemas.microsoft.com/office/drawing/2014/main" id="{483B6676-0DD3-34A6-AA42-6F5056660355}"/>
+          <p:cNvPr id="4" name="四角形: 角を丸くする 3">
+            <a:extLst>
+              <a:ext uri="{FF2B5EF4-FFF2-40B4-BE49-F238E27FC236}">
+                <a16:creationId xmlns:a16="http://schemas.microsoft.com/office/drawing/2014/main" id="{45CC6719-3A16-ECDD-201D-F89D915F727C}"/>
               </a:ext>
             </a:extLst>
           </p:cNvPr>
@@ -48059,14 +50855,14 @@
         </p:nvSpPr>
         <p:spPr>
           <a:xfrm>
-            <a:off x="2298289" y="1538450"/>
-            <a:ext cx="7960833" cy="4803355"/>
+            <a:off x="2204899" y="2170470"/>
+            <a:ext cx="1325207" cy="1258530"/>
           </a:xfrm>
           <a:prstGeom prst="roundRect">
             <a:avLst/>
           </a:prstGeom>
           <a:solidFill>
-            <a:srgbClr val="F9E799"/>
+            <a:schemeClr val="bg1"/>
           </a:solidFill>
           <a:ln>
             <a:noFill/>
@@ -48097,193 +50893,67 @@
           </a:p>
         </p:txBody>
       </p:sp>
-      <p:sp>
-        <p:nvSpPr>
-          <p:cNvPr id="12" name="テキスト ボックス 11">
-            <a:extLst>
-              <a:ext uri="{FF2B5EF4-FFF2-40B4-BE49-F238E27FC236}">
-                <a16:creationId xmlns:a16="http://schemas.microsoft.com/office/drawing/2014/main" id="{C375B5E2-C360-169D-4208-9A23C94B2910}"/>
-              </a:ext>
-            </a:extLst>
-          </p:cNvPr>
-          <p:cNvSpPr txBox="1"/>
-          <p:nvPr/>
-        </p:nvSpPr>
-        <p:spPr>
-          <a:xfrm>
-            <a:off x="3764771" y="1535338"/>
-            <a:ext cx="4651914" cy="338554"/>
+      <p:pic>
+        <p:nvPicPr>
+          <p:cNvPr id="8" name="グラフィックス 7" descr="ピエロ 単色塗りつぶし">
+            <a:extLst>
+              <a:ext uri="{FF2B5EF4-FFF2-40B4-BE49-F238E27FC236}">
+                <a16:creationId xmlns:a16="http://schemas.microsoft.com/office/drawing/2014/main" id="{7F41DE25-A12F-0B9A-9029-4134B89303D4}"/>
+              </a:ext>
+            </a:extLst>
+          </p:cNvPr>
+          <p:cNvPicPr>
+            <a:picLocks noChangeAspect="1"/>
+          </p:cNvPicPr>
+          <p:nvPr/>
+        </p:nvPicPr>
+        <p:blipFill>
+          <a:blip r:embed="rId4">
+            <a:extLst>
+              <a:ext uri="{28A0092B-C50C-407E-A947-70E740481C1C}">
+                <a14:useLocalDpi xmlns:a14="http://schemas.microsoft.com/office/drawing/2010/main" val="0"/>
+              </a:ext>
+              <a:ext uri="{96DAC541-7B7A-43D3-8B79-37D633B846F1}">
+                <asvg:svgBlip xmlns:asvg="http://schemas.microsoft.com/office/drawing/2016/SVG/main" r:embed="rId5"/>
+              </a:ext>
+            </a:extLst>
+          </a:blip>
+          <a:stretch>
+            <a:fillRect/>
+          </a:stretch>
+        </p:blipFill>
+        <p:spPr>
+          <a:xfrm>
+            <a:off x="2410302" y="2342535"/>
+            <a:ext cx="914400" cy="914400"/>
           </a:xfrm>
           <a:prstGeom prst="rect">
+            <a:avLst/>
+          </a:prstGeom>
+        </p:spPr>
+      </p:pic>
+      <p:sp>
+        <p:nvSpPr>
+          <p:cNvPr id="9" name="四角形: 角を丸くする 8">
+            <a:extLst>
+              <a:ext uri="{FF2B5EF4-FFF2-40B4-BE49-F238E27FC236}">
+                <a16:creationId xmlns:a16="http://schemas.microsoft.com/office/drawing/2014/main" id="{6503DFE8-606B-A4C9-771A-9337E6A25C71}"/>
+              </a:ext>
+            </a:extLst>
+          </p:cNvPr>
+          <p:cNvSpPr/>
+          <p:nvPr/>
+        </p:nvSpPr>
+        <p:spPr>
+          <a:xfrm>
+            <a:off x="2410302" y="1497677"/>
+            <a:ext cx="7420152" cy="4939509"/>
+          </a:xfrm>
+          <a:prstGeom prst="roundRect">
             <a:avLst/>
           </a:prstGeom>
           <a:solidFill>
             <a:srgbClr val="F9E799"/>
-          </a:solidFill>
-        </p:spPr>
-        <p:txBody>
-          <a:bodyPr wrap="square" rtlCol="0">
-            <a:spAutoFit/>
-          </a:bodyPr>
-          <a:lstStyle/>
-          <a:p>
-            <a:pPr algn="ctr"/>
-            <a:r>
-              <a:rPr lang="en-US" altLang="ja-JP" sz="1600" dirty="0">
-                <a:solidFill>
-                  <a:srgbClr val="001746"/>
-                </a:solidFill>
-                <a:latin typeface="Kristen ITC" panose="03050502040202030202" pitchFamily="66" charset="0"/>
-                <a:ea typeface="UD デジタル 教科書体 NP-B" panose="02020700000000000000" pitchFamily="18" charset="-128"/>
-              </a:rPr>
-              <a:t>U</a:t>
-            </a:r>
-            <a:r>
-              <a:rPr kumimoji="1" lang="en-US" altLang="ja-JP" sz="1600" dirty="0">
-                <a:solidFill>
-                  <a:srgbClr val="001746"/>
-                </a:solidFill>
-                <a:latin typeface="Kristen ITC" panose="03050502040202030202" pitchFamily="66" charset="0"/>
-                <a:ea typeface="UD デジタル 教科書体 NP-B" panose="02020700000000000000" pitchFamily="18" charset="-128"/>
-              </a:rPr>
-              <a:t>ser ID</a:t>
-            </a:r>
-            <a:endParaRPr kumimoji="1" lang="ja-JP" altLang="en-US" sz="1600" dirty="0">
-              <a:solidFill>
-                <a:srgbClr val="001746"/>
-              </a:solidFill>
-              <a:latin typeface="Kristen ITC" panose="03050502040202030202" pitchFamily="66" charset="0"/>
-              <a:ea typeface="UD デジタル 教科書体 NP-B" panose="02020700000000000000" pitchFamily="18" charset="-128"/>
-            </a:endParaRPr>
-          </a:p>
-        </p:txBody>
-      </p:sp>
-      <p:sp>
-        <p:nvSpPr>
-          <p:cNvPr id="19" name="テキスト ボックス 18">
-            <a:extLst>
-              <a:ext uri="{FF2B5EF4-FFF2-40B4-BE49-F238E27FC236}">
-                <a16:creationId xmlns:a16="http://schemas.microsoft.com/office/drawing/2014/main" id="{ADE8B062-11AF-3F71-5A5F-79E5D06AD258}"/>
-              </a:ext>
-            </a:extLst>
-          </p:cNvPr>
-          <p:cNvSpPr txBox="1"/>
-          <p:nvPr/>
-        </p:nvSpPr>
-        <p:spPr>
-          <a:xfrm>
-            <a:off x="3764771" y="2334755"/>
-            <a:ext cx="4651914" cy="338554"/>
-          </a:xfrm>
-          <a:prstGeom prst="rect">
-            <a:avLst/>
-          </a:prstGeom>
-          <a:solidFill>
-            <a:srgbClr val="F9E799"/>
-          </a:solidFill>
-        </p:spPr>
-        <p:txBody>
-          <a:bodyPr wrap="square" rtlCol="0">
-            <a:spAutoFit/>
-          </a:bodyPr>
-          <a:lstStyle/>
-          <a:p>
-            <a:pPr algn="ctr"/>
-            <a:r>
-              <a:rPr kumimoji="1" lang="en-US" altLang="ja-JP" sz="1600" dirty="0">
-                <a:solidFill>
-                  <a:srgbClr val="001746"/>
-                </a:solidFill>
-                <a:latin typeface="Kristen ITC" panose="03050502040202030202" pitchFamily="66" charset="0"/>
-                <a:ea typeface="UD デジタル 教科書体 NP-B" panose="02020700000000000000" pitchFamily="18" charset="-128"/>
-              </a:rPr>
-              <a:t>Mail</a:t>
-            </a:r>
-            <a:endParaRPr kumimoji="1" lang="ja-JP" altLang="en-US" sz="1600" dirty="0">
-              <a:solidFill>
-                <a:srgbClr val="001746"/>
-              </a:solidFill>
-              <a:latin typeface="Kristen ITC" panose="03050502040202030202" pitchFamily="66" charset="0"/>
-              <a:ea typeface="UD デジタル 教科書体 NP-B" panose="02020700000000000000" pitchFamily="18" charset="-128"/>
-            </a:endParaRPr>
-          </a:p>
-        </p:txBody>
-      </p:sp>
-      <p:sp>
-        <p:nvSpPr>
-          <p:cNvPr id="24" name="テキスト ボックス 23">
-            <a:extLst>
-              <a:ext uri="{FF2B5EF4-FFF2-40B4-BE49-F238E27FC236}">
-                <a16:creationId xmlns:a16="http://schemas.microsoft.com/office/drawing/2014/main" id="{44013065-A6B2-1804-0697-9FCDDA6ECCCF}"/>
-              </a:ext>
-            </a:extLst>
-          </p:cNvPr>
-          <p:cNvSpPr txBox="1"/>
-          <p:nvPr/>
-        </p:nvSpPr>
-        <p:spPr>
-          <a:xfrm>
-            <a:off x="3764771" y="3151553"/>
-            <a:ext cx="4651914" cy="338554"/>
-          </a:xfrm>
-          <a:prstGeom prst="rect">
-            <a:avLst/>
-          </a:prstGeom>
-          <a:solidFill>
-            <a:srgbClr val="F9E799"/>
-          </a:solidFill>
-        </p:spPr>
-        <p:txBody>
-          <a:bodyPr wrap="square" rtlCol="0">
-            <a:spAutoFit/>
-          </a:bodyPr>
-          <a:lstStyle/>
-          <a:p>
-            <a:pPr algn="ctr"/>
-            <a:r>
-              <a:rPr lang="en-US" altLang="ja-JP" sz="1600" dirty="0">
-                <a:solidFill>
-                  <a:srgbClr val="001746"/>
-                </a:solidFill>
-                <a:latin typeface="Kristen ITC" panose="03050502040202030202" pitchFamily="66" charset="0"/>
-                <a:ea typeface="UD デジタル 教科書体 NP-B" panose="02020700000000000000" pitchFamily="18" charset="-128"/>
-              </a:rPr>
-              <a:t>Password</a:t>
-            </a:r>
-            <a:endParaRPr kumimoji="1" lang="ja-JP" altLang="en-US" sz="1600" dirty="0">
-              <a:solidFill>
-                <a:srgbClr val="001746"/>
-              </a:solidFill>
-              <a:latin typeface="Kristen ITC" panose="03050502040202030202" pitchFamily="66" charset="0"/>
-              <a:ea typeface="UD デジタル 教科書体 NP-B" panose="02020700000000000000" pitchFamily="18" charset="-128"/>
-            </a:endParaRPr>
-          </a:p>
-        </p:txBody>
-      </p:sp>
-      <p:sp>
-        <p:nvSpPr>
-          <p:cNvPr id="27" name="四角形: 角を丸くする 26">
-            <a:extLst>
-              <a:ext uri="{FF2B5EF4-FFF2-40B4-BE49-F238E27FC236}">
-                <a16:creationId xmlns:a16="http://schemas.microsoft.com/office/drawing/2014/main" id="{E2146CF5-E729-F45C-32CF-55F5F7A8F68B}"/>
-              </a:ext>
-            </a:extLst>
-          </p:cNvPr>
-          <p:cNvSpPr/>
-          <p:nvPr/>
-        </p:nvSpPr>
-        <p:spPr>
-          <a:xfrm>
-            <a:off x="4440363" y="1910838"/>
-            <a:ext cx="3311273" cy="385956"/>
-          </a:xfrm>
-          <a:prstGeom prst="roundRect">
-            <a:avLst>
-              <a:gd name="adj" fmla="val 50000"/>
-            </a:avLst>
-          </a:prstGeom>
-          <a:solidFill>
-            <a:srgbClr val="F5F5F5"/>
           </a:solidFill>
           <a:ln>
             <a:noFill/>
@@ -48310,575 +50980,16 @@
           <a:lstStyle/>
           <a:p>
             <a:pPr algn="ctr"/>
-            <a:r>
-              <a:rPr lang="en-US" altLang="ja-JP" dirty="0" err="1">
-                <a:solidFill>
-                  <a:srgbClr val="001746"/>
-                </a:solidFill>
-              </a:rPr>
-              <a:t>paraparachahan</a:t>
-            </a:r>
-            <a:endParaRPr kumimoji="1" lang="ja-JP" altLang="en-US" dirty="0">
-              <a:solidFill>
-                <a:srgbClr val="001746"/>
-              </a:solidFill>
-            </a:endParaRPr>
-          </a:p>
-        </p:txBody>
-      </p:sp>
-      <p:sp>
-        <p:nvSpPr>
-          <p:cNvPr id="32" name="四角形: 角を丸くする 31">
-            <a:extLst>
-              <a:ext uri="{FF2B5EF4-FFF2-40B4-BE49-F238E27FC236}">
-                <a16:creationId xmlns:a16="http://schemas.microsoft.com/office/drawing/2014/main" id="{ABF9D0DD-63D6-3555-DAC0-C38C9276558C}"/>
-              </a:ext>
-            </a:extLst>
-          </p:cNvPr>
-          <p:cNvSpPr/>
-          <p:nvPr/>
-        </p:nvSpPr>
-        <p:spPr>
-          <a:xfrm>
-            <a:off x="4440364" y="2693357"/>
-            <a:ext cx="3311272" cy="385956"/>
-          </a:xfrm>
-          <a:prstGeom prst="roundRect">
-            <a:avLst>
-              <a:gd name="adj" fmla="val 50000"/>
-            </a:avLst>
-          </a:prstGeom>
-          <a:solidFill>
-            <a:srgbClr val="F5F5F5"/>
-          </a:solidFill>
-          <a:ln>
-            <a:noFill/>
-          </a:ln>
-        </p:spPr>
-        <p:style>
-          <a:lnRef idx="2">
-            <a:schemeClr val="accent1">
-              <a:shade val="15000"/>
-            </a:schemeClr>
-          </a:lnRef>
-          <a:fillRef idx="1">
-            <a:schemeClr val="accent1"/>
-          </a:fillRef>
-          <a:effectRef idx="0">
-            <a:schemeClr val="accent1"/>
-          </a:effectRef>
-          <a:fontRef idx="minor">
-            <a:schemeClr val="lt1"/>
-          </a:fontRef>
-        </p:style>
-        <p:txBody>
-          <a:bodyPr rtlCol="0" anchor="ctr"/>
-          <a:lstStyle/>
-          <a:p>
-            <a:pPr algn="ctr"/>
-            <a:r>
-              <a:rPr kumimoji="1" lang="en-US" altLang="ja-JP" dirty="0">
-                <a:solidFill>
-                  <a:srgbClr val="001746"/>
-                </a:solidFill>
-              </a:rPr>
-              <a:t>parapara@chahan.jp</a:t>
-            </a:r>
-            <a:endParaRPr kumimoji="1" lang="ja-JP" altLang="en-US" dirty="0">
-              <a:solidFill>
-                <a:srgbClr val="001746"/>
-              </a:solidFill>
-            </a:endParaRPr>
-          </a:p>
-        </p:txBody>
-      </p:sp>
-      <p:sp>
-        <p:nvSpPr>
-          <p:cNvPr id="33" name="四角形: 角を丸くする 32">
-            <a:extLst>
-              <a:ext uri="{FF2B5EF4-FFF2-40B4-BE49-F238E27FC236}">
-                <a16:creationId xmlns:a16="http://schemas.microsoft.com/office/drawing/2014/main" id="{EE3DD710-E014-5098-B71E-45198EE0964A}"/>
-              </a:ext>
-            </a:extLst>
-          </p:cNvPr>
-          <p:cNvSpPr/>
-          <p:nvPr/>
-        </p:nvSpPr>
-        <p:spPr>
-          <a:xfrm>
-            <a:off x="4474712" y="3502112"/>
-            <a:ext cx="3287233" cy="385956"/>
-          </a:xfrm>
-          <a:prstGeom prst="roundRect">
-            <a:avLst>
-              <a:gd name="adj" fmla="val 50000"/>
-            </a:avLst>
-          </a:prstGeom>
-          <a:solidFill>
-            <a:srgbClr val="F5F5F5"/>
-          </a:solidFill>
-          <a:ln>
-            <a:noFill/>
-          </a:ln>
-        </p:spPr>
-        <p:style>
-          <a:lnRef idx="2">
-            <a:schemeClr val="accent1">
-              <a:shade val="15000"/>
-            </a:schemeClr>
-          </a:lnRef>
-          <a:fillRef idx="1">
-            <a:schemeClr val="accent1"/>
-          </a:fillRef>
-          <a:effectRef idx="0">
-            <a:schemeClr val="accent1"/>
-          </a:effectRef>
-          <a:fontRef idx="minor">
-            <a:schemeClr val="lt1"/>
-          </a:fontRef>
-        </p:style>
-        <p:txBody>
-          <a:bodyPr rtlCol="0" anchor="ctr"/>
-          <a:lstStyle/>
-          <a:p>
-            <a:pPr algn="ctr"/>
-            <a:r>
-              <a:rPr lang="ja-JP" altLang="en-US" dirty="0">
-                <a:solidFill>
-                  <a:srgbClr val="001746"/>
-                </a:solidFill>
-              </a:rPr>
-              <a:t>●●●●</a:t>
-            </a:r>
-            <a:endParaRPr kumimoji="1" lang="ja-JP" altLang="en-US" dirty="0">
-              <a:solidFill>
-                <a:srgbClr val="001746"/>
-              </a:solidFill>
-            </a:endParaRPr>
-          </a:p>
-        </p:txBody>
-      </p:sp>
-      <p:sp>
-        <p:nvSpPr>
-          <p:cNvPr id="34" name="四角形: 角を丸くする 33">
-            <a:extLst>
-              <a:ext uri="{FF2B5EF4-FFF2-40B4-BE49-F238E27FC236}">
-                <a16:creationId xmlns:a16="http://schemas.microsoft.com/office/drawing/2014/main" id="{79C24ABA-E5C9-0018-034F-F8574C74B416}"/>
-              </a:ext>
-            </a:extLst>
-          </p:cNvPr>
-          <p:cNvSpPr/>
-          <p:nvPr/>
-        </p:nvSpPr>
-        <p:spPr>
-          <a:xfrm>
-            <a:off x="4474712" y="5084254"/>
-            <a:ext cx="3287233" cy="385956"/>
-          </a:xfrm>
-          <a:prstGeom prst="roundRect">
-            <a:avLst>
-              <a:gd name="adj" fmla="val 50000"/>
-            </a:avLst>
-          </a:prstGeom>
-          <a:solidFill>
-            <a:srgbClr val="F5F5F5"/>
-          </a:solidFill>
-          <a:ln>
-            <a:noFill/>
-          </a:ln>
-        </p:spPr>
-        <p:style>
-          <a:lnRef idx="2">
-            <a:schemeClr val="accent1">
-              <a:shade val="15000"/>
-            </a:schemeClr>
-          </a:lnRef>
-          <a:fillRef idx="1">
-            <a:schemeClr val="accent1"/>
-          </a:fillRef>
-          <a:effectRef idx="0">
-            <a:schemeClr val="accent1"/>
-          </a:effectRef>
-          <a:fontRef idx="minor">
-            <a:schemeClr val="lt1"/>
-          </a:fontRef>
-        </p:style>
-        <p:txBody>
-          <a:bodyPr rtlCol="0" anchor="ctr"/>
-          <a:lstStyle/>
-          <a:p>
-            <a:pPr algn="ctr"/>
-            <a:r>
-              <a:rPr kumimoji="1" lang="en-US" altLang="ja-JP" dirty="0" err="1">
-                <a:solidFill>
-                  <a:srgbClr val="001746"/>
-                </a:solidFill>
-              </a:rPr>
-              <a:t>Parachan</a:t>
-            </a:r>
-            <a:endParaRPr kumimoji="1" lang="ja-JP" altLang="en-US" dirty="0">
-              <a:solidFill>
-                <a:srgbClr val="001746"/>
-              </a:solidFill>
-            </a:endParaRPr>
-          </a:p>
-        </p:txBody>
-      </p:sp>
-      <p:sp>
-        <p:nvSpPr>
-          <p:cNvPr id="35" name="テキスト ボックス 34">
-            <a:extLst>
-              <a:ext uri="{FF2B5EF4-FFF2-40B4-BE49-F238E27FC236}">
-                <a16:creationId xmlns:a16="http://schemas.microsoft.com/office/drawing/2014/main" id="{9AE8BEFB-A94E-C9E3-91D8-E7224B60661F}"/>
-              </a:ext>
-            </a:extLst>
-          </p:cNvPr>
-          <p:cNvSpPr txBox="1"/>
-          <p:nvPr/>
-        </p:nvSpPr>
-        <p:spPr>
-          <a:xfrm>
-            <a:off x="3764771" y="4696000"/>
-            <a:ext cx="4651914" cy="338554"/>
-          </a:xfrm>
-          <a:prstGeom prst="rect">
-            <a:avLst/>
-          </a:prstGeom>
-          <a:solidFill>
-            <a:srgbClr val="F9E799"/>
-          </a:solidFill>
-        </p:spPr>
-        <p:txBody>
-          <a:bodyPr wrap="square" rtlCol="0">
-            <a:spAutoFit/>
-          </a:bodyPr>
-          <a:lstStyle/>
-          <a:p>
-            <a:pPr algn="ctr"/>
-            <a:r>
-              <a:rPr kumimoji="1" lang="en-US" altLang="ja-JP" sz="1600" dirty="0">
-                <a:solidFill>
-                  <a:srgbClr val="001746"/>
-                </a:solidFill>
-                <a:latin typeface="Kristen ITC" panose="03050502040202030202" pitchFamily="66" charset="0"/>
-                <a:ea typeface="UD デジタル 教科書体 NP-B" panose="02020700000000000000" pitchFamily="18" charset="-128"/>
-              </a:rPr>
-              <a:t>Nickname</a:t>
-            </a:r>
-            <a:endParaRPr kumimoji="1" lang="ja-JP" altLang="en-US" sz="1600" dirty="0">
-              <a:solidFill>
-                <a:srgbClr val="001746"/>
-              </a:solidFill>
-              <a:latin typeface="Kristen ITC" panose="03050502040202030202" pitchFamily="66" charset="0"/>
-              <a:ea typeface="UD デジタル 教科書体 NP-B" panose="02020700000000000000" pitchFamily="18" charset="-128"/>
-            </a:endParaRPr>
-          </a:p>
-        </p:txBody>
-      </p:sp>
-      <p:sp>
-        <p:nvSpPr>
-          <p:cNvPr id="36" name="四角形: 角を丸くする 35">
-            <a:extLst>
-              <a:ext uri="{FF2B5EF4-FFF2-40B4-BE49-F238E27FC236}">
-                <a16:creationId xmlns:a16="http://schemas.microsoft.com/office/drawing/2014/main" id="{14C5C34A-F129-4578-EB0C-8F357383BFA0}"/>
-              </a:ext>
-            </a:extLst>
-          </p:cNvPr>
-          <p:cNvSpPr/>
-          <p:nvPr/>
-        </p:nvSpPr>
-        <p:spPr>
-          <a:xfrm>
-            <a:off x="5103845" y="5699942"/>
-            <a:ext cx="1973765" cy="486842"/>
-          </a:xfrm>
-          <a:prstGeom prst="roundRect">
-            <a:avLst>
-              <a:gd name="adj" fmla="val 50000"/>
-            </a:avLst>
-          </a:prstGeom>
-          <a:solidFill>
-            <a:srgbClr val="001746"/>
-          </a:solidFill>
-          <a:ln>
-            <a:noFill/>
-          </a:ln>
-        </p:spPr>
-        <p:style>
-          <a:lnRef idx="2">
-            <a:schemeClr val="accent1">
-              <a:shade val="15000"/>
-            </a:schemeClr>
-          </a:lnRef>
-          <a:fillRef idx="1">
-            <a:schemeClr val="accent1"/>
-          </a:fillRef>
-          <a:effectRef idx="0">
-            <a:schemeClr val="accent1"/>
-          </a:effectRef>
-          <a:fontRef idx="minor">
-            <a:schemeClr val="lt1"/>
-          </a:fontRef>
-        </p:style>
-        <p:txBody>
-          <a:bodyPr rtlCol="0" anchor="ctr"/>
-          <a:lstStyle/>
-          <a:p>
-            <a:pPr algn="ctr"/>
-            <a:r>
-              <a:rPr kumimoji="1" lang="en-US" altLang="ja-JP" dirty="0">
-                <a:latin typeface="UD デジタル 教科書体 NP-B" panose="02020700000000000000" pitchFamily="18" charset="-128"/>
-                <a:ea typeface="UD デジタル 教科書体 NP-B" panose="02020700000000000000" pitchFamily="18" charset="-128"/>
-              </a:rPr>
-              <a:t>OK</a:t>
-            </a:r>
-            <a:endParaRPr kumimoji="1" lang="ja-JP" altLang="en-US" dirty="0">
-              <a:latin typeface="UD デジタル 教科書体 NP-B" panose="02020700000000000000" pitchFamily="18" charset="-128"/>
-              <a:ea typeface="UD デジタル 教科書体 NP-B" panose="02020700000000000000" pitchFamily="18" charset="-128"/>
-            </a:endParaRPr>
-          </a:p>
-        </p:txBody>
-      </p:sp>
-      <p:sp>
-        <p:nvSpPr>
-          <p:cNvPr id="2" name="テキスト ボックス 1">
-            <a:extLst>
-              <a:ext uri="{FF2B5EF4-FFF2-40B4-BE49-F238E27FC236}">
-                <a16:creationId xmlns:a16="http://schemas.microsoft.com/office/drawing/2014/main" id="{EE6BA040-91C8-1DDF-6982-96A4977CDCCF}"/>
-              </a:ext>
-            </a:extLst>
-          </p:cNvPr>
-          <p:cNvSpPr txBox="1"/>
-          <p:nvPr/>
-        </p:nvSpPr>
-        <p:spPr>
-          <a:xfrm>
-            <a:off x="3789564" y="3914902"/>
-            <a:ext cx="4651914" cy="338554"/>
-          </a:xfrm>
-          <a:prstGeom prst="rect">
-            <a:avLst/>
-          </a:prstGeom>
-          <a:solidFill>
-            <a:srgbClr val="F9E799"/>
-          </a:solidFill>
-        </p:spPr>
-        <p:txBody>
-          <a:bodyPr wrap="square" rtlCol="0">
-            <a:spAutoFit/>
-          </a:bodyPr>
-          <a:lstStyle/>
-          <a:p>
-            <a:pPr algn="ctr"/>
-            <a:r>
-              <a:rPr lang="en-US" altLang="ja-JP" sz="1600" dirty="0">
-                <a:solidFill>
-                  <a:srgbClr val="001746"/>
-                </a:solidFill>
-                <a:latin typeface="Kristen ITC" panose="03050502040202030202" pitchFamily="66" charset="0"/>
-                <a:ea typeface="UD デジタル 教科書体 NP-B" panose="02020700000000000000" pitchFamily="18" charset="-128"/>
-              </a:rPr>
-              <a:t>New Password</a:t>
-            </a:r>
-            <a:endParaRPr kumimoji="1" lang="ja-JP" altLang="en-US" sz="1600" dirty="0">
-              <a:solidFill>
-                <a:srgbClr val="001746"/>
-              </a:solidFill>
-              <a:latin typeface="Kristen ITC" panose="03050502040202030202" pitchFamily="66" charset="0"/>
-              <a:ea typeface="UD デジタル 教科書体 NP-B" panose="02020700000000000000" pitchFamily="18" charset="-128"/>
-            </a:endParaRPr>
-          </a:p>
-        </p:txBody>
-      </p:sp>
-      <p:sp>
-        <p:nvSpPr>
-          <p:cNvPr id="3" name="四角形: 角を丸くする 2">
-            <a:extLst>
-              <a:ext uri="{FF2B5EF4-FFF2-40B4-BE49-F238E27FC236}">
-                <a16:creationId xmlns:a16="http://schemas.microsoft.com/office/drawing/2014/main" id="{D58494F0-5D55-F985-4FB0-30DB4697EE74}"/>
-              </a:ext>
-            </a:extLst>
-          </p:cNvPr>
-          <p:cNvSpPr/>
-          <p:nvPr/>
-        </p:nvSpPr>
-        <p:spPr>
-          <a:xfrm>
-            <a:off x="4474712" y="4282329"/>
-            <a:ext cx="3287233" cy="385956"/>
-          </a:xfrm>
-          <a:prstGeom prst="roundRect">
-            <a:avLst>
-              <a:gd name="adj" fmla="val 50000"/>
-            </a:avLst>
-          </a:prstGeom>
-          <a:solidFill>
-            <a:srgbClr val="F5F5F5"/>
-          </a:solidFill>
-          <a:ln>
-            <a:noFill/>
-          </a:ln>
-        </p:spPr>
-        <p:style>
-          <a:lnRef idx="2">
-            <a:schemeClr val="accent1">
-              <a:shade val="15000"/>
-            </a:schemeClr>
-          </a:lnRef>
-          <a:fillRef idx="1">
-            <a:schemeClr val="accent1"/>
-          </a:fillRef>
-          <a:effectRef idx="0">
-            <a:schemeClr val="accent1"/>
-          </a:effectRef>
-          <a:fontRef idx="minor">
-            <a:schemeClr val="lt1"/>
-          </a:fontRef>
-        </p:style>
-        <p:txBody>
-          <a:bodyPr rtlCol="0" anchor="ctr"/>
-          <a:lstStyle/>
-          <a:p>
-            <a:pPr algn="ctr"/>
-            <a:r>
-              <a:rPr lang="ja-JP" altLang="en-US" dirty="0">
-                <a:solidFill>
-                  <a:srgbClr val="001746"/>
-                </a:solidFill>
-              </a:rPr>
-              <a:t>●●●●</a:t>
-            </a:r>
-            <a:endParaRPr kumimoji="1" lang="ja-JP" altLang="en-US" dirty="0">
-              <a:solidFill>
-                <a:srgbClr val="001746"/>
-              </a:solidFill>
-            </a:endParaRPr>
-          </a:p>
-        </p:txBody>
-      </p:sp>
-    </p:spTree>
-    <p:extLst>
-      <p:ext uri="{BB962C8B-B14F-4D97-AF65-F5344CB8AC3E}">
-        <p14:creationId xmlns:p14="http://schemas.microsoft.com/office/powerpoint/2010/main" val="2635762147"/>
-      </p:ext>
-    </p:extLst>
-  </p:cSld>
-  <p:clrMapOvr>
-    <a:masterClrMapping/>
-  </p:clrMapOvr>
-</p:sld>
-</file>
-
-<file path=ppt/slides/slide7.xml><?xml version="1.0" encoding="utf-8"?>
-<p:sld xmlns:a="http://schemas.openxmlformats.org/drawingml/2006/main" xmlns:r="http://schemas.openxmlformats.org/officeDocument/2006/relationships" xmlns:p="http://schemas.openxmlformats.org/presentationml/2006/main">
-  <p:cSld>
-    <p:spTree>
-      <p:nvGrpSpPr>
-        <p:cNvPr id="1" name=""/>
-        <p:cNvGrpSpPr/>
-        <p:nvPr/>
-      </p:nvGrpSpPr>
-      <p:grpSpPr>
-        <a:xfrm>
-          <a:off x="0" y="0"/>
-          <a:ext cx="0" cy="0"/>
-          <a:chOff x="0" y="0"/>
-          <a:chExt cx="0" cy="0"/>
-        </a:xfrm>
-      </p:grpSpPr>
-      <p:sp>
-        <p:nvSpPr>
-          <p:cNvPr id="2" name="正方形/長方形 1">
-            <a:extLst>
-              <a:ext uri="{FF2B5EF4-FFF2-40B4-BE49-F238E27FC236}">
-                <a16:creationId xmlns:a16="http://schemas.microsoft.com/office/drawing/2014/main" id="{4EACDB33-D278-4E96-4B83-CB0DA0017812}"/>
-              </a:ext>
-            </a:extLst>
-          </p:cNvPr>
-          <p:cNvSpPr/>
-          <p:nvPr/>
-        </p:nvSpPr>
-        <p:spPr>
-          <a:xfrm>
-            <a:off x="0" y="0"/>
-            <a:ext cx="12192000" cy="1386348"/>
-          </a:xfrm>
-          <a:prstGeom prst="rect">
-            <a:avLst/>
-          </a:prstGeom>
-          <a:solidFill>
-            <a:srgbClr val="F5F5F5"/>
-          </a:solidFill>
-          <a:ln>
-            <a:noFill/>
-          </a:ln>
-        </p:spPr>
-        <p:style>
-          <a:lnRef idx="2">
-            <a:schemeClr val="accent1">
-              <a:shade val="15000"/>
-            </a:schemeClr>
-          </a:lnRef>
-          <a:fillRef idx="1">
-            <a:schemeClr val="accent1"/>
-          </a:fillRef>
-          <a:effectRef idx="0">
-            <a:schemeClr val="accent1"/>
-          </a:effectRef>
-          <a:fontRef idx="minor">
-            <a:schemeClr val="lt1"/>
-          </a:fontRef>
-        </p:style>
-        <p:txBody>
-          <a:bodyPr rtlCol="0" anchor="ctr"/>
-          <a:lstStyle/>
-          <a:p>
-            <a:pPr algn="ctr"/>
-            <a:endParaRPr kumimoji="1" lang="ja-JP" altLang="en-US"/>
-          </a:p>
-        </p:txBody>
-      </p:sp>
-      <p:pic>
-        <p:nvPicPr>
-          <p:cNvPr id="3" name="図 2" descr="ロゴ&#10;&#10;中程度の精度で自動的に生成された説明">
-            <a:extLst>
-              <a:ext uri="{FF2B5EF4-FFF2-40B4-BE49-F238E27FC236}">
-                <a16:creationId xmlns:a16="http://schemas.microsoft.com/office/drawing/2014/main" id="{90677610-C373-EFD4-017B-EAF5C0AA7686}"/>
-              </a:ext>
-            </a:extLst>
-          </p:cNvPr>
-          <p:cNvPicPr>
-            <a:picLocks noChangeAspect="1"/>
-          </p:cNvPicPr>
-          <p:nvPr/>
-        </p:nvPicPr>
-        <p:blipFill rotWithShape="1">
-          <a:blip r:embed="rId3">
-            <a:extLst>
-              <a:ext uri="{28A0092B-C50C-407E-A947-70E740481C1C}">
-                <a14:useLocalDpi xmlns:a14="http://schemas.microsoft.com/office/drawing/2010/main" val="0"/>
-              </a:ext>
-            </a:extLst>
-          </a:blip>
-          <a:srcRect l="14562" t="11298" b="30517"/>
-          <a:stretch/>
-        </p:blipFill>
-        <p:spPr>
-          <a:xfrm>
-            <a:off x="4826940" y="196644"/>
-            <a:ext cx="2538120" cy="1012723"/>
-          </a:xfrm>
-          <a:prstGeom prst="rect">
-            <a:avLst/>
-          </a:prstGeom>
-        </p:spPr>
-      </p:pic>
+            <a:endParaRPr kumimoji="1" lang="ja-JP" altLang="en-US" dirty="0"/>
+          </a:p>
+        </p:txBody>
+      </p:sp>
       <p:grpSp>
         <p:nvGrpSpPr>
-          <p:cNvPr id="4" name="グループ化 3">
-            <a:extLst>
-              <a:ext uri="{FF2B5EF4-FFF2-40B4-BE49-F238E27FC236}">
-                <a16:creationId xmlns:a16="http://schemas.microsoft.com/office/drawing/2014/main" id="{329BA7C7-A952-CC36-20BF-41CF8CC2B67C}"/>
+          <p:cNvPr id="19" name="グループ化 18">
+            <a:extLst>
+              <a:ext uri="{FF2B5EF4-FFF2-40B4-BE49-F238E27FC236}">
+                <a16:creationId xmlns:a16="http://schemas.microsoft.com/office/drawing/2014/main" id="{C4728169-702F-101A-7EDC-570D94A811CF}"/>
               </a:ext>
             </a:extLst>
           </p:cNvPr>
@@ -48887,18 +50998,18 @@
         </p:nvGrpSpPr>
         <p:grpSpPr>
           <a:xfrm>
-            <a:off x="317581" y="277924"/>
-            <a:ext cx="924233" cy="1234235"/>
-            <a:chOff x="266781" y="196644"/>
-            <a:chExt cx="924233" cy="1234235"/>
+            <a:off x="2901235" y="1910857"/>
+            <a:ext cx="1168177" cy="1125287"/>
+            <a:chOff x="2354695" y="2184840"/>
+            <a:chExt cx="1325207" cy="1258530"/>
           </a:xfrm>
         </p:grpSpPr>
         <p:sp>
           <p:nvSpPr>
-            <p:cNvPr id="5" name="フローチャート: 結合子 4">
+            <p:cNvPr id="17" name="四角形: 角を丸くする 16">
               <a:extLst>
                 <a:ext uri="{FF2B5EF4-FFF2-40B4-BE49-F238E27FC236}">
-                  <a16:creationId xmlns:a16="http://schemas.microsoft.com/office/drawing/2014/main" id="{47EE03C1-417B-88F6-FDC6-9C47B48C9432}"/>
+                  <a16:creationId xmlns:a16="http://schemas.microsoft.com/office/drawing/2014/main" id="{E5A88E3C-273F-A868-836F-2302D41D8F21}"/>
                 </a:ext>
               </a:extLst>
             </p:cNvPr>
@@ -48907,17 +51018,17 @@
           </p:nvSpPr>
           <p:spPr>
             <a:xfrm>
-              <a:off x="266781" y="196644"/>
-              <a:ext cx="924233" cy="924233"/>
+              <a:off x="2354695" y="2184840"/>
+              <a:ext cx="1325207" cy="1258530"/>
             </a:xfrm>
-            <a:prstGeom prst="flowChartConnector">
+            <a:prstGeom prst="roundRect">
               <a:avLst/>
             </a:prstGeom>
-            <a:noFill/>
-            <a:ln w="28575">
-              <a:solidFill>
-                <a:srgbClr val="EA7B6B"/>
-              </a:solidFill>
+            <a:solidFill>
+              <a:schemeClr val="bg1"/>
+            </a:solidFill>
+            <a:ln>
+              <a:noFill/>
             </a:ln>
           </p:spPr>
           <p:style>
@@ -48941,164 +51052,56 @@
             <a:lstStyle/>
             <a:p>
               <a:pPr algn="ctr"/>
-              <a:endParaRPr kumimoji="1" lang="ja-JP" altLang="en-US"/>
+              <a:endParaRPr kumimoji="1" lang="ja-JP" altLang="en-US" dirty="0"/>
             </a:p>
           </p:txBody>
         </p:sp>
-        <p:sp>
-          <p:nvSpPr>
-            <p:cNvPr id="6" name="フローチャート: 結合子 5">
+        <p:pic>
+          <p:nvPicPr>
+            <p:cNvPr id="18" name="グラフィックス 17" descr="ピエロ 単色塗りつぶし">
               <a:extLst>
                 <a:ext uri="{FF2B5EF4-FFF2-40B4-BE49-F238E27FC236}">
-                  <a16:creationId xmlns:a16="http://schemas.microsoft.com/office/drawing/2014/main" id="{2B1C132E-FFE0-8F97-83E9-F824738228FA}"/>
+                  <a16:creationId xmlns:a16="http://schemas.microsoft.com/office/drawing/2014/main" id="{CAEE8EDD-D4DE-ED27-AAAC-738489B11458}"/>
                 </a:ext>
               </a:extLst>
             </p:cNvPr>
-            <p:cNvSpPr/>
+            <p:cNvPicPr>
+              <a:picLocks noChangeAspect="1"/>
+            </p:cNvPicPr>
             <p:nvPr/>
-          </p:nvSpPr>
+          </p:nvPicPr>
+          <p:blipFill>
+            <a:blip r:embed="rId4">
+              <a:extLst>
+                <a:ext uri="{28A0092B-C50C-407E-A947-70E740481C1C}">
+                  <a14:useLocalDpi xmlns:a14="http://schemas.microsoft.com/office/drawing/2010/main" val="0"/>
+                </a:ext>
+                <a:ext uri="{96DAC541-7B7A-43D3-8B79-37D633B846F1}">
+                  <asvg:svgBlip xmlns:asvg="http://schemas.microsoft.com/office/drawing/2016/SVG/main" r:embed="rId5"/>
+                </a:ext>
+              </a:extLst>
+            </a:blip>
+            <a:stretch>
+              <a:fillRect/>
+            </a:stretch>
+          </p:blipFill>
           <p:spPr>
             <a:xfrm>
-              <a:off x="545771" y="319548"/>
-              <a:ext cx="366250" cy="349044"/>
+              <a:off x="2560098" y="2356905"/>
+              <a:ext cx="914400" cy="914400"/>
             </a:xfrm>
-            <a:prstGeom prst="flowChartConnector">
+            <a:prstGeom prst="rect">
               <a:avLst/>
             </a:prstGeom>
-            <a:noFill/>
-            <a:ln w="28575">
-              <a:solidFill>
-                <a:srgbClr val="EA7B6B"/>
-              </a:solidFill>
-            </a:ln>
           </p:spPr>
-          <p:style>
-            <a:lnRef idx="2">
-              <a:schemeClr val="accent1">
-                <a:shade val="15000"/>
-              </a:schemeClr>
-            </a:lnRef>
-            <a:fillRef idx="1">
-              <a:schemeClr val="accent1"/>
-            </a:fillRef>
-            <a:effectRef idx="0">
-              <a:schemeClr val="accent1"/>
-            </a:effectRef>
-            <a:fontRef idx="minor">
-              <a:schemeClr val="lt1"/>
-            </a:fontRef>
-          </p:style>
-          <p:txBody>
-            <a:bodyPr rtlCol="0" anchor="ctr"/>
-            <a:lstStyle/>
-            <a:p>
-              <a:pPr algn="ctr"/>
-              <a:endParaRPr kumimoji="1" lang="ja-JP" altLang="en-US"/>
-            </a:p>
-          </p:txBody>
-        </p:sp>
-        <p:sp>
-          <p:nvSpPr>
-            <p:cNvPr id="7" name="円弧 6">
-              <a:extLst>
-                <a:ext uri="{FF2B5EF4-FFF2-40B4-BE49-F238E27FC236}">
-                  <a16:creationId xmlns:a16="http://schemas.microsoft.com/office/drawing/2014/main" id="{ADD0E8F1-ED4C-92D8-5152-3BEBF7347DF4}"/>
-                </a:ext>
-              </a:extLst>
-            </p:cNvPr>
-            <p:cNvSpPr/>
-            <p:nvPr/>
-          </p:nvSpPr>
-          <p:spPr>
-            <a:xfrm rot="19079286">
-              <a:off x="374934" y="732788"/>
-              <a:ext cx="707924" cy="698091"/>
-            </a:xfrm>
-            <a:prstGeom prst="arc">
-              <a:avLst/>
-            </a:prstGeom>
-            <a:ln w="28575">
-              <a:solidFill>
-                <a:srgbClr val="EA7B6B"/>
-              </a:solidFill>
-            </a:ln>
-          </p:spPr>
-          <p:style>
-            <a:lnRef idx="1">
-              <a:schemeClr val="accent1"/>
-            </a:lnRef>
-            <a:fillRef idx="0">
-              <a:schemeClr val="accent1"/>
-            </a:fillRef>
-            <a:effectRef idx="0">
-              <a:schemeClr val="accent1"/>
-            </a:effectRef>
-            <a:fontRef idx="minor">
-              <a:schemeClr val="tx1"/>
-            </a:fontRef>
-          </p:style>
-          <p:txBody>
-            <a:bodyPr rtlCol="0" anchor="ctr"/>
-            <a:lstStyle/>
-            <a:p>
-              <a:pPr algn="ctr"/>
-              <a:endParaRPr kumimoji="1" lang="ja-JP" altLang="en-US"/>
-            </a:p>
-          </p:txBody>
-        </p:sp>
+        </p:pic>
       </p:grpSp>
       <p:sp>
         <p:nvSpPr>
-          <p:cNvPr id="8" name="テキスト ボックス 7">
-            <a:extLst>
-              <a:ext uri="{FF2B5EF4-FFF2-40B4-BE49-F238E27FC236}">
-                <a16:creationId xmlns:a16="http://schemas.microsoft.com/office/drawing/2014/main" id="{EB500DF1-82BB-4D47-5EF1-B2F6CFEC1B8A}"/>
-              </a:ext>
-            </a:extLst>
-          </p:cNvPr>
-          <p:cNvSpPr txBox="1"/>
-          <p:nvPr/>
-        </p:nvSpPr>
-        <p:spPr>
-          <a:xfrm>
-            <a:off x="9558094" y="806695"/>
-            <a:ext cx="2401617" cy="461665"/>
-          </a:xfrm>
-          <a:prstGeom prst="rect">
-            <a:avLst/>
-          </a:prstGeom>
-          <a:noFill/>
-        </p:spPr>
-        <p:txBody>
-          <a:bodyPr wrap="square" rtlCol="0">
-            <a:spAutoFit/>
-          </a:bodyPr>
-          <a:lstStyle/>
-          <a:p>
-            <a:r>
-              <a:rPr kumimoji="1" lang="en-US" altLang="ja-JP" sz="2400" dirty="0">
-                <a:solidFill>
-                  <a:srgbClr val="001746"/>
-                </a:solidFill>
-                <a:latin typeface="Kristen ITC" panose="03050502040202030202" pitchFamily="66" charset="0"/>
-              </a:rPr>
-              <a:t>2024/06/07 (Fri)</a:t>
-            </a:r>
-            <a:endParaRPr kumimoji="1" lang="ja-JP" altLang="en-US" sz="2400" dirty="0">
-              <a:solidFill>
-                <a:srgbClr val="001746"/>
-              </a:solidFill>
-              <a:latin typeface="Kristen ITC" panose="03050502040202030202" pitchFamily="66" charset="0"/>
-            </a:endParaRPr>
-          </a:p>
-        </p:txBody>
-      </p:sp>
-      <p:sp>
-        <p:nvSpPr>
-          <p:cNvPr id="9" name="正方形/長方形 8">
-            <a:extLst>
-              <a:ext uri="{FF2B5EF4-FFF2-40B4-BE49-F238E27FC236}">
-                <a16:creationId xmlns:a16="http://schemas.microsoft.com/office/drawing/2014/main" id="{D53C526D-B094-8918-A557-24C3499CAA14}"/>
+          <p:cNvPr id="24" name="四角形: 角を丸くする 23">
+            <a:extLst>
+              <a:ext uri="{FF2B5EF4-FFF2-40B4-BE49-F238E27FC236}">
+                <a16:creationId xmlns:a16="http://schemas.microsoft.com/office/drawing/2014/main" id="{57E2C155-0CC5-4B19-1DF7-648470ABF67D}"/>
               </a:ext>
             </a:extLst>
           </p:cNvPr>
@@ -49107,16 +51110,16 @@
         </p:nvSpPr>
         <p:spPr>
           <a:xfrm>
-            <a:off x="0" y="6459794"/>
-            <a:ext cx="12192000" cy="398206"/>
-          </a:xfrm>
-          <a:prstGeom prst="rect">
+            <a:off x="4454817" y="3367453"/>
+            <a:ext cx="3608701" cy="579476"/>
+          </a:xfrm>
+          <a:prstGeom prst="roundRect">
             <a:avLst/>
           </a:prstGeom>
           <a:solidFill>
-            <a:srgbClr val="F5F5F5"/>
+            <a:srgbClr val="FCF1C4"/>
           </a:solidFill>
-          <a:ln>
+          <a:ln w="28575">
             <a:noFill/>
           </a:ln>
         </p:spPr>
@@ -49141,76 +51144,25 @@
           <a:lstStyle/>
           <a:p>
             <a:pPr algn="ctr"/>
-            <a:endParaRPr kumimoji="1" lang="ja-JP" altLang="en-US"/>
-          </a:p>
-        </p:txBody>
-      </p:sp>
-      <p:sp>
-        <p:nvSpPr>
-          <p:cNvPr id="10" name="テキスト ボックス 9">
-            <a:extLst>
-              <a:ext uri="{FF2B5EF4-FFF2-40B4-BE49-F238E27FC236}">
-                <a16:creationId xmlns:a16="http://schemas.microsoft.com/office/drawing/2014/main" id="{D2E0BB24-9F6B-FCE0-B878-91A73ADBBABD}"/>
-              </a:ext>
-            </a:extLst>
-          </p:cNvPr>
-          <p:cNvSpPr txBox="1"/>
-          <p:nvPr/>
-        </p:nvSpPr>
-        <p:spPr>
-          <a:xfrm>
-            <a:off x="3861424" y="6505008"/>
-            <a:ext cx="4490720" cy="307777"/>
-          </a:xfrm>
-          <a:prstGeom prst="rect">
-            <a:avLst/>
-          </a:prstGeom>
-          <a:noFill/>
-        </p:spPr>
-        <p:txBody>
-          <a:bodyPr wrap="square" rtlCol="0">
-            <a:spAutoFit/>
-          </a:bodyPr>
-          <a:lstStyle/>
-          <a:p>
-            <a:r>
-              <a:rPr kumimoji="1" lang="en-US" altLang="ja-JP" sz="1400" dirty="0">
+            <a:r>
+              <a:rPr kumimoji="1" lang="ja-JP" altLang="en-US" dirty="0">
                 <a:solidFill>
                   <a:srgbClr val="001746"/>
                 </a:solidFill>
+                <a:latin typeface="UD デジタル 教科書体 NP-B" panose="02020700000000000000" pitchFamily="18" charset="-128"/>
+                <a:ea typeface="UD デジタル 教科書体 NP-B" panose="02020700000000000000" pitchFamily="18" charset="-128"/>
               </a:rPr>
-              <a:t>Copyright </a:t>
-            </a:r>
-            <a:r>
-              <a:rPr kumimoji="1" lang="en-US" altLang="ja-JP" sz="1400" dirty="0" err="1">
-                <a:solidFill>
-                  <a:srgbClr val="001746"/>
-                </a:solidFill>
-              </a:rPr>
-              <a:t>paraparaChahan</a:t>
-            </a:r>
-            <a:r>
-              <a:rPr kumimoji="1" lang="en-US" altLang="ja-JP" sz="1400" dirty="0">
-                <a:solidFill>
-                  <a:srgbClr val="001746"/>
-                </a:solidFill>
-              </a:rPr>
-              <a:t>(PLUS DOJO). All rights reserved.</a:t>
-            </a:r>
-            <a:endParaRPr kumimoji="1" lang="ja-JP" altLang="en-US" sz="1400" dirty="0">
-              <a:solidFill>
-                <a:srgbClr val="001746"/>
-              </a:solidFill>
-            </a:endParaRPr>
-          </a:p>
-        </p:txBody>
-      </p:sp>
-      <p:sp>
-        <p:nvSpPr>
-          <p:cNvPr id="11" name="四角形: 角を丸くする 10">
-            <a:extLst>
-              <a:ext uri="{FF2B5EF4-FFF2-40B4-BE49-F238E27FC236}">
-                <a16:creationId xmlns:a16="http://schemas.microsoft.com/office/drawing/2014/main" id="{C8CB9416-11D2-A1EC-7D44-949F6B1EB429}"/>
+              <a:t>パパ</a:t>
+            </a:r>
+          </a:p>
+        </p:txBody>
+      </p:sp>
+      <p:sp>
+        <p:nvSpPr>
+          <p:cNvPr id="25" name="四角形: 角を丸くする 24">
+            <a:extLst>
+              <a:ext uri="{FF2B5EF4-FFF2-40B4-BE49-F238E27FC236}">
+                <a16:creationId xmlns:a16="http://schemas.microsoft.com/office/drawing/2014/main" id="{12C5D54D-91C2-4529-CE60-FB1C598F2071}"/>
               </a:ext>
             </a:extLst>
           </p:cNvPr>
@@ -49219,18 +51171,16 @@
         </p:nvSpPr>
         <p:spPr>
           <a:xfrm>
-            <a:off x="1854680" y="1725283"/>
-            <a:ext cx="2360481" cy="2177644"/>
+            <a:off x="4454816" y="4061315"/>
+            <a:ext cx="3586585" cy="559876"/>
           </a:xfrm>
           <a:prstGeom prst="roundRect">
-            <a:avLst>
-              <a:gd name="adj" fmla="val 11781"/>
-            </a:avLst>
+            <a:avLst/>
           </a:prstGeom>
           <a:solidFill>
-            <a:srgbClr val="F9E799"/>
+            <a:srgbClr val="FCF1C4"/>
           </a:solidFill>
-          <a:ln>
+          <a:ln w="28575">
             <a:noFill/>
           </a:ln>
         </p:spPr>
@@ -49255,16 +51205,62 @@
           <a:lstStyle/>
           <a:p>
             <a:pPr algn="ctr"/>
-            <a:endParaRPr kumimoji="1" lang="ja-JP" altLang="en-US" dirty="0"/>
-          </a:p>
-        </p:txBody>
-      </p:sp>
-      <p:sp>
-        <p:nvSpPr>
-          <p:cNvPr id="12" name="四角形: 角を丸くする 11">
-            <a:extLst>
-              <a:ext uri="{FF2B5EF4-FFF2-40B4-BE49-F238E27FC236}">
-                <a16:creationId xmlns:a16="http://schemas.microsoft.com/office/drawing/2014/main" id="{93B1C024-3636-1A66-6187-D7B3EE299044}"/>
+            <a:r>
+              <a:rPr kumimoji="1" lang="ja-JP" altLang="en-US" dirty="0">
+                <a:solidFill>
+                  <a:srgbClr val="001746"/>
+                </a:solidFill>
+                <a:latin typeface="UD デジタル 教科書体 NP-B" panose="02020700000000000000" pitchFamily="18" charset="-128"/>
+                <a:ea typeface="UD デジタル 教科書体 NP-B" panose="02020700000000000000" pitchFamily="18" charset="-128"/>
+              </a:rPr>
+              <a:t>しんちゃん</a:t>
+            </a:r>
+            <a:r>
+              <a:rPr kumimoji="1" lang="en-US" altLang="ja-JP" dirty="0">
+                <a:solidFill>
+                  <a:srgbClr val="001746"/>
+                </a:solidFill>
+                <a:latin typeface="UD デジタル 教科書体 NP-B" panose="02020700000000000000" pitchFamily="18" charset="-128"/>
+                <a:ea typeface="UD デジタル 教科書体 NP-B" panose="02020700000000000000" pitchFamily="18" charset="-128"/>
+              </a:rPr>
+              <a:t>(</a:t>
+            </a:r>
+            <a:r>
+              <a:rPr kumimoji="1" lang="ja-JP" altLang="en-US" dirty="0">
+                <a:solidFill>
+                  <a:srgbClr val="001746"/>
+                </a:solidFill>
+                <a:latin typeface="UD デジタル 教科書体 NP-B" panose="02020700000000000000" pitchFamily="18" charset="-128"/>
+                <a:ea typeface="UD デジタル 教科書体 NP-B" panose="02020700000000000000" pitchFamily="18" charset="-128"/>
+              </a:rPr>
+              <a:t>閲覧モード</a:t>
+            </a:r>
+            <a:r>
+              <a:rPr kumimoji="1" lang="en-US" altLang="ja-JP" dirty="0">
+                <a:solidFill>
+                  <a:srgbClr val="001746"/>
+                </a:solidFill>
+                <a:latin typeface="UD デジタル 教科書体 NP-B" panose="02020700000000000000" pitchFamily="18" charset="-128"/>
+                <a:ea typeface="UD デジタル 教科書体 NP-B" panose="02020700000000000000" pitchFamily="18" charset="-128"/>
+              </a:rPr>
+              <a:t>)</a:t>
+            </a:r>
+            <a:endParaRPr kumimoji="1" lang="ja-JP" altLang="en-US" dirty="0">
+              <a:solidFill>
+                <a:srgbClr val="001746"/>
+              </a:solidFill>
+              <a:latin typeface="UD デジタル 教科書体 NP-B" panose="02020700000000000000" pitchFamily="18" charset="-128"/>
+              <a:ea typeface="UD デジタル 教科書体 NP-B" panose="02020700000000000000" pitchFamily="18" charset="-128"/>
+            </a:endParaRPr>
+          </a:p>
+        </p:txBody>
+      </p:sp>
+      <p:sp>
+        <p:nvSpPr>
+          <p:cNvPr id="26" name="四角形: 角を丸くする 25">
+            <a:extLst>
+              <a:ext uri="{FF2B5EF4-FFF2-40B4-BE49-F238E27FC236}">
+                <a16:creationId xmlns:a16="http://schemas.microsoft.com/office/drawing/2014/main" id="{5686D17B-7A2B-5B3A-D37A-7E811A8535D1}"/>
               </a:ext>
             </a:extLst>
           </p:cNvPr>
@@ -49273,18 +51269,16 @@
         </p:nvSpPr>
         <p:spPr>
           <a:xfrm>
-            <a:off x="4915759" y="1745427"/>
-            <a:ext cx="2360481" cy="2177644"/>
+            <a:off x="4454816" y="4773034"/>
+            <a:ext cx="3608701" cy="559876"/>
           </a:xfrm>
           <a:prstGeom prst="roundRect">
-            <a:avLst>
-              <a:gd name="adj" fmla="val 11781"/>
-            </a:avLst>
+            <a:avLst/>
           </a:prstGeom>
           <a:solidFill>
-            <a:srgbClr val="F9E799"/>
+            <a:srgbClr val="FCF1C4"/>
           </a:solidFill>
-          <a:ln>
+          <a:ln w="28575">
             <a:noFill/>
           </a:ln>
         </p:spPr>
@@ -49308,17 +51302,42 @@
           <a:bodyPr rtlCol="0" anchor="ctr"/>
           <a:lstStyle/>
           <a:p>
-            <a:pPr algn="ctr"/>
-            <a:endParaRPr kumimoji="1" lang="ja-JP" altLang="en-US" dirty="0"/>
-          </a:p>
-        </p:txBody>
-      </p:sp>
-      <p:sp>
-        <p:nvSpPr>
-          <p:cNvPr id="13" name="四角形: 角を丸くする 12">
-            <a:extLst>
-              <a:ext uri="{FF2B5EF4-FFF2-40B4-BE49-F238E27FC236}">
-                <a16:creationId xmlns:a16="http://schemas.microsoft.com/office/drawing/2014/main" id="{D50C44EF-F437-C530-EC1D-C34492AF1C8F}"/>
+            <a:r>
+              <a:rPr kumimoji="1" lang="ja-JP" altLang="en-US" dirty="0">
+                <a:solidFill>
+                  <a:srgbClr val="001746"/>
+                </a:solidFill>
+                <a:latin typeface="UD デジタル 教科書体 NP-B" panose="02020700000000000000" pitchFamily="18" charset="-128"/>
+                <a:ea typeface="UD デジタル 教科書体 NP-B" panose="02020700000000000000" pitchFamily="18" charset="-128"/>
+              </a:rPr>
+              <a:t>例：</a:t>
+            </a:r>
+            <a:r>
+              <a:rPr kumimoji="1" lang="en-US" altLang="ja-JP" dirty="0" err="1">
+                <a:solidFill>
+                  <a:srgbClr val="001746"/>
+                </a:solidFill>
+                <a:latin typeface="UD デジタル 教科書体 NP-B" panose="02020700000000000000" pitchFamily="18" charset="-128"/>
+                <a:ea typeface="UD デジタル 教科書体 NP-B" panose="02020700000000000000" pitchFamily="18" charset="-128"/>
+              </a:rPr>
+              <a:t>para_mam</a:t>
+            </a:r>
+            <a:endParaRPr kumimoji="1" lang="ja-JP" altLang="en-US" dirty="0">
+              <a:solidFill>
+                <a:srgbClr val="001746"/>
+              </a:solidFill>
+              <a:latin typeface="UD デジタル 教科書体 NP-B" panose="02020700000000000000" pitchFamily="18" charset="-128"/>
+              <a:ea typeface="UD デジタル 教科書体 NP-B" panose="02020700000000000000" pitchFamily="18" charset="-128"/>
+            </a:endParaRPr>
+          </a:p>
+        </p:txBody>
+      </p:sp>
+      <p:sp>
+        <p:nvSpPr>
+          <p:cNvPr id="28" name="四角形: 角を丸くする 27">
+            <a:extLst>
+              <a:ext uri="{FF2B5EF4-FFF2-40B4-BE49-F238E27FC236}">
+                <a16:creationId xmlns:a16="http://schemas.microsoft.com/office/drawing/2014/main" id="{6F38FBD7-B58A-D55E-177C-FF83FC22711D}"/>
               </a:ext>
             </a:extLst>
           </p:cNvPr>
@@ -49327,16 +51346,14 @@
         </p:nvSpPr>
         <p:spPr>
           <a:xfrm>
-            <a:off x="7976838" y="1725283"/>
-            <a:ext cx="2360481" cy="2177644"/>
+            <a:off x="4608718" y="2037829"/>
+            <a:ext cx="4501085" cy="871345"/>
           </a:xfrm>
           <a:prstGeom prst="roundRect">
-            <a:avLst>
-              <a:gd name="adj" fmla="val 11781"/>
-            </a:avLst>
+            <a:avLst/>
           </a:prstGeom>
           <a:solidFill>
-            <a:srgbClr val="F9E799"/>
+            <a:srgbClr val="FCF1C4"/>
           </a:solidFill>
           <a:ln>
             <a:noFill/>
@@ -49363,16 +51380,30 @@
           <a:lstStyle/>
           <a:p>
             <a:pPr algn="ctr"/>
-            <a:endParaRPr kumimoji="1" lang="ja-JP" altLang="en-US" dirty="0"/>
-          </a:p>
-        </p:txBody>
-      </p:sp>
-      <p:sp>
-        <p:nvSpPr>
-          <p:cNvPr id="14" name="四角形: 角を丸くする 13">
-            <a:extLst>
-              <a:ext uri="{FF2B5EF4-FFF2-40B4-BE49-F238E27FC236}">
-                <a16:creationId xmlns:a16="http://schemas.microsoft.com/office/drawing/2014/main" id="{70FB40BF-E2D8-365B-F902-77AA6196C020}"/>
+            <a:r>
+              <a:rPr lang="ja-JP" altLang="en-US" dirty="0">
+                <a:solidFill>
+                  <a:srgbClr val="001746"/>
+                </a:solidFill>
+                <a:latin typeface="UD デジタル 教科書体 NP-B" panose="02020700000000000000" pitchFamily="18" charset="-128"/>
+                <a:ea typeface="UD デジタル 教科書体 NP-B" panose="02020700000000000000" pitchFamily="18" charset="-128"/>
+              </a:rPr>
+              <a:t>パラパラチャーハンファミリー</a:t>
+            </a:r>
+            <a:endParaRPr kumimoji="1" lang="ja-JP" altLang="en-US" dirty="0">
+              <a:solidFill>
+                <a:srgbClr val="001746"/>
+              </a:solidFill>
+            </a:endParaRPr>
+          </a:p>
+        </p:txBody>
+      </p:sp>
+      <p:sp>
+        <p:nvSpPr>
+          <p:cNvPr id="29" name="楕円 28">
+            <a:extLst>
+              <a:ext uri="{FF2B5EF4-FFF2-40B4-BE49-F238E27FC236}">
+                <a16:creationId xmlns:a16="http://schemas.microsoft.com/office/drawing/2014/main" id="{9FF74E0B-E88D-F766-4F1B-CE7CDC051B4D}"/>
               </a:ext>
             </a:extLst>
           </p:cNvPr>
@@ -49381,19 +51412,19 @@
         </p:nvSpPr>
         <p:spPr>
           <a:xfrm>
-            <a:off x="1854680" y="4241862"/>
-            <a:ext cx="2360481" cy="2177644"/>
-          </a:xfrm>
-          <a:prstGeom prst="roundRect">
-            <a:avLst>
-              <a:gd name="adj" fmla="val 11781"/>
-            </a:avLst>
+            <a:off x="8481963" y="3423285"/>
+            <a:ext cx="418538" cy="398206"/>
+          </a:xfrm>
+          <a:prstGeom prst="ellipse">
+            <a:avLst/>
           </a:prstGeom>
           <a:solidFill>
-            <a:srgbClr val="F9E799"/>
+            <a:schemeClr val="bg1"/>
           </a:solidFill>
           <a:ln>
-            <a:noFill/>
+            <a:solidFill>
+              <a:srgbClr val="001746"/>
+            </a:solidFill>
           </a:ln>
         </p:spPr>
         <p:style>
@@ -49417,16 +51448,28 @@
           <a:lstStyle/>
           <a:p>
             <a:pPr algn="ctr"/>
-            <a:endParaRPr kumimoji="1" lang="ja-JP" altLang="en-US" dirty="0"/>
-          </a:p>
-        </p:txBody>
-      </p:sp>
-      <p:sp>
-        <p:nvSpPr>
-          <p:cNvPr id="15" name="四角形: 角を丸くする 14">
-            <a:extLst>
-              <a:ext uri="{FF2B5EF4-FFF2-40B4-BE49-F238E27FC236}">
-                <a16:creationId xmlns:a16="http://schemas.microsoft.com/office/drawing/2014/main" id="{97D47777-951E-BE1D-C13F-BFEE903E566E}"/>
+            <a:r>
+              <a:rPr lang="en-US" altLang="ja-JP" sz="4000" dirty="0">
+                <a:solidFill>
+                  <a:srgbClr val="001746"/>
+                </a:solidFill>
+              </a:rPr>
+              <a:t>-</a:t>
+            </a:r>
+            <a:endParaRPr kumimoji="1" lang="ja-JP" altLang="en-US" sz="4000" dirty="0">
+              <a:solidFill>
+                <a:srgbClr val="001746"/>
+              </a:solidFill>
+            </a:endParaRPr>
+          </a:p>
+        </p:txBody>
+      </p:sp>
+      <p:sp>
+        <p:nvSpPr>
+          <p:cNvPr id="32" name="楕円 31">
+            <a:extLst>
+              <a:ext uri="{FF2B5EF4-FFF2-40B4-BE49-F238E27FC236}">
+                <a16:creationId xmlns:a16="http://schemas.microsoft.com/office/drawing/2014/main" id="{BA2F6191-5572-957C-3DC7-9891FE0C5024}"/>
               </a:ext>
             </a:extLst>
           </p:cNvPr>
@@ -49435,19 +51478,19 @@
         </p:nvSpPr>
         <p:spPr>
           <a:xfrm>
-            <a:off x="4915758" y="4236935"/>
-            <a:ext cx="2360481" cy="2177644"/>
-          </a:xfrm>
-          <a:prstGeom prst="roundRect">
-            <a:avLst>
-              <a:gd name="adj" fmla="val 11781"/>
-            </a:avLst>
+            <a:off x="8481963" y="4157653"/>
+            <a:ext cx="418538" cy="398206"/>
+          </a:xfrm>
+          <a:prstGeom prst="ellipse">
+            <a:avLst/>
           </a:prstGeom>
           <a:solidFill>
-            <a:srgbClr val="F9E799"/>
+            <a:schemeClr val="bg1"/>
           </a:solidFill>
           <a:ln>
-            <a:noFill/>
+            <a:solidFill>
+              <a:srgbClr val="001746"/>
+            </a:solidFill>
           </a:ln>
         </p:spPr>
         <p:style>
@@ -49471,16 +51514,28 @@
           <a:lstStyle/>
           <a:p>
             <a:pPr algn="ctr"/>
-            <a:endParaRPr kumimoji="1" lang="ja-JP" altLang="en-US" dirty="0"/>
-          </a:p>
-        </p:txBody>
-      </p:sp>
-      <p:sp>
-        <p:nvSpPr>
-          <p:cNvPr id="16" name="四角形: 角を丸くする 15">
-            <a:extLst>
-              <a:ext uri="{FF2B5EF4-FFF2-40B4-BE49-F238E27FC236}">
-                <a16:creationId xmlns:a16="http://schemas.microsoft.com/office/drawing/2014/main" id="{246BAD66-53A2-310E-BF61-B943A5211592}"/>
+            <a:r>
+              <a:rPr lang="en-US" altLang="ja-JP" sz="4000" dirty="0">
+                <a:solidFill>
+                  <a:srgbClr val="001746"/>
+                </a:solidFill>
+              </a:rPr>
+              <a:t>-</a:t>
+            </a:r>
+            <a:endParaRPr kumimoji="1" lang="ja-JP" altLang="en-US" sz="4000" dirty="0">
+              <a:solidFill>
+                <a:srgbClr val="001746"/>
+              </a:solidFill>
+            </a:endParaRPr>
+          </a:p>
+        </p:txBody>
+      </p:sp>
+      <p:sp>
+        <p:nvSpPr>
+          <p:cNvPr id="33" name="楕円 32">
+            <a:extLst>
+              <a:ext uri="{FF2B5EF4-FFF2-40B4-BE49-F238E27FC236}">
+                <a16:creationId xmlns:a16="http://schemas.microsoft.com/office/drawing/2014/main" id="{92B5B08E-AA93-4EB7-14BF-D2B4348EAB05}"/>
               </a:ext>
             </a:extLst>
           </p:cNvPr>
@@ -49489,20 +51544,19 @@
         </p:nvSpPr>
         <p:spPr>
           <a:xfrm>
-            <a:off x="7976836" y="4236935"/>
-            <a:ext cx="2360481" cy="2177644"/>
-          </a:xfrm>
-          <a:prstGeom prst="roundRect">
-            <a:avLst>
-              <a:gd name="adj" fmla="val 11781"/>
-            </a:avLst>
-          </a:prstGeom>
-          <a:noFill/>
-          <a:ln w="57150">
+            <a:off x="8481963" y="4853869"/>
+            <a:ext cx="418538" cy="398206"/>
+          </a:xfrm>
+          <a:prstGeom prst="ellipse">
+            <a:avLst/>
+          </a:prstGeom>
+          <a:solidFill>
+            <a:schemeClr val="bg1"/>
+          </a:solidFill>
+          <a:ln>
             <a:solidFill>
-              <a:srgbClr val="F9E799"/>
+              <a:srgbClr val="001746"/>
             </a:solidFill>
-            <a:prstDash val="dash"/>
           </a:ln>
         </p:spPr>
         <p:style>
@@ -49526,16 +51580,28 @@
           <a:lstStyle/>
           <a:p>
             <a:pPr algn="ctr"/>
-            <a:endParaRPr kumimoji="1" lang="ja-JP" altLang="en-US" dirty="0"/>
-          </a:p>
-        </p:txBody>
-      </p:sp>
-      <p:sp>
-        <p:nvSpPr>
-          <p:cNvPr id="17" name="十字形 16">
-            <a:extLst>
-              <a:ext uri="{FF2B5EF4-FFF2-40B4-BE49-F238E27FC236}">
-                <a16:creationId xmlns:a16="http://schemas.microsoft.com/office/drawing/2014/main" id="{9A1E17CC-5FFB-20E6-264A-E78F1B77C85F}"/>
+            <a:r>
+              <a:rPr lang="en-US" altLang="ja-JP" sz="4000" dirty="0">
+                <a:solidFill>
+                  <a:srgbClr val="001746"/>
+                </a:solidFill>
+              </a:rPr>
+              <a:t>-</a:t>
+            </a:r>
+            <a:endParaRPr kumimoji="1" lang="ja-JP" altLang="en-US" sz="4000" dirty="0">
+              <a:solidFill>
+                <a:srgbClr val="001746"/>
+              </a:solidFill>
+            </a:endParaRPr>
+          </a:p>
+        </p:txBody>
+      </p:sp>
+      <p:sp>
+        <p:nvSpPr>
+          <p:cNvPr id="34" name="四角形: 角を丸くする 33">
+            <a:extLst>
+              <a:ext uri="{FF2B5EF4-FFF2-40B4-BE49-F238E27FC236}">
+                <a16:creationId xmlns:a16="http://schemas.microsoft.com/office/drawing/2014/main" id="{5E5D6106-770F-F4AE-B088-E6885DE6E41C}"/>
               </a:ext>
             </a:extLst>
           </p:cNvPr>
@@ -49544,21 +51610,17 @@
         </p:nvSpPr>
         <p:spPr>
           <a:xfrm>
-            <a:off x="8616242" y="4779347"/>
-            <a:ext cx="1081668" cy="1092819"/>
-          </a:xfrm>
-          <a:prstGeom prst="plus">
-            <a:avLst>
-              <a:gd name="adj" fmla="val 45306"/>
-            </a:avLst>
+            <a:off x="5643920" y="5899292"/>
+            <a:ext cx="1215341" cy="449172"/>
+          </a:xfrm>
+          <a:prstGeom prst="roundRect">
+            <a:avLst/>
           </a:prstGeom>
           <a:solidFill>
-            <a:srgbClr val="F9E799"/>
+            <a:srgbClr val="001746"/>
           </a:solidFill>
           <a:ln>
-            <a:solidFill>
-              <a:srgbClr val="F9E799"/>
-            </a:solidFill>
+            <a:noFill/>
           </a:ln>
         </p:spPr>
         <p:style>
@@ -49582,16 +51644,32 @@
           <a:lstStyle/>
           <a:p>
             <a:pPr algn="ctr"/>
-            <a:endParaRPr kumimoji="1" lang="ja-JP" altLang="en-US"/>
-          </a:p>
-        </p:txBody>
-      </p:sp>
-      <p:sp>
-        <p:nvSpPr>
-          <p:cNvPr id="21" name="四角形: 角を丸くする 20">
-            <a:extLst>
-              <a:ext uri="{FF2B5EF4-FFF2-40B4-BE49-F238E27FC236}">
-                <a16:creationId xmlns:a16="http://schemas.microsoft.com/office/drawing/2014/main" id="{B29C8612-9C4D-8CFF-CD60-EB2D61583539}"/>
+            <a:r>
+              <a:rPr lang="ja-JP" altLang="en-US" dirty="0">
+                <a:solidFill>
+                  <a:schemeClr val="bg1"/>
+                </a:solidFill>
+                <a:latin typeface="UD デジタル 教科書体 NP-B" panose="02020700000000000000" pitchFamily="18" charset="-128"/>
+                <a:ea typeface="UD デジタル 教科書体 NP-B" panose="02020700000000000000" pitchFamily="18" charset="-128"/>
+              </a:rPr>
+              <a:t>登録</a:t>
+            </a:r>
+            <a:endParaRPr kumimoji="1" lang="ja-JP" altLang="en-US" dirty="0">
+              <a:solidFill>
+                <a:schemeClr val="bg1"/>
+              </a:solidFill>
+              <a:latin typeface="UD デジタル 教科書体 NP-B" panose="02020700000000000000" pitchFamily="18" charset="-128"/>
+              <a:ea typeface="UD デジタル 教科書体 NP-B" panose="02020700000000000000" pitchFamily="18" charset="-128"/>
+            </a:endParaRPr>
+          </a:p>
+        </p:txBody>
+      </p:sp>
+      <p:sp>
+        <p:nvSpPr>
+          <p:cNvPr id="40" name="四角形: 角を丸くする 39">
+            <a:extLst>
+              <a:ext uri="{FF2B5EF4-FFF2-40B4-BE49-F238E27FC236}">
+                <a16:creationId xmlns:a16="http://schemas.microsoft.com/office/drawing/2014/main" id="{C38083B4-DEC7-4462-BB87-07E084B49B5D}"/>
               </a:ext>
             </a:extLst>
           </p:cNvPr>
@@ -49600,14 +51678,14 @@
         </p:nvSpPr>
         <p:spPr>
           <a:xfrm>
-            <a:off x="2354695" y="2184840"/>
-            <a:ext cx="1325207" cy="1258530"/>
+            <a:off x="2786906" y="4117731"/>
+            <a:ext cx="1325207" cy="485405"/>
           </a:xfrm>
           <a:prstGeom prst="roundRect">
             <a:avLst/>
           </a:prstGeom>
           <a:solidFill>
-            <a:schemeClr val="bg1"/>
+            <a:srgbClr val="8AAEC9"/>
           </a:solidFill>
           <a:ln>
             <a:noFill/>
@@ -49634,16 +51712,30 @@
           <a:lstStyle/>
           <a:p>
             <a:pPr algn="ctr"/>
-            <a:endParaRPr kumimoji="1" lang="ja-JP" altLang="en-US"/>
-          </a:p>
-        </p:txBody>
-      </p:sp>
-      <p:sp>
-        <p:nvSpPr>
-          <p:cNvPr id="22" name="四角形: 角を丸くする 21">
-            <a:extLst>
-              <a:ext uri="{FF2B5EF4-FFF2-40B4-BE49-F238E27FC236}">
-                <a16:creationId xmlns:a16="http://schemas.microsoft.com/office/drawing/2014/main" id="{DFECB23E-D027-DBB5-1F02-80188E6A0870}"/>
+            <a:r>
+              <a:rPr kumimoji="1" lang="en-US" altLang="ja-JP" dirty="0">
+                <a:solidFill>
+                  <a:schemeClr val="bg1"/>
+                </a:solidFill>
+                <a:latin typeface="Kristen ITC" panose="03050502040202030202" pitchFamily="66" charset="0"/>
+              </a:rPr>
+              <a:t>Member</a:t>
+            </a:r>
+            <a:endParaRPr kumimoji="1" lang="ja-JP" altLang="en-US" dirty="0">
+              <a:solidFill>
+                <a:schemeClr val="bg1"/>
+              </a:solidFill>
+              <a:latin typeface="Kristen ITC" panose="03050502040202030202" pitchFamily="66" charset="0"/>
+            </a:endParaRPr>
+          </a:p>
+        </p:txBody>
+      </p:sp>
+      <p:sp>
+        <p:nvSpPr>
+          <p:cNvPr id="41" name="四角形: 角を丸くする 40">
+            <a:extLst>
+              <a:ext uri="{FF2B5EF4-FFF2-40B4-BE49-F238E27FC236}">
+                <a16:creationId xmlns:a16="http://schemas.microsoft.com/office/drawing/2014/main" id="{51181426-C656-D1CC-4FD6-2C6AD2282C70}"/>
               </a:ext>
             </a:extLst>
           </p:cNvPr>
@@ -49652,14 +51744,14 @@
         </p:nvSpPr>
         <p:spPr>
           <a:xfrm>
-            <a:off x="5433396" y="2192208"/>
-            <a:ext cx="1325207" cy="1258530"/>
+            <a:off x="2786907" y="4820814"/>
+            <a:ext cx="1325207" cy="485405"/>
           </a:xfrm>
           <a:prstGeom prst="roundRect">
             <a:avLst/>
           </a:prstGeom>
           <a:solidFill>
-            <a:schemeClr val="bg1"/>
+            <a:srgbClr val="8AAEC9"/>
           </a:solidFill>
           <a:ln>
             <a:noFill/>
@@ -49686,16 +51778,69 @@
           <a:lstStyle/>
           <a:p>
             <a:pPr algn="ctr"/>
-            <a:endParaRPr kumimoji="1" lang="ja-JP" altLang="en-US"/>
-          </a:p>
-        </p:txBody>
-      </p:sp>
-      <p:sp>
-        <p:nvSpPr>
-          <p:cNvPr id="24" name="四角形: 角を丸くする 23">
-            <a:extLst>
-              <a:ext uri="{FF2B5EF4-FFF2-40B4-BE49-F238E27FC236}">
-                <a16:creationId xmlns:a16="http://schemas.microsoft.com/office/drawing/2014/main" id="{2DFF1C16-C2C1-E23C-DF60-B0DA2E517587}"/>
+            <a:r>
+              <a:rPr kumimoji="1" lang="en-US" altLang="ja-JP" dirty="0">
+                <a:solidFill>
+                  <a:schemeClr val="bg1"/>
+                </a:solidFill>
+                <a:latin typeface="Kristen ITC" panose="03050502040202030202" pitchFamily="66" charset="0"/>
+              </a:rPr>
+              <a:t>Member</a:t>
+            </a:r>
+            <a:endParaRPr kumimoji="1" lang="ja-JP" altLang="en-US" dirty="0">
+              <a:solidFill>
+                <a:schemeClr val="bg1"/>
+              </a:solidFill>
+              <a:latin typeface="Kristen ITC" panose="03050502040202030202" pitchFamily="66" charset="0"/>
+            </a:endParaRPr>
+          </a:p>
+        </p:txBody>
+      </p:sp>
+      <p:pic>
+        <p:nvPicPr>
+          <p:cNvPr id="49" name="グラフィックス 48" descr="クリップボード 単色塗りつぶし">
+            <a:extLst>
+              <a:ext uri="{FF2B5EF4-FFF2-40B4-BE49-F238E27FC236}">
+                <a16:creationId xmlns:a16="http://schemas.microsoft.com/office/drawing/2014/main" id="{B28C3103-D730-DDB6-27D4-2E72D84F102F}"/>
+              </a:ext>
+            </a:extLst>
+          </p:cNvPr>
+          <p:cNvPicPr>
+            <a:picLocks noChangeAspect="1"/>
+          </p:cNvPicPr>
+          <p:nvPr/>
+        </p:nvPicPr>
+        <p:blipFill>
+          <a:blip r:embed="rId6">
+            <a:extLst>
+              <a:ext uri="{28A0092B-C50C-407E-A947-70E740481C1C}">
+                <a14:useLocalDpi xmlns:a14="http://schemas.microsoft.com/office/drawing/2010/main" val="0"/>
+              </a:ext>
+              <a:ext uri="{96DAC541-7B7A-43D3-8B79-37D633B846F1}">
+                <asvg:svgBlip xmlns:asvg="http://schemas.microsoft.com/office/drawing/2016/SVG/main" r:embed="rId7"/>
+              </a:ext>
+            </a:extLst>
+          </a:blip>
+          <a:stretch>
+            <a:fillRect/>
+          </a:stretch>
+        </p:blipFill>
+        <p:spPr>
+          <a:xfrm>
+            <a:off x="7497152" y="3421796"/>
+            <a:ext cx="487676" cy="487676"/>
+          </a:xfrm>
+          <a:prstGeom prst="rect">
+            <a:avLst/>
+          </a:prstGeom>
+        </p:spPr>
+      </p:pic>
+      <p:sp>
+        <p:nvSpPr>
+          <p:cNvPr id="50" name="四角形: 角を丸くする 49">
+            <a:extLst>
+              <a:ext uri="{FF2B5EF4-FFF2-40B4-BE49-F238E27FC236}">
+                <a16:creationId xmlns:a16="http://schemas.microsoft.com/office/drawing/2014/main" id="{226CDFEA-0136-F45D-AA86-1A687D3E6845}"/>
               </a:ext>
             </a:extLst>
           </p:cNvPr>
@@ -49704,14 +51849,14 @@
         </p:nvSpPr>
         <p:spPr>
           <a:xfrm>
-            <a:off x="8506228" y="2192208"/>
-            <a:ext cx="1325207" cy="1258530"/>
+            <a:off x="2778583" y="3436550"/>
+            <a:ext cx="1325207" cy="485405"/>
           </a:xfrm>
           <a:prstGeom prst="roundRect">
             <a:avLst/>
           </a:prstGeom>
           <a:solidFill>
-            <a:schemeClr val="bg1"/>
+            <a:srgbClr val="8AAEC9"/>
           </a:solidFill>
           <a:ln>
             <a:noFill/>
@@ -49738,16 +51883,69 @@
           <a:lstStyle/>
           <a:p>
             <a:pPr algn="ctr"/>
-            <a:endParaRPr kumimoji="1" lang="ja-JP" altLang="en-US"/>
-          </a:p>
-        </p:txBody>
-      </p:sp>
-      <p:sp>
-        <p:nvSpPr>
-          <p:cNvPr id="26" name="四角形: 角を丸くする 25">
-            <a:extLst>
-              <a:ext uri="{FF2B5EF4-FFF2-40B4-BE49-F238E27FC236}">
-                <a16:creationId xmlns:a16="http://schemas.microsoft.com/office/drawing/2014/main" id="{F94691F5-EDC4-6915-74FD-67B69E327AA3}"/>
+            <a:r>
+              <a:rPr kumimoji="1" lang="en-US" altLang="ja-JP" dirty="0">
+                <a:solidFill>
+                  <a:schemeClr val="bg1"/>
+                </a:solidFill>
+                <a:latin typeface="Kristen ITC" panose="03050502040202030202" pitchFamily="66" charset="0"/>
+              </a:rPr>
+              <a:t>Member</a:t>
+            </a:r>
+            <a:endParaRPr kumimoji="1" lang="ja-JP" altLang="en-US" dirty="0">
+              <a:solidFill>
+                <a:schemeClr val="bg1"/>
+              </a:solidFill>
+              <a:latin typeface="Kristen ITC" panose="03050502040202030202" pitchFamily="66" charset="0"/>
+            </a:endParaRPr>
+          </a:p>
+        </p:txBody>
+      </p:sp>
+      <p:pic>
+        <p:nvPicPr>
+          <p:cNvPr id="51" name="グラフィックス 50" descr="クリップボード 単色塗りつぶし">
+            <a:extLst>
+              <a:ext uri="{FF2B5EF4-FFF2-40B4-BE49-F238E27FC236}">
+                <a16:creationId xmlns:a16="http://schemas.microsoft.com/office/drawing/2014/main" id="{51A21315-5D7B-D9F7-6C6A-0257EDDFEF4C}"/>
+              </a:ext>
+            </a:extLst>
+          </p:cNvPr>
+          <p:cNvPicPr>
+            <a:picLocks noChangeAspect="1"/>
+          </p:cNvPicPr>
+          <p:nvPr/>
+        </p:nvPicPr>
+        <p:blipFill>
+          <a:blip r:embed="rId8">
+            <a:extLst>
+              <a:ext uri="{28A0092B-C50C-407E-A947-70E740481C1C}">
+                <a14:useLocalDpi xmlns:a14="http://schemas.microsoft.com/office/drawing/2010/main" val="0"/>
+              </a:ext>
+              <a:ext uri="{96DAC541-7B7A-43D3-8B79-37D633B846F1}">
+                <asvg:svgBlip xmlns:asvg="http://schemas.microsoft.com/office/drawing/2016/SVG/main" r:embed="rId9"/>
+              </a:ext>
+            </a:extLst>
+          </a:blip>
+          <a:stretch>
+            <a:fillRect/>
+          </a:stretch>
+        </p:blipFill>
+        <p:spPr>
+          <a:xfrm>
+            <a:off x="7497152" y="4085365"/>
+            <a:ext cx="487676" cy="487676"/>
+          </a:xfrm>
+          <a:prstGeom prst="rect">
+            <a:avLst/>
+          </a:prstGeom>
+        </p:spPr>
+      </p:pic>
+      <p:sp>
+        <p:nvSpPr>
+          <p:cNvPr id="52" name="四角形: 角を丸くする 51">
+            <a:extLst>
+              <a:ext uri="{FF2B5EF4-FFF2-40B4-BE49-F238E27FC236}">
+                <a16:creationId xmlns:a16="http://schemas.microsoft.com/office/drawing/2014/main" id="{5245D68E-2185-FBF4-2351-B7C6DF2856C9}"/>
               </a:ext>
             </a:extLst>
           </p:cNvPr>
@@ -49756,17 +51954,19 @@
         </p:nvSpPr>
         <p:spPr>
           <a:xfrm>
-            <a:off x="2354695" y="4704789"/>
-            <a:ext cx="1325207" cy="1258530"/>
+            <a:off x="7079346" y="4842221"/>
+            <a:ext cx="795596" cy="421502"/>
           </a:xfrm>
           <a:prstGeom prst="roundRect">
             <a:avLst/>
           </a:prstGeom>
           <a:solidFill>
-            <a:schemeClr val="bg1"/>
+            <a:srgbClr val="F9E799"/>
           </a:solidFill>
           <a:ln>
-            <a:noFill/>
+            <a:solidFill>
+              <a:srgbClr val="001746"/>
+            </a:solidFill>
           </a:ln>
         </p:spPr>
         <p:style>
@@ -49790,1145 +51990,22 @@
           <a:lstStyle/>
           <a:p>
             <a:pPr algn="ctr"/>
-            <a:endParaRPr kumimoji="1" lang="ja-JP" altLang="en-US"/>
-          </a:p>
-        </p:txBody>
-      </p:sp>
-      <p:sp>
-        <p:nvSpPr>
-          <p:cNvPr id="28" name="四角形: 角を丸くする 27">
-            <a:extLst>
-              <a:ext uri="{FF2B5EF4-FFF2-40B4-BE49-F238E27FC236}">
-                <a16:creationId xmlns:a16="http://schemas.microsoft.com/office/drawing/2014/main" id="{33015562-F7DC-D8DB-F95C-2F31D95A3473}"/>
-              </a:ext>
-            </a:extLst>
-          </p:cNvPr>
-          <p:cNvSpPr/>
-          <p:nvPr/>
-        </p:nvSpPr>
-        <p:spPr>
-          <a:xfrm>
-            <a:off x="5433396" y="4702705"/>
-            <a:ext cx="1325207" cy="1258530"/>
-          </a:xfrm>
-          <a:prstGeom prst="roundRect">
-            <a:avLst/>
-          </a:prstGeom>
-          <a:solidFill>
-            <a:schemeClr val="bg1"/>
-          </a:solidFill>
-          <a:ln>
-            <a:noFill/>
-          </a:ln>
-        </p:spPr>
-        <p:style>
-          <a:lnRef idx="2">
-            <a:schemeClr val="accent1">
-              <a:shade val="15000"/>
-            </a:schemeClr>
-          </a:lnRef>
-          <a:fillRef idx="1">
-            <a:schemeClr val="accent1"/>
-          </a:fillRef>
-          <a:effectRef idx="0">
-            <a:schemeClr val="accent1"/>
-          </a:effectRef>
-          <a:fontRef idx="minor">
-            <a:schemeClr val="lt1"/>
-          </a:fontRef>
-        </p:style>
-        <p:txBody>
-          <a:bodyPr rtlCol="0" anchor="ctr"/>
-          <a:lstStyle/>
-          <a:p>
-            <a:pPr algn="ctr"/>
-            <a:endParaRPr kumimoji="1" lang="ja-JP" altLang="en-US"/>
-          </a:p>
-        </p:txBody>
-      </p:sp>
-      <p:pic>
-        <p:nvPicPr>
-          <p:cNvPr id="33" name="グラフィックス 32" descr="さくらんぼ 枠線">
-            <a:extLst>
-              <a:ext uri="{FF2B5EF4-FFF2-40B4-BE49-F238E27FC236}">
-                <a16:creationId xmlns:a16="http://schemas.microsoft.com/office/drawing/2014/main" id="{78F53EFD-2A12-864E-E1F2-E2E7245BD12F}"/>
-              </a:ext>
-            </a:extLst>
-          </p:cNvPr>
-          <p:cNvPicPr>
-            <a:picLocks noChangeAspect="1"/>
-          </p:cNvPicPr>
-          <p:nvPr/>
-        </p:nvPicPr>
-        <p:blipFill>
-          <a:blip r:embed="rId4">
-            <a:extLst>
-              <a:ext uri="{28A0092B-C50C-407E-A947-70E740481C1C}">
-                <a14:useLocalDpi xmlns:a14="http://schemas.microsoft.com/office/drawing/2010/main" val="0"/>
-              </a:ext>
-              <a:ext uri="{96DAC541-7B7A-43D3-8B79-37D633B846F1}">
-                <asvg:svgBlip xmlns:asvg="http://schemas.microsoft.com/office/drawing/2016/SVG/main" r:embed="rId5"/>
-              </a:ext>
-            </a:extLst>
-          </a:blip>
-          <a:stretch>
-            <a:fillRect/>
-          </a:stretch>
-        </p:blipFill>
-        <p:spPr>
-          <a:xfrm>
-            <a:off x="5638798" y="2377049"/>
-            <a:ext cx="914400" cy="914400"/>
-          </a:xfrm>
-          <a:prstGeom prst="rect">
-            <a:avLst/>
-          </a:prstGeom>
-        </p:spPr>
-      </p:pic>
-      <p:pic>
-        <p:nvPicPr>
-          <p:cNvPr id="35" name="グラフィックス 34" descr="ドングリ 単色塗りつぶし">
-            <a:extLst>
-              <a:ext uri="{FF2B5EF4-FFF2-40B4-BE49-F238E27FC236}">
-                <a16:creationId xmlns:a16="http://schemas.microsoft.com/office/drawing/2014/main" id="{E0A5422F-B975-AC0B-FC9F-6443AC0C40D4}"/>
-              </a:ext>
-            </a:extLst>
-          </p:cNvPr>
-          <p:cNvPicPr>
-            <a:picLocks noChangeAspect="1"/>
-          </p:cNvPicPr>
-          <p:nvPr/>
-        </p:nvPicPr>
-        <p:blipFill>
-          <a:blip r:embed="rId6">
-            <a:extLst>
-              <a:ext uri="{28A0092B-C50C-407E-A947-70E740481C1C}">
-                <a14:useLocalDpi xmlns:a14="http://schemas.microsoft.com/office/drawing/2010/main" val="0"/>
-              </a:ext>
-              <a:ext uri="{96DAC541-7B7A-43D3-8B79-37D633B846F1}">
-                <asvg:svgBlip xmlns:asvg="http://schemas.microsoft.com/office/drawing/2016/SVG/main" r:embed="rId7"/>
-              </a:ext>
-            </a:extLst>
-          </a:blip>
-          <a:stretch>
-            <a:fillRect/>
-          </a:stretch>
-        </p:blipFill>
-        <p:spPr>
-          <a:xfrm>
-            <a:off x="8712777" y="2364273"/>
-            <a:ext cx="914400" cy="914400"/>
-          </a:xfrm>
-          <a:prstGeom prst="rect">
-            <a:avLst/>
-          </a:prstGeom>
-        </p:spPr>
-      </p:pic>
-      <p:pic>
-        <p:nvPicPr>
-          <p:cNvPr id="37" name="グラフィックス 36" descr="ピエロ 単色塗りつぶし">
-            <a:extLst>
-              <a:ext uri="{FF2B5EF4-FFF2-40B4-BE49-F238E27FC236}">
-                <a16:creationId xmlns:a16="http://schemas.microsoft.com/office/drawing/2014/main" id="{1A7FEB07-913B-9D41-2774-9BBACDF0A7C1}"/>
-              </a:ext>
-            </a:extLst>
-          </p:cNvPr>
-          <p:cNvPicPr>
-            <a:picLocks noChangeAspect="1"/>
-          </p:cNvPicPr>
-          <p:nvPr/>
-        </p:nvPicPr>
-        <p:blipFill>
-          <a:blip r:embed="rId8">
-            <a:extLst>
-              <a:ext uri="{28A0092B-C50C-407E-A947-70E740481C1C}">
-                <a14:useLocalDpi xmlns:a14="http://schemas.microsoft.com/office/drawing/2010/main" val="0"/>
-              </a:ext>
-              <a:ext uri="{96DAC541-7B7A-43D3-8B79-37D633B846F1}">
-                <asvg:svgBlip xmlns:asvg="http://schemas.microsoft.com/office/drawing/2016/SVG/main" r:embed="rId9"/>
-              </a:ext>
-            </a:extLst>
-          </a:blip>
-          <a:stretch>
-            <a:fillRect/>
-          </a:stretch>
-        </p:blipFill>
-        <p:spPr>
-          <a:xfrm>
-            <a:off x="2560098" y="2356905"/>
-            <a:ext cx="914400" cy="914400"/>
-          </a:xfrm>
-          <a:prstGeom prst="rect">
-            <a:avLst/>
-          </a:prstGeom>
-        </p:spPr>
-      </p:pic>
-      <p:pic>
-        <p:nvPicPr>
-          <p:cNvPr id="39" name="グラフィックス 38" descr="カップケーキ 単色塗りつぶし">
-            <a:extLst>
-              <a:ext uri="{FF2B5EF4-FFF2-40B4-BE49-F238E27FC236}">
-                <a16:creationId xmlns:a16="http://schemas.microsoft.com/office/drawing/2014/main" id="{832B4AC8-6AB4-D20A-F45B-F90AFAD4D177}"/>
-              </a:ext>
-            </a:extLst>
-          </p:cNvPr>
-          <p:cNvPicPr>
-            <a:picLocks noChangeAspect="1"/>
-          </p:cNvPicPr>
-          <p:nvPr/>
-        </p:nvPicPr>
-        <p:blipFill>
-          <a:blip r:embed="rId10">
-            <a:extLst>
-              <a:ext uri="{28A0092B-C50C-407E-A947-70E740481C1C}">
-                <a14:useLocalDpi xmlns:a14="http://schemas.microsoft.com/office/drawing/2010/main" val="0"/>
-              </a:ext>
-              <a:ext uri="{96DAC541-7B7A-43D3-8B79-37D633B846F1}">
-                <asvg:svgBlip xmlns:asvg="http://schemas.microsoft.com/office/drawing/2016/SVG/main" r:embed="rId11"/>
-              </a:ext>
-            </a:extLst>
-          </a:blip>
-          <a:stretch>
-            <a:fillRect/>
-          </a:stretch>
-        </p:blipFill>
-        <p:spPr>
-          <a:xfrm>
-            <a:off x="5638798" y="4868556"/>
-            <a:ext cx="914400" cy="914400"/>
-          </a:xfrm>
-          <a:prstGeom prst="rect">
-            <a:avLst/>
-          </a:prstGeom>
-        </p:spPr>
-      </p:pic>
-      <p:pic>
-        <p:nvPicPr>
-          <p:cNvPr id="41" name="グラフィックス 40" descr="花 枠線">
-            <a:extLst>
-              <a:ext uri="{FF2B5EF4-FFF2-40B4-BE49-F238E27FC236}">
-                <a16:creationId xmlns:a16="http://schemas.microsoft.com/office/drawing/2014/main" id="{3D078AFC-BAAB-9458-3221-6F42DD428B12}"/>
-              </a:ext>
-            </a:extLst>
-          </p:cNvPr>
-          <p:cNvPicPr>
-            <a:picLocks noChangeAspect="1"/>
-          </p:cNvPicPr>
-          <p:nvPr/>
-        </p:nvPicPr>
-        <p:blipFill>
-          <a:blip r:embed="rId12">
-            <a:extLst>
-              <a:ext uri="{28A0092B-C50C-407E-A947-70E740481C1C}">
-                <a14:useLocalDpi xmlns:a14="http://schemas.microsoft.com/office/drawing/2010/main" val="0"/>
-              </a:ext>
-              <a:ext uri="{96DAC541-7B7A-43D3-8B79-37D633B846F1}">
-                <asvg:svgBlip xmlns:asvg="http://schemas.microsoft.com/office/drawing/2016/SVG/main" r:embed="rId13"/>
-              </a:ext>
-            </a:extLst>
-          </a:blip>
-          <a:stretch>
-            <a:fillRect/>
-          </a:stretch>
-        </p:blipFill>
-        <p:spPr>
-          <a:xfrm>
-            <a:off x="2560098" y="4862980"/>
-            <a:ext cx="914400" cy="914400"/>
-          </a:xfrm>
-          <a:prstGeom prst="rect">
-            <a:avLst/>
-          </a:prstGeom>
-        </p:spPr>
-      </p:pic>
-    </p:spTree>
-    <p:extLst>
-      <p:ext uri="{BB962C8B-B14F-4D97-AF65-F5344CB8AC3E}">
-        <p14:creationId xmlns:p14="http://schemas.microsoft.com/office/powerpoint/2010/main" val="1308151473"/>
-      </p:ext>
-    </p:extLst>
-  </p:cSld>
-  <p:clrMapOvr>
-    <a:masterClrMapping/>
-  </p:clrMapOvr>
-</p:sld>
-</file>
-
-<file path=ppt/slides/slide8.xml><?xml version="1.0" encoding="utf-8"?>
-<p:sld xmlns:a="http://schemas.openxmlformats.org/drawingml/2006/main" xmlns:r="http://schemas.openxmlformats.org/officeDocument/2006/relationships" xmlns:p="http://schemas.openxmlformats.org/presentationml/2006/main">
-  <p:cSld>
-    <p:spTree>
-      <p:nvGrpSpPr>
-        <p:cNvPr id="1" name=""/>
-        <p:cNvGrpSpPr/>
-        <p:nvPr/>
-      </p:nvGrpSpPr>
-      <p:grpSpPr>
-        <a:xfrm>
-          <a:off x="0" y="0"/>
-          <a:ext cx="0" cy="0"/>
-          <a:chOff x="0" y="0"/>
-          <a:chExt cx="0" cy="0"/>
-        </a:xfrm>
-      </p:grpSpPr>
-      <p:sp>
-        <p:nvSpPr>
-          <p:cNvPr id="2" name="正方形/長方形 1">
-            <a:extLst>
-              <a:ext uri="{FF2B5EF4-FFF2-40B4-BE49-F238E27FC236}">
-                <a16:creationId xmlns:a16="http://schemas.microsoft.com/office/drawing/2014/main" id="{4EACDB33-D278-4E96-4B83-CB0DA0017812}"/>
-              </a:ext>
-            </a:extLst>
-          </p:cNvPr>
-          <p:cNvSpPr/>
-          <p:nvPr/>
-        </p:nvSpPr>
-        <p:spPr>
-          <a:xfrm>
-            <a:off x="0" y="0"/>
-            <a:ext cx="12192000" cy="1386348"/>
-          </a:xfrm>
-          <a:prstGeom prst="rect">
-            <a:avLst/>
-          </a:prstGeom>
-          <a:solidFill>
-            <a:srgbClr val="F5F5F5"/>
-          </a:solidFill>
-          <a:ln>
-            <a:noFill/>
-          </a:ln>
-        </p:spPr>
-        <p:style>
-          <a:lnRef idx="2">
-            <a:schemeClr val="accent1">
-              <a:shade val="15000"/>
-            </a:schemeClr>
-          </a:lnRef>
-          <a:fillRef idx="1">
-            <a:schemeClr val="accent1"/>
-          </a:fillRef>
-          <a:effectRef idx="0">
-            <a:schemeClr val="accent1"/>
-          </a:effectRef>
-          <a:fontRef idx="minor">
-            <a:schemeClr val="lt1"/>
-          </a:fontRef>
-        </p:style>
-        <p:txBody>
-          <a:bodyPr rtlCol="0" anchor="ctr"/>
-          <a:lstStyle/>
-          <a:p>
-            <a:pPr algn="ctr"/>
-            <a:endParaRPr kumimoji="1" lang="ja-JP" altLang="en-US"/>
-          </a:p>
-        </p:txBody>
-      </p:sp>
-      <p:pic>
-        <p:nvPicPr>
-          <p:cNvPr id="3" name="図 2" descr="ロゴ&#10;&#10;中程度の精度で自動的に生成された説明">
-            <a:extLst>
-              <a:ext uri="{FF2B5EF4-FFF2-40B4-BE49-F238E27FC236}">
-                <a16:creationId xmlns:a16="http://schemas.microsoft.com/office/drawing/2014/main" id="{90677610-C373-EFD4-017B-EAF5C0AA7686}"/>
-              </a:ext>
-            </a:extLst>
-          </p:cNvPr>
-          <p:cNvPicPr>
-            <a:picLocks noChangeAspect="1"/>
-          </p:cNvPicPr>
-          <p:nvPr/>
-        </p:nvPicPr>
-        <p:blipFill rotWithShape="1">
-          <a:blip r:embed="rId3">
-            <a:extLst>
-              <a:ext uri="{28A0092B-C50C-407E-A947-70E740481C1C}">
-                <a14:useLocalDpi xmlns:a14="http://schemas.microsoft.com/office/drawing/2010/main" val="0"/>
-              </a:ext>
-            </a:extLst>
-          </a:blip>
-          <a:srcRect l="14562" t="11298" b="30517"/>
-          <a:stretch/>
-        </p:blipFill>
-        <p:spPr>
-          <a:xfrm>
-            <a:off x="4826940" y="196644"/>
-            <a:ext cx="2538120" cy="1012723"/>
-          </a:xfrm>
-          <a:prstGeom prst="rect">
-            <a:avLst/>
-          </a:prstGeom>
-        </p:spPr>
-      </p:pic>
-      <p:grpSp>
-        <p:nvGrpSpPr>
-          <p:cNvPr id="4" name="グループ化 3">
-            <a:extLst>
-              <a:ext uri="{FF2B5EF4-FFF2-40B4-BE49-F238E27FC236}">
-                <a16:creationId xmlns:a16="http://schemas.microsoft.com/office/drawing/2014/main" id="{329BA7C7-A952-CC36-20BF-41CF8CC2B67C}"/>
-              </a:ext>
-            </a:extLst>
-          </p:cNvPr>
-          <p:cNvGrpSpPr/>
-          <p:nvPr/>
-        </p:nvGrpSpPr>
-        <p:grpSpPr>
-          <a:xfrm>
-            <a:off x="317581" y="277924"/>
-            <a:ext cx="924233" cy="1234235"/>
-            <a:chOff x="266781" y="196644"/>
-            <a:chExt cx="924233" cy="1234235"/>
-          </a:xfrm>
-        </p:grpSpPr>
-        <p:sp>
-          <p:nvSpPr>
-            <p:cNvPr id="5" name="フローチャート: 結合子 4">
-              <a:extLst>
-                <a:ext uri="{FF2B5EF4-FFF2-40B4-BE49-F238E27FC236}">
-                  <a16:creationId xmlns:a16="http://schemas.microsoft.com/office/drawing/2014/main" id="{47EE03C1-417B-88F6-FDC6-9C47B48C9432}"/>
-                </a:ext>
-              </a:extLst>
-            </p:cNvPr>
-            <p:cNvSpPr/>
-            <p:nvPr/>
-          </p:nvSpPr>
-          <p:spPr>
-            <a:xfrm>
-              <a:off x="266781" y="196644"/>
-              <a:ext cx="924233" cy="924233"/>
-            </a:xfrm>
-            <a:prstGeom prst="flowChartConnector">
-              <a:avLst/>
-            </a:prstGeom>
-            <a:noFill/>
-            <a:ln w="28575">
-              <a:solidFill>
-                <a:srgbClr val="EA7B6B"/>
-              </a:solidFill>
-            </a:ln>
-          </p:spPr>
-          <p:style>
-            <a:lnRef idx="2">
-              <a:schemeClr val="accent1">
-                <a:shade val="15000"/>
-              </a:schemeClr>
-            </a:lnRef>
-            <a:fillRef idx="1">
-              <a:schemeClr val="accent1"/>
-            </a:fillRef>
-            <a:effectRef idx="0">
-              <a:schemeClr val="accent1"/>
-            </a:effectRef>
-            <a:fontRef idx="minor">
-              <a:schemeClr val="lt1"/>
-            </a:fontRef>
-          </p:style>
-          <p:txBody>
-            <a:bodyPr rtlCol="0" anchor="ctr"/>
-            <a:lstStyle/>
-            <a:p>
-              <a:pPr algn="ctr"/>
-              <a:endParaRPr kumimoji="1" lang="ja-JP" altLang="en-US"/>
-            </a:p>
-          </p:txBody>
-        </p:sp>
-        <p:sp>
-          <p:nvSpPr>
-            <p:cNvPr id="6" name="フローチャート: 結合子 5">
-              <a:extLst>
-                <a:ext uri="{FF2B5EF4-FFF2-40B4-BE49-F238E27FC236}">
-                  <a16:creationId xmlns:a16="http://schemas.microsoft.com/office/drawing/2014/main" id="{2B1C132E-FFE0-8F97-83E9-F824738228FA}"/>
-                </a:ext>
-              </a:extLst>
-            </p:cNvPr>
-            <p:cNvSpPr/>
-            <p:nvPr/>
-          </p:nvSpPr>
-          <p:spPr>
-            <a:xfrm>
-              <a:off x="545771" y="319548"/>
-              <a:ext cx="366250" cy="349044"/>
-            </a:xfrm>
-            <a:prstGeom prst="flowChartConnector">
-              <a:avLst/>
-            </a:prstGeom>
-            <a:noFill/>
-            <a:ln w="28575">
-              <a:solidFill>
-                <a:srgbClr val="EA7B6B"/>
-              </a:solidFill>
-            </a:ln>
-          </p:spPr>
-          <p:style>
-            <a:lnRef idx="2">
-              <a:schemeClr val="accent1">
-                <a:shade val="15000"/>
-              </a:schemeClr>
-            </a:lnRef>
-            <a:fillRef idx="1">
-              <a:schemeClr val="accent1"/>
-            </a:fillRef>
-            <a:effectRef idx="0">
-              <a:schemeClr val="accent1"/>
-            </a:effectRef>
-            <a:fontRef idx="minor">
-              <a:schemeClr val="lt1"/>
-            </a:fontRef>
-          </p:style>
-          <p:txBody>
-            <a:bodyPr rtlCol="0" anchor="ctr"/>
-            <a:lstStyle/>
-            <a:p>
-              <a:pPr algn="ctr"/>
-              <a:endParaRPr kumimoji="1" lang="ja-JP" altLang="en-US"/>
-            </a:p>
-          </p:txBody>
-        </p:sp>
-        <p:sp>
-          <p:nvSpPr>
-            <p:cNvPr id="7" name="円弧 6">
-              <a:extLst>
-                <a:ext uri="{FF2B5EF4-FFF2-40B4-BE49-F238E27FC236}">
-                  <a16:creationId xmlns:a16="http://schemas.microsoft.com/office/drawing/2014/main" id="{ADD0E8F1-ED4C-92D8-5152-3BEBF7347DF4}"/>
-                </a:ext>
-              </a:extLst>
-            </p:cNvPr>
-            <p:cNvSpPr/>
-            <p:nvPr/>
-          </p:nvSpPr>
-          <p:spPr>
-            <a:xfrm rot="19079286">
-              <a:off x="374934" y="732788"/>
-              <a:ext cx="707924" cy="698091"/>
-            </a:xfrm>
-            <a:prstGeom prst="arc">
-              <a:avLst/>
-            </a:prstGeom>
-            <a:ln w="28575">
-              <a:solidFill>
-                <a:srgbClr val="EA7B6B"/>
-              </a:solidFill>
-            </a:ln>
-          </p:spPr>
-          <p:style>
-            <a:lnRef idx="1">
-              <a:schemeClr val="accent1"/>
-            </a:lnRef>
-            <a:fillRef idx="0">
-              <a:schemeClr val="accent1"/>
-            </a:fillRef>
-            <a:effectRef idx="0">
-              <a:schemeClr val="accent1"/>
-            </a:effectRef>
-            <a:fontRef idx="minor">
-              <a:schemeClr val="tx1"/>
-            </a:fontRef>
-          </p:style>
-          <p:txBody>
-            <a:bodyPr rtlCol="0" anchor="ctr"/>
-            <a:lstStyle/>
-            <a:p>
-              <a:pPr algn="ctr"/>
-              <a:endParaRPr kumimoji="1" lang="ja-JP" altLang="en-US"/>
-            </a:p>
-          </p:txBody>
-        </p:sp>
-      </p:grpSp>
-      <p:sp>
-        <p:nvSpPr>
-          <p:cNvPr id="8" name="テキスト ボックス 7">
-            <a:extLst>
-              <a:ext uri="{FF2B5EF4-FFF2-40B4-BE49-F238E27FC236}">
-                <a16:creationId xmlns:a16="http://schemas.microsoft.com/office/drawing/2014/main" id="{EB500DF1-82BB-4D47-5EF1-B2F6CFEC1B8A}"/>
-              </a:ext>
-            </a:extLst>
-          </p:cNvPr>
-          <p:cNvSpPr txBox="1"/>
-          <p:nvPr/>
-        </p:nvSpPr>
-        <p:spPr>
-          <a:xfrm>
-            <a:off x="9558094" y="806695"/>
-            <a:ext cx="2401617" cy="461665"/>
-          </a:xfrm>
-          <a:prstGeom prst="rect">
-            <a:avLst/>
-          </a:prstGeom>
-          <a:noFill/>
-        </p:spPr>
-        <p:txBody>
-          <a:bodyPr wrap="square" rtlCol="0">
-            <a:spAutoFit/>
-          </a:bodyPr>
-          <a:lstStyle/>
-          <a:p>
-            <a:r>
-              <a:rPr kumimoji="1" lang="en-US" altLang="ja-JP" sz="2400" dirty="0">
-                <a:solidFill>
-                  <a:srgbClr val="001746"/>
-                </a:solidFill>
-                <a:latin typeface="Kristen ITC" panose="03050502040202030202" pitchFamily="66" charset="0"/>
-              </a:rPr>
-              <a:t>2024/06/07 (Fri)</a:t>
-            </a:r>
-            <a:endParaRPr kumimoji="1" lang="ja-JP" altLang="en-US" sz="2400" dirty="0">
-              <a:solidFill>
-                <a:srgbClr val="001746"/>
-              </a:solidFill>
-              <a:latin typeface="Kristen ITC" panose="03050502040202030202" pitchFamily="66" charset="0"/>
-            </a:endParaRPr>
-          </a:p>
-        </p:txBody>
-      </p:sp>
-      <p:sp>
-        <p:nvSpPr>
-          <p:cNvPr id="9" name="正方形/長方形 8">
-            <a:extLst>
-              <a:ext uri="{FF2B5EF4-FFF2-40B4-BE49-F238E27FC236}">
-                <a16:creationId xmlns:a16="http://schemas.microsoft.com/office/drawing/2014/main" id="{D53C526D-B094-8918-A557-24C3499CAA14}"/>
-              </a:ext>
-            </a:extLst>
-          </p:cNvPr>
-          <p:cNvSpPr/>
-          <p:nvPr/>
-        </p:nvSpPr>
-        <p:spPr>
-          <a:xfrm>
-            <a:off x="0" y="6459794"/>
-            <a:ext cx="12192000" cy="398206"/>
-          </a:xfrm>
-          <a:prstGeom prst="rect">
-            <a:avLst/>
-          </a:prstGeom>
-          <a:solidFill>
-            <a:srgbClr val="F5F5F5"/>
-          </a:solidFill>
-          <a:ln>
-            <a:noFill/>
-          </a:ln>
-        </p:spPr>
-        <p:style>
-          <a:lnRef idx="2">
-            <a:schemeClr val="accent1">
-              <a:shade val="15000"/>
-            </a:schemeClr>
-          </a:lnRef>
-          <a:fillRef idx="1">
-            <a:schemeClr val="accent1"/>
-          </a:fillRef>
-          <a:effectRef idx="0">
-            <a:schemeClr val="accent1"/>
-          </a:effectRef>
-          <a:fontRef idx="minor">
-            <a:schemeClr val="lt1"/>
-          </a:fontRef>
-        </p:style>
-        <p:txBody>
-          <a:bodyPr rtlCol="0" anchor="ctr"/>
-          <a:lstStyle/>
-          <a:p>
-            <a:pPr algn="ctr"/>
-            <a:endParaRPr kumimoji="1" lang="ja-JP" altLang="en-US"/>
-          </a:p>
-        </p:txBody>
-      </p:sp>
-      <p:sp>
-        <p:nvSpPr>
-          <p:cNvPr id="10" name="テキスト ボックス 9">
-            <a:extLst>
-              <a:ext uri="{FF2B5EF4-FFF2-40B4-BE49-F238E27FC236}">
-                <a16:creationId xmlns:a16="http://schemas.microsoft.com/office/drawing/2014/main" id="{D2E0BB24-9F6B-FCE0-B878-91A73ADBBABD}"/>
-              </a:ext>
-            </a:extLst>
-          </p:cNvPr>
-          <p:cNvSpPr txBox="1"/>
-          <p:nvPr/>
-        </p:nvSpPr>
-        <p:spPr>
-          <a:xfrm>
-            <a:off x="3861424" y="6505008"/>
-            <a:ext cx="4490720" cy="307777"/>
-          </a:xfrm>
-          <a:prstGeom prst="rect">
-            <a:avLst/>
-          </a:prstGeom>
-          <a:noFill/>
-        </p:spPr>
-        <p:txBody>
-          <a:bodyPr wrap="square" rtlCol="0">
-            <a:spAutoFit/>
-          </a:bodyPr>
-          <a:lstStyle/>
-          <a:p>
-            <a:r>
-              <a:rPr kumimoji="1" lang="en-US" altLang="ja-JP" sz="1400" dirty="0">
-                <a:solidFill>
-                  <a:srgbClr val="001746"/>
-                </a:solidFill>
-              </a:rPr>
-              <a:t>Copyright </a:t>
-            </a:r>
-            <a:r>
-              <a:rPr kumimoji="1" lang="en-US" altLang="ja-JP" sz="1400" dirty="0" err="1">
-                <a:solidFill>
-                  <a:srgbClr val="001746"/>
-                </a:solidFill>
-              </a:rPr>
-              <a:t>paraparaChahan</a:t>
-            </a:r>
-            <a:r>
-              <a:rPr kumimoji="1" lang="en-US" altLang="ja-JP" sz="1400" dirty="0">
-                <a:solidFill>
-                  <a:srgbClr val="001746"/>
-                </a:solidFill>
-              </a:rPr>
-              <a:t>(PLUS DOJO). All rights reserved.</a:t>
-            </a:r>
-            <a:endParaRPr kumimoji="1" lang="ja-JP" altLang="en-US" sz="1400" dirty="0">
-              <a:solidFill>
-                <a:srgbClr val="001746"/>
-              </a:solidFill>
-            </a:endParaRPr>
-          </a:p>
-        </p:txBody>
-      </p:sp>
-      <p:sp>
-        <p:nvSpPr>
-          <p:cNvPr id="11" name="四角形: 角を丸くする 10">
-            <a:extLst>
-              <a:ext uri="{FF2B5EF4-FFF2-40B4-BE49-F238E27FC236}">
-                <a16:creationId xmlns:a16="http://schemas.microsoft.com/office/drawing/2014/main" id="{0925A5A4-9FD1-E099-4F8C-F9F3FEFEE6B6}"/>
-              </a:ext>
-            </a:extLst>
-          </p:cNvPr>
-          <p:cNvSpPr/>
-          <p:nvPr/>
-        </p:nvSpPr>
-        <p:spPr>
-          <a:xfrm>
-            <a:off x="1776766" y="2275073"/>
-            <a:ext cx="8638468" cy="3734730"/>
-          </a:xfrm>
-          <a:prstGeom prst="roundRect">
-            <a:avLst>
-              <a:gd name="adj" fmla="val 8782"/>
-            </a:avLst>
-          </a:prstGeom>
-          <a:noFill/>
-          <a:ln w="76200" cmpd="dbl">
-            <a:solidFill>
-              <a:srgbClr val="F4D13E"/>
-            </a:solidFill>
-          </a:ln>
-        </p:spPr>
-        <p:style>
-          <a:lnRef idx="2">
-            <a:schemeClr val="accent1">
-              <a:shade val="15000"/>
-            </a:schemeClr>
-          </a:lnRef>
-          <a:fillRef idx="1">
-            <a:schemeClr val="accent1"/>
-          </a:fillRef>
-          <a:effectRef idx="0">
-            <a:schemeClr val="accent1"/>
-          </a:effectRef>
-          <a:fontRef idx="minor">
-            <a:schemeClr val="lt1"/>
-          </a:fontRef>
-        </p:style>
-        <p:txBody>
-          <a:bodyPr rtlCol="0" anchor="ctr"/>
-          <a:lstStyle/>
-          <a:p>
-            <a:pPr algn="ctr"/>
-            <a:endParaRPr kumimoji="1" lang="ja-JP" altLang="en-US" dirty="0"/>
-          </a:p>
-        </p:txBody>
-      </p:sp>
-      <p:sp>
-        <p:nvSpPr>
-          <p:cNvPr id="12" name="四角形: 角を丸くする 11">
-            <a:extLst>
-              <a:ext uri="{FF2B5EF4-FFF2-40B4-BE49-F238E27FC236}">
-                <a16:creationId xmlns:a16="http://schemas.microsoft.com/office/drawing/2014/main" id="{F1A1FCD3-7398-3301-09BE-047BBEAC09B6}"/>
-              </a:ext>
-            </a:extLst>
-          </p:cNvPr>
-          <p:cNvSpPr/>
-          <p:nvPr/>
-        </p:nvSpPr>
-        <p:spPr>
-          <a:xfrm>
-            <a:off x="2124401" y="2723445"/>
-            <a:ext cx="2988527" cy="2837985"/>
-          </a:xfrm>
-          <a:prstGeom prst="roundRect">
-            <a:avLst/>
-          </a:prstGeom>
-          <a:noFill/>
-          <a:ln w="57150">
-            <a:solidFill>
-              <a:srgbClr val="F4D13E"/>
-            </a:solidFill>
-          </a:ln>
-        </p:spPr>
-        <p:style>
-          <a:lnRef idx="2">
-            <a:schemeClr val="accent1">
-              <a:shade val="15000"/>
-            </a:schemeClr>
-          </a:lnRef>
-          <a:fillRef idx="1">
-            <a:schemeClr val="accent1"/>
-          </a:fillRef>
-          <a:effectRef idx="0">
-            <a:schemeClr val="accent1"/>
-          </a:effectRef>
-          <a:fontRef idx="minor">
-            <a:schemeClr val="lt1"/>
-          </a:fontRef>
-        </p:style>
-        <p:txBody>
-          <a:bodyPr rtlCol="0" anchor="ctr"/>
-          <a:lstStyle/>
-          <a:p>
-            <a:pPr algn="ctr"/>
-            <a:endParaRPr kumimoji="1" lang="ja-JP" altLang="en-US"/>
-          </a:p>
-        </p:txBody>
-      </p:sp>
-      <p:sp>
-        <p:nvSpPr>
-          <p:cNvPr id="14" name="四角形: 角を丸くする 13">
-            <a:extLst>
-              <a:ext uri="{FF2B5EF4-FFF2-40B4-BE49-F238E27FC236}">
-                <a16:creationId xmlns:a16="http://schemas.microsoft.com/office/drawing/2014/main" id="{9A787AF9-B709-EDFB-47D2-86102DFA6FCE}"/>
-              </a:ext>
-            </a:extLst>
-          </p:cNvPr>
-          <p:cNvSpPr/>
-          <p:nvPr/>
-        </p:nvSpPr>
-        <p:spPr>
-          <a:xfrm>
-            <a:off x="5460562" y="2704096"/>
-            <a:ext cx="4650058" cy="1569649"/>
-          </a:xfrm>
-          <a:prstGeom prst="roundRect">
-            <a:avLst>
-              <a:gd name="adj" fmla="val 26360"/>
-            </a:avLst>
-          </a:prstGeom>
-          <a:solidFill>
-            <a:srgbClr val="FCF1C4"/>
-          </a:solidFill>
-          <a:ln>
-            <a:noFill/>
-          </a:ln>
-        </p:spPr>
-        <p:style>
-          <a:lnRef idx="2">
-            <a:schemeClr val="accent1">
-              <a:shade val="15000"/>
-            </a:schemeClr>
-          </a:lnRef>
-          <a:fillRef idx="1">
-            <a:schemeClr val="accent1"/>
-          </a:fillRef>
-          <a:effectRef idx="0">
-            <a:schemeClr val="accent1"/>
-          </a:effectRef>
-          <a:fontRef idx="minor">
-            <a:schemeClr val="lt1"/>
-          </a:fontRef>
-        </p:style>
-        <p:txBody>
-          <a:bodyPr rtlCol="0" anchor="ctr"/>
-          <a:lstStyle/>
-          <a:p>
-            <a:pPr algn="ctr"/>
-            <a:endParaRPr kumimoji="1" lang="ja-JP" altLang="en-US"/>
-          </a:p>
-        </p:txBody>
-      </p:sp>
-      <p:sp>
-        <p:nvSpPr>
-          <p:cNvPr id="15" name="四角形: 角を丸くする 14">
-            <a:extLst>
-              <a:ext uri="{FF2B5EF4-FFF2-40B4-BE49-F238E27FC236}">
-                <a16:creationId xmlns:a16="http://schemas.microsoft.com/office/drawing/2014/main" id="{8AB698E6-D247-C602-B79A-81597FD493D9}"/>
-              </a:ext>
-            </a:extLst>
-          </p:cNvPr>
-          <p:cNvSpPr/>
-          <p:nvPr/>
-        </p:nvSpPr>
-        <p:spPr>
-          <a:xfrm>
-            <a:off x="6367390" y="4702768"/>
-            <a:ext cx="2836402" cy="858662"/>
-          </a:xfrm>
-          <a:prstGeom prst="roundRect">
-            <a:avLst>
-              <a:gd name="adj" fmla="val 23763"/>
-            </a:avLst>
-          </a:prstGeom>
-          <a:solidFill>
-            <a:srgbClr val="F4D13E"/>
-          </a:solidFill>
-          <a:ln>
-            <a:noFill/>
-          </a:ln>
-        </p:spPr>
-        <p:style>
-          <a:lnRef idx="2">
-            <a:schemeClr val="accent1">
-              <a:shade val="15000"/>
-            </a:schemeClr>
-          </a:lnRef>
-          <a:fillRef idx="1">
-            <a:schemeClr val="accent1"/>
-          </a:fillRef>
-          <a:effectRef idx="0">
-            <a:schemeClr val="accent1"/>
-          </a:effectRef>
-          <a:fontRef idx="minor">
-            <a:schemeClr val="lt1"/>
-          </a:fontRef>
-        </p:style>
-        <p:txBody>
-          <a:bodyPr rtlCol="0" anchor="ctr"/>
-          <a:lstStyle/>
-          <a:p>
-            <a:pPr algn="ctr"/>
-            <a:endParaRPr kumimoji="1" lang="ja-JP" altLang="en-US"/>
-          </a:p>
-        </p:txBody>
-      </p:sp>
-      <p:sp>
-        <p:nvSpPr>
-          <p:cNvPr id="16" name="テキスト ボックス 15">
-            <a:extLst>
-              <a:ext uri="{FF2B5EF4-FFF2-40B4-BE49-F238E27FC236}">
-                <a16:creationId xmlns:a16="http://schemas.microsoft.com/office/drawing/2014/main" id="{04759C4B-EA56-95E5-EE6A-E20C7F9EAD67}"/>
-              </a:ext>
-            </a:extLst>
-          </p:cNvPr>
-          <p:cNvSpPr txBox="1"/>
-          <p:nvPr/>
-        </p:nvSpPr>
-        <p:spPr>
-          <a:xfrm>
-            <a:off x="7276682" y="4849386"/>
-            <a:ext cx="1017818" cy="584775"/>
-          </a:xfrm>
-          <a:prstGeom prst="rect">
-            <a:avLst/>
-          </a:prstGeom>
-          <a:noFill/>
-        </p:spPr>
-        <p:txBody>
-          <a:bodyPr wrap="square" rtlCol="0">
-            <a:spAutoFit/>
-          </a:bodyPr>
-          <a:lstStyle/>
-          <a:p>
-            <a:r>
-              <a:rPr kumimoji="1" lang="en-US" altLang="ja-JP" sz="3200" dirty="0">
-                <a:solidFill>
-                  <a:schemeClr val="bg1"/>
-                </a:solidFill>
-                <a:latin typeface="UD デジタル 教科書体 NP-B" panose="02020700000000000000" pitchFamily="18" charset="-128"/>
-                <a:ea typeface="UD デジタル 教科書体 NP-B" panose="02020700000000000000" pitchFamily="18" charset="-128"/>
-              </a:rPr>
-              <a:t>OK</a:t>
-            </a:r>
-            <a:endParaRPr kumimoji="1" lang="ja-JP" altLang="en-US" sz="3200" dirty="0">
-              <a:solidFill>
-                <a:schemeClr val="bg1"/>
-              </a:solidFill>
-              <a:latin typeface="UD デジタル 教科書体 NP-B" panose="02020700000000000000" pitchFamily="18" charset="-128"/>
-              <a:ea typeface="UD デジタル 教科書体 NP-B" panose="02020700000000000000" pitchFamily="18" charset="-128"/>
-            </a:endParaRPr>
-          </a:p>
-        </p:txBody>
-      </p:sp>
-      <p:sp>
-        <p:nvSpPr>
-          <p:cNvPr id="17" name="テキスト ボックス 16">
-            <a:extLst>
-              <a:ext uri="{FF2B5EF4-FFF2-40B4-BE49-F238E27FC236}">
-                <a16:creationId xmlns:a16="http://schemas.microsoft.com/office/drawing/2014/main" id="{E275C74F-8FF5-6FB3-6B50-E9B8A4EF6FFA}"/>
-              </a:ext>
-            </a:extLst>
-          </p:cNvPr>
-          <p:cNvSpPr txBox="1"/>
-          <p:nvPr/>
-        </p:nvSpPr>
-        <p:spPr>
-          <a:xfrm>
-            <a:off x="6054301" y="3227310"/>
-            <a:ext cx="3410127" cy="523220"/>
-          </a:xfrm>
-          <a:prstGeom prst="rect">
-            <a:avLst/>
-          </a:prstGeom>
-          <a:noFill/>
-        </p:spPr>
-        <p:txBody>
-          <a:bodyPr wrap="square" rtlCol="0">
-            <a:spAutoFit/>
-          </a:bodyPr>
-          <a:lstStyle/>
-          <a:p>
-            <a:r>
-              <a:rPr kumimoji="1" lang="ja-JP" altLang="en-US" sz="2800" dirty="0">
+            <a:r>
+              <a:rPr lang="ja-JP" altLang="en-US" dirty="0">
                 <a:solidFill>
                   <a:srgbClr val="001746"/>
                 </a:solidFill>
                 <a:latin typeface="UD デジタル 教科書体 NP-B" panose="02020700000000000000" pitchFamily="18" charset="-128"/>
                 <a:ea typeface="UD デジタル 教科書体 NP-B" panose="02020700000000000000" pitchFamily="18" charset="-128"/>
               </a:rPr>
-              <a:t>パラパラチャーハン</a:t>
-            </a:r>
-          </a:p>
-        </p:txBody>
-      </p:sp>
-      <p:pic>
-        <p:nvPicPr>
-          <p:cNvPr id="19" name="グラフィックス 18" descr="りんご 単色塗りつぶし">
-            <a:extLst>
-              <a:ext uri="{FF2B5EF4-FFF2-40B4-BE49-F238E27FC236}">
-                <a16:creationId xmlns:a16="http://schemas.microsoft.com/office/drawing/2014/main" id="{8DDB967A-F4D4-5C7A-6253-45857B35CD49}"/>
-              </a:ext>
-            </a:extLst>
-          </p:cNvPr>
-          <p:cNvPicPr>
-            <a:picLocks noChangeAspect="1"/>
-          </p:cNvPicPr>
-          <p:nvPr/>
-        </p:nvPicPr>
-        <p:blipFill>
-          <a:blip r:embed="rId4">
-            <a:extLst>
-              <a:ext uri="{28A0092B-C50C-407E-A947-70E740481C1C}">
-                <a14:useLocalDpi xmlns:a14="http://schemas.microsoft.com/office/drawing/2010/main" val="0"/>
-              </a:ext>
-              <a:ext uri="{96DAC541-7B7A-43D3-8B79-37D633B846F1}">
-                <asvg:svgBlip xmlns:asvg="http://schemas.microsoft.com/office/drawing/2016/SVG/main" r:embed="rId5"/>
-              </a:ext>
-            </a:extLst>
-          </a:blip>
-          <a:stretch>
-            <a:fillRect/>
-          </a:stretch>
-        </p:blipFill>
-        <p:spPr>
-          <a:xfrm>
-            <a:off x="2531449" y="3046439"/>
-            <a:ext cx="2102963" cy="2102963"/>
-          </a:xfrm>
-          <a:prstGeom prst="rect">
-            <a:avLst/>
-          </a:prstGeom>
-        </p:spPr>
-      </p:pic>
-      <p:sp>
-        <p:nvSpPr>
-          <p:cNvPr id="20" name="四角形: 上の 2 つの角を丸める 19">
-            <a:extLst>
-              <a:ext uri="{FF2B5EF4-FFF2-40B4-BE49-F238E27FC236}">
-                <a16:creationId xmlns:a16="http://schemas.microsoft.com/office/drawing/2014/main" id="{1ABB374C-554B-C4BD-FB72-CAFD9EA76A5D}"/>
-              </a:ext>
-            </a:extLst>
-          </p:cNvPr>
-          <p:cNvSpPr/>
-          <p:nvPr/>
-        </p:nvSpPr>
-        <p:spPr>
-          <a:xfrm>
-            <a:off x="4452694" y="1688039"/>
-            <a:ext cx="3266983" cy="581396"/>
-          </a:xfrm>
-          <a:prstGeom prst="round2SameRect">
-            <a:avLst>
-              <a:gd name="adj1" fmla="val 50000"/>
-              <a:gd name="adj2" fmla="val 0"/>
-            </a:avLst>
-          </a:prstGeom>
-          <a:solidFill>
-            <a:srgbClr val="F4D13E"/>
-          </a:solidFill>
-          <a:ln>
-            <a:noFill/>
-          </a:ln>
-        </p:spPr>
-        <p:style>
-          <a:lnRef idx="2">
-            <a:schemeClr val="accent1">
-              <a:shade val="15000"/>
-            </a:schemeClr>
-          </a:lnRef>
-          <a:fillRef idx="1">
-            <a:schemeClr val="accent1"/>
-          </a:fillRef>
-          <a:effectRef idx="0">
-            <a:schemeClr val="accent1"/>
-          </a:effectRef>
-          <a:fontRef idx="minor">
-            <a:schemeClr val="lt1"/>
-          </a:fontRef>
-        </p:style>
-        <p:txBody>
-          <a:bodyPr rtlCol="0" anchor="ctr"/>
-          <a:lstStyle/>
-          <a:p>
-            <a:pPr algn="ctr"/>
-            <a:endParaRPr kumimoji="1" lang="ja-JP" altLang="en-US"/>
-          </a:p>
-        </p:txBody>
-      </p:sp>
-      <p:sp>
-        <p:nvSpPr>
-          <p:cNvPr id="21" name="テキスト ボックス 20">
-            <a:extLst>
-              <a:ext uri="{FF2B5EF4-FFF2-40B4-BE49-F238E27FC236}">
-                <a16:creationId xmlns:a16="http://schemas.microsoft.com/office/drawing/2014/main" id="{3F2B6FF1-152F-BD9A-3032-6DFB760ADA38}"/>
-              </a:ext>
-            </a:extLst>
-          </p:cNvPr>
-          <p:cNvSpPr txBox="1"/>
-          <p:nvPr/>
-        </p:nvSpPr>
-        <p:spPr>
-          <a:xfrm>
-            <a:off x="4813593" y="1732581"/>
-            <a:ext cx="2564813" cy="584775"/>
-          </a:xfrm>
-          <a:prstGeom prst="rect">
-            <a:avLst/>
-          </a:prstGeom>
-          <a:noFill/>
-        </p:spPr>
-        <p:txBody>
-          <a:bodyPr wrap="square" rtlCol="0">
-            <a:spAutoFit/>
-          </a:bodyPr>
-          <a:lstStyle/>
-          <a:p>
-            <a:r>
-              <a:rPr kumimoji="1" lang="en-US" altLang="ja-JP" sz="3200" dirty="0">
-                <a:solidFill>
-                  <a:schemeClr val="bg1"/>
-                </a:solidFill>
-                <a:latin typeface="Kristen ITC" panose="03050502040202030202" pitchFamily="66" charset="0"/>
-              </a:rPr>
-              <a:t>New Group</a:t>
-            </a:r>
-            <a:endParaRPr kumimoji="1" lang="ja-JP" altLang="en-US" sz="3200" dirty="0">
+              <a:t>招待</a:t>
+            </a:r>
+            <a:endParaRPr kumimoji="1" lang="ja-JP" altLang="en-US" dirty="0">
               <a:solidFill>
-                <a:schemeClr val="bg1"/>
+                <a:srgbClr val="001746"/>
               </a:solidFill>
-              <a:latin typeface="Kristen ITC" panose="03050502040202030202" pitchFamily="66" charset="0"/>
+              <a:latin typeface="UD デジタル 教科書体 NP-B" panose="02020700000000000000" pitchFamily="18" charset="-128"/>
+              <a:ea typeface="UD デジタル 教科書体 NP-B" panose="02020700000000000000" pitchFamily="18" charset="-128"/>
             </a:endParaRPr>
           </a:p>
         </p:txBody>
@@ -50936,7 +52013,7 @@
     </p:spTree>
     <p:extLst>
       <p:ext uri="{BB962C8B-B14F-4D97-AF65-F5344CB8AC3E}">
-        <p14:creationId xmlns:p14="http://schemas.microsoft.com/office/powerpoint/2010/main" val="3326991222"/>
+        <p14:creationId xmlns:p14="http://schemas.microsoft.com/office/powerpoint/2010/main" val="1460649033"/>
       </p:ext>
     </p:extLst>
   </p:cSld>
@@ -51336,7 +52413,7 @@
         </p:nvSpPr>
         <p:spPr>
           <a:xfrm>
-            <a:off x="3541852" y="6505008"/>
+            <a:off x="3517474" y="6409628"/>
             <a:ext cx="5965484" cy="307777"/>
           </a:xfrm>
           <a:prstGeom prst="rect">
@@ -51396,7 +52473,7 @@
         </p:nvSpPr>
         <p:spPr>
           <a:xfrm>
-            <a:off x="2204899" y="2170470"/>
+            <a:off x="2180521" y="2075090"/>
             <a:ext cx="1325207" cy="1258530"/>
           </a:xfrm>
           <a:prstGeom prst="roundRect">
@@ -51465,7 +52542,7 @@
         </p:blipFill>
         <p:spPr>
           <a:xfrm>
-            <a:off x="2410302" y="2342535"/>
+            <a:off x="2385924" y="2247155"/>
             <a:ext cx="914400" cy="914400"/>
           </a:xfrm>
           <a:prstGeom prst="rect">
@@ -51487,11 +52564,13 @@
         </p:nvSpPr>
         <p:spPr>
           <a:xfrm>
-            <a:off x="2410302" y="1497677"/>
-            <a:ext cx="7420152" cy="4939509"/>
+            <a:off x="2385924" y="1563978"/>
+            <a:ext cx="7420152" cy="4777828"/>
           </a:xfrm>
           <a:prstGeom prst="roundRect">
-            <a:avLst/>
+            <a:avLst>
+              <a:gd name="adj" fmla="val 11508"/>
+            </a:avLst>
           </a:prstGeom>
           <a:solidFill>
             <a:srgbClr val="F9E799"/>
@@ -51539,7 +52618,7 @@
         </p:nvGrpSpPr>
         <p:grpSpPr>
           <a:xfrm>
-            <a:off x="2901235" y="1910857"/>
+            <a:off x="2876857" y="1815477"/>
             <a:ext cx="1168177" cy="1125287"/>
             <a:chOff x="2354695" y="2184840"/>
             <a:chExt cx="1325207" cy="1258530"/>
@@ -51651,14 +52730,14 @@
         </p:nvSpPr>
         <p:spPr>
           <a:xfrm>
-            <a:off x="4454817" y="3367453"/>
+            <a:off x="4639728" y="3112487"/>
             <a:ext cx="3608701" cy="579476"/>
           </a:xfrm>
           <a:prstGeom prst="roundRect">
             <a:avLst/>
           </a:prstGeom>
           <a:solidFill>
-            <a:srgbClr val="FCF1C4"/>
+            <a:schemeClr val="bg1"/>
           </a:solidFill>
           <a:ln w="28575">
             <a:noFill/>
@@ -51712,14 +52791,14 @@
         </p:nvSpPr>
         <p:spPr>
           <a:xfrm>
-            <a:off x="4454816" y="4061315"/>
+            <a:off x="4639727" y="3806349"/>
             <a:ext cx="3586585" cy="559876"/>
           </a:xfrm>
           <a:prstGeom prst="roundRect">
             <a:avLst/>
           </a:prstGeom>
           <a:solidFill>
-            <a:srgbClr val="FCF1C4"/>
+            <a:schemeClr val="bg1"/>
           </a:solidFill>
           <a:ln w="28575">
             <a:noFill/>
@@ -51810,14 +52889,14 @@
         </p:nvSpPr>
         <p:spPr>
           <a:xfrm>
-            <a:off x="4454816" y="4773034"/>
+            <a:off x="4639727" y="4518068"/>
             <a:ext cx="3608701" cy="559876"/>
           </a:xfrm>
           <a:prstGeom prst="roundRect">
             <a:avLst/>
           </a:prstGeom>
           <a:solidFill>
-            <a:srgbClr val="FCF1C4"/>
+            <a:schemeClr val="bg1"/>
           </a:solidFill>
           <a:ln w="28575">
             <a:noFill/>
@@ -51887,14 +52966,14 @@
         </p:nvSpPr>
         <p:spPr>
           <a:xfrm>
-            <a:off x="4608718" y="2037829"/>
+            <a:off x="4584326" y="1867165"/>
             <a:ext cx="4501085" cy="871345"/>
           </a:xfrm>
           <a:prstGeom prst="roundRect">
             <a:avLst/>
           </a:prstGeom>
           <a:solidFill>
-            <a:srgbClr val="FCF1C4"/>
+            <a:schemeClr val="bg1"/>
           </a:solidFill>
           <a:ln>
             <a:noFill/>
@@ -51953,7 +53032,7 @@
         </p:nvSpPr>
         <p:spPr>
           <a:xfrm>
-            <a:off x="8481963" y="3423285"/>
+            <a:off x="8666874" y="3168319"/>
             <a:ext cx="418538" cy="398206"/>
           </a:xfrm>
           <a:prstGeom prst="ellipse">
@@ -51962,9 +53041,9 @@
           <a:solidFill>
             <a:schemeClr val="bg1"/>
           </a:solidFill>
-          <a:ln>
+          <a:ln w="38100">
             <a:solidFill>
-              <a:srgbClr val="001746"/>
+              <a:srgbClr val="8AAEC9"/>
             </a:solidFill>
           </a:ln>
         </p:spPr>
@@ -51992,14 +53071,14 @@
             <a:r>
               <a:rPr lang="en-US" altLang="ja-JP" sz="4000" dirty="0">
                 <a:solidFill>
-                  <a:srgbClr val="001746"/>
+                  <a:srgbClr val="8AAEC9"/>
                 </a:solidFill>
               </a:rPr>
               <a:t>-</a:t>
             </a:r>
             <a:endParaRPr kumimoji="1" lang="ja-JP" altLang="en-US" sz="4000" dirty="0">
               <a:solidFill>
-                <a:srgbClr val="001746"/>
+                <a:srgbClr val="8AAEC9"/>
               </a:solidFill>
             </a:endParaRPr>
           </a:p>
@@ -52019,7 +53098,7 @@
         </p:nvSpPr>
         <p:spPr>
           <a:xfrm>
-            <a:off x="8481963" y="4157653"/>
+            <a:off x="8666874" y="3902687"/>
             <a:ext cx="418538" cy="398206"/>
           </a:xfrm>
           <a:prstGeom prst="ellipse">
@@ -52028,9 +53107,9 @@
           <a:solidFill>
             <a:schemeClr val="bg1"/>
           </a:solidFill>
-          <a:ln>
+          <a:ln w="28575">
             <a:solidFill>
-              <a:srgbClr val="001746"/>
+              <a:srgbClr val="8AAEC9"/>
             </a:solidFill>
           </a:ln>
         </p:spPr>
@@ -52058,14 +53137,14 @@
             <a:r>
               <a:rPr lang="en-US" altLang="ja-JP" sz="4000" dirty="0">
                 <a:solidFill>
-                  <a:srgbClr val="001746"/>
+                  <a:srgbClr val="8AAEC9"/>
                 </a:solidFill>
               </a:rPr>
               <a:t>-</a:t>
             </a:r>
             <a:endParaRPr kumimoji="1" lang="ja-JP" altLang="en-US" sz="4000" dirty="0">
               <a:solidFill>
-                <a:srgbClr val="001746"/>
+                <a:srgbClr val="8AAEC9"/>
               </a:solidFill>
             </a:endParaRPr>
           </a:p>
@@ -52085,7 +53164,7 @@
         </p:nvSpPr>
         <p:spPr>
           <a:xfrm>
-            <a:off x="8481963" y="4853869"/>
+            <a:off x="8666874" y="4598903"/>
             <a:ext cx="418538" cy="398206"/>
           </a:xfrm>
           <a:prstGeom prst="ellipse">
@@ -52094,9 +53173,9 @@
           <a:solidFill>
             <a:schemeClr val="bg1"/>
           </a:solidFill>
-          <a:ln>
+          <a:ln w="28575">
             <a:solidFill>
-              <a:srgbClr val="001746"/>
+              <a:srgbClr val="8AAEC9"/>
             </a:solidFill>
           </a:ln>
         </p:spPr>
@@ -52124,14 +53203,14 @@
             <a:r>
               <a:rPr lang="en-US" altLang="ja-JP" sz="4000" dirty="0">
                 <a:solidFill>
-                  <a:srgbClr val="001746"/>
+                  <a:srgbClr val="8AAEC9"/>
                 </a:solidFill>
               </a:rPr>
               <a:t>-</a:t>
             </a:r>
             <a:endParaRPr kumimoji="1" lang="ja-JP" altLang="en-US" sz="4000" dirty="0">
               <a:solidFill>
-                <a:srgbClr val="001746"/>
+                <a:srgbClr val="8AAEC9"/>
               </a:solidFill>
             </a:endParaRPr>
           </a:p>
@@ -52151,7 +53230,7 @@
         </p:nvSpPr>
         <p:spPr>
           <a:xfrm>
-            <a:off x="5643920" y="5899292"/>
+            <a:off x="5717058" y="5693876"/>
             <a:ext cx="1215341" cy="449172"/>
           </a:xfrm>
           <a:prstGeom prst="roundRect">
@@ -52186,6 +53265,350 @@
           <a:p>
             <a:pPr algn="ctr"/>
             <a:r>
+              <a:rPr kumimoji="1" lang="en-US" altLang="ja-JP" dirty="0">
+                <a:solidFill>
+                  <a:schemeClr val="bg1"/>
+                </a:solidFill>
+                <a:latin typeface="UD デジタル 教科書体 NP-B" panose="02020700000000000000" pitchFamily="18" charset="-128"/>
+                <a:ea typeface="UD デジタル 教科書体 NP-B" panose="02020700000000000000" pitchFamily="18" charset="-128"/>
+              </a:rPr>
+              <a:t>OK</a:t>
+            </a:r>
+            <a:endParaRPr kumimoji="1" lang="ja-JP" altLang="en-US" dirty="0">
+              <a:solidFill>
+                <a:schemeClr val="bg1"/>
+              </a:solidFill>
+              <a:latin typeface="UD デジタル 教科書体 NP-B" panose="02020700000000000000" pitchFamily="18" charset="-128"/>
+              <a:ea typeface="UD デジタル 教科書体 NP-B" panose="02020700000000000000" pitchFamily="18" charset="-128"/>
+            </a:endParaRPr>
+          </a:p>
+        </p:txBody>
+      </p:sp>
+      <p:sp>
+        <p:nvSpPr>
+          <p:cNvPr id="40" name="四角形: 角を丸くする 39">
+            <a:extLst>
+              <a:ext uri="{FF2B5EF4-FFF2-40B4-BE49-F238E27FC236}">
+                <a16:creationId xmlns:a16="http://schemas.microsoft.com/office/drawing/2014/main" id="{C38083B4-DEC7-4462-BB87-07E084B49B5D}"/>
+              </a:ext>
+            </a:extLst>
+          </p:cNvPr>
+          <p:cNvSpPr/>
+          <p:nvPr/>
+        </p:nvSpPr>
+        <p:spPr>
+          <a:xfrm>
+            <a:off x="2971817" y="3862765"/>
+            <a:ext cx="1325207" cy="485405"/>
+          </a:xfrm>
+          <a:prstGeom prst="roundRect">
+            <a:avLst/>
+          </a:prstGeom>
+          <a:solidFill>
+            <a:srgbClr val="8AAEC9"/>
+          </a:solidFill>
+          <a:ln>
+            <a:noFill/>
+          </a:ln>
+        </p:spPr>
+        <p:style>
+          <a:lnRef idx="2">
+            <a:schemeClr val="accent1">
+              <a:shade val="15000"/>
+            </a:schemeClr>
+          </a:lnRef>
+          <a:fillRef idx="1">
+            <a:schemeClr val="accent1"/>
+          </a:fillRef>
+          <a:effectRef idx="0">
+            <a:schemeClr val="accent1"/>
+          </a:effectRef>
+          <a:fontRef idx="minor">
+            <a:schemeClr val="lt1"/>
+          </a:fontRef>
+        </p:style>
+        <p:txBody>
+          <a:bodyPr rtlCol="0" anchor="ctr"/>
+          <a:lstStyle/>
+          <a:p>
+            <a:pPr algn="ctr"/>
+            <a:r>
+              <a:rPr kumimoji="1" lang="en-US" altLang="ja-JP" dirty="0">
+                <a:solidFill>
+                  <a:schemeClr val="bg1"/>
+                </a:solidFill>
+                <a:latin typeface="Kristen ITC" panose="03050502040202030202" pitchFamily="66" charset="0"/>
+              </a:rPr>
+              <a:t>Member</a:t>
+            </a:r>
+            <a:endParaRPr kumimoji="1" lang="ja-JP" altLang="en-US" dirty="0">
+              <a:solidFill>
+                <a:schemeClr val="bg1"/>
+              </a:solidFill>
+              <a:latin typeface="Kristen ITC" panose="03050502040202030202" pitchFamily="66" charset="0"/>
+            </a:endParaRPr>
+          </a:p>
+        </p:txBody>
+      </p:sp>
+      <p:sp>
+        <p:nvSpPr>
+          <p:cNvPr id="41" name="四角形: 角を丸くする 40">
+            <a:extLst>
+              <a:ext uri="{FF2B5EF4-FFF2-40B4-BE49-F238E27FC236}">
+                <a16:creationId xmlns:a16="http://schemas.microsoft.com/office/drawing/2014/main" id="{51181426-C656-D1CC-4FD6-2C6AD2282C70}"/>
+              </a:ext>
+            </a:extLst>
+          </p:cNvPr>
+          <p:cNvSpPr/>
+          <p:nvPr/>
+        </p:nvSpPr>
+        <p:spPr>
+          <a:xfrm>
+            <a:off x="2971818" y="4565848"/>
+            <a:ext cx="1325207" cy="485405"/>
+          </a:xfrm>
+          <a:prstGeom prst="roundRect">
+            <a:avLst/>
+          </a:prstGeom>
+          <a:solidFill>
+            <a:srgbClr val="8AAEC9"/>
+          </a:solidFill>
+          <a:ln>
+            <a:noFill/>
+          </a:ln>
+        </p:spPr>
+        <p:style>
+          <a:lnRef idx="2">
+            <a:schemeClr val="accent1">
+              <a:shade val="15000"/>
+            </a:schemeClr>
+          </a:lnRef>
+          <a:fillRef idx="1">
+            <a:schemeClr val="accent1"/>
+          </a:fillRef>
+          <a:effectRef idx="0">
+            <a:schemeClr val="accent1"/>
+          </a:effectRef>
+          <a:fontRef idx="minor">
+            <a:schemeClr val="lt1"/>
+          </a:fontRef>
+        </p:style>
+        <p:txBody>
+          <a:bodyPr rtlCol="0" anchor="ctr"/>
+          <a:lstStyle/>
+          <a:p>
+            <a:pPr algn="ctr"/>
+            <a:r>
+              <a:rPr kumimoji="1" lang="en-US" altLang="ja-JP" dirty="0">
+                <a:solidFill>
+                  <a:schemeClr val="bg1"/>
+                </a:solidFill>
+                <a:latin typeface="Kristen ITC" panose="03050502040202030202" pitchFamily="66" charset="0"/>
+              </a:rPr>
+              <a:t>Member</a:t>
+            </a:r>
+            <a:endParaRPr kumimoji="1" lang="ja-JP" altLang="en-US" dirty="0">
+              <a:solidFill>
+                <a:schemeClr val="bg1"/>
+              </a:solidFill>
+              <a:latin typeface="Kristen ITC" panose="03050502040202030202" pitchFamily="66" charset="0"/>
+            </a:endParaRPr>
+          </a:p>
+        </p:txBody>
+      </p:sp>
+      <p:pic>
+        <p:nvPicPr>
+          <p:cNvPr id="49" name="グラフィックス 48" descr="クリップボード 単色塗りつぶし">
+            <a:extLst>
+              <a:ext uri="{FF2B5EF4-FFF2-40B4-BE49-F238E27FC236}">
+                <a16:creationId xmlns:a16="http://schemas.microsoft.com/office/drawing/2014/main" id="{B28C3103-D730-DDB6-27D4-2E72D84F102F}"/>
+              </a:ext>
+            </a:extLst>
+          </p:cNvPr>
+          <p:cNvPicPr>
+            <a:picLocks noChangeAspect="1"/>
+          </p:cNvPicPr>
+          <p:nvPr/>
+        </p:nvPicPr>
+        <p:blipFill>
+          <a:blip r:embed="rId6">
+            <a:extLst>
+              <a:ext uri="{28A0092B-C50C-407E-A947-70E740481C1C}">
+                <a14:useLocalDpi xmlns:a14="http://schemas.microsoft.com/office/drawing/2010/main" val="0"/>
+              </a:ext>
+              <a:ext uri="{96DAC541-7B7A-43D3-8B79-37D633B846F1}">
+                <asvg:svgBlip xmlns:asvg="http://schemas.microsoft.com/office/drawing/2016/SVG/main" r:embed="rId7"/>
+              </a:ext>
+            </a:extLst>
+          </a:blip>
+          <a:stretch>
+            <a:fillRect/>
+          </a:stretch>
+        </p:blipFill>
+        <p:spPr>
+          <a:xfrm>
+            <a:off x="7682063" y="3166830"/>
+            <a:ext cx="487676" cy="487676"/>
+          </a:xfrm>
+          <a:prstGeom prst="rect">
+            <a:avLst/>
+          </a:prstGeom>
+        </p:spPr>
+      </p:pic>
+      <p:sp>
+        <p:nvSpPr>
+          <p:cNvPr id="50" name="四角形: 角を丸くする 49">
+            <a:extLst>
+              <a:ext uri="{FF2B5EF4-FFF2-40B4-BE49-F238E27FC236}">
+                <a16:creationId xmlns:a16="http://schemas.microsoft.com/office/drawing/2014/main" id="{226CDFEA-0136-F45D-AA86-1A687D3E6845}"/>
+              </a:ext>
+            </a:extLst>
+          </p:cNvPr>
+          <p:cNvSpPr/>
+          <p:nvPr/>
+        </p:nvSpPr>
+        <p:spPr>
+          <a:xfrm>
+            <a:off x="2963494" y="3181584"/>
+            <a:ext cx="1325207" cy="485405"/>
+          </a:xfrm>
+          <a:prstGeom prst="roundRect">
+            <a:avLst/>
+          </a:prstGeom>
+          <a:solidFill>
+            <a:srgbClr val="8AAEC9"/>
+          </a:solidFill>
+          <a:ln>
+            <a:noFill/>
+          </a:ln>
+        </p:spPr>
+        <p:style>
+          <a:lnRef idx="2">
+            <a:schemeClr val="accent1">
+              <a:shade val="15000"/>
+            </a:schemeClr>
+          </a:lnRef>
+          <a:fillRef idx="1">
+            <a:schemeClr val="accent1"/>
+          </a:fillRef>
+          <a:effectRef idx="0">
+            <a:schemeClr val="accent1"/>
+          </a:effectRef>
+          <a:fontRef idx="minor">
+            <a:schemeClr val="lt1"/>
+          </a:fontRef>
+        </p:style>
+        <p:txBody>
+          <a:bodyPr rtlCol="0" anchor="ctr"/>
+          <a:lstStyle/>
+          <a:p>
+            <a:pPr algn="ctr"/>
+            <a:r>
+              <a:rPr kumimoji="1" lang="en-US" altLang="ja-JP" dirty="0">
+                <a:solidFill>
+                  <a:schemeClr val="bg1"/>
+                </a:solidFill>
+                <a:latin typeface="Kristen ITC" panose="03050502040202030202" pitchFamily="66" charset="0"/>
+              </a:rPr>
+              <a:t>Member</a:t>
+            </a:r>
+            <a:endParaRPr kumimoji="1" lang="ja-JP" altLang="en-US" dirty="0">
+              <a:solidFill>
+                <a:schemeClr val="bg1"/>
+              </a:solidFill>
+              <a:latin typeface="Kristen ITC" panose="03050502040202030202" pitchFamily="66" charset="0"/>
+            </a:endParaRPr>
+          </a:p>
+        </p:txBody>
+      </p:sp>
+      <p:pic>
+        <p:nvPicPr>
+          <p:cNvPr id="51" name="グラフィックス 50" descr="クリップボード 単色塗りつぶし">
+            <a:extLst>
+              <a:ext uri="{FF2B5EF4-FFF2-40B4-BE49-F238E27FC236}">
+                <a16:creationId xmlns:a16="http://schemas.microsoft.com/office/drawing/2014/main" id="{51A21315-5D7B-D9F7-6C6A-0257EDDFEF4C}"/>
+              </a:ext>
+            </a:extLst>
+          </p:cNvPr>
+          <p:cNvPicPr>
+            <a:picLocks noChangeAspect="1"/>
+          </p:cNvPicPr>
+          <p:nvPr/>
+        </p:nvPicPr>
+        <p:blipFill>
+          <a:blip r:embed="rId8">
+            <a:extLst>
+              <a:ext uri="{28A0092B-C50C-407E-A947-70E740481C1C}">
+                <a14:useLocalDpi xmlns:a14="http://schemas.microsoft.com/office/drawing/2010/main" val="0"/>
+              </a:ext>
+              <a:ext uri="{96DAC541-7B7A-43D3-8B79-37D633B846F1}">
+                <asvg:svgBlip xmlns:asvg="http://schemas.microsoft.com/office/drawing/2016/SVG/main" r:embed="rId9"/>
+              </a:ext>
+            </a:extLst>
+          </a:blip>
+          <a:stretch>
+            <a:fillRect/>
+          </a:stretch>
+        </p:blipFill>
+        <p:spPr>
+          <a:xfrm>
+            <a:off x="7682063" y="3830399"/>
+            <a:ext cx="487676" cy="487676"/>
+          </a:xfrm>
+          <a:prstGeom prst="rect">
+            <a:avLst/>
+          </a:prstGeom>
+        </p:spPr>
+      </p:pic>
+      <p:sp>
+        <p:nvSpPr>
+          <p:cNvPr id="52" name="四角形: 角を丸くする 51">
+            <a:extLst>
+              <a:ext uri="{FF2B5EF4-FFF2-40B4-BE49-F238E27FC236}">
+                <a16:creationId xmlns:a16="http://schemas.microsoft.com/office/drawing/2014/main" id="{5245D68E-2185-FBF4-2351-B7C6DF2856C9}"/>
+              </a:ext>
+            </a:extLst>
+          </p:cNvPr>
+          <p:cNvSpPr/>
+          <p:nvPr/>
+        </p:nvSpPr>
+        <p:spPr>
+          <a:xfrm>
+            <a:off x="7264257" y="4587255"/>
+            <a:ext cx="795596" cy="421502"/>
+          </a:xfrm>
+          <a:prstGeom prst="roundRect">
+            <a:avLst/>
+          </a:prstGeom>
+          <a:solidFill>
+            <a:srgbClr val="F4D13E"/>
+          </a:solidFill>
+          <a:ln>
+            <a:noFill/>
+          </a:ln>
+        </p:spPr>
+        <p:style>
+          <a:lnRef idx="2">
+            <a:schemeClr val="accent1">
+              <a:shade val="15000"/>
+            </a:schemeClr>
+          </a:lnRef>
+          <a:fillRef idx="1">
+            <a:schemeClr val="accent1"/>
+          </a:fillRef>
+          <a:effectRef idx="0">
+            <a:schemeClr val="accent1"/>
+          </a:effectRef>
+          <a:fontRef idx="minor">
+            <a:schemeClr val="lt1"/>
+          </a:fontRef>
+        </p:style>
+        <p:txBody>
+          <a:bodyPr rtlCol="0" anchor="ctr"/>
+          <a:lstStyle/>
+          <a:p>
+            <a:pPr algn="ctr"/>
+            <a:r>
               <a:rPr lang="ja-JP" altLang="en-US" dirty="0">
                 <a:solidFill>
                   <a:schemeClr val="bg1"/>
@@ -52193,7 +53616,7 @@
                 <a:latin typeface="UD デジタル 教科書体 NP-B" panose="02020700000000000000" pitchFamily="18" charset="-128"/>
                 <a:ea typeface="UD デジタル 教科書体 NP-B" panose="02020700000000000000" pitchFamily="18" charset="-128"/>
               </a:rPr>
-              <a:t>登録</a:t>
+              <a:t>招待</a:t>
             </a:r>
             <a:endParaRPr kumimoji="1" lang="ja-JP" altLang="en-US" dirty="0">
               <a:solidFill>
@@ -52207,10 +53630,10 @@
       </p:sp>
       <p:sp>
         <p:nvSpPr>
-          <p:cNvPr id="40" name="四角形: 角を丸くする 39">
-            <a:extLst>
-              <a:ext uri="{FF2B5EF4-FFF2-40B4-BE49-F238E27FC236}">
-                <a16:creationId xmlns:a16="http://schemas.microsoft.com/office/drawing/2014/main" id="{C38083B4-DEC7-4462-BB87-07E084B49B5D}"/>
+          <p:cNvPr id="37" name="楕円 36">
+            <a:extLst>
+              <a:ext uri="{FF2B5EF4-FFF2-40B4-BE49-F238E27FC236}">
+                <a16:creationId xmlns:a16="http://schemas.microsoft.com/office/drawing/2014/main" id="{F7B79908-BB3E-3DEC-C3FD-60D16C256C0A}"/>
               </a:ext>
             </a:extLst>
           </p:cNvPr>
@@ -52219,17 +53642,19 @@
         </p:nvSpPr>
         <p:spPr>
           <a:xfrm>
-            <a:off x="2786906" y="4117731"/>
-            <a:ext cx="1325207" cy="485405"/>
-          </a:xfrm>
-          <a:prstGeom prst="roundRect">
+            <a:off x="3416828" y="5268931"/>
+            <a:ext cx="418538" cy="398206"/>
+          </a:xfrm>
+          <a:prstGeom prst="ellipse">
             <a:avLst/>
           </a:prstGeom>
           <a:solidFill>
-            <a:srgbClr val="8AAEC9"/>
+            <a:schemeClr val="bg1"/>
           </a:solidFill>
-          <a:ln>
-            <a:noFill/>
+          <a:ln w="28575">
+            <a:solidFill>
+              <a:srgbClr val="8AAEC9"/>
+            </a:solidFill>
           </a:ln>
         </p:spPr>
         <p:style>
@@ -52253,308 +53678,105 @@
           <a:lstStyle/>
           <a:p>
             <a:pPr algn="ctr"/>
-            <a:r>
-              <a:rPr kumimoji="1" lang="en-US" altLang="ja-JP" dirty="0">
-                <a:solidFill>
-                  <a:schemeClr val="bg1"/>
-                </a:solidFill>
-                <a:latin typeface="Kristen ITC" panose="03050502040202030202" pitchFamily="66" charset="0"/>
-              </a:rPr>
-              <a:t>Member</a:t>
-            </a:r>
-            <a:endParaRPr kumimoji="1" lang="ja-JP" altLang="en-US" dirty="0">
+            <a:endParaRPr kumimoji="1" lang="ja-JP" altLang="en-US" sz="4000" dirty="0">
               <a:solidFill>
-                <a:schemeClr val="bg1"/>
+                <a:srgbClr val="8AAEC9"/>
               </a:solidFill>
-              <a:latin typeface="Kristen ITC" panose="03050502040202030202" pitchFamily="66" charset="0"/>
             </a:endParaRPr>
           </a:p>
         </p:txBody>
       </p:sp>
-      <p:sp>
-        <p:nvSpPr>
-          <p:cNvPr id="41" name="四角形: 角を丸くする 40">
-            <a:extLst>
-              <a:ext uri="{FF2B5EF4-FFF2-40B4-BE49-F238E27FC236}">
-                <a16:creationId xmlns:a16="http://schemas.microsoft.com/office/drawing/2014/main" id="{51181426-C656-D1CC-4FD6-2C6AD2282C70}"/>
-              </a:ext>
-            </a:extLst>
-          </p:cNvPr>
-          <p:cNvSpPr/>
-          <p:nvPr/>
-        </p:nvSpPr>
-        <p:spPr>
-          <a:xfrm>
-            <a:off x="2786907" y="4820814"/>
-            <a:ext cx="1325207" cy="485405"/>
-          </a:xfrm>
-          <a:prstGeom prst="roundRect">
-            <a:avLst/>
-          </a:prstGeom>
-          <a:solidFill>
-            <a:srgbClr val="8AAEC9"/>
-          </a:solidFill>
-          <a:ln>
-            <a:noFill/>
+      <p:cxnSp>
+        <p:nvCxnSpPr>
+          <p:cNvPr id="10" name="直線コネクタ 9">
+            <a:extLst>
+              <a:ext uri="{FF2B5EF4-FFF2-40B4-BE49-F238E27FC236}">
+                <a16:creationId xmlns:a16="http://schemas.microsoft.com/office/drawing/2014/main" id="{B0AA5A77-1C18-208E-5728-DB25A3B32D8F}"/>
+              </a:ext>
+            </a:extLst>
+          </p:cNvPr>
+          <p:cNvCxnSpPr>
+            <a:cxnSpLocks/>
+          </p:cNvCxnSpPr>
+          <p:nvPr/>
+        </p:nvCxnSpPr>
+        <p:spPr>
+          <a:xfrm>
+            <a:off x="3626095" y="5275506"/>
+            <a:ext cx="2" cy="358212"/>
+          </a:xfrm>
+          <a:prstGeom prst="line">
+            <a:avLst/>
+          </a:prstGeom>
+          <a:ln w="28575">
+            <a:solidFill>
+              <a:srgbClr val="8AAEC9"/>
+            </a:solidFill>
           </a:ln>
         </p:spPr>
         <p:style>
-          <a:lnRef idx="2">
-            <a:schemeClr val="accent1">
-              <a:shade val="15000"/>
-            </a:schemeClr>
+          <a:lnRef idx="1">
+            <a:schemeClr val="accent1"/>
           </a:lnRef>
-          <a:fillRef idx="1">
+          <a:fillRef idx="0">
             <a:schemeClr val="accent1"/>
           </a:fillRef>
           <a:effectRef idx="0">
             <a:schemeClr val="accent1"/>
           </a:effectRef>
           <a:fontRef idx="minor">
-            <a:schemeClr val="lt1"/>
+            <a:schemeClr val="tx1"/>
           </a:fontRef>
         </p:style>
-        <p:txBody>
-          <a:bodyPr rtlCol="0" anchor="ctr"/>
-          <a:lstStyle/>
-          <a:p>
-            <a:pPr algn="ctr"/>
-            <a:r>
-              <a:rPr kumimoji="1" lang="en-US" altLang="ja-JP" dirty="0">
-                <a:solidFill>
-                  <a:schemeClr val="bg1"/>
-                </a:solidFill>
-                <a:latin typeface="Kristen ITC" panose="03050502040202030202" pitchFamily="66" charset="0"/>
-              </a:rPr>
-              <a:t>Member</a:t>
-            </a:r>
-            <a:endParaRPr kumimoji="1" lang="ja-JP" altLang="en-US" dirty="0">
-              <a:solidFill>
-                <a:schemeClr val="bg1"/>
-              </a:solidFill>
-              <a:latin typeface="Kristen ITC" panose="03050502040202030202" pitchFamily="66" charset="0"/>
-            </a:endParaRPr>
-          </a:p>
-        </p:txBody>
-      </p:sp>
-      <p:pic>
-        <p:nvPicPr>
-          <p:cNvPr id="49" name="グラフィックス 48" descr="クリップボード 単色塗りつぶし">
-            <a:extLst>
-              <a:ext uri="{FF2B5EF4-FFF2-40B4-BE49-F238E27FC236}">
-                <a16:creationId xmlns:a16="http://schemas.microsoft.com/office/drawing/2014/main" id="{B28C3103-D730-DDB6-27D4-2E72D84F102F}"/>
-              </a:ext>
-            </a:extLst>
-          </p:cNvPr>
-          <p:cNvPicPr>
-            <a:picLocks noChangeAspect="1"/>
-          </p:cNvPicPr>
-          <p:nvPr/>
-        </p:nvPicPr>
-        <p:blipFill>
-          <a:blip r:embed="rId6">
-            <a:extLst>
-              <a:ext uri="{28A0092B-C50C-407E-A947-70E740481C1C}">
-                <a14:useLocalDpi xmlns:a14="http://schemas.microsoft.com/office/drawing/2010/main" val="0"/>
-              </a:ext>
-              <a:ext uri="{96DAC541-7B7A-43D3-8B79-37D633B846F1}">
-                <asvg:svgBlip xmlns:asvg="http://schemas.microsoft.com/office/drawing/2016/SVG/main" r:embed="rId7"/>
-              </a:ext>
-            </a:extLst>
-          </a:blip>
-          <a:stretch>
-            <a:fillRect/>
-          </a:stretch>
-        </p:blipFill>
-        <p:spPr>
-          <a:xfrm>
-            <a:off x="7497152" y="3421796"/>
-            <a:ext cx="487676" cy="487676"/>
-          </a:xfrm>
-          <a:prstGeom prst="rect">
-            <a:avLst/>
-          </a:prstGeom>
-        </p:spPr>
-      </p:pic>
-      <p:sp>
-        <p:nvSpPr>
-          <p:cNvPr id="50" name="四角形: 角を丸くする 49">
-            <a:extLst>
-              <a:ext uri="{FF2B5EF4-FFF2-40B4-BE49-F238E27FC236}">
-                <a16:creationId xmlns:a16="http://schemas.microsoft.com/office/drawing/2014/main" id="{226CDFEA-0136-F45D-AA86-1A687D3E6845}"/>
-              </a:ext>
-            </a:extLst>
-          </p:cNvPr>
-          <p:cNvSpPr/>
-          <p:nvPr/>
-        </p:nvSpPr>
-        <p:spPr>
-          <a:xfrm>
-            <a:off x="2778583" y="3436550"/>
-            <a:ext cx="1325207" cy="485405"/>
-          </a:xfrm>
-          <a:prstGeom prst="roundRect">
-            <a:avLst/>
-          </a:prstGeom>
-          <a:solidFill>
-            <a:srgbClr val="8AAEC9"/>
-          </a:solidFill>
-          <a:ln>
-            <a:noFill/>
+      </p:cxnSp>
+      <p:cxnSp>
+        <p:nvCxnSpPr>
+          <p:cNvPr id="3" name="直線コネクタ 2">
+            <a:extLst>
+              <a:ext uri="{FF2B5EF4-FFF2-40B4-BE49-F238E27FC236}">
+                <a16:creationId xmlns:a16="http://schemas.microsoft.com/office/drawing/2014/main" id="{E1DAF4A9-1370-04C3-644A-AE4293282E75}"/>
+              </a:ext>
+            </a:extLst>
+          </p:cNvPr>
+          <p:cNvCxnSpPr>
+            <a:cxnSpLocks/>
+            <a:endCxn id="37" idx="6"/>
+          </p:cNvCxnSpPr>
+          <p:nvPr/>
+        </p:nvCxnSpPr>
+        <p:spPr>
+          <a:xfrm>
+            <a:off x="3460945" y="5468034"/>
+            <a:ext cx="374421" cy="0"/>
+          </a:xfrm>
+          <a:prstGeom prst="line">
+            <a:avLst/>
+          </a:prstGeom>
+          <a:ln w="28575">
+            <a:solidFill>
+              <a:srgbClr val="8AAEC9"/>
+            </a:solidFill>
           </a:ln>
         </p:spPr>
         <p:style>
-          <a:lnRef idx="2">
-            <a:schemeClr val="accent1">
-              <a:shade val="15000"/>
-            </a:schemeClr>
+          <a:lnRef idx="1">
+            <a:schemeClr val="accent1"/>
           </a:lnRef>
-          <a:fillRef idx="1">
+          <a:fillRef idx="0">
             <a:schemeClr val="accent1"/>
           </a:fillRef>
           <a:effectRef idx="0">
             <a:schemeClr val="accent1"/>
           </a:effectRef>
           <a:fontRef idx="minor">
-            <a:schemeClr val="lt1"/>
+            <a:schemeClr val="tx1"/>
           </a:fontRef>
         </p:style>
-        <p:txBody>
-          <a:bodyPr rtlCol="0" anchor="ctr"/>
-          <a:lstStyle/>
-          <a:p>
-            <a:pPr algn="ctr"/>
-            <a:r>
-              <a:rPr kumimoji="1" lang="en-US" altLang="ja-JP" dirty="0">
-                <a:solidFill>
-                  <a:schemeClr val="bg1"/>
-                </a:solidFill>
-                <a:latin typeface="Kristen ITC" panose="03050502040202030202" pitchFamily="66" charset="0"/>
-              </a:rPr>
-              <a:t>Member</a:t>
-            </a:r>
-            <a:endParaRPr kumimoji="1" lang="ja-JP" altLang="en-US" dirty="0">
-              <a:solidFill>
-                <a:schemeClr val="bg1"/>
-              </a:solidFill>
-              <a:latin typeface="Kristen ITC" panose="03050502040202030202" pitchFamily="66" charset="0"/>
-            </a:endParaRPr>
-          </a:p>
-        </p:txBody>
-      </p:sp>
-      <p:pic>
-        <p:nvPicPr>
-          <p:cNvPr id="51" name="グラフィックス 50" descr="クリップボード 単色塗りつぶし">
-            <a:extLst>
-              <a:ext uri="{FF2B5EF4-FFF2-40B4-BE49-F238E27FC236}">
-                <a16:creationId xmlns:a16="http://schemas.microsoft.com/office/drawing/2014/main" id="{51A21315-5D7B-D9F7-6C6A-0257EDDFEF4C}"/>
-              </a:ext>
-            </a:extLst>
-          </p:cNvPr>
-          <p:cNvPicPr>
-            <a:picLocks noChangeAspect="1"/>
-          </p:cNvPicPr>
-          <p:nvPr/>
-        </p:nvPicPr>
-        <p:blipFill>
-          <a:blip r:embed="rId8">
-            <a:extLst>
-              <a:ext uri="{28A0092B-C50C-407E-A947-70E740481C1C}">
-                <a14:useLocalDpi xmlns:a14="http://schemas.microsoft.com/office/drawing/2010/main" val="0"/>
-              </a:ext>
-              <a:ext uri="{96DAC541-7B7A-43D3-8B79-37D633B846F1}">
-                <asvg:svgBlip xmlns:asvg="http://schemas.microsoft.com/office/drawing/2016/SVG/main" r:embed="rId9"/>
-              </a:ext>
-            </a:extLst>
-          </a:blip>
-          <a:stretch>
-            <a:fillRect/>
-          </a:stretch>
-        </p:blipFill>
-        <p:spPr>
-          <a:xfrm>
-            <a:off x="7497152" y="4085365"/>
-            <a:ext cx="487676" cy="487676"/>
-          </a:xfrm>
-          <a:prstGeom prst="rect">
-            <a:avLst/>
-          </a:prstGeom>
-        </p:spPr>
-      </p:pic>
-      <p:sp>
-        <p:nvSpPr>
-          <p:cNvPr id="52" name="四角形: 角を丸くする 51">
-            <a:extLst>
-              <a:ext uri="{FF2B5EF4-FFF2-40B4-BE49-F238E27FC236}">
-                <a16:creationId xmlns:a16="http://schemas.microsoft.com/office/drawing/2014/main" id="{5245D68E-2185-FBF4-2351-B7C6DF2856C9}"/>
-              </a:ext>
-            </a:extLst>
-          </p:cNvPr>
-          <p:cNvSpPr/>
-          <p:nvPr/>
-        </p:nvSpPr>
-        <p:spPr>
-          <a:xfrm>
-            <a:off x="7079346" y="4842221"/>
-            <a:ext cx="795596" cy="421502"/>
-          </a:xfrm>
-          <a:prstGeom prst="roundRect">
-            <a:avLst/>
-          </a:prstGeom>
-          <a:solidFill>
-            <a:srgbClr val="F9E799"/>
-          </a:solidFill>
-          <a:ln>
-            <a:solidFill>
-              <a:srgbClr val="001746"/>
-            </a:solidFill>
-          </a:ln>
-        </p:spPr>
-        <p:style>
-          <a:lnRef idx="2">
-            <a:schemeClr val="accent1">
-              <a:shade val="15000"/>
-            </a:schemeClr>
-          </a:lnRef>
-          <a:fillRef idx="1">
-            <a:schemeClr val="accent1"/>
-          </a:fillRef>
-          <a:effectRef idx="0">
-            <a:schemeClr val="accent1"/>
-          </a:effectRef>
-          <a:fontRef idx="minor">
-            <a:schemeClr val="lt1"/>
-          </a:fontRef>
-        </p:style>
-        <p:txBody>
-          <a:bodyPr rtlCol="0" anchor="ctr"/>
-          <a:lstStyle/>
-          <a:p>
-            <a:pPr algn="ctr"/>
-            <a:r>
-              <a:rPr lang="ja-JP" altLang="en-US" dirty="0">
-                <a:solidFill>
-                  <a:srgbClr val="001746"/>
-                </a:solidFill>
-                <a:latin typeface="UD デジタル 教科書体 NP-B" panose="02020700000000000000" pitchFamily="18" charset="-128"/>
-                <a:ea typeface="UD デジタル 教科書体 NP-B" panose="02020700000000000000" pitchFamily="18" charset="-128"/>
-              </a:rPr>
-              <a:t>招待</a:t>
-            </a:r>
-            <a:endParaRPr kumimoji="1" lang="ja-JP" altLang="en-US" dirty="0">
-              <a:solidFill>
-                <a:srgbClr val="001746"/>
-              </a:solidFill>
-              <a:latin typeface="UD デジタル 教科書体 NP-B" panose="02020700000000000000" pitchFamily="18" charset="-128"/>
-              <a:ea typeface="UD デジタル 教科書体 NP-B" panose="02020700000000000000" pitchFamily="18" charset="-128"/>
-            </a:endParaRPr>
-          </a:p>
-        </p:txBody>
-      </p:sp>
+      </p:cxnSp>
     </p:spTree>
     <p:extLst>
       <p:ext uri="{BB962C8B-B14F-4D97-AF65-F5344CB8AC3E}">
-        <p14:creationId xmlns:p14="http://schemas.microsoft.com/office/powerpoint/2010/main" val="1460649033"/>
+        <p14:creationId xmlns:p14="http://schemas.microsoft.com/office/powerpoint/2010/main" val="946593296"/>
       </p:ext>
     </p:extLst>
   </p:cSld>

--- a/doc/13_外部設計/famiLink 画面デザイン.pptx
+++ b/doc/13_外部設計/famiLink 画面デザイン.pptx
@@ -34957,6 +34957,875 @@
           </a:p>
         </p:txBody>
       </p:sp>
+      <p:sp>
+        <p:nvSpPr>
+          <p:cNvPr id="20" name="テキスト ボックス 19">
+            <a:extLst>
+              <a:ext uri="{FF2B5EF4-FFF2-40B4-BE49-F238E27FC236}">
+                <a16:creationId xmlns:a16="http://schemas.microsoft.com/office/drawing/2014/main" id="{93D16964-E0C9-2363-48DD-3B661653827D}"/>
+              </a:ext>
+            </a:extLst>
+          </p:cNvPr>
+          <p:cNvSpPr txBox="1"/>
+          <p:nvPr/>
+        </p:nvSpPr>
+        <p:spPr>
+          <a:xfrm>
+            <a:off x="9558094" y="806695"/>
+            <a:ext cx="2401617" cy="461665"/>
+          </a:xfrm>
+          <a:prstGeom prst="rect">
+            <a:avLst/>
+          </a:prstGeom>
+          <a:noFill/>
+        </p:spPr>
+        <p:txBody>
+          <a:bodyPr wrap="square" rtlCol="0">
+            <a:spAutoFit/>
+          </a:bodyPr>
+          <a:lstStyle/>
+          <a:p>
+            <a:r>
+              <a:rPr kumimoji="1" lang="en-US" altLang="ja-JP" sz="2400" dirty="0">
+                <a:solidFill>
+                  <a:srgbClr val="001746"/>
+                </a:solidFill>
+                <a:latin typeface="Kristen ITC" panose="03050502040202030202" pitchFamily="66" charset="0"/>
+              </a:rPr>
+              <a:t>2024/06/07 (Fri)</a:t>
+            </a:r>
+            <a:endParaRPr kumimoji="1" lang="ja-JP" altLang="en-US" sz="2400" dirty="0">
+              <a:solidFill>
+                <a:srgbClr val="001746"/>
+              </a:solidFill>
+              <a:latin typeface="Kristen ITC" panose="03050502040202030202" pitchFamily="66" charset="0"/>
+            </a:endParaRPr>
+          </a:p>
+        </p:txBody>
+      </p:sp>
+      <p:sp>
+        <p:nvSpPr>
+          <p:cNvPr id="22" name="テキスト ボックス 21">
+            <a:extLst>
+              <a:ext uri="{FF2B5EF4-FFF2-40B4-BE49-F238E27FC236}">
+                <a16:creationId xmlns:a16="http://schemas.microsoft.com/office/drawing/2014/main" id="{71CC734F-A1B3-457D-DBDD-64EF65974439}"/>
+              </a:ext>
+            </a:extLst>
+          </p:cNvPr>
+          <p:cNvSpPr txBox="1"/>
+          <p:nvPr/>
+        </p:nvSpPr>
+        <p:spPr>
+          <a:xfrm>
+            <a:off x="3541852" y="6505008"/>
+            <a:ext cx="5965484" cy="307777"/>
+          </a:xfrm>
+          <a:prstGeom prst="rect">
+            <a:avLst/>
+          </a:prstGeom>
+          <a:noFill/>
+        </p:spPr>
+        <p:txBody>
+          <a:bodyPr wrap="square" rtlCol="0">
+            <a:spAutoFit/>
+          </a:bodyPr>
+          <a:lstStyle/>
+          <a:p>
+            <a:r>
+              <a:rPr kumimoji="1" lang="en-US" altLang="ja-JP" sz="1400" dirty="0">
+                <a:solidFill>
+                  <a:srgbClr val="001746"/>
+                </a:solidFill>
+              </a:rPr>
+              <a:t>Copyright </a:t>
+            </a:r>
+            <a:r>
+              <a:rPr kumimoji="1" lang="en-US" altLang="ja-JP" sz="1400" dirty="0" err="1">
+                <a:solidFill>
+                  <a:srgbClr val="001746"/>
+                </a:solidFill>
+              </a:rPr>
+              <a:t>paraparaChahan</a:t>
+            </a:r>
+            <a:r>
+              <a:rPr kumimoji="1" lang="en-US" altLang="ja-JP" sz="1400" dirty="0">
+                <a:solidFill>
+                  <a:srgbClr val="001746"/>
+                </a:solidFill>
+              </a:rPr>
+              <a:t>(PLUS DOJO). All rights reserved.</a:t>
+            </a:r>
+            <a:endParaRPr kumimoji="1" lang="ja-JP" altLang="en-US" sz="1400" dirty="0">
+              <a:solidFill>
+                <a:srgbClr val="001746"/>
+              </a:solidFill>
+            </a:endParaRPr>
+          </a:p>
+        </p:txBody>
+      </p:sp>
+      <p:sp>
+        <p:nvSpPr>
+          <p:cNvPr id="11" name="四角形: 角を丸くする 10">
+            <a:extLst>
+              <a:ext uri="{FF2B5EF4-FFF2-40B4-BE49-F238E27FC236}">
+                <a16:creationId xmlns:a16="http://schemas.microsoft.com/office/drawing/2014/main" id="{483B6676-0DD3-34A6-AA42-6F5056660355}"/>
+              </a:ext>
+            </a:extLst>
+          </p:cNvPr>
+          <p:cNvSpPr/>
+          <p:nvPr/>
+        </p:nvSpPr>
+        <p:spPr>
+          <a:xfrm>
+            <a:off x="2298289" y="1582992"/>
+            <a:ext cx="7960833" cy="4699821"/>
+          </a:xfrm>
+          <a:prstGeom prst="roundRect">
+            <a:avLst>
+              <a:gd name="adj" fmla="val 11680"/>
+            </a:avLst>
+          </a:prstGeom>
+          <a:solidFill>
+            <a:srgbClr val="EA7B6B"/>
+          </a:solidFill>
+          <a:ln>
+            <a:noFill/>
+          </a:ln>
+        </p:spPr>
+        <p:style>
+          <a:lnRef idx="2">
+            <a:schemeClr val="accent1">
+              <a:shade val="15000"/>
+            </a:schemeClr>
+          </a:lnRef>
+          <a:fillRef idx="1">
+            <a:schemeClr val="accent1"/>
+          </a:fillRef>
+          <a:effectRef idx="0">
+            <a:schemeClr val="accent1"/>
+          </a:effectRef>
+          <a:fontRef idx="minor">
+            <a:schemeClr val="lt1"/>
+          </a:fontRef>
+        </p:style>
+        <p:txBody>
+          <a:bodyPr rtlCol="0" anchor="ctr"/>
+          <a:lstStyle/>
+          <a:p>
+            <a:pPr algn="ctr"/>
+            <a:endParaRPr kumimoji="1" lang="ja-JP" altLang="en-US" dirty="0"/>
+          </a:p>
+        </p:txBody>
+      </p:sp>
+      <p:sp>
+        <p:nvSpPr>
+          <p:cNvPr id="12" name="テキスト ボックス 11">
+            <a:extLst>
+              <a:ext uri="{FF2B5EF4-FFF2-40B4-BE49-F238E27FC236}">
+                <a16:creationId xmlns:a16="http://schemas.microsoft.com/office/drawing/2014/main" id="{C375B5E2-C360-169D-4208-9A23C94B2910}"/>
+              </a:ext>
+            </a:extLst>
+          </p:cNvPr>
+          <p:cNvSpPr txBox="1"/>
+          <p:nvPr/>
+        </p:nvSpPr>
+        <p:spPr>
+          <a:xfrm>
+            <a:off x="3774739" y="1695063"/>
+            <a:ext cx="4651914" cy="369332"/>
+          </a:xfrm>
+          <a:prstGeom prst="rect">
+            <a:avLst/>
+          </a:prstGeom>
+          <a:solidFill>
+            <a:srgbClr val="EA7B6B"/>
+          </a:solidFill>
+        </p:spPr>
+        <p:txBody>
+          <a:bodyPr wrap="square" rtlCol="0">
+            <a:spAutoFit/>
+          </a:bodyPr>
+          <a:lstStyle/>
+          <a:p>
+            <a:pPr algn="ctr"/>
+            <a:r>
+              <a:rPr lang="en-US" altLang="ja-JP" dirty="0">
+                <a:solidFill>
+                  <a:schemeClr val="bg1"/>
+                </a:solidFill>
+                <a:latin typeface="Kristen ITC" panose="03050502040202030202" pitchFamily="66" charset="0"/>
+                <a:ea typeface="UD デジタル 教科書体 NP-B" panose="02020700000000000000" pitchFamily="18" charset="-128"/>
+              </a:rPr>
+              <a:t>U</a:t>
+            </a:r>
+            <a:r>
+              <a:rPr kumimoji="1" lang="en-US" altLang="ja-JP" dirty="0">
+                <a:solidFill>
+                  <a:schemeClr val="bg1"/>
+                </a:solidFill>
+                <a:latin typeface="Kristen ITC" panose="03050502040202030202" pitchFamily="66" charset="0"/>
+                <a:ea typeface="UD デジタル 教科書体 NP-B" panose="02020700000000000000" pitchFamily="18" charset="-128"/>
+              </a:rPr>
+              <a:t>ser ID</a:t>
+            </a:r>
+            <a:endParaRPr kumimoji="1" lang="ja-JP" altLang="en-US" dirty="0">
+              <a:solidFill>
+                <a:schemeClr val="bg1"/>
+              </a:solidFill>
+              <a:latin typeface="Kristen ITC" panose="03050502040202030202" pitchFamily="66" charset="0"/>
+              <a:ea typeface="UD デジタル 教科書体 NP-B" panose="02020700000000000000" pitchFamily="18" charset="-128"/>
+            </a:endParaRPr>
+          </a:p>
+        </p:txBody>
+      </p:sp>
+      <p:sp>
+        <p:nvSpPr>
+          <p:cNvPr id="19" name="テキスト ボックス 18">
+            <a:extLst>
+              <a:ext uri="{FF2B5EF4-FFF2-40B4-BE49-F238E27FC236}">
+                <a16:creationId xmlns:a16="http://schemas.microsoft.com/office/drawing/2014/main" id="{ADE8B062-11AF-3F71-5A5F-79E5D06AD258}"/>
+              </a:ext>
+            </a:extLst>
+          </p:cNvPr>
+          <p:cNvSpPr txBox="1"/>
+          <p:nvPr/>
+        </p:nvSpPr>
+        <p:spPr>
+          <a:xfrm>
+            <a:off x="3770043" y="2597273"/>
+            <a:ext cx="4651914" cy="369332"/>
+          </a:xfrm>
+          <a:prstGeom prst="rect">
+            <a:avLst/>
+          </a:prstGeom>
+          <a:solidFill>
+            <a:srgbClr val="EA7B6B"/>
+          </a:solidFill>
+        </p:spPr>
+        <p:txBody>
+          <a:bodyPr wrap="square" rtlCol="0">
+            <a:spAutoFit/>
+          </a:bodyPr>
+          <a:lstStyle/>
+          <a:p>
+            <a:pPr algn="ctr"/>
+            <a:r>
+              <a:rPr kumimoji="1" lang="en-US" altLang="ja-JP" dirty="0">
+                <a:solidFill>
+                  <a:schemeClr val="bg1"/>
+                </a:solidFill>
+                <a:latin typeface="Kristen ITC" panose="03050502040202030202" pitchFamily="66" charset="0"/>
+                <a:ea typeface="UD デジタル 教科書体 NP-B" panose="02020700000000000000" pitchFamily="18" charset="-128"/>
+              </a:rPr>
+              <a:t>Mail</a:t>
+            </a:r>
+            <a:endParaRPr kumimoji="1" lang="ja-JP" altLang="en-US" dirty="0">
+              <a:solidFill>
+                <a:schemeClr val="bg1"/>
+              </a:solidFill>
+              <a:latin typeface="Kristen ITC" panose="03050502040202030202" pitchFamily="66" charset="0"/>
+              <a:ea typeface="UD デジタル 教科書体 NP-B" panose="02020700000000000000" pitchFamily="18" charset="-128"/>
+            </a:endParaRPr>
+          </a:p>
+        </p:txBody>
+      </p:sp>
+      <p:sp>
+        <p:nvSpPr>
+          <p:cNvPr id="27" name="四角形: 角を丸くする 26">
+            <a:extLst>
+              <a:ext uri="{FF2B5EF4-FFF2-40B4-BE49-F238E27FC236}">
+                <a16:creationId xmlns:a16="http://schemas.microsoft.com/office/drawing/2014/main" id="{E2146CF5-E729-F45C-32CF-55F5F7A8F68B}"/>
+              </a:ext>
+            </a:extLst>
+          </p:cNvPr>
+          <p:cNvSpPr/>
+          <p:nvPr/>
+        </p:nvSpPr>
+        <p:spPr>
+          <a:xfrm>
+            <a:off x="4063755" y="2064395"/>
+            <a:ext cx="4084425" cy="464540"/>
+          </a:xfrm>
+          <a:prstGeom prst="roundRect">
+            <a:avLst>
+              <a:gd name="adj" fmla="val 50000"/>
+            </a:avLst>
+          </a:prstGeom>
+          <a:solidFill>
+            <a:schemeClr val="bg1"/>
+          </a:solidFill>
+          <a:ln>
+            <a:noFill/>
+          </a:ln>
+        </p:spPr>
+        <p:style>
+          <a:lnRef idx="2">
+            <a:schemeClr val="accent1">
+              <a:shade val="15000"/>
+            </a:schemeClr>
+          </a:lnRef>
+          <a:fillRef idx="1">
+            <a:schemeClr val="accent1"/>
+          </a:fillRef>
+          <a:effectRef idx="0">
+            <a:schemeClr val="accent1"/>
+          </a:effectRef>
+          <a:fontRef idx="minor">
+            <a:schemeClr val="lt1"/>
+          </a:fontRef>
+        </p:style>
+        <p:txBody>
+          <a:bodyPr rtlCol="0" anchor="ctr"/>
+          <a:lstStyle/>
+          <a:p>
+            <a:pPr algn="ctr"/>
+            <a:r>
+              <a:rPr lang="en-US" altLang="ja-JP" dirty="0" err="1">
+                <a:solidFill>
+                  <a:srgbClr val="001746"/>
+                </a:solidFill>
+              </a:rPr>
+              <a:t>paraparachahan</a:t>
+            </a:r>
+            <a:endParaRPr kumimoji="1" lang="ja-JP" altLang="en-US" dirty="0">
+              <a:solidFill>
+                <a:srgbClr val="001746"/>
+              </a:solidFill>
+            </a:endParaRPr>
+          </a:p>
+        </p:txBody>
+      </p:sp>
+      <p:sp>
+        <p:nvSpPr>
+          <p:cNvPr id="32" name="四角形: 角を丸くする 31">
+            <a:extLst>
+              <a:ext uri="{FF2B5EF4-FFF2-40B4-BE49-F238E27FC236}">
+                <a16:creationId xmlns:a16="http://schemas.microsoft.com/office/drawing/2014/main" id="{ABF9D0DD-63D6-3555-DAC0-C38C9276558C}"/>
+              </a:ext>
+            </a:extLst>
+          </p:cNvPr>
+          <p:cNvSpPr/>
+          <p:nvPr/>
+        </p:nvSpPr>
+        <p:spPr>
+          <a:xfrm>
+            <a:off x="4063756" y="2980248"/>
+            <a:ext cx="4084424" cy="464540"/>
+          </a:xfrm>
+          <a:prstGeom prst="roundRect">
+            <a:avLst>
+              <a:gd name="adj" fmla="val 50000"/>
+            </a:avLst>
+          </a:prstGeom>
+          <a:solidFill>
+            <a:schemeClr val="bg1"/>
+          </a:solidFill>
+          <a:ln>
+            <a:noFill/>
+          </a:ln>
+        </p:spPr>
+        <p:style>
+          <a:lnRef idx="2">
+            <a:schemeClr val="accent1">
+              <a:shade val="15000"/>
+            </a:schemeClr>
+          </a:lnRef>
+          <a:fillRef idx="1">
+            <a:schemeClr val="accent1"/>
+          </a:fillRef>
+          <a:effectRef idx="0">
+            <a:schemeClr val="accent1"/>
+          </a:effectRef>
+          <a:fontRef idx="minor">
+            <a:schemeClr val="lt1"/>
+          </a:fontRef>
+        </p:style>
+        <p:txBody>
+          <a:bodyPr rtlCol="0" anchor="ctr"/>
+          <a:lstStyle/>
+          <a:p>
+            <a:pPr algn="ctr"/>
+            <a:r>
+              <a:rPr kumimoji="1" lang="en-US" altLang="ja-JP" dirty="0">
+                <a:solidFill>
+                  <a:srgbClr val="001746"/>
+                </a:solidFill>
+              </a:rPr>
+              <a:t>parapara@chahan.jp</a:t>
+            </a:r>
+            <a:endParaRPr kumimoji="1" lang="ja-JP" altLang="en-US" dirty="0">
+              <a:solidFill>
+                <a:srgbClr val="001746"/>
+              </a:solidFill>
+            </a:endParaRPr>
+          </a:p>
+        </p:txBody>
+      </p:sp>
+      <p:sp>
+        <p:nvSpPr>
+          <p:cNvPr id="34" name="四角形: 角を丸くする 33">
+            <a:extLst>
+              <a:ext uri="{FF2B5EF4-FFF2-40B4-BE49-F238E27FC236}">
+                <a16:creationId xmlns:a16="http://schemas.microsoft.com/office/drawing/2014/main" id="{79C24ABA-E5C9-0018-034F-F8574C74B416}"/>
+              </a:ext>
+            </a:extLst>
+          </p:cNvPr>
+          <p:cNvSpPr/>
+          <p:nvPr/>
+        </p:nvSpPr>
+        <p:spPr>
+          <a:xfrm>
+            <a:off x="4093408" y="4952158"/>
+            <a:ext cx="4054772" cy="464540"/>
+          </a:xfrm>
+          <a:prstGeom prst="roundRect">
+            <a:avLst>
+              <a:gd name="adj" fmla="val 50000"/>
+            </a:avLst>
+          </a:prstGeom>
+          <a:solidFill>
+            <a:schemeClr val="bg1"/>
+          </a:solidFill>
+          <a:ln>
+            <a:noFill/>
+          </a:ln>
+        </p:spPr>
+        <p:style>
+          <a:lnRef idx="2">
+            <a:schemeClr val="accent1">
+              <a:shade val="15000"/>
+            </a:schemeClr>
+          </a:lnRef>
+          <a:fillRef idx="1">
+            <a:schemeClr val="accent1"/>
+          </a:fillRef>
+          <a:effectRef idx="0">
+            <a:schemeClr val="accent1"/>
+          </a:effectRef>
+          <a:fontRef idx="minor">
+            <a:schemeClr val="lt1"/>
+          </a:fontRef>
+        </p:style>
+        <p:txBody>
+          <a:bodyPr rtlCol="0" anchor="ctr"/>
+          <a:lstStyle/>
+          <a:p>
+            <a:pPr algn="ctr"/>
+            <a:r>
+              <a:rPr kumimoji="1" lang="en-US" altLang="ja-JP" dirty="0" err="1">
+                <a:solidFill>
+                  <a:srgbClr val="001746"/>
+                </a:solidFill>
+              </a:rPr>
+              <a:t>Parachan</a:t>
+            </a:r>
+            <a:endParaRPr kumimoji="1" lang="ja-JP" altLang="en-US" dirty="0">
+              <a:solidFill>
+                <a:srgbClr val="001746"/>
+              </a:solidFill>
+            </a:endParaRPr>
+          </a:p>
+        </p:txBody>
+      </p:sp>
+      <p:sp>
+        <p:nvSpPr>
+          <p:cNvPr id="35" name="テキスト ボックス 34">
+            <a:extLst>
+              <a:ext uri="{FF2B5EF4-FFF2-40B4-BE49-F238E27FC236}">
+                <a16:creationId xmlns:a16="http://schemas.microsoft.com/office/drawing/2014/main" id="{9AE8BEFB-A94E-C9E3-91D8-E7224B60661F}"/>
+              </a:ext>
+            </a:extLst>
+          </p:cNvPr>
+          <p:cNvSpPr txBox="1"/>
+          <p:nvPr/>
+        </p:nvSpPr>
+        <p:spPr>
+          <a:xfrm>
+            <a:off x="3770043" y="4558240"/>
+            <a:ext cx="4651914" cy="369332"/>
+          </a:xfrm>
+          <a:prstGeom prst="rect">
+            <a:avLst/>
+          </a:prstGeom>
+          <a:solidFill>
+            <a:srgbClr val="EA7B6B"/>
+          </a:solidFill>
+        </p:spPr>
+        <p:txBody>
+          <a:bodyPr wrap="square" rtlCol="0">
+            <a:spAutoFit/>
+          </a:bodyPr>
+          <a:lstStyle/>
+          <a:p>
+            <a:pPr algn="ctr"/>
+            <a:r>
+              <a:rPr kumimoji="1" lang="en-US" altLang="ja-JP" dirty="0">
+                <a:solidFill>
+                  <a:schemeClr val="bg1"/>
+                </a:solidFill>
+                <a:latin typeface="Kristen ITC" panose="03050502040202030202" pitchFamily="66" charset="0"/>
+                <a:ea typeface="UD デジタル 教科書体 NP-B" panose="02020700000000000000" pitchFamily="18" charset="-128"/>
+              </a:rPr>
+              <a:t>Nickname</a:t>
+            </a:r>
+            <a:endParaRPr kumimoji="1" lang="ja-JP" altLang="en-US" dirty="0">
+              <a:solidFill>
+                <a:schemeClr val="bg1"/>
+              </a:solidFill>
+              <a:latin typeface="Kristen ITC" panose="03050502040202030202" pitchFamily="66" charset="0"/>
+              <a:ea typeface="UD デジタル 教科書体 NP-B" panose="02020700000000000000" pitchFamily="18" charset="-128"/>
+            </a:endParaRPr>
+          </a:p>
+        </p:txBody>
+      </p:sp>
+      <p:sp>
+        <p:nvSpPr>
+          <p:cNvPr id="36" name="四角形: 角を丸くする 35">
+            <a:extLst>
+              <a:ext uri="{FF2B5EF4-FFF2-40B4-BE49-F238E27FC236}">
+                <a16:creationId xmlns:a16="http://schemas.microsoft.com/office/drawing/2014/main" id="{14C5C34A-F129-4578-EB0C-8F357383BFA0}"/>
+              </a:ext>
+            </a:extLst>
+          </p:cNvPr>
+          <p:cNvSpPr/>
+          <p:nvPr/>
+        </p:nvSpPr>
+        <p:spPr>
+          <a:xfrm>
+            <a:off x="5119084" y="5586719"/>
+            <a:ext cx="1973765" cy="486842"/>
+          </a:xfrm>
+          <a:prstGeom prst="roundRect">
+            <a:avLst>
+              <a:gd name="adj" fmla="val 50000"/>
+            </a:avLst>
+          </a:prstGeom>
+          <a:solidFill>
+            <a:srgbClr val="001746"/>
+          </a:solidFill>
+          <a:ln>
+            <a:noFill/>
+          </a:ln>
+        </p:spPr>
+        <p:style>
+          <a:lnRef idx="2">
+            <a:schemeClr val="accent1">
+              <a:shade val="15000"/>
+            </a:schemeClr>
+          </a:lnRef>
+          <a:fillRef idx="1">
+            <a:schemeClr val="accent1"/>
+          </a:fillRef>
+          <a:effectRef idx="0">
+            <a:schemeClr val="accent1"/>
+          </a:effectRef>
+          <a:fontRef idx="minor">
+            <a:schemeClr val="lt1"/>
+          </a:fontRef>
+        </p:style>
+        <p:txBody>
+          <a:bodyPr rtlCol="0" anchor="ctr"/>
+          <a:lstStyle/>
+          <a:p>
+            <a:pPr algn="ctr"/>
+            <a:r>
+              <a:rPr kumimoji="1" lang="en-US" altLang="ja-JP" dirty="0">
+                <a:latin typeface="UD デジタル 教科書体 NP-B" panose="02020700000000000000" pitchFamily="18" charset="-128"/>
+                <a:ea typeface="UD デジタル 教科書体 NP-B" panose="02020700000000000000" pitchFamily="18" charset="-128"/>
+              </a:rPr>
+              <a:t>OK</a:t>
+            </a:r>
+            <a:endParaRPr kumimoji="1" lang="ja-JP" altLang="en-US" dirty="0">
+              <a:latin typeface="UD デジタル 教科書体 NP-B" panose="02020700000000000000" pitchFamily="18" charset="-128"/>
+              <a:ea typeface="UD デジタル 教科書体 NP-B" panose="02020700000000000000" pitchFamily="18" charset="-128"/>
+            </a:endParaRPr>
+          </a:p>
+        </p:txBody>
+      </p:sp>
+      <p:sp>
+        <p:nvSpPr>
+          <p:cNvPr id="2" name="テキスト ボックス 1">
+            <a:extLst>
+              <a:ext uri="{FF2B5EF4-FFF2-40B4-BE49-F238E27FC236}">
+                <a16:creationId xmlns:a16="http://schemas.microsoft.com/office/drawing/2014/main" id="{1E803AB4-F852-AB40-41DF-63552B0DED17}"/>
+              </a:ext>
+            </a:extLst>
+          </p:cNvPr>
+          <p:cNvSpPr txBox="1"/>
+          <p:nvPr/>
+        </p:nvSpPr>
+        <p:spPr>
+          <a:xfrm>
+            <a:off x="5227188" y="3543216"/>
+            <a:ext cx="1737622" cy="369332"/>
+          </a:xfrm>
+          <a:prstGeom prst="rect">
+            <a:avLst/>
+          </a:prstGeom>
+          <a:noFill/>
+        </p:spPr>
+        <p:txBody>
+          <a:bodyPr wrap="square" rtlCol="0">
+            <a:spAutoFit/>
+          </a:bodyPr>
+          <a:lstStyle/>
+          <a:p>
+            <a:pPr algn="ctr"/>
+            <a:r>
+              <a:rPr lang="en-US" altLang="ja-JP" dirty="0">
+                <a:solidFill>
+                  <a:schemeClr val="bg1"/>
+                </a:solidFill>
+                <a:latin typeface="Kristen ITC" panose="03050502040202030202" pitchFamily="66" charset="0"/>
+                <a:ea typeface="UD デジタル 教科書体 NP-B" panose="02020700000000000000" pitchFamily="18" charset="-128"/>
+              </a:rPr>
+              <a:t>Password</a:t>
+            </a:r>
+            <a:endParaRPr kumimoji="1" lang="ja-JP" altLang="en-US" dirty="0">
+              <a:solidFill>
+                <a:schemeClr val="bg1"/>
+              </a:solidFill>
+              <a:latin typeface="Kristen ITC" panose="03050502040202030202" pitchFamily="66" charset="0"/>
+              <a:ea typeface="UD デジタル 教科書体 NP-B" panose="02020700000000000000" pitchFamily="18" charset="-128"/>
+            </a:endParaRPr>
+          </a:p>
+        </p:txBody>
+      </p:sp>
+      <p:sp>
+        <p:nvSpPr>
+          <p:cNvPr id="3" name="四角形: 角を丸くする 2">
+            <a:extLst>
+              <a:ext uri="{FF2B5EF4-FFF2-40B4-BE49-F238E27FC236}">
+                <a16:creationId xmlns:a16="http://schemas.microsoft.com/office/drawing/2014/main" id="{0AFA98A8-F945-556E-DE87-B61CF64310B3}"/>
+              </a:ext>
+            </a:extLst>
+          </p:cNvPr>
+          <p:cNvSpPr/>
+          <p:nvPr/>
+        </p:nvSpPr>
+        <p:spPr>
+          <a:xfrm>
+            <a:off x="4093408" y="3957763"/>
+            <a:ext cx="4054772" cy="464540"/>
+          </a:xfrm>
+          <a:prstGeom prst="roundRect">
+            <a:avLst>
+              <a:gd name="adj" fmla="val 50000"/>
+            </a:avLst>
+          </a:prstGeom>
+          <a:solidFill>
+            <a:schemeClr val="bg1"/>
+          </a:solidFill>
+          <a:ln>
+            <a:noFill/>
+          </a:ln>
+        </p:spPr>
+        <p:style>
+          <a:lnRef idx="2">
+            <a:schemeClr val="accent1">
+              <a:shade val="15000"/>
+            </a:schemeClr>
+          </a:lnRef>
+          <a:fillRef idx="1">
+            <a:schemeClr val="accent1"/>
+          </a:fillRef>
+          <a:effectRef idx="0">
+            <a:schemeClr val="accent1"/>
+          </a:effectRef>
+          <a:fontRef idx="minor">
+            <a:schemeClr val="lt1"/>
+          </a:fontRef>
+        </p:style>
+        <p:txBody>
+          <a:bodyPr rtlCol="0" anchor="ctr"/>
+          <a:lstStyle/>
+          <a:p>
+            <a:pPr algn="ctr"/>
+            <a:r>
+              <a:rPr lang="en-US" altLang="ja-JP" dirty="0" err="1">
+                <a:solidFill>
+                  <a:srgbClr val="001746"/>
+                </a:solidFill>
+              </a:rPr>
+              <a:t>paraparachahan</a:t>
+            </a:r>
+            <a:endParaRPr kumimoji="1" lang="ja-JP" altLang="en-US" dirty="0">
+              <a:solidFill>
+                <a:srgbClr val="001746"/>
+              </a:solidFill>
+            </a:endParaRPr>
+          </a:p>
+        </p:txBody>
+      </p:sp>
+    </p:spTree>
+    <p:extLst>
+      <p:ext uri="{BB962C8B-B14F-4D97-AF65-F5344CB8AC3E}">
+        <p14:creationId xmlns:p14="http://schemas.microsoft.com/office/powerpoint/2010/main" val="3287542588"/>
+      </p:ext>
+    </p:extLst>
+  </p:cSld>
+  <p:clrMapOvr>
+    <a:masterClrMapping/>
+  </p:clrMapOvr>
+</p:sld>
+</file>
+
+<file path=ppt/slides/slide5.xml><?xml version="1.0" encoding="utf-8"?>
+<p:sld xmlns:a="http://schemas.openxmlformats.org/drawingml/2006/main" xmlns:r="http://schemas.openxmlformats.org/officeDocument/2006/relationships" xmlns:p="http://schemas.openxmlformats.org/presentationml/2006/main">
+  <p:cSld>
+    <p:spTree>
+      <p:nvGrpSpPr>
+        <p:cNvPr id="1" name=""/>
+        <p:cNvGrpSpPr/>
+        <p:nvPr/>
+      </p:nvGrpSpPr>
+      <p:grpSpPr>
+        <a:xfrm>
+          <a:off x="0" y="0"/>
+          <a:ext cx="0" cy="0"/>
+          <a:chOff x="0" y="0"/>
+          <a:chExt cx="0" cy="0"/>
+        </a:xfrm>
+      </p:grpSpPr>
+      <p:sp>
+        <p:nvSpPr>
+          <p:cNvPr id="7" name="正方形/長方形 6">
+            <a:extLst>
+              <a:ext uri="{FF2B5EF4-FFF2-40B4-BE49-F238E27FC236}">
+                <a16:creationId xmlns:a16="http://schemas.microsoft.com/office/drawing/2014/main" id="{3830DDF9-5B12-DDDD-082C-AF3BF586F355}"/>
+              </a:ext>
+            </a:extLst>
+          </p:cNvPr>
+          <p:cNvSpPr/>
+          <p:nvPr/>
+        </p:nvSpPr>
+        <p:spPr>
+          <a:xfrm>
+            <a:off x="0" y="0"/>
+            <a:ext cx="12192000" cy="1386348"/>
+          </a:xfrm>
+          <a:prstGeom prst="rect">
+            <a:avLst/>
+          </a:prstGeom>
+          <a:solidFill>
+            <a:srgbClr val="F5F5F5"/>
+          </a:solidFill>
+          <a:ln>
+            <a:noFill/>
+          </a:ln>
+        </p:spPr>
+        <p:style>
+          <a:lnRef idx="2">
+            <a:schemeClr val="accent1">
+              <a:shade val="15000"/>
+            </a:schemeClr>
+          </a:lnRef>
+          <a:fillRef idx="1">
+            <a:schemeClr val="accent1"/>
+          </a:fillRef>
+          <a:effectRef idx="0">
+            <a:schemeClr val="accent1"/>
+          </a:effectRef>
+          <a:fontRef idx="minor">
+            <a:schemeClr val="lt1"/>
+          </a:fontRef>
+        </p:style>
+        <p:txBody>
+          <a:bodyPr rtlCol="0" anchor="ctr"/>
+          <a:lstStyle/>
+          <a:p>
+            <a:pPr algn="ctr"/>
+            <a:endParaRPr kumimoji="1" lang="ja-JP" altLang="en-US"/>
+          </a:p>
+        </p:txBody>
+      </p:sp>
+      <p:pic>
+        <p:nvPicPr>
+          <p:cNvPr id="5" name="図 4" descr="ロゴ&#10;&#10;中程度の精度で自動的に生成された説明">
+            <a:extLst>
+              <a:ext uri="{FF2B5EF4-FFF2-40B4-BE49-F238E27FC236}">
+                <a16:creationId xmlns:a16="http://schemas.microsoft.com/office/drawing/2014/main" id="{B9A39F28-1EBD-1E84-D159-443CA1B611CF}"/>
+              </a:ext>
+            </a:extLst>
+          </p:cNvPr>
+          <p:cNvPicPr>
+            <a:picLocks noChangeAspect="1"/>
+          </p:cNvPicPr>
+          <p:nvPr/>
+        </p:nvPicPr>
+        <p:blipFill rotWithShape="1">
+          <a:blip r:embed="rId3">
+            <a:extLst>
+              <a:ext uri="{28A0092B-C50C-407E-A947-70E740481C1C}">
+                <a14:useLocalDpi xmlns:a14="http://schemas.microsoft.com/office/drawing/2010/main" val="0"/>
+              </a:ext>
+            </a:extLst>
+          </a:blip>
+          <a:srcRect l="14562" t="11298" b="30517"/>
+          <a:stretch/>
+        </p:blipFill>
+        <p:spPr>
+          <a:xfrm>
+            <a:off x="4826940" y="196644"/>
+            <a:ext cx="2538120" cy="1012723"/>
+          </a:xfrm>
+          <a:prstGeom prst="rect">
+            <a:avLst/>
+          </a:prstGeom>
+        </p:spPr>
+      </p:pic>
+      <p:sp>
+        <p:nvSpPr>
+          <p:cNvPr id="14" name="正方形/長方形 13">
+            <a:extLst>
+              <a:ext uri="{FF2B5EF4-FFF2-40B4-BE49-F238E27FC236}">
+                <a16:creationId xmlns:a16="http://schemas.microsoft.com/office/drawing/2014/main" id="{52192687-6E27-88C8-ED3C-4F58ED7237DC}"/>
+              </a:ext>
+            </a:extLst>
+          </p:cNvPr>
+          <p:cNvSpPr/>
+          <p:nvPr/>
+        </p:nvSpPr>
+        <p:spPr>
+          <a:xfrm>
+            <a:off x="0" y="6459794"/>
+            <a:ext cx="12192000" cy="398206"/>
+          </a:xfrm>
+          <a:prstGeom prst="rect">
+            <a:avLst/>
+          </a:prstGeom>
+          <a:solidFill>
+            <a:srgbClr val="F5F5F5"/>
+          </a:solidFill>
+          <a:ln>
+            <a:noFill/>
+          </a:ln>
+        </p:spPr>
+        <p:style>
+          <a:lnRef idx="2">
+            <a:schemeClr val="accent1">
+              <a:shade val="15000"/>
+            </a:schemeClr>
+          </a:lnRef>
+          <a:fillRef idx="1">
+            <a:schemeClr val="accent1"/>
+          </a:fillRef>
+          <a:effectRef idx="0">
+            <a:schemeClr val="accent1"/>
+          </a:effectRef>
+          <a:fontRef idx="minor">
+            <a:schemeClr val="lt1"/>
+          </a:fontRef>
+        </p:style>
+        <p:txBody>
+          <a:bodyPr rtlCol="0" anchor="ctr"/>
+          <a:lstStyle/>
+          <a:p>
+            <a:pPr algn="ctr"/>
+            <a:endParaRPr kumimoji="1" lang="ja-JP" altLang="en-US" dirty="0"/>
+          </a:p>
+        </p:txBody>
+      </p:sp>
       <p:grpSp>
         <p:nvGrpSpPr>
           <p:cNvPr id="21" name="グループ化 20">
@@ -35251,16 +36120,14 @@
         </p:nvSpPr>
         <p:spPr>
           <a:xfrm>
-            <a:off x="2298289" y="1582992"/>
-            <a:ext cx="7960833" cy="4699821"/>
+            <a:off x="2298290" y="1538450"/>
+            <a:ext cx="7740446" cy="4803355"/>
           </a:xfrm>
           <a:prstGeom prst="roundRect">
-            <a:avLst>
-              <a:gd name="adj" fmla="val 11680"/>
-            </a:avLst>
+            <a:avLst/>
           </a:prstGeom>
           <a:solidFill>
-            <a:srgbClr val="EA7B6B"/>
+            <a:srgbClr val="F9E799"/>
           </a:solidFill>
           <a:ln>
             <a:noFill/>
@@ -35305,14 +36172,14 @@
         </p:nvSpPr>
         <p:spPr>
           <a:xfrm>
-            <a:off x="3774739" y="1695063"/>
-            <a:ext cx="4651914" cy="369332"/>
+            <a:off x="3764771" y="1535338"/>
+            <a:ext cx="4651914" cy="338554"/>
           </a:xfrm>
           <a:prstGeom prst="rect">
             <a:avLst/>
           </a:prstGeom>
           <a:solidFill>
-            <a:srgbClr val="EA7B6B"/>
+            <a:srgbClr val="F9E799"/>
           </a:solidFill>
         </p:spPr>
         <p:txBody>
@@ -35323,9 +36190,9 @@
           <a:p>
             <a:pPr algn="ctr"/>
             <a:r>
-              <a:rPr lang="en-US" altLang="ja-JP" dirty="0">
+              <a:rPr lang="en-US" altLang="ja-JP" sz="1600" dirty="0">
                 <a:solidFill>
-                  <a:schemeClr val="bg1"/>
+                  <a:srgbClr val="001746"/>
                 </a:solidFill>
                 <a:latin typeface="Kristen ITC" panose="03050502040202030202" pitchFamily="66" charset="0"/>
                 <a:ea typeface="UD デジタル 教科書体 NP-B" panose="02020700000000000000" pitchFamily="18" charset="-128"/>
@@ -35333,18 +36200,18 @@
               <a:t>U</a:t>
             </a:r>
             <a:r>
-              <a:rPr kumimoji="1" lang="en-US" altLang="ja-JP" dirty="0">
+              <a:rPr kumimoji="1" lang="en-US" altLang="ja-JP" sz="1600" dirty="0">
                 <a:solidFill>
-                  <a:schemeClr val="bg1"/>
+                  <a:srgbClr val="001746"/>
                 </a:solidFill>
                 <a:latin typeface="Kristen ITC" panose="03050502040202030202" pitchFamily="66" charset="0"/>
                 <a:ea typeface="UD デジタル 教科書体 NP-B" panose="02020700000000000000" pitchFamily="18" charset="-128"/>
               </a:rPr>
               <a:t>ser ID</a:t>
             </a:r>
-            <a:endParaRPr kumimoji="1" lang="ja-JP" altLang="en-US" dirty="0">
+            <a:endParaRPr kumimoji="1" lang="ja-JP" altLang="en-US" sz="1600" dirty="0">
               <a:solidFill>
-                <a:schemeClr val="bg1"/>
+                <a:srgbClr val="001746"/>
               </a:solidFill>
               <a:latin typeface="Kristen ITC" panose="03050502040202030202" pitchFamily="66" charset="0"/>
               <a:ea typeface="UD デジタル 教科書体 NP-B" panose="02020700000000000000" pitchFamily="18" charset="-128"/>
@@ -35366,14 +36233,14 @@
         </p:nvSpPr>
         <p:spPr>
           <a:xfrm>
-            <a:off x="3770043" y="2597273"/>
-            <a:ext cx="4651914" cy="369332"/>
+            <a:off x="3764771" y="2334755"/>
+            <a:ext cx="4651914" cy="338554"/>
           </a:xfrm>
           <a:prstGeom prst="rect">
             <a:avLst/>
           </a:prstGeom>
           <a:solidFill>
-            <a:srgbClr val="EA7B6B"/>
+            <a:srgbClr val="F9E799"/>
           </a:solidFill>
         </p:spPr>
         <p:txBody>
@@ -35384,18 +36251,18 @@
           <a:p>
             <a:pPr algn="ctr"/>
             <a:r>
-              <a:rPr kumimoji="1" lang="en-US" altLang="ja-JP" dirty="0">
+              <a:rPr kumimoji="1" lang="en-US" altLang="ja-JP" sz="1600" dirty="0">
                 <a:solidFill>
-                  <a:schemeClr val="bg1"/>
+                  <a:srgbClr val="001746"/>
                 </a:solidFill>
                 <a:latin typeface="Kristen ITC" panose="03050502040202030202" pitchFamily="66" charset="0"/>
                 <a:ea typeface="UD デジタル 教科書体 NP-B" panose="02020700000000000000" pitchFamily="18" charset="-128"/>
               </a:rPr>
               <a:t>Mail</a:t>
             </a:r>
-            <a:endParaRPr kumimoji="1" lang="ja-JP" altLang="en-US" dirty="0">
+            <a:endParaRPr kumimoji="1" lang="ja-JP" altLang="en-US" sz="1600" dirty="0">
               <a:solidFill>
-                <a:schemeClr val="bg1"/>
+                <a:srgbClr val="001746"/>
               </a:solidFill>
               <a:latin typeface="Kristen ITC" panose="03050502040202030202" pitchFamily="66" charset="0"/>
               <a:ea typeface="UD デジタル 教科書体 NP-B" panose="02020700000000000000" pitchFamily="18" charset="-128"/>
@@ -35405,6 +36272,57 @@
       </p:sp>
       <p:sp>
         <p:nvSpPr>
+          <p:cNvPr id="24" name="テキスト ボックス 23">
+            <a:extLst>
+              <a:ext uri="{FF2B5EF4-FFF2-40B4-BE49-F238E27FC236}">
+                <a16:creationId xmlns:a16="http://schemas.microsoft.com/office/drawing/2014/main" id="{44013065-A6B2-1804-0697-9FCDDA6ECCCF}"/>
+              </a:ext>
+            </a:extLst>
+          </p:cNvPr>
+          <p:cNvSpPr txBox="1"/>
+          <p:nvPr/>
+        </p:nvSpPr>
+        <p:spPr>
+          <a:xfrm>
+            <a:off x="3764771" y="3151553"/>
+            <a:ext cx="4651914" cy="338554"/>
+          </a:xfrm>
+          <a:prstGeom prst="rect">
+            <a:avLst/>
+          </a:prstGeom>
+          <a:solidFill>
+            <a:srgbClr val="F9E799"/>
+          </a:solidFill>
+        </p:spPr>
+        <p:txBody>
+          <a:bodyPr wrap="square" rtlCol="0">
+            <a:spAutoFit/>
+          </a:bodyPr>
+          <a:lstStyle/>
+          <a:p>
+            <a:pPr algn="ctr"/>
+            <a:r>
+              <a:rPr lang="en-US" altLang="ja-JP" sz="1600" dirty="0">
+                <a:solidFill>
+                  <a:srgbClr val="001746"/>
+                </a:solidFill>
+                <a:latin typeface="Kristen ITC" panose="03050502040202030202" pitchFamily="66" charset="0"/>
+                <a:ea typeface="UD デジタル 教科書体 NP-B" panose="02020700000000000000" pitchFamily="18" charset="-128"/>
+              </a:rPr>
+              <a:t>Password</a:t>
+            </a:r>
+            <a:endParaRPr kumimoji="1" lang="ja-JP" altLang="en-US" sz="1600" dirty="0">
+              <a:solidFill>
+                <a:srgbClr val="001746"/>
+              </a:solidFill>
+              <a:latin typeface="Kristen ITC" panose="03050502040202030202" pitchFamily="66" charset="0"/>
+              <a:ea typeface="UD デジタル 教科書体 NP-B" panose="02020700000000000000" pitchFamily="18" charset="-128"/>
+            </a:endParaRPr>
+          </a:p>
+        </p:txBody>
+      </p:sp>
+      <p:sp>
+        <p:nvSpPr>
           <p:cNvPr id="27" name="四角形: 角を丸くする 26">
             <a:extLst>
               <a:ext uri="{FF2B5EF4-FFF2-40B4-BE49-F238E27FC236}">
@@ -35417,8 +36335,8 @@
         </p:nvSpPr>
         <p:spPr>
           <a:xfrm>
-            <a:off x="4063755" y="2064395"/>
-            <a:ext cx="4084425" cy="464540"/>
+            <a:off x="4440363" y="1910838"/>
+            <a:ext cx="3311273" cy="385956"/>
           </a:xfrm>
           <a:prstGeom prst="roundRect">
             <a:avLst>
@@ -35483,8 +36401,8 @@
         </p:nvSpPr>
         <p:spPr>
           <a:xfrm>
-            <a:off x="4063756" y="2980248"/>
-            <a:ext cx="4084424" cy="464540"/>
+            <a:off x="4440364" y="2693357"/>
+            <a:ext cx="3311272" cy="385956"/>
           </a:xfrm>
           <a:prstGeom prst="roundRect">
             <a:avLst>
@@ -35537,10 +36455,10 @@
       </p:sp>
       <p:sp>
         <p:nvSpPr>
-          <p:cNvPr id="34" name="四角形: 角を丸くする 33">
-            <a:extLst>
-              <a:ext uri="{FF2B5EF4-FFF2-40B4-BE49-F238E27FC236}">
-                <a16:creationId xmlns:a16="http://schemas.microsoft.com/office/drawing/2014/main" id="{79C24ABA-E5C9-0018-034F-F8574C74B416}"/>
+          <p:cNvPr id="33" name="四角形: 角を丸くする 32">
+            <a:extLst>
+              <a:ext uri="{FF2B5EF4-FFF2-40B4-BE49-F238E27FC236}">
+                <a16:creationId xmlns:a16="http://schemas.microsoft.com/office/drawing/2014/main" id="{EE3DD710-E014-5098-B71E-45198EE0964A}"/>
               </a:ext>
             </a:extLst>
           </p:cNvPr>
@@ -35549,8 +36467,8 @@
         </p:nvSpPr>
         <p:spPr>
           <a:xfrm>
-            <a:off x="4093408" y="4952158"/>
-            <a:ext cx="4054772" cy="464540"/>
+            <a:off x="4474712" y="3502112"/>
+            <a:ext cx="3287233" cy="385956"/>
           </a:xfrm>
           <a:prstGeom prst="roundRect">
             <a:avLst>
@@ -35586,12 +36504,12 @@
           <a:p>
             <a:pPr algn="ctr"/>
             <a:r>
-              <a:rPr kumimoji="1" lang="en-US" altLang="ja-JP" dirty="0" err="1">
+              <a:rPr lang="ja-JP" altLang="en-US" dirty="0">
                 <a:solidFill>
                   <a:srgbClr val="001746"/>
                 </a:solidFill>
               </a:rPr>
-              <a:t>Parachan</a:t>
+              <a:t>●●●●</a:t>
             </a:r>
             <a:endParaRPr kumimoji="1" lang="ja-JP" altLang="en-US" dirty="0">
               <a:solidFill>
@@ -35603,61 +36521,10 @@
       </p:sp>
       <p:sp>
         <p:nvSpPr>
-          <p:cNvPr id="35" name="テキスト ボックス 34">
-            <a:extLst>
-              <a:ext uri="{FF2B5EF4-FFF2-40B4-BE49-F238E27FC236}">
-                <a16:creationId xmlns:a16="http://schemas.microsoft.com/office/drawing/2014/main" id="{9AE8BEFB-A94E-C9E3-91D8-E7224B60661F}"/>
-              </a:ext>
-            </a:extLst>
-          </p:cNvPr>
-          <p:cNvSpPr txBox="1"/>
-          <p:nvPr/>
-        </p:nvSpPr>
-        <p:spPr>
-          <a:xfrm>
-            <a:off x="3770043" y="4558240"/>
-            <a:ext cx="4651914" cy="369332"/>
-          </a:xfrm>
-          <a:prstGeom prst="rect">
-            <a:avLst/>
-          </a:prstGeom>
-          <a:solidFill>
-            <a:srgbClr val="EA7B6B"/>
-          </a:solidFill>
-        </p:spPr>
-        <p:txBody>
-          <a:bodyPr wrap="square" rtlCol="0">
-            <a:spAutoFit/>
-          </a:bodyPr>
-          <a:lstStyle/>
-          <a:p>
-            <a:pPr algn="ctr"/>
-            <a:r>
-              <a:rPr kumimoji="1" lang="en-US" altLang="ja-JP" dirty="0">
-                <a:solidFill>
-                  <a:schemeClr val="bg1"/>
-                </a:solidFill>
-                <a:latin typeface="Kristen ITC" panose="03050502040202030202" pitchFamily="66" charset="0"/>
-                <a:ea typeface="UD デジタル 教科書体 NP-B" panose="02020700000000000000" pitchFamily="18" charset="-128"/>
-              </a:rPr>
-              <a:t>Nickname</a:t>
-            </a:r>
-            <a:endParaRPr kumimoji="1" lang="ja-JP" altLang="en-US" dirty="0">
-              <a:solidFill>
-                <a:schemeClr val="bg1"/>
-              </a:solidFill>
-              <a:latin typeface="Kristen ITC" panose="03050502040202030202" pitchFamily="66" charset="0"/>
-              <a:ea typeface="UD デジタル 教科書体 NP-B" panose="02020700000000000000" pitchFamily="18" charset="-128"/>
-            </a:endParaRPr>
-          </a:p>
-        </p:txBody>
-      </p:sp>
-      <p:sp>
-        <p:nvSpPr>
-          <p:cNvPr id="36" name="四角形: 角を丸くする 35">
-            <a:extLst>
-              <a:ext uri="{FF2B5EF4-FFF2-40B4-BE49-F238E27FC236}">
-                <a16:creationId xmlns:a16="http://schemas.microsoft.com/office/drawing/2014/main" id="{14C5C34A-F129-4578-EB0C-8F357383BFA0}"/>
+          <p:cNvPr id="34" name="四角形: 角を丸くする 33">
+            <a:extLst>
+              <a:ext uri="{FF2B5EF4-FFF2-40B4-BE49-F238E27FC236}">
+                <a16:creationId xmlns:a16="http://schemas.microsoft.com/office/drawing/2014/main" id="{79C24ABA-E5C9-0018-034F-F8574C74B416}"/>
               </a:ext>
             </a:extLst>
           </p:cNvPr>
@@ -35666,8 +36533,8 @@
         </p:nvSpPr>
         <p:spPr>
           <a:xfrm>
-            <a:off x="5119084" y="5586719"/>
-            <a:ext cx="1973765" cy="486842"/>
+            <a:off x="4474712" y="5084254"/>
+            <a:ext cx="3287233" cy="385956"/>
           </a:xfrm>
           <a:prstGeom prst="roundRect">
             <a:avLst>
@@ -35675,7 +36542,7 @@
             </a:avLst>
           </a:prstGeom>
           <a:solidFill>
-            <a:srgbClr val="001746"/>
+            <a:schemeClr val="bg1"/>
           </a:solidFill>
           <a:ln>
             <a:noFill/>
@@ -35703,25 +36570,27 @@
           <a:p>
             <a:pPr algn="ctr"/>
             <a:r>
-              <a:rPr kumimoji="1" lang="en-US" altLang="ja-JP" dirty="0">
-                <a:latin typeface="UD デジタル 教科書体 NP-B" panose="02020700000000000000" pitchFamily="18" charset="-128"/>
-                <a:ea typeface="UD デジタル 教科書体 NP-B" panose="02020700000000000000" pitchFamily="18" charset="-128"/>
+              <a:rPr kumimoji="1" lang="en-US" altLang="ja-JP" dirty="0" err="1">
+                <a:solidFill>
+                  <a:srgbClr val="001746"/>
+                </a:solidFill>
               </a:rPr>
-              <a:t>OK</a:t>
+              <a:t>Parachan</a:t>
             </a:r>
             <a:endParaRPr kumimoji="1" lang="ja-JP" altLang="en-US" dirty="0">
-              <a:latin typeface="UD デジタル 教科書体 NP-B" panose="02020700000000000000" pitchFamily="18" charset="-128"/>
-              <a:ea typeface="UD デジタル 教科書体 NP-B" panose="02020700000000000000" pitchFamily="18" charset="-128"/>
+              <a:solidFill>
+                <a:srgbClr val="001746"/>
+              </a:solidFill>
             </a:endParaRPr>
           </a:p>
         </p:txBody>
       </p:sp>
       <p:sp>
         <p:nvSpPr>
-          <p:cNvPr id="2" name="テキスト ボックス 1">
-            <a:extLst>
-              <a:ext uri="{FF2B5EF4-FFF2-40B4-BE49-F238E27FC236}">
-                <a16:creationId xmlns:a16="http://schemas.microsoft.com/office/drawing/2014/main" id="{1E803AB4-F852-AB40-41DF-63552B0DED17}"/>
+          <p:cNvPr id="35" name="テキスト ボックス 34">
+            <a:extLst>
+              <a:ext uri="{FF2B5EF4-FFF2-40B4-BE49-F238E27FC236}">
+                <a16:creationId xmlns:a16="http://schemas.microsoft.com/office/drawing/2014/main" id="{9AE8BEFB-A94E-C9E3-91D8-E7224B60661F}"/>
               </a:ext>
             </a:extLst>
           </p:cNvPr>
@@ -35730,13 +36599,15 @@
         </p:nvSpPr>
         <p:spPr>
           <a:xfrm>
-            <a:off x="5227188" y="3543216"/>
-            <a:ext cx="1737622" cy="369332"/>
+            <a:off x="3764771" y="4696000"/>
+            <a:ext cx="4651914" cy="338554"/>
           </a:xfrm>
           <a:prstGeom prst="rect">
             <a:avLst/>
           </a:prstGeom>
-          <a:noFill/>
+          <a:solidFill>
+            <a:srgbClr val="F9E799"/>
+          </a:solidFill>
         </p:spPr>
         <p:txBody>
           <a:bodyPr wrap="square" rtlCol="0">
@@ -35746,18 +36617,18 @@
           <a:p>
             <a:pPr algn="ctr"/>
             <a:r>
-              <a:rPr lang="en-US" altLang="ja-JP" dirty="0">
+              <a:rPr kumimoji="1" lang="en-US" altLang="ja-JP" sz="1600" dirty="0">
                 <a:solidFill>
-                  <a:schemeClr val="bg1"/>
+                  <a:srgbClr val="001746"/>
                 </a:solidFill>
                 <a:latin typeface="Kristen ITC" panose="03050502040202030202" pitchFamily="66" charset="0"/>
                 <a:ea typeface="UD デジタル 教科書体 NP-B" panose="02020700000000000000" pitchFamily="18" charset="-128"/>
               </a:rPr>
-              <a:t>Password</a:t>
-            </a:r>
-            <a:endParaRPr kumimoji="1" lang="ja-JP" altLang="en-US" dirty="0">
+              <a:t>Nickname</a:t>
+            </a:r>
+            <a:endParaRPr kumimoji="1" lang="ja-JP" altLang="en-US" sz="1600" dirty="0">
               <a:solidFill>
-                <a:schemeClr val="bg1"/>
+                <a:srgbClr val="001746"/>
               </a:solidFill>
               <a:latin typeface="Kristen ITC" panose="03050502040202030202" pitchFamily="66" charset="0"/>
               <a:ea typeface="UD デジタル 教科書体 NP-B" panose="02020700000000000000" pitchFamily="18" charset="-128"/>
@@ -35767,10 +36638,10 @@
       </p:sp>
       <p:sp>
         <p:nvSpPr>
-          <p:cNvPr id="3" name="四角形: 角を丸くする 2">
-            <a:extLst>
-              <a:ext uri="{FF2B5EF4-FFF2-40B4-BE49-F238E27FC236}">
-                <a16:creationId xmlns:a16="http://schemas.microsoft.com/office/drawing/2014/main" id="{0AFA98A8-F945-556E-DE87-B61CF64310B3}"/>
+          <p:cNvPr id="36" name="四角形: 角を丸くする 35">
+            <a:extLst>
+              <a:ext uri="{FF2B5EF4-FFF2-40B4-BE49-F238E27FC236}">
+                <a16:creationId xmlns:a16="http://schemas.microsoft.com/office/drawing/2014/main" id="{14C5C34A-F129-4578-EB0C-8F357383BFA0}"/>
               </a:ext>
             </a:extLst>
           </p:cNvPr>
@@ -35779,8 +36650,8 @@
         </p:nvSpPr>
         <p:spPr>
           <a:xfrm>
-            <a:off x="4093408" y="3957763"/>
-            <a:ext cx="4054772" cy="464540"/>
+            <a:off x="5103845" y="5699942"/>
+            <a:ext cx="1973765" cy="486842"/>
           </a:xfrm>
           <a:prstGeom prst="roundRect">
             <a:avLst>
@@ -35788,7 +36659,7 @@
             </a:avLst>
           </a:prstGeom>
           <a:solidFill>
-            <a:schemeClr val="bg1"/>
+            <a:srgbClr val="001746"/>
           </a:solidFill>
           <a:ln>
             <a:noFill/>
@@ -35816,12 +36687,127 @@
           <a:p>
             <a:pPr algn="ctr"/>
             <a:r>
-              <a:rPr lang="en-US" altLang="ja-JP" dirty="0" err="1">
+              <a:rPr kumimoji="1" lang="en-US" altLang="ja-JP" dirty="0">
+                <a:latin typeface="UD デジタル 教科書体 NP-B" panose="02020700000000000000" pitchFamily="18" charset="-128"/>
+                <a:ea typeface="UD デジタル 教科書体 NP-B" panose="02020700000000000000" pitchFamily="18" charset="-128"/>
+              </a:rPr>
+              <a:t>OK</a:t>
+            </a:r>
+            <a:endParaRPr kumimoji="1" lang="ja-JP" altLang="en-US" dirty="0">
+              <a:latin typeface="UD デジタル 教科書体 NP-B" panose="02020700000000000000" pitchFamily="18" charset="-128"/>
+              <a:ea typeface="UD デジタル 教科書体 NP-B" panose="02020700000000000000" pitchFamily="18" charset="-128"/>
+            </a:endParaRPr>
+          </a:p>
+        </p:txBody>
+      </p:sp>
+      <p:sp>
+        <p:nvSpPr>
+          <p:cNvPr id="2" name="テキスト ボックス 1">
+            <a:extLst>
+              <a:ext uri="{FF2B5EF4-FFF2-40B4-BE49-F238E27FC236}">
+                <a16:creationId xmlns:a16="http://schemas.microsoft.com/office/drawing/2014/main" id="{EE6BA040-91C8-1DDF-6982-96A4977CDCCF}"/>
+              </a:ext>
+            </a:extLst>
+          </p:cNvPr>
+          <p:cNvSpPr txBox="1"/>
+          <p:nvPr/>
+        </p:nvSpPr>
+        <p:spPr>
+          <a:xfrm>
+            <a:off x="3789564" y="3914902"/>
+            <a:ext cx="4651914" cy="338554"/>
+          </a:xfrm>
+          <a:prstGeom prst="rect">
+            <a:avLst/>
+          </a:prstGeom>
+          <a:solidFill>
+            <a:srgbClr val="F9E799"/>
+          </a:solidFill>
+        </p:spPr>
+        <p:txBody>
+          <a:bodyPr wrap="square" rtlCol="0">
+            <a:spAutoFit/>
+          </a:bodyPr>
+          <a:lstStyle/>
+          <a:p>
+            <a:pPr algn="ctr"/>
+            <a:r>
+              <a:rPr lang="en-US" altLang="ja-JP" sz="1600" dirty="0">
+                <a:solidFill>
+                  <a:srgbClr val="001746"/>
+                </a:solidFill>
+                <a:latin typeface="Kristen ITC" panose="03050502040202030202" pitchFamily="66" charset="0"/>
+                <a:ea typeface="UD デジタル 教科書体 NP-B" panose="02020700000000000000" pitchFamily="18" charset="-128"/>
+              </a:rPr>
+              <a:t>New Password</a:t>
+            </a:r>
+            <a:endParaRPr kumimoji="1" lang="ja-JP" altLang="en-US" sz="1600" dirty="0">
+              <a:solidFill>
+                <a:srgbClr val="001746"/>
+              </a:solidFill>
+              <a:latin typeface="Kristen ITC" panose="03050502040202030202" pitchFamily="66" charset="0"/>
+              <a:ea typeface="UD デジタル 教科書体 NP-B" panose="02020700000000000000" pitchFamily="18" charset="-128"/>
+            </a:endParaRPr>
+          </a:p>
+        </p:txBody>
+      </p:sp>
+      <p:sp>
+        <p:nvSpPr>
+          <p:cNvPr id="3" name="四角形: 角を丸くする 2">
+            <a:extLst>
+              <a:ext uri="{FF2B5EF4-FFF2-40B4-BE49-F238E27FC236}">
+                <a16:creationId xmlns:a16="http://schemas.microsoft.com/office/drawing/2014/main" id="{D58494F0-5D55-F985-4FB0-30DB4697EE74}"/>
+              </a:ext>
+            </a:extLst>
+          </p:cNvPr>
+          <p:cNvSpPr/>
+          <p:nvPr/>
+        </p:nvSpPr>
+        <p:spPr>
+          <a:xfrm>
+            <a:off x="4474712" y="4282329"/>
+            <a:ext cx="3287233" cy="385956"/>
+          </a:xfrm>
+          <a:prstGeom prst="roundRect">
+            <a:avLst>
+              <a:gd name="adj" fmla="val 50000"/>
+            </a:avLst>
+          </a:prstGeom>
+          <a:solidFill>
+            <a:schemeClr val="bg1"/>
+          </a:solidFill>
+          <a:ln>
+            <a:noFill/>
+          </a:ln>
+        </p:spPr>
+        <p:style>
+          <a:lnRef idx="2">
+            <a:schemeClr val="accent1">
+              <a:shade val="15000"/>
+            </a:schemeClr>
+          </a:lnRef>
+          <a:fillRef idx="1">
+            <a:schemeClr val="accent1"/>
+          </a:fillRef>
+          <a:effectRef idx="0">
+            <a:schemeClr val="accent1"/>
+          </a:effectRef>
+          <a:fontRef idx="minor">
+            <a:schemeClr val="lt1"/>
+          </a:fontRef>
+        </p:style>
+        <p:txBody>
+          <a:bodyPr rtlCol="0" anchor="ctr"/>
+          <a:lstStyle/>
+          <a:p>
+            <a:pPr algn="ctr"/>
+            <a:r>
+              <a:rPr lang="ja-JP" altLang="en-US" dirty="0">
                 <a:solidFill>
                   <a:srgbClr val="001746"/>
                 </a:solidFill>
               </a:rPr>
-              <a:t>paraparachahan</a:t>
+              <a:t>●●●●</a:t>
             </a:r>
             <a:endParaRPr kumimoji="1" lang="ja-JP" altLang="en-US" dirty="0">
               <a:solidFill>
@@ -35834,7 +36820,7 @@
     </p:spTree>
     <p:extLst>
       <p:ext uri="{BB962C8B-B14F-4D97-AF65-F5344CB8AC3E}">
-        <p14:creationId xmlns:p14="http://schemas.microsoft.com/office/powerpoint/2010/main" val="3287542588"/>
+        <p14:creationId xmlns:p14="http://schemas.microsoft.com/office/powerpoint/2010/main" val="2231663231"/>
       </p:ext>
     </p:extLst>
   </p:cSld>
@@ -35844,7 +36830,2184 @@
 </p:sld>
 </file>
 
-<file path=ppt/slides/slide5.xml><?xml version="1.0" encoding="utf-8"?>
+<file path=ppt/slides/slide6.xml><?xml version="1.0" encoding="utf-8"?>
+<p:sld xmlns:a="http://schemas.openxmlformats.org/drawingml/2006/main" xmlns:r="http://schemas.openxmlformats.org/officeDocument/2006/relationships" xmlns:p="http://schemas.openxmlformats.org/presentationml/2006/main">
+  <p:cSld>
+    <p:spTree>
+      <p:nvGrpSpPr>
+        <p:cNvPr id="1" name=""/>
+        <p:cNvGrpSpPr/>
+        <p:nvPr/>
+      </p:nvGrpSpPr>
+      <p:grpSpPr>
+        <a:xfrm>
+          <a:off x="0" y="0"/>
+          <a:ext cx="0" cy="0"/>
+          <a:chOff x="0" y="0"/>
+          <a:chExt cx="0" cy="0"/>
+        </a:xfrm>
+      </p:grpSpPr>
+      <p:sp>
+        <p:nvSpPr>
+          <p:cNvPr id="2" name="正方形/長方形 1">
+            <a:extLst>
+              <a:ext uri="{FF2B5EF4-FFF2-40B4-BE49-F238E27FC236}">
+                <a16:creationId xmlns:a16="http://schemas.microsoft.com/office/drawing/2014/main" id="{4EACDB33-D278-4E96-4B83-CB0DA0017812}"/>
+              </a:ext>
+            </a:extLst>
+          </p:cNvPr>
+          <p:cNvSpPr/>
+          <p:nvPr/>
+        </p:nvSpPr>
+        <p:spPr>
+          <a:xfrm>
+            <a:off x="0" y="0"/>
+            <a:ext cx="12192000" cy="1386348"/>
+          </a:xfrm>
+          <a:prstGeom prst="rect">
+            <a:avLst/>
+          </a:prstGeom>
+          <a:solidFill>
+            <a:srgbClr val="F5F5F5"/>
+          </a:solidFill>
+          <a:ln>
+            <a:noFill/>
+          </a:ln>
+        </p:spPr>
+        <p:style>
+          <a:lnRef idx="2">
+            <a:schemeClr val="accent1">
+              <a:shade val="15000"/>
+            </a:schemeClr>
+          </a:lnRef>
+          <a:fillRef idx="1">
+            <a:schemeClr val="accent1"/>
+          </a:fillRef>
+          <a:effectRef idx="0">
+            <a:schemeClr val="accent1"/>
+          </a:effectRef>
+          <a:fontRef idx="minor">
+            <a:schemeClr val="lt1"/>
+          </a:fontRef>
+        </p:style>
+        <p:txBody>
+          <a:bodyPr rtlCol="0" anchor="ctr"/>
+          <a:lstStyle/>
+          <a:p>
+            <a:pPr algn="ctr"/>
+            <a:endParaRPr kumimoji="1" lang="ja-JP" altLang="en-US"/>
+          </a:p>
+        </p:txBody>
+      </p:sp>
+      <p:pic>
+        <p:nvPicPr>
+          <p:cNvPr id="3" name="図 2" descr="ロゴ&#10;&#10;中程度の精度で自動的に生成された説明">
+            <a:extLst>
+              <a:ext uri="{FF2B5EF4-FFF2-40B4-BE49-F238E27FC236}">
+                <a16:creationId xmlns:a16="http://schemas.microsoft.com/office/drawing/2014/main" id="{90677610-C373-EFD4-017B-EAF5C0AA7686}"/>
+              </a:ext>
+            </a:extLst>
+          </p:cNvPr>
+          <p:cNvPicPr>
+            <a:picLocks noChangeAspect="1"/>
+          </p:cNvPicPr>
+          <p:nvPr/>
+        </p:nvPicPr>
+        <p:blipFill rotWithShape="1">
+          <a:blip r:embed="rId3">
+            <a:extLst>
+              <a:ext uri="{28A0092B-C50C-407E-A947-70E740481C1C}">
+                <a14:useLocalDpi xmlns:a14="http://schemas.microsoft.com/office/drawing/2010/main" val="0"/>
+              </a:ext>
+            </a:extLst>
+          </a:blip>
+          <a:srcRect l="14562" t="11298" b="30517"/>
+          <a:stretch/>
+        </p:blipFill>
+        <p:spPr>
+          <a:xfrm>
+            <a:off x="4826940" y="196644"/>
+            <a:ext cx="2538120" cy="1012723"/>
+          </a:xfrm>
+          <a:prstGeom prst="rect">
+            <a:avLst/>
+          </a:prstGeom>
+        </p:spPr>
+      </p:pic>
+      <p:grpSp>
+        <p:nvGrpSpPr>
+          <p:cNvPr id="4" name="グループ化 3">
+            <a:extLst>
+              <a:ext uri="{FF2B5EF4-FFF2-40B4-BE49-F238E27FC236}">
+                <a16:creationId xmlns:a16="http://schemas.microsoft.com/office/drawing/2014/main" id="{329BA7C7-A952-CC36-20BF-41CF8CC2B67C}"/>
+              </a:ext>
+            </a:extLst>
+          </p:cNvPr>
+          <p:cNvGrpSpPr/>
+          <p:nvPr/>
+        </p:nvGrpSpPr>
+        <p:grpSpPr>
+          <a:xfrm>
+            <a:off x="317581" y="277924"/>
+            <a:ext cx="924233" cy="1234235"/>
+            <a:chOff x="266781" y="196644"/>
+            <a:chExt cx="924233" cy="1234235"/>
+          </a:xfrm>
+        </p:grpSpPr>
+        <p:sp>
+          <p:nvSpPr>
+            <p:cNvPr id="5" name="フローチャート: 結合子 4">
+              <a:extLst>
+                <a:ext uri="{FF2B5EF4-FFF2-40B4-BE49-F238E27FC236}">
+                  <a16:creationId xmlns:a16="http://schemas.microsoft.com/office/drawing/2014/main" id="{47EE03C1-417B-88F6-FDC6-9C47B48C9432}"/>
+                </a:ext>
+              </a:extLst>
+            </p:cNvPr>
+            <p:cNvSpPr/>
+            <p:nvPr/>
+          </p:nvSpPr>
+          <p:spPr>
+            <a:xfrm>
+              <a:off x="266781" y="196644"/>
+              <a:ext cx="924233" cy="924233"/>
+            </a:xfrm>
+            <a:prstGeom prst="flowChartConnector">
+              <a:avLst/>
+            </a:prstGeom>
+            <a:noFill/>
+            <a:ln w="28575">
+              <a:solidFill>
+                <a:srgbClr val="EA7B6B"/>
+              </a:solidFill>
+            </a:ln>
+          </p:spPr>
+          <p:style>
+            <a:lnRef idx="2">
+              <a:schemeClr val="accent1">
+                <a:shade val="15000"/>
+              </a:schemeClr>
+            </a:lnRef>
+            <a:fillRef idx="1">
+              <a:schemeClr val="accent1"/>
+            </a:fillRef>
+            <a:effectRef idx="0">
+              <a:schemeClr val="accent1"/>
+            </a:effectRef>
+            <a:fontRef idx="minor">
+              <a:schemeClr val="lt1"/>
+            </a:fontRef>
+          </p:style>
+          <p:txBody>
+            <a:bodyPr rtlCol="0" anchor="ctr"/>
+            <a:lstStyle/>
+            <a:p>
+              <a:pPr algn="ctr"/>
+              <a:endParaRPr kumimoji="1" lang="ja-JP" altLang="en-US"/>
+            </a:p>
+          </p:txBody>
+        </p:sp>
+        <p:sp>
+          <p:nvSpPr>
+            <p:cNvPr id="6" name="フローチャート: 結合子 5">
+              <a:extLst>
+                <a:ext uri="{FF2B5EF4-FFF2-40B4-BE49-F238E27FC236}">
+                  <a16:creationId xmlns:a16="http://schemas.microsoft.com/office/drawing/2014/main" id="{2B1C132E-FFE0-8F97-83E9-F824738228FA}"/>
+                </a:ext>
+              </a:extLst>
+            </p:cNvPr>
+            <p:cNvSpPr/>
+            <p:nvPr/>
+          </p:nvSpPr>
+          <p:spPr>
+            <a:xfrm>
+              <a:off x="545771" y="319548"/>
+              <a:ext cx="366250" cy="349044"/>
+            </a:xfrm>
+            <a:prstGeom prst="flowChartConnector">
+              <a:avLst/>
+            </a:prstGeom>
+            <a:noFill/>
+            <a:ln w="28575">
+              <a:solidFill>
+                <a:srgbClr val="EA7B6B"/>
+              </a:solidFill>
+            </a:ln>
+          </p:spPr>
+          <p:style>
+            <a:lnRef idx="2">
+              <a:schemeClr val="accent1">
+                <a:shade val="15000"/>
+              </a:schemeClr>
+            </a:lnRef>
+            <a:fillRef idx="1">
+              <a:schemeClr val="accent1"/>
+            </a:fillRef>
+            <a:effectRef idx="0">
+              <a:schemeClr val="accent1"/>
+            </a:effectRef>
+            <a:fontRef idx="minor">
+              <a:schemeClr val="lt1"/>
+            </a:fontRef>
+          </p:style>
+          <p:txBody>
+            <a:bodyPr rtlCol="0" anchor="ctr"/>
+            <a:lstStyle/>
+            <a:p>
+              <a:pPr algn="ctr"/>
+              <a:endParaRPr kumimoji="1" lang="ja-JP" altLang="en-US"/>
+            </a:p>
+          </p:txBody>
+        </p:sp>
+        <p:sp>
+          <p:nvSpPr>
+            <p:cNvPr id="7" name="円弧 6">
+              <a:extLst>
+                <a:ext uri="{FF2B5EF4-FFF2-40B4-BE49-F238E27FC236}">
+                  <a16:creationId xmlns:a16="http://schemas.microsoft.com/office/drawing/2014/main" id="{ADD0E8F1-ED4C-92D8-5152-3BEBF7347DF4}"/>
+                </a:ext>
+              </a:extLst>
+            </p:cNvPr>
+            <p:cNvSpPr/>
+            <p:nvPr/>
+          </p:nvSpPr>
+          <p:spPr>
+            <a:xfrm rot="19079286">
+              <a:off x="374934" y="732788"/>
+              <a:ext cx="707924" cy="698091"/>
+            </a:xfrm>
+            <a:prstGeom prst="arc">
+              <a:avLst/>
+            </a:prstGeom>
+            <a:ln w="28575">
+              <a:solidFill>
+                <a:srgbClr val="EA7B6B"/>
+              </a:solidFill>
+            </a:ln>
+          </p:spPr>
+          <p:style>
+            <a:lnRef idx="1">
+              <a:schemeClr val="accent1"/>
+            </a:lnRef>
+            <a:fillRef idx="0">
+              <a:schemeClr val="accent1"/>
+            </a:fillRef>
+            <a:effectRef idx="0">
+              <a:schemeClr val="accent1"/>
+            </a:effectRef>
+            <a:fontRef idx="minor">
+              <a:schemeClr val="tx1"/>
+            </a:fontRef>
+          </p:style>
+          <p:txBody>
+            <a:bodyPr rtlCol="0" anchor="ctr"/>
+            <a:lstStyle/>
+            <a:p>
+              <a:pPr algn="ctr"/>
+              <a:endParaRPr kumimoji="1" lang="ja-JP" altLang="en-US"/>
+            </a:p>
+          </p:txBody>
+        </p:sp>
+      </p:grpSp>
+      <p:sp>
+        <p:nvSpPr>
+          <p:cNvPr id="8" name="テキスト ボックス 7">
+            <a:extLst>
+              <a:ext uri="{FF2B5EF4-FFF2-40B4-BE49-F238E27FC236}">
+                <a16:creationId xmlns:a16="http://schemas.microsoft.com/office/drawing/2014/main" id="{EB500DF1-82BB-4D47-5EF1-B2F6CFEC1B8A}"/>
+              </a:ext>
+            </a:extLst>
+          </p:cNvPr>
+          <p:cNvSpPr txBox="1"/>
+          <p:nvPr/>
+        </p:nvSpPr>
+        <p:spPr>
+          <a:xfrm>
+            <a:off x="9558094" y="806695"/>
+            <a:ext cx="2401617" cy="461665"/>
+          </a:xfrm>
+          <a:prstGeom prst="rect">
+            <a:avLst/>
+          </a:prstGeom>
+          <a:noFill/>
+        </p:spPr>
+        <p:txBody>
+          <a:bodyPr wrap="square" rtlCol="0">
+            <a:spAutoFit/>
+          </a:bodyPr>
+          <a:lstStyle/>
+          <a:p>
+            <a:r>
+              <a:rPr kumimoji="1" lang="en-US" altLang="ja-JP" sz="2400" dirty="0">
+                <a:solidFill>
+                  <a:srgbClr val="001746"/>
+                </a:solidFill>
+                <a:latin typeface="Kristen ITC" panose="03050502040202030202" pitchFamily="66" charset="0"/>
+              </a:rPr>
+              <a:t>2024/06/07 (Fri)</a:t>
+            </a:r>
+            <a:endParaRPr kumimoji="1" lang="ja-JP" altLang="en-US" sz="2400" dirty="0">
+              <a:solidFill>
+                <a:srgbClr val="001746"/>
+              </a:solidFill>
+              <a:latin typeface="Kristen ITC" panose="03050502040202030202" pitchFamily="66" charset="0"/>
+            </a:endParaRPr>
+          </a:p>
+        </p:txBody>
+      </p:sp>
+      <p:sp>
+        <p:nvSpPr>
+          <p:cNvPr id="9" name="正方形/長方形 8">
+            <a:extLst>
+              <a:ext uri="{FF2B5EF4-FFF2-40B4-BE49-F238E27FC236}">
+                <a16:creationId xmlns:a16="http://schemas.microsoft.com/office/drawing/2014/main" id="{D53C526D-B094-8918-A557-24C3499CAA14}"/>
+              </a:ext>
+            </a:extLst>
+          </p:cNvPr>
+          <p:cNvSpPr/>
+          <p:nvPr/>
+        </p:nvSpPr>
+        <p:spPr>
+          <a:xfrm>
+            <a:off x="0" y="6459794"/>
+            <a:ext cx="12192000" cy="398206"/>
+          </a:xfrm>
+          <a:prstGeom prst="rect">
+            <a:avLst/>
+          </a:prstGeom>
+          <a:solidFill>
+            <a:srgbClr val="F5F5F5"/>
+          </a:solidFill>
+          <a:ln>
+            <a:noFill/>
+          </a:ln>
+        </p:spPr>
+        <p:style>
+          <a:lnRef idx="2">
+            <a:schemeClr val="accent1">
+              <a:shade val="15000"/>
+            </a:schemeClr>
+          </a:lnRef>
+          <a:fillRef idx="1">
+            <a:schemeClr val="accent1"/>
+          </a:fillRef>
+          <a:effectRef idx="0">
+            <a:schemeClr val="accent1"/>
+          </a:effectRef>
+          <a:fontRef idx="minor">
+            <a:schemeClr val="lt1"/>
+          </a:fontRef>
+        </p:style>
+        <p:txBody>
+          <a:bodyPr rtlCol="0" anchor="ctr"/>
+          <a:lstStyle/>
+          <a:p>
+            <a:pPr algn="ctr"/>
+            <a:endParaRPr kumimoji="1" lang="ja-JP" altLang="en-US"/>
+          </a:p>
+        </p:txBody>
+      </p:sp>
+      <p:sp>
+        <p:nvSpPr>
+          <p:cNvPr id="10" name="テキスト ボックス 9">
+            <a:extLst>
+              <a:ext uri="{FF2B5EF4-FFF2-40B4-BE49-F238E27FC236}">
+                <a16:creationId xmlns:a16="http://schemas.microsoft.com/office/drawing/2014/main" id="{D2E0BB24-9F6B-FCE0-B878-91A73ADBBABD}"/>
+              </a:ext>
+            </a:extLst>
+          </p:cNvPr>
+          <p:cNvSpPr txBox="1"/>
+          <p:nvPr/>
+        </p:nvSpPr>
+        <p:spPr>
+          <a:xfrm>
+            <a:off x="3861424" y="6505008"/>
+            <a:ext cx="4490720" cy="307777"/>
+          </a:xfrm>
+          <a:prstGeom prst="rect">
+            <a:avLst/>
+          </a:prstGeom>
+          <a:noFill/>
+        </p:spPr>
+        <p:txBody>
+          <a:bodyPr wrap="square" rtlCol="0">
+            <a:spAutoFit/>
+          </a:bodyPr>
+          <a:lstStyle/>
+          <a:p>
+            <a:r>
+              <a:rPr kumimoji="1" lang="en-US" altLang="ja-JP" sz="1400" dirty="0">
+                <a:solidFill>
+                  <a:srgbClr val="001746"/>
+                </a:solidFill>
+              </a:rPr>
+              <a:t>Copyright </a:t>
+            </a:r>
+            <a:r>
+              <a:rPr kumimoji="1" lang="en-US" altLang="ja-JP" sz="1400" dirty="0" err="1">
+                <a:solidFill>
+                  <a:srgbClr val="001746"/>
+                </a:solidFill>
+              </a:rPr>
+              <a:t>paraparaChahan</a:t>
+            </a:r>
+            <a:r>
+              <a:rPr kumimoji="1" lang="en-US" altLang="ja-JP" sz="1400" dirty="0">
+                <a:solidFill>
+                  <a:srgbClr val="001746"/>
+                </a:solidFill>
+              </a:rPr>
+              <a:t>(PLUS DOJO). All rights reserved.</a:t>
+            </a:r>
+            <a:endParaRPr kumimoji="1" lang="ja-JP" altLang="en-US" sz="1400" dirty="0">
+              <a:solidFill>
+                <a:srgbClr val="001746"/>
+              </a:solidFill>
+            </a:endParaRPr>
+          </a:p>
+        </p:txBody>
+      </p:sp>
+      <p:sp>
+        <p:nvSpPr>
+          <p:cNvPr id="11" name="四角形: 角を丸くする 10">
+            <a:extLst>
+              <a:ext uri="{FF2B5EF4-FFF2-40B4-BE49-F238E27FC236}">
+                <a16:creationId xmlns:a16="http://schemas.microsoft.com/office/drawing/2014/main" id="{C8CB9416-11D2-A1EC-7D44-949F6B1EB429}"/>
+              </a:ext>
+            </a:extLst>
+          </p:cNvPr>
+          <p:cNvSpPr/>
+          <p:nvPr/>
+        </p:nvSpPr>
+        <p:spPr>
+          <a:xfrm>
+            <a:off x="1854680" y="1725283"/>
+            <a:ext cx="2360481" cy="2177644"/>
+          </a:xfrm>
+          <a:prstGeom prst="roundRect">
+            <a:avLst>
+              <a:gd name="adj" fmla="val 11781"/>
+            </a:avLst>
+          </a:prstGeom>
+          <a:solidFill>
+            <a:srgbClr val="F9E799"/>
+          </a:solidFill>
+          <a:ln>
+            <a:noFill/>
+          </a:ln>
+        </p:spPr>
+        <p:style>
+          <a:lnRef idx="2">
+            <a:schemeClr val="accent1">
+              <a:shade val="15000"/>
+            </a:schemeClr>
+          </a:lnRef>
+          <a:fillRef idx="1">
+            <a:schemeClr val="accent1"/>
+          </a:fillRef>
+          <a:effectRef idx="0">
+            <a:schemeClr val="accent1"/>
+          </a:effectRef>
+          <a:fontRef idx="minor">
+            <a:schemeClr val="lt1"/>
+          </a:fontRef>
+        </p:style>
+        <p:txBody>
+          <a:bodyPr rtlCol="0" anchor="ctr"/>
+          <a:lstStyle/>
+          <a:p>
+            <a:pPr algn="ctr"/>
+            <a:endParaRPr kumimoji="1" lang="ja-JP" altLang="en-US" dirty="0"/>
+          </a:p>
+        </p:txBody>
+      </p:sp>
+      <p:sp>
+        <p:nvSpPr>
+          <p:cNvPr id="12" name="四角形: 角を丸くする 11">
+            <a:extLst>
+              <a:ext uri="{FF2B5EF4-FFF2-40B4-BE49-F238E27FC236}">
+                <a16:creationId xmlns:a16="http://schemas.microsoft.com/office/drawing/2014/main" id="{93B1C024-3636-1A66-6187-D7B3EE299044}"/>
+              </a:ext>
+            </a:extLst>
+          </p:cNvPr>
+          <p:cNvSpPr/>
+          <p:nvPr/>
+        </p:nvSpPr>
+        <p:spPr>
+          <a:xfrm>
+            <a:off x="4915759" y="1745427"/>
+            <a:ext cx="2360481" cy="2177644"/>
+          </a:xfrm>
+          <a:prstGeom prst="roundRect">
+            <a:avLst>
+              <a:gd name="adj" fmla="val 11781"/>
+            </a:avLst>
+          </a:prstGeom>
+          <a:solidFill>
+            <a:srgbClr val="F9E799"/>
+          </a:solidFill>
+          <a:ln>
+            <a:noFill/>
+          </a:ln>
+        </p:spPr>
+        <p:style>
+          <a:lnRef idx="2">
+            <a:schemeClr val="accent1">
+              <a:shade val="15000"/>
+            </a:schemeClr>
+          </a:lnRef>
+          <a:fillRef idx="1">
+            <a:schemeClr val="accent1"/>
+          </a:fillRef>
+          <a:effectRef idx="0">
+            <a:schemeClr val="accent1"/>
+          </a:effectRef>
+          <a:fontRef idx="minor">
+            <a:schemeClr val="lt1"/>
+          </a:fontRef>
+        </p:style>
+        <p:txBody>
+          <a:bodyPr rtlCol="0" anchor="ctr"/>
+          <a:lstStyle/>
+          <a:p>
+            <a:pPr algn="ctr"/>
+            <a:endParaRPr kumimoji="1" lang="ja-JP" altLang="en-US" dirty="0"/>
+          </a:p>
+        </p:txBody>
+      </p:sp>
+      <p:sp>
+        <p:nvSpPr>
+          <p:cNvPr id="13" name="四角形: 角を丸くする 12">
+            <a:extLst>
+              <a:ext uri="{FF2B5EF4-FFF2-40B4-BE49-F238E27FC236}">
+                <a16:creationId xmlns:a16="http://schemas.microsoft.com/office/drawing/2014/main" id="{D50C44EF-F437-C530-EC1D-C34492AF1C8F}"/>
+              </a:ext>
+            </a:extLst>
+          </p:cNvPr>
+          <p:cNvSpPr/>
+          <p:nvPr/>
+        </p:nvSpPr>
+        <p:spPr>
+          <a:xfrm>
+            <a:off x="7976838" y="1725283"/>
+            <a:ext cx="2360481" cy="2177644"/>
+          </a:xfrm>
+          <a:prstGeom prst="roundRect">
+            <a:avLst>
+              <a:gd name="adj" fmla="val 11781"/>
+            </a:avLst>
+          </a:prstGeom>
+          <a:solidFill>
+            <a:srgbClr val="F9E799"/>
+          </a:solidFill>
+          <a:ln>
+            <a:noFill/>
+          </a:ln>
+        </p:spPr>
+        <p:style>
+          <a:lnRef idx="2">
+            <a:schemeClr val="accent1">
+              <a:shade val="15000"/>
+            </a:schemeClr>
+          </a:lnRef>
+          <a:fillRef idx="1">
+            <a:schemeClr val="accent1"/>
+          </a:fillRef>
+          <a:effectRef idx="0">
+            <a:schemeClr val="accent1"/>
+          </a:effectRef>
+          <a:fontRef idx="minor">
+            <a:schemeClr val="lt1"/>
+          </a:fontRef>
+        </p:style>
+        <p:txBody>
+          <a:bodyPr rtlCol="0" anchor="ctr"/>
+          <a:lstStyle/>
+          <a:p>
+            <a:pPr algn="ctr"/>
+            <a:endParaRPr kumimoji="1" lang="ja-JP" altLang="en-US" dirty="0"/>
+          </a:p>
+        </p:txBody>
+      </p:sp>
+      <p:sp>
+        <p:nvSpPr>
+          <p:cNvPr id="14" name="四角形: 角を丸くする 13">
+            <a:extLst>
+              <a:ext uri="{FF2B5EF4-FFF2-40B4-BE49-F238E27FC236}">
+                <a16:creationId xmlns:a16="http://schemas.microsoft.com/office/drawing/2014/main" id="{70FB40BF-E2D8-365B-F902-77AA6196C020}"/>
+              </a:ext>
+            </a:extLst>
+          </p:cNvPr>
+          <p:cNvSpPr/>
+          <p:nvPr/>
+        </p:nvSpPr>
+        <p:spPr>
+          <a:xfrm>
+            <a:off x="1854680" y="4241862"/>
+            <a:ext cx="2360481" cy="2177644"/>
+          </a:xfrm>
+          <a:prstGeom prst="roundRect">
+            <a:avLst>
+              <a:gd name="adj" fmla="val 11781"/>
+            </a:avLst>
+          </a:prstGeom>
+          <a:solidFill>
+            <a:srgbClr val="F9E799"/>
+          </a:solidFill>
+          <a:ln>
+            <a:noFill/>
+          </a:ln>
+        </p:spPr>
+        <p:style>
+          <a:lnRef idx="2">
+            <a:schemeClr val="accent1">
+              <a:shade val="15000"/>
+            </a:schemeClr>
+          </a:lnRef>
+          <a:fillRef idx="1">
+            <a:schemeClr val="accent1"/>
+          </a:fillRef>
+          <a:effectRef idx="0">
+            <a:schemeClr val="accent1"/>
+          </a:effectRef>
+          <a:fontRef idx="minor">
+            <a:schemeClr val="lt1"/>
+          </a:fontRef>
+        </p:style>
+        <p:txBody>
+          <a:bodyPr rtlCol="0" anchor="ctr"/>
+          <a:lstStyle/>
+          <a:p>
+            <a:pPr algn="ctr"/>
+            <a:endParaRPr kumimoji="1" lang="ja-JP" altLang="en-US" dirty="0"/>
+          </a:p>
+        </p:txBody>
+      </p:sp>
+      <p:sp>
+        <p:nvSpPr>
+          <p:cNvPr id="15" name="四角形: 角を丸くする 14">
+            <a:extLst>
+              <a:ext uri="{FF2B5EF4-FFF2-40B4-BE49-F238E27FC236}">
+                <a16:creationId xmlns:a16="http://schemas.microsoft.com/office/drawing/2014/main" id="{97D47777-951E-BE1D-C13F-BFEE903E566E}"/>
+              </a:ext>
+            </a:extLst>
+          </p:cNvPr>
+          <p:cNvSpPr/>
+          <p:nvPr/>
+        </p:nvSpPr>
+        <p:spPr>
+          <a:xfrm>
+            <a:off x="4915758" y="4236935"/>
+            <a:ext cx="2360481" cy="2177644"/>
+          </a:xfrm>
+          <a:prstGeom prst="roundRect">
+            <a:avLst>
+              <a:gd name="adj" fmla="val 11781"/>
+            </a:avLst>
+          </a:prstGeom>
+          <a:solidFill>
+            <a:srgbClr val="F9E799"/>
+          </a:solidFill>
+          <a:ln>
+            <a:noFill/>
+          </a:ln>
+        </p:spPr>
+        <p:style>
+          <a:lnRef idx="2">
+            <a:schemeClr val="accent1">
+              <a:shade val="15000"/>
+            </a:schemeClr>
+          </a:lnRef>
+          <a:fillRef idx="1">
+            <a:schemeClr val="accent1"/>
+          </a:fillRef>
+          <a:effectRef idx="0">
+            <a:schemeClr val="accent1"/>
+          </a:effectRef>
+          <a:fontRef idx="minor">
+            <a:schemeClr val="lt1"/>
+          </a:fontRef>
+        </p:style>
+        <p:txBody>
+          <a:bodyPr rtlCol="0" anchor="ctr"/>
+          <a:lstStyle/>
+          <a:p>
+            <a:pPr algn="ctr"/>
+            <a:endParaRPr kumimoji="1" lang="ja-JP" altLang="en-US" dirty="0"/>
+          </a:p>
+        </p:txBody>
+      </p:sp>
+      <p:sp>
+        <p:nvSpPr>
+          <p:cNvPr id="16" name="四角形: 角を丸くする 15">
+            <a:extLst>
+              <a:ext uri="{FF2B5EF4-FFF2-40B4-BE49-F238E27FC236}">
+                <a16:creationId xmlns:a16="http://schemas.microsoft.com/office/drawing/2014/main" id="{246BAD66-53A2-310E-BF61-B943A5211592}"/>
+              </a:ext>
+            </a:extLst>
+          </p:cNvPr>
+          <p:cNvSpPr/>
+          <p:nvPr/>
+        </p:nvSpPr>
+        <p:spPr>
+          <a:xfrm>
+            <a:off x="7976836" y="4236935"/>
+            <a:ext cx="2360481" cy="2177644"/>
+          </a:xfrm>
+          <a:prstGeom prst="roundRect">
+            <a:avLst>
+              <a:gd name="adj" fmla="val 11781"/>
+            </a:avLst>
+          </a:prstGeom>
+          <a:noFill/>
+          <a:ln w="57150">
+            <a:solidFill>
+              <a:srgbClr val="F9E799"/>
+            </a:solidFill>
+            <a:prstDash val="dash"/>
+          </a:ln>
+        </p:spPr>
+        <p:style>
+          <a:lnRef idx="2">
+            <a:schemeClr val="accent1">
+              <a:shade val="15000"/>
+            </a:schemeClr>
+          </a:lnRef>
+          <a:fillRef idx="1">
+            <a:schemeClr val="accent1"/>
+          </a:fillRef>
+          <a:effectRef idx="0">
+            <a:schemeClr val="accent1"/>
+          </a:effectRef>
+          <a:fontRef idx="minor">
+            <a:schemeClr val="lt1"/>
+          </a:fontRef>
+        </p:style>
+        <p:txBody>
+          <a:bodyPr rtlCol="0" anchor="ctr"/>
+          <a:lstStyle/>
+          <a:p>
+            <a:pPr algn="ctr"/>
+            <a:endParaRPr kumimoji="1" lang="ja-JP" altLang="en-US" dirty="0"/>
+          </a:p>
+        </p:txBody>
+      </p:sp>
+      <p:sp>
+        <p:nvSpPr>
+          <p:cNvPr id="17" name="十字形 16">
+            <a:extLst>
+              <a:ext uri="{FF2B5EF4-FFF2-40B4-BE49-F238E27FC236}">
+                <a16:creationId xmlns:a16="http://schemas.microsoft.com/office/drawing/2014/main" id="{9A1E17CC-5FFB-20E6-264A-E78F1B77C85F}"/>
+              </a:ext>
+            </a:extLst>
+          </p:cNvPr>
+          <p:cNvSpPr/>
+          <p:nvPr/>
+        </p:nvSpPr>
+        <p:spPr>
+          <a:xfrm>
+            <a:off x="8616242" y="4779347"/>
+            <a:ext cx="1081668" cy="1092819"/>
+          </a:xfrm>
+          <a:prstGeom prst="plus">
+            <a:avLst>
+              <a:gd name="adj" fmla="val 45306"/>
+            </a:avLst>
+          </a:prstGeom>
+          <a:solidFill>
+            <a:srgbClr val="F9E799"/>
+          </a:solidFill>
+          <a:ln>
+            <a:solidFill>
+              <a:srgbClr val="F9E799"/>
+            </a:solidFill>
+          </a:ln>
+        </p:spPr>
+        <p:style>
+          <a:lnRef idx="2">
+            <a:schemeClr val="accent1">
+              <a:shade val="15000"/>
+            </a:schemeClr>
+          </a:lnRef>
+          <a:fillRef idx="1">
+            <a:schemeClr val="accent1"/>
+          </a:fillRef>
+          <a:effectRef idx="0">
+            <a:schemeClr val="accent1"/>
+          </a:effectRef>
+          <a:fontRef idx="minor">
+            <a:schemeClr val="lt1"/>
+          </a:fontRef>
+        </p:style>
+        <p:txBody>
+          <a:bodyPr rtlCol="0" anchor="ctr"/>
+          <a:lstStyle/>
+          <a:p>
+            <a:pPr algn="ctr"/>
+            <a:endParaRPr kumimoji="1" lang="ja-JP" altLang="en-US"/>
+          </a:p>
+        </p:txBody>
+      </p:sp>
+      <p:sp>
+        <p:nvSpPr>
+          <p:cNvPr id="21" name="四角形: 角を丸くする 20">
+            <a:extLst>
+              <a:ext uri="{FF2B5EF4-FFF2-40B4-BE49-F238E27FC236}">
+                <a16:creationId xmlns:a16="http://schemas.microsoft.com/office/drawing/2014/main" id="{B29C8612-9C4D-8CFF-CD60-EB2D61583539}"/>
+              </a:ext>
+            </a:extLst>
+          </p:cNvPr>
+          <p:cNvSpPr/>
+          <p:nvPr/>
+        </p:nvSpPr>
+        <p:spPr>
+          <a:xfrm>
+            <a:off x="2354695" y="2184840"/>
+            <a:ext cx="1325207" cy="1258530"/>
+          </a:xfrm>
+          <a:prstGeom prst="roundRect">
+            <a:avLst/>
+          </a:prstGeom>
+          <a:solidFill>
+            <a:schemeClr val="bg1"/>
+          </a:solidFill>
+          <a:ln>
+            <a:noFill/>
+          </a:ln>
+        </p:spPr>
+        <p:style>
+          <a:lnRef idx="2">
+            <a:schemeClr val="accent1">
+              <a:shade val="15000"/>
+            </a:schemeClr>
+          </a:lnRef>
+          <a:fillRef idx="1">
+            <a:schemeClr val="accent1"/>
+          </a:fillRef>
+          <a:effectRef idx="0">
+            <a:schemeClr val="accent1"/>
+          </a:effectRef>
+          <a:fontRef idx="minor">
+            <a:schemeClr val="lt1"/>
+          </a:fontRef>
+        </p:style>
+        <p:txBody>
+          <a:bodyPr rtlCol="0" anchor="ctr"/>
+          <a:lstStyle/>
+          <a:p>
+            <a:pPr algn="ctr"/>
+            <a:endParaRPr kumimoji="1" lang="ja-JP" altLang="en-US"/>
+          </a:p>
+        </p:txBody>
+      </p:sp>
+      <p:sp>
+        <p:nvSpPr>
+          <p:cNvPr id="22" name="四角形: 角を丸くする 21">
+            <a:extLst>
+              <a:ext uri="{FF2B5EF4-FFF2-40B4-BE49-F238E27FC236}">
+                <a16:creationId xmlns:a16="http://schemas.microsoft.com/office/drawing/2014/main" id="{DFECB23E-D027-DBB5-1F02-80188E6A0870}"/>
+              </a:ext>
+            </a:extLst>
+          </p:cNvPr>
+          <p:cNvSpPr/>
+          <p:nvPr/>
+        </p:nvSpPr>
+        <p:spPr>
+          <a:xfrm>
+            <a:off x="5433396" y="2192208"/>
+            <a:ext cx="1325207" cy="1258530"/>
+          </a:xfrm>
+          <a:prstGeom prst="roundRect">
+            <a:avLst/>
+          </a:prstGeom>
+          <a:solidFill>
+            <a:schemeClr val="bg1"/>
+          </a:solidFill>
+          <a:ln>
+            <a:noFill/>
+          </a:ln>
+        </p:spPr>
+        <p:style>
+          <a:lnRef idx="2">
+            <a:schemeClr val="accent1">
+              <a:shade val="15000"/>
+            </a:schemeClr>
+          </a:lnRef>
+          <a:fillRef idx="1">
+            <a:schemeClr val="accent1"/>
+          </a:fillRef>
+          <a:effectRef idx="0">
+            <a:schemeClr val="accent1"/>
+          </a:effectRef>
+          <a:fontRef idx="minor">
+            <a:schemeClr val="lt1"/>
+          </a:fontRef>
+        </p:style>
+        <p:txBody>
+          <a:bodyPr rtlCol="0" anchor="ctr"/>
+          <a:lstStyle/>
+          <a:p>
+            <a:pPr algn="ctr"/>
+            <a:endParaRPr kumimoji="1" lang="ja-JP" altLang="en-US"/>
+          </a:p>
+        </p:txBody>
+      </p:sp>
+      <p:sp>
+        <p:nvSpPr>
+          <p:cNvPr id="24" name="四角形: 角を丸くする 23">
+            <a:extLst>
+              <a:ext uri="{FF2B5EF4-FFF2-40B4-BE49-F238E27FC236}">
+                <a16:creationId xmlns:a16="http://schemas.microsoft.com/office/drawing/2014/main" id="{2DFF1C16-C2C1-E23C-DF60-B0DA2E517587}"/>
+              </a:ext>
+            </a:extLst>
+          </p:cNvPr>
+          <p:cNvSpPr/>
+          <p:nvPr/>
+        </p:nvSpPr>
+        <p:spPr>
+          <a:xfrm>
+            <a:off x="8506228" y="2192208"/>
+            <a:ext cx="1325207" cy="1258530"/>
+          </a:xfrm>
+          <a:prstGeom prst="roundRect">
+            <a:avLst/>
+          </a:prstGeom>
+          <a:solidFill>
+            <a:schemeClr val="bg1"/>
+          </a:solidFill>
+          <a:ln>
+            <a:noFill/>
+          </a:ln>
+        </p:spPr>
+        <p:style>
+          <a:lnRef idx="2">
+            <a:schemeClr val="accent1">
+              <a:shade val="15000"/>
+            </a:schemeClr>
+          </a:lnRef>
+          <a:fillRef idx="1">
+            <a:schemeClr val="accent1"/>
+          </a:fillRef>
+          <a:effectRef idx="0">
+            <a:schemeClr val="accent1"/>
+          </a:effectRef>
+          <a:fontRef idx="minor">
+            <a:schemeClr val="lt1"/>
+          </a:fontRef>
+        </p:style>
+        <p:txBody>
+          <a:bodyPr rtlCol="0" anchor="ctr"/>
+          <a:lstStyle/>
+          <a:p>
+            <a:pPr algn="ctr"/>
+            <a:endParaRPr kumimoji="1" lang="ja-JP" altLang="en-US"/>
+          </a:p>
+        </p:txBody>
+      </p:sp>
+      <p:sp>
+        <p:nvSpPr>
+          <p:cNvPr id="26" name="四角形: 角を丸くする 25">
+            <a:extLst>
+              <a:ext uri="{FF2B5EF4-FFF2-40B4-BE49-F238E27FC236}">
+                <a16:creationId xmlns:a16="http://schemas.microsoft.com/office/drawing/2014/main" id="{F94691F5-EDC4-6915-74FD-67B69E327AA3}"/>
+              </a:ext>
+            </a:extLst>
+          </p:cNvPr>
+          <p:cNvSpPr/>
+          <p:nvPr/>
+        </p:nvSpPr>
+        <p:spPr>
+          <a:xfrm>
+            <a:off x="2354695" y="4704789"/>
+            <a:ext cx="1325207" cy="1258530"/>
+          </a:xfrm>
+          <a:prstGeom prst="roundRect">
+            <a:avLst/>
+          </a:prstGeom>
+          <a:solidFill>
+            <a:schemeClr val="bg1"/>
+          </a:solidFill>
+          <a:ln>
+            <a:noFill/>
+          </a:ln>
+        </p:spPr>
+        <p:style>
+          <a:lnRef idx="2">
+            <a:schemeClr val="accent1">
+              <a:shade val="15000"/>
+            </a:schemeClr>
+          </a:lnRef>
+          <a:fillRef idx="1">
+            <a:schemeClr val="accent1"/>
+          </a:fillRef>
+          <a:effectRef idx="0">
+            <a:schemeClr val="accent1"/>
+          </a:effectRef>
+          <a:fontRef idx="minor">
+            <a:schemeClr val="lt1"/>
+          </a:fontRef>
+        </p:style>
+        <p:txBody>
+          <a:bodyPr rtlCol="0" anchor="ctr"/>
+          <a:lstStyle/>
+          <a:p>
+            <a:pPr algn="ctr"/>
+            <a:endParaRPr kumimoji="1" lang="ja-JP" altLang="en-US"/>
+          </a:p>
+        </p:txBody>
+      </p:sp>
+      <p:sp>
+        <p:nvSpPr>
+          <p:cNvPr id="28" name="四角形: 角を丸くする 27">
+            <a:extLst>
+              <a:ext uri="{FF2B5EF4-FFF2-40B4-BE49-F238E27FC236}">
+                <a16:creationId xmlns:a16="http://schemas.microsoft.com/office/drawing/2014/main" id="{33015562-F7DC-D8DB-F95C-2F31D95A3473}"/>
+              </a:ext>
+            </a:extLst>
+          </p:cNvPr>
+          <p:cNvSpPr/>
+          <p:nvPr/>
+        </p:nvSpPr>
+        <p:spPr>
+          <a:xfrm>
+            <a:off x="5433396" y="4702705"/>
+            <a:ext cx="1325207" cy="1258530"/>
+          </a:xfrm>
+          <a:prstGeom prst="roundRect">
+            <a:avLst/>
+          </a:prstGeom>
+          <a:solidFill>
+            <a:schemeClr val="bg1"/>
+          </a:solidFill>
+          <a:ln>
+            <a:noFill/>
+          </a:ln>
+        </p:spPr>
+        <p:style>
+          <a:lnRef idx="2">
+            <a:schemeClr val="accent1">
+              <a:shade val="15000"/>
+            </a:schemeClr>
+          </a:lnRef>
+          <a:fillRef idx="1">
+            <a:schemeClr val="accent1"/>
+          </a:fillRef>
+          <a:effectRef idx="0">
+            <a:schemeClr val="accent1"/>
+          </a:effectRef>
+          <a:fontRef idx="minor">
+            <a:schemeClr val="lt1"/>
+          </a:fontRef>
+        </p:style>
+        <p:txBody>
+          <a:bodyPr rtlCol="0" anchor="ctr"/>
+          <a:lstStyle/>
+          <a:p>
+            <a:pPr algn="ctr"/>
+            <a:endParaRPr kumimoji="1" lang="ja-JP" altLang="en-US"/>
+          </a:p>
+        </p:txBody>
+      </p:sp>
+      <p:pic>
+        <p:nvPicPr>
+          <p:cNvPr id="33" name="グラフィックス 32" descr="さくらんぼ 枠線">
+            <a:extLst>
+              <a:ext uri="{FF2B5EF4-FFF2-40B4-BE49-F238E27FC236}">
+                <a16:creationId xmlns:a16="http://schemas.microsoft.com/office/drawing/2014/main" id="{78F53EFD-2A12-864E-E1F2-E2E7245BD12F}"/>
+              </a:ext>
+            </a:extLst>
+          </p:cNvPr>
+          <p:cNvPicPr>
+            <a:picLocks noChangeAspect="1"/>
+          </p:cNvPicPr>
+          <p:nvPr/>
+        </p:nvPicPr>
+        <p:blipFill>
+          <a:blip r:embed="rId4">
+            <a:extLst>
+              <a:ext uri="{28A0092B-C50C-407E-A947-70E740481C1C}">
+                <a14:useLocalDpi xmlns:a14="http://schemas.microsoft.com/office/drawing/2010/main" val="0"/>
+              </a:ext>
+              <a:ext uri="{96DAC541-7B7A-43D3-8B79-37D633B846F1}">
+                <asvg:svgBlip xmlns:asvg="http://schemas.microsoft.com/office/drawing/2016/SVG/main" r:embed="rId5"/>
+              </a:ext>
+            </a:extLst>
+          </a:blip>
+          <a:stretch>
+            <a:fillRect/>
+          </a:stretch>
+        </p:blipFill>
+        <p:spPr>
+          <a:xfrm>
+            <a:off x="5638798" y="2377049"/>
+            <a:ext cx="914400" cy="914400"/>
+          </a:xfrm>
+          <a:prstGeom prst="rect">
+            <a:avLst/>
+          </a:prstGeom>
+        </p:spPr>
+      </p:pic>
+      <p:pic>
+        <p:nvPicPr>
+          <p:cNvPr id="35" name="グラフィックス 34" descr="ドングリ 単色塗りつぶし">
+            <a:extLst>
+              <a:ext uri="{FF2B5EF4-FFF2-40B4-BE49-F238E27FC236}">
+                <a16:creationId xmlns:a16="http://schemas.microsoft.com/office/drawing/2014/main" id="{E0A5422F-B975-AC0B-FC9F-6443AC0C40D4}"/>
+              </a:ext>
+            </a:extLst>
+          </p:cNvPr>
+          <p:cNvPicPr>
+            <a:picLocks noChangeAspect="1"/>
+          </p:cNvPicPr>
+          <p:nvPr/>
+        </p:nvPicPr>
+        <p:blipFill>
+          <a:blip r:embed="rId6">
+            <a:extLst>
+              <a:ext uri="{28A0092B-C50C-407E-A947-70E740481C1C}">
+                <a14:useLocalDpi xmlns:a14="http://schemas.microsoft.com/office/drawing/2010/main" val="0"/>
+              </a:ext>
+              <a:ext uri="{96DAC541-7B7A-43D3-8B79-37D633B846F1}">
+                <asvg:svgBlip xmlns:asvg="http://schemas.microsoft.com/office/drawing/2016/SVG/main" r:embed="rId7"/>
+              </a:ext>
+            </a:extLst>
+          </a:blip>
+          <a:stretch>
+            <a:fillRect/>
+          </a:stretch>
+        </p:blipFill>
+        <p:spPr>
+          <a:xfrm>
+            <a:off x="8712777" y="2364273"/>
+            <a:ext cx="914400" cy="914400"/>
+          </a:xfrm>
+          <a:prstGeom prst="rect">
+            <a:avLst/>
+          </a:prstGeom>
+        </p:spPr>
+      </p:pic>
+      <p:pic>
+        <p:nvPicPr>
+          <p:cNvPr id="37" name="グラフィックス 36" descr="ピエロ 単色塗りつぶし">
+            <a:extLst>
+              <a:ext uri="{FF2B5EF4-FFF2-40B4-BE49-F238E27FC236}">
+                <a16:creationId xmlns:a16="http://schemas.microsoft.com/office/drawing/2014/main" id="{1A7FEB07-913B-9D41-2774-9BBACDF0A7C1}"/>
+              </a:ext>
+            </a:extLst>
+          </p:cNvPr>
+          <p:cNvPicPr>
+            <a:picLocks noChangeAspect="1"/>
+          </p:cNvPicPr>
+          <p:nvPr/>
+        </p:nvPicPr>
+        <p:blipFill>
+          <a:blip r:embed="rId8">
+            <a:extLst>
+              <a:ext uri="{28A0092B-C50C-407E-A947-70E740481C1C}">
+                <a14:useLocalDpi xmlns:a14="http://schemas.microsoft.com/office/drawing/2010/main" val="0"/>
+              </a:ext>
+              <a:ext uri="{96DAC541-7B7A-43D3-8B79-37D633B846F1}">
+                <asvg:svgBlip xmlns:asvg="http://schemas.microsoft.com/office/drawing/2016/SVG/main" r:embed="rId9"/>
+              </a:ext>
+            </a:extLst>
+          </a:blip>
+          <a:stretch>
+            <a:fillRect/>
+          </a:stretch>
+        </p:blipFill>
+        <p:spPr>
+          <a:xfrm>
+            <a:off x="2560098" y="2356905"/>
+            <a:ext cx="914400" cy="914400"/>
+          </a:xfrm>
+          <a:prstGeom prst="rect">
+            <a:avLst/>
+          </a:prstGeom>
+        </p:spPr>
+      </p:pic>
+      <p:pic>
+        <p:nvPicPr>
+          <p:cNvPr id="39" name="グラフィックス 38" descr="カップケーキ 単色塗りつぶし">
+            <a:extLst>
+              <a:ext uri="{FF2B5EF4-FFF2-40B4-BE49-F238E27FC236}">
+                <a16:creationId xmlns:a16="http://schemas.microsoft.com/office/drawing/2014/main" id="{832B4AC8-6AB4-D20A-F45B-F90AFAD4D177}"/>
+              </a:ext>
+            </a:extLst>
+          </p:cNvPr>
+          <p:cNvPicPr>
+            <a:picLocks noChangeAspect="1"/>
+          </p:cNvPicPr>
+          <p:nvPr/>
+        </p:nvPicPr>
+        <p:blipFill>
+          <a:blip r:embed="rId10">
+            <a:extLst>
+              <a:ext uri="{28A0092B-C50C-407E-A947-70E740481C1C}">
+                <a14:useLocalDpi xmlns:a14="http://schemas.microsoft.com/office/drawing/2010/main" val="0"/>
+              </a:ext>
+              <a:ext uri="{96DAC541-7B7A-43D3-8B79-37D633B846F1}">
+                <asvg:svgBlip xmlns:asvg="http://schemas.microsoft.com/office/drawing/2016/SVG/main" r:embed="rId11"/>
+              </a:ext>
+            </a:extLst>
+          </a:blip>
+          <a:stretch>
+            <a:fillRect/>
+          </a:stretch>
+        </p:blipFill>
+        <p:spPr>
+          <a:xfrm>
+            <a:off x="5638798" y="4868556"/>
+            <a:ext cx="914400" cy="914400"/>
+          </a:xfrm>
+          <a:prstGeom prst="rect">
+            <a:avLst/>
+          </a:prstGeom>
+        </p:spPr>
+      </p:pic>
+      <p:pic>
+        <p:nvPicPr>
+          <p:cNvPr id="41" name="グラフィックス 40" descr="花 枠線">
+            <a:extLst>
+              <a:ext uri="{FF2B5EF4-FFF2-40B4-BE49-F238E27FC236}">
+                <a16:creationId xmlns:a16="http://schemas.microsoft.com/office/drawing/2014/main" id="{3D078AFC-BAAB-9458-3221-6F42DD428B12}"/>
+              </a:ext>
+            </a:extLst>
+          </p:cNvPr>
+          <p:cNvPicPr>
+            <a:picLocks noChangeAspect="1"/>
+          </p:cNvPicPr>
+          <p:nvPr/>
+        </p:nvPicPr>
+        <p:blipFill>
+          <a:blip r:embed="rId12">
+            <a:extLst>
+              <a:ext uri="{28A0092B-C50C-407E-A947-70E740481C1C}">
+                <a14:useLocalDpi xmlns:a14="http://schemas.microsoft.com/office/drawing/2010/main" val="0"/>
+              </a:ext>
+              <a:ext uri="{96DAC541-7B7A-43D3-8B79-37D633B846F1}">
+                <asvg:svgBlip xmlns:asvg="http://schemas.microsoft.com/office/drawing/2016/SVG/main" r:embed="rId13"/>
+              </a:ext>
+            </a:extLst>
+          </a:blip>
+          <a:stretch>
+            <a:fillRect/>
+          </a:stretch>
+        </p:blipFill>
+        <p:spPr>
+          <a:xfrm>
+            <a:off x="2560098" y="4862980"/>
+            <a:ext cx="914400" cy="914400"/>
+          </a:xfrm>
+          <a:prstGeom prst="rect">
+            <a:avLst/>
+          </a:prstGeom>
+        </p:spPr>
+      </p:pic>
+    </p:spTree>
+    <p:extLst>
+      <p:ext uri="{BB962C8B-B14F-4D97-AF65-F5344CB8AC3E}">
+        <p14:creationId xmlns:p14="http://schemas.microsoft.com/office/powerpoint/2010/main" val="1308151473"/>
+      </p:ext>
+    </p:extLst>
+  </p:cSld>
+  <p:clrMapOvr>
+    <a:masterClrMapping/>
+  </p:clrMapOvr>
+</p:sld>
+</file>
+
+<file path=ppt/slides/slide7.xml><?xml version="1.0" encoding="utf-8"?>
+<p:sld xmlns:a="http://schemas.openxmlformats.org/drawingml/2006/main" xmlns:r="http://schemas.openxmlformats.org/officeDocument/2006/relationships" xmlns:p="http://schemas.openxmlformats.org/presentationml/2006/main">
+  <p:cSld>
+    <p:spTree>
+      <p:nvGrpSpPr>
+        <p:cNvPr id="1" name=""/>
+        <p:cNvGrpSpPr/>
+        <p:nvPr/>
+      </p:nvGrpSpPr>
+      <p:grpSpPr>
+        <a:xfrm>
+          <a:off x="0" y="0"/>
+          <a:ext cx="0" cy="0"/>
+          <a:chOff x="0" y="0"/>
+          <a:chExt cx="0" cy="0"/>
+        </a:xfrm>
+      </p:grpSpPr>
+      <p:sp>
+        <p:nvSpPr>
+          <p:cNvPr id="2" name="正方形/長方形 1">
+            <a:extLst>
+              <a:ext uri="{FF2B5EF4-FFF2-40B4-BE49-F238E27FC236}">
+                <a16:creationId xmlns:a16="http://schemas.microsoft.com/office/drawing/2014/main" id="{4EACDB33-D278-4E96-4B83-CB0DA0017812}"/>
+              </a:ext>
+            </a:extLst>
+          </p:cNvPr>
+          <p:cNvSpPr/>
+          <p:nvPr/>
+        </p:nvSpPr>
+        <p:spPr>
+          <a:xfrm>
+            <a:off x="0" y="0"/>
+            <a:ext cx="12192000" cy="1386348"/>
+          </a:xfrm>
+          <a:prstGeom prst="rect">
+            <a:avLst/>
+          </a:prstGeom>
+          <a:solidFill>
+            <a:srgbClr val="F5F5F5"/>
+          </a:solidFill>
+          <a:ln>
+            <a:noFill/>
+          </a:ln>
+        </p:spPr>
+        <p:style>
+          <a:lnRef idx="2">
+            <a:schemeClr val="accent1">
+              <a:shade val="15000"/>
+            </a:schemeClr>
+          </a:lnRef>
+          <a:fillRef idx="1">
+            <a:schemeClr val="accent1"/>
+          </a:fillRef>
+          <a:effectRef idx="0">
+            <a:schemeClr val="accent1"/>
+          </a:effectRef>
+          <a:fontRef idx="minor">
+            <a:schemeClr val="lt1"/>
+          </a:fontRef>
+        </p:style>
+        <p:txBody>
+          <a:bodyPr rtlCol="0" anchor="ctr"/>
+          <a:lstStyle/>
+          <a:p>
+            <a:pPr algn="ctr"/>
+            <a:endParaRPr kumimoji="1" lang="ja-JP" altLang="en-US"/>
+          </a:p>
+        </p:txBody>
+      </p:sp>
+      <p:pic>
+        <p:nvPicPr>
+          <p:cNvPr id="3" name="図 2" descr="ロゴ&#10;&#10;中程度の精度で自動的に生成された説明">
+            <a:extLst>
+              <a:ext uri="{FF2B5EF4-FFF2-40B4-BE49-F238E27FC236}">
+                <a16:creationId xmlns:a16="http://schemas.microsoft.com/office/drawing/2014/main" id="{90677610-C373-EFD4-017B-EAF5C0AA7686}"/>
+              </a:ext>
+            </a:extLst>
+          </p:cNvPr>
+          <p:cNvPicPr>
+            <a:picLocks noChangeAspect="1"/>
+          </p:cNvPicPr>
+          <p:nvPr/>
+        </p:nvPicPr>
+        <p:blipFill rotWithShape="1">
+          <a:blip r:embed="rId3">
+            <a:extLst>
+              <a:ext uri="{28A0092B-C50C-407E-A947-70E740481C1C}">
+                <a14:useLocalDpi xmlns:a14="http://schemas.microsoft.com/office/drawing/2010/main" val="0"/>
+              </a:ext>
+            </a:extLst>
+          </a:blip>
+          <a:srcRect l="14562" t="11298" b="30517"/>
+          <a:stretch/>
+        </p:blipFill>
+        <p:spPr>
+          <a:xfrm>
+            <a:off x="4826940" y="196644"/>
+            <a:ext cx="2538120" cy="1012723"/>
+          </a:xfrm>
+          <a:prstGeom prst="rect">
+            <a:avLst/>
+          </a:prstGeom>
+        </p:spPr>
+      </p:pic>
+      <p:grpSp>
+        <p:nvGrpSpPr>
+          <p:cNvPr id="4" name="グループ化 3">
+            <a:extLst>
+              <a:ext uri="{FF2B5EF4-FFF2-40B4-BE49-F238E27FC236}">
+                <a16:creationId xmlns:a16="http://schemas.microsoft.com/office/drawing/2014/main" id="{329BA7C7-A952-CC36-20BF-41CF8CC2B67C}"/>
+              </a:ext>
+            </a:extLst>
+          </p:cNvPr>
+          <p:cNvGrpSpPr/>
+          <p:nvPr/>
+        </p:nvGrpSpPr>
+        <p:grpSpPr>
+          <a:xfrm>
+            <a:off x="317581" y="277924"/>
+            <a:ext cx="924233" cy="1234235"/>
+            <a:chOff x="266781" y="196644"/>
+            <a:chExt cx="924233" cy="1234235"/>
+          </a:xfrm>
+        </p:grpSpPr>
+        <p:sp>
+          <p:nvSpPr>
+            <p:cNvPr id="5" name="フローチャート: 結合子 4">
+              <a:extLst>
+                <a:ext uri="{FF2B5EF4-FFF2-40B4-BE49-F238E27FC236}">
+                  <a16:creationId xmlns:a16="http://schemas.microsoft.com/office/drawing/2014/main" id="{47EE03C1-417B-88F6-FDC6-9C47B48C9432}"/>
+                </a:ext>
+              </a:extLst>
+            </p:cNvPr>
+            <p:cNvSpPr/>
+            <p:nvPr/>
+          </p:nvSpPr>
+          <p:spPr>
+            <a:xfrm>
+              <a:off x="266781" y="196644"/>
+              <a:ext cx="924233" cy="924233"/>
+            </a:xfrm>
+            <a:prstGeom prst="flowChartConnector">
+              <a:avLst/>
+            </a:prstGeom>
+            <a:noFill/>
+            <a:ln w="28575">
+              <a:solidFill>
+                <a:srgbClr val="EA7B6B"/>
+              </a:solidFill>
+            </a:ln>
+          </p:spPr>
+          <p:style>
+            <a:lnRef idx="2">
+              <a:schemeClr val="accent1">
+                <a:shade val="15000"/>
+              </a:schemeClr>
+            </a:lnRef>
+            <a:fillRef idx="1">
+              <a:schemeClr val="accent1"/>
+            </a:fillRef>
+            <a:effectRef idx="0">
+              <a:schemeClr val="accent1"/>
+            </a:effectRef>
+            <a:fontRef idx="minor">
+              <a:schemeClr val="lt1"/>
+            </a:fontRef>
+          </p:style>
+          <p:txBody>
+            <a:bodyPr rtlCol="0" anchor="ctr"/>
+            <a:lstStyle/>
+            <a:p>
+              <a:pPr algn="ctr"/>
+              <a:endParaRPr kumimoji="1" lang="ja-JP" altLang="en-US"/>
+            </a:p>
+          </p:txBody>
+        </p:sp>
+        <p:sp>
+          <p:nvSpPr>
+            <p:cNvPr id="6" name="フローチャート: 結合子 5">
+              <a:extLst>
+                <a:ext uri="{FF2B5EF4-FFF2-40B4-BE49-F238E27FC236}">
+                  <a16:creationId xmlns:a16="http://schemas.microsoft.com/office/drawing/2014/main" id="{2B1C132E-FFE0-8F97-83E9-F824738228FA}"/>
+                </a:ext>
+              </a:extLst>
+            </p:cNvPr>
+            <p:cNvSpPr/>
+            <p:nvPr/>
+          </p:nvSpPr>
+          <p:spPr>
+            <a:xfrm>
+              <a:off x="545771" y="319548"/>
+              <a:ext cx="366250" cy="349044"/>
+            </a:xfrm>
+            <a:prstGeom prst="flowChartConnector">
+              <a:avLst/>
+            </a:prstGeom>
+            <a:noFill/>
+            <a:ln w="28575">
+              <a:solidFill>
+                <a:srgbClr val="EA7B6B"/>
+              </a:solidFill>
+            </a:ln>
+          </p:spPr>
+          <p:style>
+            <a:lnRef idx="2">
+              <a:schemeClr val="accent1">
+                <a:shade val="15000"/>
+              </a:schemeClr>
+            </a:lnRef>
+            <a:fillRef idx="1">
+              <a:schemeClr val="accent1"/>
+            </a:fillRef>
+            <a:effectRef idx="0">
+              <a:schemeClr val="accent1"/>
+            </a:effectRef>
+            <a:fontRef idx="minor">
+              <a:schemeClr val="lt1"/>
+            </a:fontRef>
+          </p:style>
+          <p:txBody>
+            <a:bodyPr rtlCol="0" anchor="ctr"/>
+            <a:lstStyle/>
+            <a:p>
+              <a:pPr algn="ctr"/>
+              <a:endParaRPr kumimoji="1" lang="ja-JP" altLang="en-US"/>
+            </a:p>
+          </p:txBody>
+        </p:sp>
+        <p:sp>
+          <p:nvSpPr>
+            <p:cNvPr id="7" name="円弧 6">
+              <a:extLst>
+                <a:ext uri="{FF2B5EF4-FFF2-40B4-BE49-F238E27FC236}">
+                  <a16:creationId xmlns:a16="http://schemas.microsoft.com/office/drawing/2014/main" id="{ADD0E8F1-ED4C-92D8-5152-3BEBF7347DF4}"/>
+                </a:ext>
+              </a:extLst>
+            </p:cNvPr>
+            <p:cNvSpPr/>
+            <p:nvPr/>
+          </p:nvSpPr>
+          <p:spPr>
+            <a:xfrm rot="19079286">
+              <a:off x="374934" y="732788"/>
+              <a:ext cx="707924" cy="698091"/>
+            </a:xfrm>
+            <a:prstGeom prst="arc">
+              <a:avLst/>
+            </a:prstGeom>
+            <a:ln w="28575">
+              <a:solidFill>
+                <a:srgbClr val="EA7B6B"/>
+              </a:solidFill>
+            </a:ln>
+          </p:spPr>
+          <p:style>
+            <a:lnRef idx="1">
+              <a:schemeClr val="accent1"/>
+            </a:lnRef>
+            <a:fillRef idx="0">
+              <a:schemeClr val="accent1"/>
+            </a:fillRef>
+            <a:effectRef idx="0">
+              <a:schemeClr val="accent1"/>
+            </a:effectRef>
+            <a:fontRef idx="minor">
+              <a:schemeClr val="tx1"/>
+            </a:fontRef>
+          </p:style>
+          <p:txBody>
+            <a:bodyPr rtlCol="0" anchor="ctr"/>
+            <a:lstStyle/>
+            <a:p>
+              <a:pPr algn="ctr"/>
+              <a:endParaRPr kumimoji="1" lang="ja-JP" altLang="en-US"/>
+            </a:p>
+          </p:txBody>
+        </p:sp>
+      </p:grpSp>
+      <p:sp>
+        <p:nvSpPr>
+          <p:cNvPr id="8" name="テキスト ボックス 7">
+            <a:extLst>
+              <a:ext uri="{FF2B5EF4-FFF2-40B4-BE49-F238E27FC236}">
+                <a16:creationId xmlns:a16="http://schemas.microsoft.com/office/drawing/2014/main" id="{EB500DF1-82BB-4D47-5EF1-B2F6CFEC1B8A}"/>
+              </a:ext>
+            </a:extLst>
+          </p:cNvPr>
+          <p:cNvSpPr txBox="1"/>
+          <p:nvPr/>
+        </p:nvSpPr>
+        <p:spPr>
+          <a:xfrm>
+            <a:off x="9558094" y="806695"/>
+            <a:ext cx="2401617" cy="461665"/>
+          </a:xfrm>
+          <a:prstGeom prst="rect">
+            <a:avLst/>
+          </a:prstGeom>
+          <a:noFill/>
+        </p:spPr>
+        <p:txBody>
+          <a:bodyPr wrap="square" rtlCol="0">
+            <a:spAutoFit/>
+          </a:bodyPr>
+          <a:lstStyle/>
+          <a:p>
+            <a:r>
+              <a:rPr kumimoji="1" lang="en-US" altLang="ja-JP" sz="2400" dirty="0">
+                <a:solidFill>
+                  <a:srgbClr val="001746"/>
+                </a:solidFill>
+                <a:latin typeface="Kristen ITC" panose="03050502040202030202" pitchFamily="66" charset="0"/>
+              </a:rPr>
+              <a:t>2024/06/07 (Fri)</a:t>
+            </a:r>
+            <a:endParaRPr kumimoji="1" lang="ja-JP" altLang="en-US" sz="2400" dirty="0">
+              <a:solidFill>
+                <a:srgbClr val="001746"/>
+              </a:solidFill>
+              <a:latin typeface="Kristen ITC" panose="03050502040202030202" pitchFamily="66" charset="0"/>
+            </a:endParaRPr>
+          </a:p>
+        </p:txBody>
+      </p:sp>
+      <p:sp>
+        <p:nvSpPr>
+          <p:cNvPr id="9" name="正方形/長方形 8">
+            <a:extLst>
+              <a:ext uri="{FF2B5EF4-FFF2-40B4-BE49-F238E27FC236}">
+                <a16:creationId xmlns:a16="http://schemas.microsoft.com/office/drawing/2014/main" id="{D53C526D-B094-8918-A557-24C3499CAA14}"/>
+              </a:ext>
+            </a:extLst>
+          </p:cNvPr>
+          <p:cNvSpPr/>
+          <p:nvPr/>
+        </p:nvSpPr>
+        <p:spPr>
+          <a:xfrm>
+            <a:off x="0" y="6459794"/>
+            <a:ext cx="12192000" cy="398206"/>
+          </a:xfrm>
+          <a:prstGeom prst="rect">
+            <a:avLst/>
+          </a:prstGeom>
+          <a:solidFill>
+            <a:srgbClr val="F5F5F5"/>
+          </a:solidFill>
+          <a:ln>
+            <a:noFill/>
+          </a:ln>
+        </p:spPr>
+        <p:style>
+          <a:lnRef idx="2">
+            <a:schemeClr val="accent1">
+              <a:shade val="15000"/>
+            </a:schemeClr>
+          </a:lnRef>
+          <a:fillRef idx="1">
+            <a:schemeClr val="accent1"/>
+          </a:fillRef>
+          <a:effectRef idx="0">
+            <a:schemeClr val="accent1"/>
+          </a:effectRef>
+          <a:fontRef idx="minor">
+            <a:schemeClr val="lt1"/>
+          </a:fontRef>
+        </p:style>
+        <p:txBody>
+          <a:bodyPr rtlCol="0" anchor="ctr"/>
+          <a:lstStyle/>
+          <a:p>
+            <a:pPr algn="ctr"/>
+            <a:endParaRPr kumimoji="1" lang="ja-JP" altLang="en-US"/>
+          </a:p>
+        </p:txBody>
+      </p:sp>
+      <p:sp>
+        <p:nvSpPr>
+          <p:cNvPr id="10" name="テキスト ボックス 9">
+            <a:extLst>
+              <a:ext uri="{FF2B5EF4-FFF2-40B4-BE49-F238E27FC236}">
+                <a16:creationId xmlns:a16="http://schemas.microsoft.com/office/drawing/2014/main" id="{D2E0BB24-9F6B-FCE0-B878-91A73ADBBABD}"/>
+              </a:ext>
+            </a:extLst>
+          </p:cNvPr>
+          <p:cNvSpPr txBox="1"/>
+          <p:nvPr/>
+        </p:nvSpPr>
+        <p:spPr>
+          <a:xfrm>
+            <a:off x="3861424" y="6505008"/>
+            <a:ext cx="4490720" cy="307777"/>
+          </a:xfrm>
+          <a:prstGeom prst="rect">
+            <a:avLst/>
+          </a:prstGeom>
+          <a:noFill/>
+        </p:spPr>
+        <p:txBody>
+          <a:bodyPr wrap="square" rtlCol="0">
+            <a:spAutoFit/>
+          </a:bodyPr>
+          <a:lstStyle/>
+          <a:p>
+            <a:r>
+              <a:rPr kumimoji="1" lang="en-US" altLang="ja-JP" sz="1400" dirty="0">
+                <a:solidFill>
+                  <a:srgbClr val="001746"/>
+                </a:solidFill>
+              </a:rPr>
+              <a:t>Copyright </a:t>
+            </a:r>
+            <a:r>
+              <a:rPr kumimoji="1" lang="en-US" altLang="ja-JP" sz="1400" dirty="0" err="1">
+                <a:solidFill>
+                  <a:srgbClr val="001746"/>
+                </a:solidFill>
+              </a:rPr>
+              <a:t>paraparaChahan</a:t>
+            </a:r>
+            <a:r>
+              <a:rPr kumimoji="1" lang="en-US" altLang="ja-JP" sz="1400" dirty="0">
+                <a:solidFill>
+                  <a:srgbClr val="001746"/>
+                </a:solidFill>
+              </a:rPr>
+              <a:t>(PLUS DOJO). All rights reserved.</a:t>
+            </a:r>
+            <a:endParaRPr kumimoji="1" lang="ja-JP" altLang="en-US" sz="1400" dirty="0">
+              <a:solidFill>
+                <a:srgbClr val="001746"/>
+              </a:solidFill>
+            </a:endParaRPr>
+          </a:p>
+        </p:txBody>
+      </p:sp>
+      <p:sp>
+        <p:nvSpPr>
+          <p:cNvPr id="11" name="四角形: 角を丸くする 10">
+            <a:extLst>
+              <a:ext uri="{FF2B5EF4-FFF2-40B4-BE49-F238E27FC236}">
+                <a16:creationId xmlns:a16="http://schemas.microsoft.com/office/drawing/2014/main" id="{0925A5A4-9FD1-E099-4F8C-F9F3FEFEE6B6}"/>
+              </a:ext>
+            </a:extLst>
+          </p:cNvPr>
+          <p:cNvSpPr/>
+          <p:nvPr/>
+        </p:nvSpPr>
+        <p:spPr>
+          <a:xfrm>
+            <a:off x="1776766" y="2275073"/>
+            <a:ext cx="8638468" cy="3734730"/>
+          </a:xfrm>
+          <a:prstGeom prst="roundRect">
+            <a:avLst>
+              <a:gd name="adj" fmla="val 8782"/>
+            </a:avLst>
+          </a:prstGeom>
+          <a:noFill/>
+          <a:ln w="76200" cmpd="dbl">
+            <a:solidFill>
+              <a:srgbClr val="F4D13E"/>
+            </a:solidFill>
+          </a:ln>
+        </p:spPr>
+        <p:style>
+          <a:lnRef idx="2">
+            <a:schemeClr val="accent1">
+              <a:shade val="15000"/>
+            </a:schemeClr>
+          </a:lnRef>
+          <a:fillRef idx="1">
+            <a:schemeClr val="accent1"/>
+          </a:fillRef>
+          <a:effectRef idx="0">
+            <a:schemeClr val="accent1"/>
+          </a:effectRef>
+          <a:fontRef idx="minor">
+            <a:schemeClr val="lt1"/>
+          </a:fontRef>
+        </p:style>
+        <p:txBody>
+          <a:bodyPr rtlCol="0" anchor="ctr"/>
+          <a:lstStyle/>
+          <a:p>
+            <a:pPr algn="ctr"/>
+            <a:endParaRPr kumimoji="1" lang="ja-JP" altLang="en-US" dirty="0"/>
+          </a:p>
+        </p:txBody>
+      </p:sp>
+      <p:sp>
+        <p:nvSpPr>
+          <p:cNvPr id="12" name="四角形: 角を丸くする 11">
+            <a:extLst>
+              <a:ext uri="{FF2B5EF4-FFF2-40B4-BE49-F238E27FC236}">
+                <a16:creationId xmlns:a16="http://schemas.microsoft.com/office/drawing/2014/main" id="{F1A1FCD3-7398-3301-09BE-047BBEAC09B6}"/>
+              </a:ext>
+            </a:extLst>
+          </p:cNvPr>
+          <p:cNvSpPr/>
+          <p:nvPr/>
+        </p:nvSpPr>
+        <p:spPr>
+          <a:xfrm>
+            <a:off x="2124401" y="2723445"/>
+            <a:ext cx="2988527" cy="2837985"/>
+          </a:xfrm>
+          <a:prstGeom prst="roundRect">
+            <a:avLst/>
+          </a:prstGeom>
+          <a:noFill/>
+          <a:ln w="57150">
+            <a:solidFill>
+              <a:srgbClr val="F4D13E"/>
+            </a:solidFill>
+          </a:ln>
+        </p:spPr>
+        <p:style>
+          <a:lnRef idx="2">
+            <a:schemeClr val="accent1">
+              <a:shade val="15000"/>
+            </a:schemeClr>
+          </a:lnRef>
+          <a:fillRef idx="1">
+            <a:schemeClr val="accent1"/>
+          </a:fillRef>
+          <a:effectRef idx="0">
+            <a:schemeClr val="accent1"/>
+          </a:effectRef>
+          <a:fontRef idx="minor">
+            <a:schemeClr val="lt1"/>
+          </a:fontRef>
+        </p:style>
+        <p:txBody>
+          <a:bodyPr rtlCol="0" anchor="ctr"/>
+          <a:lstStyle/>
+          <a:p>
+            <a:pPr algn="ctr"/>
+            <a:endParaRPr kumimoji="1" lang="ja-JP" altLang="en-US"/>
+          </a:p>
+        </p:txBody>
+      </p:sp>
+      <p:sp>
+        <p:nvSpPr>
+          <p:cNvPr id="14" name="四角形: 角を丸くする 13">
+            <a:extLst>
+              <a:ext uri="{FF2B5EF4-FFF2-40B4-BE49-F238E27FC236}">
+                <a16:creationId xmlns:a16="http://schemas.microsoft.com/office/drawing/2014/main" id="{9A787AF9-B709-EDFB-47D2-86102DFA6FCE}"/>
+              </a:ext>
+            </a:extLst>
+          </p:cNvPr>
+          <p:cNvSpPr/>
+          <p:nvPr/>
+        </p:nvSpPr>
+        <p:spPr>
+          <a:xfrm>
+            <a:off x="5460562" y="2704096"/>
+            <a:ext cx="4650058" cy="1569649"/>
+          </a:xfrm>
+          <a:prstGeom prst="roundRect">
+            <a:avLst>
+              <a:gd name="adj" fmla="val 26360"/>
+            </a:avLst>
+          </a:prstGeom>
+          <a:solidFill>
+            <a:srgbClr val="FCF1C4"/>
+          </a:solidFill>
+          <a:ln>
+            <a:noFill/>
+          </a:ln>
+        </p:spPr>
+        <p:style>
+          <a:lnRef idx="2">
+            <a:schemeClr val="accent1">
+              <a:shade val="15000"/>
+            </a:schemeClr>
+          </a:lnRef>
+          <a:fillRef idx="1">
+            <a:schemeClr val="accent1"/>
+          </a:fillRef>
+          <a:effectRef idx="0">
+            <a:schemeClr val="accent1"/>
+          </a:effectRef>
+          <a:fontRef idx="minor">
+            <a:schemeClr val="lt1"/>
+          </a:fontRef>
+        </p:style>
+        <p:txBody>
+          <a:bodyPr rtlCol="0" anchor="ctr"/>
+          <a:lstStyle/>
+          <a:p>
+            <a:pPr algn="ctr"/>
+            <a:endParaRPr kumimoji="1" lang="ja-JP" altLang="en-US"/>
+          </a:p>
+        </p:txBody>
+      </p:sp>
+      <p:sp>
+        <p:nvSpPr>
+          <p:cNvPr id="15" name="四角形: 角を丸くする 14">
+            <a:extLst>
+              <a:ext uri="{FF2B5EF4-FFF2-40B4-BE49-F238E27FC236}">
+                <a16:creationId xmlns:a16="http://schemas.microsoft.com/office/drawing/2014/main" id="{8AB698E6-D247-C602-B79A-81597FD493D9}"/>
+              </a:ext>
+            </a:extLst>
+          </p:cNvPr>
+          <p:cNvSpPr/>
+          <p:nvPr/>
+        </p:nvSpPr>
+        <p:spPr>
+          <a:xfrm>
+            <a:off x="6367390" y="4702768"/>
+            <a:ext cx="2836402" cy="858662"/>
+          </a:xfrm>
+          <a:prstGeom prst="roundRect">
+            <a:avLst>
+              <a:gd name="adj" fmla="val 23763"/>
+            </a:avLst>
+          </a:prstGeom>
+          <a:solidFill>
+            <a:srgbClr val="F4D13E"/>
+          </a:solidFill>
+          <a:ln>
+            <a:noFill/>
+          </a:ln>
+        </p:spPr>
+        <p:style>
+          <a:lnRef idx="2">
+            <a:schemeClr val="accent1">
+              <a:shade val="15000"/>
+            </a:schemeClr>
+          </a:lnRef>
+          <a:fillRef idx="1">
+            <a:schemeClr val="accent1"/>
+          </a:fillRef>
+          <a:effectRef idx="0">
+            <a:schemeClr val="accent1"/>
+          </a:effectRef>
+          <a:fontRef idx="minor">
+            <a:schemeClr val="lt1"/>
+          </a:fontRef>
+        </p:style>
+        <p:txBody>
+          <a:bodyPr rtlCol="0" anchor="ctr"/>
+          <a:lstStyle/>
+          <a:p>
+            <a:pPr algn="ctr"/>
+            <a:endParaRPr kumimoji="1" lang="ja-JP" altLang="en-US"/>
+          </a:p>
+        </p:txBody>
+      </p:sp>
+      <p:sp>
+        <p:nvSpPr>
+          <p:cNvPr id="16" name="テキスト ボックス 15">
+            <a:extLst>
+              <a:ext uri="{FF2B5EF4-FFF2-40B4-BE49-F238E27FC236}">
+                <a16:creationId xmlns:a16="http://schemas.microsoft.com/office/drawing/2014/main" id="{04759C4B-EA56-95E5-EE6A-E20C7F9EAD67}"/>
+              </a:ext>
+            </a:extLst>
+          </p:cNvPr>
+          <p:cNvSpPr txBox="1"/>
+          <p:nvPr/>
+        </p:nvSpPr>
+        <p:spPr>
+          <a:xfrm>
+            <a:off x="7324122" y="4839711"/>
+            <a:ext cx="922938" cy="584775"/>
+          </a:xfrm>
+          <a:prstGeom prst="rect">
+            <a:avLst/>
+          </a:prstGeom>
+          <a:noFill/>
+        </p:spPr>
+        <p:txBody>
+          <a:bodyPr wrap="square" rtlCol="0">
+            <a:spAutoFit/>
+          </a:bodyPr>
+          <a:lstStyle/>
+          <a:p>
+            <a:r>
+              <a:rPr kumimoji="1" lang="en-US" altLang="ja-JP" sz="3200" dirty="0">
+                <a:solidFill>
+                  <a:schemeClr val="bg1"/>
+                </a:solidFill>
+                <a:latin typeface="UD デジタル 教科書体 NP-B" panose="02020700000000000000" pitchFamily="18" charset="-128"/>
+                <a:ea typeface="UD デジタル 教科書体 NP-B" panose="02020700000000000000" pitchFamily="18" charset="-128"/>
+              </a:rPr>
+              <a:t>OK</a:t>
+            </a:r>
+            <a:endParaRPr kumimoji="1" lang="ja-JP" altLang="en-US" sz="3200" dirty="0">
+              <a:solidFill>
+                <a:schemeClr val="bg1"/>
+              </a:solidFill>
+              <a:latin typeface="UD デジタル 教科書体 NP-B" panose="02020700000000000000" pitchFamily="18" charset="-128"/>
+              <a:ea typeface="UD デジタル 教科書体 NP-B" panose="02020700000000000000" pitchFamily="18" charset="-128"/>
+            </a:endParaRPr>
+          </a:p>
+        </p:txBody>
+      </p:sp>
+      <p:sp>
+        <p:nvSpPr>
+          <p:cNvPr id="17" name="テキスト ボックス 16">
+            <a:extLst>
+              <a:ext uri="{FF2B5EF4-FFF2-40B4-BE49-F238E27FC236}">
+                <a16:creationId xmlns:a16="http://schemas.microsoft.com/office/drawing/2014/main" id="{E275C74F-8FF5-6FB3-6B50-E9B8A4EF6FFA}"/>
+              </a:ext>
+            </a:extLst>
+          </p:cNvPr>
+          <p:cNvSpPr txBox="1"/>
+          <p:nvPr/>
+        </p:nvSpPr>
+        <p:spPr>
+          <a:xfrm>
+            <a:off x="6054301" y="3227310"/>
+            <a:ext cx="3410127" cy="523220"/>
+          </a:xfrm>
+          <a:prstGeom prst="rect">
+            <a:avLst/>
+          </a:prstGeom>
+          <a:noFill/>
+        </p:spPr>
+        <p:txBody>
+          <a:bodyPr wrap="square" rtlCol="0">
+            <a:spAutoFit/>
+          </a:bodyPr>
+          <a:lstStyle/>
+          <a:p>
+            <a:r>
+              <a:rPr kumimoji="1" lang="ja-JP" altLang="en-US" sz="2800" dirty="0">
+                <a:solidFill>
+                  <a:srgbClr val="001746"/>
+                </a:solidFill>
+                <a:latin typeface="UD デジタル 教科書体 NP-B" panose="02020700000000000000" pitchFamily="18" charset="-128"/>
+                <a:ea typeface="UD デジタル 教科書体 NP-B" panose="02020700000000000000" pitchFamily="18" charset="-128"/>
+              </a:rPr>
+              <a:t>パラパラチャーハン</a:t>
+            </a:r>
+          </a:p>
+        </p:txBody>
+      </p:sp>
+      <p:pic>
+        <p:nvPicPr>
+          <p:cNvPr id="19" name="グラフィックス 18" descr="りんご 単色塗りつぶし">
+            <a:extLst>
+              <a:ext uri="{FF2B5EF4-FFF2-40B4-BE49-F238E27FC236}">
+                <a16:creationId xmlns:a16="http://schemas.microsoft.com/office/drawing/2014/main" id="{8DDB967A-F4D4-5C7A-6253-45857B35CD49}"/>
+              </a:ext>
+            </a:extLst>
+          </p:cNvPr>
+          <p:cNvPicPr>
+            <a:picLocks noChangeAspect="1"/>
+          </p:cNvPicPr>
+          <p:nvPr/>
+        </p:nvPicPr>
+        <p:blipFill>
+          <a:blip r:embed="rId4">
+            <a:extLst>
+              <a:ext uri="{28A0092B-C50C-407E-A947-70E740481C1C}">
+                <a14:useLocalDpi xmlns:a14="http://schemas.microsoft.com/office/drawing/2010/main" val="0"/>
+              </a:ext>
+              <a:ext uri="{96DAC541-7B7A-43D3-8B79-37D633B846F1}">
+                <asvg:svgBlip xmlns:asvg="http://schemas.microsoft.com/office/drawing/2016/SVG/main" r:embed="rId5"/>
+              </a:ext>
+            </a:extLst>
+          </a:blip>
+          <a:stretch>
+            <a:fillRect/>
+          </a:stretch>
+        </p:blipFill>
+        <p:spPr>
+          <a:xfrm>
+            <a:off x="2531449" y="3046439"/>
+            <a:ext cx="2102963" cy="2102963"/>
+          </a:xfrm>
+          <a:prstGeom prst="rect">
+            <a:avLst/>
+          </a:prstGeom>
+        </p:spPr>
+      </p:pic>
+      <p:sp>
+        <p:nvSpPr>
+          <p:cNvPr id="20" name="四角形: 上の 2 つの角を丸める 19">
+            <a:extLst>
+              <a:ext uri="{FF2B5EF4-FFF2-40B4-BE49-F238E27FC236}">
+                <a16:creationId xmlns:a16="http://schemas.microsoft.com/office/drawing/2014/main" id="{1ABB374C-554B-C4BD-FB72-CAFD9EA76A5D}"/>
+              </a:ext>
+            </a:extLst>
+          </p:cNvPr>
+          <p:cNvSpPr/>
+          <p:nvPr/>
+        </p:nvSpPr>
+        <p:spPr>
+          <a:xfrm>
+            <a:off x="4452694" y="1688039"/>
+            <a:ext cx="3266983" cy="581396"/>
+          </a:xfrm>
+          <a:prstGeom prst="round2SameRect">
+            <a:avLst>
+              <a:gd name="adj1" fmla="val 50000"/>
+              <a:gd name="adj2" fmla="val 0"/>
+            </a:avLst>
+          </a:prstGeom>
+          <a:solidFill>
+            <a:srgbClr val="F4D13E"/>
+          </a:solidFill>
+          <a:ln>
+            <a:noFill/>
+          </a:ln>
+        </p:spPr>
+        <p:style>
+          <a:lnRef idx="2">
+            <a:schemeClr val="accent1">
+              <a:shade val="15000"/>
+            </a:schemeClr>
+          </a:lnRef>
+          <a:fillRef idx="1">
+            <a:schemeClr val="accent1"/>
+          </a:fillRef>
+          <a:effectRef idx="0">
+            <a:schemeClr val="accent1"/>
+          </a:effectRef>
+          <a:fontRef idx="minor">
+            <a:schemeClr val="lt1"/>
+          </a:fontRef>
+        </p:style>
+        <p:txBody>
+          <a:bodyPr rtlCol="0" anchor="ctr"/>
+          <a:lstStyle/>
+          <a:p>
+            <a:pPr algn="ctr"/>
+            <a:endParaRPr kumimoji="1" lang="ja-JP" altLang="en-US"/>
+          </a:p>
+        </p:txBody>
+      </p:sp>
+      <p:sp>
+        <p:nvSpPr>
+          <p:cNvPr id="21" name="テキスト ボックス 20">
+            <a:extLst>
+              <a:ext uri="{FF2B5EF4-FFF2-40B4-BE49-F238E27FC236}">
+                <a16:creationId xmlns:a16="http://schemas.microsoft.com/office/drawing/2014/main" id="{3F2B6FF1-152F-BD9A-3032-6DFB760ADA38}"/>
+              </a:ext>
+            </a:extLst>
+          </p:cNvPr>
+          <p:cNvSpPr txBox="1"/>
+          <p:nvPr/>
+        </p:nvSpPr>
+        <p:spPr>
+          <a:xfrm>
+            <a:off x="4813593" y="1732581"/>
+            <a:ext cx="2564813" cy="584775"/>
+          </a:xfrm>
+          <a:prstGeom prst="rect">
+            <a:avLst/>
+          </a:prstGeom>
+          <a:noFill/>
+        </p:spPr>
+        <p:txBody>
+          <a:bodyPr wrap="square" rtlCol="0">
+            <a:spAutoFit/>
+          </a:bodyPr>
+          <a:lstStyle/>
+          <a:p>
+            <a:r>
+              <a:rPr kumimoji="1" lang="en-US" altLang="ja-JP" sz="3200" dirty="0">
+                <a:solidFill>
+                  <a:schemeClr val="bg1"/>
+                </a:solidFill>
+                <a:latin typeface="Kristen ITC" panose="03050502040202030202" pitchFamily="66" charset="0"/>
+              </a:rPr>
+              <a:t>New Group</a:t>
+            </a:r>
+            <a:endParaRPr kumimoji="1" lang="ja-JP" altLang="en-US" sz="3200" dirty="0">
+              <a:solidFill>
+                <a:schemeClr val="bg1"/>
+              </a:solidFill>
+              <a:latin typeface="Kristen ITC" panose="03050502040202030202" pitchFamily="66" charset="0"/>
+            </a:endParaRPr>
+          </a:p>
+        </p:txBody>
+      </p:sp>
+    </p:spTree>
+    <p:extLst>
+      <p:ext uri="{BB962C8B-B14F-4D97-AF65-F5344CB8AC3E}">
+        <p14:creationId xmlns:p14="http://schemas.microsoft.com/office/powerpoint/2010/main" val="3326991222"/>
+      </p:ext>
+    </p:extLst>
+  </p:cSld>
+  <p:clrMapOvr>
+    <a:masterClrMapping/>
+  </p:clrMapOvr>
+</p:sld>
+</file>
+
+<file path=ppt/slides/slide8.xml><?xml version="1.0" encoding="utf-8"?>
 <p:sld xmlns:a="http://schemas.openxmlformats.org/drawingml/2006/main" xmlns:r="http://schemas.openxmlformats.org/officeDocument/2006/relationships" xmlns:p="http://schemas.openxmlformats.org/presentationml/2006/main">
   <p:cSld>
     <p:spTree>
@@ -36234,3343 +39397,6 @@
         </p:nvSpPr>
         <p:spPr>
           <a:xfrm>
-            <a:off x="3541852" y="6505008"/>
-            <a:ext cx="5965484" cy="307777"/>
-          </a:xfrm>
-          <a:prstGeom prst="rect">
-            <a:avLst/>
-          </a:prstGeom>
-          <a:noFill/>
-        </p:spPr>
-        <p:txBody>
-          <a:bodyPr wrap="square" rtlCol="0">
-            <a:spAutoFit/>
-          </a:bodyPr>
-          <a:lstStyle/>
-          <a:p>
-            <a:r>
-              <a:rPr kumimoji="1" lang="en-US" altLang="ja-JP" sz="1400" dirty="0">
-                <a:solidFill>
-                  <a:srgbClr val="001746"/>
-                </a:solidFill>
-              </a:rPr>
-              <a:t>Copyright </a:t>
-            </a:r>
-            <a:r>
-              <a:rPr kumimoji="1" lang="en-US" altLang="ja-JP" sz="1400" dirty="0" err="1">
-                <a:solidFill>
-                  <a:srgbClr val="001746"/>
-                </a:solidFill>
-              </a:rPr>
-              <a:t>paraparaChahan</a:t>
-            </a:r>
-            <a:r>
-              <a:rPr kumimoji="1" lang="en-US" altLang="ja-JP" sz="1400" dirty="0">
-                <a:solidFill>
-                  <a:srgbClr val="001746"/>
-                </a:solidFill>
-              </a:rPr>
-              <a:t>(PLUS DOJO). All rights reserved.</a:t>
-            </a:r>
-            <a:endParaRPr kumimoji="1" lang="ja-JP" altLang="en-US" sz="1400" dirty="0">
-              <a:solidFill>
-                <a:srgbClr val="001746"/>
-              </a:solidFill>
-            </a:endParaRPr>
-          </a:p>
-        </p:txBody>
-      </p:sp>
-      <p:sp>
-        <p:nvSpPr>
-          <p:cNvPr id="11" name="四角形: 角を丸くする 10">
-            <a:extLst>
-              <a:ext uri="{FF2B5EF4-FFF2-40B4-BE49-F238E27FC236}">
-                <a16:creationId xmlns:a16="http://schemas.microsoft.com/office/drawing/2014/main" id="{483B6676-0DD3-34A6-AA42-6F5056660355}"/>
-              </a:ext>
-            </a:extLst>
-          </p:cNvPr>
-          <p:cNvSpPr/>
-          <p:nvPr/>
-        </p:nvSpPr>
-        <p:spPr>
-          <a:xfrm>
-            <a:off x="2298290" y="1538450"/>
-            <a:ext cx="7740446" cy="4803355"/>
-          </a:xfrm>
-          <a:prstGeom prst="roundRect">
-            <a:avLst/>
-          </a:prstGeom>
-          <a:solidFill>
-            <a:srgbClr val="F9E799"/>
-          </a:solidFill>
-          <a:ln>
-            <a:noFill/>
-          </a:ln>
-        </p:spPr>
-        <p:style>
-          <a:lnRef idx="2">
-            <a:schemeClr val="accent1">
-              <a:shade val="15000"/>
-            </a:schemeClr>
-          </a:lnRef>
-          <a:fillRef idx="1">
-            <a:schemeClr val="accent1"/>
-          </a:fillRef>
-          <a:effectRef idx="0">
-            <a:schemeClr val="accent1"/>
-          </a:effectRef>
-          <a:fontRef idx="minor">
-            <a:schemeClr val="lt1"/>
-          </a:fontRef>
-        </p:style>
-        <p:txBody>
-          <a:bodyPr rtlCol="0" anchor="ctr"/>
-          <a:lstStyle/>
-          <a:p>
-            <a:pPr algn="ctr"/>
-            <a:endParaRPr kumimoji="1" lang="ja-JP" altLang="en-US" dirty="0"/>
-          </a:p>
-        </p:txBody>
-      </p:sp>
-      <p:sp>
-        <p:nvSpPr>
-          <p:cNvPr id="12" name="テキスト ボックス 11">
-            <a:extLst>
-              <a:ext uri="{FF2B5EF4-FFF2-40B4-BE49-F238E27FC236}">
-                <a16:creationId xmlns:a16="http://schemas.microsoft.com/office/drawing/2014/main" id="{C375B5E2-C360-169D-4208-9A23C94B2910}"/>
-              </a:ext>
-            </a:extLst>
-          </p:cNvPr>
-          <p:cNvSpPr txBox="1"/>
-          <p:nvPr/>
-        </p:nvSpPr>
-        <p:spPr>
-          <a:xfrm>
-            <a:off x="3764771" y="1535338"/>
-            <a:ext cx="4651914" cy="338554"/>
-          </a:xfrm>
-          <a:prstGeom prst="rect">
-            <a:avLst/>
-          </a:prstGeom>
-          <a:solidFill>
-            <a:srgbClr val="F9E799"/>
-          </a:solidFill>
-        </p:spPr>
-        <p:txBody>
-          <a:bodyPr wrap="square" rtlCol="0">
-            <a:spAutoFit/>
-          </a:bodyPr>
-          <a:lstStyle/>
-          <a:p>
-            <a:pPr algn="ctr"/>
-            <a:r>
-              <a:rPr lang="en-US" altLang="ja-JP" sz="1600" dirty="0">
-                <a:solidFill>
-                  <a:srgbClr val="001746"/>
-                </a:solidFill>
-                <a:latin typeface="Kristen ITC" panose="03050502040202030202" pitchFamily="66" charset="0"/>
-                <a:ea typeface="UD デジタル 教科書体 NP-B" panose="02020700000000000000" pitchFamily="18" charset="-128"/>
-              </a:rPr>
-              <a:t>U</a:t>
-            </a:r>
-            <a:r>
-              <a:rPr kumimoji="1" lang="en-US" altLang="ja-JP" sz="1600" dirty="0">
-                <a:solidFill>
-                  <a:srgbClr val="001746"/>
-                </a:solidFill>
-                <a:latin typeface="Kristen ITC" panose="03050502040202030202" pitchFamily="66" charset="0"/>
-                <a:ea typeface="UD デジタル 教科書体 NP-B" panose="02020700000000000000" pitchFamily="18" charset="-128"/>
-              </a:rPr>
-              <a:t>ser ID</a:t>
-            </a:r>
-            <a:endParaRPr kumimoji="1" lang="ja-JP" altLang="en-US" sz="1600" dirty="0">
-              <a:solidFill>
-                <a:srgbClr val="001746"/>
-              </a:solidFill>
-              <a:latin typeface="Kristen ITC" panose="03050502040202030202" pitchFamily="66" charset="0"/>
-              <a:ea typeface="UD デジタル 教科書体 NP-B" panose="02020700000000000000" pitchFamily="18" charset="-128"/>
-            </a:endParaRPr>
-          </a:p>
-        </p:txBody>
-      </p:sp>
-      <p:sp>
-        <p:nvSpPr>
-          <p:cNvPr id="19" name="テキスト ボックス 18">
-            <a:extLst>
-              <a:ext uri="{FF2B5EF4-FFF2-40B4-BE49-F238E27FC236}">
-                <a16:creationId xmlns:a16="http://schemas.microsoft.com/office/drawing/2014/main" id="{ADE8B062-11AF-3F71-5A5F-79E5D06AD258}"/>
-              </a:ext>
-            </a:extLst>
-          </p:cNvPr>
-          <p:cNvSpPr txBox="1"/>
-          <p:nvPr/>
-        </p:nvSpPr>
-        <p:spPr>
-          <a:xfrm>
-            <a:off x="3764771" y="2334755"/>
-            <a:ext cx="4651914" cy="338554"/>
-          </a:xfrm>
-          <a:prstGeom prst="rect">
-            <a:avLst/>
-          </a:prstGeom>
-          <a:solidFill>
-            <a:srgbClr val="F9E799"/>
-          </a:solidFill>
-        </p:spPr>
-        <p:txBody>
-          <a:bodyPr wrap="square" rtlCol="0">
-            <a:spAutoFit/>
-          </a:bodyPr>
-          <a:lstStyle/>
-          <a:p>
-            <a:pPr algn="ctr"/>
-            <a:r>
-              <a:rPr kumimoji="1" lang="en-US" altLang="ja-JP" sz="1600" dirty="0">
-                <a:solidFill>
-                  <a:srgbClr val="001746"/>
-                </a:solidFill>
-                <a:latin typeface="Kristen ITC" panose="03050502040202030202" pitchFamily="66" charset="0"/>
-                <a:ea typeface="UD デジタル 教科書体 NP-B" panose="02020700000000000000" pitchFamily="18" charset="-128"/>
-              </a:rPr>
-              <a:t>Mail</a:t>
-            </a:r>
-            <a:endParaRPr kumimoji="1" lang="ja-JP" altLang="en-US" sz="1600" dirty="0">
-              <a:solidFill>
-                <a:srgbClr val="001746"/>
-              </a:solidFill>
-              <a:latin typeface="Kristen ITC" panose="03050502040202030202" pitchFamily="66" charset="0"/>
-              <a:ea typeface="UD デジタル 教科書体 NP-B" panose="02020700000000000000" pitchFamily="18" charset="-128"/>
-            </a:endParaRPr>
-          </a:p>
-        </p:txBody>
-      </p:sp>
-      <p:sp>
-        <p:nvSpPr>
-          <p:cNvPr id="24" name="テキスト ボックス 23">
-            <a:extLst>
-              <a:ext uri="{FF2B5EF4-FFF2-40B4-BE49-F238E27FC236}">
-                <a16:creationId xmlns:a16="http://schemas.microsoft.com/office/drawing/2014/main" id="{44013065-A6B2-1804-0697-9FCDDA6ECCCF}"/>
-              </a:ext>
-            </a:extLst>
-          </p:cNvPr>
-          <p:cNvSpPr txBox="1"/>
-          <p:nvPr/>
-        </p:nvSpPr>
-        <p:spPr>
-          <a:xfrm>
-            <a:off x="3764771" y="3151553"/>
-            <a:ext cx="4651914" cy="338554"/>
-          </a:xfrm>
-          <a:prstGeom prst="rect">
-            <a:avLst/>
-          </a:prstGeom>
-          <a:solidFill>
-            <a:srgbClr val="F9E799"/>
-          </a:solidFill>
-        </p:spPr>
-        <p:txBody>
-          <a:bodyPr wrap="square" rtlCol="0">
-            <a:spAutoFit/>
-          </a:bodyPr>
-          <a:lstStyle/>
-          <a:p>
-            <a:pPr algn="ctr"/>
-            <a:r>
-              <a:rPr lang="en-US" altLang="ja-JP" sz="1600" dirty="0">
-                <a:solidFill>
-                  <a:srgbClr val="001746"/>
-                </a:solidFill>
-                <a:latin typeface="Kristen ITC" panose="03050502040202030202" pitchFamily="66" charset="0"/>
-                <a:ea typeface="UD デジタル 教科書体 NP-B" panose="02020700000000000000" pitchFamily="18" charset="-128"/>
-              </a:rPr>
-              <a:t>Password</a:t>
-            </a:r>
-            <a:endParaRPr kumimoji="1" lang="ja-JP" altLang="en-US" sz="1600" dirty="0">
-              <a:solidFill>
-                <a:srgbClr val="001746"/>
-              </a:solidFill>
-              <a:latin typeface="Kristen ITC" panose="03050502040202030202" pitchFamily="66" charset="0"/>
-              <a:ea typeface="UD デジタル 教科書体 NP-B" panose="02020700000000000000" pitchFamily="18" charset="-128"/>
-            </a:endParaRPr>
-          </a:p>
-        </p:txBody>
-      </p:sp>
-      <p:sp>
-        <p:nvSpPr>
-          <p:cNvPr id="27" name="四角形: 角を丸くする 26">
-            <a:extLst>
-              <a:ext uri="{FF2B5EF4-FFF2-40B4-BE49-F238E27FC236}">
-                <a16:creationId xmlns:a16="http://schemas.microsoft.com/office/drawing/2014/main" id="{E2146CF5-E729-F45C-32CF-55F5F7A8F68B}"/>
-              </a:ext>
-            </a:extLst>
-          </p:cNvPr>
-          <p:cNvSpPr/>
-          <p:nvPr/>
-        </p:nvSpPr>
-        <p:spPr>
-          <a:xfrm>
-            <a:off x="4440363" y="1910838"/>
-            <a:ext cx="3311273" cy="385956"/>
-          </a:xfrm>
-          <a:prstGeom prst="roundRect">
-            <a:avLst>
-              <a:gd name="adj" fmla="val 50000"/>
-            </a:avLst>
-          </a:prstGeom>
-          <a:solidFill>
-            <a:schemeClr val="bg1"/>
-          </a:solidFill>
-          <a:ln>
-            <a:noFill/>
-          </a:ln>
-        </p:spPr>
-        <p:style>
-          <a:lnRef idx="2">
-            <a:schemeClr val="accent1">
-              <a:shade val="15000"/>
-            </a:schemeClr>
-          </a:lnRef>
-          <a:fillRef idx="1">
-            <a:schemeClr val="accent1"/>
-          </a:fillRef>
-          <a:effectRef idx="0">
-            <a:schemeClr val="accent1"/>
-          </a:effectRef>
-          <a:fontRef idx="minor">
-            <a:schemeClr val="lt1"/>
-          </a:fontRef>
-        </p:style>
-        <p:txBody>
-          <a:bodyPr rtlCol="0" anchor="ctr"/>
-          <a:lstStyle/>
-          <a:p>
-            <a:pPr algn="ctr"/>
-            <a:r>
-              <a:rPr lang="en-US" altLang="ja-JP" dirty="0" err="1">
-                <a:solidFill>
-                  <a:srgbClr val="001746"/>
-                </a:solidFill>
-              </a:rPr>
-              <a:t>paraparachahan</a:t>
-            </a:r>
-            <a:endParaRPr kumimoji="1" lang="ja-JP" altLang="en-US" dirty="0">
-              <a:solidFill>
-                <a:srgbClr val="001746"/>
-              </a:solidFill>
-            </a:endParaRPr>
-          </a:p>
-        </p:txBody>
-      </p:sp>
-      <p:sp>
-        <p:nvSpPr>
-          <p:cNvPr id="32" name="四角形: 角を丸くする 31">
-            <a:extLst>
-              <a:ext uri="{FF2B5EF4-FFF2-40B4-BE49-F238E27FC236}">
-                <a16:creationId xmlns:a16="http://schemas.microsoft.com/office/drawing/2014/main" id="{ABF9D0DD-63D6-3555-DAC0-C38C9276558C}"/>
-              </a:ext>
-            </a:extLst>
-          </p:cNvPr>
-          <p:cNvSpPr/>
-          <p:nvPr/>
-        </p:nvSpPr>
-        <p:spPr>
-          <a:xfrm>
-            <a:off x="4440364" y="2693357"/>
-            <a:ext cx="3311272" cy="385956"/>
-          </a:xfrm>
-          <a:prstGeom prst="roundRect">
-            <a:avLst>
-              <a:gd name="adj" fmla="val 50000"/>
-            </a:avLst>
-          </a:prstGeom>
-          <a:solidFill>
-            <a:schemeClr val="bg1"/>
-          </a:solidFill>
-          <a:ln>
-            <a:noFill/>
-          </a:ln>
-        </p:spPr>
-        <p:style>
-          <a:lnRef idx="2">
-            <a:schemeClr val="accent1">
-              <a:shade val="15000"/>
-            </a:schemeClr>
-          </a:lnRef>
-          <a:fillRef idx="1">
-            <a:schemeClr val="accent1"/>
-          </a:fillRef>
-          <a:effectRef idx="0">
-            <a:schemeClr val="accent1"/>
-          </a:effectRef>
-          <a:fontRef idx="minor">
-            <a:schemeClr val="lt1"/>
-          </a:fontRef>
-        </p:style>
-        <p:txBody>
-          <a:bodyPr rtlCol="0" anchor="ctr"/>
-          <a:lstStyle/>
-          <a:p>
-            <a:pPr algn="ctr"/>
-            <a:r>
-              <a:rPr kumimoji="1" lang="en-US" altLang="ja-JP" dirty="0">
-                <a:solidFill>
-                  <a:srgbClr val="001746"/>
-                </a:solidFill>
-              </a:rPr>
-              <a:t>parapara@chahan.jp</a:t>
-            </a:r>
-            <a:endParaRPr kumimoji="1" lang="ja-JP" altLang="en-US" dirty="0">
-              <a:solidFill>
-                <a:srgbClr val="001746"/>
-              </a:solidFill>
-            </a:endParaRPr>
-          </a:p>
-        </p:txBody>
-      </p:sp>
-      <p:sp>
-        <p:nvSpPr>
-          <p:cNvPr id="33" name="四角形: 角を丸くする 32">
-            <a:extLst>
-              <a:ext uri="{FF2B5EF4-FFF2-40B4-BE49-F238E27FC236}">
-                <a16:creationId xmlns:a16="http://schemas.microsoft.com/office/drawing/2014/main" id="{EE3DD710-E014-5098-B71E-45198EE0964A}"/>
-              </a:ext>
-            </a:extLst>
-          </p:cNvPr>
-          <p:cNvSpPr/>
-          <p:nvPr/>
-        </p:nvSpPr>
-        <p:spPr>
-          <a:xfrm>
-            <a:off x="4474712" y="3502112"/>
-            <a:ext cx="3287233" cy="385956"/>
-          </a:xfrm>
-          <a:prstGeom prst="roundRect">
-            <a:avLst>
-              <a:gd name="adj" fmla="val 50000"/>
-            </a:avLst>
-          </a:prstGeom>
-          <a:solidFill>
-            <a:schemeClr val="bg1"/>
-          </a:solidFill>
-          <a:ln>
-            <a:noFill/>
-          </a:ln>
-        </p:spPr>
-        <p:style>
-          <a:lnRef idx="2">
-            <a:schemeClr val="accent1">
-              <a:shade val="15000"/>
-            </a:schemeClr>
-          </a:lnRef>
-          <a:fillRef idx="1">
-            <a:schemeClr val="accent1"/>
-          </a:fillRef>
-          <a:effectRef idx="0">
-            <a:schemeClr val="accent1"/>
-          </a:effectRef>
-          <a:fontRef idx="minor">
-            <a:schemeClr val="lt1"/>
-          </a:fontRef>
-        </p:style>
-        <p:txBody>
-          <a:bodyPr rtlCol="0" anchor="ctr"/>
-          <a:lstStyle/>
-          <a:p>
-            <a:pPr algn="ctr"/>
-            <a:r>
-              <a:rPr lang="ja-JP" altLang="en-US" dirty="0">
-                <a:solidFill>
-                  <a:srgbClr val="001746"/>
-                </a:solidFill>
-              </a:rPr>
-              <a:t>●●●●</a:t>
-            </a:r>
-            <a:endParaRPr kumimoji="1" lang="ja-JP" altLang="en-US" dirty="0">
-              <a:solidFill>
-                <a:srgbClr val="001746"/>
-              </a:solidFill>
-            </a:endParaRPr>
-          </a:p>
-        </p:txBody>
-      </p:sp>
-      <p:sp>
-        <p:nvSpPr>
-          <p:cNvPr id="34" name="四角形: 角を丸くする 33">
-            <a:extLst>
-              <a:ext uri="{FF2B5EF4-FFF2-40B4-BE49-F238E27FC236}">
-                <a16:creationId xmlns:a16="http://schemas.microsoft.com/office/drawing/2014/main" id="{79C24ABA-E5C9-0018-034F-F8574C74B416}"/>
-              </a:ext>
-            </a:extLst>
-          </p:cNvPr>
-          <p:cNvSpPr/>
-          <p:nvPr/>
-        </p:nvSpPr>
-        <p:spPr>
-          <a:xfrm>
-            <a:off x="4474712" y="5084254"/>
-            <a:ext cx="3287233" cy="385956"/>
-          </a:xfrm>
-          <a:prstGeom prst="roundRect">
-            <a:avLst>
-              <a:gd name="adj" fmla="val 50000"/>
-            </a:avLst>
-          </a:prstGeom>
-          <a:solidFill>
-            <a:schemeClr val="bg1"/>
-          </a:solidFill>
-          <a:ln>
-            <a:noFill/>
-          </a:ln>
-        </p:spPr>
-        <p:style>
-          <a:lnRef idx="2">
-            <a:schemeClr val="accent1">
-              <a:shade val="15000"/>
-            </a:schemeClr>
-          </a:lnRef>
-          <a:fillRef idx="1">
-            <a:schemeClr val="accent1"/>
-          </a:fillRef>
-          <a:effectRef idx="0">
-            <a:schemeClr val="accent1"/>
-          </a:effectRef>
-          <a:fontRef idx="minor">
-            <a:schemeClr val="lt1"/>
-          </a:fontRef>
-        </p:style>
-        <p:txBody>
-          <a:bodyPr rtlCol="0" anchor="ctr"/>
-          <a:lstStyle/>
-          <a:p>
-            <a:pPr algn="ctr"/>
-            <a:r>
-              <a:rPr kumimoji="1" lang="en-US" altLang="ja-JP" dirty="0" err="1">
-                <a:solidFill>
-                  <a:srgbClr val="001746"/>
-                </a:solidFill>
-              </a:rPr>
-              <a:t>Parachan</a:t>
-            </a:r>
-            <a:endParaRPr kumimoji="1" lang="ja-JP" altLang="en-US" dirty="0">
-              <a:solidFill>
-                <a:srgbClr val="001746"/>
-              </a:solidFill>
-            </a:endParaRPr>
-          </a:p>
-        </p:txBody>
-      </p:sp>
-      <p:sp>
-        <p:nvSpPr>
-          <p:cNvPr id="35" name="テキスト ボックス 34">
-            <a:extLst>
-              <a:ext uri="{FF2B5EF4-FFF2-40B4-BE49-F238E27FC236}">
-                <a16:creationId xmlns:a16="http://schemas.microsoft.com/office/drawing/2014/main" id="{9AE8BEFB-A94E-C9E3-91D8-E7224B60661F}"/>
-              </a:ext>
-            </a:extLst>
-          </p:cNvPr>
-          <p:cNvSpPr txBox="1"/>
-          <p:nvPr/>
-        </p:nvSpPr>
-        <p:spPr>
-          <a:xfrm>
-            <a:off x="3764771" y="4696000"/>
-            <a:ext cx="4651914" cy="338554"/>
-          </a:xfrm>
-          <a:prstGeom prst="rect">
-            <a:avLst/>
-          </a:prstGeom>
-          <a:solidFill>
-            <a:srgbClr val="F9E799"/>
-          </a:solidFill>
-        </p:spPr>
-        <p:txBody>
-          <a:bodyPr wrap="square" rtlCol="0">
-            <a:spAutoFit/>
-          </a:bodyPr>
-          <a:lstStyle/>
-          <a:p>
-            <a:pPr algn="ctr"/>
-            <a:r>
-              <a:rPr kumimoji="1" lang="en-US" altLang="ja-JP" sz="1600" dirty="0">
-                <a:solidFill>
-                  <a:srgbClr val="001746"/>
-                </a:solidFill>
-                <a:latin typeface="Kristen ITC" panose="03050502040202030202" pitchFamily="66" charset="0"/>
-                <a:ea typeface="UD デジタル 教科書体 NP-B" panose="02020700000000000000" pitchFamily="18" charset="-128"/>
-              </a:rPr>
-              <a:t>Nickname</a:t>
-            </a:r>
-            <a:endParaRPr kumimoji="1" lang="ja-JP" altLang="en-US" sz="1600" dirty="0">
-              <a:solidFill>
-                <a:srgbClr val="001746"/>
-              </a:solidFill>
-              <a:latin typeface="Kristen ITC" panose="03050502040202030202" pitchFamily="66" charset="0"/>
-              <a:ea typeface="UD デジタル 教科書体 NP-B" panose="02020700000000000000" pitchFamily="18" charset="-128"/>
-            </a:endParaRPr>
-          </a:p>
-        </p:txBody>
-      </p:sp>
-      <p:sp>
-        <p:nvSpPr>
-          <p:cNvPr id="36" name="四角形: 角を丸くする 35">
-            <a:extLst>
-              <a:ext uri="{FF2B5EF4-FFF2-40B4-BE49-F238E27FC236}">
-                <a16:creationId xmlns:a16="http://schemas.microsoft.com/office/drawing/2014/main" id="{14C5C34A-F129-4578-EB0C-8F357383BFA0}"/>
-              </a:ext>
-            </a:extLst>
-          </p:cNvPr>
-          <p:cNvSpPr/>
-          <p:nvPr/>
-        </p:nvSpPr>
-        <p:spPr>
-          <a:xfrm>
-            <a:off x="5103845" y="5699942"/>
-            <a:ext cx="1973765" cy="486842"/>
-          </a:xfrm>
-          <a:prstGeom prst="roundRect">
-            <a:avLst>
-              <a:gd name="adj" fmla="val 50000"/>
-            </a:avLst>
-          </a:prstGeom>
-          <a:solidFill>
-            <a:srgbClr val="001746"/>
-          </a:solidFill>
-          <a:ln>
-            <a:noFill/>
-          </a:ln>
-        </p:spPr>
-        <p:style>
-          <a:lnRef idx="2">
-            <a:schemeClr val="accent1">
-              <a:shade val="15000"/>
-            </a:schemeClr>
-          </a:lnRef>
-          <a:fillRef idx="1">
-            <a:schemeClr val="accent1"/>
-          </a:fillRef>
-          <a:effectRef idx="0">
-            <a:schemeClr val="accent1"/>
-          </a:effectRef>
-          <a:fontRef idx="minor">
-            <a:schemeClr val="lt1"/>
-          </a:fontRef>
-        </p:style>
-        <p:txBody>
-          <a:bodyPr rtlCol="0" anchor="ctr"/>
-          <a:lstStyle/>
-          <a:p>
-            <a:pPr algn="ctr"/>
-            <a:r>
-              <a:rPr kumimoji="1" lang="en-US" altLang="ja-JP" dirty="0">
-                <a:latin typeface="UD デジタル 教科書体 NP-B" panose="02020700000000000000" pitchFamily="18" charset="-128"/>
-                <a:ea typeface="UD デジタル 教科書体 NP-B" panose="02020700000000000000" pitchFamily="18" charset="-128"/>
-              </a:rPr>
-              <a:t>OK</a:t>
-            </a:r>
-            <a:endParaRPr kumimoji="1" lang="ja-JP" altLang="en-US" dirty="0">
-              <a:latin typeface="UD デジタル 教科書体 NP-B" panose="02020700000000000000" pitchFamily="18" charset="-128"/>
-              <a:ea typeface="UD デジタル 教科書体 NP-B" panose="02020700000000000000" pitchFamily="18" charset="-128"/>
-            </a:endParaRPr>
-          </a:p>
-        </p:txBody>
-      </p:sp>
-      <p:sp>
-        <p:nvSpPr>
-          <p:cNvPr id="2" name="テキスト ボックス 1">
-            <a:extLst>
-              <a:ext uri="{FF2B5EF4-FFF2-40B4-BE49-F238E27FC236}">
-                <a16:creationId xmlns:a16="http://schemas.microsoft.com/office/drawing/2014/main" id="{EE6BA040-91C8-1DDF-6982-96A4977CDCCF}"/>
-              </a:ext>
-            </a:extLst>
-          </p:cNvPr>
-          <p:cNvSpPr txBox="1"/>
-          <p:nvPr/>
-        </p:nvSpPr>
-        <p:spPr>
-          <a:xfrm>
-            <a:off x="3789564" y="3914902"/>
-            <a:ext cx="4651914" cy="338554"/>
-          </a:xfrm>
-          <a:prstGeom prst="rect">
-            <a:avLst/>
-          </a:prstGeom>
-          <a:solidFill>
-            <a:srgbClr val="F9E799"/>
-          </a:solidFill>
-        </p:spPr>
-        <p:txBody>
-          <a:bodyPr wrap="square" rtlCol="0">
-            <a:spAutoFit/>
-          </a:bodyPr>
-          <a:lstStyle/>
-          <a:p>
-            <a:pPr algn="ctr"/>
-            <a:r>
-              <a:rPr lang="en-US" altLang="ja-JP" sz="1600" dirty="0">
-                <a:solidFill>
-                  <a:srgbClr val="001746"/>
-                </a:solidFill>
-                <a:latin typeface="Kristen ITC" panose="03050502040202030202" pitchFamily="66" charset="0"/>
-                <a:ea typeface="UD デジタル 教科書体 NP-B" panose="02020700000000000000" pitchFamily="18" charset="-128"/>
-              </a:rPr>
-              <a:t>New Password</a:t>
-            </a:r>
-            <a:endParaRPr kumimoji="1" lang="ja-JP" altLang="en-US" sz="1600" dirty="0">
-              <a:solidFill>
-                <a:srgbClr val="001746"/>
-              </a:solidFill>
-              <a:latin typeface="Kristen ITC" panose="03050502040202030202" pitchFamily="66" charset="0"/>
-              <a:ea typeface="UD デジタル 教科書体 NP-B" panose="02020700000000000000" pitchFamily="18" charset="-128"/>
-            </a:endParaRPr>
-          </a:p>
-        </p:txBody>
-      </p:sp>
-      <p:sp>
-        <p:nvSpPr>
-          <p:cNvPr id="3" name="四角形: 角を丸くする 2">
-            <a:extLst>
-              <a:ext uri="{FF2B5EF4-FFF2-40B4-BE49-F238E27FC236}">
-                <a16:creationId xmlns:a16="http://schemas.microsoft.com/office/drawing/2014/main" id="{D58494F0-5D55-F985-4FB0-30DB4697EE74}"/>
-              </a:ext>
-            </a:extLst>
-          </p:cNvPr>
-          <p:cNvSpPr/>
-          <p:nvPr/>
-        </p:nvSpPr>
-        <p:spPr>
-          <a:xfrm>
-            <a:off x="4474712" y="4282329"/>
-            <a:ext cx="3287233" cy="385956"/>
-          </a:xfrm>
-          <a:prstGeom prst="roundRect">
-            <a:avLst>
-              <a:gd name="adj" fmla="val 50000"/>
-            </a:avLst>
-          </a:prstGeom>
-          <a:solidFill>
-            <a:schemeClr val="bg1"/>
-          </a:solidFill>
-          <a:ln>
-            <a:noFill/>
-          </a:ln>
-        </p:spPr>
-        <p:style>
-          <a:lnRef idx="2">
-            <a:schemeClr val="accent1">
-              <a:shade val="15000"/>
-            </a:schemeClr>
-          </a:lnRef>
-          <a:fillRef idx="1">
-            <a:schemeClr val="accent1"/>
-          </a:fillRef>
-          <a:effectRef idx="0">
-            <a:schemeClr val="accent1"/>
-          </a:effectRef>
-          <a:fontRef idx="minor">
-            <a:schemeClr val="lt1"/>
-          </a:fontRef>
-        </p:style>
-        <p:txBody>
-          <a:bodyPr rtlCol="0" anchor="ctr"/>
-          <a:lstStyle/>
-          <a:p>
-            <a:pPr algn="ctr"/>
-            <a:r>
-              <a:rPr lang="ja-JP" altLang="en-US" dirty="0">
-                <a:solidFill>
-                  <a:srgbClr val="001746"/>
-                </a:solidFill>
-              </a:rPr>
-              <a:t>●●●●</a:t>
-            </a:r>
-            <a:endParaRPr kumimoji="1" lang="ja-JP" altLang="en-US" dirty="0">
-              <a:solidFill>
-                <a:srgbClr val="001746"/>
-              </a:solidFill>
-            </a:endParaRPr>
-          </a:p>
-        </p:txBody>
-      </p:sp>
-    </p:spTree>
-    <p:extLst>
-      <p:ext uri="{BB962C8B-B14F-4D97-AF65-F5344CB8AC3E}">
-        <p14:creationId xmlns:p14="http://schemas.microsoft.com/office/powerpoint/2010/main" val="2231663231"/>
-      </p:ext>
-    </p:extLst>
-  </p:cSld>
-  <p:clrMapOvr>
-    <a:masterClrMapping/>
-  </p:clrMapOvr>
-</p:sld>
-</file>
-
-<file path=ppt/slides/slide6.xml><?xml version="1.0" encoding="utf-8"?>
-<p:sld xmlns:a="http://schemas.openxmlformats.org/drawingml/2006/main" xmlns:r="http://schemas.openxmlformats.org/officeDocument/2006/relationships" xmlns:p="http://schemas.openxmlformats.org/presentationml/2006/main">
-  <p:cSld>
-    <p:spTree>
-      <p:nvGrpSpPr>
-        <p:cNvPr id="1" name=""/>
-        <p:cNvGrpSpPr/>
-        <p:nvPr/>
-      </p:nvGrpSpPr>
-      <p:grpSpPr>
-        <a:xfrm>
-          <a:off x="0" y="0"/>
-          <a:ext cx="0" cy="0"/>
-          <a:chOff x="0" y="0"/>
-          <a:chExt cx="0" cy="0"/>
-        </a:xfrm>
-      </p:grpSpPr>
-      <p:sp>
-        <p:nvSpPr>
-          <p:cNvPr id="2" name="正方形/長方形 1">
-            <a:extLst>
-              <a:ext uri="{FF2B5EF4-FFF2-40B4-BE49-F238E27FC236}">
-                <a16:creationId xmlns:a16="http://schemas.microsoft.com/office/drawing/2014/main" id="{4EACDB33-D278-4E96-4B83-CB0DA0017812}"/>
-              </a:ext>
-            </a:extLst>
-          </p:cNvPr>
-          <p:cNvSpPr/>
-          <p:nvPr/>
-        </p:nvSpPr>
-        <p:spPr>
-          <a:xfrm>
-            <a:off x="0" y="0"/>
-            <a:ext cx="12192000" cy="1386348"/>
-          </a:xfrm>
-          <a:prstGeom prst="rect">
-            <a:avLst/>
-          </a:prstGeom>
-          <a:solidFill>
-            <a:srgbClr val="F5F5F5"/>
-          </a:solidFill>
-          <a:ln>
-            <a:noFill/>
-          </a:ln>
-        </p:spPr>
-        <p:style>
-          <a:lnRef idx="2">
-            <a:schemeClr val="accent1">
-              <a:shade val="15000"/>
-            </a:schemeClr>
-          </a:lnRef>
-          <a:fillRef idx="1">
-            <a:schemeClr val="accent1"/>
-          </a:fillRef>
-          <a:effectRef idx="0">
-            <a:schemeClr val="accent1"/>
-          </a:effectRef>
-          <a:fontRef idx="minor">
-            <a:schemeClr val="lt1"/>
-          </a:fontRef>
-        </p:style>
-        <p:txBody>
-          <a:bodyPr rtlCol="0" anchor="ctr"/>
-          <a:lstStyle/>
-          <a:p>
-            <a:pPr algn="ctr"/>
-            <a:endParaRPr kumimoji="1" lang="ja-JP" altLang="en-US"/>
-          </a:p>
-        </p:txBody>
-      </p:sp>
-      <p:pic>
-        <p:nvPicPr>
-          <p:cNvPr id="3" name="図 2" descr="ロゴ&#10;&#10;中程度の精度で自動的に生成された説明">
-            <a:extLst>
-              <a:ext uri="{FF2B5EF4-FFF2-40B4-BE49-F238E27FC236}">
-                <a16:creationId xmlns:a16="http://schemas.microsoft.com/office/drawing/2014/main" id="{90677610-C373-EFD4-017B-EAF5C0AA7686}"/>
-              </a:ext>
-            </a:extLst>
-          </p:cNvPr>
-          <p:cNvPicPr>
-            <a:picLocks noChangeAspect="1"/>
-          </p:cNvPicPr>
-          <p:nvPr/>
-        </p:nvPicPr>
-        <p:blipFill rotWithShape="1">
-          <a:blip r:embed="rId3">
-            <a:extLst>
-              <a:ext uri="{28A0092B-C50C-407E-A947-70E740481C1C}">
-                <a14:useLocalDpi xmlns:a14="http://schemas.microsoft.com/office/drawing/2010/main" val="0"/>
-              </a:ext>
-            </a:extLst>
-          </a:blip>
-          <a:srcRect l="14562" t="11298" b="30517"/>
-          <a:stretch/>
-        </p:blipFill>
-        <p:spPr>
-          <a:xfrm>
-            <a:off x="4826940" y="196644"/>
-            <a:ext cx="2538120" cy="1012723"/>
-          </a:xfrm>
-          <a:prstGeom prst="rect">
-            <a:avLst/>
-          </a:prstGeom>
-        </p:spPr>
-      </p:pic>
-      <p:grpSp>
-        <p:nvGrpSpPr>
-          <p:cNvPr id="4" name="グループ化 3">
-            <a:extLst>
-              <a:ext uri="{FF2B5EF4-FFF2-40B4-BE49-F238E27FC236}">
-                <a16:creationId xmlns:a16="http://schemas.microsoft.com/office/drawing/2014/main" id="{329BA7C7-A952-CC36-20BF-41CF8CC2B67C}"/>
-              </a:ext>
-            </a:extLst>
-          </p:cNvPr>
-          <p:cNvGrpSpPr/>
-          <p:nvPr/>
-        </p:nvGrpSpPr>
-        <p:grpSpPr>
-          <a:xfrm>
-            <a:off x="317581" y="277924"/>
-            <a:ext cx="924233" cy="1234235"/>
-            <a:chOff x="266781" y="196644"/>
-            <a:chExt cx="924233" cy="1234235"/>
-          </a:xfrm>
-        </p:grpSpPr>
-        <p:sp>
-          <p:nvSpPr>
-            <p:cNvPr id="5" name="フローチャート: 結合子 4">
-              <a:extLst>
-                <a:ext uri="{FF2B5EF4-FFF2-40B4-BE49-F238E27FC236}">
-                  <a16:creationId xmlns:a16="http://schemas.microsoft.com/office/drawing/2014/main" id="{47EE03C1-417B-88F6-FDC6-9C47B48C9432}"/>
-                </a:ext>
-              </a:extLst>
-            </p:cNvPr>
-            <p:cNvSpPr/>
-            <p:nvPr/>
-          </p:nvSpPr>
-          <p:spPr>
-            <a:xfrm>
-              <a:off x="266781" y="196644"/>
-              <a:ext cx="924233" cy="924233"/>
-            </a:xfrm>
-            <a:prstGeom prst="flowChartConnector">
-              <a:avLst/>
-            </a:prstGeom>
-            <a:noFill/>
-            <a:ln w="28575">
-              <a:solidFill>
-                <a:srgbClr val="EA7B6B"/>
-              </a:solidFill>
-            </a:ln>
-          </p:spPr>
-          <p:style>
-            <a:lnRef idx="2">
-              <a:schemeClr val="accent1">
-                <a:shade val="15000"/>
-              </a:schemeClr>
-            </a:lnRef>
-            <a:fillRef idx="1">
-              <a:schemeClr val="accent1"/>
-            </a:fillRef>
-            <a:effectRef idx="0">
-              <a:schemeClr val="accent1"/>
-            </a:effectRef>
-            <a:fontRef idx="minor">
-              <a:schemeClr val="lt1"/>
-            </a:fontRef>
-          </p:style>
-          <p:txBody>
-            <a:bodyPr rtlCol="0" anchor="ctr"/>
-            <a:lstStyle/>
-            <a:p>
-              <a:pPr algn="ctr"/>
-              <a:endParaRPr kumimoji="1" lang="ja-JP" altLang="en-US"/>
-            </a:p>
-          </p:txBody>
-        </p:sp>
-        <p:sp>
-          <p:nvSpPr>
-            <p:cNvPr id="6" name="フローチャート: 結合子 5">
-              <a:extLst>
-                <a:ext uri="{FF2B5EF4-FFF2-40B4-BE49-F238E27FC236}">
-                  <a16:creationId xmlns:a16="http://schemas.microsoft.com/office/drawing/2014/main" id="{2B1C132E-FFE0-8F97-83E9-F824738228FA}"/>
-                </a:ext>
-              </a:extLst>
-            </p:cNvPr>
-            <p:cNvSpPr/>
-            <p:nvPr/>
-          </p:nvSpPr>
-          <p:spPr>
-            <a:xfrm>
-              <a:off x="545771" y="319548"/>
-              <a:ext cx="366250" cy="349044"/>
-            </a:xfrm>
-            <a:prstGeom prst="flowChartConnector">
-              <a:avLst/>
-            </a:prstGeom>
-            <a:noFill/>
-            <a:ln w="28575">
-              <a:solidFill>
-                <a:srgbClr val="EA7B6B"/>
-              </a:solidFill>
-            </a:ln>
-          </p:spPr>
-          <p:style>
-            <a:lnRef idx="2">
-              <a:schemeClr val="accent1">
-                <a:shade val="15000"/>
-              </a:schemeClr>
-            </a:lnRef>
-            <a:fillRef idx="1">
-              <a:schemeClr val="accent1"/>
-            </a:fillRef>
-            <a:effectRef idx="0">
-              <a:schemeClr val="accent1"/>
-            </a:effectRef>
-            <a:fontRef idx="minor">
-              <a:schemeClr val="lt1"/>
-            </a:fontRef>
-          </p:style>
-          <p:txBody>
-            <a:bodyPr rtlCol="0" anchor="ctr"/>
-            <a:lstStyle/>
-            <a:p>
-              <a:pPr algn="ctr"/>
-              <a:endParaRPr kumimoji="1" lang="ja-JP" altLang="en-US"/>
-            </a:p>
-          </p:txBody>
-        </p:sp>
-        <p:sp>
-          <p:nvSpPr>
-            <p:cNvPr id="7" name="円弧 6">
-              <a:extLst>
-                <a:ext uri="{FF2B5EF4-FFF2-40B4-BE49-F238E27FC236}">
-                  <a16:creationId xmlns:a16="http://schemas.microsoft.com/office/drawing/2014/main" id="{ADD0E8F1-ED4C-92D8-5152-3BEBF7347DF4}"/>
-                </a:ext>
-              </a:extLst>
-            </p:cNvPr>
-            <p:cNvSpPr/>
-            <p:nvPr/>
-          </p:nvSpPr>
-          <p:spPr>
-            <a:xfrm rot="19079286">
-              <a:off x="374934" y="732788"/>
-              <a:ext cx="707924" cy="698091"/>
-            </a:xfrm>
-            <a:prstGeom prst="arc">
-              <a:avLst/>
-            </a:prstGeom>
-            <a:ln w="28575">
-              <a:solidFill>
-                <a:srgbClr val="EA7B6B"/>
-              </a:solidFill>
-            </a:ln>
-          </p:spPr>
-          <p:style>
-            <a:lnRef idx="1">
-              <a:schemeClr val="accent1"/>
-            </a:lnRef>
-            <a:fillRef idx="0">
-              <a:schemeClr val="accent1"/>
-            </a:fillRef>
-            <a:effectRef idx="0">
-              <a:schemeClr val="accent1"/>
-            </a:effectRef>
-            <a:fontRef idx="minor">
-              <a:schemeClr val="tx1"/>
-            </a:fontRef>
-          </p:style>
-          <p:txBody>
-            <a:bodyPr rtlCol="0" anchor="ctr"/>
-            <a:lstStyle/>
-            <a:p>
-              <a:pPr algn="ctr"/>
-              <a:endParaRPr kumimoji="1" lang="ja-JP" altLang="en-US"/>
-            </a:p>
-          </p:txBody>
-        </p:sp>
-      </p:grpSp>
-      <p:sp>
-        <p:nvSpPr>
-          <p:cNvPr id="8" name="テキスト ボックス 7">
-            <a:extLst>
-              <a:ext uri="{FF2B5EF4-FFF2-40B4-BE49-F238E27FC236}">
-                <a16:creationId xmlns:a16="http://schemas.microsoft.com/office/drawing/2014/main" id="{EB500DF1-82BB-4D47-5EF1-B2F6CFEC1B8A}"/>
-              </a:ext>
-            </a:extLst>
-          </p:cNvPr>
-          <p:cNvSpPr txBox="1"/>
-          <p:nvPr/>
-        </p:nvSpPr>
-        <p:spPr>
-          <a:xfrm>
-            <a:off x="9558094" y="806695"/>
-            <a:ext cx="2401617" cy="461665"/>
-          </a:xfrm>
-          <a:prstGeom prst="rect">
-            <a:avLst/>
-          </a:prstGeom>
-          <a:noFill/>
-        </p:spPr>
-        <p:txBody>
-          <a:bodyPr wrap="square" rtlCol="0">
-            <a:spAutoFit/>
-          </a:bodyPr>
-          <a:lstStyle/>
-          <a:p>
-            <a:r>
-              <a:rPr kumimoji="1" lang="en-US" altLang="ja-JP" sz="2400" dirty="0">
-                <a:solidFill>
-                  <a:srgbClr val="001746"/>
-                </a:solidFill>
-                <a:latin typeface="Kristen ITC" panose="03050502040202030202" pitchFamily="66" charset="0"/>
-              </a:rPr>
-              <a:t>2024/06/07 (Fri)</a:t>
-            </a:r>
-            <a:endParaRPr kumimoji="1" lang="ja-JP" altLang="en-US" sz="2400" dirty="0">
-              <a:solidFill>
-                <a:srgbClr val="001746"/>
-              </a:solidFill>
-              <a:latin typeface="Kristen ITC" panose="03050502040202030202" pitchFamily="66" charset="0"/>
-            </a:endParaRPr>
-          </a:p>
-        </p:txBody>
-      </p:sp>
-      <p:sp>
-        <p:nvSpPr>
-          <p:cNvPr id="9" name="正方形/長方形 8">
-            <a:extLst>
-              <a:ext uri="{FF2B5EF4-FFF2-40B4-BE49-F238E27FC236}">
-                <a16:creationId xmlns:a16="http://schemas.microsoft.com/office/drawing/2014/main" id="{D53C526D-B094-8918-A557-24C3499CAA14}"/>
-              </a:ext>
-            </a:extLst>
-          </p:cNvPr>
-          <p:cNvSpPr/>
-          <p:nvPr/>
-        </p:nvSpPr>
-        <p:spPr>
-          <a:xfrm>
-            <a:off x="0" y="6459794"/>
-            <a:ext cx="12192000" cy="398206"/>
-          </a:xfrm>
-          <a:prstGeom prst="rect">
-            <a:avLst/>
-          </a:prstGeom>
-          <a:solidFill>
-            <a:srgbClr val="F5F5F5"/>
-          </a:solidFill>
-          <a:ln>
-            <a:noFill/>
-          </a:ln>
-        </p:spPr>
-        <p:style>
-          <a:lnRef idx="2">
-            <a:schemeClr val="accent1">
-              <a:shade val="15000"/>
-            </a:schemeClr>
-          </a:lnRef>
-          <a:fillRef idx="1">
-            <a:schemeClr val="accent1"/>
-          </a:fillRef>
-          <a:effectRef idx="0">
-            <a:schemeClr val="accent1"/>
-          </a:effectRef>
-          <a:fontRef idx="minor">
-            <a:schemeClr val="lt1"/>
-          </a:fontRef>
-        </p:style>
-        <p:txBody>
-          <a:bodyPr rtlCol="0" anchor="ctr"/>
-          <a:lstStyle/>
-          <a:p>
-            <a:pPr algn="ctr"/>
-            <a:endParaRPr kumimoji="1" lang="ja-JP" altLang="en-US"/>
-          </a:p>
-        </p:txBody>
-      </p:sp>
-      <p:sp>
-        <p:nvSpPr>
-          <p:cNvPr id="10" name="テキスト ボックス 9">
-            <a:extLst>
-              <a:ext uri="{FF2B5EF4-FFF2-40B4-BE49-F238E27FC236}">
-                <a16:creationId xmlns:a16="http://schemas.microsoft.com/office/drawing/2014/main" id="{D2E0BB24-9F6B-FCE0-B878-91A73ADBBABD}"/>
-              </a:ext>
-            </a:extLst>
-          </p:cNvPr>
-          <p:cNvSpPr txBox="1"/>
-          <p:nvPr/>
-        </p:nvSpPr>
-        <p:spPr>
-          <a:xfrm>
-            <a:off x="3861424" y="6505008"/>
-            <a:ext cx="4490720" cy="307777"/>
-          </a:xfrm>
-          <a:prstGeom prst="rect">
-            <a:avLst/>
-          </a:prstGeom>
-          <a:noFill/>
-        </p:spPr>
-        <p:txBody>
-          <a:bodyPr wrap="square" rtlCol="0">
-            <a:spAutoFit/>
-          </a:bodyPr>
-          <a:lstStyle/>
-          <a:p>
-            <a:r>
-              <a:rPr kumimoji="1" lang="en-US" altLang="ja-JP" sz="1400" dirty="0">
-                <a:solidFill>
-                  <a:srgbClr val="001746"/>
-                </a:solidFill>
-              </a:rPr>
-              <a:t>Copyright </a:t>
-            </a:r>
-            <a:r>
-              <a:rPr kumimoji="1" lang="en-US" altLang="ja-JP" sz="1400" dirty="0" err="1">
-                <a:solidFill>
-                  <a:srgbClr val="001746"/>
-                </a:solidFill>
-              </a:rPr>
-              <a:t>paraparaChahan</a:t>
-            </a:r>
-            <a:r>
-              <a:rPr kumimoji="1" lang="en-US" altLang="ja-JP" sz="1400" dirty="0">
-                <a:solidFill>
-                  <a:srgbClr val="001746"/>
-                </a:solidFill>
-              </a:rPr>
-              <a:t>(PLUS DOJO). All rights reserved.</a:t>
-            </a:r>
-            <a:endParaRPr kumimoji="1" lang="ja-JP" altLang="en-US" sz="1400" dirty="0">
-              <a:solidFill>
-                <a:srgbClr val="001746"/>
-              </a:solidFill>
-            </a:endParaRPr>
-          </a:p>
-        </p:txBody>
-      </p:sp>
-      <p:sp>
-        <p:nvSpPr>
-          <p:cNvPr id="11" name="四角形: 角を丸くする 10">
-            <a:extLst>
-              <a:ext uri="{FF2B5EF4-FFF2-40B4-BE49-F238E27FC236}">
-                <a16:creationId xmlns:a16="http://schemas.microsoft.com/office/drawing/2014/main" id="{C8CB9416-11D2-A1EC-7D44-949F6B1EB429}"/>
-              </a:ext>
-            </a:extLst>
-          </p:cNvPr>
-          <p:cNvSpPr/>
-          <p:nvPr/>
-        </p:nvSpPr>
-        <p:spPr>
-          <a:xfrm>
-            <a:off x="1854680" y="1725283"/>
-            <a:ext cx="2360481" cy="2177644"/>
-          </a:xfrm>
-          <a:prstGeom prst="roundRect">
-            <a:avLst>
-              <a:gd name="adj" fmla="val 11781"/>
-            </a:avLst>
-          </a:prstGeom>
-          <a:solidFill>
-            <a:srgbClr val="F9E799"/>
-          </a:solidFill>
-          <a:ln>
-            <a:noFill/>
-          </a:ln>
-        </p:spPr>
-        <p:style>
-          <a:lnRef idx="2">
-            <a:schemeClr val="accent1">
-              <a:shade val="15000"/>
-            </a:schemeClr>
-          </a:lnRef>
-          <a:fillRef idx="1">
-            <a:schemeClr val="accent1"/>
-          </a:fillRef>
-          <a:effectRef idx="0">
-            <a:schemeClr val="accent1"/>
-          </a:effectRef>
-          <a:fontRef idx="minor">
-            <a:schemeClr val="lt1"/>
-          </a:fontRef>
-        </p:style>
-        <p:txBody>
-          <a:bodyPr rtlCol="0" anchor="ctr"/>
-          <a:lstStyle/>
-          <a:p>
-            <a:pPr algn="ctr"/>
-            <a:endParaRPr kumimoji="1" lang="ja-JP" altLang="en-US" dirty="0"/>
-          </a:p>
-        </p:txBody>
-      </p:sp>
-      <p:sp>
-        <p:nvSpPr>
-          <p:cNvPr id="12" name="四角形: 角を丸くする 11">
-            <a:extLst>
-              <a:ext uri="{FF2B5EF4-FFF2-40B4-BE49-F238E27FC236}">
-                <a16:creationId xmlns:a16="http://schemas.microsoft.com/office/drawing/2014/main" id="{93B1C024-3636-1A66-6187-D7B3EE299044}"/>
-              </a:ext>
-            </a:extLst>
-          </p:cNvPr>
-          <p:cNvSpPr/>
-          <p:nvPr/>
-        </p:nvSpPr>
-        <p:spPr>
-          <a:xfrm>
-            <a:off x="4915759" y="1745427"/>
-            <a:ext cx="2360481" cy="2177644"/>
-          </a:xfrm>
-          <a:prstGeom prst="roundRect">
-            <a:avLst>
-              <a:gd name="adj" fmla="val 11781"/>
-            </a:avLst>
-          </a:prstGeom>
-          <a:solidFill>
-            <a:srgbClr val="F9E799"/>
-          </a:solidFill>
-          <a:ln>
-            <a:noFill/>
-          </a:ln>
-        </p:spPr>
-        <p:style>
-          <a:lnRef idx="2">
-            <a:schemeClr val="accent1">
-              <a:shade val="15000"/>
-            </a:schemeClr>
-          </a:lnRef>
-          <a:fillRef idx="1">
-            <a:schemeClr val="accent1"/>
-          </a:fillRef>
-          <a:effectRef idx="0">
-            <a:schemeClr val="accent1"/>
-          </a:effectRef>
-          <a:fontRef idx="minor">
-            <a:schemeClr val="lt1"/>
-          </a:fontRef>
-        </p:style>
-        <p:txBody>
-          <a:bodyPr rtlCol="0" anchor="ctr"/>
-          <a:lstStyle/>
-          <a:p>
-            <a:pPr algn="ctr"/>
-            <a:endParaRPr kumimoji="1" lang="ja-JP" altLang="en-US" dirty="0"/>
-          </a:p>
-        </p:txBody>
-      </p:sp>
-      <p:sp>
-        <p:nvSpPr>
-          <p:cNvPr id="13" name="四角形: 角を丸くする 12">
-            <a:extLst>
-              <a:ext uri="{FF2B5EF4-FFF2-40B4-BE49-F238E27FC236}">
-                <a16:creationId xmlns:a16="http://schemas.microsoft.com/office/drawing/2014/main" id="{D50C44EF-F437-C530-EC1D-C34492AF1C8F}"/>
-              </a:ext>
-            </a:extLst>
-          </p:cNvPr>
-          <p:cNvSpPr/>
-          <p:nvPr/>
-        </p:nvSpPr>
-        <p:spPr>
-          <a:xfrm>
-            <a:off x="7976838" y="1725283"/>
-            <a:ext cx="2360481" cy="2177644"/>
-          </a:xfrm>
-          <a:prstGeom prst="roundRect">
-            <a:avLst>
-              <a:gd name="adj" fmla="val 11781"/>
-            </a:avLst>
-          </a:prstGeom>
-          <a:solidFill>
-            <a:srgbClr val="F9E799"/>
-          </a:solidFill>
-          <a:ln>
-            <a:noFill/>
-          </a:ln>
-        </p:spPr>
-        <p:style>
-          <a:lnRef idx="2">
-            <a:schemeClr val="accent1">
-              <a:shade val="15000"/>
-            </a:schemeClr>
-          </a:lnRef>
-          <a:fillRef idx="1">
-            <a:schemeClr val="accent1"/>
-          </a:fillRef>
-          <a:effectRef idx="0">
-            <a:schemeClr val="accent1"/>
-          </a:effectRef>
-          <a:fontRef idx="minor">
-            <a:schemeClr val="lt1"/>
-          </a:fontRef>
-        </p:style>
-        <p:txBody>
-          <a:bodyPr rtlCol="0" anchor="ctr"/>
-          <a:lstStyle/>
-          <a:p>
-            <a:pPr algn="ctr"/>
-            <a:endParaRPr kumimoji="1" lang="ja-JP" altLang="en-US" dirty="0"/>
-          </a:p>
-        </p:txBody>
-      </p:sp>
-      <p:sp>
-        <p:nvSpPr>
-          <p:cNvPr id="14" name="四角形: 角を丸くする 13">
-            <a:extLst>
-              <a:ext uri="{FF2B5EF4-FFF2-40B4-BE49-F238E27FC236}">
-                <a16:creationId xmlns:a16="http://schemas.microsoft.com/office/drawing/2014/main" id="{70FB40BF-E2D8-365B-F902-77AA6196C020}"/>
-              </a:ext>
-            </a:extLst>
-          </p:cNvPr>
-          <p:cNvSpPr/>
-          <p:nvPr/>
-        </p:nvSpPr>
-        <p:spPr>
-          <a:xfrm>
-            <a:off x="1854680" y="4241862"/>
-            <a:ext cx="2360481" cy="2177644"/>
-          </a:xfrm>
-          <a:prstGeom prst="roundRect">
-            <a:avLst>
-              <a:gd name="adj" fmla="val 11781"/>
-            </a:avLst>
-          </a:prstGeom>
-          <a:solidFill>
-            <a:srgbClr val="F9E799"/>
-          </a:solidFill>
-          <a:ln>
-            <a:noFill/>
-          </a:ln>
-        </p:spPr>
-        <p:style>
-          <a:lnRef idx="2">
-            <a:schemeClr val="accent1">
-              <a:shade val="15000"/>
-            </a:schemeClr>
-          </a:lnRef>
-          <a:fillRef idx="1">
-            <a:schemeClr val="accent1"/>
-          </a:fillRef>
-          <a:effectRef idx="0">
-            <a:schemeClr val="accent1"/>
-          </a:effectRef>
-          <a:fontRef idx="minor">
-            <a:schemeClr val="lt1"/>
-          </a:fontRef>
-        </p:style>
-        <p:txBody>
-          <a:bodyPr rtlCol="0" anchor="ctr"/>
-          <a:lstStyle/>
-          <a:p>
-            <a:pPr algn="ctr"/>
-            <a:endParaRPr kumimoji="1" lang="ja-JP" altLang="en-US" dirty="0"/>
-          </a:p>
-        </p:txBody>
-      </p:sp>
-      <p:sp>
-        <p:nvSpPr>
-          <p:cNvPr id="15" name="四角形: 角を丸くする 14">
-            <a:extLst>
-              <a:ext uri="{FF2B5EF4-FFF2-40B4-BE49-F238E27FC236}">
-                <a16:creationId xmlns:a16="http://schemas.microsoft.com/office/drawing/2014/main" id="{97D47777-951E-BE1D-C13F-BFEE903E566E}"/>
-              </a:ext>
-            </a:extLst>
-          </p:cNvPr>
-          <p:cNvSpPr/>
-          <p:nvPr/>
-        </p:nvSpPr>
-        <p:spPr>
-          <a:xfrm>
-            <a:off x="4915758" y="4236935"/>
-            <a:ext cx="2360481" cy="2177644"/>
-          </a:xfrm>
-          <a:prstGeom prst="roundRect">
-            <a:avLst>
-              <a:gd name="adj" fmla="val 11781"/>
-            </a:avLst>
-          </a:prstGeom>
-          <a:solidFill>
-            <a:srgbClr val="F9E799"/>
-          </a:solidFill>
-          <a:ln>
-            <a:noFill/>
-          </a:ln>
-        </p:spPr>
-        <p:style>
-          <a:lnRef idx="2">
-            <a:schemeClr val="accent1">
-              <a:shade val="15000"/>
-            </a:schemeClr>
-          </a:lnRef>
-          <a:fillRef idx="1">
-            <a:schemeClr val="accent1"/>
-          </a:fillRef>
-          <a:effectRef idx="0">
-            <a:schemeClr val="accent1"/>
-          </a:effectRef>
-          <a:fontRef idx="minor">
-            <a:schemeClr val="lt1"/>
-          </a:fontRef>
-        </p:style>
-        <p:txBody>
-          <a:bodyPr rtlCol="0" anchor="ctr"/>
-          <a:lstStyle/>
-          <a:p>
-            <a:pPr algn="ctr"/>
-            <a:endParaRPr kumimoji="1" lang="ja-JP" altLang="en-US" dirty="0"/>
-          </a:p>
-        </p:txBody>
-      </p:sp>
-      <p:sp>
-        <p:nvSpPr>
-          <p:cNvPr id="16" name="四角形: 角を丸くする 15">
-            <a:extLst>
-              <a:ext uri="{FF2B5EF4-FFF2-40B4-BE49-F238E27FC236}">
-                <a16:creationId xmlns:a16="http://schemas.microsoft.com/office/drawing/2014/main" id="{246BAD66-53A2-310E-BF61-B943A5211592}"/>
-              </a:ext>
-            </a:extLst>
-          </p:cNvPr>
-          <p:cNvSpPr/>
-          <p:nvPr/>
-        </p:nvSpPr>
-        <p:spPr>
-          <a:xfrm>
-            <a:off x="7976836" y="4236935"/>
-            <a:ext cx="2360481" cy="2177644"/>
-          </a:xfrm>
-          <a:prstGeom prst="roundRect">
-            <a:avLst>
-              <a:gd name="adj" fmla="val 11781"/>
-            </a:avLst>
-          </a:prstGeom>
-          <a:noFill/>
-          <a:ln w="57150">
-            <a:solidFill>
-              <a:srgbClr val="F9E799"/>
-            </a:solidFill>
-            <a:prstDash val="dash"/>
-          </a:ln>
-        </p:spPr>
-        <p:style>
-          <a:lnRef idx="2">
-            <a:schemeClr val="accent1">
-              <a:shade val="15000"/>
-            </a:schemeClr>
-          </a:lnRef>
-          <a:fillRef idx="1">
-            <a:schemeClr val="accent1"/>
-          </a:fillRef>
-          <a:effectRef idx="0">
-            <a:schemeClr val="accent1"/>
-          </a:effectRef>
-          <a:fontRef idx="minor">
-            <a:schemeClr val="lt1"/>
-          </a:fontRef>
-        </p:style>
-        <p:txBody>
-          <a:bodyPr rtlCol="0" anchor="ctr"/>
-          <a:lstStyle/>
-          <a:p>
-            <a:pPr algn="ctr"/>
-            <a:endParaRPr kumimoji="1" lang="ja-JP" altLang="en-US" dirty="0"/>
-          </a:p>
-        </p:txBody>
-      </p:sp>
-      <p:sp>
-        <p:nvSpPr>
-          <p:cNvPr id="17" name="十字形 16">
-            <a:extLst>
-              <a:ext uri="{FF2B5EF4-FFF2-40B4-BE49-F238E27FC236}">
-                <a16:creationId xmlns:a16="http://schemas.microsoft.com/office/drawing/2014/main" id="{9A1E17CC-5FFB-20E6-264A-E78F1B77C85F}"/>
-              </a:ext>
-            </a:extLst>
-          </p:cNvPr>
-          <p:cNvSpPr/>
-          <p:nvPr/>
-        </p:nvSpPr>
-        <p:spPr>
-          <a:xfrm>
-            <a:off x="8616242" y="4779347"/>
-            <a:ext cx="1081668" cy="1092819"/>
-          </a:xfrm>
-          <a:prstGeom prst="plus">
-            <a:avLst>
-              <a:gd name="adj" fmla="val 45306"/>
-            </a:avLst>
-          </a:prstGeom>
-          <a:solidFill>
-            <a:srgbClr val="F9E799"/>
-          </a:solidFill>
-          <a:ln>
-            <a:solidFill>
-              <a:srgbClr val="F9E799"/>
-            </a:solidFill>
-          </a:ln>
-        </p:spPr>
-        <p:style>
-          <a:lnRef idx="2">
-            <a:schemeClr val="accent1">
-              <a:shade val="15000"/>
-            </a:schemeClr>
-          </a:lnRef>
-          <a:fillRef idx="1">
-            <a:schemeClr val="accent1"/>
-          </a:fillRef>
-          <a:effectRef idx="0">
-            <a:schemeClr val="accent1"/>
-          </a:effectRef>
-          <a:fontRef idx="minor">
-            <a:schemeClr val="lt1"/>
-          </a:fontRef>
-        </p:style>
-        <p:txBody>
-          <a:bodyPr rtlCol="0" anchor="ctr"/>
-          <a:lstStyle/>
-          <a:p>
-            <a:pPr algn="ctr"/>
-            <a:endParaRPr kumimoji="1" lang="ja-JP" altLang="en-US"/>
-          </a:p>
-        </p:txBody>
-      </p:sp>
-      <p:sp>
-        <p:nvSpPr>
-          <p:cNvPr id="21" name="四角形: 角を丸くする 20">
-            <a:extLst>
-              <a:ext uri="{FF2B5EF4-FFF2-40B4-BE49-F238E27FC236}">
-                <a16:creationId xmlns:a16="http://schemas.microsoft.com/office/drawing/2014/main" id="{B29C8612-9C4D-8CFF-CD60-EB2D61583539}"/>
-              </a:ext>
-            </a:extLst>
-          </p:cNvPr>
-          <p:cNvSpPr/>
-          <p:nvPr/>
-        </p:nvSpPr>
-        <p:spPr>
-          <a:xfrm>
-            <a:off x="2354695" y="2184840"/>
-            <a:ext cx="1325207" cy="1258530"/>
-          </a:xfrm>
-          <a:prstGeom prst="roundRect">
-            <a:avLst/>
-          </a:prstGeom>
-          <a:solidFill>
-            <a:schemeClr val="bg1"/>
-          </a:solidFill>
-          <a:ln>
-            <a:noFill/>
-          </a:ln>
-        </p:spPr>
-        <p:style>
-          <a:lnRef idx="2">
-            <a:schemeClr val="accent1">
-              <a:shade val="15000"/>
-            </a:schemeClr>
-          </a:lnRef>
-          <a:fillRef idx="1">
-            <a:schemeClr val="accent1"/>
-          </a:fillRef>
-          <a:effectRef idx="0">
-            <a:schemeClr val="accent1"/>
-          </a:effectRef>
-          <a:fontRef idx="minor">
-            <a:schemeClr val="lt1"/>
-          </a:fontRef>
-        </p:style>
-        <p:txBody>
-          <a:bodyPr rtlCol="0" anchor="ctr"/>
-          <a:lstStyle/>
-          <a:p>
-            <a:pPr algn="ctr"/>
-            <a:endParaRPr kumimoji="1" lang="ja-JP" altLang="en-US"/>
-          </a:p>
-        </p:txBody>
-      </p:sp>
-      <p:sp>
-        <p:nvSpPr>
-          <p:cNvPr id="22" name="四角形: 角を丸くする 21">
-            <a:extLst>
-              <a:ext uri="{FF2B5EF4-FFF2-40B4-BE49-F238E27FC236}">
-                <a16:creationId xmlns:a16="http://schemas.microsoft.com/office/drawing/2014/main" id="{DFECB23E-D027-DBB5-1F02-80188E6A0870}"/>
-              </a:ext>
-            </a:extLst>
-          </p:cNvPr>
-          <p:cNvSpPr/>
-          <p:nvPr/>
-        </p:nvSpPr>
-        <p:spPr>
-          <a:xfrm>
-            <a:off x="5433396" y="2192208"/>
-            <a:ext cx="1325207" cy="1258530"/>
-          </a:xfrm>
-          <a:prstGeom prst="roundRect">
-            <a:avLst/>
-          </a:prstGeom>
-          <a:solidFill>
-            <a:schemeClr val="bg1"/>
-          </a:solidFill>
-          <a:ln>
-            <a:noFill/>
-          </a:ln>
-        </p:spPr>
-        <p:style>
-          <a:lnRef idx="2">
-            <a:schemeClr val="accent1">
-              <a:shade val="15000"/>
-            </a:schemeClr>
-          </a:lnRef>
-          <a:fillRef idx="1">
-            <a:schemeClr val="accent1"/>
-          </a:fillRef>
-          <a:effectRef idx="0">
-            <a:schemeClr val="accent1"/>
-          </a:effectRef>
-          <a:fontRef idx="minor">
-            <a:schemeClr val="lt1"/>
-          </a:fontRef>
-        </p:style>
-        <p:txBody>
-          <a:bodyPr rtlCol="0" anchor="ctr"/>
-          <a:lstStyle/>
-          <a:p>
-            <a:pPr algn="ctr"/>
-            <a:endParaRPr kumimoji="1" lang="ja-JP" altLang="en-US"/>
-          </a:p>
-        </p:txBody>
-      </p:sp>
-      <p:sp>
-        <p:nvSpPr>
-          <p:cNvPr id="24" name="四角形: 角を丸くする 23">
-            <a:extLst>
-              <a:ext uri="{FF2B5EF4-FFF2-40B4-BE49-F238E27FC236}">
-                <a16:creationId xmlns:a16="http://schemas.microsoft.com/office/drawing/2014/main" id="{2DFF1C16-C2C1-E23C-DF60-B0DA2E517587}"/>
-              </a:ext>
-            </a:extLst>
-          </p:cNvPr>
-          <p:cNvSpPr/>
-          <p:nvPr/>
-        </p:nvSpPr>
-        <p:spPr>
-          <a:xfrm>
-            <a:off x="8506228" y="2192208"/>
-            <a:ext cx="1325207" cy="1258530"/>
-          </a:xfrm>
-          <a:prstGeom prst="roundRect">
-            <a:avLst/>
-          </a:prstGeom>
-          <a:solidFill>
-            <a:schemeClr val="bg1"/>
-          </a:solidFill>
-          <a:ln>
-            <a:noFill/>
-          </a:ln>
-        </p:spPr>
-        <p:style>
-          <a:lnRef idx="2">
-            <a:schemeClr val="accent1">
-              <a:shade val="15000"/>
-            </a:schemeClr>
-          </a:lnRef>
-          <a:fillRef idx="1">
-            <a:schemeClr val="accent1"/>
-          </a:fillRef>
-          <a:effectRef idx="0">
-            <a:schemeClr val="accent1"/>
-          </a:effectRef>
-          <a:fontRef idx="minor">
-            <a:schemeClr val="lt1"/>
-          </a:fontRef>
-        </p:style>
-        <p:txBody>
-          <a:bodyPr rtlCol="0" anchor="ctr"/>
-          <a:lstStyle/>
-          <a:p>
-            <a:pPr algn="ctr"/>
-            <a:endParaRPr kumimoji="1" lang="ja-JP" altLang="en-US"/>
-          </a:p>
-        </p:txBody>
-      </p:sp>
-      <p:sp>
-        <p:nvSpPr>
-          <p:cNvPr id="26" name="四角形: 角を丸くする 25">
-            <a:extLst>
-              <a:ext uri="{FF2B5EF4-FFF2-40B4-BE49-F238E27FC236}">
-                <a16:creationId xmlns:a16="http://schemas.microsoft.com/office/drawing/2014/main" id="{F94691F5-EDC4-6915-74FD-67B69E327AA3}"/>
-              </a:ext>
-            </a:extLst>
-          </p:cNvPr>
-          <p:cNvSpPr/>
-          <p:nvPr/>
-        </p:nvSpPr>
-        <p:spPr>
-          <a:xfrm>
-            <a:off x="2354695" y="4704789"/>
-            <a:ext cx="1325207" cy="1258530"/>
-          </a:xfrm>
-          <a:prstGeom prst="roundRect">
-            <a:avLst/>
-          </a:prstGeom>
-          <a:solidFill>
-            <a:schemeClr val="bg1"/>
-          </a:solidFill>
-          <a:ln>
-            <a:noFill/>
-          </a:ln>
-        </p:spPr>
-        <p:style>
-          <a:lnRef idx="2">
-            <a:schemeClr val="accent1">
-              <a:shade val="15000"/>
-            </a:schemeClr>
-          </a:lnRef>
-          <a:fillRef idx="1">
-            <a:schemeClr val="accent1"/>
-          </a:fillRef>
-          <a:effectRef idx="0">
-            <a:schemeClr val="accent1"/>
-          </a:effectRef>
-          <a:fontRef idx="minor">
-            <a:schemeClr val="lt1"/>
-          </a:fontRef>
-        </p:style>
-        <p:txBody>
-          <a:bodyPr rtlCol="0" anchor="ctr"/>
-          <a:lstStyle/>
-          <a:p>
-            <a:pPr algn="ctr"/>
-            <a:endParaRPr kumimoji="1" lang="ja-JP" altLang="en-US"/>
-          </a:p>
-        </p:txBody>
-      </p:sp>
-      <p:sp>
-        <p:nvSpPr>
-          <p:cNvPr id="28" name="四角形: 角を丸くする 27">
-            <a:extLst>
-              <a:ext uri="{FF2B5EF4-FFF2-40B4-BE49-F238E27FC236}">
-                <a16:creationId xmlns:a16="http://schemas.microsoft.com/office/drawing/2014/main" id="{33015562-F7DC-D8DB-F95C-2F31D95A3473}"/>
-              </a:ext>
-            </a:extLst>
-          </p:cNvPr>
-          <p:cNvSpPr/>
-          <p:nvPr/>
-        </p:nvSpPr>
-        <p:spPr>
-          <a:xfrm>
-            <a:off x="5433396" y="4702705"/>
-            <a:ext cx="1325207" cy="1258530"/>
-          </a:xfrm>
-          <a:prstGeom prst="roundRect">
-            <a:avLst/>
-          </a:prstGeom>
-          <a:solidFill>
-            <a:schemeClr val="bg1"/>
-          </a:solidFill>
-          <a:ln>
-            <a:noFill/>
-          </a:ln>
-        </p:spPr>
-        <p:style>
-          <a:lnRef idx="2">
-            <a:schemeClr val="accent1">
-              <a:shade val="15000"/>
-            </a:schemeClr>
-          </a:lnRef>
-          <a:fillRef idx="1">
-            <a:schemeClr val="accent1"/>
-          </a:fillRef>
-          <a:effectRef idx="0">
-            <a:schemeClr val="accent1"/>
-          </a:effectRef>
-          <a:fontRef idx="minor">
-            <a:schemeClr val="lt1"/>
-          </a:fontRef>
-        </p:style>
-        <p:txBody>
-          <a:bodyPr rtlCol="0" anchor="ctr"/>
-          <a:lstStyle/>
-          <a:p>
-            <a:pPr algn="ctr"/>
-            <a:endParaRPr kumimoji="1" lang="ja-JP" altLang="en-US"/>
-          </a:p>
-        </p:txBody>
-      </p:sp>
-      <p:pic>
-        <p:nvPicPr>
-          <p:cNvPr id="33" name="グラフィックス 32" descr="さくらんぼ 枠線">
-            <a:extLst>
-              <a:ext uri="{FF2B5EF4-FFF2-40B4-BE49-F238E27FC236}">
-                <a16:creationId xmlns:a16="http://schemas.microsoft.com/office/drawing/2014/main" id="{78F53EFD-2A12-864E-E1F2-E2E7245BD12F}"/>
-              </a:ext>
-            </a:extLst>
-          </p:cNvPr>
-          <p:cNvPicPr>
-            <a:picLocks noChangeAspect="1"/>
-          </p:cNvPicPr>
-          <p:nvPr/>
-        </p:nvPicPr>
-        <p:blipFill>
-          <a:blip r:embed="rId4">
-            <a:extLst>
-              <a:ext uri="{28A0092B-C50C-407E-A947-70E740481C1C}">
-                <a14:useLocalDpi xmlns:a14="http://schemas.microsoft.com/office/drawing/2010/main" val="0"/>
-              </a:ext>
-              <a:ext uri="{96DAC541-7B7A-43D3-8B79-37D633B846F1}">
-                <asvg:svgBlip xmlns:asvg="http://schemas.microsoft.com/office/drawing/2016/SVG/main" r:embed="rId5"/>
-              </a:ext>
-            </a:extLst>
-          </a:blip>
-          <a:stretch>
-            <a:fillRect/>
-          </a:stretch>
-        </p:blipFill>
-        <p:spPr>
-          <a:xfrm>
-            <a:off x="5638798" y="2377049"/>
-            <a:ext cx="914400" cy="914400"/>
-          </a:xfrm>
-          <a:prstGeom prst="rect">
-            <a:avLst/>
-          </a:prstGeom>
-        </p:spPr>
-      </p:pic>
-      <p:pic>
-        <p:nvPicPr>
-          <p:cNvPr id="35" name="グラフィックス 34" descr="ドングリ 単色塗りつぶし">
-            <a:extLst>
-              <a:ext uri="{FF2B5EF4-FFF2-40B4-BE49-F238E27FC236}">
-                <a16:creationId xmlns:a16="http://schemas.microsoft.com/office/drawing/2014/main" id="{E0A5422F-B975-AC0B-FC9F-6443AC0C40D4}"/>
-              </a:ext>
-            </a:extLst>
-          </p:cNvPr>
-          <p:cNvPicPr>
-            <a:picLocks noChangeAspect="1"/>
-          </p:cNvPicPr>
-          <p:nvPr/>
-        </p:nvPicPr>
-        <p:blipFill>
-          <a:blip r:embed="rId6">
-            <a:extLst>
-              <a:ext uri="{28A0092B-C50C-407E-A947-70E740481C1C}">
-                <a14:useLocalDpi xmlns:a14="http://schemas.microsoft.com/office/drawing/2010/main" val="0"/>
-              </a:ext>
-              <a:ext uri="{96DAC541-7B7A-43D3-8B79-37D633B846F1}">
-                <asvg:svgBlip xmlns:asvg="http://schemas.microsoft.com/office/drawing/2016/SVG/main" r:embed="rId7"/>
-              </a:ext>
-            </a:extLst>
-          </a:blip>
-          <a:stretch>
-            <a:fillRect/>
-          </a:stretch>
-        </p:blipFill>
-        <p:spPr>
-          <a:xfrm>
-            <a:off x="8712777" y="2364273"/>
-            <a:ext cx="914400" cy="914400"/>
-          </a:xfrm>
-          <a:prstGeom prst="rect">
-            <a:avLst/>
-          </a:prstGeom>
-        </p:spPr>
-      </p:pic>
-      <p:pic>
-        <p:nvPicPr>
-          <p:cNvPr id="37" name="グラフィックス 36" descr="ピエロ 単色塗りつぶし">
-            <a:extLst>
-              <a:ext uri="{FF2B5EF4-FFF2-40B4-BE49-F238E27FC236}">
-                <a16:creationId xmlns:a16="http://schemas.microsoft.com/office/drawing/2014/main" id="{1A7FEB07-913B-9D41-2774-9BBACDF0A7C1}"/>
-              </a:ext>
-            </a:extLst>
-          </p:cNvPr>
-          <p:cNvPicPr>
-            <a:picLocks noChangeAspect="1"/>
-          </p:cNvPicPr>
-          <p:nvPr/>
-        </p:nvPicPr>
-        <p:blipFill>
-          <a:blip r:embed="rId8">
-            <a:extLst>
-              <a:ext uri="{28A0092B-C50C-407E-A947-70E740481C1C}">
-                <a14:useLocalDpi xmlns:a14="http://schemas.microsoft.com/office/drawing/2010/main" val="0"/>
-              </a:ext>
-              <a:ext uri="{96DAC541-7B7A-43D3-8B79-37D633B846F1}">
-                <asvg:svgBlip xmlns:asvg="http://schemas.microsoft.com/office/drawing/2016/SVG/main" r:embed="rId9"/>
-              </a:ext>
-            </a:extLst>
-          </a:blip>
-          <a:stretch>
-            <a:fillRect/>
-          </a:stretch>
-        </p:blipFill>
-        <p:spPr>
-          <a:xfrm>
-            <a:off x="2560098" y="2356905"/>
-            <a:ext cx="914400" cy="914400"/>
-          </a:xfrm>
-          <a:prstGeom prst="rect">
-            <a:avLst/>
-          </a:prstGeom>
-        </p:spPr>
-      </p:pic>
-      <p:pic>
-        <p:nvPicPr>
-          <p:cNvPr id="39" name="グラフィックス 38" descr="カップケーキ 単色塗りつぶし">
-            <a:extLst>
-              <a:ext uri="{FF2B5EF4-FFF2-40B4-BE49-F238E27FC236}">
-                <a16:creationId xmlns:a16="http://schemas.microsoft.com/office/drawing/2014/main" id="{832B4AC8-6AB4-D20A-F45B-F90AFAD4D177}"/>
-              </a:ext>
-            </a:extLst>
-          </p:cNvPr>
-          <p:cNvPicPr>
-            <a:picLocks noChangeAspect="1"/>
-          </p:cNvPicPr>
-          <p:nvPr/>
-        </p:nvPicPr>
-        <p:blipFill>
-          <a:blip r:embed="rId10">
-            <a:extLst>
-              <a:ext uri="{28A0092B-C50C-407E-A947-70E740481C1C}">
-                <a14:useLocalDpi xmlns:a14="http://schemas.microsoft.com/office/drawing/2010/main" val="0"/>
-              </a:ext>
-              <a:ext uri="{96DAC541-7B7A-43D3-8B79-37D633B846F1}">
-                <asvg:svgBlip xmlns:asvg="http://schemas.microsoft.com/office/drawing/2016/SVG/main" r:embed="rId11"/>
-              </a:ext>
-            </a:extLst>
-          </a:blip>
-          <a:stretch>
-            <a:fillRect/>
-          </a:stretch>
-        </p:blipFill>
-        <p:spPr>
-          <a:xfrm>
-            <a:off x="5638798" y="4868556"/>
-            <a:ext cx="914400" cy="914400"/>
-          </a:xfrm>
-          <a:prstGeom prst="rect">
-            <a:avLst/>
-          </a:prstGeom>
-        </p:spPr>
-      </p:pic>
-      <p:pic>
-        <p:nvPicPr>
-          <p:cNvPr id="41" name="グラフィックス 40" descr="花 枠線">
-            <a:extLst>
-              <a:ext uri="{FF2B5EF4-FFF2-40B4-BE49-F238E27FC236}">
-                <a16:creationId xmlns:a16="http://schemas.microsoft.com/office/drawing/2014/main" id="{3D078AFC-BAAB-9458-3221-6F42DD428B12}"/>
-              </a:ext>
-            </a:extLst>
-          </p:cNvPr>
-          <p:cNvPicPr>
-            <a:picLocks noChangeAspect="1"/>
-          </p:cNvPicPr>
-          <p:nvPr/>
-        </p:nvPicPr>
-        <p:blipFill>
-          <a:blip r:embed="rId12">
-            <a:extLst>
-              <a:ext uri="{28A0092B-C50C-407E-A947-70E740481C1C}">
-                <a14:useLocalDpi xmlns:a14="http://schemas.microsoft.com/office/drawing/2010/main" val="0"/>
-              </a:ext>
-              <a:ext uri="{96DAC541-7B7A-43D3-8B79-37D633B846F1}">
-                <asvg:svgBlip xmlns:asvg="http://schemas.microsoft.com/office/drawing/2016/SVG/main" r:embed="rId13"/>
-              </a:ext>
-            </a:extLst>
-          </a:blip>
-          <a:stretch>
-            <a:fillRect/>
-          </a:stretch>
-        </p:blipFill>
-        <p:spPr>
-          <a:xfrm>
-            <a:off x="2560098" y="4862980"/>
-            <a:ext cx="914400" cy="914400"/>
-          </a:xfrm>
-          <a:prstGeom prst="rect">
-            <a:avLst/>
-          </a:prstGeom>
-        </p:spPr>
-      </p:pic>
-    </p:spTree>
-    <p:extLst>
-      <p:ext uri="{BB962C8B-B14F-4D97-AF65-F5344CB8AC3E}">
-        <p14:creationId xmlns:p14="http://schemas.microsoft.com/office/powerpoint/2010/main" val="1308151473"/>
-      </p:ext>
-    </p:extLst>
-  </p:cSld>
-  <p:clrMapOvr>
-    <a:masterClrMapping/>
-  </p:clrMapOvr>
-</p:sld>
-</file>
-
-<file path=ppt/slides/slide7.xml><?xml version="1.0" encoding="utf-8"?>
-<p:sld xmlns:a="http://schemas.openxmlformats.org/drawingml/2006/main" xmlns:r="http://schemas.openxmlformats.org/officeDocument/2006/relationships" xmlns:p="http://schemas.openxmlformats.org/presentationml/2006/main">
-  <p:cSld>
-    <p:spTree>
-      <p:nvGrpSpPr>
-        <p:cNvPr id="1" name=""/>
-        <p:cNvGrpSpPr/>
-        <p:nvPr/>
-      </p:nvGrpSpPr>
-      <p:grpSpPr>
-        <a:xfrm>
-          <a:off x="0" y="0"/>
-          <a:ext cx="0" cy="0"/>
-          <a:chOff x="0" y="0"/>
-          <a:chExt cx="0" cy="0"/>
-        </a:xfrm>
-      </p:grpSpPr>
-      <p:sp>
-        <p:nvSpPr>
-          <p:cNvPr id="2" name="正方形/長方形 1">
-            <a:extLst>
-              <a:ext uri="{FF2B5EF4-FFF2-40B4-BE49-F238E27FC236}">
-                <a16:creationId xmlns:a16="http://schemas.microsoft.com/office/drawing/2014/main" id="{4EACDB33-D278-4E96-4B83-CB0DA0017812}"/>
-              </a:ext>
-            </a:extLst>
-          </p:cNvPr>
-          <p:cNvSpPr/>
-          <p:nvPr/>
-        </p:nvSpPr>
-        <p:spPr>
-          <a:xfrm>
-            <a:off x="0" y="0"/>
-            <a:ext cx="12192000" cy="1386348"/>
-          </a:xfrm>
-          <a:prstGeom prst="rect">
-            <a:avLst/>
-          </a:prstGeom>
-          <a:solidFill>
-            <a:srgbClr val="F5F5F5"/>
-          </a:solidFill>
-          <a:ln>
-            <a:noFill/>
-          </a:ln>
-        </p:spPr>
-        <p:style>
-          <a:lnRef idx="2">
-            <a:schemeClr val="accent1">
-              <a:shade val="15000"/>
-            </a:schemeClr>
-          </a:lnRef>
-          <a:fillRef idx="1">
-            <a:schemeClr val="accent1"/>
-          </a:fillRef>
-          <a:effectRef idx="0">
-            <a:schemeClr val="accent1"/>
-          </a:effectRef>
-          <a:fontRef idx="minor">
-            <a:schemeClr val="lt1"/>
-          </a:fontRef>
-        </p:style>
-        <p:txBody>
-          <a:bodyPr rtlCol="0" anchor="ctr"/>
-          <a:lstStyle/>
-          <a:p>
-            <a:pPr algn="ctr"/>
-            <a:endParaRPr kumimoji="1" lang="ja-JP" altLang="en-US"/>
-          </a:p>
-        </p:txBody>
-      </p:sp>
-      <p:pic>
-        <p:nvPicPr>
-          <p:cNvPr id="3" name="図 2" descr="ロゴ&#10;&#10;中程度の精度で自動的に生成された説明">
-            <a:extLst>
-              <a:ext uri="{FF2B5EF4-FFF2-40B4-BE49-F238E27FC236}">
-                <a16:creationId xmlns:a16="http://schemas.microsoft.com/office/drawing/2014/main" id="{90677610-C373-EFD4-017B-EAF5C0AA7686}"/>
-              </a:ext>
-            </a:extLst>
-          </p:cNvPr>
-          <p:cNvPicPr>
-            <a:picLocks noChangeAspect="1"/>
-          </p:cNvPicPr>
-          <p:nvPr/>
-        </p:nvPicPr>
-        <p:blipFill rotWithShape="1">
-          <a:blip r:embed="rId3">
-            <a:extLst>
-              <a:ext uri="{28A0092B-C50C-407E-A947-70E740481C1C}">
-                <a14:useLocalDpi xmlns:a14="http://schemas.microsoft.com/office/drawing/2010/main" val="0"/>
-              </a:ext>
-            </a:extLst>
-          </a:blip>
-          <a:srcRect l="14562" t="11298" b="30517"/>
-          <a:stretch/>
-        </p:blipFill>
-        <p:spPr>
-          <a:xfrm>
-            <a:off x="4826940" y="196644"/>
-            <a:ext cx="2538120" cy="1012723"/>
-          </a:xfrm>
-          <a:prstGeom prst="rect">
-            <a:avLst/>
-          </a:prstGeom>
-        </p:spPr>
-      </p:pic>
-      <p:grpSp>
-        <p:nvGrpSpPr>
-          <p:cNvPr id="4" name="グループ化 3">
-            <a:extLst>
-              <a:ext uri="{FF2B5EF4-FFF2-40B4-BE49-F238E27FC236}">
-                <a16:creationId xmlns:a16="http://schemas.microsoft.com/office/drawing/2014/main" id="{329BA7C7-A952-CC36-20BF-41CF8CC2B67C}"/>
-              </a:ext>
-            </a:extLst>
-          </p:cNvPr>
-          <p:cNvGrpSpPr/>
-          <p:nvPr/>
-        </p:nvGrpSpPr>
-        <p:grpSpPr>
-          <a:xfrm>
-            <a:off x="317581" y="277924"/>
-            <a:ext cx="924233" cy="1234235"/>
-            <a:chOff x="266781" y="196644"/>
-            <a:chExt cx="924233" cy="1234235"/>
-          </a:xfrm>
-        </p:grpSpPr>
-        <p:sp>
-          <p:nvSpPr>
-            <p:cNvPr id="5" name="フローチャート: 結合子 4">
-              <a:extLst>
-                <a:ext uri="{FF2B5EF4-FFF2-40B4-BE49-F238E27FC236}">
-                  <a16:creationId xmlns:a16="http://schemas.microsoft.com/office/drawing/2014/main" id="{47EE03C1-417B-88F6-FDC6-9C47B48C9432}"/>
-                </a:ext>
-              </a:extLst>
-            </p:cNvPr>
-            <p:cNvSpPr/>
-            <p:nvPr/>
-          </p:nvSpPr>
-          <p:spPr>
-            <a:xfrm>
-              <a:off x="266781" y="196644"/>
-              <a:ext cx="924233" cy="924233"/>
-            </a:xfrm>
-            <a:prstGeom prst="flowChartConnector">
-              <a:avLst/>
-            </a:prstGeom>
-            <a:noFill/>
-            <a:ln w="28575">
-              <a:solidFill>
-                <a:srgbClr val="EA7B6B"/>
-              </a:solidFill>
-            </a:ln>
-          </p:spPr>
-          <p:style>
-            <a:lnRef idx="2">
-              <a:schemeClr val="accent1">
-                <a:shade val="15000"/>
-              </a:schemeClr>
-            </a:lnRef>
-            <a:fillRef idx="1">
-              <a:schemeClr val="accent1"/>
-            </a:fillRef>
-            <a:effectRef idx="0">
-              <a:schemeClr val="accent1"/>
-            </a:effectRef>
-            <a:fontRef idx="minor">
-              <a:schemeClr val="lt1"/>
-            </a:fontRef>
-          </p:style>
-          <p:txBody>
-            <a:bodyPr rtlCol="0" anchor="ctr"/>
-            <a:lstStyle/>
-            <a:p>
-              <a:pPr algn="ctr"/>
-              <a:endParaRPr kumimoji="1" lang="ja-JP" altLang="en-US"/>
-            </a:p>
-          </p:txBody>
-        </p:sp>
-        <p:sp>
-          <p:nvSpPr>
-            <p:cNvPr id="6" name="フローチャート: 結合子 5">
-              <a:extLst>
-                <a:ext uri="{FF2B5EF4-FFF2-40B4-BE49-F238E27FC236}">
-                  <a16:creationId xmlns:a16="http://schemas.microsoft.com/office/drawing/2014/main" id="{2B1C132E-FFE0-8F97-83E9-F824738228FA}"/>
-                </a:ext>
-              </a:extLst>
-            </p:cNvPr>
-            <p:cNvSpPr/>
-            <p:nvPr/>
-          </p:nvSpPr>
-          <p:spPr>
-            <a:xfrm>
-              <a:off x="545771" y="319548"/>
-              <a:ext cx="366250" cy="349044"/>
-            </a:xfrm>
-            <a:prstGeom prst="flowChartConnector">
-              <a:avLst/>
-            </a:prstGeom>
-            <a:noFill/>
-            <a:ln w="28575">
-              <a:solidFill>
-                <a:srgbClr val="EA7B6B"/>
-              </a:solidFill>
-            </a:ln>
-          </p:spPr>
-          <p:style>
-            <a:lnRef idx="2">
-              <a:schemeClr val="accent1">
-                <a:shade val="15000"/>
-              </a:schemeClr>
-            </a:lnRef>
-            <a:fillRef idx="1">
-              <a:schemeClr val="accent1"/>
-            </a:fillRef>
-            <a:effectRef idx="0">
-              <a:schemeClr val="accent1"/>
-            </a:effectRef>
-            <a:fontRef idx="minor">
-              <a:schemeClr val="lt1"/>
-            </a:fontRef>
-          </p:style>
-          <p:txBody>
-            <a:bodyPr rtlCol="0" anchor="ctr"/>
-            <a:lstStyle/>
-            <a:p>
-              <a:pPr algn="ctr"/>
-              <a:endParaRPr kumimoji="1" lang="ja-JP" altLang="en-US"/>
-            </a:p>
-          </p:txBody>
-        </p:sp>
-        <p:sp>
-          <p:nvSpPr>
-            <p:cNvPr id="7" name="円弧 6">
-              <a:extLst>
-                <a:ext uri="{FF2B5EF4-FFF2-40B4-BE49-F238E27FC236}">
-                  <a16:creationId xmlns:a16="http://schemas.microsoft.com/office/drawing/2014/main" id="{ADD0E8F1-ED4C-92D8-5152-3BEBF7347DF4}"/>
-                </a:ext>
-              </a:extLst>
-            </p:cNvPr>
-            <p:cNvSpPr/>
-            <p:nvPr/>
-          </p:nvSpPr>
-          <p:spPr>
-            <a:xfrm rot="19079286">
-              <a:off x="374934" y="732788"/>
-              <a:ext cx="707924" cy="698091"/>
-            </a:xfrm>
-            <a:prstGeom prst="arc">
-              <a:avLst/>
-            </a:prstGeom>
-            <a:ln w="28575">
-              <a:solidFill>
-                <a:srgbClr val="EA7B6B"/>
-              </a:solidFill>
-            </a:ln>
-          </p:spPr>
-          <p:style>
-            <a:lnRef idx="1">
-              <a:schemeClr val="accent1"/>
-            </a:lnRef>
-            <a:fillRef idx="0">
-              <a:schemeClr val="accent1"/>
-            </a:fillRef>
-            <a:effectRef idx="0">
-              <a:schemeClr val="accent1"/>
-            </a:effectRef>
-            <a:fontRef idx="minor">
-              <a:schemeClr val="tx1"/>
-            </a:fontRef>
-          </p:style>
-          <p:txBody>
-            <a:bodyPr rtlCol="0" anchor="ctr"/>
-            <a:lstStyle/>
-            <a:p>
-              <a:pPr algn="ctr"/>
-              <a:endParaRPr kumimoji="1" lang="ja-JP" altLang="en-US"/>
-            </a:p>
-          </p:txBody>
-        </p:sp>
-      </p:grpSp>
-      <p:sp>
-        <p:nvSpPr>
-          <p:cNvPr id="8" name="テキスト ボックス 7">
-            <a:extLst>
-              <a:ext uri="{FF2B5EF4-FFF2-40B4-BE49-F238E27FC236}">
-                <a16:creationId xmlns:a16="http://schemas.microsoft.com/office/drawing/2014/main" id="{EB500DF1-82BB-4D47-5EF1-B2F6CFEC1B8A}"/>
-              </a:ext>
-            </a:extLst>
-          </p:cNvPr>
-          <p:cNvSpPr txBox="1"/>
-          <p:nvPr/>
-        </p:nvSpPr>
-        <p:spPr>
-          <a:xfrm>
-            <a:off x="9558094" y="806695"/>
-            <a:ext cx="2401617" cy="461665"/>
-          </a:xfrm>
-          <a:prstGeom prst="rect">
-            <a:avLst/>
-          </a:prstGeom>
-          <a:noFill/>
-        </p:spPr>
-        <p:txBody>
-          <a:bodyPr wrap="square" rtlCol="0">
-            <a:spAutoFit/>
-          </a:bodyPr>
-          <a:lstStyle/>
-          <a:p>
-            <a:r>
-              <a:rPr kumimoji="1" lang="en-US" altLang="ja-JP" sz="2400" dirty="0">
-                <a:solidFill>
-                  <a:srgbClr val="001746"/>
-                </a:solidFill>
-                <a:latin typeface="Kristen ITC" panose="03050502040202030202" pitchFamily="66" charset="0"/>
-              </a:rPr>
-              <a:t>2024/06/07 (Fri)</a:t>
-            </a:r>
-            <a:endParaRPr kumimoji="1" lang="ja-JP" altLang="en-US" sz="2400" dirty="0">
-              <a:solidFill>
-                <a:srgbClr val="001746"/>
-              </a:solidFill>
-              <a:latin typeface="Kristen ITC" panose="03050502040202030202" pitchFamily="66" charset="0"/>
-            </a:endParaRPr>
-          </a:p>
-        </p:txBody>
-      </p:sp>
-      <p:sp>
-        <p:nvSpPr>
-          <p:cNvPr id="9" name="正方形/長方形 8">
-            <a:extLst>
-              <a:ext uri="{FF2B5EF4-FFF2-40B4-BE49-F238E27FC236}">
-                <a16:creationId xmlns:a16="http://schemas.microsoft.com/office/drawing/2014/main" id="{D53C526D-B094-8918-A557-24C3499CAA14}"/>
-              </a:ext>
-            </a:extLst>
-          </p:cNvPr>
-          <p:cNvSpPr/>
-          <p:nvPr/>
-        </p:nvSpPr>
-        <p:spPr>
-          <a:xfrm>
-            <a:off x="0" y="6459794"/>
-            <a:ext cx="12192000" cy="398206"/>
-          </a:xfrm>
-          <a:prstGeom prst="rect">
-            <a:avLst/>
-          </a:prstGeom>
-          <a:solidFill>
-            <a:srgbClr val="F5F5F5"/>
-          </a:solidFill>
-          <a:ln>
-            <a:noFill/>
-          </a:ln>
-        </p:spPr>
-        <p:style>
-          <a:lnRef idx="2">
-            <a:schemeClr val="accent1">
-              <a:shade val="15000"/>
-            </a:schemeClr>
-          </a:lnRef>
-          <a:fillRef idx="1">
-            <a:schemeClr val="accent1"/>
-          </a:fillRef>
-          <a:effectRef idx="0">
-            <a:schemeClr val="accent1"/>
-          </a:effectRef>
-          <a:fontRef idx="minor">
-            <a:schemeClr val="lt1"/>
-          </a:fontRef>
-        </p:style>
-        <p:txBody>
-          <a:bodyPr rtlCol="0" anchor="ctr"/>
-          <a:lstStyle/>
-          <a:p>
-            <a:pPr algn="ctr"/>
-            <a:endParaRPr kumimoji="1" lang="ja-JP" altLang="en-US"/>
-          </a:p>
-        </p:txBody>
-      </p:sp>
-      <p:sp>
-        <p:nvSpPr>
-          <p:cNvPr id="10" name="テキスト ボックス 9">
-            <a:extLst>
-              <a:ext uri="{FF2B5EF4-FFF2-40B4-BE49-F238E27FC236}">
-                <a16:creationId xmlns:a16="http://schemas.microsoft.com/office/drawing/2014/main" id="{D2E0BB24-9F6B-FCE0-B878-91A73ADBBABD}"/>
-              </a:ext>
-            </a:extLst>
-          </p:cNvPr>
-          <p:cNvSpPr txBox="1"/>
-          <p:nvPr/>
-        </p:nvSpPr>
-        <p:spPr>
-          <a:xfrm>
-            <a:off x="3861424" y="6505008"/>
-            <a:ext cx="4490720" cy="307777"/>
-          </a:xfrm>
-          <a:prstGeom prst="rect">
-            <a:avLst/>
-          </a:prstGeom>
-          <a:noFill/>
-        </p:spPr>
-        <p:txBody>
-          <a:bodyPr wrap="square" rtlCol="0">
-            <a:spAutoFit/>
-          </a:bodyPr>
-          <a:lstStyle/>
-          <a:p>
-            <a:r>
-              <a:rPr kumimoji="1" lang="en-US" altLang="ja-JP" sz="1400" dirty="0">
-                <a:solidFill>
-                  <a:srgbClr val="001746"/>
-                </a:solidFill>
-              </a:rPr>
-              <a:t>Copyright </a:t>
-            </a:r>
-            <a:r>
-              <a:rPr kumimoji="1" lang="en-US" altLang="ja-JP" sz="1400" dirty="0" err="1">
-                <a:solidFill>
-                  <a:srgbClr val="001746"/>
-                </a:solidFill>
-              </a:rPr>
-              <a:t>paraparaChahan</a:t>
-            </a:r>
-            <a:r>
-              <a:rPr kumimoji="1" lang="en-US" altLang="ja-JP" sz="1400" dirty="0">
-                <a:solidFill>
-                  <a:srgbClr val="001746"/>
-                </a:solidFill>
-              </a:rPr>
-              <a:t>(PLUS DOJO). All rights reserved.</a:t>
-            </a:r>
-            <a:endParaRPr kumimoji="1" lang="ja-JP" altLang="en-US" sz="1400" dirty="0">
-              <a:solidFill>
-                <a:srgbClr val="001746"/>
-              </a:solidFill>
-            </a:endParaRPr>
-          </a:p>
-        </p:txBody>
-      </p:sp>
-      <p:sp>
-        <p:nvSpPr>
-          <p:cNvPr id="11" name="四角形: 角を丸くする 10">
-            <a:extLst>
-              <a:ext uri="{FF2B5EF4-FFF2-40B4-BE49-F238E27FC236}">
-                <a16:creationId xmlns:a16="http://schemas.microsoft.com/office/drawing/2014/main" id="{0925A5A4-9FD1-E099-4F8C-F9F3FEFEE6B6}"/>
-              </a:ext>
-            </a:extLst>
-          </p:cNvPr>
-          <p:cNvSpPr/>
-          <p:nvPr/>
-        </p:nvSpPr>
-        <p:spPr>
-          <a:xfrm>
-            <a:off x="1776766" y="2275073"/>
-            <a:ext cx="8638468" cy="3734730"/>
-          </a:xfrm>
-          <a:prstGeom prst="roundRect">
-            <a:avLst>
-              <a:gd name="adj" fmla="val 8782"/>
-            </a:avLst>
-          </a:prstGeom>
-          <a:noFill/>
-          <a:ln w="76200" cmpd="dbl">
-            <a:solidFill>
-              <a:srgbClr val="F4D13E"/>
-            </a:solidFill>
-          </a:ln>
-        </p:spPr>
-        <p:style>
-          <a:lnRef idx="2">
-            <a:schemeClr val="accent1">
-              <a:shade val="15000"/>
-            </a:schemeClr>
-          </a:lnRef>
-          <a:fillRef idx="1">
-            <a:schemeClr val="accent1"/>
-          </a:fillRef>
-          <a:effectRef idx="0">
-            <a:schemeClr val="accent1"/>
-          </a:effectRef>
-          <a:fontRef idx="minor">
-            <a:schemeClr val="lt1"/>
-          </a:fontRef>
-        </p:style>
-        <p:txBody>
-          <a:bodyPr rtlCol="0" anchor="ctr"/>
-          <a:lstStyle/>
-          <a:p>
-            <a:pPr algn="ctr"/>
-            <a:endParaRPr kumimoji="1" lang="ja-JP" altLang="en-US" dirty="0"/>
-          </a:p>
-        </p:txBody>
-      </p:sp>
-      <p:sp>
-        <p:nvSpPr>
-          <p:cNvPr id="12" name="四角形: 角を丸くする 11">
-            <a:extLst>
-              <a:ext uri="{FF2B5EF4-FFF2-40B4-BE49-F238E27FC236}">
-                <a16:creationId xmlns:a16="http://schemas.microsoft.com/office/drawing/2014/main" id="{F1A1FCD3-7398-3301-09BE-047BBEAC09B6}"/>
-              </a:ext>
-            </a:extLst>
-          </p:cNvPr>
-          <p:cNvSpPr/>
-          <p:nvPr/>
-        </p:nvSpPr>
-        <p:spPr>
-          <a:xfrm>
-            <a:off x="2124401" y="2723445"/>
-            <a:ext cx="2988527" cy="2837985"/>
-          </a:xfrm>
-          <a:prstGeom prst="roundRect">
-            <a:avLst/>
-          </a:prstGeom>
-          <a:noFill/>
-          <a:ln w="57150">
-            <a:solidFill>
-              <a:srgbClr val="F4D13E"/>
-            </a:solidFill>
-          </a:ln>
-        </p:spPr>
-        <p:style>
-          <a:lnRef idx="2">
-            <a:schemeClr val="accent1">
-              <a:shade val="15000"/>
-            </a:schemeClr>
-          </a:lnRef>
-          <a:fillRef idx="1">
-            <a:schemeClr val="accent1"/>
-          </a:fillRef>
-          <a:effectRef idx="0">
-            <a:schemeClr val="accent1"/>
-          </a:effectRef>
-          <a:fontRef idx="minor">
-            <a:schemeClr val="lt1"/>
-          </a:fontRef>
-        </p:style>
-        <p:txBody>
-          <a:bodyPr rtlCol="0" anchor="ctr"/>
-          <a:lstStyle/>
-          <a:p>
-            <a:pPr algn="ctr"/>
-            <a:endParaRPr kumimoji="1" lang="ja-JP" altLang="en-US"/>
-          </a:p>
-        </p:txBody>
-      </p:sp>
-      <p:sp>
-        <p:nvSpPr>
-          <p:cNvPr id="14" name="四角形: 角を丸くする 13">
-            <a:extLst>
-              <a:ext uri="{FF2B5EF4-FFF2-40B4-BE49-F238E27FC236}">
-                <a16:creationId xmlns:a16="http://schemas.microsoft.com/office/drawing/2014/main" id="{9A787AF9-B709-EDFB-47D2-86102DFA6FCE}"/>
-              </a:ext>
-            </a:extLst>
-          </p:cNvPr>
-          <p:cNvSpPr/>
-          <p:nvPr/>
-        </p:nvSpPr>
-        <p:spPr>
-          <a:xfrm>
-            <a:off x="5460562" y="2704096"/>
-            <a:ext cx="4650058" cy="1569649"/>
-          </a:xfrm>
-          <a:prstGeom prst="roundRect">
-            <a:avLst>
-              <a:gd name="adj" fmla="val 26360"/>
-            </a:avLst>
-          </a:prstGeom>
-          <a:solidFill>
-            <a:srgbClr val="FCF1C4"/>
-          </a:solidFill>
-          <a:ln>
-            <a:noFill/>
-          </a:ln>
-        </p:spPr>
-        <p:style>
-          <a:lnRef idx="2">
-            <a:schemeClr val="accent1">
-              <a:shade val="15000"/>
-            </a:schemeClr>
-          </a:lnRef>
-          <a:fillRef idx="1">
-            <a:schemeClr val="accent1"/>
-          </a:fillRef>
-          <a:effectRef idx="0">
-            <a:schemeClr val="accent1"/>
-          </a:effectRef>
-          <a:fontRef idx="minor">
-            <a:schemeClr val="lt1"/>
-          </a:fontRef>
-        </p:style>
-        <p:txBody>
-          <a:bodyPr rtlCol="0" anchor="ctr"/>
-          <a:lstStyle/>
-          <a:p>
-            <a:pPr algn="ctr"/>
-            <a:endParaRPr kumimoji="1" lang="ja-JP" altLang="en-US"/>
-          </a:p>
-        </p:txBody>
-      </p:sp>
-      <p:sp>
-        <p:nvSpPr>
-          <p:cNvPr id="15" name="四角形: 角を丸くする 14">
-            <a:extLst>
-              <a:ext uri="{FF2B5EF4-FFF2-40B4-BE49-F238E27FC236}">
-                <a16:creationId xmlns:a16="http://schemas.microsoft.com/office/drawing/2014/main" id="{8AB698E6-D247-C602-B79A-81597FD493D9}"/>
-              </a:ext>
-            </a:extLst>
-          </p:cNvPr>
-          <p:cNvSpPr/>
-          <p:nvPr/>
-        </p:nvSpPr>
-        <p:spPr>
-          <a:xfrm>
-            <a:off x="6367390" y="4702768"/>
-            <a:ext cx="2836402" cy="858662"/>
-          </a:xfrm>
-          <a:prstGeom prst="roundRect">
-            <a:avLst>
-              <a:gd name="adj" fmla="val 23763"/>
-            </a:avLst>
-          </a:prstGeom>
-          <a:solidFill>
-            <a:srgbClr val="F4D13E"/>
-          </a:solidFill>
-          <a:ln>
-            <a:noFill/>
-          </a:ln>
-        </p:spPr>
-        <p:style>
-          <a:lnRef idx="2">
-            <a:schemeClr val="accent1">
-              <a:shade val="15000"/>
-            </a:schemeClr>
-          </a:lnRef>
-          <a:fillRef idx="1">
-            <a:schemeClr val="accent1"/>
-          </a:fillRef>
-          <a:effectRef idx="0">
-            <a:schemeClr val="accent1"/>
-          </a:effectRef>
-          <a:fontRef idx="minor">
-            <a:schemeClr val="lt1"/>
-          </a:fontRef>
-        </p:style>
-        <p:txBody>
-          <a:bodyPr rtlCol="0" anchor="ctr"/>
-          <a:lstStyle/>
-          <a:p>
-            <a:pPr algn="ctr"/>
-            <a:endParaRPr kumimoji="1" lang="ja-JP" altLang="en-US"/>
-          </a:p>
-        </p:txBody>
-      </p:sp>
-      <p:sp>
-        <p:nvSpPr>
-          <p:cNvPr id="16" name="テキスト ボックス 15">
-            <a:extLst>
-              <a:ext uri="{FF2B5EF4-FFF2-40B4-BE49-F238E27FC236}">
-                <a16:creationId xmlns:a16="http://schemas.microsoft.com/office/drawing/2014/main" id="{04759C4B-EA56-95E5-EE6A-E20C7F9EAD67}"/>
-              </a:ext>
-            </a:extLst>
-          </p:cNvPr>
-          <p:cNvSpPr txBox="1"/>
-          <p:nvPr/>
-        </p:nvSpPr>
-        <p:spPr>
-          <a:xfrm>
-            <a:off x="7324122" y="4839711"/>
-            <a:ext cx="922938" cy="584775"/>
-          </a:xfrm>
-          <a:prstGeom prst="rect">
-            <a:avLst/>
-          </a:prstGeom>
-          <a:noFill/>
-        </p:spPr>
-        <p:txBody>
-          <a:bodyPr wrap="square" rtlCol="0">
-            <a:spAutoFit/>
-          </a:bodyPr>
-          <a:lstStyle/>
-          <a:p>
-            <a:r>
-              <a:rPr kumimoji="1" lang="en-US" altLang="ja-JP" sz="3200" dirty="0">
-                <a:solidFill>
-                  <a:schemeClr val="bg1"/>
-                </a:solidFill>
-                <a:latin typeface="UD デジタル 教科書体 NP-B" panose="02020700000000000000" pitchFamily="18" charset="-128"/>
-                <a:ea typeface="UD デジタル 教科書体 NP-B" panose="02020700000000000000" pitchFamily="18" charset="-128"/>
-              </a:rPr>
-              <a:t>OK</a:t>
-            </a:r>
-            <a:endParaRPr kumimoji="1" lang="ja-JP" altLang="en-US" sz="3200" dirty="0">
-              <a:solidFill>
-                <a:schemeClr val="bg1"/>
-              </a:solidFill>
-              <a:latin typeface="UD デジタル 教科書体 NP-B" panose="02020700000000000000" pitchFamily="18" charset="-128"/>
-              <a:ea typeface="UD デジタル 教科書体 NP-B" panose="02020700000000000000" pitchFamily="18" charset="-128"/>
-            </a:endParaRPr>
-          </a:p>
-        </p:txBody>
-      </p:sp>
-      <p:sp>
-        <p:nvSpPr>
-          <p:cNvPr id="17" name="テキスト ボックス 16">
-            <a:extLst>
-              <a:ext uri="{FF2B5EF4-FFF2-40B4-BE49-F238E27FC236}">
-                <a16:creationId xmlns:a16="http://schemas.microsoft.com/office/drawing/2014/main" id="{E275C74F-8FF5-6FB3-6B50-E9B8A4EF6FFA}"/>
-              </a:ext>
-            </a:extLst>
-          </p:cNvPr>
-          <p:cNvSpPr txBox="1"/>
-          <p:nvPr/>
-        </p:nvSpPr>
-        <p:spPr>
-          <a:xfrm>
-            <a:off x="6054301" y="3227310"/>
-            <a:ext cx="3410127" cy="523220"/>
-          </a:xfrm>
-          <a:prstGeom prst="rect">
-            <a:avLst/>
-          </a:prstGeom>
-          <a:noFill/>
-        </p:spPr>
-        <p:txBody>
-          <a:bodyPr wrap="square" rtlCol="0">
-            <a:spAutoFit/>
-          </a:bodyPr>
-          <a:lstStyle/>
-          <a:p>
-            <a:r>
-              <a:rPr kumimoji="1" lang="ja-JP" altLang="en-US" sz="2800" dirty="0">
-                <a:solidFill>
-                  <a:srgbClr val="001746"/>
-                </a:solidFill>
-                <a:latin typeface="UD デジタル 教科書体 NP-B" panose="02020700000000000000" pitchFamily="18" charset="-128"/>
-                <a:ea typeface="UD デジタル 教科書体 NP-B" panose="02020700000000000000" pitchFamily="18" charset="-128"/>
-              </a:rPr>
-              <a:t>パラパラチャーハン</a:t>
-            </a:r>
-          </a:p>
-        </p:txBody>
-      </p:sp>
-      <p:pic>
-        <p:nvPicPr>
-          <p:cNvPr id="19" name="グラフィックス 18" descr="りんご 単色塗りつぶし">
-            <a:extLst>
-              <a:ext uri="{FF2B5EF4-FFF2-40B4-BE49-F238E27FC236}">
-                <a16:creationId xmlns:a16="http://schemas.microsoft.com/office/drawing/2014/main" id="{8DDB967A-F4D4-5C7A-6253-45857B35CD49}"/>
-              </a:ext>
-            </a:extLst>
-          </p:cNvPr>
-          <p:cNvPicPr>
-            <a:picLocks noChangeAspect="1"/>
-          </p:cNvPicPr>
-          <p:nvPr/>
-        </p:nvPicPr>
-        <p:blipFill>
-          <a:blip r:embed="rId4">
-            <a:extLst>
-              <a:ext uri="{28A0092B-C50C-407E-A947-70E740481C1C}">
-                <a14:useLocalDpi xmlns:a14="http://schemas.microsoft.com/office/drawing/2010/main" val="0"/>
-              </a:ext>
-              <a:ext uri="{96DAC541-7B7A-43D3-8B79-37D633B846F1}">
-                <asvg:svgBlip xmlns:asvg="http://schemas.microsoft.com/office/drawing/2016/SVG/main" r:embed="rId5"/>
-              </a:ext>
-            </a:extLst>
-          </a:blip>
-          <a:stretch>
-            <a:fillRect/>
-          </a:stretch>
-        </p:blipFill>
-        <p:spPr>
-          <a:xfrm>
-            <a:off x="2531449" y="3046439"/>
-            <a:ext cx="2102963" cy="2102963"/>
-          </a:xfrm>
-          <a:prstGeom prst="rect">
-            <a:avLst/>
-          </a:prstGeom>
-        </p:spPr>
-      </p:pic>
-      <p:sp>
-        <p:nvSpPr>
-          <p:cNvPr id="20" name="四角形: 上の 2 つの角を丸める 19">
-            <a:extLst>
-              <a:ext uri="{FF2B5EF4-FFF2-40B4-BE49-F238E27FC236}">
-                <a16:creationId xmlns:a16="http://schemas.microsoft.com/office/drawing/2014/main" id="{1ABB374C-554B-C4BD-FB72-CAFD9EA76A5D}"/>
-              </a:ext>
-            </a:extLst>
-          </p:cNvPr>
-          <p:cNvSpPr/>
-          <p:nvPr/>
-        </p:nvSpPr>
-        <p:spPr>
-          <a:xfrm>
-            <a:off x="4452694" y="1688039"/>
-            <a:ext cx="3266983" cy="581396"/>
-          </a:xfrm>
-          <a:prstGeom prst="round2SameRect">
-            <a:avLst>
-              <a:gd name="adj1" fmla="val 50000"/>
-              <a:gd name="adj2" fmla="val 0"/>
-            </a:avLst>
-          </a:prstGeom>
-          <a:solidFill>
-            <a:srgbClr val="F4D13E"/>
-          </a:solidFill>
-          <a:ln>
-            <a:noFill/>
-          </a:ln>
-        </p:spPr>
-        <p:style>
-          <a:lnRef idx="2">
-            <a:schemeClr val="accent1">
-              <a:shade val="15000"/>
-            </a:schemeClr>
-          </a:lnRef>
-          <a:fillRef idx="1">
-            <a:schemeClr val="accent1"/>
-          </a:fillRef>
-          <a:effectRef idx="0">
-            <a:schemeClr val="accent1"/>
-          </a:effectRef>
-          <a:fontRef idx="minor">
-            <a:schemeClr val="lt1"/>
-          </a:fontRef>
-        </p:style>
-        <p:txBody>
-          <a:bodyPr rtlCol="0" anchor="ctr"/>
-          <a:lstStyle/>
-          <a:p>
-            <a:pPr algn="ctr"/>
-            <a:endParaRPr kumimoji="1" lang="ja-JP" altLang="en-US"/>
-          </a:p>
-        </p:txBody>
-      </p:sp>
-      <p:sp>
-        <p:nvSpPr>
-          <p:cNvPr id="21" name="テキスト ボックス 20">
-            <a:extLst>
-              <a:ext uri="{FF2B5EF4-FFF2-40B4-BE49-F238E27FC236}">
-                <a16:creationId xmlns:a16="http://schemas.microsoft.com/office/drawing/2014/main" id="{3F2B6FF1-152F-BD9A-3032-6DFB760ADA38}"/>
-              </a:ext>
-            </a:extLst>
-          </p:cNvPr>
-          <p:cNvSpPr txBox="1"/>
-          <p:nvPr/>
-        </p:nvSpPr>
-        <p:spPr>
-          <a:xfrm>
-            <a:off x="4813593" y="1732581"/>
-            <a:ext cx="2564813" cy="584775"/>
-          </a:xfrm>
-          <a:prstGeom prst="rect">
-            <a:avLst/>
-          </a:prstGeom>
-          <a:noFill/>
-        </p:spPr>
-        <p:txBody>
-          <a:bodyPr wrap="square" rtlCol="0">
-            <a:spAutoFit/>
-          </a:bodyPr>
-          <a:lstStyle/>
-          <a:p>
-            <a:r>
-              <a:rPr kumimoji="1" lang="en-US" altLang="ja-JP" sz="3200" dirty="0">
-                <a:solidFill>
-                  <a:schemeClr val="bg1"/>
-                </a:solidFill>
-                <a:latin typeface="Kristen ITC" panose="03050502040202030202" pitchFamily="66" charset="0"/>
-              </a:rPr>
-              <a:t>New Group</a:t>
-            </a:r>
-            <a:endParaRPr kumimoji="1" lang="ja-JP" altLang="en-US" sz="3200" dirty="0">
-              <a:solidFill>
-                <a:schemeClr val="bg1"/>
-              </a:solidFill>
-              <a:latin typeface="Kristen ITC" panose="03050502040202030202" pitchFamily="66" charset="0"/>
-            </a:endParaRPr>
-          </a:p>
-        </p:txBody>
-      </p:sp>
-    </p:spTree>
-    <p:extLst>
-      <p:ext uri="{BB962C8B-B14F-4D97-AF65-F5344CB8AC3E}">
-        <p14:creationId xmlns:p14="http://schemas.microsoft.com/office/powerpoint/2010/main" val="3326991222"/>
-      </p:ext>
-    </p:extLst>
-  </p:cSld>
-  <p:clrMapOvr>
-    <a:masterClrMapping/>
-  </p:clrMapOvr>
-</p:sld>
-</file>
-
-<file path=ppt/slides/slide8.xml><?xml version="1.0" encoding="utf-8"?>
-<p:sld xmlns:a="http://schemas.openxmlformats.org/drawingml/2006/main" xmlns:r="http://schemas.openxmlformats.org/officeDocument/2006/relationships" xmlns:p="http://schemas.openxmlformats.org/presentationml/2006/main">
-  <p:cSld>
-    <p:spTree>
-      <p:nvGrpSpPr>
-        <p:cNvPr id="1" name=""/>
-        <p:cNvGrpSpPr/>
-        <p:nvPr/>
-      </p:nvGrpSpPr>
-      <p:grpSpPr>
-        <a:xfrm>
-          <a:off x="0" y="0"/>
-          <a:ext cx="0" cy="0"/>
-          <a:chOff x="0" y="0"/>
-          <a:chExt cx="0" cy="0"/>
-        </a:xfrm>
-      </p:grpSpPr>
-      <p:sp>
-        <p:nvSpPr>
-          <p:cNvPr id="7" name="正方形/長方形 6">
-            <a:extLst>
-              <a:ext uri="{FF2B5EF4-FFF2-40B4-BE49-F238E27FC236}">
-                <a16:creationId xmlns:a16="http://schemas.microsoft.com/office/drawing/2014/main" id="{3830DDF9-5B12-DDDD-082C-AF3BF586F355}"/>
-              </a:ext>
-            </a:extLst>
-          </p:cNvPr>
-          <p:cNvSpPr/>
-          <p:nvPr/>
-        </p:nvSpPr>
-        <p:spPr>
-          <a:xfrm>
-            <a:off x="0" y="0"/>
-            <a:ext cx="12192000" cy="1386348"/>
-          </a:xfrm>
-          <a:prstGeom prst="rect">
-            <a:avLst/>
-          </a:prstGeom>
-          <a:solidFill>
-            <a:srgbClr val="F5F5F5"/>
-          </a:solidFill>
-          <a:ln>
-            <a:noFill/>
-          </a:ln>
-        </p:spPr>
-        <p:style>
-          <a:lnRef idx="2">
-            <a:schemeClr val="accent1">
-              <a:shade val="15000"/>
-            </a:schemeClr>
-          </a:lnRef>
-          <a:fillRef idx="1">
-            <a:schemeClr val="accent1"/>
-          </a:fillRef>
-          <a:effectRef idx="0">
-            <a:schemeClr val="accent1"/>
-          </a:effectRef>
-          <a:fontRef idx="minor">
-            <a:schemeClr val="lt1"/>
-          </a:fontRef>
-        </p:style>
-        <p:txBody>
-          <a:bodyPr rtlCol="0" anchor="ctr"/>
-          <a:lstStyle/>
-          <a:p>
-            <a:pPr algn="ctr"/>
-            <a:endParaRPr kumimoji="1" lang="ja-JP" altLang="en-US"/>
-          </a:p>
-        </p:txBody>
-      </p:sp>
-      <p:pic>
-        <p:nvPicPr>
-          <p:cNvPr id="5" name="図 4" descr="ロゴ&#10;&#10;中程度の精度で自動的に生成された説明">
-            <a:extLst>
-              <a:ext uri="{FF2B5EF4-FFF2-40B4-BE49-F238E27FC236}">
-                <a16:creationId xmlns:a16="http://schemas.microsoft.com/office/drawing/2014/main" id="{B9A39F28-1EBD-1E84-D159-443CA1B611CF}"/>
-              </a:ext>
-            </a:extLst>
-          </p:cNvPr>
-          <p:cNvPicPr>
-            <a:picLocks noChangeAspect="1"/>
-          </p:cNvPicPr>
-          <p:nvPr/>
-        </p:nvPicPr>
-        <p:blipFill rotWithShape="1">
-          <a:blip r:embed="rId3">
-            <a:extLst>
-              <a:ext uri="{28A0092B-C50C-407E-A947-70E740481C1C}">
-                <a14:useLocalDpi xmlns:a14="http://schemas.microsoft.com/office/drawing/2010/main" val="0"/>
-              </a:ext>
-            </a:extLst>
-          </a:blip>
-          <a:srcRect l="14562" t="11298" b="30517"/>
-          <a:stretch/>
-        </p:blipFill>
-        <p:spPr>
-          <a:xfrm>
-            <a:off x="4826940" y="196644"/>
-            <a:ext cx="2538120" cy="1012723"/>
-          </a:xfrm>
-          <a:prstGeom prst="rect">
-            <a:avLst/>
-          </a:prstGeom>
-        </p:spPr>
-      </p:pic>
-      <p:sp>
-        <p:nvSpPr>
-          <p:cNvPr id="14" name="正方形/長方形 13">
-            <a:extLst>
-              <a:ext uri="{FF2B5EF4-FFF2-40B4-BE49-F238E27FC236}">
-                <a16:creationId xmlns:a16="http://schemas.microsoft.com/office/drawing/2014/main" id="{52192687-6E27-88C8-ED3C-4F58ED7237DC}"/>
-              </a:ext>
-            </a:extLst>
-          </p:cNvPr>
-          <p:cNvSpPr/>
-          <p:nvPr/>
-        </p:nvSpPr>
-        <p:spPr>
-          <a:xfrm>
-            <a:off x="0" y="6459794"/>
-            <a:ext cx="12192000" cy="398206"/>
-          </a:xfrm>
-          <a:prstGeom prst="rect">
-            <a:avLst/>
-          </a:prstGeom>
-          <a:solidFill>
-            <a:srgbClr val="F5F5F5"/>
-          </a:solidFill>
-          <a:ln>
-            <a:noFill/>
-          </a:ln>
-        </p:spPr>
-        <p:style>
-          <a:lnRef idx="2">
-            <a:schemeClr val="accent1">
-              <a:shade val="15000"/>
-            </a:schemeClr>
-          </a:lnRef>
-          <a:fillRef idx="1">
-            <a:schemeClr val="accent1"/>
-          </a:fillRef>
-          <a:effectRef idx="0">
-            <a:schemeClr val="accent1"/>
-          </a:effectRef>
-          <a:fontRef idx="minor">
-            <a:schemeClr val="lt1"/>
-          </a:fontRef>
-        </p:style>
-        <p:txBody>
-          <a:bodyPr rtlCol="0" anchor="ctr"/>
-          <a:lstStyle/>
-          <a:p>
-            <a:pPr algn="ctr"/>
-            <a:endParaRPr kumimoji="1" lang="ja-JP" altLang="en-US" dirty="0"/>
-          </a:p>
-        </p:txBody>
-      </p:sp>
-      <p:grpSp>
-        <p:nvGrpSpPr>
-          <p:cNvPr id="21" name="グループ化 20">
-            <a:extLst>
-              <a:ext uri="{FF2B5EF4-FFF2-40B4-BE49-F238E27FC236}">
-                <a16:creationId xmlns:a16="http://schemas.microsoft.com/office/drawing/2014/main" id="{16808017-801A-53BE-3340-11699E77DC3C}"/>
-              </a:ext>
-            </a:extLst>
-          </p:cNvPr>
-          <p:cNvGrpSpPr/>
-          <p:nvPr/>
-        </p:nvGrpSpPr>
-        <p:grpSpPr>
-          <a:xfrm>
-            <a:off x="317581" y="277924"/>
-            <a:ext cx="924233" cy="1234235"/>
-            <a:chOff x="266781" y="196644"/>
-            <a:chExt cx="924233" cy="1234235"/>
-          </a:xfrm>
-        </p:grpSpPr>
-        <p:sp>
-          <p:nvSpPr>
-            <p:cNvPr id="6" name="フローチャート: 結合子 5">
-              <a:extLst>
-                <a:ext uri="{FF2B5EF4-FFF2-40B4-BE49-F238E27FC236}">
-                  <a16:creationId xmlns:a16="http://schemas.microsoft.com/office/drawing/2014/main" id="{760B2358-0756-5D93-6C4A-D5FC31E04F76}"/>
-                </a:ext>
-              </a:extLst>
-            </p:cNvPr>
-            <p:cNvSpPr/>
-            <p:nvPr/>
-          </p:nvSpPr>
-          <p:spPr>
-            <a:xfrm>
-              <a:off x="266781" y="196644"/>
-              <a:ext cx="924233" cy="924233"/>
-            </a:xfrm>
-            <a:prstGeom prst="flowChartConnector">
-              <a:avLst/>
-            </a:prstGeom>
-            <a:noFill/>
-            <a:ln w="28575">
-              <a:solidFill>
-                <a:srgbClr val="EA7B6B"/>
-              </a:solidFill>
-            </a:ln>
-          </p:spPr>
-          <p:style>
-            <a:lnRef idx="2">
-              <a:schemeClr val="accent1">
-                <a:shade val="15000"/>
-              </a:schemeClr>
-            </a:lnRef>
-            <a:fillRef idx="1">
-              <a:schemeClr val="accent1"/>
-            </a:fillRef>
-            <a:effectRef idx="0">
-              <a:schemeClr val="accent1"/>
-            </a:effectRef>
-            <a:fontRef idx="minor">
-              <a:schemeClr val="lt1"/>
-            </a:fontRef>
-          </p:style>
-          <p:txBody>
-            <a:bodyPr rtlCol="0" anchor="ctr"/>
-            <a:lstStyle/>
-            <a:p>
-              <a:pPr algn="ctr"/>
-              <a:endParaRPr kumimoji="1" lang="ja-JP" altLang="en-US"/>
-            </a:p>
-          </p:txBody>
-        </p:sp>
-        <p:sp>
-          <p:nvSpPr>
-            <p:cNvPr id="15" name="フローチャート: 結合子 14">
-              <a:extLst>
-                <a:ext uri="{FF2B5EF4-FFF2-40B4-BE49-F238E27FC236}">
-                  <a16:creationId xmlns:a16="http://schemas.microsoft.com/office/drawing/2014/main" id="{D05A29E2-273E-D3FB-A6C2-839C27DA4BB8}"/>
-                </a:ext>
-              </a:extLst>
-            </p:cNvPr>
-            <p:cNvSpPr/>
-            <p:nvPr/>
-          </p:nvSpPr>
-          <p:spPr>
-            <a:xfrm>
-              <a:off x="545771" y="319548"/>
-              <a:ext cx="366250" cy="349044"/>
-            </a:xfrm>
-            <a:prstGeom prst="flowChartConnector">
-              <a:avLst/>
-            </a:prstGeom>
-            <a:noFill/>
-            <a:ln w="28575">
-              <a:solidFill>
-                <a:srgbClr val="EA7B6B"/>
-              </a:solidFill>
-            </a:ln>
-          </p:spPr>
-          <p:style>
-            <a:lnRef idx="2">
-              <a:schemeClr val="accent1">
-                <a:shade val="15000"/>
-              </a:schemeClr>
-            </a:lnRef>
-            <a:fillRef idx="1">
-              <a:schemeClr val="accent1"/>
-            </a:fillRef>
-            <a:effectRef idx="0">
-              <a:schemeClr val="accent1"/>
-            </a:effectRef>
-            <a:fontRef idx="minor">
-              <a:schemeClr val="lt1"/>
-            </a:fontRef>
-          </p:style>
-          <p:txBody>
-            <a:bodyPr rtlCol="0" anchor="ctr"/>
-            <a:lstStyle/>
-            <a:p>
-              <a:pPr algn="ctr"/>
-              <a:endParaRPr kumimoji="1" lang="ja-JP" altLang="en-US"/>
-            </a:p>
-          </p:txBody>
-        </p:sp>
-        <p:sp>
-          <p:nvSpPr>
-            <p:cNvPr id="16" name="円弧 15">
-              <a:extLst>
-                <a:ext uri="{FF2B5EF4-FFF2-40B4-BE49-F238E27FC236}">
-                  <a16:creationId xmlns:a16="http://schemas.microsoft.com/office/drawing/2014/main" id="{24D54118-16BA-E4E7-2C10-DC055B34DBCF}"/>
-                </a:ext>
-              </a:extLst>
-            </p:cNvPr>
-            <p:cNvSpPr/>
-            <p:nvPr/>
-          </p:nvSpPr>
-          <p:spPr>
-            <a:xfrm rot="19079286">
-              <a:off x="374934" y="732788"/>
-              <a:ext cx="707924" cy="698091"/>
-            </a:xfrm>
-            <a:prstGeom prst="arc">
-              <a:avLst/>
-            </a:prstGeom>
-            <a:ln w="28575">
-              <a:solidFill>
-                <a:srgbClr val="EA7B6B"/>
-              </a:solidFill>
-            </a:ln>
-          </p:spPr>
-          <p:style>
-            <a:lnRef idx="1">
-              <a:schemeClr val="accent1"/>
-            </a:lnRef>
-            <a:fillRef idx="0">
-              <a:schemeClr val="accent1"/>
-            </a:fillRef>
-            <a:effectRef idx="0">
-              <a:schemeClr val="accent1"/>
-            </a:effectRef>
-            <a:fontRef idx="minor">
-              <a:schemeClr val="tx1"/>
-            </a:fontRef>
-          </p:style>
-          <p:txBody>
-            <a:bodyPr rtlCol="0" anchor="ctr"/>
-            <a:lstStyle/>
-            <a:p>
-              <a:pPr algn="ctr"/>
-              <a:endParaRPr kumimoji="1" lang="ja-JP" altLang="en-US"/>
-            </a:p>
-          </p:txBody>
-        </p:sp>
-      </p:grpSp>
-      <p:sp>
-        <p:nvSpPr>
-          <p:cNvPr id="20" name="テキスト ボックス 19">
-            <a:extLst>
-              <a:ext uri="{FF2B5EF4-FFF2-40B4-BE49-F238E27FC236}">
-                <a16:creationId xmlns:a16="http://schemas.microsoft.com/office/drawing/2014/main" id="{93D16964-E0C9-2363-48DD-3B661653827D}"/>
-              </a:ext>
-            </a:extLst>
-          </p:cNvPr>
-          <p:cNvSpPr txBox="1"/>
-          <p:nvPr/>
-        </p:nvSpPr>
-        <p:spPr>
-          <a:xfrm>
-            <a:off x="9558094" y="806695"/>
-            <a:ext cx="2401617" cy="461665"/>
-          </a:xfrm>
-          <a:prstGeom prst="rect">
-            <a:avLst/>
-          </a:prstGeom>
-          <a:noFill/>
-        </p:spPr>
-        <p:txBody>
-          <a:bodyPr wrap="square" rtlCol="0">
-            <a:spAutoFit/>
-          </a:bodyPr>
-          <a:lstStyle/>
-          <a:p>
-            <a:r>
-              <a:rPr kumimoji="1" lang="en-US" altLang="ja-JP" sz="2400" dirty="0">
-                <a:solidFill>
-                  <a:srgbClr val="001746"/>
-                </a:solidFill>
-                <a:latin typeface="Kristen ITC" panose="03050502040202030202" pitchFamily="66" charset="0"/>
-              </a:rPr>
-              <a:t>2024/06/07 (Fri)</a:t>
-            </a:r>
-            <a:endParaRPr kumimoji="1" lang="ja-JP" altLang="en-US" sz="2400" dirty="0">
-              <a:solidFill>
-                <a:srgbClr val="001746"/>
-              </a:solidFill>
-              <a:latin typeface="Kristen ITC" panose="03050502040202030202" pitchFamily="66" charset="0"/>
-            </a:endParaRPr>
-          </a:p>
-        </p:txBody>
-      </p:sp>
-      <p:sp>
-        <p:nvSpPr>
-          <p:cNvPr id="22" name="テキスト ボックス 21">
-            <a:extLst>
-              <a:ext uri="{FF2B5EF4-FFF2-40B4-BE49-F238E27FC236}">
-                <a16:creationId xmlns:a16="http://schemas.microsoft.com/office/drawing/2014/main" id="{71CC734F-A1B3-457D-DBDD-64EF65974439}"/>
-              </a:ext>
-            </a:extLst>
-          </p:cNvPr>
-          <p:cNvSpPr txBox="1"/>
-          <p:nvPr/>
-        </p:nvSpPr>
-        <p:spPr>
-          <a:xfrm>
             <a:off x="3517474" y="6409628"/>
             <a:ext cx="5965484" cy="307777"/>
           </a:xfrm>
@@ -40786,150 +40612,6 @@
           </a:p>
         </p:txBody>
       </p:sp>
-      <p:sp>
-        <p:nvSpPr>
-          <p:cNvPr id="37" name="楕円 36">
-            <a:extLst>
-              <a:ext uri="{FF2B5EF4-FFF2-40B4-BE49-F238E27FC236}">
-                <a16:creationId xmlns:a16="http://schemas.microsoft.com/office/drawing/2014/main" id="{F7B79908-BB3E-3DEC-C3FD-60D16C256C0A}"/>
-              </a:ext>
-            </a:extLst>
-          </p:cNvPr>
-          <p:cNvSpPr/>
-          <p:nvPr/>
-        </p:nvSpPr>
-        <p:spPr>
-          <a:xfrm>
-            <a:off x="3416828" y="5268931"/>
-            <a:ext cx="418538" cy="398206"/>
-          </a:xfrm>
-          <a:prstGeom prst="ellipse">
-            <a:avLst/>
-          </a:prstGeom>
-          <a:solidFill>
-            <a:schemeClr val="bg1"/>
-          </a:solidFill>
-          <a:ln w="28575">
-            <a:solidFill>
-              <a:srgbClr val="8AAEC9"/>
-            </a:solidFill>
-          </a:ln>
-        </p:spPr>
-        <p:style>
-          <a:lnRef idx="2">
-            <a:schemeClr val="accent1">
-              <a:shade val="15000"/>
-            </a:schemeClr>
-          </a:lnRef>
-          <a:fillRef idx="1">
-            <a:schemeClr val="accent1"/>
-          </a:fillRef>
-          <a:effectRef idx="0">
-            <a:schemeClr val="accent1"/>
-          </a:effectRef>
-          <a:fontRef idx="minor">
-            <a:schemeClr val="lt1"/>
-          </a:fontRef>
-        </p:style>
-        <p:txBody>
-          <a:bodyPr rtlCol="0" anchor="ctr"/>
-          <a:lstStyle/>
-          <a:p>
-            <a:pPr algn="ctr"/>
-            <a:endParaRPr kumimoji="1" lang="ja-JP" altLang="en-US" sz="4000" dirty="0">
-              <a:solidFill>
-                <a:srgbClr val="8AAEC9"/>
-              </a:solidFill>
-            </a:endParaRPr>
-          </a:p>
-        </p:txBody>
-      </p:sp>
-      <p:cxnSp>
-        <p:nvCxnSpPr>
-          <p:cNvPr id="10" name="直線コネクタ 9">
-            <a:extLst>
-              <a:ext uri="{FF2B5EF4-FFF2-40B4-BE49-F238E27FC236}">
-                <a16:creationId xmlns:a16="http://schemas.microsoft.com/office/drawing/2014/main" id="{B0AA5A77-1C18-208E-5728-DB25A3B32D8F}"/>
-              </a:ext>
-            </a:extLst>
-          </p:cNvPr>
-          <p:cNvCxnSpPr>
-            <a:cxnSpLocks/>
-          </p:cNvCxnSpPr>
-          <p:nvPr/>
-        </p:nvCxnSpPr>
-        <p:spPr>
-          <a:xfrm>
-            <a:off x="3620123" y="5350366"/>
-            <a:ext cx="0" cy="235335"/>
-          </a:xfrm>
-          <a:prstGeom prst="line">
-            <a:avLst/>
-          </a:prstGeom>
-          <a:ln w="28575">
-            <a:solidFill>
-              <a:srgbClr val="8AAEC9"/>
-            </a:solidFill>
-          </a:ln>
-        </p:spPr>
-        <p:style>
-          <a:lnRef idx="1">
-            <a:schemeClr val="accent1"/>
-          </a:lnRef>
-          <a:fillRef idx="0">
-            <a:schemeClr val="accent1"/>
-          </a:fillRef>
-          <a:effectRef idx="0">
-            <a:schemeClr val="accent1"/>
-          </a:effectRef>
-          <a:fontRef idx="minor">
-            <a:schemeClr val="tx1"/>
-          </a:fontRef>
-        </p:style>
-      </p:cxnSp>
-      <p:cxnSp>
-        <p:nvCxnSpPr>
-          <p:cNvPr id="3" name="直線コネクタ 2">
-            <a:extLst>
-              <a:ext uri="{FF2B5EF4-FFF2-40B4-BE49-F238E27FC236}">
-                <a16:creationId xmlns:a16="http://schemas.microsoft.com/office/drawing/2014/main" id="{E1DAF4A9-1370-04C3-644A-AE4293282E75}"/>
-              </a:ext>
-            </a:extLst>
-          </p:cNvPr>
-          <p:cNvCxnSpPr>
-            <a:cxnSpLocks/>
-          </p:cNvCxnSpPr>
-          <p:nvPr/>
-        </p:nvCxnSpPr>
-        <p:spPr>
-          <a:xfrm>
-            <a:off x="3494902" y="5468034"/>
-            <a:ext cx="250443" cy="0"/>
-          </a:xfrm>
-          <a:prstGeom prst="line">
-            <a:avLst/>
-          </a:prstGeom>
-          <a:ln w="28575">
-            <a:solidFill>
-              <a:srgbClr val="8AAEC9"/>
-            </a:solidFill>
-          </a:ln>
-        </p:spPr>
-        <p:style>
-          <a:lnRef idx="1">
-            <a:schemeClr val="accent1"/>
-          </a:lnRef>
-          <a:fillRef idx="0">
-            <a:schemeClr val="accent1"/>
-          </a:fillRef>
-          <a:effectRef idx="0">
-            <a:schemeClr val="accent1"/>
-          </a:effectRef>
-          <a:fontRef idx="minor">
-            <a:schemeClr val="tx1"/>
-          </a:fontRef>
-        </p:style>
-      </p:cxnSp>
     </p:spTree>
     <p:extLst>
       <p:ext uri="{BB962C8B-B14F-4D97-AF65-F5344CB8AC3E}">

--- a/doc/13_外部設計/famiLink 画面デザイン.pptx
+++ b/doc/13_外部設計/famiLink 画面デザイン.pptx
@@ -5765,7 +5765,7 @@
 </file>
 
 <file path=ppt/slides/slide1.xml><?xml version="1.0" encoding="utf-8"?>
-<p:sld xmlns:a="http://schemas.openxmlformats.org/drawingml/2006/main" xmlns:r="http://schemas.openxmlformats.org/officeDocument/2006/relationships" xmlns:p="http://schemas.openxmlformats.org/presentationml/2006/main">
+<p:sld xmlns:a="http://schemas.openxmlformats.org/drawingml/2006/main" xmlns:r="http://schemas.openxmlformats.org/officeDocument/2006/relationships" xmlns:p="http://schemas.openxmlformats.org/presentationml/2006/main" show="0">
   <p:cSld>
     <p:spTree>
       <p:nvGrpSpPr>

--- a/doc/13_外部設計/famiLink 画面デザイン.pptx
+++ b/doc/13_外部設計/famiLink 画面デザイン.pptx
@@ -296,7 +296,7 @@
           <a:p>
             <a:fld id="{4B2430ED-E2F6-4484-A6AC-505E26A42927}" type="datetimeFigureOut">
               <a:rPr kumimoji="1" lang="ja-JP" altLang="en-US" smtClean="0"/>
-              <a:t>2024/6/17</a:t>
+              <a:t>2024/6/18</a:t>
             </a:fld>
             <a:endParaRPr kumimoji="1" lang="ja-JP" altLang="en-US"/>
           </a:p>
@@ -2763,7 +2763,7 @@
           <a:p>
             <a:fld id="{BAC50D38-93CF-4DED-8D80-A808B08123E7}" type="datetimeFigureOut">
               <a:rPr kumimoji="1" lang="ja-JP" altLang="en-US" smtClean="0"/>
-              <a:t>2024/6/17</a:t>
+              <a:t>2024/6/18</a:t>
             </a:fld>
             <a:endParaRPr kumimoji="1" lang="ja-JP" altLang="en-US"/>
           </a:p>
@@ -2965,7 +2965,7 @@
           <a:p>
             <a:fld id="{BAC50D38-93CF-4DED-8D80-A808B08123E7}" type="datetimeFigureOut">
               <a:rPr kumimoji="1" lang="ja-JP" altLang="en-US" smtClean="0"/>
-              <a:t>2024/6/17</a:t>
+              <a:t>2024/6/18</a:t>
             </a:fld>
             <a:endParaRPr kumimoji="1" lang="ja-JP" altLang="en-US"/>
           </a:p>
@@ -3177,7 +3177,7 @@
           <a:p>
             <a:fld id="{BAC50D38-93CF-4DED-8D80-A808B08123E7}" type="datetimeFigureOut">
               <a:rPr kumimoji="1" lang="ja-JP" altLang="en-US" smtClean="0"/>
-              <a:t>2024/6/17</a:t>
+              <a:t>2024/6/18</a:t>
             </a:fld>
             <a:endParaRPr kumimoji="1" lang="ja-JP" altLang="en-US"/>
           </a:p>
@@ -3379,7 +3379,7 @@
           <a:p>
             <a:fld id="{BAC50D38-93CF-4DED-8D80-A808B08123E7}" type="datetimeFigureOut">
               <a:rPr kumimoji="1" lang="ja-JP" altLang="en-US" smtClean="0"/>
-              <a:t>2024/6/17</a:t>
+              <a:t>2024/6/18</a:t>
             </a:fld>
             <a:endParaRPr kumimoji="1" lang="ja-JP" altLang="en-US"/>
           </a:p>
@@ -3625,7 +3625,7 @@
           <a:p>
             <a:fld id="{BAC50D38-93CF-4DED-8D80-A808B08123E7}" type="datetimeFigureOut">
               <a:rPr kumimoji="1" lang="ja-JP" altLang="en-US" smtClean="0"/>
-              <a:t>2024/6/17</a:t>
+              <a:t>2024/6/18</a:t>
             </a:fld>
             <a:endParaRPr kumimoji="1" lang="ja-JP" altLang="en-US"/>
           </a:p>
@@ -3921,7 +3921,7 @@
           <a:p>
             <a:fld id="{BAC50D38-93CF-4DED-8D80-A808B08123E7}" type="datetimeFigureOut">
               <a:rPr kumimoji="1" lang="ja-JP" altLang="en-US" smtClean="0"/>
-              <a:t>2024/6/17</a:t>
+              <a:t>2024/6/18</a:t>
             </a:fld>
             <a:endParaRPr kumimoji="1" lang="ja-JP" altLang="en-US"/>
           </a:p>
@@ -4352,7 +4352,7 @@
           <a:p>
             <a:fld id="{BAC50D38-93CF-4DED-8D80-A808B08123E7}" type="datetimeFigureOut">
               <a:rPr kumimoji="1" lang="ja-JP" altLang="en-US" smtClean="0"/>
-              <a:t>2024/6/17</a:t>
+              <a:t>2024/6/18</a:t>
             </a:fld>
             <a:endParaRPr kumimoji="1" lang="ja-JP" altLang="en-US"/>
           </a:p>
@@ -4470,7 +4470,7 @@
           <a:p>
             <a:fld id="{BAC50D38-93CF-4DED-8D80-A808B08123E7}" type="datetimeFigureOut">
               <a:rPr kumimoji="1" lang="ja-JP" altLang="en-US" smtClean="0"/>
-              <a:t>2024/6/17</a:t>
+              <a:t>2024/6/18</a:t>
             </a:fld>
             <a:endParaRPr kumimoji="1" lang="ja-JP" altLang="en-US"/>
           </a:p>
@@ -4565,7 +4565,7 @@
           <a:p>
             <a:fld id="{BAC50D38-93CF-4DED-8D80-A808B08123E7}" type="datetimeFigureOut">
               <a:rPr kumimoji="1" lang="ja-JP" altLang="en-US" smtClean="0"/>
-              <a:t>2024/6/17</a:t>
+              <a:t>2024/6/18</a:t>
             </a:fld>
             <a:endParaRPr kumimoji="1" lang="ja-JP" altLang="en-US"/>
           </a:p>
@@ -4874,7 +4874,7 @@
           <a:p>
             <a:fld id="{BAC50D38-93CF-4DED-8D80-A808B08123E7}" type="datetimeFigureOut">
               <a:rPr kumimoji="1" lang="ja-JP" altLang="en-US" smtClean="0"/>
-              <a:t>2024/6/17</a:t>
+              <a:t>2024/6/18</a:t>
             </a:fld>
             <a:endParaRPr kumimoji="1" lang="ja-JP" altLang="en-US"/>
           </a:p>
@@ -5131,7 +5131,7 @@
           <a:p>
             <a:fld id="{BAC50D38-93CF-4DED-8D80-A808B08123E7}" type="datetimeFigureOut">
               <a:rPr kumimoji="1" lang="ja-JP" altLang="en-US" smtClean="0"/>
-              <a:t>2024/6/17</a:t>
+              <a:t>2024/6/18</a:t>
             </a:fld>
             <a:endParaRPr kumimoji="1" lang="ja-JP" altLang="en-US"/>
           </a:p>
@@ -5376,7 +5376,7 @@
           <a:p>
             <a:fld id="{BAC50D38-93CF-4DED-8D80-A808B08123E7}" type="datetimeFigureOut">
               <a:rPr kumimoji="1" lang="ja-JP" altLang="en-US" smtClean="0"/>
-              <a:t>2024/6/17</a:t>
+              <a:t>2024/6/18</a:t>
             </a:fld>
             <a:endParaRPr kumimoji="1" lang="ja-JP" altLang="en-US"/>
           </a:p>

--- a/doc/13_外部設計/famiLink 画面デザイン.pptx
+++ b/doc/13_外部設計/famiLink 画面デザイン.pptx
@@ -15,11 +15,11 @@
     <p:sldId id="320" r:id="rId6"/>
     <p:sldId id="299" r:id="rId7"/>
     <p:sldId id="313" r:id="rId8"/>
-    <p:sldId id="312" r:id="rId9"/>
-    <p:sldId id="294" r:id="rId10"/>
-    <p:sldId id="297" r:id="rId11"/>
-    <p:sldId id="311" r:id="rId12"/>
-    <p:sldId id="296" r:id="rId13"/>
+    <p:sldId id="296" r:id="rId9"/>
+    <p:sldId id="312" r:id="rId10"/>
+    <p:sldId id="294" r:id="rId11"/>
+    <p:sldId id="297" r:id="rId12"/>
+    <p:sldId id="311" r:id="rId13"/>
     <p:sldId id="306" r:id="rId14"/>
     <p:sldId id="315" r:id="rId15"/>
     <p:sldId id="316" r:id="rId16"/>
@@ -156,6 +156,11 @@
             <p14:sldId id="313"/>
           </p14:sldIdLst>
         </p14:section>
+        <p14:section name="登録完了画面" id="{680B505C-613E-4EE5-A37D-CDB4F16ED553}">
+          <p14:sldIdLst>
+            <p14:sldId id="296"/>
+          </p14:sldIdLst>
+        </p14:section>
         <p14:section name="アカウント画面" id="{BCFD2CCE-A018-4A8B-A82F-A99A4AFB5B02}">
           <p14:sldIdLst>
             <p14:sldId id="312"/>
@@ -166,11 +171,6 @@
             <p14:sldId id="294"/>
             <p14:sldId id="297"/>
             <p14:sldId id="311"/>
-          </p14:sldIdLst>
-        </p14:section>
-        <p14:section name="完了画面" id="{680B505C-613E-4EE5-A37D-CDB4F16ED553}">
-          <p14:sldIdLst>
-            <p14:sldId id="296"/>
           </p14:sldIdLst>
         </p14:section>
         <p14:section name="ホーム(マニュアル)画面" id="{B3CE27B6-794E-4CB8-B611-2E41F6ADFD2C}">
@@ -1951,7 +1951,7 @@
           <a:p>
             <a:fld id="{2065F3AF-433A-438B-9EB1-8B8EFDF3B785}" type="slidenum">
               <a:rPr kumimoji="1" lang="ja-JP" altLang="en-US" smtClean="0"/>
-              <a:t>8</a:t>
+              <a:t>9</a:t>
             </a:fld>
             <a:endParaRPr kumimoji="1" lang="ja-JP" altLang="en-US"/>
           </a:p>
@@ -2038,7 +2038,7 @@
           <a:p>
             <a:fld id="{C3A6A18F-9FD0-49ED-95E1-7FCA88DBA657}" type="slidenum">
               <a:rPr kumimoji="1" lang="ja-JP" altLang="en-US" smtClean="0"/>
-              <a:t>9</a:t>
+              <a:t>10</a:t>
             </a:fld>
             <a:endParaRPr kumimoji="1" lang="ja-JP" altLang="en-US"/>
           </a:p>
@@ -2125,7 +2125,7 @@
           <a:p>
             <a:fld id="{C3A6A18F-9FD0-49ED-95E1-7FCA88DBA657}" type="slidenum">
               <a:rPr kumimoji="1" lang="ja-JP" altLang="en-US" smtClean="0"/>
-              <a:t>10</a:t>
+              <a:t>11</a:t>
             </a:fld>
             <a:endParaRPr kumimoji="1" lang="ja-JP" altLang="en-US"/>
           </a:p>
@@ -2237,7 +2237,7 @@
           <a:p>
             <a:fld id="{2065F3AF-433A-438B-9EB1-8B8EFDF3B785}" type="slidenum">
               <a:rPr kumimoji="1" lang="ja-JP" altLang="en-US" smtClean="0"/>
-              <a:t>11</a:t>
+              <a:t>12</a:t>
             </a:fld>
             <a:endParaRPr kumimoji="1" lang="ja-JP" altLang="en-US"/>
           </a:p>
@@ -6941,6 +6941,1291 @@
           <p:cNvPr id="11" name="四角形: 角を丸くする 10">
             <a:extLst>
               <a:ext uri="{FF2B5EF4-FFF2-40B4-BE49-F238E27FC236}">
+                <a16:creationId xmlns:a16="http://schemas.microsoft.com/office/drawing/2014/main" id="{C8CB9416-11D2-A1EC-7D44-949F6B1EB429}"/>
+              </a:ext>
+            </a:extLst>
+          </p:cNvPr>
+          <p:cNvSpPr/>
+          <p:nvPr/>
+        </p:nvSpPr>
+        <p:spPr>
+          <a:xfrm>
+            <a:off x="1854680" y="1725283"/>
+            <a:ext cx="2360481" cy="2177644"/>
+          </a:xfrm>
+          <a:prstGeom prst="roundRect">
+            <a:avLst>
+              <a:gd name="adj" fmla="val 11781"/>
+            </a:avLst>
+          </a:prstGeom>
+          <a:solidFill>
+            <a:srgbClr val="F9E799"/>
+          </a:solidFill>
+          <a:ln>
+            <a:noFill/>
+          </a:ln>
+        </p:spPr>
+        <p:style>
+          <a:lnRef idx="2">
+            <a:schemeClr val="accent1">
+              <a:shade val="15000"/>
+            </a:schemeClr>
+          </a:lnRef>
+          <a:fillRef idx="1">
+            <a:schemeClr val="accent1"/>
+          </a:fillRef>
+          <a:effectRef idx="0">
+            <a:schemeClr val="accent1"/>
+          </a:effectRef>
+          <a:fontRef idx="minor">
+            <a:schemeClr val="lt1"/>
+          </a:fontRef>
+        </p:style>
+        <p:txBody>
+          <a:bodyPr rtlCol="0" anchor="ctr"/>
+          <a:lstStyle/>
+          <a:p>
+            <a:pPr algn="ctr"/>
+            <a:endParaRPr kumimoji="1" lang="ja-JP" altLang="en-US" dirty="0"/>
+          </a:p>
+        </p:txBody>
+      </p:sp>
+      <p:sp>
+        <p:nvSpPr>
+          <p:cNvPr id="12" name="四角形: 角を丸くする 11">
+            <a:extLst>
+              <a:ext uri="{FF2B5EF4-FFF2-40B4-BE49-F238E27FC236}">
+                <a16:creationId xmlns:a16="http://schemas.microsoft.com/office/drawing/2014/main" id="{93B1C024-3636-1A66-6187-D7B3EE299044}"/>
+              </a:ext>
+            </a:extLst>
+          </p:cNvPr>
+          <p:cNvSpPr/>
+          <p:nvPr/>
+        </p:nvSpPr>
+        <p:spPr>
+          <a:xfrm>
+            <a:off x="4915759" y="1745427"/>
+            <a:ext cx="2360481" cy="2177644"/>
+          </a:xfrm>
+          <a:prstGeom prst="roundRect">
+            <a:avLst>
+              <a:gd name="adj" fmla="val 11781"/>
+            </a:avLst>
+          </a:prstGeom>
+          <a:solidFill>
+            <a:srgbClr val="F9E799"/>
+          </a:solidFill>
+          <a:ln>
+            <a:noFill/>
+          </a:ln>
+        </p:spPr>
+        <p:style>
+          <a:lnRef idx="2">
+            <a:schemeClr val="accent1">
+              <a:shade val="15000"/>
+            </a:schemeClr>
+          </a:lnRef>
+          <a:fillRef idx="1">
+            <a:schemeClr val="accent1"/>
+          </a:fillRef>
+          <a:effectRef idx="0">
+            <a:schemeClr val="accent1"/>
+          </a:effectRef>
+          <a:fontRef idx="minor">
+            <a:schemeClr val="lt1"/>
+          </a:fontRef>
+        </p:style>
+        <p:txBody>
+          <a:bodyPr rtlCol="0" anchor="ctr"/>
+          <a:lstStyle/>
+          <a:p>
+            <a:pPr algn="ctr"/>
+            <a:endParaRPr kumimoji="1" lang="ja-JP" altLang="en-US" dirty="0"/>
+          </a:p>
+        </p:txBody>
+      </p:sp>
+      <p:sp>
+        <p:nvSpPr>
+          <p:cNvPr id="13" name="四角形: 角を丸くする 12">
+            <a:extLst>
+              <a:ext uri="{FF2B5EF4-FFF2-40B4-BE49-F238E27FC236}">
+                <a16:creationId xmlns:a16="http://schemas.microsoft.com/office/drawing/2014/main" id="{D50C44EF-F437-C530-EC1D-C34492AF1C8F}"/>
+              </a:ext>
+            </a:extLst>
+          </p:cNvPr>
+          <p:cNvSpPr/>
+          <p:nvPr/>
+        </p:nvSpPr>
+        <p:spPr>
+          <a:xfrm>
+            <a:off x="7976838" y="1725283"/>
+            <a:ext cx="2360481" cy="2177644"/>
+          </a:xfrm>
+          <a:prstGeom prst="roundRect">
+            <a:avLst>
+              <a:gd name="adj" fmla="val 11781"/>
+            </a:avLst>
+          </a:prstGeom>
+          <a:solidFill>
+            <a:srgbClr val="F9E799"/>
+          </a:solidFill>
+          <a:ln>
+            <a:noFill/>
+          </a:ln>
+        </p:spPr>
+        <p:style>
+          <a:lnRef idx="2">
+            <a:schemeClr val="accent1">
+              <a:shade val="15000"/>
+            </a:schemeClr>
+          </a:lnRef>
+          <a:fillRef idx="1">
+            <a:schemeClr val="accent1"/>
+          </a:fillRef>
+          <a:effectRef idx="0">
+            <a:schemeClr val="accent1"/>
+          </a:effectRef>
+          <a:fontRef idx="minor">
+            <a:schemeClr val="lt1"/>
+          </a:fontRef>
+        </p:style>
+        <p:txBody>
+          <a:bodyPr rtlCol="0" anchor="ctr"/>
+          <a:lstStyle/>
+          <a:p>
+            <a:pPr algn="ctr"/>
+            <a:endParaRPr kumimoji="1" lang="ja-JP" altLang="en-US" dirty="0"/>
+          </a:p>
+        </p:txBody>
+      </p:sp>
+      <p:sp>
+        <p:nvSpPr>
+          <p:cNvPr id="14" name="四角形: 角を丸くする 13">
+            <a:extLst>
+              <a:ext uri="{FF2B5EF4-FFF2-40B4-BE49-F238E27FC236}">
+                <a16:creationId xmlns:a16="http://schemas.microsoft.com/office/drawing/2014/main" id="{70FB40BF-E2D8-365B-F902-77AA6196C020}"/>
+              </a:ext>
+            </a:extLst>
+          </p:cNvPr>
+          <p:cNvSpPr/>
+          <p:nvPr/>
+        </p:nvSpPr>
+        <p:spPr>
+          <a:xfrm>
+            <a:off x="1854680" y="4241862"/>
+            <a:ext cx="2360481" cy="2177644"/>
+          </a:xfrm>
+          <a:prstGeom prst="roundRect">
+            <a:avLst>
+              <a:gd name="adj" fmla="val 11781"/>
+            </a:avLst>
+          </a:prstGeom>
+          <a:solidFill>
+            <a:srgbClr val="F9E799"/>
+          </a:solidFill>
+          <a:ln>
+            <a:noFill/>
+          </a:ln>
+        </p:spPr>
+        <p:style>
+          <a:lnRef idx="2">
+            <a:schemeClr val="accent1">
+              <a:shade val="15000"/>
+            </a:schemeClr>
+          </a:lnRef>
+          <a:fillRef idx="1">
+            <a:schemeClr val="accent1"/>
+          </a:fillRef>
+          <a:effectRef idx="0">
+            <a:schemeClr val="accent1"/>
+          </a:effectRef>
+          <a:fontRef idx="minor">
+            <a:schemeClr val="lt1"/>
+          </a:fontRef>
+        </p:style>
+        <p:txBody>
+          <a:bodyPr rtlCol="0" anchor="ctr"/>
+          <a:lstStyle/>
+          <a:p>
+            <a:pPr algn="ctr"/>
+            <a:endParaRPr kumimoji="1" lang="ja-JP" altLang="en-US" dirty="0"/>
+          </a:p>
+        </p:txBody>
+      </p:sp>
+      <p:sp>
+        <p:nvSpPr>
+          <p:cNvPr id="15" name="四角形: 角を丸くする 14">
+            <a:extLst>
+              <a:ext uri="{FF2B5EF4-FFF2-40B4-BE49-F238E27FC236}">
+                <a16:creationId xmlns:a16="http://schemas.microsoft.com/office/drawing/2014/main" id="{97D47777-951E-BE1D-C13F-BFEE903E566E}"/>
+              </a:ext>
+            </a:extLst>
+          </p:cNvPr>
+          <p:cNvSpPr/>
+          <p:nvPr/>
+        </p:nvSpPr>
+        <p:spPr>
+          <a:xfrm>
+            <a:off x="4915758" y="4236935"/>
+            <a:ext cx="2360481" cy="2177644"/>
+          </a:xfrm>
+          <a:prstGeom prst="roundRect">
+            <a:avLst>
+              <a:gd name="adj" fmla="val 11781"/>
+            </a:avLst>
+          </a:prstGeom>
+          <a:solidFill>
+            <a:srgbClr val="F9E799"/>
+          </a:solidFill>
+          <a:ln>
+            <a:noFill/>
+          </a:ln>
+        </p:spPr>
+        <p:style>
+          <a:lnRef idx="2">
+            <a:schemeClr val="accent1">
+              <a:shade val="15000"/>
+            </a:schemeClr>
+          </a:lnRef>
+          <a:fillRef idx="1">
+            <a:schemeClr val="accent1"/>
+          </a:fillRef>
+          <a:effectRef idx="0">
+            <a:schemeClr val="accent1"/>
+          </a:effectRef>
+          <a:fontRef idx="minor">
+            <a:schemeClr val="lt1"/>
+          </a:fontRef>
+        </p:style>
+        <p:txBody>
+          <a:bodyPr rtlCol="0" anchor="ctr"/>
+          <a:lstStyle/>
+          <a:p>
+            <a:pPr algn="ctr"/>
+            <a:endParaRPr kumimoji="1" lang="ja-JP" altLang="en-US" dirty="0"/>
+          </a:p>
+        </p:txBody>
+      </p:sp>
+      <p:sp>
+        <p:nvSpPr>
+          <p:cNvPr id="16" name="四角形: 角を丸くする 15">
+            <a:extLst>
+              <a:ext uri="{FF2B5EF4-FFF2-40B4-BE49-F238E27FC236}">
+                <a16:creationId xmlns:a16="http://schemas.microsoft.com/office/drawing/2014/main" id="{246BAD66-53A2-310E-BF61-B943A5211592}"/>
+              </a:ext>
+            </a:extLst>
+          </p:cNvPr>
+          <p:cNvSpPr/>
+          <p:nvPr/>
+        </p:nvSpPr>
+        <p:spPr>
+          <a:xfrm>
+            <a:off x="7976836" y="4236935"/>
+            <a:ext cx="2360481" cy="2177644"/>
+          </a:xfrm>
+          <a:prstGeom prst="roundRect">
+            <a:avLst>
+              <a:gd name="adj" fmla="val 11781"/>
+            </a:avLst>
+          </a:prstGeom>
+          <a:noFill/>
+          <a:ln w="57150">
+            <a:solidFill>
+              <a:srgbClr val="F9E799"/>
+            </a:solidFill>
+            <a:prstDash val="dash"/>
+          </a:ln>
+        </p:spPr>
+        <p:style>
+          <a:lnRef idx="2">
+            <a:schemeClr val="accent1">
+              <a:shade val="15000"/>
+            </a:schemeClr>
+          </a:lnRef>
+          <a:fillRef idx="1">
+            <a:schemeClr val="accent1"/>
+          </a:fillRef>
+          <a:effectRef idx="0">
+            <a:schemeClr val="accent1"/>
+          </a:effectRef>
+          <a:fontRef idx="minor">
+            <a:schemeClr val="lt1"/>
+          </a:fontRef>
+        </p:style>
+        <p:txBody>
+          <a:bodyPr rtlCol="0" anchor="ctr"/>
+          <a:lstStyle/>
+          <a:p>
+            <a:pPr algn="ctr"/>
+            <a:endParaRPr kumimoji="1" lang="ja-JP" altLang="en-US" dirty="0"/>
+          </a:p>
+        </p:txBody>
+      </p:sp>
+      <p:sp>
+        <p:nvSpPr>
+          <p:cNvPr id="17" name="十字形 16">
+            <a:extLst>
+              <a:ext uri="{FF2B5EF4-FFF2-40B4-BE49-F238E27FC236}">
+                <a16:creationId xmlns:a16="http://schemas.microsoft.com/office/drawing/2014/main" id="{9A1E17CC-5FFB-20E6-264A-E78F1B77C85F}"/>
+              </a:ext>
+            </a:extLst>
+          </p:cNvPr>
+          <p:cNvSpPr/>
+          <p:nvPr/>
+        </p:nvSpPr>
+        <p:spPr>
+          <a:xfrm>
+            <a:off x="8616242" y="4779347"/>
+            <a:ext cx="1081668" cy="1092819"/>
+          </a:xfrm>
+          <a:prstGeom prst="plus">
+            <a:avLst>
+              <a:gd name="adj" fmla="val 45306"/>
+            </a:avLst>
+          </a:prstGeom>
+          <a:solidFill>
+            <a:srgbClr val="F9E799"/>
+          </a:solidFill>
+          <a:ln>
+            <a:solidFill>
+              <a:srgbClr val="F9E799"/>
+            </a:solidFill>
+          </a:ln>
+        </p:spPr>
+        <p:style>
+          <a:lnRef idx="2">
+            <a:schemeClr val="accent1">
+              <a:shade val="15000"/>
+            </a:schemeClr>
+          </a:lnRef>
+          <a:fillRef idx="1">
+            <a:schemeClr val="accent1"/>
+          </a:fillRef>
+          <a:effectRef idx="0">
+            <a:schemeClr val="accent1"/>
+          </a:effectRef>
+          <a:fontRef idx="minor">
+            <a:schemeClr val="lt1"/>
+          </a:fontRef>
+        </p:style>
+        <p:txBody>
+          <a:bodyPr rtlCol="0" anchor="ctr"/>
+          <a:lstStyle/>
+          <a:p>
+            <a:pPr algn="ctr"/>
+            <a:endParaRPr kumimoji="1" lang="ja-JP" altLang="en-US"/>
+          </a:p>
+        </p:txBody>
+      </p:sp>
+      <p:sp>
+        <p:nvSpPr>
+          <p:cNvPr id="21" name="四角形: 角を丸くする 20">
+            <a:extLst>
+              <a:ext uri="{FF2B5EF4-FFF2-40B4-BE49-F238E27FC236}">
+                <a16:creationId xmlns:a16="http://schemas.microsoft.com/office/drawing/2014/main" id="{B29C8612-9C4D-8CFF-CD60-EB2D61583539}"/>
+              </a:ext>
+            </a:extLst>
+          </p:cNvPr>
+          <p:cNvSpPr/>
+          <p:nvPr/>
+        </p:nvSpPr>
+        <p:spPr>
+          <a:xfrm>
+            <a:off x="2354695" y="2184840"/>
+            <a:ext cx="1325207" cy="1258530"/>
+          </a:xfrm>
+          <a:prstGeom prst="roundRect">
+            <a:avLst/>
+          </a:prstGeom>
+          <a:solidFill>
+            <a:schemeClr val="bg1"/>
+          </a:solidFill>
+          <a:ln>
+            <a:noFill/>
+          </a:ln>
+        </p:spPr>
+        <p:style>
+          <a:lnRef idx="2">
+            <a:schemeClr val="accent1">
+              <a:shade val="15000"/>
+            </a:schemeClr>
+          </a:lnRef>
+          <a:fillRef idx="1">
+            <a:schemeClr val="accent1"/>
+          </a:fillRef>
+          <a:effectRef idx="0">
+            <a:schemeClr val="accent1"/>
+          </a:effectRef>
+          <a:fontRef idx="minor">
+            <a:schemeClr val="lt1"/>
+          </a:fontRef>
+        </p:style>
+        <p:txBody>
+          <a:bodyPr rtlCol="0" anchor="ctr"/>
+          <a:lstStyle/>
+          <a:p>
+            <a:pPr algn="ctr"/>
+            <a:endParaRPr kumimoji="1" lang="ja-JP" altLang="en-US"/>
+          </a:p>
+        </p:txBody>
+      </p:sp>
+      <p:sp>
+        <p:nvSpPr>
+          <p:cNvPr id="22" name="四角形: 角を丸くする 21">
+            <a:extLst>
+              <a:ext uri="{FF2B5EF4-FFF2-40B4-BE49-F238E27FC236}">
+                <a16:creationId xmlns:a16="http://schemas.microsoft.com/office/drawing/2014/main" id="{DFECB23E-D027-DBB5-1F02-80188E6A0870}"/>
+              </a:ext>
+            </a:extLst>
+          </p:cNvPr>
+          <p:cNvSpPr/>
+          <p:nvPr/>
+        </p:nvSpPr>
+        <p:spPr>
+          <a:xfrm>
+            <a:off x="5433396" y="2192208"/>
+            <a:ext cx="1325207" cy="1258530"/>
+          </a:xfrm>
+          <a:prstGeom prst="roundRect">
+            <a:avLst/>
+          </a:prstGeom>
+          <a:solidFill>
+            <a:schemeClr val="bg1"/>
+          </a:solidFill>
+          <a:ln>
+            <a:noFill/>
+          </a:ln>
+        </p:spPr>
+        <p:style>
+          <a:lnRef idx="2">
+            <a:schemeClr val="accent1">
+              <a:shade val="15000"/>
+            </a:schemeClr>
+          </a:lnRef>
+          <a:fillRef idx="1">
+            <a:schemeClr val="accent1"/>
+          </a:fillRef>
+          <a:effectRef idx="0">
+            <a:schemeClr val="accent1"/>
+          </a:effectRef>
+          <a:fontRef idx="minor">
+            <a:schemeClr val="lt1"/>
+          </a:fontRef>
+        </p:style>
+        <p:txBody>
+          <a:bodyPr rtlCol="0" anchor="ctr"/>
+          <a:lstStyle/>
+          <a:p>
+            <a:pPr algn="ctr"/>
+            <a:endParaRPr kumimoji="1" lang="ja-JP" altLang="en-US"/>
+          </a:p>
+        </p:txBody>
+      </p:sp>
+      <p:sp>
+        <p:nvSpPr>
+          <p:cNvPr id="24" name="四角形: 角を丸くする 23">
+            <a:extLst>
+              <a:ext uri="{FF2B5EF4-FFF2-40B4-BE49-F238E27FC236}">
+                <a16:creationId xmlns:a16="http://schemas.microsoft.com/office/drawing/2014/main" id="{2DFF1C16-C2C1-E23C-DF60-B0DA2E517587}"/>
+              </a:ext>
+            </a:extLst>
+          </p:cNvPr>
+          <p:cNvSpPr/>
+          <p:nvPr/>
+        </p:nvSpPr>
+        <p:spPr>
+          <a:xfrm>
+            <a:off x="8506228" y="2192208"/>
+            <a:ext cx="1325207" cy="1258530"/>
+          </a:xfrm>
+          <a:prstGeom prst="roundRect">
+            <a:avLst/>
+          </a:prstGeom>
+          <a:solidFill>
+            <a:schemeClr val="bg1"/>
+          </a:solidFill>
+          <a:ln>
+            <a:noFill/>
+          </a:ln>
+        </p:spPr>
+        <p:style>
+          <a:lnRef idx="2">
+            <a:schemeClr val="accent1">
+              <a:shade val="15000"/>
+            </a:schemeClr>
+          </a:lnRef>
+          <a:fillRef idx="1">
+            <a:schemeClr val="accent1"/>
+          </a:fillRef>
+          <a:effectRef idx="0">
+            <a:schemeClr val="accent1"/>
+          </a:effectRef>
+          <a:fontRef idx="minor">
+            <a:schemeClr val="lt1"/>
+          </a:fontRef>
+        </p:style>
+        <p:txBody>
+          <a:bodyPr rtlCol="0" anchor="ctr"/>
+          <a:lstStyle/>
+          <a:p>
+            <a:pPr algn="ctr"/>
+            <a:endParaRPr kumimoji="1" lang="ja-JP" altLang="en-US"/>
+          </a:p>
+        </p:txBody>
+      </p:sp>
+      <p:sp>
+        <p:nvSpPr>
+          <p:cNvPr id="26" name="四角形: 角を丸くする 25">
+            <a:extLst>
+              <a:ext uri="{FF2B5EF4-FFF2-40B4-BE49-F238E27FC236}">
+                <a16:creationId xmlns:a16="http://schemas.microsoft.com/office/drawing/2014/main" id="{F94691F5-EDC4-6915-74FD-67B69E327AA3}"/>
+              </a:ext>
+            </a:extLst>
+          </p:cNvPr>
+          <p:cNvSpPr/>
+          <p:nvPr/>
+        </p:nvSpPr>
+        <p:spPr>
+          <a:xfrm>
+            <a:off x="2354695" y="4704789"/>
+            <a:ext cx="1325207" cy="1258530"/>
+          </a:xfrm>
+          <a:prstGeom prst="roundRect">
+            <a:avLst/>
+          </a:prstGeom>
+          <a:solidFill>
+            <a:schemeClr val="bg1"/>
+          </a:solidFill>
+          <a:ln>
+            <a:noFill/>
+          </a:ln>
+        </p:spPr>
+        <p:style>
+          <a:lnRef idx="2">
+            <a:schemeClr val="accent1">
+              <a:shade val="15000"/>
+            </a:schemeClr>
+          </a:lnRef>
+          <a:fillRef idx="1">
+            <a:schemeClr val="accent1"/>
+          </a:fillRef>
+          <a:effectRef idx="0">
+            <a:schemeClr val="accent1"/>
+          </a:effectRef>
+          <a:fontRef idx="minor">
+            <a:schemeClr val="lt1"/>
+          </a:fontRef>
+        </p:style>
+        <p:txBody>
+          <a:bodyPr rtlCol="0" anchor="ctr"/>
+          <a:lstStyle/>
+          <a:p>
+            <a:pPr algn="ctr"/>
+            <a:endParaRPr kumimoji="1" lang="ja-JP" altLang="en-US"/>
+          </a:p>
+        </p:txBody>
+      </p:sp>
+      <p:sp>
+        <p:nvSpPr>
+          <p:cNvPr id="28" name="四角形: 角を丸くする 27">
+            <a:extLst>
+              <a:ext uri="{FF2B5EF4-FFF2-40B4-BE49-F238E27FC236}">
+                <a16:creationId xmlns:a16="http://schemas.microsoft.com/office/drawing/2014/main" id="{33015562-F7DC-D8DB-F95C-2F31D95A3473}"/>
+              </a:ext>
+            </a:extLst>
+          </p:cNvPr>
+          <p:cNvSpPr/>
+          <p:nvPr/>
+        </p:nvSpPr>
+        <p:spPr>
+          <a:xfrm>
+            <a:off x="5433396" y="4702705"/>
+            <a:ext cx="1325207" cy="1258530"/>
+          </a:xfrm>
+          <a:prstGeom prst="roundRect">
+            <a:avLst/>
+          </a:prstGeom>
+          <a:solidFill>
+            <a:schemeClr val="bg1"/>
+          </a:solidFill>
+          <a:ln>
+            <a:noFill/>
+          </a:ln>
+        </p:spPr>
+        <p:style>
+          <a:lnRef idx="2">
+            <a:schemeClr val="accent1">
+              <a:shade val="15000"/>
+            </a:schemeClr>
+          </a:lnRef>
+          <a:fillRef idx="1">
+            <a:schemeClr val="accent1"/>
+          </a:fillRef>
+          <a:effectRef idx="0">
+            <a:schemeClr val="accent1"/>
+          </a:effectRef>
+          <a:fontRef idx="minor">
+            <a:schemeClr val="lt1"/>
+          </a:fontRef>
+        </p:style>
+        <p:txBody>
+          <a:bodyPr rtlCol="0" anchor="ctr"/>
+          <a:lstStyle/>
+          <a:p>
+            <a:pPr algn="ctr"/>
+            <a:endParaRPr kumimoji="1" lang="ja-JP" altLang="en-US"/>
+          </a:p>
+        </p:txBody>
+      </p:sp>
+      <p:pic>
+        <p:nvPicPr>
+          <p:cNvPr id="33" name="グラフィックス 32" descr="さくらんぼ 枠線">
+            <a:extLst>
+              <a:ext uri="{FF2B5EF4-FFF2-40B4-BE49-F238E27FC236}">
+                <a16:creationId xmlns:a16="http://schemas.microsoft.com/office/drawing/2014/main" id="{78F53EFD-2A12-864E-E1F2-E2E7245BD12F}"/>
+              </a:ext>
+            </a:extLst>
+          </p:cNvPr>
+          <p:cNvPicPr>
+            <a:picLocks noChangeAspect="1"/>
+          </p:cNvPicPr>
+          <p:nvPr/>
+        </p:nvPicPr>
+        <p:blipFill>
+          <a:blip r:embed="rId4">
+            <a:extLst>
+              <a:ext uri="{28A0092B-C50C-407E-A947-70E740481C1C}">
+                <a14:useLocalDpi xmlns:a14="http://schemas.microsoft.com/office/drawing/2010/main" val="0"/>
+              </a:ext>
+              <a:ext uri="{96DAC541-7B7A-43D3-8B79-37D633B846F1}">
+                <asvg:svgBlip xmlns:asvg="http://schemas.microsoft.com/office/drawing/2016/SVG/main" r:embed="rId5"/>
+              </a:ext>
+            </a:extLst>
+          </a:blip>
+          <a:stretch>
+            <a:fillRect/>
+          </a:stretch>
+        </p:blipFill>
+        <p:spPr>
+          <a:xfrm>
+            <a:off x="5638798" y="2377049"/>
+            <a:ext cx="914400" cy="914400"/>
+          </a:xfrm>
+          <a:prstGeom prst="rect">
+            <a:avLst/>
+          </a:prstGeom>
+        </p:spPr>
+      </p:pic>
+      <p:pic>
+        <p:nvPicPr>
+          <p:cNvPr id="35" name="グラフィックス 34" descr="ドングリ 単色塗りつぶし">
+            <a:extLst>
+              <a:ext uri="{FF2B5EF4-FFF2-40B4-BE49-F238E27FC236}">
+                <a16:creationId xmlns:a16="http://schemas.microsoft.com/office/drawing/2014/main" id="{E0A5422F-B975-AC0B-FC9F-6443AC0C40D4}"/>
+              </a:ext>
+            </a:extLst>
+          </p:cNvPr>
+          <p:cNvPicPr>
+            <a:picLocks noChangeAspect="1"/>
+          </p:cNvPicPr>
+          <p:nvPr/>
+        </p:nvPicPr>
+        <p:blipFill>
+          <a:blip r:embed="rId6">
+            <a:extLst>
+              <a:ext uri="{28A0092B-C50C-407E-A947-70E740481C1C}">
+                <a14:useLocalDpi xmlns:a14="http://schemas.microsoft.com/office/drawing/2010/main" val="0"/>
+              </a:ext>
+              <a:ext uri="{96DAC541-7B7A-43D3-8B79-37D633B846F1}">
+                <asvg:svgBlip xmlns:asvg="http://schemas.microsoft.com/office/drawing/2016/SVG/main" r:embed="rId7"/>
+              </a:ext>
+            </a:extLst>
+          </a:blip>
+          <a:stretch>
+            <a:fillRect/>
+          </a:stretch>
+        </p:blipFill>
+        <p:spPr>
+          <a:xfrm>
+            <a:off x="8712777" y="2364273"/>
+            <a:ext cx="914400" cy="914400"/>
+          </a:xfrm>
+          <a:prstGeom prst="rect">
+            <a:avLst/>
+          </a:prstGeom>
+        </p:spPr>
+      </p:pic>
+      <p:pic>
+        <p:nvPicPr>
+          <p:cNvPr id="37" name="グラフィックス 36" descr="ピエロ 単色塗りつぶし">
+            <a:extLst>
+              <a:ext uri="{FF2B5EF4-FFF2-40B4-BE49-F238E27FC236}">
+                <a16:creationId xmlns:a16="http://schemas.microsoft.com/office/drawing/2014/main" id="{1A7FEB07-913B-9D41-2774-9BBACDF0A7C1}"/>
+              </a:ext>
+            </a:extLst>
+          </p:cNvPr>
+          <p:cNvPicPr>
+            <a:picLocks noChangeAspect="1"/>
+          </p:cNvPicPr>
+          <p:nvPr/>
+        </p:nvPicPr>
+        <p:blipFill>
+          <a:blip r:embed="rId8">
+            <a:extLst>
+              <a:ext uri="{28A0092B-C50C-407E-A947-70E740481C1C}">
+                <a14:useLocalDpi xmlns:a14="http://schemas.microsoft.com/office/drawing/2010/main" val="0"/>
+              </a:ext>
+              <a:ext uri="{96DAC541-7B7A-43D3-8B79-37D633B846F1}">
+                <asvg:svgBlip xmlns:asvg="http://schemas.microsoft.com/office/drawing/2016/SVG/main" r:embed="rId9"/>
+              </a:ext>
+            </a:extLst>
+          </a:blip>
+          <a:stretch>
+            <a:fillRect/>
+          </a:stretch>
+        </p:blipFill>
+        <p:spPr>
+          <a:xfrm>
+            <a:off x="2560098" y="2356905"/>
+            <a:ext cx="914400" cy="914400"/>
+          </a:xfrm>
+          <a:prstGeom prst="rect">
+            <a:avLst/>
+          </a:prstGeom>
+        </p:spPr>
+      </p:pic>
+      <p:pic>
+        <p:nvPicPr>
+          <p:cNvPr id="39" name="グラフィックス 38" descr="カップケーキ 単色塗りつぶし">
+            <a:extLst>
+              <a:ext uri="{FF2B5EF4-FFF2-40B4-BE49-F238E27FC236}">
+                <a16:creationId xmlns:a16="http://schemas.microsoft.com/office/drawing/2014/main" id="{832B4AC8-6AB4-D20A-F45B-F90AFAD4D177}"/>
+              </a:ext>
+            </a:extLst>
+          </p:cNvPr>
+          <p:cNvPicPr>
+            <a:picLocks noChangeAspect="1"/>
+          </p:cNvPicPr>
+          <p:nvPr/>
+        </p:nvPicPr>
+        <p:blipFill>
+          <a:blip r:embed="rId10">
+            <a:extLst>
+              <a:ext uri="{28A0092B-C50C-407E-A947-70E740481C1C}">
+                <a14:useLocalDpi xmlns:a14="http://schemas.microsoft.com/office/drawing/2010/main" val="0"/>
+              </a:ext>
+              <a:ext uri="{96DAC541-7B7A-43D3-8B79-37D633B846F1}">
+                <asvg:svgBlip xmlns:asvg="http://schemas.microsoft.com/office/drawing/2016/SVG/main" r:embed="rId11"/>
+              </a:ext>
+            </a:extLst>
+          </a:blip>
+          <a:stretch>
+            <a:fillRect/>
+          </a:stretch>
+        </p:blipFill>
+        <p:spPr>
+          <a:xfrm>
+            <a:off x="5638798" y="4868556"/>
+            <a:ext cx="914400" cy="914400"/>
+          </a:xfrm>
+          <a:prstGeom prst="rect">
+            <a:avLst/>
+          </a:prstGeom>
+        </p:spPr>
+      </p:pic>
+      <p:pic>
+        <p:nvPicPr>
+          <p:cNvPr id="41" name="グラフィックス 40" descr="花 枠線">
+            <a:extLst>
+              <a:ext uri="{FF2B5EF4-FFF2-40B4-BE49-F238E27FC236}">
+                <a16:creationId xmlns:a16="http://schemas.microsoft.com/office/drawing/2014/main" id="{3D078AFC-BAAB-9458-3221-6F42DD428B12}"/>
+              </a:ext>
+            </a:extLst>
+          </p:cNvPr>
+          <p:cNvPicPr>
+            <a:picLocks noChangeAspect="1"/>
+          </p:cNvPicPr>
+          <p:nvPr/>
+        </p:nvPicPr>
+        <p:blipFill>
+          <a:blip r:embed="rId12">
+            <a:extLst>
+              <a:ext uri="{28A0092B-C50C-407E-A947-70E740481C1C}">
+                <a14:useLocalDpi xmlns:a14="http://schemas.microsoft.com/office/drawing/2010/main" val="0"/>
+              </a:ext>
+              <a:ext uri="{96DAC541-7B7A-43D3-8B79-37D633B846F1}">
+                <asvg:svgBlip xmlns:asvg="http://schemas.microsoft.com/office/drawing/2016/SVG/main" r:embed="rId13"/>
+              </a:ext>
+            </a:extLst>
+          </a:blip>
+          <a:stretch>
+            <a:fillRect/>
+          </a:stretch>
+        </p:blipFill>
+        <p:spPr>
+          <a:xfrm>
+            <a:off x="2560098" y="4862980"/>
+            <a:ext cx="914400" cy="914400"/>
+          </a:xfrm>
+          <a:prstGeom prst="rect">
+            <a:avLst/>
+          </a:prstGeom>
+        </p:spPr>
+      </p:pic>
+    </p:spTree>
+    <p:extLst>
+      <p:ext uri="{BB962C8B-B14F-4D97-AF65-F5344CB8AC3E}">
+        <p14:creationId xmlns:p14="http://schemas.microsoft.com/office/powerpoint/2010/main" val="1308151473"/>
+      </p:ext>
+    </p:extLst>
+  </p:cSld>
+  <p:clrMapOvr>
+    <a:masterClrMapping/>
+  </p:clrMapOvr>
+</p:sld>
+</file>
+
+<file path=ppt/slides/slide11.xml><?xml version="1.0" encoding="utf-8"?>
+<p:sld xmlns:a="http://schemas.openxmlformats.org/drawingml/2006/main" xmlns:r="http://schemas.openxmlformats.org/officeDocument/2006/relationships" xmlns:p="http://schemas.openxmlformats.org/presentationml/2006/main">
+  <p:cSld>
+    <p:spTree>
+      <p:nvGrpSpPr>
+        <p:cNvPr id="1" name=""/>
+        <p:cNvGrpSpPr/>
+        <p:nvPr/>
+      </p:nvGrpSpPr>
+      <p:grpSpPr>
+        <a:xfrm>
+          <a:off x="0" y="0"/>
+          <a:ext cx="0" cy="0"/>
+          <a:chOff x="0" y="0"/>
+          <a:chExt cx="0" cy="0"/>
+        </a:xfrm>
+      </p:grpSpPr>
+      <p:sp>
+        <p:nvSpPr>
+          <p:cNvPr id="2" name="正方形/長方形 1">
+            <a:extLst>
+              <a:ext uri="{FF2B5EF4-FFF2-40B4-BE49-F238E27FC236}">
+                <a16:creationId xmlns:a16="http://schemas.microsoft.com/office/drawing/2014/main" id="{4EACDB33-D278-4E96-4B83-CB0DA0017812}"/>
+              </a:ext>
+            </a:extLst>
+          </p:cNvPr>
+          <p:cNvSpPr/>
+          <p:nvPr/>
+        </p:nvSpPr>
+        <p:spPr>
+          <a:xfrm>
+            <a:off x="0" y="0"/>
+            <a:ext cx="12192000" cy="1386348"/>
+          </a:xfrm>
+          <a:prstGeom prst="rect">
+            <a:avLst/>
+          </a:prstGeom>
+          <a:solidFill>
+            <a:srgbClr val="F5F5F5"/>
+          </a:solidFill>
+          <a:ln>
+            <a:noFill/>
+          </a:ln>
+        </p:spPr>
+        <p:style>
+          <a:lnRef idx="2">
+            <a:schemeClr val="accent1">
+              <a:shade val="15000"/>
+            </a:schemeClr>
+          </a:lnRef>
+          <a:fillRef idx="1">
+            <a:schemeClr val="accent1"/>
+          </a:fillRef>
+          <a:effectRef idx="0">
+            <a:schemeClr val="accent1"/>
+          </a:effectRef>
+          <a:fontRef idx="minor">
+            <a:schemeClr val="lt1"/>
+          </a:fontRef>
+        </p:style>
+        <p:txBody>
+          <a:bodyPr rtlCol="0" anchor="ctr"/>
+          <a:lstStyle/>
+          <a:p>
+            <a:pPr algn="ctr"/>
+            <a:endParaRPr kumimoji="1" lang="ja-JP" altLang="en-US"/>
+          </a:p>
+        </p:txBody>
+      </p:sp>
+      <p:pic>
+        <p:nvPicPr>
+          <p:cNvPr id="3" name="図 2" descr="ロゴ&#10;&#10;中程度の精度で自動的に生成された説明">
+            <a:extLst>
+              <a:ext uri="{FF2B5EF4-FFF2-40B4-BE49-F238E27FC236}">
+                <a16:creationId xmlns:a16="http://schemas.microsoft.com/office/drawing/2014/main" id="{90677610-C373-EFD4-017B-EAF5C0AA7686}"/>
+              </a:ext>
+            </a:extLst>
+          </p:cNvPr>
+          <p:cNvPicPr>
+            <a:picLocks noChangeAspect="1"/>
+          </p:cNvPicPr>
+          <p:nvPr/>
+        </p:nvPicPr>
+        <p:blipFill rotWithShape="1">
+          <a:blip r:embed="rId3">
+            <a:extLst>
+              <a:ext uri="{28A0092B-C50C-407E-A947-70E740481C1C}">
+                <a14:useLocalDpi xmlns:a14="http://schemas.microsoft.com/office/drawing/2010/main" val="0"/>
+              </a:ext>
+            </a:extLst>
+          </a:blip>
+          <a:srcRect l="14562" t="11298" b="30517"/>
+          <a:stretch/>
+        </p:blipFill>
+        <p:spPr>
+          <a:xfrm>
+            <a:off x="4826940" y="196644"/>
+            <a:ext cx="2538120" cy="1012723"/>
+          </a:xfrm>
+          <a:prstGeom prst="rect">
+            <a:avLst/>
+          </a:prstGeom>
+        </p:spPr>
+      </p:pic>
+      <p:grpSp>
+        <p:nvGrpSpPr>
+          <p:cNvPr id="4" name="グループ化 3">
+            <a:extLst>
+              <a:ext uri="{FF2B5EF4-FFF2-40B4-BE49-F238E27FC236}">
+                <a16:creationId xmlns:a16="http://schemas.microsoft.com/office/drawing/2014/main" id="{329BA7C7-A952-CC36-20BF-41CF8CC2B67C}"/>
+              </a:ext>
+            </a:extLst>
+          </p:cNvPr>
+          <p:cNvGrpSpPr/>
+          <p:nvPr/>
+        </p:nvGrpSpPr>
+        <p:grpSpPr>
+          <a:xfrm>
+            <a:off x="317581" y="277924"/>
+            <a:ext cx="924233" cy="1234235"/>
+            <a:chOff x="266781" y="196644"/>
+            <a:chExt cx="924233" cy="1234235"/>
+          </a:xfrm>
+        </p:grpSpPr>
+        <p:sp>
+          <p:nvSpPr>
+            <p:cNvPr id="5" name="フローチャート: 結合子 4">
+              <a:extLst>
+                <a:ext uri="{FF2B5EF4-FFF2-40B4-BE49-F238E27FC236}">
+                  <a16:creationId xmlns:a16="http://schemas.microsoft.com/office/drawing/2014/main" id="{47EE03C1-417B-88F6-FDC6-9C47B48C9432}"/>
+                </a:ext>
+              </a:extLst>
+            </p:cNvPr>
+            <p:cNvSpPr/>
+            <p:nvPr/>
+          </p:nvSpPr>
+          <p:spPr>
+            <a:xfrm>
+              <a:off x="266781" y="196644"/>
+              <a:ext cx="924233" cy="924233"/>
+            </a:xfrm>
+            <a:prstGeom prst="flowChartConnector">
+              <a:avLst/>
+            </a:prstGeom>
+            <a:noFill/>
+            <a:ln w="28575">
+              <a:solidFill>
+                <a:srgbClr val="EA7B6B"/>
+              </a:solidFill>
+            </a:ln>
+          </p:spPr>
+          <p:style>
+            <a:lnRef idx="2">
+              <a:schemeClr val="accent1">
+                <a:shade val="15000"/>
+              </a:schemeClr>
+            </a:lnRef>
+            <a:fillRef idx="1">
+              <a:schemeClr val="accent1"/>
+            </a:fillRef>
+            <a:effectRef idx="0">
+              <a:schemeClr val="accent1"/>
+            </a:effectRef>
+            <a:fontRef idx="minor">
+              <a:schemeClr val="lt1"/>
+            </a:fontRef>
+          </p:style>
+          <p:txBody>
+            <a:bodyPr rtlCol="0" anchor="ctr"/>
+            <a:lstStyle/>
+            <a:p>
+              <a:pPr algn="ctr"/>
+              <a:endParaRPr kumimoji="1" lang="ja-JP" altLang="en-US"/>
+            </a:p>
+          </p:txBody>
+        </p:sp>
+        <p:sp>
+          <p:nvSpPr>
+            <p:cNvPr id="6" name="フローチャート: 結合子 5">
+              <a:extLst>
+                <a:ext uri="{FF2B5EF4-FFF2-40B4-BE49-F238E27FC236}">
+                  <a16:creationId xmlns:a16="http://schemas.microsoft.com/office/drawing/2014/main" id="{2B1C132E-FFE0-8F97-83E9-F824738228FA}"/>
+                </a:ext>
+              </a:extLst>
+            </p:cNvPr>
+            <p:cNvSpPr/>
+            <p:nvPr/>
+          </p:nvSpPr>
+          <p:spPr>
+            <a:xfrm>
+              <a:off x="545771" y="319548"/>
+              <a:ext cx="366250" cy="349044"/>
+            </a:xfrm>
+            <a:prstGeom prst="flowChartConnector">
+              <a:avLst/>
+            </a:prstGeom>
+            <a:noFill/>
+            <a:ln w="28575">
+              <a:solidFill>
+                <a:srgbClr val="EA7B6B"/>
+              </a:solidFill>
+            </a:ln>
+          </p:spPr>
+          <p:style>
+            <a:lnRef idx="2">
+              <a:schemeClr val="accent1">
+                <a:shade val="15000"/>
+              </a:schemeClr>
+            </a:lnRef>
+            <a:fillRef idx="1">
+              <a:schemeClr val="accent1"/>
+            </a:fillRef>
+            <a:effectRef idx="0">
+              <a:schemeClr val="accent1"/>
+            </a:effectRef>
+            <a:fontRef idx="minor">
+              <a:schemeClr val="lt1"/>
+            </a:fontRef>
+          </p:style>
+          <p:txBody>
+            <a:bodyPr rtlCol="0" anchor="ctr"/>
+            <a:lstStyle/>
+            <a:p>
+              <a:pPr algn="ctr"/>
+              <a:endParaRPr kumimoji="1" lang="ja-JP" altLang="en-US"/>
+            </a:p>
+          </p:txBody>
+        </p:sp>
+        <p:sp>
+          <p:nvSpPr>
+            <p:cNvPr id="7" name="円弧 6">
+              <a:extLst>
+                <a:ext uri="{FF2B5EF4-FFF2-40B4-BE49-F238E27FC236}">
+                  <a16:creationId xmlns:a16="http://schemas.microsoft.com/office/drawing/2014/main" id="{ADD0E8F1-ED4C-92D8-5152-3BEBF7347DF4}"/>
+                </a:ext>
+              </a:extLst>
+            </p:cNvPr>
+            <p:cNvSpPr/>
+            <p:nvPr/>
+          </p:nvSpPr>
+          <p:spPr>
+            <a:xfrm rot="19079286">
+              <a:off x="374934" y="732788"/>
+              <a:ext cx="707924" cy="698091"/>
+            </a:xfrm>
+            <a:prstGeom prst="arc">
+              <a:avLst/>
+            </a:prstGeom>
+            <a:ln w="28575">
+              <a:solidFill>
+                <a:srgbClr val="EA7B6B"/>
+              </a:solidFill>
+            </a:ln>
+          </p:spPr>
+          <p:style>
+            <a:lnRef idx="1">
+              <a:schemeClr val="accent1"/>
+            </a:lnRef>
+            <a:fillRef idx="0">
+              <a:schemeClr val="accent1"/>
+            </a:fillRef>
+            <a:effectRef idx="0">
+              <a:schemeClr val="accent1"/>
+            </a:effectRef>
+            <a:fontRef idx="minor">
+              <a:schemeClr val="tx1"/>
+            </a:fontRef>
+          </p:style>
+          <p:txBody>
+            <a:bodyPr rtlCol="0" anchor="ctr"/>
+            <a:lstStyle/>
+            <a:p>
+              <a:pPr algn="ctr"/>
+              <a:endParaRPr kumimoji="1" lang="ja-JP" altLang="en-US"/>
+            </a:p>
+          </p:txBody>
+        </p:sp>
+      </p:grpSp>
+      <p:sp>
+        <p:nvSpPr>
+          <p:cNvPr id="8" name="テキスト ボックス 7">
+            <a:extLst>
+              <a:ext uri="{FF2B5EF4-FFF2-40B4-BE49-F238E27FC236}">
+                <a16:creationId xmlns:a16="http://schemas.microsoft.com/office/drawing/2014/main" id="{EB500DF1-82BB-4D47-5EF1-B2F6CFEC1B8A}"/>
+              </a:ext>
+            </a:extLst>
+          </p:cNvPr>
+          <p:cNvSpPr txBox="1"/>
+          <p:nvPr/>
+        </p:nvSpPr>
+        <p:spPr>
+          <a:xfrm>
+            <a:off x="9558094" y="806695"/>
+            <a:ext cx="2401617" cy="461665"/>
+          </a:xfrm>
+          <a:prstGeom prst="rect">
+            <a:avLst/>
+          </a:prstGeom>
+          <a:noFill/>
+        </p:spPr>
+        <p:txBody>
+          <a:bodyPr wrap="square" rtlCol="0">
+            <a:spAutoFit/>
+          </a:bodyPr>
+          <a:lstStyle/>
+          <a:p>
+            <a:r>
+              <a:rPr kumimoji="1" lang="en-US" altLang="ja-JP" sz="2400" dirty="0">
+                <a:solidFill>
+                  <a:srgbClr val="001746"/>
+                </a:solidFill>
+                <a:latin typeface="Kristen ITC" panose="03050502040202030202" pitchFamily="66" charset="0"/>
+              </a:rPr>
+              <a:t>2024/06/07 (Fri)</a:t>
+            </a:r>
+            <a:endParaRPr kumimoji="1" lang="ja-JP" altLang="en-US" sz="2400" dirty="0">
+              <a:solidFill>
+                <a:srgbClr val="001746"/>
+              </a:solidFill>
+              <a:latin typeface="Kristen ITC" panose="03050502040202030202" pitchFamily="66" charset="0"/>
+            </a:endParaRPr>
+          </a:p>
+        </p:txBody>
+      </p:sp>
+      <p:sp>
+        <p:nvSpPr>
+          <p:cNvPr id="9" name="正方形/長方形 8">
+            <a:extLst>
+              <a:ext uri="{FF2B5EF4-FFF2-40B4-BE49-F238E27FC236}">
+                <a16:creationId xmlns:a16="http://schemas.microsoft.com/office/drawing/2014/main" id="{D53C526D-B094-8918-A557-24C3499CAA14}"/>
+              </a:ext>
+            </a:extLst>
+          </p:cNvPr>
+          <p:cNvSpPr/>
+          <p:nvPr/>
+        </p:nvSpPr>
+        <p:spPr>
+          <a:xfrm>
+            <a:off x="0" y="6459794"/>
+            <a:ext cx="12192000" cy="398206"/>
+          </a:xfrm>
+          <a:prstGeom prst="rect">
+            <a:avLst/>
+          </a:prstGeom>
+          <a:solidFill>
+            <a:srgbClr val="F5F5F5"/>
+          </a:solidFill>
+          <a:ln>
+            <a:noFill/>
+          </a:ln>
+        </p:spPr>
+        <p:style>
+          <a:lnRef idx="2">
+            <a:schemeClr val="accent1">
+              <a:shade val="15000"/>
+            </a:schemeClr>
+          </a:lnRef>
+          <a:fillRef idx="1">
+            <a:schemeClr val="accent1"/>
+          </a:fillRef>
+          <a:effectRef idx="0">
+            <a:schemeClr val="accent1"/>
+          </a:effectRef>
+          <a:fontRef idx="minor">
+            <a:schemeClr val="lt1"/>
+          </a:fontRef>
+        </p:style>
+        <p:txBody>
+          <a:bodyPr rtlCol="0" anchor="ctr"/>
+          <a:lstStyle/>
+          <a:p>
+            <a:pPr algn="ctr"/>
+            <a:endParaRPr kumimoji="1" lang="ja-JP" altLang="en-US"/>
+          </a:p>
+        </p:txBody>
+      </p:sp>
+      <p:sp>
+        <p:nvSpPr>
+          <p:cNvPr id="10" name="テキスト ボックス 9">
+            <a:extLst>
+              <a:ext uri="{FF2B5EF4-FFF2-40B4-BE49-F238E27FC236}">
+                <a16:creationId xmlns:a16="http://schemas.microsoft.com/office/drawing/2014/main" id="{D2E0BB24-9F6B-FCE0-B878-91A73ADBBABD}"/>
+              </a:ext>
+            </a:extLst>
+          </p:cNvPr>
+          <p:cNvSpPr txBox="1"/>
+          <p:nvPr/>
+        </p:nvSpPr>
+        <p:spPr>
+          <a:xfrm>
+            <a:off x="3861424" y="6505008"/>
+            <a:ext cx="4490720" cy="307777"/>
+          </a:xfrm>
+          <a:prstGeom prst="rect">
+            <a:avLst/>
+          </a:prstGeom>
+          <a:noFill/>
+        </p:spPr>
+        <p:txBody>
+          <a:bodyPr wrap="square" rtlCol="0">
+            <a:spAutoFit/>
+          </a:bodyPr>
+          <a:lstStyle/>
+          <a:p>
+            <a:r>
+              <a:rPr kumimoji="1" lang="en-US" altLang="ja-JP" sz="1400" dirty="0">
+                <a:solidFill>
+                  <a:srgbClr val="001746"/>
+                </a:solidFill>
+              </a:rPr>
+              <a:t>Copyright </a:t>
+            </a:r>
+            <a:r>
+              <a:rPr kumimoji="1" lang="en-US" altLang="ja-JP" sz="1400" dirty="0" err="1">
+                <a:solidFill>
+                  <a:srgbClr val="001746"/>
+                </a:solidFill>
+              </a:rPr>
+              <a:t>paraparaChahan</a:t>
+            </a:r>
+            <a:r>
+              <a:rPr kumimoji="1" lang="en-US" altLang="ja-JP" sz="1400" dirty="0">
+                <a:solidFill>
+                  <a:srgbClr val="001746"/>
+                </a:solidFill>
+              </a:rPr>
+              <a:t>(PLUS DOJO). All rights reserved.</a:t>
+            </a:r>
+            <a:endParaRPr kumimoji="1" lang="ja-JP" altLang="en-US" sz="1400" dirty="0">
+              <a:solidFill>
+                <a:srgbClr val="001746"/>
+              </a:solidFill>
+            </a:endParaRPr>
+          </a:p>
+        </p:txBody>
+      </p:sp>
+      <p:sp>
+        <p:nvSpPr>
+          <p:cNvPr id="11" name="四角形: 角を丸くする 10">
+            <a:extLst>
+              <a:ext uri="{FF2B5EF4-FFF2-40B4-BE49-F238E27FC236}">
                 <a16:creationId xmlns:a16="http://schemas.microsoft.com/office/drawing/2014/main" id="{0925A5A4-9FD1-E099-4F8C-F9F3FEFEE6B6}"/>
               </a:ext>
             </a:extLst>
@@ -7392,7 +8677,7 @@
 </p:sld>
 </file>
 
-<file path=ppt/slides/slide11.xml><?xml version="1.0" encoding="utf-8"?>
+<file path=ppt/slides/slide12.xml><?xml version="1.0" encoding="utf-8"?>
 <p:sld xmlns:a="http://schemas.openxmlformats.org/drawingml/2006/main" xmlns:r="http://schemas.openxmlformats.org/officeDocument/2006/relationships" xmlns:p="http://schemas.openxmlformats.org/presentationml/2006/main">
   <p:cSld>
     <p:spTree>
@@ -9001,1476 +10286,6 @@
     <p:extLst>
       <p:ext uri="{BB962C8B-B14F-4D97-AF65-F5344CB8AC3E}">
         <p14:creationId xmlns:p14="http://schemas.microsoft.com/office/powerpoint/2010/main" val="946593296"/>
-      </p:ext>
-    </p:extLst>
-  </p:cSld>
-  <p:clrMapOvr>
-    <a:masterClrMapping/>
-  </p:clrMapOvr>
-</p:sld>
-</file>
-
-<file path=ppt/slides/slide12.xml><?xml version="1.0" encoding="utf-8"?>
-<p:sld xmlns:a="http://schemas.openxmlformats.org/drawingml/2006/main" xmlns:r="http://schemas.openxmlformats.org/officeDocument/2006/relationships" xmlns:p="http://schemas.openxmlformats.org/presentationml/2006/main">
-  <p:cSld>
-    <p:spTree>
-      <p:nvGrpSpPr>
-        <p:cNvPr id="1" name=""/>
-        <p:cNvGrpSpPr/>
-        <p:nvPr/>
-      </p:nvGrpSpPr>
-      <p:grpSpPr>
-        <a:xfrm>
-          <a:off x="0" y="0"/>
-          <a:ext cx="0" cy="0"/>
-          <a:chOff x="0" y="0"/>
-          <a:chExt cx="0" cy="0"/>
-        </a:xfrm>
-      </p:grpSpPr>
-      <p:sp>
-        <p:nvSpPr>
-          <p:cNvPr id="2" name="正方形/長方形 1">
-            <a:extLst>
-              <a:ext uri="{FF2B5EF4-FFF2-40B4-BE49-F238E27FC236}">
-                <a16:creationId xmlns:a16="http://schemas.microsoft.com/office/drawing/2014/main" id="{4EACDB33-D278-4E96-4B83-CB0DA0017812}"/>
-              </a:ext>
-            </a:extLst>
-          </p:cNvPr>
-          <p:cNvSpPr/>
-          <p:nvPr/>
-        </p:nvSpPr>
-        <p:spPr>
-          <a:xfrm>
-            <a:off x="0" y="0"/>
-            <a:ext cx="12192000" cy="1386348"/>
-          </a:xfrm>
-          <a:prstGeom prst="rect">
-            <a:avLst/>
-          </a:prstGeom>
-          <a:solidFill>
-            <a:srgbClr val="F5F5F5"/>
-          </a:solidFill>
-          <a:ln>
-            <a:noFill/>
-          </a:ln>
-        </p:spPr>
-        <p:style>
-          <a:lnRef idx="2">
-            <a:schemeClr val="accent1">
-              <a:shade val="15000"/>
-            </a:schemeClr>
-          </a:lnRef>
-          <a:fillRef idx="1">
-            <a:schemeClr val="accent1"/>
-          </a:fillRef>
-          <a:effectRef idx="0">
-            <a:schemeClr val="accent1"/>
-          </a:effectRef>
-          <a:fontRef idx="minor">
-            <a:schemeClr val="lt1"/>
-          </a:fontRef>
-        </p:style>
-        <p:txBody>
-          <a:bodyPr rtlCol="0" anchor="ctr"/>
-          <a:lstStyle/>
-          <a:p>
-            <a:pPr algn="ctr"/>
-            <a:endParaRPr kumimoji="1" lang="ja-JP" altLang="en-US"/>
-          </a:p>
-        </p:txBody>
-      </p:sp>
-      <p:pic>
-        <p:nvPicPr>
-          <p:cNvPr id="3" name="図 2" descr="ロゴ&#10;&#10;中程度の精度で自動的に生成された説明">
-            <a:extLst>
-              <a:ext uri="{FF2B5EF4-FFF2-40B4-BE49-F238E27FC236}">
-                <a16:creationId xmlns:a16="http://schemas.microsoft.com/office/drawing/2014/main" id="{90677610-C373-EFD4-017B-EAF5C0AA7686}"/>
-              </a:ext>
-            </a:extLst>
-          </p:cNvPr>
-          <p:cNvPicPr>
-            <a:picLocks noChangeAspect="1"/>
-          </p:cNvPicPr>
-          <p:nvPr/>
-        </p:nvPicPr>
-        <p:blipFill rotWithShape="1">
-          <a:blip r:embed="rId2">
-            <a:extLst>
-              <a:ext uri="{28A0092B-C50C-407E-A947-70E740481C1C}">
-                <a14:useLocalDpi xmlns:a14="http://schemas.microsoft.com/office/drawing/2010/main" val="0"/>
-              </a:ext>
-            </a:extLst>
-          </a:blip>
-          <a:srcRect l="14562" t="11298" b="30517"/>
-          <a:stretch/>
-        </p:blipFill>
-        <p:spPr>
-          <a:xfrm>
-            <a:off x="4826940" y="196644"/>
-            <a:ext cx="2538120" cy="1012723"/>
-          </a:xfrm>
-          <a:prstGeom prst="rect">
-            <a:avLst/>
-          </a:prstGeom>
-        </p:spPr>
-      </p:pic>
-      <p:grpSp>
-        <p:nvGrpSpPr>
-          <p:cNvPr id="4" name="グループ化 3">
-            <a:extLst>
-              <a:ext uri="{FF2B5EF4-FFF2-40B4-BE49-F238E27FC236}">
-                <a16:creationId xmlns:a16="http://schemas.microsoft.com/office/drawing/2014/main" id="{329BA7C7-A952-CC36-20BF-41CF8CC2B67C}"/>
-              </a:ext>
-            </a:extLst>
-          </p:cNvPr>
-          <p:cNvGrpSpPr/>
-          <p:nvPr/>
-        </p:nvGrpSpPr>
-        <p:grpSpPr>
-          <a:xfrm>
-            <a:off x="317581" y="277924"/>
-            <a:ext cx="924233" cy="1234235"/>
-            <a:chOff x="266781" y="196644"/>
-            <a:chExt cx="924233" cy="1234235"/>
-          </a:xfrm>
-        </p:grpSpPr>
-        <p:sp>
-          <p:nvSpPr>
-            <p:cNvPr id="5" name="フローチャート: 結合子 4">
-              <a:extLst>
-                <a:ext uri="{FF2B5EF4-FFF2-40B4-BE49-F238E27FC236}">
-                  <a16:creationId xmlns:a16="http://schemas.microsoft.com/office/drawing/2014/main" id="{47EE03C1-417B-88F6-FDC6-9C47B48C9432}"/>
-                </a:ext>
-              </a:extLst>
-            </p:cNvPr>
-            <p:cNvSpPr/>
-            <p:nvPr/>
-          </p:nvSpPr>
-          <p:spPr>
-            <a:xfrm>
-              <a:off x="266781" y="196644"/>
-              <a:ext cx="924233" cy="924233"/>
-            </a:xfrm>
-            <a:prstGeom prst="flowChartConnector">
-              <a:avLst/>
-            </a:prstGeom>
-            <a:noFill/>
-            <a:ln w="28575">
-              <a:solidFill>
-                <a:srgbClr val="EA7B6B"/>
-              </a:solidFill>
-            </a:ln>
-          </p:spPr>
-          <p:style>
-            <a:lnRef idx="2">
-              <a:schemeClr val="accent1">
-                <a:shade val="15000"/>
-              </a:schemeClr>
-            </a:lnRef>
-            <a:fillRef idx="1">
-              <a:schemeClr val="accent1"/>
-            </a:fillRef>
-            <a:effectRef idx="0">
-              <a:schemeClr val="accent1"/>
-            </a:effectRef>
-            <a:fontRef idx="minor">
-              <a:schemeClr val="lt1"/>
-            </a:fontRef>
-          </p:style>
-          <p:txBody>
-            <a:bodyPr rtlCol="0" anchor="ctr"/>
-            <a:lstStyle/>
-            <a:p>
-              <a:pPr algn="ctr"/>
-              <a:endParaRPr kumimoji="1" lang="ja-JP" altLang="en-US"/>
-            </a:p>
-          </p:txBody>
-        </p:sp>
-        <p:sp>
-          <p:nvSpPr>
-            <p:cNvPr id="6" name="フローチャート: 結合子 5">
-              <a:extLst>
-                <a:ext uri="{FF2B5EF4-FFF2-40B4-BE49-F238E27FC236}">
-                  <a16:creationId xmlns:a16="http://schemas.microsoft.com/office/drawing/2014/main" id="{2B1C132E-FFE0-8F97-83E9-F824738228FA}"/>
-                </a:ext>
-              </a:extLst>
-            </p:cNvPr>
-            <p:cNvSpPr/>
-            <p:nvPr/>
-          </p:nvSpPr>
-          <p:spPr>
-            <a:xfrm>
-              <a:off x="545771" y="319548"/>
-              <a:ext cx="366250" cy="349044"/>
-            </a:xfrm>
-            <a:prstGeom prst="flowChartConnector">
-              <a:avLst/>
-            </a:prstGeom>
-            <a:noFill/>
-            <a:ln w="28575">
-              <a:solidFill>
-                <a:srgbClr val="EA7B6B"/>
-              </a:solidFill>
-            </a:ln>
-          </p:spPr>
-          <p:style>
-            <a:lnRef idx="2">
-              <a:schemeClr val="accent1">
-                <a:shade val="15000"/>
-              </a:schemeClr>
-            </a:lnRef>
-            <a:fillRef idx="1">
-              <a:schemeClr val="accent1"/>
-            </a:fillRef>
-            <a:effectRef idx="0">
-              <a:schemeClr val="accent1"/>
-            </a:effectRef>
-            <a:fontRef idx="minor">
-              <a:schemeClr val="lt1"/>
-            </a:fontRef>
-          </p:style>
-          <p:txBody>
-            <a:bodyPr rtlCol="0" anchor="ctr"/>
-            <a:lstStyle/>
-            <a:p>
-              <a:pPr algn="ctr"/>
-              <a:endParaRPr kumimoji="1" lang="ja-JP" altLang="en-US"/>
-            </a:p>
-          </p:txBody>
-        </p:sp>
-        <p:sp>
-          <p:nvSpPr>
-            <p:cNvPr id="7" name="円弧 6">
-              <a:extLst>
-                <a:ext uri="{FF2B5EF4-FFF2-40B4-BE49-F238E27FC236}">
-                  <a16:creationId xmlns:a16="http://schemas.microsoft.com/office/drawing/2014/main" id="{ADD0E8F1-ED4C-92D8-5152-3BEBF7347DF4}"/>
-                </a:ext>
-              </a:extLst>
-            </p:cNvPr>
-            <p:cNvSpPr/>
-            <p:nvPr/>
-          </p:nvSpPr>
-          <p:spPr>
-            <a:xfrm rot="19079286">
-              <a:off x="374934" y="732788"/>
-              <a:ext cx="707924" cy="698091"/>
-            </a:xfrm>
-            <a:prstGeom prst="arc">
-              <a:avLst/>
-            </a:prstGeom>
-            <a:ln w="28575">
-              <a:solidFill>
-                <a:srgbClr val="EA7B6B"/>
-              </a:solidFill>
-            </a:ln>
-          </p:spPr>
-          <p:style>
-            <a:lnRef idx="1">
-              <a:schemeClr val="accent1"/>
-            </a:lnRef>
-            <a:fillRef idx="0">
-              <a:schemeClr val="accent1"/>
-            </a:fillRef>
-            <a:effectRef idx="0">
-              <a:schemeClr val="accent1"/>
-            </a:effectRef>
-            <a:fontRef idx="minor">
-              <a:schemeClr val="tx1"/>
-            </a:fontRef>
-          </p:style>
-          <p:txBody>
-            <a:bodyPr rtlCol="0" anchor="ctr"/>
-            <a:lstStyle/>
-            <a:p>
-              <a:pPr algn="ctr"/>
-              <a:endParaRPr kumimoji="1" lang="ja-JP" altLang="en-US"/>
-            </a:p>
-          </p:txBody>
-        </p:sp>
-      </p:grpSp>
-      <p:sp>
-        <p:nvSpPr>
-          <p:cNvPr id="8" name="テキスト ボックス 7">
-            <a:extLst>
-              <a:ext uri="{FF2B5EF4-FFF2-40B4-BE49-F238E27FC236}">
-                <a16:creationId xmlns:a16="http://schemas.microsoft.com/office/drawing/2014/main" id="{EB500DF1-82BB-4D47-5EF1-B2F6CFEC1B8A}"/>
-              </a:ext>
-            </a:extLst>
-          </p:cNvPr>
-          <p:cNvSpPr txBox="1"/>
-          <p:nvPr/>
-        </p:nvSpPr>
-        <p:spPr>
-          <a:xfrm>
-            <a:off x="9558094" y="806695"/>
-            <a:ext cx="2401617" cy="461665"/>
-          </a:xfrm>
-          <a:prstGeom prst="rect">
-            <a:avLst/>
-          </a:prstGeom>
-          <a:noFill/>
-        </p:spPr>
-        <p:txBody>
-          <a:bodyPr wrap="square" rtlCol="0">
-            <a:spAutoFit/>
-          </a:bodyPr>
-          <a:lstStyle/>
-          <a:p>
-            <a:r>
-              <a:rPr kumimoji="1" lang="en-US" altLang="ja-JP" sz="2400" dirty="0">
-                <a:solidFill>
-                  <a:srgbClr val="001746"/>
-                </a:solidFill>
-                <a:latin typeface="Kristen ITC" panose="03050502040202030202" pitchFamily="66" charset="0"/>
-              </a:rPr>
-              <a:t>2024/06/07 (Fri)</a:t>
-            </a:r>
-            <a:endParaRPr kumimoji="1" lang="ja-JP" altLang="en-US" sz="2400" dirty="0">
-              <a:solidFill>
-                <a:srgbClr val="001746"/>
-              </a:solidFill>
-              <a:latin typeface="Kristen ITC" panose="03050502040202030202" pitchFamily="66" charset="0"/>
-            </a:endParaRPr>
-          </a:p>
-        </p:txBody>
-      </p:sp>
-      <p:sp>
-        <p:nvSpPr>
-          <p:cNvPr id="9" name="正方形/長方形 8">
-            <a:extLst>
-              <a:ext uri="{FF2B5EF4-FFF2-40B4-BE49-F238E27FC236}">
-                <a16:creationId xmlns:a16="http://schemas.microsoft.com/office/drawing/2014/main" id="{D53C526D-B094-8918-A557-24C3499CAA14}"/>
-              </a:ext>
-            </a:extLst>
-          </p:cNvPr>
-          <p:cNvSpPr/>
-          <p:nvPr/>
-        </p:nvSpPr>
-        <p:spPr>
-          <a:xfrm>
-            <a:off x="0" y="6459794"/>
-            <a:ext cx="12192000" cy="398206"/>
-          </a:xfrm>
-          <a:prstGeom prst="rect">
-            <a:avLst/>
-          </a:prstGeom>
-          <a:solidFill>
-            <a:srgbClr val="F5F5F5"/>
-          </a:solidFill>
-          <a:ln>
-            <a:noFill/>
-          </a:ln>
-        </p:spPr>
-        <p:style>
-          <a:lnRef idx="2">
-            <a:schemeClr val="accent1">
-              <a:shade val="15000"/>
-            </a:schemeClr>
-          </a:lnRef>
-          <a:fillRef idx="1">
-            <a:schemeClr val="accent1"/>
-          </a:fillRef>
-          <a:effectRef idx="0">
-            <a:schemeClr val="accent1"/>
-          </a:effectRef>
-          <a:fontRef idx="minor">
-            <a:schemeClr val="lt1"/>
-          </a:fontRef>
-        </p:style>
-        <p:txBody>
-          <a:bodyPr rtlCol="0" anchor="ctr"/>
-          <a:lstStyle/>
-          <a:p>
-            <a:pPr algn="ctr"/>
-            <a:endParaRPr kumimoji="1" lang="ja-JP" altLang="en-US"/>
-          </a:p>
-        </p:txBody>
-      </p:sp>
-      <p:sp>
-        <p:nvSpPr>
-          <p:cNvPr id="10" name="テキスト ボックス 9">
-            <a:extLst>
-              <a:ext uri="{FF2B5EF4-FFF2-40B4-BE49-F238E27FC236}">
-                <a16:creationId xmlns:a16="http://schemas.microsoft.com/office/drawing/2014/main" id="{D2E0BB24-9F6B-FCE0-B878-91A73ADBBABD}"/>
-              </a:ext>
-            </a:extLst>
-          </p:cNvPr>
-          <p:cNvSpPr txBox="1"/>
-          <p:nvPr/>
-        </p:nvSpPr>
-        <p:spPr>
-          <a:xfrm>
-            <a:off x="3861424" y="6505008"/>
-            <a:ext cx="4490720" cy="307777"/>
-          </a:xfrm>
-          <a:prstGeom prst="rect">
-            <a:avLst/>
-          </a:prstGeom>
-          <a:noFill/>
-        </p:spPr>
-        <p:txBody>
-          <a:bodyPr wrap="square" rtlCol="0">
-            <a:spAutoFit/>
-          </a:bodyPr>
-          <a:lstStyle/>
-          <a:p>
-            <a:r>
-              <a:rPr kumimoji="1" lang="en-US" altLang="ja-JP" sz="1400" dirty="0">
-                <a:solidFill>
-                  <a:srgbClr val="001746"/>
-                </a:solidFill>
-              </a:rPr>
-              <a:t>Copyright </a:t>
-            </a:r>
-            <a:r>
-              <a:rPr kumimoji="1" lang="en-US" altLang="ja-JP" sz="1400" dirty="0" err="1">
-                <a:solidFill>
-                  <a:srgbClr val="001746"/>
-                </a:solidFill>
-              </a:rPr>
-              <a:t>paraparaChahan</a:t>
-            </a:r>
-            <a:r>
-              <a:rPr kumimoji="1" lang="en-US" altLang="ja-JP" sz="1400" dirty="0">
-                <a:solidFill>
-                  <a:srgbClr val="001746"/>
-                </a:solidFill>
-              </a:rPr>
-              <a:t>(PLUS DOJO). All rights reserved.</a:t>
-            </a:r>
-            <a:endParaRPr kumimoji="1" lang="ja-JP" altLang="en-US" sz="1400" dirty="0">
-              <a:solidFill>
-                <a:srgbClr val="001746"/>
-              </a:solidFill>
-            </a:endParaRPr>
-          </a:p>
-        </p:txBody>
-      </p:sp>
-      <p:grpSp>
-        <p:nvGrpSpPr>
-          <p:cNvPr id="25" name="グループ化 24">
-            <a:extLst>
-              <a:ext uri="{FF2B5EF4-FFF2-40B4-BE49-F238E27FC236}">
-                <a16:creationId xmlns:a16="http://schemas.microsoft.com/office/drawing/2014/main" id="{1B2E6B63-9010-965E-7D01-4364EBDE99A4}"/>
-              </a:ext>
-            </a:extLst>
-          </p:cNvPr>
-          <p:cNvGrpSpPr/>
-          <p:nvPr/>
-        </p:nvGrpSpPr>
-        <p:grpSpPr>
-          <a:xfrm>
-            <a:off x="4707175" y="1878956"/>
-            <a:ext cx="2791620" cy="2237486"/>
-            <a:chOff x="4534679" y="1979001"/>
-            <a:chExt cx="2791620" cy="2237486"/>
-          </a:xfrm>
-        </p:grpSpPr>
-        <p:sp>
-          <p:nvSpPr>
-            <p:cNvPr id="12" name="L 字 11">
-              <a:extLst>
-                <a:ext uri="{FF2B5EF4-FFF2-40B4-BE49-F238E27FC236}">
-                  <a16:creationId xmlns:a16="http://schemas.microsoft.com/office/drawing/2014/main" id="{D05C476A-E610-0807-05E3-BCC7930B763D}"/>
-                </a:ext>
-              </a:extLst>
-            </p:cNvPr>
-            <p:cNvSpPr/>
-            <p:nvPr/>
-          </p:nvSpPr>
-          <p:spPr>
-            <a:xfrm>
-              <a:off x="5078127" y="2681946"/>
-              <a:ext cx="1710897" cy="1534541"/>
-            </a:xfrm>
-            <a:prstGeom prst="corner">
-              <a:avLst>
-                <a:gd name="adj1" fmla="val 16667"/>
-                <a:gd name="adj2" fmla="val 15934"/>
-              </a:avLst>
-            </a:prstGeom>
-            <a:solidFill>
-              <a:schemeClr val="tx1">
-                <a:lumMod val="65000"/>
-                <a:lumOff val="35000"/>
-              </a:schemeClr>
-            </a:solidFill>
-            <a:ln>
-              <a:noFill/>
-            </a:ln>
-          </p:spPr>
-          <p:style>
-            <a:lnRef idx="2">
-              <a:schemeClr val="accent1">
-                <a:shade val="15000"/>
-              </a:schemeClr>
-            </a:lnRef>
-            <a:fillRef idx="1">
-              <a:schemeClr val="accent1"/>
-            </a:fillRef>
-            <a:effectRef idx="0">
-              <a:schemeClr val="accent1"/>
-            </a:effectRef>
-            <a:fontRef idx="minor">
-              <a:schemeClr val="lt1"/>
-            </a:fontRef>
-          </p:style>
-          <p:txBody>
-            <a:bodyPr rtlCol="0" anchor="ctr"/>
-            <a:lstStyle/>
-            <a:p>
-              <a:pPr algn="ctr"/>
-              <a:endParaRPr kumimoji="1" lang="ja-JP" altLang="en-US"/>
-            </a:p>
-          </p:txBody>
-        </p:sp>
-        <p:sp>
-          <p:nvSpPr>
-            <p:cNvPr id="13" name="正方形/長方形 12">
-              <a:extLst>
-                <a:ext uri="{FF2B5EF4-FFF2-40B4-BE49-F238E27FC236}">
-                  <a16:creationId xmlns:a16="http://schemas.microsoft.com/office/drawing/2014/main" id="{547CA2FA-C935-CEF4-B367-B2EB22975461}"/>
-                </a:ext>
-              </a:extLst>
-            </p:cNvPr>
-            <p:cNvSpPr/>
-            <p:nvPr/>
-          </p:nvSpPr>
-          <p:spPr>
-            <a:xfrm>
-              <a:off x="5202125" y="2681946"/>
-              <a:ext cx="1586899" cy="1403928"/>
-            </a:xfrm>
-            <a:prstGeom prst="rect">
-              <a:avLst/>
-            </a:prstGeom>
-            <a:solidFill>
-              <a:srgbClr val="FFF8E5"/>
-            </a:solidFill>
-            <a:ln>
-              <a:noFill/>
-            </a:ln>
-          </p:spPr>
-          <p:style>
-            <a:lnRef idx="2">
-              <a:schemeClr val="accent1">
-                <a:shade val="15000"/>
-              </a:schemeClr>
-            </a:lnRef>
-            <a:fillRef idx="1">
-              <a:schemeClr val="accent1"/>
-            </a:fillRef>
-            <a:effectRef idx="0">
-              <a:schemeClr val="accent1"/>
-            </a:effectRef>
-            <a:fontRef idx="minor">
-              <a:schemeClr val="lt1"/>
-            </a:fontRef>
-          </p:style>
-          <p:txBody>
-            <a:bodyPr rtlCol="0" anchor="ctr"/>
-            <a:lstStyle/>
-            <a:p>
-              <a:pPr algn="ctr"/>
-              <a:endParaRPr kumimoji="1" lang="ja-JP" altLang="en-US"/>
-            </a:p>
-          </p:txBody>
-        </p:sp>
-        <p:sp>
-          <p:nvSpPr>
-            <p:cNvPr id="14" name="二等辺三角形 13">
-              <a:extLst>
-                <a:ext uri="{FF2B5EF4-FFF2-40B4-BE49-F238E27FC236}">
-                  <a16:creationId xmlns:a16="http://schemas.microsoft.com/office/drawing/2014/main" id="{6B1DEACB-788A-A211-8F4E-23207CD9EE3A}"/>
-                </a:ext>
-              </a:extLst>
-            </p:cNvPr>
-            <p:cNvSpPr/>
-            <p:nvPr/>
-          </p:nvSpPr>
-          <p:spPr>
-            <a:xfrm>
-              <a:off x="5065757" y="2160290"/>
-              <a:ext cx="1735634" cy="534631"/>
-            </a:xfrm>
-            <a:prstGeom prst="triangle">
-              <a:avLst/>
-            </a:prstGeom>
-            <a:solidFill>
-              <a:srgbClr val="FFF8E5"/>
-            </a:solidFill>
-            <a:ln>
-              <a:noFill/>
-            </a:ln>
-          </p:spPr>
-          <p:style>
-            <a:lnRef idx="2">
-              <a:schemeClr val="accent1">
-                <a:shade val="15000"/>
-              </a:schemeClr>
-            </a:lnRef>
-            <a:fillRef idx="1">
-              <a:schemeClr val="accent1"/>
-            </a:fillRef>
-            <a:effectRef idx="0">
-              <a:schemeClr val="accent1"/>
-            </a:effectRef>
-            <a:fontRef idx="minor">
-              <a:schemeClr val="lt1"/>
-            </a:fontRef>
-          </p:style>
-          <p:txBody>
-            <a:bodyPr rtlCol="0" anchor="ctr"/>
-            <a:lstStyle/>
-            <a:p>
-              <a:pPr algn="ctr"/>
-              <a:endParaRPr kumimoji="1" lang="ja-JP" altLang="en-US"/>
-            </a:p>
-          </p:txBody>
-        </p:sp>
-        <p:sp>
-          <p:nvSpPr>
-            <p:cNvPr id="15" name="四角形: 角を丸くする 14">
-              <a:extLst>
-                <a:ext uri="{FF2B5EF4-FFF2-40B4-BE49-F238E27FC236}">
-                  <a16:creationId xmlns:a16="http://schemas.microsoft.com/office/drawing/2014/main" id="{5094E576-2121-1C96-B978-82513411DAD5}"/>
-                </a:ext>
-              </a:extLst>
-            </p:cNvPr>
-            <p:cNvSpPr/>
-            <p:nvPr/>
-          </p:nvSpPr>
-          <p:spPr>
-            <a:xfrm>
-              <a:off x="5459929" y="2970732"/>
-              <a:ext cx="947292" cy="839331"/>
-            </a:xfrm>
-            <a:prstGeom prst="roundRect">
-              <a:avLst/>
-            </a:prstGeom>
-            <a:solidFill>
-              <a:srgbClr val="7DE3A1"/>
-            </a:solidFill>
-            <a:ln>
-              <a:noFill/>
-            </a:ln>
-          </p:spPr>
-          <p:style>
-            <a:lnRef idx="2">
-              <a:schemeClr val="accent1">
-                <a:shade val="15000"/>
-              </a:schemeClr>
-            </a:lnRef>
-            <a:fillRef idx="1">
-              <a:schemeClr val="accent1"/>
-            </a:fillRef>
-            <a:effectRef idx="0">
-              <a:schemeClr val="accent1"/>
-            </a:effectRef>
-            <a:fontRef idx="minor">
-              <a:schemeClr val="lt1"/>
-            </a:fontRef>
-          </p:style>
-          <p:txBody>
-            <a:bodyPr rtlCol="0" anchor="ctr"/>
-            <a:lstStyle/>
-            <a:p>
-              <a:pPr algn="ctr"/>
-              <a:endParaRPr kumimoji="1" lang="ja-JP" altLang="en-US"/>
-            </a:p>
-          </p:txBody>
-        </p:sp>
-        <p:sp>
-          <p:nvSpPr>
-            <p:cNvPr id="16" name="L 字 15">
-              <a:extLst>
-                <a:ext uri="{FF2B5EF4-FFF2-40B4-BE49-F238E27FC236}">
-                  <a16:creationId xmlns:a16="http://schemas.microsoft.com/office/drawing/2014/main" id="{E215BB5D-4747-0CFA-4819-402250220648}"/>
-                </a:ext>
-              </a:extLst>
-            </p:cNvPr>
-            <p:cNvSpPr/>
-            <p:nvPr/>
-          </p:nvSpPr>
-          <p:spPr>
-            <a:xfrm rot="18917526">
-              <a:off x="5625637" y="3165748"/>
-              <a:ext cx="615875" cy="357760"/>
-            </a:xfrm>
-            <a:prstGeom prst="corner">
-              <a:avLst>
-                <a:gd name="adj1" fmla="val 44010"/>
-                <a:gd name="adj2" fmla="val 42013"/>
-              </a:avLst>
-            </a:prstGeom>
-            <a:solidFill>
-              <a:schemeClr val="bg1"/>
-            </a:solidFill>
-            <a:ln>
-              <a:noFill/>
-            </a:ln>
-          </p:spPr>
-          <p:style>
-            <a:lnRef idx="2">
-              <a:schemeClr val="accent1">
-                <a:shade val="15000"/>
-              </a:schemeClr>
-            </a:lnRef>
-            <a:fillRef idx="1">
-              <a:schemeClr val="accent1"/>
-            </a:fillRef>
-            <a:effectRef idx="0">
-              <a:schemeClr val="accent1"/>
-            </a:effectRef>
-            <a:fontRef idx="minor">
-              <a:schemeClr val="lt1"/>
-            </a:fontRef>
-          </p:style>
-          <p:txBody>
-            <a:bodyPr rtlCol="0" anchor="ctr"/>
-            <a:lstStyle/>
-            <a:p>
-              <a:pPr algn="ctr"/>
-              <a:endParaRPr kumimoji="1" lang="ja-JP" altLang="en-US"/>
-            </a:p>
-          </p:txBody>
-        </p:sp>
-        <p:sp>
-          <p:nvSpPr>
-            <p:cNvPr id="17" name="二等辺三角形 16">
-              <a:extLst>
-                <a:ext uri="{FF2B5EF4-FFF2-40B4-BE49-F238E27FC236}">
-                  <a16:creationId xmlns:a16="http://schemas.microsoft.com/office/drawing/2014/main" id="{83CCE22A-92EE-2126-AACD-555937856792}"/>
-                </a:ext>
-              </a:extLst>
-            </p:cNvPr>
-            <p:cNvSpPr/>
-            <p:nvPr/>
-          </p:nvSpPr>
-          <p:spPr>
-            <a:xfrm rot="3629677">
-              <a:off x="5246027" y="1712746"/>
-              <a:ext cx="302833" cy="1509030"/>
-            </a:xfrm>
-            <a:prstGeom prst="triangle">
-              <a:avLst/>
-            </a:prstGeom>
-            <a:solidFill>
-              <a:schemeClr val="bg1"/>
-            </a:solidFill>
-            <a:ln>
-              <a:noFill/>
-            </a:ln>
-          </p:spPr>
-          <p:style>
-            <a:lnRef idx="2">
-              <a:schemeClr val="accent1">
-                <a:shade val="15000"/>
-              </a:schemeClr>
-            </a:lnRef>
-            <a:fillRef idx="1">
-              <a:schemeClr val="accent1"/>
-            </a:fillRef>
-            <a:effectRef idx="0">
-              <a:schemeClr val="accent1"/>
-            </a:effectRef>
-            <a:fontRef idx="minor">
-              <a:schemeClr val="lt1"/>
-            </a:fontRef>
-          </p:style>
-          <p:txBody>
-            <a:bodyPr rtlCol="0" anchor="ctr"/>
-            <a:lstStyle/>
-            <a:p>
-              <a:pPr algn="ctr"/>
-              <a:endParaRPr kumimoji="1" lang="ja-JP" altLang="en-US"/>
-            </a:p>
-          </p:txBody>
-        </p:sp>
-        <p:sp>
-          <p:nvSpPr>
-            <p:cNvPr id="18" name="二等辺三角形 17">
-              <a:extLst>
-                <a:ext uri="{FF2B5EF4-FFF2-40B4-BE49-F238E27FC236}">
-                  <a16:creationId xmlns:a16="http://schemas.microsoft.com/office/drawing/2014/main" id="{78EDDAF7-71A8-7B01-EFA6-6DD614E14510}"/>
-                </a:ext>
-              </a:extLst>
-            </p:cNvPr>
-            <p:cNvSpPr/>
-            <p:nvPr/>
-          </p:nvSpPr>
-          <p:spPr>
-            <a:xfrm rot="17970323" flipH="1">
-              <a:off x="6311141" y="1709212"/>
-              <a:ext cx="302833" cy="1509030"/>
-            </a:xfrm>
-            <a:prstGeom prst="triangle">
-              <a:avLst/>
-            </a:prstGeom>
-            <a:solidFill>
-              <a:schemeClr val="bg1"/>
-            </a:solidFill>
-            <a:ln>
-              <a:noFill/>
-            </a:ln>
-          </p:spPr>
-          <p:style>
-            <a:lnRef idx="2">
-              <a:schemeClr val="accent1">
-                <a:shade val="15000"/>
-              </a:schemeClr>
-            </a:lnRef>
-            <a:fillRef idx="1">
-              <a:schemeClr val="accent1"/>
-            </a:fillRef>
-            <a:effectRef idx="0">
-              <a:schemeClr val="accent1"/>
-            </a:effectRef>
-            <a:fontRef idx="minor">
-              <a:schemeClr val="lt1"/>
-            </a:fontRef>
-          </p:style>
-          <p:txBody>
-            <a:bodyPr rtlCol="0" anchor="ctr"/>
-            <a:lstStyle/>
-            <a:p>
-              <a:pPr algn="ctr"/>
-              <a:endParaRPr kumimoji="1" lang="ja-JP" altLang="en-US"/>
-            </a:p>
-          </p:txBody>
-        </p:sp>
-        <p:sp>
-          <p:nvSpPr>
-            <p:cNvPr id="19" name="二等辺三角形 18">
-              <a:extLst>
-                <a:ext uri="{FF2B5EF4-FFF2-40B4-BE49-F238E27FC236}">
-                  <a16:creationId xmlns:a16="http://schemas.microsoft.com/office/drawing/2014/main" id="{93BCEE33-E05A-DFF3-ADF6-900C4D51E007}"/>
-                </a:ext>
-              </a:extLst>
-            </p:cNvPr>
-            <p:cNvSpPr/>
-            <p:nvPr/>
-          </p:nvSpPr>
-          <p:spPr>
-            <a:xfrm rot="14513562">
-              <a:off x="5687045" y="2032742"/>
-              <a:ext cx="118350" cy="387635"/>
-            </a:xfrm>
-            <a:prstGeom prst="triangle">
-              <a:avLst/>
-            </a:prstGeom>
-            <a:solidFill>
-              <a:schemeClr val="bg1"/>
-            </a:solidFill>
-            <a:ln>
-              <a:noFill/>
-            </a:ln>
-          </p:spPr>
-          <p:style>
-            <a:lnRef idx="2">
-              <a:schemeClr val="accent1">
-                <a:shade val="15000"/>
-              </a:schemeClr>
-            </a:lnRef>
-            <a:fillRef idx="1">
-              <a:schemeClr val="accent1"/>
-            </a:fillRef>
-            <a:effectRef idx="0">
-              <a:schemeClr val="accent1"/>
-            </a:effectRef>
-            <a:fontRef idx="minor">
-              <a:schemeClr val="lt1"/>
-            </a:fontRef>
-          </p:style>
-          <p:txBody>
-            <a:bodyPr rtlCol="0" anchor="ctr"/>
-            <a:lstStyle/>
-            <a:p>
-              <a:pPr algn="ctr"/>
-              <a:endParaRPr kumimoji="1" lang="ja-JP" altLang="en-US"/>
-            </a:p>
-          </p:txBody>
-        </p:sp>
-        <p:sp>
-          <p:nvSpPr>
-            <p:cNvPr id="20" name="正方形/長方形 19">
-              <a:extLst>
-                <a:ext uri="{FF2B5EF4-FFF2-40B4-BE49-F238E27FC236}">
-                  <a16:creationId xmlns:a16="http://schemas.microsoft.com/office/drawing/2014/main" id="{C540D345-DFD8-5B36-4B88-246344BC056D}"/>
-                </a:ext>
-              </a:extLst>
-            </p:cNvPr>
-            <p:cNvSpPr/>
-            <p:nvPr/>
-          </p:nvSpPr>
-          <p:spPr>
-            <a:xfrm rot="19716515">
-              <a:off x="4534679" y="2357572"/>
-              <a:ext cx="1430921" cy="126785"/>
-            </a:xfrm>
-            <a:prstGeom prst="rect">
-              <a:avLst/>
-            </a:prstGeom>
-            <a:solidFill>
-              <a:srgbClr val="C00000"/>
-            </a:solidFill>
-            <a:ln>
-              <a:noFill/>
-            </a:ln>
-          </p:spPr>
-          <p:style>
-            <a:lnRef idx="2">
-              <a:schemeClr val="accent1">
-                <a:shade val="15000"/>
-              </a:schemeClr>
-            </a:lnRef>
-            <a:fillRef idx="1">
-              <a:schemeClr val="accent1"/>
-            </a:fillRef>
-            <a:effectRef idx="0">
-              <a:schemeClr val="accent1"/>
-            </a:effectRef>
-            <a:fontRef idx="minor">
-              <a:schemeClr val="lt1"/>
-            </a:fontRef>
-          </p:style>
-          <p:txBody>
-            <a:bodyPr rtlCol="0" anchor="ctr"/>
-            <a:lstStyle/>
-            <a:p>
-              <a:pPr algn="ctr"/>
-              <a:endParaRPr kumimoji="1" lang="ja-JP" altLang="en-US"/>
-            </a:p>
-          </p:txBody>
-        </p:sp>
-        <p:sp>
-          <p:nvSpPr>
-            <p:cNvPr id="21" name="二等辺三角形 20">
-              <a:extLst>
-                <a:ext uri="{FF2B5EF4-FFF2-40B4-BE49-F238E27FC236}">
-                  <a16:creationId xmlns:a16="http://schemas.microsoft.com/office/drawing/2014/main" id="{E2B702F9-6D5A-51FF-379B-9BD29A51BA4B}"/>
-                </a:ext>
-              </a:extLst>
-            </p:cNvPr>
-            <p:cNvSpPr/>
-            <p:nvPr/>
-          </p:nvSpPr>
-          <p:spPr>
-            <a:xfrm rot="10800000">
-              <a:off x="5889918" y="2120869"/>
-              <a:ext cx="83077" cy="66701"/>
-            </a:xfrm>
-            <a:prstGeom prst="triangle">
-              <a:avLst/>
-            </a:prstGeom>
-            <a:solidFill>
-              <a:schemeClr val="bg1"/>
-            </a:solidFill>
-            <a:ln>
-              <a:noFill/>
-            </a:ln>
-          </p:spPr>
-          <p:style>
-            <a:lnRef idx="2">
-              <a:schemeClr val="accent1">
-                <a:shade val="15000"/>
-              </a:schemeClr>
-            </a:lnRef>
-            <a:fillRef idx="1">
-              <a:schemeClr val="accent1"/>
-            </a:fillRef>
-            <a:effectRef idx="0">
-              <a:schemeClr val="accent1"/>
-            </a:effectRef>
-            <a:fontRef idx="minor">
-              <a:schemeClr val="lt1"/>
-            </a:fontRef>
-          </p:style>
-          <p:txBody>
-            <a:bodyPr rtlCol="0" anchor="ctr"/>
-            <a:lstStyle/>
-            <a:p>
-              <a:pPr algn="ctr"/>
-              <a:endParaRPr kumimoji="1" lang="ja-JP" altLang="en-US"/>
-            </a:p>
-          </p:txBody>
-        </p:sp>
-        <p:sp>
-          <p:nvSpPr>
-            <p:cNvPr id="22" name="正方形/長方形 21">
-              <a:extLst>
-                <a:ext uri="{FF2B5EF4-FFF2-40B4-BE49-F238E27FC236}">
-                  <a16:creationId xmlns:a16="http://schemas.microsoft.com/office/drawing/2014/main" id="{0D36E3CF-0363-CD9F-B562-8E34719FEFEA}"/>
-                </a:ext>
-              </a:extLst>
-            </p:cNvPr>
-            <p:cNvSpPr/>
-            <p:nvPr/>
-          </p:nvSpPr>
-          <p:spPr>
-            <a:xfrm rot="1883485" flipH="1">
-              <a:off x="5895378" y="2355200"/>
-              <a:ext cx="1430921" cy="129344"/>
-            </a:xfrm>
-            <a:prstGeom prst="rect">
-              <a:avLst/>
-            </a:prstGeom>
-            <a:solidFill>
-              <a:srgbClr val="C00000"/>
-            </a:solidFill>
-            <a:ln>
-              <a:noFill/>
-            </a:ln>
-          </p:spPr>
-          <p:style>
-            <a:lnRef idx="2">
-              <a:schemeClr val="accent1">
-                <a:shade val="15000"/>
-              </a:schemeClr>
-            </a:lnRef>
-            <a:fillRef idx="1">
-              <a:schemeClr val="accent1"/>
-            </a:fillRef>
-            <a:effectRef idx="0">
-              <a:schemeClr val="accent1"/>
-            </a:effectRef>
-            <a:fontRef idx="minor">
-              <a:schemeClr val="lt1"/>
-            </a:fontRef>
-          </p:style>
-          <p:txBody>
-            <a:bodyPr rtlCol="0" anchor="ctr"/>
-            <a:lstStyle/>
-            <a:p>
-              <a:pPr algn="ctr"/>
-              <a:endParaRPr kumimoji="1" lang="ja-JP" altLang="en-US"/>
-            </a:p>
-          </p:txBody>
-        </p:sp>
-        <p:sp>
-          <p:nvSpPr>
-            <p:cNvPr id="23" name="二等辺三角形 22">
-              <a:extLst>
-                <a:ext uri="{FF2B5EF4-FFF2-40B4-BE49-F238E27FC236}">
-                  <a16:creationId xmlns:a16="http://schemas.microsoft.com/office/drawing/2014/main" id="{85831E81-2F28-0B3C-681C-B379A63DB179}"/>
-                </a:ext>
-              </a:extLst>
-            </p:cNvPr>
-            <p:cNvSpPr/>
-            <p:nvPr/>
-          </p:nvSpPr>
-          <p:spPr>
-            <a:xfrm rot="6891913" flipH="1">
-              <a:off x="6073388" y="2045414"/>
-              <a:ext cx="89618" cy="387635"/>
-            </a:xfrm>
-            <a:prstGeom prst="triangle">
-              <a:avLst/>
-            </a:prstGeom>
-            <a:solidFill>
-              <a:schemeClr val="bg1"/>
-            </a:solidFill>
-            <a:ln>
-              <a:noFill/>
-            </a:ln>
-          </p:spPr>
-          <p:style>
-            <a:lnRef idx="2">
-              <a:schemeClr val="accent1">
-                <a:shade val="15000"/>
-              </a:schemeClr>
-            </a:lnRef>
-            <a:fillRef idx="1">
-              <a:schemeClr val="accent1"/>
-            </a:fillRef>
-            <a:effectRef idx="0">
-              <a:schemeClr val="accent1"/>
-            </a:effectRef>
-            <a:fontRef idx="minor">
-              <a:schemeClr val="lt1"/>
-            </a:fontRef>
-          </p:style>
-          <p:txBody>
-            <a:bodyPr rtlCol="0" anchor="ctr"/>
-            <a:lstStyle/>
-            <a:p>
-              <a:pPr algn="ctr"/>
-              <a:endParaRPr kumimoji="1" lang="ja-JP" altLang="en-US"/>
-            </a:p>
-          </p:txBody>
-        </p:sp>
-        <p:sp>
-          <p:nvSpPr>
-            <p:cNvPr id="24" name="正方形/長方形 23">
-              <a:extLst>
-                <a:ext uri="{FF2B5EF4-FFF2-40B4-BE49-F238E27FC236}">
-                  <a16:creationId xmlns:a16="http://schemas.microsoft.com/office/drawing/2014/main" id="{331045D9-C16E-897C-E872-DB8D5A963C0F}"/>
-                </a:ext>
-              </a:extLst>
-            </p:cNvPr>
-            <p:cNvSpPr/>
-            <p:nvPr/>
-          </p:nvSpPr>
-          <p:spPr>
-            <a:xfrm>
-              <a:off x="5735385" y="1979001"/>
-              <a:ext cx="386688" cy="124118"/>
-            </a:xfrm>
-            <a:prstGeom prst="rect">
-              <a:avLst/>
-            </a:prstGeom>
-            <a:solidFill>
-              <a:srgbClr val="C00000"/>
-            </a:solidFill>
-            <a:ln>
-              <a:noFill/>
-            </a:ln>
-          </p:spPr>
-          <p:style>
-            <a:lnRef idx="2">
-              <a:schemeClr val="accent1">
-                <a:shade val="15000"/>
-              </a:schemeClr>
-            </a:lnRef>
-            <a:fillRef idx="1">
-              <a:schemeClr val="accent1"/>
-            </a:fillRef>
-            <a:effectRef idx="0">
-              <a:schemeClr val="accent1"/>
-            </a:effectRef>
-            <a:fontRef idx="minor">
-              <a:schemeClr val="lt1"/>
-            </a:fontRef>
-          </p:style>
-          <p:txBody>
-            <a:bodyPr rtlCol="0" anchor="ctr"/>
-            <a:lstStyle/>
-            <a:p>
-              <a:pPr algn="ctr"/>
-              <a:endParaRPr kumimoji="1" lang="ja-JP" altLang="en-US"/>
-            </a:p>
-          </p:txBody>
-        </p:sp>
-      </p:grpSp>
-      <p:sp>
-        <p:nvSpPr>
-          <p:cNvPr id="26" name="星: 4 pt 25">
-            <a:extLst>
-              <a:ext uri="{FF2B5EF4-FFF2-40B4-BE49-F238E27FC236}">
-                <a16:creationId xmlns:a16="http://schemas.microsoft.com/office/drawing/2014/main" id="{AA4812C9-DFB4-CDF2-5F92-45515A191A62}"/>
-              </a:ext>
-            </a:extLst>
-          </p:cNvPr>
-          <p:cNvSpPr/>
-          <p:nvPr/>
-        </p:nvSpPr>
-        <p:spPr>
-          <a:xfrm>
-            <a:off x="4290376" y="1705247"/>
-            <a:ext cx="632336" cy="776763"/>
-          </a:xfrm>
-          <a:prstGeom prst="star4">
-            <a:avLst/>
-          </a:prstGeom>
-          <a:solidFill>
-            <a:srgbClr val="F4D13E"/>
-          </a:solidFill>
-          <a:ln>
-            <a:noFill/>
-          </a:ln>
-        </p:spPr>
-        <p:style>
-          <a:lnRef idx="2">
-            <a:schemeClr val="accent1">
-              <a:shade val="15000"/>
-            </a:schemeClr>
-          </a:lnRef>
-          <a:fillRef idx="1">
-            <a:schemeClr val="accent1"/>
-          </a:fillRef>
-          <a:effectRef idx="0">
-            <a:schemeClr val="accent1"/>
-          </a:effectRef>
-          <a:fontRef idx="minor">
-            <a:schemeClr val="lt1"/>
-          </a:fontRef>
-        </p:style>
-        <p:txBody>
-          <a:bodyPr rtlCol="0" anchor="ctr"/>
-          <a:lstStyle/>
-          <a:p>
-            <a:pPr algn="ctr"/>
-            <a:endParaRPr kumimoji="1" lang="ja-JP" altLang="en-US"/>
-          </a:p>
-        </p:txBody>
-      </p:sp>
-      <p:sp>
-        <p:nvSpPr>
-          <p:cNvPr id="27" name="星: 4 pt 26">
-            <a:extLst>
-              <a:ext uri="{FF2B5EF4-FFF2-40B4-BE49-F238E27FC236}">
-                <a16:creationId xmlns:a16="http://schemas.microsoft.com/office/drawing/2014/main" id="{6EBC5E01-9E9D-44E9-32E2-149802291D5E}"/>
-              </a:ext>
-            </a:extLst>
-          </p:cNvPr>
-          <p:cNvSpPr/>
-          <p:nvPr/>
-        </p:nvSpPr>
-        <p:spPr>
-          <a:xfrm>
-            <a:off x="4112040" y="2328606"/>
-            <a:ext cx="392673" cy="577995"/>
-          </a:xfrm>
-          <a:prstGeom prst="star4">
-            <a:avLst/>
-          </a:prstGeom>
-          <a:solidFill>
-            <a:srgbClr val="F4D13E"/>
-          </a:solidFill>
-          <a:ln>
-            <a:noFill/>
-          </a:ln>
-        </p:spPr>
-        <p:style>
-          <a:lnRef idx="2">
-            <a:schemeClr val="accent1">
-              <a:shade val="15000"/>
-            </a:schemeClr>
-          </a:lnRef>
-          <a:fillRef idx="1">
-            <a:schemeClr val="accent1"/>
-          </a:fillRef>
-          <a:effectRef idx="0">
-            <a:schemeClr val="accent1"/>
-          </a:effectRef>
-          <a:fontRef idx="minor">
-            <a:schemeClr val="lt1"/>
-          </a:fontRef>
-        </p:style>
-        <p:txBody>
-          <a:bodyPr rtlCol="0" anchor="ctr"/>
-          <a:lstStyle/>
-          <a:p>
-            <a:pPr algn="ctr"/>
-            <a:endParaRPr kumimoji="1" lang="ja-JP" altLang="en-US"/>
-          </a:p>
-        </p:txBody>
-      </p:sp>
-      <p:sp>
-        <p:nvSpPr>
-          <p:cNvPr id="28" name="星: 4 pt 27">
-            <a:extLst>
-              <a:ext uri="{FF2B5EF4-FFF2-40B4-BE49-F238E27FC236}">
-                <a16:creationId xmlns:a16="http://schemas.microsoft.com/office/drawing/2014/main" id="{1A2080A0-B28E-6DAF-345B-81705A1B141D}"/>
-              </a:ext>
-            </a:extLst>
-          </p:cNvPr>
-          <p:cNvSpPr/>
-          <p:nvPr/>
-        </p:nvSpPr>
-        <p:spPr>
-          <a:xfrm>
-            <a:off x="7430917" y="3100388"/>
-            <a:ext cx="632336" cy="776763"/>
-          </a:xfrm>
-          <a:prstGeom prst="star4">
-            <a:avLst/>
-          </a:prstGeom>
-          <a:solidFill>
-            <a:srgbClr val="F4D13E"/>
-          </a:solidFill>
-          <a:ln>
-            <a:noFill/>
-          </a:ln>
-        </p:spPr>
-        <p:style>
-          <a:lnRef idx="2">
-            <a:schemeClr val="accent1">
-              <a:shade val="15000"/>
-            </a:schemeClr>
-          </a:lnRef>
-          <a:fillRef idx="1">
-            <a:schemeClr val="accent1"/>
-          </a:fillRef>
-          <a:effectRef idx="0">
-            <a:schemeClr val="accent1"/>
-          </a:effectRef>
-          <a:fontRef idx="minor">
-            <a:schemeClr val="lt1"/>
-          </a:fontRef>
-        </p:style>
-        <p:txBody>
-          <a:bodyPr rtlCol="0" anchor="ctr"/>
-          <a:lstStyle/>
-          <a:p>
-            <a:pPr algn="ctr"/>
-            <a:endParaRPr kumimoji="1" lang="ja-JP" altLang="en-US"/>
-          </a:p>
-        </p:txBody>
-      </p:sp>
-      <p:sp>
-        <p:nvSpPr>
-          <p:cNvPr id="29" name="テキスト ボックス 28">
-            <a:extLst>
-              <a:ext uri="{FF2B5EF4-FFF2-40B4-BE49-F238E27FC236}">
-                <a16:creationId xmlns:a16="http://schemas.microsoft.com/office/drawing/2014/main" id="{7EBF0D7C-8608-2107-8A24-42247F9AE9A2}"/>
-              </a:ext>
-            </a:extLst>
-          </p:cNvPr>
-          <p:cNvSpPr txBox="1"/>
-          <p:nvPr/>
-        </p:nvSpPr>
-        <p:spPr>
-          <a:xfrm>
-            <a:off x="5455034" y="4350252"/>
-            <a:ext cx="1506486" cy="400110"/>
-          </a:xfrm>
-          <a:prstGeom prst="rect">
-            <a:avLst/>
-          </a:prstGeom>
-          <a:noFill/>
-        </p:spPr>
-        <p:txBody>
-          <a:bodyPr wrap="square" rtlCol="0">
-            <a:spAutoFit/>
-          </a:bodyPr>
-          <a:lstStyle/>
-          <a:p>
-            <a:r>
-              <a:rPr kumimoji="1" lang="en-US" altLang="ja-JP" sz="2000" dirty="0" err="1">
-                <a:solidFill>
-                  <a:srgbClr val="001746"/>
-                </a:solidFill>
-                <a:latin typeface="UD デジタル 教科書体 NK-B" panose="02020700000000000000" pitchFamily="18" charset="-128"/>
-                <a:ea typeface="UD デジタル 教科書体 NK-B" panose="02020700000000000000" pitchFamily="18" charset="-128"/>
-              </a:rPr>
-              <a:t>Welcom</a:t>
-            </a:r>
-            <a:r>
-              <a:rPr kumimoji="1" lang="en-US" altLang="ja-JP" sz="2000" dirty="0">
-                <a:solidFill>
-                  <a:srgbClr val="001746"/>
-                </a:solidFill>
-                <a:latin typeface="UD デジタル 教科書体 NK-B" panose="02020700000000000000" pitchFamily="18" charset="-128"/>
-                <a:ea typeface="UD デジタル 教科書体 NK-B" panose="02020700000000000000" pitchFamily="18" charset="-128"/>
-              </a:rPr>
-              <a:t>!!</a:t>
-            </a:r>
-            <a:endParaRPr kumimoji="1" lang="ja-JP" altLang="en-US" sz="2000" dirty="0">
-              <a:solidFill>
-                <a:srgbClr val="001746"/>
-              </a:solidFill>
-              <a:latin typeface="UD デジタル 教科書体 NK-B" panose="02020700000000000000" pitchFamily="18" charset="-128"/>
-              <a:ea typeface="UD デジタル 教科書体 NK-B" panose="02020700000000000000" pitchFamily="18" charset="-128"/>
-            </a:endParaRPr>
-          </a:p>
-        </p:txBody>
-      </p:sp>
-      <p:sp>
-        <p:nvSpPr>
-          <p:cNvPr id="30" name="テキスト ボックス 29">
-            <a:extLst>
-              <a:ext uri="{FF2B5EF4-FFF2-40B4-BE49-F238E27FC236}">
-                <a16:creationId xmlns:a16="http://schemas.microsoft.com/office/drawing/2014/main" id="{8AEED3A8-71D7-37F8-43EC-F937CF539D66}"/>
-              </a:ext>
-            </a:extLst>
-          </p:cNvPr>
-          <p:cNvSpPr txBox="1"/>
-          <p:nvPr/>
-        </p:nvSpPr>
-        <p:spPr>
-          <a:xfrm>
-            <a:off x="3721450" y="4836616"/>
-            <a:ext cx="4763068" cy="461665"/>
-          </a:xfrm>
-          <a:prstGeom prst="rect">
-            <a:avLst/>
-          </a:prstGeom>
-          <a:noFill/>
-        </p:spPr>
-        <p:txBody>
-          <a:bodyPr wrap="square" rtlCol="0">
-            <a:spAutoFit/>
-          </a:bodyPr>
-          <a:lstStyle/>
-          <a:p>
-            <a:r>
-              <a:rPr kumimoji="1" lang="ja-JP" altLang="en-US" sz="2400" dirty="0">
-                <a:solidFill>
-                  <a:srgbClr val="001746"/>
-                </a:solidFill>
-                <a:latin typeface="UD デジタル 教科書体 NP-B" panose="02020700000000000000" pitchFamily="18" charset="-128"/>
-                <a:ea typeface="UD デジタル 教科書体 NP-B" panose="02020700000000000000" pitchFamily="18" charset="-128"/>
-              </a:rPr>
-              <a:t>アカウントの登録が完了しました</a:t>
-            </a:r>
-          </a:p>
-        </p:txBody>
-      </p:sp>
-      <p:sp>
-        <p:nvSpPr>
-          <p:cNvPr id="11" name="四角形: 角を丸くする 10">
-            <a:extLst>
-              <a:ext uri="{FF2B5EF4-FFF2-40B4-BE49-F238E27FC236}">
-                <a16:creationId xmlns:a16="http://schemas.microsoft.com/office/drawing/2014/main" id="{E55BEDDF-AAA3-B924-7A03-F7BC47D1B709}"/>
-              </a:ext>
-            </a:extLst>
-          </p:cNvPr>
-          <p:cNvSpPr/>
-          <p:nvPr/>
-        </p:nvSpPr>
-        <p:spPr>
-          <a:xfrm>
-            <a:off x="5143045" y="5516077"/>
-            <a:ext cx="1905910" cy="535259"/>
-          </a:xfrm>
-          <a:prstGeom prst="roundRect">
-            <a:avLst>
-              <a:gd name="adj" fmla="val 21536"/>
-            </a:avLst>
-          </a:prstGeom>
-          <a:solidFill>
-            <a:srgbClr val="001746"/>
-          </a:solidFill>
-          <a:ln>
-            <a:noFill/>
-          </a:ln>
-        </p:spPr>
-        <p:style>
-          <a:lnRef idx="2">
-            <a:schemeClr val="accent1">
-              <a:shade val="15000"/>
-            </a:schemeClr>
-          </a:lnRef>
-          <a:fillRef idx="1">
-            <a:schemeClr val="accent1"/>
-          </a:fillRef>
-          <a:effectRef idx="0">
-            <a:schemeClr val="accent1"/>
-          </a:effectRef>
-          <a:fontRef idx="minor">
-            <a:schemeClr val="lt1"/>
-          </a:fontRef>
-        </p:style>
-        <p:txBody>
-          <a:bodyPr rtlCol="0" anchor="ctr"/>
-          <a:lstStyle/>
-          <a:p>
-            <a:pPr algn="ctr"/>
-            <a:r>
-              <a:rPr kumimoji="1" lang="ja-JP" altLang="en-US" dirty="0">
-                <a:latin typeface="UD デジタル 教科書体 NK-B" panose="02020700000000000000" pitchFamily="18" charset="-128"/>
-                <a:ea typeface="UD デジタル 教科書体 NK-B" panose="02020700000000000000" pitchFamily="18" charset="-128"/>
-              </a:rPr>
-              <a:t>ログイン画面へ</a:t>
-            </a:r>
-          </a:p>
-        </p:txBody>
-      </p:sp>
-    </p:spTree>
-    <p:extLst>
-      <p:ext uri="{BB962C8B-B14F-4D97-AF65-F5344CB8AC3E}">
-        <p14:creationId xmlns:p14="http://schemas.microsoft.com/office/powerpoint/2010/main" val="2522886488"/>
       </p:ext>
     </p:extLst>
   </p:cSld>
@@ -41187,6 +41002,1476 @@
       </p:grpSpPr>
       <p:sp>
         <p:nvSpPr>
+          <p:cNvPr id="2" name="正方形/長方形 1">
+            <a:extLst>
+              <a:ext uri="{FF2B5EF4-FFF2-40B4-BE49-F238E27FC236}">
+                <a16:creationId xmlns:a16="http://schemas.microsoft.com/office/drawing/2014/main" id="{4EACDB33-D278-4E96-4B83-CB0DA0017812}"/>
+              </a:ext>
+            </a:extLst>
+          </p:cNvPr>
+          <p:cNvSpPr/>
+          <p:nvPr/>
+        </p:nvSpPr>
+        <p:spPr>
+          <a:xfrm>
+            <a:off x="0" y="0"/>
+            <a:ext cx="12192000" cy="1386348"/>
+          </a:xfrm>
+          <a:prstGeom prst="rect">
+            <a:avLst/>
+          </a:prstGeom>
+          <a:solidFill>
+            <a:srgbClr val="F5F5F5"/>
+          </a:solidFill>
+          <a:ln>
+            <a:noFill/>
+          </a:ln>
+        </p:spPr>
+        <p:style>
+          <a:lnRef idx="2">
+            <a:schemeClr val="accent1">
+              <a:shade val="15000"/>
+            </a:schemeClr>
+          </a:lnRef>
+          <a:fillRef idx="1">
+            <a:schemeClr val="accent1"/>
+          </a:fillRef>
+          <a:effectRef idx="0">
+            <a:schemeClr val="accent1"/>
+          </a:effectRef>
+          <a:fontRef idx="minor">
+            <a:schemeClr val="lt1"/>
+          </a:fontRef>
+        </p:style>
+        <p:txBody>
+          <a:bodyPr rtlCol="0" anchor="ctr"/>
+          <a:lstStyle/>
+          <a:p>
+            <a:pPr algn="ctr"/>
+            <a:endParaRPr kumimoji="1" lang="ja-JP" altLang="en-US"/>
+          </a:p>
+        </p:txBody>
+      </p:sp>
+      <p:pic>
+        <p:nvPicPr>
+          <p:cNvPr id="3" name="図 2" descr="ロゴ&#10;&#10;中程度の精度で自動的に生成された説明">
+            <a:extLst>
+              <a:ext uri="{FF2B5EF4-FFF2-40B4-BE49-F238E27FC236}">
+                <a16:creationId xmlns:a16="http://schemas.microsoft.com/office/drawing/2014/main" id="{90677610-C373-EFD4-017B-EAF5C0AA7686}"/>
+              </a:ext>
+            </a:extLst>
+          </p:cNvPr>
+          <p:cNvPicPr>
+            <a:picLocks noChangeAspect="1"/>
+          </p:cNvPicPr>
+          <p:nvPr/>
+        </p:nvPicPr>
+        <p:blipFill rotWithShape="1">
+          <a:blip r:embed="rId2">
+            <a:extLst>
+              <a:ext uri="{28A0092B-C50C-407E-A947-70E740481C1C}">
+                <a14:useLocalDpi xmlns:a14="http://schemas.microsoft.com/office/drawing/2010/main" val="0"/>
+              </a:ext>
+            </a:extLst>
+          </a:blip>
+          <a:srcRect l="14562" t="11298" b="30517"/>
+          <a:stretch/>
+        </p:blipFill>
+        <p:spPr>
+          <a:xfrm>
+            <a:off x="4826940" y="196644"/>
+            <a:ext cx="2538120" cy="1012723"/>
+          </a:xfrm>
+          <a:prstGeom prst="rect">
+            <a:avLst/>
+          </a:prstGeom>
+        </p:spPr>
+      </p:pic>
+      <p:grpSp>
+        <p:nvGrpSpPr>
+          <p:cNvPr id="4" name="グループ化 3">
+            <a:extLst>
+              <a:ext uri="{FF2B5EF4-FFF2-40B4-BE49-F238E27FC236}">
+                <a16:creationId xmlns:a16="http://schemas.microsoft.com/office/drawing/2014/main" id="{329BA7C7-A952-CC36-20BF-41CF8CC2B67C}"/>
+              </a:ext>
+            </a:extLst>
+          </p:cNvPr>
+          <p:cNvGrpSpPr/>
+          <p:nvPr/>
+        </p:nvGrpSpPr>
+        <p:grpSpPr>
+          <a:xfrm>
+            <a:off x="317581" y="277924"/>
+            <a:ext cx="924233" cy="1234235"/>
+            <a:chOff x="266781" y="196644"/>
+            <a:chExt cx="924233" cy="1234235"/>
+          </a:xfrm>
+        </p:grpSpPr>
+        <p:sp>
+          <p:nvSpPr>
+            <p:cNvPr id="5" name="フローチャート: 結合子 4">
+              <a:extLst>
+                <a:ext uri="{FF2B5EF4-FFF2-40B4-BE49-F238E27FC236}">
+                  <a16:creationId xmlns:a16="http://schemas.microsoft.com/office/drawing/2014/main" id="{47EE03C1-417B-88F6-FDC6-9C47B48C9432}"/>
+                </a:ext>
+              </a:extLst>
+            </p:cNvPr>
+            <p:cNvSpPr/>
+            <p:nvPr/>
+          </p:nvSpPr>
+          <p:spPr>
+            <a:xfrm>
+              <a:off x="266781" y="196644"/>
+              <a:ext cx="924233" cy="924233"/>
+            </a:xfrm>
+            <a:prstGeom prst="flowChartConnector">
+              <a:avLst/>
+            </a:prstGeom>
+            <a:noFill/>
+            <a:ln w="28575">
+              <a:solidFill>
+                <a:srgbClr val="EA7B6B"/>
+              </a:solidFill>
+            </a:ln>
+          </p:spPr>
+          <p:style>
+            <a:lnRef idx="2">
+              <a:schemeClr val="accent1">
+                <a:shade val="15000"/>
+              </a:schemeClr>
+            </a:lnRef>
+            <a:fillRef idx="1">
+              <a:schemeClr val="accent1"/>
+            </a:fillRef>
+            <a:effectRef idx="0">
+              <a:schemeClr val="accent1"/>
+            </a:effectRef>
+            <a:fontRef idx="minor">
+              <a:schemeClr val="lt1"/>
+            </a:fontRef>
+          </p:style>
+          <p:txBody>
+            <a:bodyPr rtlCol="0" anchor="ctr"/>
+            <a:lstStyle/>
+            <a:p>
+              <a:pPr algn="ctr"/>
+              <a:endParaRPr kumimoji="1" lang="ja-JP" altLang="en-US"/>
+            </a:p>
+          </p:txBody>
+        </p:sp>
+        <p:sp>
+          <p:nvSpPr>
+            <p:cNvPr id="6" name="フローチャート: 結合子 5">
+              <a:extLst>
+                <a:ext uri="{FF2B5EF4-FFF2-40B4-BE49-F238E27FC236}">
+                  <a16:creationId xmlns:a16="http://schemas.microsoft.com/office/drawing/2014/main" id="{2B1C132E-FFE0-8F97-83E9-F824738228FA}"/>
+                </a:ext>
+              </a:extLst>
+            </p:cNvPr>
+            <p:cNvSpPr/>
+            <p:nvPr/>
+          </p:nvSpPr>
+          <p:spPr>
+            <a:xfrm>
+              <a:off x="545771" y="319548"/>
+              <a:ext cx="366250" cy="349044"/>
+            </a:xfrm>
+            <a:prstGeom prst="flowChartConnector">
+              <a:avLst/>
+            </a:prstGeom>
+            <a:noFill/>
+            <a:ln w="28575">
+              <a:solidFill>
+                <a:srgbClr val="EA7B6B"/>
+              </a:solidFill>
+            </a:ln>
+          </p:spPr>
+          <p:style>
+            <a:lnRef idx="2">
+              <a:schemeClr val="accent1">
+                <a:shade val="15000"/>
+              </a:schemeClr>
+            </a:lnRef>
+            <a:fillRef idx="1">
+              <a:schemeClr val="accent1"/>
+            </a:fillRef>
+            <a:effectRef idx="0">
+              <a:schemeClr val="accent1"/>
+            </a:effectRef>
+            <a:fontRef idx="minor">
+              <a:schemeClr val="lt1"/>
+            </a:fontRef>
+          </p:style>
+          <p:txBody>
+            <a:bodyPr rtlCol="0" anchor="ctr"/>
+            <a:lstStyle/>
+            <a:p>
+              <a:pPr algn="ctr"/>
+              <a:endParaRPr kumimoji="1" lang="ja-JP" altLang="en-US"/>
+            </a:p>
+          </p:txBody>
+        </p:sp>
+        <p:sp>
+          <p:nvSpPr>
+            <p:cNvPr id="7" name="円弧 6">
+              <a:extLst>
+                <a:ext uri="{FF2B5EF4-FFF2-40B4-BE49-F238E27FC236}">
+                  <a16:creationId xmlns:a16="http://schemas.microsoft.com/office/drawing/2014/main" id="{ADD0E8F1-ED4C-92D8-5152-3BEBF7347DF4}"/>
+                </a:ext>
+              </a:extLst>
+            </p:cNvPr>
+            <p:cNvSpPr/>
+            <p:nvPr/>
+          </p:nvSpPr>
+          <p:spPr>
+            <a:xfrm rot="19079286">
+              <a:off x="374934" y="732788"/>
+              <a:ext cx="707924" cy="698091"/>
+            </a:xfrm>
+            <a:prstGeom prst="arc">
+              <a:avLst/>
+            </a:prstGeom>
+            <a:ln w="28575">
+              <a:solidFill>
+                <a:srgbClr val="EA7B6B"/>
+              </a:solidFill>
+            </a:ln>
+          </p:spPr>
+          <p:style>
+            <a:lnRef idx="1">
+              <a:schemeClr val="accent1"/>
+            </a:lnRef>
+            <a:fillRef idx="0">
+              <a:schemeClr val="accent1"/>
+            </a:fillRef>
+            <a:effectRef idx="0">
+              <a:schemeClr val="accent1"/>
+            </a:effectRef>
+            <a:fontRef idx="minor">
+              <a:schemeClr val="tx1"/>
+            </a:fontRef>
+          </p:style>
+          <p:txBody>
+            <a:bodyPr rtlCol="0" anchor="ctr"/>
+            <a:lstStyle/>
+            <a:p>
+              <a:pPr algn="ctr"/>
+              <a:endParaRPr kumimoji="1" lang="ja-JP" altLang="en-US"/>
+            </a:p>
+          </p:txBody>
+        </p:sp>
+      </p:grpSp>
+      <p:sp>
+        <p:nvSpPr>
+          <p:cNvPr id="8" name="テキスト ボックス 7">
+            <a:extLst>
+              <a:ext uri="{FF2B5EF4-FFF2-40B4-BE49-F238E27FC236}">
+                <a16:creationId xmlns:a16="http://schemas.microsoft.com/office/drawing/2014/main" id="{EB500DF1-82BB-4D47-5EF1-B2F6CFEC1B8A}"/>
+              </a:ext>
+            </a:extLst>
+          </p:cNvPr>
+          <p:cNvSpPr txBox="1"/>
+          <p:nvPr/>
+        </p:nvSpPr>
+        <p:spPr>
+          <a:xfrm>
+            <a:off x="9558094" y="806695"/>
+            <a:ext cx="2401617" cy="461665"/>
+          </a:xfrm>
+          <a:prstGeom prst="rect">
+            <a:avLst/>
+          </a:prstGeom>
+          <a:noFill/>
+        </p:spPr>
+        <p:txBody>
+          <a:bodyPr wrap="square" rtlCol="0">
+            <a:spAutoFit/>
+          </a:bodyPr>
+          <a:lstStyle/>
+          <a:p>
+            <a:r>
+              <a:rPr kumimoji="1" lang="en-US" altLang="ja-JP" sz="2400" dirty="0">
+                <a:solidFill>
+                  <a:srgbClr val="001746"/>
+                </a:solidFill>
+                <a:latin typeface="Kristen ITC" panose="03050502040202030202" pitchFamily="66" charset="0"/>
+              </a:rPr>
+              <a:t>2024/06/07 (Fri)</a:t>
+            </a:r>
+            <a:endParaRPr kumimoji="1" lang="ja-JP" altLang="en-US" sz="2400" dirty="0">
+              <a:solidFill>
+                <a:srgbClr val="001746"/>
+              </a:solidFill>
+              <a:latin typeface="Kristen ITC" panose="03050502040202030202" pitchFamily="66" charset="0"/>
+            </a:endParaRPr>
+          </a:p>
+        </p:txBody>
+      </p:sp>
+      <p:sp>
+        <p:nvSpPr>
+          <p:cNvPr id="9" name="正方形/長方形 8">
+            <a:extLst>
+              <a:ext uri="{FF2B5EF4-FFF2-40B4-BE49-F238E27FC236}">
+                <a16:creationId xmlns:a16="http://schemas.microsoft.com/office/drawing/2014/main" id="{D53C526D-B094-8918-A557-24C3499CAA14}"/>
+              </a:ext>
+            </a:extLst>
+          </p:cNvPr>
+          <p:cNvSpPr/>
+          <p:nvPr/>
+        </p:nvSpPr>
+        <p:spPr>
+          <a:xfrm>
+            <a:off x="0" y="6459794"/>
+            <a:ext cx="12192000" cy="398206"/>
+          </a:xfrm>
+          <a:prstGeom prst="rect">
+            <a:avLst/>
+          </a:prstGeom>
+          <a:solidFill>
+            <a:srgbClr val="F5F5F5"/>
+          </a:solidFill>
+          <a:ln>
+            <a:noFill/>
+          </a:ln>
+        </p:spPr>
+        <p:style>
+          <a:lnRef idx="2">
+            <a:schemeClr val="accent1">
+              <a:shade val="15000"/>
+            </a:schemeClr>
+          </a:lnRef>
+          <a:fillRef idx="1">
+            <a:schemeClr val="accent1"/>
+          </a:fillRef>
+          <a:effectRef idx="0">
+            <a:schemeClr val="accent1"/>
+          </a:effectRef>
+          <a:fontRef idx="minor">
+            <a:schemeClr val="lt1"/>
+          </a:fontRef>
+        </p:style>
+        <p:txBody>
+          <a:bodyPr rtlCol="0" anchor="ctr"/>
+          <a:lstStyle/>
+          <a:p>
+            <a:pPr algn="ctr"/>
+            <a:endParaRPr kumimoji="1" lang="ja-JP" altLang="en-US"/>
+          </a:p>
+        </p:txBody>
+      </p:sp>
+      <p:sp>
+        <p:nvSpPr>
+          <p:cNvPr id="10" name="テキスト ボックス 9">
+            <a:extLst>
+              <a:ext uri="{FF2B5EF4-FFF2-40B4-BE49-F238E27FC236}">
+                <a16:creationId xmlns:a16="http://schemas.microsoft.com/office/drawing/2014/main" id="{D2E0BB24-9F6B-FCE0-B878-91A73ADBBABD}"/>
+              </a:ext>
+            </a:extLst>
+          </p:cNvPr>
+          <p:cNvSpPr txBox="1"/>
+          <p:nvPr/>
+        </p:nvSpPr>
+        <p:spPr>
+          <a:xfrm>
+            <a:off x="3861424" y="6505008"/>
+            <a:ext cx="4490720" cy="307777"/>
+          </a:xfrm>
+          <a:prstGeom prst="rect">
+            <a:avLst/>
+          </a:prstGeom>
+          <a:noFill/>
+        </p:spPr>
+        <p:txBody>
+          <a:bodyPr wrap="square" rtlCol="0">
+            <a:spAutoFit/>
+          </a:bodyPr>
+          <a:lstStyle/>
+          <a:p>
+            <a:r>
+              <a:rPr kumimoji="1" lang="en-US" altLang="ja-JP" sz="1400" dirty="0">
+                <a:solidFill>
+                  <a:srgbClr val="001746"/>
+                </a:solidFill>
+              </a:rPr>
+              <a:t>Copyright </a:t>
+            </a:r>
+            <a:r>
+              <a:rPr kumimoji="1" lang="en-US" altLang="ja-JP" sz="1400" dirty="0" err="1">
+                <a:solidFill>
+                  <a:srgbClr val="001746"/>
+                </a:solidFill>
+              </a:rPr>
+              <a:t>paraparaChahan</a:t>
+            </a:r>
+            <a:r>
+              <a:rPr kumimoji="1" lang="en-US" altLang="ja-JP" sz="1400" dirty="0">
+                <a:solidFill>
+                  <a:srgbClr val="001746"/>
+                </a:solidFill>
+              </a:rPr>
+              <a:t>(PLUS DOJO). All rights reserved.</a:t>
+            </a:r>
+            <a:endParaRPr kumimoji="1" lang="ja-JP" altLang="en-US" sz="1400" dirty="0">
+              <a:solidFill>
+                <a:srgbClr val="001746"/>
+              </a:solidFill>
+            </a:endParaRPr>
+          </a:p>
+        </p:txBody>
+      </p:sp>
+      <p:grpSp>
+        <p:nvGrpSpPr>
+          <p:cNvPr id="25" name="グループ化 24">
+            <a:extLst>
+              <a:ext uri="{FF2B5EF4-FFF2-40B4-BE49-F238E27FC236}">
+                <a16:creationId xmlns:a16="http://schemas.microsoft.com/office/drawing/2014/main" id="{1B2E6B63-9010-965E-7D01-4364EBDE99A4}"/>
+              </a:ext>
+            </a:extLst>
+          </p:cNvPr>
+          <p:cNvGrpSpPr/>
+          <p:nvPr/>
+        </p:nvGrpSpPr>
+        <p:grpSpPr>
+          <a:xfrm>
+            <a:off x="4707175" y="1878956"/>
+            <a:ext cx="2791620" cy="2237486"/>
+            <a:chOff x="4534679" y="1979001"/>
+            <a:chExt cx="2791620" cy="2237486"/>
+          </a:xfrm>
+        </p:grpSpPr>
+        <p:sp>
+          <p:nvSpPr>
+            <p:cNvPr id="12" name="L 字 11">
+              <a:extLst>
+                <a:ext uri="{FF2B5EF4-FFF2-40B4-BE49-F238E27FC236}">
+                  <a16:creationId xmlns:a16="http://schemas.microsoft.com/office/drawing/2014/main" id="{D05C476A-E610-0807-05E3-BCC7930B763D}"/>
+                </a:ext>
+              </a:extLst>
+            </p:cNvPr>
+            <p:cNvSpPr/>
+            <p:nvPr/>
+          </p:nvSpPr>
+          <p:spPr>
+            <a:xfrm>
+              <a:off x="5078127" y="2681946"/>
+              <a:ext cx="1710897" cy="1534541"/>
+            </a:xfrm>
+            <a:prstGeom prst="corner">
+              <a:avLst>
+                <a:gd name="adj1" fmla="val 16667"/>
+                <a:gd name="adj2" fmla="val 15934"/>
+              </a:avLst>
+            </a:prstGeom>
+            <a:solidFill>
+              <a:schemeClr val="tx1">
+                <a:lumMod val="65000"/>
+                <a:lumOff val="35000"/>
+              </a:schemeClr>
+            </a:solidFill>
+            <a:ln>
+              <a:noFill/>
+            </a:ln>
+          </p:spPr>
+          <p:style>
+            <a:lnRef idx="2">
+              <a:schemeClr val="accent1">
+                <a:shade val="15000"/>
+              </a:schemeClr>
+            </a:lnRef>
+            <a:fillRef idx="1">
+              <a:schemeClr val="accent1"/>
+            </a:fillRef>
+            <a:effectRef idx="0">
+              <a:schemeClr val="accent1"/>
+            </a:effectRef>
+            <a:fontRef idx="minor">
+              <a:schemeClr val="lt1"/>
+            </a:fontRef>
+          </p:style>
+          <p:txBody>
+            <a:bodyPr rtlCol="0" anchor="ctr"/>
+            <a:lstStyle/>
+            <a:p>
+              <a:pPr algn="ctr"/>
+              <a:endParaRPr kumimoji="1" lang="ja-JP" altLang="en-US"/>
+            </a:p>
+          </p:txBody>
+        </p:sp>
+        <p:sp>
+          <p:nvSpPr>
+            <p:cNvPr id="13" name="正方形/長方形 12">
+              <a:extLst>
+                <a:ext uri="{FF2B5EF4-FFF2-40B4-BE49-F238E27FC236}">
+                  <a16:creationId xmlns:a16="http://schemas.microsoft.com/office/drawing/2014/main" id="{547CA2FA-C935-CEF4-B367-B2EB22975461}"/>
+                </a:ext>
+              </a:extLst>
+            </p:cNvPr>
+            <p:cNvSpPr/>
+            <p:nvPr/>
+          </p:nvSpPr>
+          <p:spPr>
+            <a:xfrm>
+              <a:off x="5202125" y="2681946"/>
+              <a:ext cx="1586899" cy="1403928"/>
+            </a:xfrm>
+            <a:prstGeom prst="rect">
+              <a:avLst/>
+            </a:prstGeom>
+            <a:solidFill>
+              <a:srgbClr val="FFF8E5"/>
+            </a:solidFill>
+            <a:ln>
+              <a:noFill/>
+            </a:ln>
+          </p:spPr>
+          <p:style>
+            <a:lnRef idx="2">
+              <a:schemeClr val="accent1">
+                <a:shade val="15000"/>
+              </a:schemeClr>
+            </a:lnRef>
+            <a:fillRef idx="1">
+              <a:schemeClr val="accent1"/>
+            </a:fillRef>
+            <a:effectRef idx="0">
+              <a:schemeClr val="accent1"/>
+            </a:effectRef>
+            <a:fontRef idx="minor">
+              <a:schemeClr val="lt1"/>
+            </a:fontRef>
+          </p:style>
+          <p:txBody>
+            <a:bodyPr rtlCol="0" anchor="ctr"/>
+            <a:lstStyle/>
+            <a:p>
+              <a:pPr algn="ctr"/>
+              <a:endParaRPr kumimoji="1" lang="ja-JP" altLang="en-US"/>
+            </a:p>
+          </p:txBody>
+        </p:sp>
+        <p:sp>
+          <p:nvSpPr>
+            <p:cNvPr id="14" name="二等辺三角形 13">
+              <a:extLst>
+                <a:ext uri="{FF2B5EF4-FFF2-40B4-BE49-F238E27FC236}">
+                  <a16:creationId xmlns:a16="http://schemas.microsoft.com/office/drawing/2014/main" id="{6B1DEACB-788A-A211-8F4E-23207CD9EE3A}"/>
+                </a:ext>
+              </a:extLst>
+            </p:cNvPr>
+            <p:cNvSpPr/>
+            <p:nvPr/>
+          </p:nvSpPr>
+          <p:spPr>
+            <a:xfrm>
+              <a:off x="5065757" y="2160290"/>
+              <a:ext cx="1735634" cy="534631"/>
+            </a:xfrm>
+            <a:prstGeom prst="triangle">
+              <a:avLst/>
+            </a:prstGeom>
+            <a:solidFill>
+              <a:srgbClr val="FFF8E5"/>
+            </a:solidFill>
+            <a:ln>
+              <a:noFill/>
+            </a:ln>
+          </p:spPr>
+          <p:style>
+            <a:lnRef idx="2">
+              <a:schemeClr val="accent1">
+                <a:shade val="15000"/>
+              </a:schemeClr>
+            </a:lnRef>
+            <a:fillRef idx="1">
+              <a:schemeClr val="accent1"/>
+            </a:fillRef>
+            <a:effectRef idx="0">
+              <a:schemeClr val="accent1"/>
+            </a:effectRef>
+            <a:fontRef idx="minor">
+              <a:schemeClr val="lt1"/>
+            </a:fontRef>
+          </p:style>
+          <p:txBody>
+            <a:bodyPr rtlCol="0" anchor="ctr"/>
+            <a:lstStyle/>
+            <a:p>
+              <a:pPr algn="ctr"/>
+              <a:endParaRPr kumimoji="1" lang="ja-JP" altLang="en-US"/>
+            </a:p>
+          </p:txBody>
+        </p:sp>
+        <p:sp>
+          <p:nvSpPr>
+            <p:cNvPr id="15" name="四角形: 角を丸くする 14">
+              <a:extLst>
+                <a:ext uri="{FF2B5EF4-FFF2-40B4-BE49-F238E27FC236}">
+                  <a16:creationId xmlns:a16="http://schemas.microsoft.com/office/drawing/2014/main" id="{5094E576-2121-1C96-B978-82513411DAD5}"/>
+                </a:ext>
+              </a:extLst>
+            </p:cNvPr>
+            <p:cNvSpPr/>
+            <p:nvPr/>
+          </p:nvSpPr>
+          <p:spPr>
+            <a:xfrm>
+              <a:off x="5459929" y="2970732"/>
+              <a:ext cx="947292" cy="839331"/>
+            </a:xfrm>
+            <a:prstGeom prst="roundRect">
+              <a:avLst/>
+            </a:prstGeom>
+            <a:solidFill>
+              <a:srgbClr val="7DE3A1"/>
+            </a:solidFill>
+            <a:ln>
+              <a:noFill/>
+            </a:ln>
+          </p:spPr>
+          <p:style>
+            <a:lnRef idx="2">
+              <a:schemeClr val="accent1">
+                <a:shade val="15000"/>
+              </a:schemeClr>
+            </a:lnRef>
+            <a:fillRef idx="1">
+              <a:schemeClr val="accent1"/>
+            </a:fillRef>
+            <a:effectRef idx="0">
+              <a:schemeClr val="accent1"/>
+            </a:effectRef>
+            <a:fontRef idx="minor">
+              <a:schemeClr val="lt1"/>
+            </a:fontRef>
+          </p:style>
+          <p:txBody>
+            <a:bodyPr rtlCol="0" anchor="ctr"/>
+            <a:lstStyle/>
+            <a:p>
+              <a:pPr algn="ctr"/>
+              <a:endParaRPr kumimoji="1" lang="ja-JP" altLang="en-US"/>
+            </a:p>
+          </p:txBody>
+        </p:sp>
+        <p:sp>
+          <p:nvSpPr>
+            <p:cNvPr id="16" name="L 字 15">
+              <a:extLst>
+                <a:ext uri="{FF2B5EF4-FFF2-40B4-BE49-F238E27FC236}">
+                  <a16:creationId xmlns:a16="http://schemas.microsoft.com/office/drawing/2014/main" id="{E215BB5D-4747-0CFA-4819-402250220648}"/>
+                </a:ext>
+              </a:extLst>
+            </p:cNvPr>
+            <p:cNvSpPr/>
+            <p:nvPr/>
+          </p:nvSpPr>
+          <p:spPr>
+            <a:xfrm rot="18917526">
+              <a:off x="5625637" y="3165748"/>
+              <a:ext cx="615875" cy="357760"/>
+            </a:xfrm>
+            <a:prstGeom prst="corner">
+              <a:avLst>
+                <a:gd name="adj1" fmla="val 44010"/>
+                <a:gd name="adj2" fmla="val 42013"/>
+              </a:avLst>
+            </a:prstGeom>
+            <a:solidFill>
+              <a:schemeClr val="bg1"/>
+            </a:solidFill>
+            <a:ln>
+              <a:noFill/>
+            </a:ln>
+          </p:spPr>
+          <p:style>
+            <a:lnRef idx="2">
+              <a:schemeClr val="accent1">
+                <a:shade val="15000"/>
+              </a:schemeClr>
+            </a:lnRef>
+            <a:fillRef idx="1">
+              <a:schemeClr val="accent1"/>
+            </a:fillRef>
+            <a:effectRef idx="0">
+              <a:schemeClr val="accent1"/>
+            </a:effectRef>
+            <a:fontRef idx="minor">
+              <a:schemeClr val="lt1"/>
+            </a:fontRef>
+          </p:style>
+          <p:txBody>
+            <a:bodyPr rtlCol="0" anchor="ctr"/>
+            <a:lstStyle/>
+            <a:p>
+              <a:pPr algn="ctr"/>
+              <a:endParaRPr kumimoji="1" lang="ja-JP" altLang="en-US"/>
+            </a:p>
+          </p:txBody>
+        </p:sp>
+        <p:sp>
+          <p:nvSpPr>
+            <p:cNvPr id="17" name="二等辺三角形 16">
+              <a:extLst>
+                <a:ext uri="{FF2B5EF4-FFF2-40B4-BE49-F238E27FC236}">
+                  <a16:creationId xmlns:a16="http://schemas.microsoft.com/office/drawing/2014/main" id="{83CCE22A-92EE-2126-AACD-555937856792}"/>
+                </a:ext>
+              </a:extLst>
+            </p:cNvPr>
+            <p:cNvSpPr/>
+            <p:nvPr/>
+          </p:nvSpPr>
+          <p:spPr>
+            <a:xfrm rot="3629677">
+              <a:off x="5246027" y="1712746"/>
+              <a:ext cx="302833" cy="1509030"/>
+            </a:xfrm>
+            <a:prstGeom prst="triangle">
+              <a:avLst/>
+            </a:prstGeom>
+            <a:solidFill>
+              <a:schemeClr val="bg1"/>
+            </a:solidFill>
+            <a:ln>
+              <a:noFill/>
+            </a:ln>
+          </p:spPr>
+          <p:style>
+            <a:lnRef idx="2">
+              <a:schemeClr val="accent1">
+                <a:shade val="15000"/>
+              </a:schemeClr>
+            </a:lnRef>
+            <a:fillRef idx="1">
+              <a:schemeClr val="accent1"/>
+            </a:fillRef>
+            <a:effectRef idx="0">
+              <a:schemeClr val="accent1"/>
+            </a:effectRef>
+            <a:fontRef idx="minor">
+              <a:schemeClr val="lt1"/>
+            </a:fontRef>
+          </p:style>
+          <p:txBody>
+            <a:bodyPr rtlCol="0" anchor="ctr"/>
+            <a:lstStyle/>
+            <a:p>
+              <a:pPr algn="ctr"/>
+              <a:endParaRPr kumimoji="1" lang="ja-JP" altLang="en-US"/>
+            </a:p>
+          </p:txBody>
+        </p:sp>
+        <p:sp>
+          <p:nvSpPr>
+            <p:cNvPr id="18" name="二等辺三角形 17">
+              <a:extLst>
+                <a:ext uri="{FF2B5EF4-FFF2-40B4-BE49-F238E27FC236}">
+                  <a16:creationId xmlns:a16="http://schemas.microsoft.com/office/drawing/2014/main" id="{78EDDAF7-71A8-7B01-EFA6-6DD614E14510}"/>
+                </a:ext>
+              </a:extLst>
+            </p:cNvPr>
+            <p:cNvSpPr/>
+            <p:nvPr/>
+          </p:nvSpPr>
+          <p:spPr>
+            <a:xfrm rot="17970323" flipH="1">
+              <a:off x="6311141" y="1709212"/>
+              <a:ext cx="302833" cy="1509030"/>
+            </a:xfrm>
+            <a:prstGeom prst="triangle">
+              <a:avLst/>
+            </a:prstGeom>
+            <a:solidFill>
+              <a:schemeClr val="bg1"/>
+            </a:solidFill>
+            <a:ln>
+              <a:noFill/>
+            </a:ln>
+          </p:spPr>
+          <p:style>
+            <a:lnRef idx="2">
+              <a:schemeClr val="accent1">
+                <a:shade val="15000"/>
+              </a:schemeClr>
+            </a:lnRef>
+            <a:fillRef idx="1">
+              <a:schemeClr val="accent1"/>
+            </a:fillRef>
+            <a:effectRef idx="0">
+              <a:schemeClr val="accent1"/>
+            </a:effectRef>
+            <a:fontRef idx="minor">
+              <a:schemeClr val="lt1"/>
+            </a:fontRef>
+          </p:style>
+          <p:txBody>
+            <a:bodyPr rtlCol="0" anchor="ctr"/>
+            <a:lstStyle/>
+            <a:p>
+              <a:pPr algn="ctr"/>
+              <a:endParaRPr kumimoji="1" lang="ja-JP" altLang="en-US"/>
+            </a:p>
+          </p:txBody>
+        </p:sp>
+        <p:sp>
+          <p:nvSpPr>
+            <p:cNvPr id="19" name="二等辺三角形 18">
+              <a:extLst>
+                <a:ext uri="{FF2B5EF4-FFF2-40B4-BE49-F238E27FC236}">
+                  <a16:creationId xmlns:a16="http://schemas.microsoft.com/office/drawing/2014/main" id="{93BCEE33-E05A-DFF3-ADF6-900C4D51E007}"/>
+                </a:ext>
+              </a:extLst>
+            </p:cNvPr>
+            <p:cNvSpPr/>
+            <p:nvPr/>
+          </p:nvSpPr>
+          <p:spPr>
+            <a:xfrm rot="14513562">
+              <a:off x="5687045" y="2032742"/>
+              <a:ext cx="118350" cy="387635"/>
+            </a:xfrm>
+            <a:prstGeom prst="triangle">
+              <a:avLst/>
+            </a:prstGeom>
+            <a:solidFill>
+              <a:schemeClr val="bg1"/>
+            </a:solidFill>
+            <a:ln>
+              <a:noFill/>
+            </a:ln>
+          </p:spPr>
+          <p:style>
+            <a:lnRef idx="2">
+              <a:schemeClr val="accent1">
+                <a:shade val="15000"/>
+              </a:schemeClr>
+            </a:lnRef>
+            <a:fillRef idx="1">
+              <a:schemeClr val="accent1"/>
+            </a:fillRef>
+            <a:effectRef idx="0">
+              <a:schemeClr val="accent1"/>
+            </a:effectRef>
+            <a:fontRef idx="minor">
+              <a:schemeClr val="lt1"/>
+            </a:fontRef>
+          </p:style>
+          <p:txBody>
+            <a:bodyPr rtlCol="0" anchor="ctr"/>
+            <a:lstStyle/>
+            <a:p>
+              <a:pPr algn="ctr"/>
+              <a:endParaRPr kumimoji="1" lang="ja-JP" altLang="en-US"/>
+            </a:p>
+          </p:txBody>
+        </p:sp>
+        <p:sp>
+          <p:nvSpPr>
+            <p:cNvPr id="20" name="正方形/長方形 19">
+              <a:extLst>
+                <a:ext uri="{FF2B5EF4-FFF2-40B4-BE49-F238E27FC236}">
+                  <a16:creationId xmlns:a16="http://schemas.microsoft.com/office/drawing/2014/main" id="{C540D345-DFD8-5B36-4B88-246344BC056D}"/>
+                </a:ext>
+              </a:extLst>
+            </p:cNvPr>
+            <p:cNvSpPr/>
+            <p:nvPr/>
+          </p:nvSpPr>
+          <p:spPr>
+            <a:xfrm rot="19716515">
+              <a:off x="4534679" y="2357572"/>
+              <a:ext cx="1430921" cy="126785"/>
+            </a:xfrm>
+            <a:prstGeom prst="rect">
+              <a:avLst/>
+            </a:prstGeom>
+            <a:solidFill>
+              <a:srgbClr val="C00000"/>
+            </a:solidFill>
+            <a:ln>
+              <a:noFill/>
+            </a:ln>
+          </p:spPr>
+          <p:style>
+            <a:lnRef idx="2">
+              <a:schemeClr val="accent1">
+                <a:shade val="15000"/>
+              </a:schemeClr>
+            </a:lnRef>
+            <a:fillRef idx="1">
+              <a:schemeClr val="accent1"/>
+            </a:fillRef>
+            <a:effectRef idx="0">
+              <a:schemeClr val="accent1"/>
+            </a:effectRef>
+            <a:fontRef idx="minor">
+              <a:schemeClr val="lt1"/>
+            </a:fontRef>
+          </p:style>
+          <p:txBody>
+            <a:bodyPr rtlCol="0" anchor="ctr"/>
+            <a:lstStyle/>
+            <a:p>
+              <a:pPr algn="ctr"/>
+              <a:endParaRPr kumimoji="1" lang="ja-JP" altLang="en-US"/>
+            </a:p>
+          </p:txBody>
+        </p:sp>
+        <p:sp>
+          <p:nvSpPr>
+            <p:cNvPr id="21" name="二等辺三角形 20">
+              <a:extLst>
+                <a:ext uri="{FF2B5EF4-FFF2-40B4-BE49-F238E27FC236}">
+                  <a16:creationId xmlns:a16="http://schemas.microsoft.com/office/drawing/2014/main" id="{E2B702F9-6D5A-51FF-379B-9BD29A51BA4B}"/>
+                </a:ext>
+              </a:extLst>
+            </p:cNvPr>
+            <p:cNvSpPr/>
+            <p:nvPr/>
+          </p:nvSpPr>
+          <p:spPr>
+            <a:xfrm rot="10800000">
+              <a:off x="5889918" y="2120869"/>
+              <a:ext cx="83077" cy="66701"/>
+            </a:xfrm>
+            <a:prstGeom prst="triangle">
+              <a:avLst/>
+            </a:prstGeom>
+            <a:solidFill>
+              <a:schemeClr val="bg1"/>
+            </a:solidFill>
+            <a:ln>
+              <a:noFill/>
+            </a:ln>
+          </p:spPr>
+          <p:style>
+            <a:lnRef idx="2">
+              <a:schemeClr val="accent1">
+                <a:shade val="15000"/>
+              </a:schemeClr>
+            </a:lnRef>
+            <a:fillRef idx="1">
+              <a:schemeClr val="accent1"/>
+            </a:fillRef>
+            <a:effectRef idx="0">
+              <a:schemeClr val="accent1"/>
+            </a:effectRef>
+            <a:fontRef idx="minor">
+              <a:schemeClr val="lt1"/>
+            </a:fontRef>
+          </p:style>
+          <p:txBody>
+            <a:bodyPr rtlCol="0" anchor="ctr"/>
+            <a:lstStyle/>
+            <a:p>
+              <a:pPr algn="ctr"/>
+              <a:endParaRPr kumimoji="1" lang="ja-JP" altLang="en-US"/>
+            </a:p>
+          </p:txBody>
+        </p:sp>
+        <p:sp>
+          <p:nvSpPr>
+            <p:cNvPr id="22" name="正方形/長方形 21">
+              <a:extLst>
+                <a:ext uri="{FF2B5EF4-FFF2-40B4-BE49-F238E27FC236}">
+                  <a16:creationId xmlns:a16="http://schemas.microsoft.com/office/drawing/2014/main" id="{0D36E3CF-0363-CD9F-B562-8E34719FEFEA}"/>
+                </a:ext>
+              </a:extLst>
+            </p:cNvPr>
+            <p:cNvSpPr/>
+            <p:nvPr/>
+          </p:nvSpPr>
+          <p:spPr>
+            <a:xfrm rot="1883485" flipH="1">
+              <a:off x="5895378" y="2355200"/>
+              <a:ext cx="1430921" cy="129344"/>
+            </a:xfrm>
+            <a:prstGeom prst="rect">
+              <a:avLst/>
+            </a:prstGeom>
+            <a:solidFill>
+              <a:srgbClr val="C00000"/>
+            </a:solidFill>
+            <a:ln>
+              <a:noFill/>
+            </a:ln>
+          </p:spPr>
+          <p:style>
+            <a:lnRef idx="2">
+              <a:schemeClr val="accent1">
+                <a:shade val="15000"/>
+              </a:schemeClr>
+            </a:lnRef>
+            <a:fillRef idx="1">
+              <a:schemeClr val="accent1"/>
+            </a:fillRef>
+            <a:effectRef idx="0">
+              <a:schemeClr val="accent1"/>
+            </a:effectRef>
+            <a:fontRef idx="minor">
+              <a:schemeClr val="lt1"/>
+            </a:fontRef>
+          </p:style>
+          <p:txBody>
+            <a:bodyPr rtlCol="0" anchor="ctr"/>
+            <a:lstStyle/>
+            <a:p>
+              <a:pPr algn="ctr"/>
+              <a:endParaRPr kumimoji="1" lang="ja-JP" altLang="en-US"/>
+            </a:p>
+          </p:txBody>
+        </p:sp>
+        <p:sp>
+          <p:nvSpPr>
+            <p:cNvPr id="23" name="二等辺三角形 22">
+              <a:extLst>
+                <a:ext uri="{FF2B5EF4-FFF2-40B4-BE49-F238E27FC236}">
+                  <a16:creationId xmlns:a16="http://schemas.microsoft.com/office/drawing/2014/main" id="{85831E81-2F28-0B3C-681C-B379A63DB179}"/>
+                </a:ext>
+              </a:extLst>
+            </p:cNvPr>
+            <p:cNvSpPr/>
+            <p:nvPr/>
+          </p:nvSpPr>
+          <p:spPr>
+            <a:xfrm rot="6891913" flipH="1">
+              <a:off x="6073388" y="2045414"/>
+              <a:ext cx="89618" cy="387635"/>
+            </a:xfrm>
+            <a:prstGeom prst="triangle">
+              <a:avLst/>
+            </a:prstGeom>
+            <a:solidFill>
+              <a:schemeClr val="bg1"/>
+            </a:solidFill>
+            <a:ln>
+              <a:noFill/>
+            </a:ln>
+          </p:spPr>
+          <p:style>
+            <a:lnRef idx="2">
+              <a:schemeClr val="accent1">
+                <a:shade val="15000"/>
+              </a:schemeClr>
+            </a:lnRef>
+            <a:fillRef idx="1">
+              <a:schemeClr val="accent1"/>
+            </a:fillRef>
+            <a:effectRef idx="0">
+              <a:schemeClr val="accent1"/>
+            </a:effectRef>
+            <a:fontRef idx="minor">
+              <a:schemeClr val="lt1"/>
+            </a:fontRef>
+          </p:style>
+          <p:txBody>
+            <a:bodyPr rtlCol="0" anchor="ctr"/>
+            <a:lstStyle/>
+            <a:p>
+              <a:pPr algn="ctr"/>
+              <a:endParaRPr kumimoji="1" lang="ja-JP" altLang="en-US"/>
+            </a:p>
+          </p:txBody>
+        </p:sp>
+        <p:sp>
+          <p:nvSpPr>
+            <p:cNvPr id="24" name="正方形/長方形 23">
+              <a:extLst>
+                <a:ext uri="{FF2B5EF4-FFF2-40B4-BE49-F238E27FC236}">
+                  <a16:creationId xmlns:a16="http://schemas.microsoft.com/office/drawing/2014/main" id="{331045D9-C16E-897C-E872-DB8D5A963C0F}"/>
+                </a:ext>
+              </a:extLst>
+            </p:cNvPr>
+            <p:cNvSpPr/>
+            <p:nvPr/>
+          </p:nvSpPr>
+          <p:spPr>
+            <a:xfrm>
+              <a:off x="5735385" y="1979001"/>
+              <a:ext cx="386688" cy="124118"/>
+            </a:xfrm>
+            <a:prstGeom prst="rect">
+              <a:avLst/>
+            </a:prstGeom>
+            <a:solidFill>
+              <a:srgbClr val="C00000"/>
+            </a:solidFill>
+            <a:ln>
+              <a:noFill/>
+            </a:ln>
+          </p:spPr>
+          <p:style>
+            <a:lnRef idx="2">
+              <a:schemeClr val="accent1">
+                <a:shade val="15000"/>
+              </a:schemeClr>
+            </a:lnRef>
+            <a:fillRef idx="1">
+              <a:schemeClr val="accent1"/>
+            </a:fillRef>
+            <a:effectRef idx="0">
+              <a:schemeClr val="accent1"/>
+            </a:effectRef>
+            <a:fontRef idx="minor">
+              <a:schemeClr val="lt1"/>
+            </a:fontRef>
+          </p:style>
+          <p:txBody>
+            <a:bodyPr rtlCol="0" anchor="ctr"/>
+            <a:lstStyle/>
+            <a:p>
+              <a:pPr algn="ctr"/>
+              <a:endParaRPr kumimoji="1" lang="ja-JP" altLang="en-US"/>
+            </a:p>
+          </p:txBody>
+        </p:sp>
+      </p:grpSp>
+      <p:sp>
+        <p:nvSpPr>
+          <p:cNvPr id="26" name="星: 4 pt 25">
+            <a:extLst>
+              <a:ext uri="{FF2B5EF4-FFF2-40B4-BE49-F238E27FC236}">
+                <a16:creationId xmlns:a16="http://schemas.microsoft.com/office/drawing/2014/main" id="{AA4812C9-DFB4-CDF2-5F92-45515A191A62}"/>
+              </a:ext>
+            </a:extLst>
+          </p:cNvPr>
+          <p:cNvSpPr/>
+          <p:nvPr/>
+        </p:nvSpPr>
+        <p:spPr>
+          <a:xfrm>
+            <a:off x="4290376" y="1705247"/>
+            <a:ext cx="632336" cy="776763"/>
+          </a:xfrm>
+          <a:prstGeom prst="star4">
+            <a:avLst/>
+          </a:prstGeom>
+          <a:solidFill>
+            <a:srgbClr val="F4D13E"/>
+          </a:solidFill>
+          <a:ln>
+            <a:noFill/>
+          </a:ln>
+        </p:spPr>
+        <p:style>
+          <a:lnRef idx="2">
+            <a:schemeClr val="accent1">
+              <a:shade val="15000"/>
+            </a:schemeClr>
+          </a:lnRef>
+          <a:fillRef idx="1">
+            <a:schemeClr val="accent1"/>
+          </a:fillRef>
+          <a:effectRef idx="0">
+            <a:schemeClr val="accent1"/>
+          </a:effectRef>
+          <a:fontRef idx="minor">
+            <a:schemeClr val="lt1"/>
+          </a:fontRef>
+        </p:style>
+        <p:txBody>
+          <a:bodyPr rtlCol="0" anchor="ctr"/>
+          <a:lstStyle/>
+          <a:p>
+            <a:pPr algn="ctr"/>
+            <a:endParaRPr kumimoji="1" lang="ja-JP" altLang="en-US"/>
+          </a:p>
+        </p:txBody>
+      </p:sp>
+      <p:sp>
+        <p:nvSpPr>
+          <p:cNvPr id="27" name="星: 4 pt 26">
+            <a:extLst>
+              <a:ext uri="{FF2B5EF4-FFF2-40B4-BE49-F238E27FC236}">
+                <a16:creationId xmlns:a16="http://schemas.microsoft.com/office/drawing/2014/main" id="{6EBC5E01-9E9D-44E9-32E2-149802291D5E}"/>
+              </a:ext>
+            </a:extLst>
+          </p:cNvPr>
+          <p:cNvSpPr/>
+          <p:nvPr/>
+        </p:nvSpPr>
+        <p:spPr>
+          <a:xfrm>
+            <a:off x="4112040" y="2328606"/>
+            <a:ext cx="392673" cy="577995"/>
+          </a:xfrm>
+          <a:prstGeom prst="star4">
+            <a:avLst/>
+          </a:prstGeom>
+          <a:solidFill>
+            <a:srgbClr val="F4D13E"/>
+          </a:solidFill>
+          <a:ln>
+            <a:noFill/>
+          </a:ln>
+        </p:spPr>
+        <p:style>
+          <a:lnRef idx="2">
+            <a:schemeClr val="accent1">
+              <a:shade val="15000"/>
+            </a:schemeClr>
+          </a:lnRef>
+          <a:fillRef idx="1">
+            <a:schemeClr val="accent1"/>
+          </a:fillRef>
+          <a:effectRef idx="0">
+            <a:schemeClr val="accent1"/>
+          </a:effectRef>
+          <a:fontRef idx="minor">
+            <a:schemeClr val="lt1"/>
+          </a:fontRef>
+        </p:style>
+        <p:txBody>
+          <a:bodyPr rtlCol="0" anchor="ctr"/>
+          <a:lstStyle/>
+          <a:p>
+            <a:pPr algn="ctr"/>
+            <a:endParaRPr kumimoji="1" lang="ja-JP" altLang="en-US"/>
+          </a:p>
+        </p:txBody>
+      </p:sp>
+      <p:sp>
+        <p:nvSpPr>
+          <p:cNvPr id="28" name="星: 4 pt 27">
+            <a:extLst>
+              <a:ext uri="{FF2B5EF4-FFF2-40B4-BE49-F238E27FC236}">
+                <a16:creationId xmlns:a16="http://schemas.microsoft.com/office/drawing/2014/main" id="{1A2080A0-B28E-6DAF-345B-81705A1B141D}"/>
+              </a:ext>
+            </a:extLst>
+          </p:cNvPr>
+          <p:cNvSpPr/>
+          <p:nvPr/>
+        </p:nvSpPr>
+        <p:spPr>
+          <a:xfrm>
+            <a:off x="7430917" y="3100388"/>
+            <a:ext cx="632336" cy="776763"/>
+          </a:xfrm>
+          <a:prstGeom prst="star4">
+            <a:avLst/>
+          </a:prstGeom>
+          <a:solidFill>
+            <a:srgbClr val="F4D13E"/>
+          </a:solidFill>
+          <a:ln>
+            <a:noFill/>
+          </a:ln>
+        </p:spPr>
+        <p:style>
+          <a:lnRef idx="2">
+            <a:schemeClr val="accent1">
+              <a:shade val="15000"/>
+            </a:schemeClr>
+          </a:lnRef>
+          <a:fillRef idx="1">
+            <a:schemeClr val="accent1"/>
+          </a:fillRef>
+          <a:effectRef idx="0">
+            <a:schemeClr val="accent1"/>
+          </a:effectRef>
+          <a:fontRef idx="minor">
+            <a:schemeClr val="lt1"/>
+          </a:fontRef>
+        </p:style>
+        <p:txBody>
+          <a:bodyPr rtlCol="0" anchor="ctr"/>
+          <a:lstStyle/>
+          <a:p>
+            <a:pPr algn="ctr"/>
+            <a:endParaRPr kumimoji="1" lang="ja-JP" altLang="en-US"/>
+          </a:p>
+        </p:txBody>
+      </p:sp>
+      <p:sp>
+        <p:nvSpPr>
+          <p:cNvPr id="29" name="テキスト ボックス 28">
+            <a:extLst>
+              <a:ext uri="{FF2B5EF4-FFF2-40B4-BE49-F238E27FC236}">
+                <a16:creationId xmlns:a16="http://schemas.microsoft.com/office/drawing/2014/main" id="{7EBF0D7C-8608-2107-8A24-42247F9AE9A2}"/>
+              </a:ext>
+            </a:extLst>
+          </p:cNvPr>
+          <p:cNvSpPr txBox="1"/>
+          <p:nvPr/>
+        </p:nvSpPr>
+        <p:spPr>
+          <a:xfrm>
+            <a:off x="5455034" y="4350252"/>
+            <a:ext cx="1506486" cy="400110"/>
+          </a:xfrm>
+          <a:prstGeom prst="rect">
+            <a:avLst/>
+          </a:prstGeom>
+          <a:noFill/>
+        </p:spPr>
+        <p:txBody>
+          <a:bodyPr wrap="square" rtlCol="0">
+            <a:spAutoFit/>
+          </a:bodyPr>
+          <a:lstStyle/>
+          <a:p>
+            <a:r>
+              <a:rPr kumimoji="1" lang="en-US" altLang="ja-JP" sz="2000" dirty="0" err="1">
+                <a:solidFill>
+                  <a:srgbClr val="001746"/>
+                </a:solidFill>
+                <a:latin typeface="UD デジタル 教科書体 NK-B" panose="02020700000000000000" pitchFamily="18" charset="-128"/>
+                <a:ea typeface="UD デジタル 教科書体 NK-B" panose="02020700000000000000" pitchFamily="18" charset="-128"/>
+              </a:rPr>
+              <a:t>Welcom</a:t>
+            </a:r>
+            <a:r>
+              <a:rPr kumimoji="1" lang="en-US" altLang="ja-JP" sz="2000" dirty="0">
+                <a:solidFill>
+                  <a:srgbClr val="001746"/>
+                </a:solidFill>
+                <a:latin typeface="UD デジタル 教科書体 NK-B" panose="02020700000000000000" pitchFamily="18" charset="-128"/>
+                <a:ea typeface="UD デジタル 教科書体 NK-B" panose="02020700000000000000" pitchFamily="18" charset="-128"/>
+              </a:rPr>
+              <a:t>!!</a:t>
+            </a:r>
+            <a:endParaRPr kumimoji="1" lang="ja-JP" altLang="en-US" sz="2000" dirty="0">
+              <a:solidFill>
+                <a:srgbClr val="001746"/>
+              </a:solidFill>
+              <a:latin typeface="UD デジタル 教科書体 NK-B" panose="02020700000000000000" pitchFamily="18" charset="-128"/>
+              <a:ea typeface="UD デジタル 教科書体 NK-B" panose="02020700000000000000" pitchFamily="18" charset="-128"/>
+            </a:endParaRPr>
+          </a:p>
+        </p:txBody>
+      </p:sp>
+      <p:sp>
+        <p:nvSpPr>
+          <p:cNvPr id="30" name="テキスト ボックス 29">
+            <a:extLst>
+              <a:ext uri="{FF2B5EF4-FFF2-40B4-BE49-F238E27FC236}">
+                <a16:creationId xmlns:a16="http://schemas.microsoft.com/office/drawing/2014/main" id="{8AEED3A8-71D7-37F8-43EC-F937CF539D66}"/>
+              </a:ext>
+            </a:extLst>
+          </p:cNvPr>
+          <p:cNvSpPr txBox="1"/>
+          <p:nvPr/>
+        </p:nvSpPr>
+        <p:spPr>
+          <a:xfrm>
+            <a:off x="3721450" y="4836616"/>
+            <a:ext cx="4763068" cy="461665"/>
+          </a:xfrm>
+          <a:prstGeom prst="rect">
+            <a:avLst/>
+          </a:prstGeom>
+          <a:noFill/>
+        </p:spPr>
+        <p:txBody>
+          <a:bodyPr wrap="square" rtlCol="0">
+            <a:spAutoFit/>
+          </a:bodyPr>
+          <a:lstStyle/>
+          <a:p>
+            <a:r>
+              <a:rPr kumimoji="1" lang="ja-JP" altLang="en-US" sz="2400" dirty="0">
+                <a:solidFill>
+                  <a:srgbClr val="001746"/>
+                </a:solidFill>
+                <a:latin typeface="UD デジタル 教科書体 NP-B" panose="02020700000000000000" pitchFamily="18" charset="-128"/>
+                <a:ea typeface="UD デジタル 教科書体 NP-B" panose="02020700000000000000" pitchFamily="18" charset="-128"/>
+              </a:rPr>
+              <a:t>アカウントの登録が完了しました</a:t>
+            </a:r>
+          </a:p>
+        </p:txBody>
+      </p:sp>
+      <p:sp>
+        <p:nvSpPr>
+          <p:cNvPr id="11" name="四角形: 角を丸くする 10">
+            <a:extLst>
+              <a:ext uri="{FF2B5EF4-FFF2-40B4-BE49-F238E27FC236}">
+                <a16:creationId xmlns:a16="http://schemas.microsoft.com/office/drawing/2014/main" id="{E55BEDDF-AAA3-B924-7A03-F7BC47D1B709}"/>
+              </a:ext>
+            </a:extLst>
+          </p:cNvPr>
+          <p:cNvSpPr/>
+          <p:nvPr/>
+        </p:nvSpPr>
+        <p:spPr>
+          <a:xfrm>
+            <a:off x="5143045" y="5516077"/>
+            <a:ext cx="1905910" cy="535259"/>
+          </a:xfrm>
+          <a:prstGeom prst="roundRect">
+            <a:avLst>
+              <a:gd name="adj" fmla="val 21536"/>
+            </a:avLst>
+          </a:prstGeom>
+          <a:solidFill>
+            <a:srgbClr val="001746"/>
+          </a:solidFill>
+          <a:ln>
+            <a:noFill/>
+          </a:ln>
+        </p:spPr>
+        <p:style>
+          <a:lnRef idx="2">
+            <a:schemeClr val="accent1">
+              <a:shade val="15000"/>
+            </a:schemeClr>
+          </a:lnRef>
+          <a:fillRef idx="1">
+            <a:schemeClr val="accent1"/>
+          </a:fillRef>
+          <a:effectRef idx="0">
+            <a:schemeClr val="accent1"/>
+          </a:effectRef>
+          <a:fontRef idx="minor">
+            <a:schemeClr val="lt1"/>
+          </a:fontRef>
+        </p:style>
+        <p:txBody>
+          <a:bodyPr rtlCol="0" anchor="ctr"/>
+          <a:lstStyle/>
+          <a:p>
+            <a:pPr algn="ctr"/>
+            <a:r>
+              <a:rPr kumimoji="1" lang="ja-JP" altLang="en-US" dirty="0">
+                <a:latin typeface="UD デジタル 教科書体 NK-B" panose="02020700000000000000" pitchFamily="18" charset="-128"/>
+                <a:ea typeface="UD デジタル 教科書体 NK-B" panose="02020700000000000000" pitchFamily="18" charset="-128"/>
+              </a:rPr>
+              <a:t>ログイン画面へ</a:t>
+            </a:r>
+          </a:p>
+        </p:txBody>
+      </p:sp>
+    </p:spTree>
+    <p:extLst>
+      <p:ext uri="{BB962C8B-B14F-4D97-AF65-F5344CB8AC3E}">
+        <p14:creationId xmlns:p14="http://schemas.microsoft.com/office/powerpoint/2010/main" val="2522886488"/>
+      </p:ext>
+    </p:extLst>
+  </p:cSld>
+  <p:clrMapOvr>
+    <a:masterClrMapping/>
+  </p:clrMapOvr>
+</p:sld>
+</file>
+
+<file path=ppt/slides/slide9.xml><?xml version="1.0" encoding="utf-8"?>
+<p:sld xmlns:a="http://schemas.openxmlformats.org/drawingml/2006/main" xmlns:r="http://schemas.openxmlformats.org/officeDocument/2006/relationships" xmlns:p="http://schemas.openxmlformats.org/presentationml/2006/main">
+  <p:cSld>
+    <p:spTree>
+      <p:nvGrpSpPr>
+        <p:cNvPr id="1" name=""/>
+        <p:cNvGrpSpPr/>
+        <p:nvPr/>
+      </p:nvGrpSpPr>
+      <p:grpSpPr>
+        <a:xfrm>
+          <a:off x="0" y="0"/>
+          <a:ext cx="0" cy="0"/>
+          <a:chOff x="0" y="0"/>
+          <a:chExt cx="0" cy="0"/>
+        </a:xfrm>
+      </p:grpSpPr>
+      <p:sp>
+        <p:nvSpPr>
           <p:cNvPr id="7" name="正方形/長方形 6">
             <a:extLst>
               <a:ext uri="{FF2B5EF4-FFF2-40B4-BE49-F238E27FC236}">
@@ -42319,1291 +43604,6 @@
     <p:extLst>
       <p:ext uri="{BB962C8B-B14F-4D97-AF65-F5344CB8AC3E}">
         <p14:creationId xmlns:p14="http://schemas.microsoft.com/office/powerpoint/2010/main" val="2231663231"/>
-      </p:ext>
-    </p:extLst>
-  </p:cSld>
-  <p:clrMapOvr>
-    <a:masterClrMapping/>
-  </p:clrMapOvr>
-</p:sld>
-</file>
-
-<file path=ppt/slides/slide9.xml><?xml version="1.0" encoding="utf-8"?>
-<p:sld xmlns:a="http://schemas.openxmlformats.org/drawingml/2006/main" xmlns:r="http://schemas.openxmlformats.org/officeDocument/2006/relationships" xmlns:p="http://schemas.openxmlformats.org/presentationml/2006/main">
-  <p:cSld>
-    <p:spTree>
-      <p:nvGrpSpPr>
-        <p:cNvPr id="1" name=""/>
-        <p:cNvGrpSpPr/>
-        <p:nvPr/>
-      </p:nvGrpSpPr>
-      <p:grpSpPr>
-        <a:xfrm>
-          <a:off x="0" y="0"/>
-          <a:ext cx="0" cy="0"/>
-          <a:chOff x="0" y="0"/>
-          <a:chExt cx="0" cy="0"/>
-        </a:xfrm>
-      </p:grpSpPr>
-      <p:sp>
-        <p:nvSpPr>
-          <p:cNvPr id="2" name="正方形/長方形 1">
-            <a:extLst>
-              <a:ext uri="{FF2B5EF4-FFF2-40B4-BE49-F238E27FC236}">
-                <a16:creationId xmlns:a16="http://schemas.microsoft.com/office/drawing/2014/main" id="{4EACDB33-D278-4E96-4B83-CB0DA0017812}"/>
-              </a:ext>
-            </a:extLst>
-          </p:cNvPr>
-          <p:cNvSpPr/>
-          <p:nvPr/>
-        </p:nvSpPr>
-        <p:spPr>
-          <a:xfrm>
-            <a:off x="0" y="0"/>
-            <a:ext cx="12192000" cy="1386348"/>
-          </a:xfrm>
-          <a:prstGeom prst="rect">
-            <a:avLst/>
-          </a:prstGeom>
-          <a:solidFill>
-            <a:srgbClr val="F5F5F5"/>
-          </a:solidFill>
-          <a:ln>
-            <a:noFill/>
-          </a:ln>
-        </p:spPr>
-        <p:style>
-          <a:lnRef idx="2">
-            <a:schemeClr val="accent1">
-              <a:shade val="15000"/>
-            </a:schemeClr>
-          </a:lnRef>
-          <a:fillRef idx="1">
-            <a:schemeClr val="accent1"/>
-          </a:fillRef>
-          <a:effectRef idx="0">
-            <a:schemeClr val="accent1"/>
-          </a:effectRef>
-          <a:fontRef idx="minor">
-            <a:schemeClr val="lt1"/>
-          </a:fontRef>
-        </p:style>
-        <p:txBody>
-          <a:bodyPr rtlCol="0" anchor="ctr"/>
-          <a:lstStyle/>
-          <a:p>
-            <a:pPr algn="ctr"/>
-            <a:endParaRPr kumimoji="1" lang="ja-JP" altLang="en-US"/>
-          </a:p>
-        </p:txBody>
-      </p:sp>
-      <p:pic>
-        <p:nvPicPr>
-          <p:cNvPr id="3" name="図 2" descr="ロゴ&#10;&#10;中程度の精度で自動的に生成された説明">
-            <a:extLst>
-              <a:ext uri="{FF2B5EF4-FFF2-40B4-BE49-F238E27FC236}">
-                <a16:creationId xmlns:a16="http://schemas.microsoft.com/office/drawing/2014/main" id="{90677610-C373-EFD4-017B-EAF5C0AA7686}"/>
-              </a:ext>
-            </a:extLst>
-          </p:cNvPr>
-          <p:cNvPicPr>
-            <a:picLocks noChangeAspect="1"/>
-          </p:cNvPicPr>
-          <p:nvPr/>
-        </p:nvPicPr>
-        <p:blipFill rotWithShape="1">
-          <a:blip r:embed="rId3">
-            <a:extLst>
-              <a:ext uri="{28A0092B-C50C-407E-A947-70E740481C1C}">
-                <a14:useLocalDpi xmlns:a14="http://schemas.microsoft.com/office/drawing/2010/main" val="0"/>
-              </a:ext>
-            </a:extLst>
-          </a:blip>
-          <a:srcRect l="14562" t="11298" b="30517"/>
-          <a:stretch/>
-        </p:blipFill>
-        <p:spPr>
-          <a:xfrm>
-            <a:off x="4826940" y="196644"/>
-            <a:ext cx="2538120" cy="1012723"/>
-          </a:xfrm>
-          <a:prstGeom prst="rect">
-            <a:avLst/>
-          </a:prstGeom>
-        </p:spPr>
-      </p:pic>
-      <p:grpSp>
-        <p:nvGrpSpPr>
-          <p:cNvPr id="4" name="グループ化 3">
-            <a:extLst>
-              <a:ext uri="{FF2B5EF4-FFF2-40B4-BE49-F238E27FC236}">
-                <a16:creationId xmlns:a16="http://schemas.microsoft.com/office/drawing/2014/main" id="{329BA7C7-A952-CC36-20BF-41CF8CC2B67C}"/>
-              </a:ext>
-            </a:extLst>
-          </p:cNvPr>
-          <p:cNvGrpSpPr/>
-          <p:nvPr/>
-        </p:nvGrpSpPr>
-        <p:grpSpPr>
-          <a:xfrm>
-            <a:off x="317581" y="277924"/>
-            <a:ext cx="924233" cy="1234235"/>
-            <a:chOff x="266781" y="196644"/>
-            <a:chExt cx="924233" cy="1234235"/>
-          </a:xfrm>
-        </p:grpSpPr>
-        <p:sp>
-          <p:nvSpPr>
-            <p:cNvPr id="5" name="フローチャート: 結合子 4">
-              <a:extLst>
-                <a:ext uri="{FF2B5EF4-FFF2-40B4-BE49-F238E27FC236}">
-                  <a16:creationId xmlns:a16="http://schemas.microsoft.com/office/drawing/2014/main" id="{47EE03C1-417B-88F6-FDC6-9C47B48C9432}"/>
-                </a:ext>
-              </a:extLst>
-            </p:cNvPr>
-            <p:cNvSpPr/>
-            <p:nvPr/>
-          </p:nvSpPr>
-          <p:spPr>
-            <a:xfrm>
-              <a:off x="266781" y="196644"/>
-              <a:ext cx="924233" cy="924233"/>
-            </a:xfrm>
-            <a:prstGeom prst="flowChartConnector">
-              <a:avLst/>
-            </a:prstGeom>
-            <a:noFill/>
-            <a:ln w="28575">
-              <a:solidFill>
-                <a:srgbClr val="EA7B6B"/>
-              </a:solidFill>
-            </a:ln>
-          </p:spPr>
-          <p:style>
-            <a:lnRef idx="2">
-              <a:schemeClr val="accent1">
-                <a:shade val="15000"/>
-              </a:schemeClr>
-            </a:lnRef>
-            <a:fillRef idx="1">
-              <a:schemeClr val="accent1"/>
-            </a:fillRef>
-            <a:effectRef idx="0">
-              <a:schemeClr val="accent1"/>
-            </a:effectRef>
-            <a:fontRef idx="minor">
-              <a:schemeClr val="lt1"/>
-            </a:fontRef>
-          </p:style>
-          <p:txBody>
-            <a:bodyPr rtlCol="0" anchor="ctr"/>
-            <a:lstStyle/>
-            <a:p>
-              <a:pPr algn="ctr"/>
-              <a:endParaRPr kumimoji="1" lang="ja-JP" altLang="en-US"/>
-            </a:p>
-          </p:txBody>
-        </p:sp>
-        <p:sp>
-          <p:nvSpPr>
-            <p:cNvPr id="6" name="フローチャート: 結合子 5">
-              <a:extLst>
-                <a:ext uri="{FF2B5EF4-FFF2-40B4-BE49-F238E27FC236}">
-                  <a16:creationId xmlns:a16="http://schemas.microsoft.com/office/drawing/2014/main" id="{2B1C132E-FFE0-8F97-83E9-F824738228FA}"/>
-                </a:ext>
-              </a:extLst>
-            </p:cNvPr>
-            <p:cNvSpPr/>
-            <p:nvPr/>
-          </p:nvSpPr>
-          <p:spPr>
-            <a:xfrm>
-              <a:off x="545771" y="319548"/>
-              <a:ext cx="366250" cy="349044"/>
-            </a:xfrm>
-            <a:prstGeom prst="flowChartConnector">
-              <a:avLst/>
-            </a:prstGeom>
-            <a:noFill/>
-            <a:ln w="28575">
-              <a:solidFill>
-                <a:srgbClr val="EA7B6B"/>
-              </a:solidFill>
-            </a:ln>
-          </p:spPr>
-          <p:style>
-            <a:lnRef idx="2">
-              <a:schemeClr val="accent1">
-                <a:shade val="15000"/>
-              </a:schemeClr>
-            </a:lnRef>
-            <a:fillRef idx="1">
-              <a:schemeClr val="accent1"/>
-            </a:fillRef>
-            <a:effectRef idx="0">
-              <a:schemeClr val="accent1"/>
-            </a:effectRef>
-            <a:fontRef idx="minor">
-              <a:schemeClr val="lt1"/>
-            </a:fontRef>
-          </p:style>
-          <p:txBody>
-            <a:bodyPr rtlCol="0" anchor="ctr"/>
-            <a:lstStyle/>
-            <a:p>
-              <a:pPr algn="ctr"/>
-              <a:endParaRPr kumimoji="1" lang="ja-JP" altLang="en-US"/>
-            </a:p>
-          </p:txBody>
-        </p:sp>
-        <p:sp>
-          <p:nvSpPr>
-            <p:cNvPr id="7" name="円弧 6">
-              <a:extLst>
-                <a:ext uri="{FF2B5EF4-FFF2-40B4-BE49-F238E27FC236}">
-                  <a16:creationId xmlns:a16="http://schemas.microsoft.com/office/drawing/2014/main" id="{ADD0E8F1-ED4C-92D8-5152-3BEBF7347DF4}"/>
-                </a:ext>
-              </a:extLst>
-            </p:cNvPr>
-            <p:cNvSpPr/>
-            <p:nvPr/>
-          </p:nvSpPr>
-          <p:spPr>
-            <a:xfrm rot="19079286">
-              <a:off x="374934" y="732788"/>
-              <a:ext cx="707924" cy="698091"/>
-            </a:xfrm>
-            <a:prstGeom prst="arc">
-              <a:avLst/>
-            </a:prstGeom>
-            <a:ln w="28575">
-              <a:solidFill>
-                <a:srgbClr val="EA7B6B"/>
-              </a:solidFill>
-            </a:ln>
-          </p:spPr>
-          <p:style>
-            <a:lnRef idx="1">
-              <a:schemeClr val="accent1"/>
-            </a:lnRef>
-            <a:fillRef idx="0">
-              <a:schemeClr val="accent1"/>
-            </a:fillRef>
-            <a:effectRef idx="0">
-              <a:schemeClr val="accent1"/>
-            </a:effectRef>
-            <a:fontRef idx="minor">
-              <a:schemeClr val="tx1"/>
-            </a:fontRef>
-          </p:style>
-          <p:txBody>
-            <a:bodyPr rtlCol="0" anchor="ctr"/>
-            <a:lstStyle/>
-            <a:p>
-              <a:pPr algn="ctr"/>
-              <a:endParaRPr kumimoji="1" lang="ja-JP" altLang="en-US"/>
-            </a:p>
-          </p:txBody>
-        </p:sp>
-      </p:grpSp>
-      <p:sp>
-        <p:nvSpPr>
-          <p:cNvPr id="8" name="テキスト ボックス 7">
-            <a:extLst>
-              <a:ext uri="{FF2B5EF4-FFF2-40B4-BE49-F238E27FC236}">
-                <a16:creationId xmlns:a16="http://schemas.microsoft.com/office/drawing/2014/main" id="{EB500DF1-82BB-4D47-5EF1-B2F6CFEC1B8A}"/>
-              </a:ext>
-            </a:extLst>
-          </p:cNvPr>
-          <p:cNvSpPr txBox="1"/>
-          <p:nvPr/>
-        </p:nvSpPr>
-        <p:spPr>
-          <a:xfrm>
-            <a:off x="9558094" y="806695"/>
-            <a:ext cx="2401617" cy="461665"/>
-          </a:xfrm>
-          <a:prstGeom prst="rect">
-            <a:avLst/>
-          </a:prstGeom>
-          <a:noFill/>
-        </p:spPr>
-        <p:txBody>
-          <a:bodyPr wrap="square" rtlCol="0">
-            <a:spAutoFit/>
-          </a:bodyPr>
-          <a:lstStyle/>
-          <a:p>
-            <a:r>
-              <a:rPr kumimoji="1" lang="en-US" altLang="ja-JP" sz="2400" dirty="0">
-                <a:solidFill>
-                  <a:srgbClr val="001746"/>
-                </a:solidFill>
-                <a:latin typeface="Kristen ITC" panose="03050502040202030202" pitchFamily="66" charset="0"/>
-              </a:rPr>
-              <a:t>2024/06/07 (Fri)</a:t>
-            </a:r>
-            <a:endParaRPr kumimoji="1" lang="ja-JP" altLang="en-US" sz="2400" dirty="0">
-              <a:solidFill>
-                <a:srgbClr val="001746"/>
-              </a:solidFill>
-              <a:latin typeface="Kristen ITC" panose="03050502040202030202" pitchFamily="66" charset="0"/>
-            </a:endParaRPr>
-          </a:p>
-        </p:txBody>
-      </p:sp>
-      <p:sp>
-        <p:nvSpPr>
-          <p:cNvPr id="9" name="正方形/長方形 8">
-            <a:extLst>
-              <a:ext uri="{FF2B5EF4-FFF2-40B4-BE49-F238E27FC236}">
-                <a16:creationId xmlns:a16="http://schemas.microsoft.com/office/drawing/2014/main" id="{D53C526D-B094-8918-A557-24C3499CAA14}"/>
-              </a:ext>
-            </a:extLst>
-          </p:cNvPr>
-          <p:cNvSpPr/>
-          <p:nvPr/>
-        </p:nvSpPr>
-        <p:spPr>
-          <a:xfrm>
-            <a:off x="0" y="6459794"/>
-            <a:ext cx="12192000" cy="398206"/>
-          </a:xfrm>
-          <a:prstGeom prst="rect">
-            <a:avLst/>
-          </a:prstGeom>
-          <a:solidFill>
-            <a:srgbClr val="F5F5F5"/>
-          </a:solidFill>
-          <a:ln>
-            <a:noFill/>
-          </a:ln>
-        </p:spPr>
-        <p:style>
-          <a:lnRef idx="2">
-            <a:schemeClr val="accent1">
-              <a:shade val="15000"/>
-            </a:schemeClr>
-          </a:lnRef>
-          <a:fillRef idx="1">
-            <a:schemeClr val="accent1"/>
-          </a:fillRef>
-          <a:effectRef idx="0">
-            <a:schemeClr val="accent1"/>
-          </a:effectRef>
-          <a:fontRef idx="minor">
-            <a:schemeClr val="lt1"/>
-          </a:fontRef>
-        </p:style>
-        <p:txBody>
-          <a:bodyPr rtlCol="0" anchor="ctr"/>
-          <a:lstStyle/>
-          <a:p>
-            <a:pPr algn="ctr"/>
-            <a:endParaRPr kumimoji="1" lang="ja-JP" altLang="en-US"/>
-          </a:p>
-        </p:txBody>
-      </p:sp>
-      <p:sp>
-        <p:nvSpPr>
-          <p:cNvPr id="10" name="テキスト ボックス 9">
-            <a:extLst>
-              <a:ext uri="{FF2B5EF4-FFF2-40B4-BE49-F238E27FC236}">
-                <a16:creationId xmlns:a16="http://schemas.microsoft.com/office/drawing/2014/main" id="{D2E0BB24-9F6B-FCE0-B878-91A73ADBBABD}"/>
-              </a:ext>
-            </a:extLst>
-          </p:cNvPr>
-          <p:cNvSpPr txBox="1"/>
-          <p:nvPr/>
-        </p:nvSpPr>
-        <p:spPr>
-          <a:xfrm>
-            <a:off x="3861424" y="6505008"/>
-            <a:ext cx="4490720" cy="307777"/>
-          </a:xfrm>
-          <a:prstGeom prst="rect">
-            <a:avLst/>
-          </a:prstGeom>
-          <a:noFill/>
-        </p:spPr>
-        <p:txBody>
-          <a:bodyPr wrap="square" rtlCol="0">
-            <a:spAutoFit/>
-          </a:bodyPr>
-          <a:lstStyle/>
-          <a:p>
-            <a:r>
-              <a:rPr kumimoji="1" lang="en-US" altLang="ja-JP" sz="1400" dirty="0">
-                <a:solidFill>
-                  <a:srgbClr val="001746"/>
-                </a:solidFill>
-              </a:rPr>
-              <a:t>Copyright </a:t>
-            </a:r>
-            <a:r>
-              <a:rPr kumimoji="1" lang="en-US" altLang="ja-JP" sz="1400" dirty="0" err="1">
-                <a:solidFill>
-                  <a:srgbClr val="001746"/>
-                </a:solidFill>
-              </a:rPr>
-              <a:t>paraparaChahan</a:t>
-            </a:r>
-            <a:r>
-              <a:rPr kumimoji="1" lang="en-US" altLang="ja-JP" sz="1400" dirty="0">
-                <a:solidFill>
-                  <a:srgbClr val="001746"/>
-                </a:solidFill>
-              </a:rPr>
-              <a:t>(PLUS DOJO). All rights reserved.</a:t>
-            </a:r>
-            <a:endParaRPr kumimoji="1" lang="ja-JP" altLang="en-US" sz="1400" dirty="0">
-              <a:solidFill>
-                <a:srgbClr val="001746"/>
-              </a:solidFill>
-            </a:endParaRPr>
-          </a:p>
-        </p:txBody>
-      </p:sp>
-      <p:sp>
-        <p:nvSpPr>
-          <p:cNvPr id="11" name="四角形: 角を丸くする 10">
-            <a:extLst>
-              <a:ext uri="{FF2B5EF4-FFF2-40B4-BE49-F238E27FC236}">
-                <a16:creationId xmlns:a16="http://schemas.microsoft.com/office/drawing/2014/main" id="{C8CB9416-11D2-A1EC-7D44-949F6B1EB429}"/>
-              </a:ext>
-            </a:extLst>
-          </p:cNvPr>
-          <p:cNvSpPr/>
-          <p:nvPr/>
-        </p:nvSpPr>
-        <p:spPr>
-          <a:xfrm>
-            <a:off x="1854680" y="1725283"/>
-            <a:ext cx="2360481" cy="2177644"/>
-          </a:xfrm>
-          <a:prstGeom prst="roundRect">
-            <a:avLst>
-              <a:gd name="adj" fmla="val 11781"/>
-            </a:avLst>
-          </a:prstGeom>
-          <a:solidFill>
-            <a:srgbClr val="F9E799"/>
-          </a:solidFill>
-          <a:ln>
-            <a:noFill/>
-          </a:ln>
-        </p:spPr>
-        <p:style>
-          <a:lnRef idx="2">
-            <a:schemeClr val="accent1">
-              <a:shade val="15000"/>
-            </a:schemeClr>
-          </a:lnRef>
-          <a:fillRef idx="1">
-            <a:schemeClr val="accent1"/>
-          </a:fillRef>
-          <a:effectRef idx="0">
-            <a:schemeClr val="accent1"/>
-          </a:effectRef>
-          <a:fontRef idx="minor">
-            <a:schemeClr val="lt1"/>
-          </a:fontRef>
-        </p:style>
-        <p:txBody>
-          <a:bodyPr rtlCol="0" anchor="ctr"/>
-          <a:lstStyle/>
-          <a:p>
-            <a:pPr algn="ctr"/>
-            <a:endParaRPr kumimoji="1" lang="ja-JP" altLang="en-US" dirty="0"/>
-          </a:p>
-        </p:txBody>
-      </p:sp>
-      <p:sp>
-        <p:nvSpPr>
-          <p:cNvPr id="12" name="四角形: 角を丸くする 11">
-            <a:extLst>
-              <a:ext uri="{FF2B5EF4-FFF2-40B4-BE49-F238E27FC236}">
-                <a16:creationId xmlns:a16="http://schemas.microsoft.com/office/drawing/2014/main" id="{93B1C024-3636-1A66-6187-D7B3EE299044}"/>
-              </a:ext>
-            </a:extLst>
-          </p:cNvPr>
-          <p:cNvSpPr/>
-          <p:nvPr/>
-        </p:nvSpPr>
-        <p:spPr>
-          <a:xfrm>
-            <a:off x="4915759" y="1745427"/>
-            <a:ext cx="2360481" cy="2177644"/>
-          </a:xfrm>
-          <a:prstGeom prst="roundRect">
-            <a:avLst>
-              <a:gd name="adj" fmla="val 11781"/>
-            </a:avLst>
-          </a:prstGeom>
-          <a:solidFill>
-            <a:srgbClr val="F9E799"/>
-          </a:solidFill>
-          <a:ln>
-            <a:noFill/>
-          </a:ln>
-        </p:spPr>
-        <p:style>
-          <a:lnRef idx="2">
-            <a:schemeClr val="accent1">
-              <a:shade val="15000"/>
-            </a:schemeClr>
-          </a:lnRef>
-          <a:fillRef idx="1">
-            <a:schemeClr val="accent1"/>
-          </a:fillRef>
-          <a:effectRef idx="0">
-            <a:schemeClr val="accent1"/>
-          </a:effectRef>
-          <a:fontRef idx="minor">
-            <a:schemeClr val="lt1"/>
-          </a:fontRef>
-        </p:style>
-        <p:txBody>
-          <a:bodyPr rtlCol="0" anchor="ctr"/>
-          <a:lstStyle/>
-          <a:p>
-            <a:pPr algn="ctr"/>
-            <a:endParaRPr kumimoji="1" lang="ja-JP" altLang="en-US" dirty="0"/>
-          </a:p>
-        </p:txBody>
-      </p:sp>
-      <p:sp>
-        <p:nvSpPr>
-          <p:cNvPr id="13" name="四角形: 角を丸くする 12">
-            <a:extLst>
-              <a:ext uri="{FF2B5EF4-FFF2-40B4-BE49-F238E27FC236}">
-                <a16:creationId xmlns:a16="http://schemas.microsoft.com/office/drawing/2014/main" id="{D50C44EF-F437-C530-EC1D-C34492AF1C8F}"/>
-              </a:ext>
-            </a:extLst>
-          </p:cNvPr>
-          <p:cNvSpPr/>
-          <p:nvPr/>
-        </p:nvSpPr>
-        <p:spPr>
-          <a:xfrm>
-            <a:off x="7976838" y="1725283"/>
-            <a:ext cx="2360481" cy="2177644"/>
-          </a:xfrm>
-          <a:prstGeom prst="roundRect">
-            <a:avLst>
-              <a:gd name="adj" fmla="val 11781"/>
-            </a:avLst>
-          </a:prstGeom>
-          <a:solidFill>
-            <a:srgbClr val="F9E799"/>
-          </a:solidFill>
-          <a:ln>
-            <a:noFill/>
-          </a:ln>
-        </p:spPr>
-        <p:style>
-          <a:lnRef idx="2">
-            <a:schemeClr val="accent1">
-              <a:shade val="15000"/>
-            </a:schemeClr>
-          </a:lnRef>
-          <a:fillRef idx="1">
-            <a:schemeClr val="accent1"/>
-          </a:fillRef>
-          <a:effectRef idx="0">
-            <a:schemeClr val="accent1"/>
-          </a:effectRef>
-          <a:fontRef idx="minor">
-            <a:schemeClr val="lt1"/>
-          </a:fontRef>
-        </p:style>
-        <p:txBody>
-          <a:bodyPr rtlCol="0" anchor="ctr"/>
-          <a:lstStyle/>
-          <a:p>
-            <a:pPr algn="ctr"/>
-            <a:endParaRPr kumimoji="1" lang="ja-JP" altLang="en-US" dirty="0"/>
-          </a:p>
-        </p:txBody>
-      </p:sp>
-      <p:sp>
-        <p:nvSpPr>
-          <p:cNvPr id="14" name="四角形: 角を丸くする 13">
-            <a:extLst>
-              <a:ext uri="{FF2B5EF4-FFF2-40B4-BE49-F238E27FC236}">
-                <a16:creationId xmlns:a16="http://schemas.microsoft.com/office/drawing/2014/main" id="{70FB40BF-E2D8-365B-F902-77AA6196C020}"/>
-              </a:ext>
-            </a:extLst>
-          </p:cNvPr>
-          <p:cNvSpPr/>
-          <p:nvPr/>
-        </p:nvSpPr>
-        <p:spPr>
-          <a:xfrm>
-            <a:off x="1854680" y="4241862"/>
-            <a:ext cx="2360481" cy="2177644"/>
-          </a:xfrm>
-          <a:prstGeom prst="roundRect">
-            <a:avLst>
-              <a:gd name="adj" fmla="val 11781"/>
-            </a:avLst>
-          </a:prstGeom>
-          <a:solidFill>
-            <a:srgbClr val="F9E799"/>
-          </a:solidFill>
-          <a:ln>
-            <a:noFill/>
-          </a:ln>
-        </p:spPr>
-        <p:style>
-          <a:lnRef idx="2">
-            <a:schemeClr val="accent1">
-              <a:shade val="15000"/>
-            </a:schemeClr>
-          </a:lnRef>
-          <a:fillRef idx="1">
-            <a:schemeClr val="accent1"/>
-          </a:fillRef>
-          <a:effectRef idx="0">
-            <a:schemeClr val="accent1"/>
-          </a:effectRef>
-          <a:fontRef idx="minor">
-            <a:schemeClr val="lt1"/>
-          </a:fontRef>
-        </p:style>
-        <p:txBody>
-          <a:bodyPr rtlCol="0" anchor="ctr"/>
-          <a:lstStyle/>
-          <a:p>
-            <a:pPr algn="ctr"/>
-            <a:endParaRPr kumimoji="1" lang="ja-JP" altLang="en-US" dirty="0"/>
-          </a:p>
-        </p:txBody>
-      </p:sp>
-      <p:sp>
-        <p:nvSpPr>
-          <p:cNvPr id="15" name="四角形: 角を丸くする 14">
-            <a:extLst>
-              <a:ext uri="{FF2B5EF4-FFF2-40B4-BE49-F238E27FC236}">
-                <a16:creationId xmlns:a16="http://schemas.microsoft.com/office/drawing/2014/main" id="{97D47777-951E-BE1D-C13F-BFEE903E566E}"/>
-              </a:ext>
-            </a:extLst>
-          </p:cNvPr>
-          <p:cNvSpPr/>
-          <p:nvPr/>
-        </p:nvSpPr>
-        <p:spPr>
-          <a:xfrm>
-            <a:off x="4915758" y="4236935"/>
-            <a:ext cx="2360481" cy="2177644"/>
-          </a:xfrm>
-          <a:prstGeom prst="roundRect">
-            <a:avLst>
-              <a:gd name="adj" fmla="val 11781"/>
-            </a:avLst>
-          </a:prstGeom>
-          <a:solidFill>
-            <a:srgbClr val="F9E799"/>
-          </a:solidFill>
-          <a:ln>
-            <a:noFill/>
-          </a:ln>
-        </p:spPr>
-        <p:style>
-          <a:lnRef idx="2">
-            <a:schemeClr val="accent1">
-              <a:shade val="15000"/>
-            </a:schemeClr>
-          </a:lnRef>
-          <a:fillRef idx="1">
-            <a:schemeClr val="accent1"/>
-          </a:fillRef>
-          <a:effectRef idx="0">
-            <a:schemeClr val="accent1"/>
-          </a:effectRef>
-          <a:fontRef idx="minor">
-            <a:schemeClr val="lt1"/>
-          </a:fontRef>
-        </p:style>
-        <p:txBody>
-          <a:bodyPr rtlCol="0" anchor="ctr"/>
-          <a:lstStyle/>
-          <a:p>
-            <a:pPr algn="ctr"/>
-            <a:endParaRPr kumimoji="1" lang="ja-JP" altLang="en-US" dirty="0"/>
-          </a:p>
-        </p:txBody>
-      </p:sp>
-      <p:sp>
-        <p:nvSpPr>
-          <p:cNvPr id="16" name="四角形: 角を丸くする 15">
-            <a:extLst>
-              <a:ext uri="{FF2B5EF4-FFF2-40B4-BE49-F238E27FC236}">
-                <a16:creationId xmlns:a16="http://schemas.microsoft.com/office/drawing/2014/main" id="{246BAD66-53A2-310E-BF61-B943A5211592}"/>
-              </a:ext>
-            </a:extLst>
-          </p:cNvPr>
-          <p:cNvSpPr/>
-          <p:nvPr/>
-        </p:nvSpPr>
-        <p:spPr>
-          <a:xfrm>
-            <a:off x="7976836" y="4236935"/>
-            <a:ext cx="2360481" cy="2177644"/>
-          </a:xfrm>
-          <a:prstGeom prst="roundRect">
-            <a:avLst>
-              <a:gd name="adj" fmla="val 11781"/>
-            </a:avLst>
-          </a:prstGeom>
-          <a:noFill/>
-          <a:ln w="57150">
-            <a:solidFill>
-              <a:srgbClr val="F9E799"/>
-            </a:solidFill>
-            <a:prstDash val="dash"/>
-          </a:ln>
-        </p:spPr>
-        <p:style>
-          <a:lnRef idx="2">
-            <a:schemeClr val="accent1">
-              <a:shade val="15000"/>
-            </a:schemeClr>
-          </a:lnRef>
-          <a:fillRef idx="1">
-            <a:schemeClr val="accent1"/>
-          </a:fillRef>
-          <a:effectRef idx="0">
-            <a:schemeClr val="accent1"/>
-          </a:effectRef>
-          <a:fontRef idx="minor">
-            <a:schemeClr val="lt1"/>
-          </a:fontRef>
-        </p:style>
-        <p:txBody>
-          <a:bodyPr rtlCol="0" anchor="ctr"/>
-          <a:lstStyle/>
-          <a:p>
-            <a:pPr algn="ctr"/>
-            <a:endParaRPr kumimoji="1" lang="ja-JP" altLang="en-US" dirty="0"/>
-          </a:p>
-        </p:txBody>
-      </p:sp>
-      <p:sp>
-        <p:nvSpPr>
-          <p:cNvPr id="17" name="十字形 16">
-            <a:extLst>
-              <a:ext uri="{FF2B5EF4-FFF2-40B4-BE49-F238E27FC236}">
-                <a16:creationId xmlns:a16="http://schemas.microsoft.com/office/drawing/2014/main" id="{9A1E17CC-5FFB-20E6-264A-E78F1B77C85F}"/>
-              </a:ext>
-            </a:extLst>
-          </p:cNvPr>
-          <p:cNvSpPr/>
-          <p:nvPr/>
-        </p:nvSpPr>
-        <p:spPr>
-          <a:xfrm>
-            <a:off x="8616242" y="4779347"/>
-            <a:ext cx="1081668" cy="1092819"/>
-          </a:xfrm>
-          <a:prstGeom prst="plus">
-            <a:avLst>
-              <a:gd name="adj" fmla="val 45306"/>
-            </a:avLst>
-          </a:prstGeom>
-          <a:solidFill>
-            <a:srgbClr val="F9E799"/>
-          </a:solidFill>
-          <a:ln>
-            <a:solidFill>
-              <a:srgbClr val="F9E799"/>
-            </a:solidFill>
-          </a:ln>
-        </p:spPr>
-        <p:style>
-          <a:lnRef idx="2">
-            <a:schemeClr val="accent1">
-              <a:shade val="15000"/>
-            </a:schemeClr>
-          </a:lnRef>
-          <a:fillRef idx="1">
-            <a:schemeClr val="accent1"/>
-          </a:fillRef>
-          <a:effectRef idx="0">
-            <a:schemeClr val="accent1"/>
-          </a:effectRef>
-          <a:fontRef idx="minor">
-            <a:schemeClr val="lt1"/>
-          </a:fontRef>
-        </p:style>
-        <p:txBody>
-          <a:bodyPr rtlCol="0" anchor="ctr"/>
-          <a:lstStyle/>
-          <a:p>
-            <a:pPr algn="ctr"/>
-            <a:endParaRPr kumimoji="1" lang="ja-JP" altLang="en-US"/>
-          </a:p>
-        </p:txBody>
-      </p:sp>
-      <p:sp>
-        <p:nvSpPr>
-          <p:cNvPr id="21" name="四角形: 角を丸くする 20">
-            <a:extLst>
-              <a:ext uri="{FF2B5EF4-FFF2-40B4-BE49-F238E27FC236}">
-                <a16:creationId xmlns:a16="http://schemas.microsoft.com/office/drawing/2014/main" id="{B29C8612-9C4D-8CFF-CD60-EB2D61583539}"/>
-              </a:ext>
-            </a:extLst>
-          </p:cNvPr>
-          <p:cNvSpPr/>
-          <p:nvPr/>
-        </p:nvSpPr>
-        <p:spPr>
-          <a:xfrm>
-            <a:off x="2354695" y="2184840"/>
-            <a:ext cx="1325207" cy="1258530"/>
-          </a:xfrm>
-          <a:prstGeom prst="roundRect">
-            <a:avLst/>
-          </a:prstGeom>
-          <a:solidFill>
-            <a:schemeClr val="bg1"/>
-          </a:solidFill>
-          <a:ln>
-            <a:noFill/>
-          </a:ln>
-        </p:spPr>
-        <p:style>
-          <a:lnRef idx="2">
-            <a:schemeClr val="accent1">
-              <a:shade val="15000"/>
-            </a:schemeClr>
-          </a:lnRef>
-          <a:fillRef idx="1">
-            <a:schemeClr val="accent1"/>
-          </a:fillRef>
-          <a:effectRef idx="0">
-            <a:schemeClr val="accent1"/>
-          </a:effectRef>
-          <a:fontRef idx="minor">
-            <a:schemeClr val="lt1"/>
-          </a:fontRef>
-        </p:style>
-        <p:txBody>
-          <a:bodyPr rtlCol="0" anchor="ctr"/>
-          <a:lstStyle/>
-          <a:p>
-            <a:pPr algn="ctr"/>
-            <a:endParaRPr kumimoji="1" lang="ja-JP" altLang="en-US"/>
-          </a:p>
-        </p:txBody>
-      </p:sp>
-      <p:sp>
-        <p:nvSpPr>
-          <p:cNvPr id="22" name="四角形: 角を丸くする 21">
-            <a:extLst>
-              <a:ext uri="{FF2B5EF4-FFF2-40B4-BE49-F238E27FC236}">
-                <a16:creationId xmlns:a16="http://schemas.microsoft.com/office/drawing/2014/main" id="{DFECB23E-D027-DBB5-1F02-80188E6A0870}"/>
-              </a:ext>
-            </a:extLst>
-          </p:cNvPr>
-          <p:cNvSpPr/>
-          <p:nvPr/>
-        </p:nvSpPr>
-        <p:spPr>
-          <a:xfrm>
-            <a:off x="5433396" y="2192208"/>
-            <a:ext cx="1325207" cy="1258530"/>
-          </a:xfrm>
-          <a:prstGeom prst="roundRect">
-            <a:avLst/>
-          </a:prstGeom>
-          <a:solidFill>
-            <a:schemeClr val="bg1"/>
-          </a:solidFill>
-          <a:ln>
-            <a:noFill/>
-          </a:ln>
-        </p:spPr>
-        <p:style>
-          <a:lnRef idx="2">
-            <a:schemeClr val="accent1">
-              <a:shade val="15000"/>
-            </a:schemeClr>
-          </a:lnRef>
-          <a:fillRef idx="1">
-            <a:schemeClr val="accent1"/>
-          </a:fillRef>
-          <a:effectRef idx="0">
-            <a:schemeClr val="accent1"/>
-          </a:effectRef>
-          <a:fontRef idx="minor">
-            <a:schemeClr val="lt1"/>
-          </a:fontRef>
-        </p:style>
-        <p:txBody>
-          <a:bodyPr rtlCol="0" anchor="ctr"/>
-          <a:lstStyle/>
-          <a:p>
-            <a:pPr algn="ctr"/>
-            <a:endParaRPr kumimoji="1" lang="ja-JP" altLang="en-US"/>
-          </a:p>
-        </p:txBody>
-      </p:sp>
-      <p:sp>
-        <p:nvSpPr>
-          <p:cNvPr id="24" name="四角形: 角を丸くする 23">
-            <a:extLst>
-              <a:ext uri="{FF2B5EF4-FFF2-40B4-BE49-F238E27FC236}">
-                <a16:creationId xmlns:a16="http://schemas.microsoft.com/office/drawing/2014/main" id="{2DFF1C16-C2C1-E23C-DF60-B0DA2E517587}"/>
-              </a:ext>
-            </a:extLst>
-          </p:cNvPr>
-          <p:cNvSpPr/>
-          <p:nvPr/>
-        </p:nvSpPr>
-        <p:spPr>
-          <a:xfrm>
-            <a:off x="8506228" y="2192208"/>
-            <a:ext cx="1325207" cy="1258530"/>
-          </a:xfrm>
-          <a:prstGeom prst="roundRect">
-            <a:avLst/>
-          </a:prstGeom>
-          <a:solidFill>
-            <a:schemeClr val="bg1"/>
-          </a:solidFill>
-          <a:ln>
-            <a:noFill/>
-          </a:ln>
-        </p:spPr>
-        <p:style>
-          <a:lnRef idx="2">
-            <a:schemeClr val="accent1">
-              <a:shade val="15000"/>
-            </a:schemeClr>
-          </a:lnRef>
-          <a:fillRef idx="1">
-            <a:schemeClr val="accent1"/>
-          </a:fillRef>
-          <a:effectRef idx="0">
-            <a:schemeClr val="accent1"/>
-          </a:effectRef>
-          <a:fontRef idx="minor">
-            <a:schemeClr val="lt1"/>
-          </a:fontRef>
-        </p:style>
-        <p:txBody>
-          <a:bodyPr rtlCol="0" anchor="ctr"/>
-          <a:lstStyle/>
-          <a:p>
-            <a:pPr algn="ctr"/>
-            <a:endParaRPr kumimoji="1" lang="ja-JP" altLang="en-US"/>
-          </a:p>
-        </p:txBody>
-      </p:sp>
-      <p:sp>
-        <p:nvSpPr>
-          <p:cNvPr id="26" name="四角形: 角を丸くする 25">
-            <a:extLst>
-              <a:ext uri="{FF2B5EF4-FFF2-40B4-BE49-F238E27FC236}">
-                <a16:creationId xmlns:a16="http://schemas.microsoft.com/office/drawing/2014/main" id="{F94691F5-EDC4-6915-74FD-67B69E327AA3}"/>
-              </a:ext>
-            </a:extLst>
-          </p:cNvPr>
-          <p:cNvSpPr/>
-          <p:nvPr/>
-        </p:nvSpPr>
-        <p:spPr>
-          <a:xfrm>
-            <a:off x="2354695" y="4704789"/>
-            <a:ext cx="1325207" cy="1258530"/>
-          </a:xfrm>
-          <a:prstGeom prst="roundRect">
-            <a:avLst/>
-          </a:prstGeom>
-          <a:solidFill>
-            <a:schemeClr val="bg1"/>
-          </a:solidFill>
-          <a:ln>
-            <a:noFill/>
-          </a:ln>
-        </p:spPr>
-        <p:style>
-          <a:lnRef idx="2">
-            <a:schemeClr val="accent1">
-              <a:shade val="15000"/>
-            </a:schemeClr>
-          </a:lnRef>
-          <a:fillRef idx="1">
-            <a:schemeClr val="accent1"/>
-          </a:fillRef>
-          <a:effectRef idx="0">
-            <a:schemeClr val="accent1"/>
-          </a:effectRef>
-          <a:fontRef idx="minor">
-            <a:schemeClr val="lt1"/>
-          </a:fontRef>
-        </p:style>
-        <p:txBody>
-          <a:bodyPr rtlCol="0" anchor="ctr"/>
-          <a:lstStyle/>
-          <a:p>
-            <a:pPr algn="ctr"/>
-            <a:endParaRPr kumimoji="1" lang="ja-JP" altLang="en-US"/>
-          </a:p>
-        </p:txBody>
-      </p:sp>
-      <p:sp>
-        <p:nvSpPr>
-          <p:cNvPr id="28" name="四角形: 角を丸くする 27">
-            <a:extLst>
-              <a:ext uri="{FF2B5EF4-FFF2-40B4-BE49-F238E27FC236}">
-                <a16:creationId xmlns:a16="http://schemas.microsoft.com/office/drawing/2014/main" id="{33015562-F7DC-D8DB-F95C-2F31D95A3473}"/>
-              </a:ext>
-            </a:extLst>
-          </p:cNvPr>
-          <p:cNvSpPr/>
-          <p:nvPr/>
-        </p:nvSpPr>
-        <p:spPr>
-          <a:xfrm>
-            <a:off x="5433396" y="4702705"/>
-            <a:ext cx="1325207" cy="1258530"/>
-          </a:xfrm>
-          <a:prstGeom prst="roundRect">
-            <a:avLst/>
-          </a:prstGeom>
-          <a:solidFill>
-            <a:schemeClr val="bg1"/>
-          </a:solidFill>
-          <a:ln>
-            <a:noFill/>
-          </a:ln>
-        </p:spPr>
-        <p:style>
-          <a:lnRef idx="2">
-            <a:schemeClr val="accent1">
-              <a:shade val="15000"/>
-            </a:schemeClr>
-          </a:lnRef>
-          <a:fillRef idx="1">
-            <a:schemeClr val="accent1"/>
-          </a:fillRef>
-          <a:effectRef idx="0">
-            <a:schemeClr val="accent1"/>
-          </a:effectRef>
-          <a:fontRef idx="minor">
-            <a:schemeClr val="lt1"/>
-          </a:fontRef>
-        </p:style>
-        <p:txBody>
-          <a:bodyPr rtlCol="0" anchor="ctr"/>
-          <a:lstStyle/>
-          <a:p>
-            <a:pPr algn="ctr"/>
-            <a:endParaRPr kumimoji="1" lang="ja-JP" altLang="en-US"/>
-          </a:p>
-        </p:txBody>
-      </p:sp>
-      <p:pic>
-        <p:nvPicPr>
-          <p:cNvPr id="33" name="グラフィックス 32" descr="さくらんぼ 枠線">
-            <a:extLst>
-              <a:ext uri="{FF2B5EF4-FFF2-40B4-BE49-F238E27FC236}">
-                <a16:creationId xmlns:a16="http://schemas.microsoft.com/office/drawing/2014/main" id="{78F53EFD-2A12-864E-E1F2-E2E7245BD12F}"/>
-              </a:ext>
-            </a:extLst>
-          </p:cNvPr>
-          <p:cNvPicPr>
-            <a:picLocks noChangeAspect="1"/>
-          </p:cNvPicPr>
-          <p:nvPr/>
-        </p:nvPicPr>
-        <p:blipFill>
-          <a:blip r:embed="rId4">
-            <a:extLst>
-              <a:ext uri="{28A0092B-C50C-407E-A947-70E740481C1C}">
-                <a14:useLocalDpi xmlns:a14="http://schemas.microsoft.com/office/drawing/2010/main" val="0"/>
-              </a:ext>
-              <a:ext uri="{96DAC541-7B7A-43D3-8B79-37D633B846F1}">
-                <asvg:svgBlip xmlns:asvg="http://schemas.microsoft.com/office/drawing/2016/SVG/main" r:embed="rId5"/>
-              </a:ext>
-            </a:extLst>
-          </a:blip>
-          <a:stretch>
-            <a:fillRect/>
-          </a:stretch>
-        </p:blipFill>
-        <p:spPr>
-          <a:xfrm>
-            <a:off x="5638798" y="2377049"/>
-            <a:ext cx="914400" cy="914400"/>
-          </a:xfrm>
-          <a:prstGeom prst="rect">
-            <a:avLst/>
-          </a:prstGeom>
-        </p:spPr>
-      </p:pic>
-      <p:pic>
-        <p:nvPicPr>
-          <p:cNvPr id="35" name="グラフィックス 34" descr="ドングリ 単色塗りつぶし">
-            <a:extLst>
-              <a:ext uri="{FF2B5EF4-FFF2-40B4-BE49-F238E27FC236}">
-                <a16:creationId xmlns:a16="http://schemas.microsoft.com/office/drawing/2014/main" id="{E0A5422F-B975-AC0B-FC9F-6443AC0C40D4}"/>
-              </a:ext>
-            </a:extLst>
-          </p:cNvPr>
-          <p:cNvPicPr>
-            <a:picLocks noChangeAspect="1"/>
-          </p:cNvPicPr>
-          <p:nvPr/>
-        </p:nvPicPr>
-        <p:blipFill>
-          <a:blip r:embed="rId6">
-            <a:extLst>
-              <a:ext uri="{28A0092B-C50C-407E-A947-70E740481C1C}">
-                <a14:useLocalDpi xmlns:a14="http://schemas.microsoft.com/office/drawing/2010/main" val="0"/>
-              </a:ext>
-              <a:ext uri="{96DAC541-7B7A-43D3-8B79-37D633B846F1}">
-                <asvg:svgBlip xmlns:asvg="http://schemas.microsoft.com/office/drawing/2016/SVG/main" r:embed="rId7"/>
-              </a:ext>
-            </a:extLst>
-          </a:blip>
-          <a:stretch>
-            <a:fillRect/>
-          </a:stretch>
-        </p:blipFill>
-        <p:spPr>
-          <a:xfrm>
-            <a:off x="8712777" y="2364273"/>
-            <a:ext cx="914400" cy="914400"/>
-          </a:xfrm>
-          <a:prstGeom prst="rect">
-            <a:avLst/>
-          </a:prstGeom>
-        </p:spPr>
-      </p:pic>
-      <p:pic>
-        <p:nvPicPr>
-          <p:cNvPr id="37" name="グラフィックス 36" descr="ピエロ 単色塗りつぶし">
-            <a:extLst>
-              <a:ext uri="{FF2B5EF4-FFF2-40B4-BE49-F238E27FC236}">
-                <a16:creationId xmlns:a16="http://schemas.microsoft.com/office/drawing/2014/main" id="{1A7FEB07-913B-9D41-2774-9BBACDF0A7C1}"/>
-              </a:ext>
-            </a:extLst>
-          </p:cNvPr>
-          <p:cNvPicPr>
-            <a:picLocks noChangeAspect="1"/>
-          </p:cNvPicPr>
-          <p:nvPr/>
-        </p:nvPicPr>
-        <p:blipFill>
-          <a:blip r:embed="rId8">
-            <a:extLst>
-              <a:ext uri="{28A0092B-C50C-407E-A947-70E740481C1C}">
-                <a14:useLocalDpi xmlns:a14="http://schemas.microsoft.com/office/drawing/2010/main" val="0"/>
-              </a:ext>
-              <a:ext uri="{96DAC541-7B7A-43D3-8B79-37D633B846F1}">
-                <asvg:svgBlip xmlns:asvg="http://schemas.microsoft.com/office/drawing/2016/SVG/main" r:embed="rId9"/>
-              </a:ext>
-            </a:extLst>
-          </a:blip>
-          <a:stretch>
-            <a:fillRect/>
-          </a:stretch>
-        </p:blipFill>
-        <p:spPr>
-          <a:xfrm>
-            <a:off x="2560098" y="2356905"/>
-            <a:ext cx="914400" cy="914400"/>
-          </a:xfrm>
-          <a:prstGeom prst="rect">
-            <a:avLst/>
-          </a:prstGeom>
-        </p:spPr>
-      </p:pic>
-      <p:pic>
-        <p:nvPicPr>
-          <p:cNvPr id="39" name="グラフィックス 38" descr="カップケーキ 単色塗りつぶし">
-            <a:extLst>
-              <a:ext uri="{FF2B5EF4-FFF2-40B4-BE49-F238E27FC236}">
-                <a16:creationId xmlns:a16="http://schemas.microsoft.com/office/drawing/2014/main" id="{832B4AC8-6AB4-D20A-F45B-F90AFAD4D177}"/>
-              </a:ext>
-            </a:extLst>
-          </p:cNvPr>
-          <p:cNvPicPr>
-            <a:picLocks noChangeAspect="1"/>
-          </p:cNvPicPr>
-          <p:nvPr/>
-        </p:nvPicPr>
-        <p:blipFill>
-          <a:blip r:embed="rId10">
-            <a:extLst>
-              <a:ext uri="{28A0092B-C50C-407E-A947-70E740481C1C}">
-                <a14:useLocalDpi xmlns:a14="http://schemas.microsoft.com/office/drawing/2010/main" val="0"/>
-              </a:ext>
-              <a:ext uri="{96DAC541-7B7A-43D3-8B79-37D633B846F1}">
-                <asvg:svgBlip xmlns:asvg="http://schemas.microsoft.com/office/drawing/2016/SVG/main" r:embed="rId11"/>
-              </a:ext>
-            </a:extLst>
-          </a:blip>
-          <a:stretch>
-            <a:fillRect/>
-          </a:stretch>
-        </p:blipFill>
-        <p:spPr>
-          <a:xfrm>
-            <a:off x="5638798" y="4868556"/>
-            <a:ext cx="914400" cy="914400"/>
-          </a:xfrm>
-          <a:prstGeom prst="rect">
-            <a:avLst/>
-          </a:prstGeom>
-        </p:spPr>
-      </p:pic>
-      <p:pic>
-        <p:nvPicPr>
-          <p:cNvPr id="41" name="グラフィックス 40" descr="花 枠線">
-            <a:extLst>
-              <a:ext uri="{FF2B5EF4-FFF2-40B4-BE49-F238E27FC236}">
-                <a16:creationId xmlns:a16="http://schemas.microsoft.com/office/drawing/2014/main" id="{3D078AFC-BAAB-9458-3221-6F42DD428B12}"/>
-              </a:ext>
-            </a:extLst>
-          </p:cNvPr>
-          <p:cNvPicPr>
-            <a:picLocks noChangeAspect="1"/>
-          </p:cNvPicPr>
-          <p:nvPr/>
-        </p:nvPicPr>
-        <p:blipFill>
-          <a:blip r:embed="rId12">
-            <a:extLst>
-              <a:ext uri="{28A0092B-C50C-407E-A947-70E740481C1C}">
-                <a14:useLocalDpi xmlns:a14="http://schemas.microsoft.com/office/drawing/2010/main" val="0"/>
-              </a:ext>
-              <a:ext uri="{96DAC541-7B7A-43D3-8B79-37D633B846F1}">
-                <asvg:svgBlip xmlns:asvg="http://schemas.microsoft.com/office/drawing/2016/SVG/main" r:embed="rId13"/>
-              </a:ext>
-            </a:extLst>
-          </a:blip>
-          <a:stretch>
-            <a:fillRect/>
-          </a:stretch>
-        </p:blipFill>
-        <p:spPr>
-          <a:xfrm>
-            <a:off x="2560098" y="4862980"/>
-            <a:ext cx="914400" cy="914400"/>
-          </a:xfrm>
-          <a:prstGeom prst="rect">
-            <a:avLst/>
-          </a:prstGeom>
-        </p:spPr>
-      </p:pic>
-    </p:spTree>
-    <p:extLst>
-      <p:ext uri="{BB962C8B-B14F-4D97-AF65-F5344CB8AC3E}">
-        <p14:creationId xmlns:p14="http://schemas.microsoft.com/office/powerpoint/2010/main" val="1308151473"/>
       </p:ext>
     </p:extLst>
   </p:cSld>
